--- a/课程PPT/07.JavaScript面向对象编程 一.pptx
+++ b/课程PPT/07.JavaScript面向对象编程 一.pptx
@@ -14,22 +14,23 @@
     <p:sldId id="1242" r:id="rId7"/>
     <p:sldId id="1243" r:id="rId8"/>
     <p:sldId id="1244" r:id="rId9"/>
-    <p:sldId id="1247" r:id="rId10"/>
-    <p:sldId id="1248" r:id="rId11"/>
-    <p:sldId id="1249" r:id="rId12"/>
-    <p:sldId id="1250" r:id="rId13"/>
-    <p:sldId id="1251" r:id="rId14"/>
-    <p:sldId id="1252" r:id="rId15"/>
-    <p:sldId id="1254" r:id="rId16"/>
-    <p:sldId id="1257" r:id="rId17"/>
-    <p:sldId id="1258" r:id="rId18"/>
-    <p:sldId id="1240" r:id="rId19"/>
-    <p:sldId id="1259" r:id="rId20"/>
-    <p:sldId id="1192" r:id="rId21"/>
-    <p:sldId id="1203" r:id="rId22"/>
-    <p:sldId id="1197" r:id="rId23"/>
-    <p:sldId id="1198" r:id="rId24"/>
-    <p:sldId id="1191" r:id="rId25"/>
+    <p:sldId id="1267" r:id="rId10"/>
+    <p:sldId id="1247" r:id="rId11"/>
+    <p:sldId id="1248" r:id="rId12"/>
+    <p:sldId id="1249" r:id="rId13"/>
+    <p:sldId id="1250" r:id="rId14"/>
+    <p:sldId id="1251" r:id="rId15"/>
+    <p:sldId id="1252" r:id="rId16"/>
+    <p:sldId id="1254" r:id="rId17"/>
+    <p:sldId id="1257" r:id="rId18"/>
+    <p:sldId id="1258" r:id="rId19"/>
+    <p:sldId id="1240" r:id="rId20"/>
+    <p:sldId id="1259" r:id="rId21"/>
+    <p:sldId id="1192" r:id="rId22"/>
+    <p:sldId id="1203" r:id="rId23"/>
+    <p:sldId id="1197" r:id="rId24"/>
+    <p:sldId id="1198" r:id="rId25"/>
+    <p:sldId id="1191" r:id="rId26"/>
   </p:sldIdLst>
   <p:sldSz cx="12192000" cy="6858000"/>
   <p:notesSz cx="6797675" cy="9928225"/>
@@ -819,6 +820,86 @@
       </p:grpSpPr>
       <p:sp>
         <p:nvSpPr>
+          <p:cNvPr id="2" name="幻灯片图像占位符 1"/>
+          <p:cNvSpPr>
+            <a:spLocks noGrp="1" noRot="1" noChangeAspect="1"/>
+          </p:cNvSpPr>
+          <p:nvPr>
+            <p:ph type="sldImg"/>
+          </p:nvPr>
+        </p:nvSpPr>
+        <p:spPr/>
+      </p:sp>
+      <p:sp>
+        <p:nvSpPr>
+          <p:cNvPr id="3" name="备注占位符 2"/>
+          <p:cNvSpPr>
+            <a:spLocks noGrp="1"/>
+          </p:cNvSpPr>
+          <p:nvPr>
+            <p:ph type="body" idx="1"/>
+          </p:nvPr>
+        </p:nvSpPr>
+        <p:spPr/>
+        <p:txBody>
+          <a:bodyPr/>
+          <a:lstStyle/>
+          <a:p>
+            <a:endParaRPr kumimoji="0" lang="en-US" altLang="zh-CN" dirty="0" smtClean="0">
+              <a:sym typeface="+mn-ea"/>
+            </a:endParaRPr>
+          </a:p>
+        </p:txBody>
+      </p:sp>
+      <p:sp>
+        <p:nvSpPr>
+          <p:cNvPr id="4" name="灯片编号占位符 3"/>
+          <p:cNvSpPr>
+            <a:spLocks noGrp="1"/>
+          </p:cNvSpPr>
+          <p:nvPr>
+            <p:ph type="sldNum" sz="quarter" idx="10"/>
+          </p:nvPr>
+        </p:nvSpPr>
+        <p:spPr/>
+        <p:txBody>
+          <a:bodyPr/>
+          <a:lstStyle/>
+          <a:p>
+            <a:fld id="{D9AFD278-84AA-4CAA-9049-809825956FE0}" type="slidenum">
+              <a:rPr lang="en-US" altLang="zh-CN" smtClean="0"/>
+            </a:fld>
+            <a:endParaRPr lang="zh-CN" altLang="zh-CN"/>
+          </a:p>
+        </p:txBody>
+      </p:sp>
+    </p:spTree>
+  </p:cSld>
+  <p:clrMapOvr>
+    <a:masterClrMapping/>
+  </p:clrMapOvr>
+</p:notes>
+</file>
+
+<file path=ppt/notesSlides/notesSlide13.xml><?xml version="1.0" encoding="utf-8"?>
+<p:notes xmlns:a="http://schemas.openxmlformats.org/drawingml/2006/main" xmlns:r="http://schemas.openxmlformats.org/officeDocument/2006/relationships" xmlns:p="http://schemas.openxmlformats.org/presentationml/2006/main">
+  <p:cSld>
+    <p:spTree>
+      <p:nvGrpSpPr>
+        <p:cNvPr id="1" name=""/>
+        <p:cNvGrpSpPr/>
+        <p:nvPr/>
+      </p:nvGrpSpPr>
+      <p:grpSpPr>
+        <a:xfrm>
+          <a:off x="0" y="0"/>
+          <a:ext cx="0" cy="0"/>
+          <a:chOff x="0" y="0"/>
+          <a:chExt cx="0" cy="0"/>
+        </a:xfrm>
+      </p:grpSpPr>
+      <p:sp>
+        <p:nvSpPr>
           <p:cNvPr id="138" name="Shape 138"/>
           <p:cNvSpPr/>
           <p:nvPr>
@@ -1095,7 +1176,7 @@
 </p:notes>
 </file>
 
-<file path=ppt/notesSlides/notesSlide13.xml><?xml version="1.0" encoding="utf-8"?>
+<file path=ppt/notesSlides/notesSlide14.xml><?xml version="1.0" encoding="utf-8"?>
 <p:notes xmlns:a="http://schemas.openxmlformats.org/drawingml/2006/main" xmlns:r="http://schemas.openxmlformats.org/officeDocument/2006/relationships" xmlns:p="http://schemas.openxmlformats.org/presentationml/2006/main">
   <p:cSld>
     <p:spTree>
@@ -1379,74 +1460,6 @@
               <a:t>，文档对象模型，浏览器对象模型。</a:t>
             </a:r>
             <a:endParaRPr sz="2400"/>
-          </a:p>
-        </p:txBody>
-      </p:sp>
-    </p:spTree>
-  </p:cSld>
-  <p:clrMapOvr>
-    <a:masterClrMapping/>
-  </p:clrMapOvr>
-</p:notes>
-</file>
-
-<file path=ppt/notesSlides/notesSlide14.xml><?xml version="1.0" encoding="utf-8"?>
-<p:notes xmlns:a="http://schemas.openxmlformats.org/drawingml/2006/main" xmlns:r="http://schemas.openxmlformats.org/officeDocument/2006/relationships" xmlns:p="http://schemas.openxmlformats.org/presentationml/2006/main">
-  <p:cSld>
-    <p:spTree>
-      <p:nvGrpSpPr>
-        <p:cNvPr id="1" name=""/>
-        <p:cNvGrpSpPr/>
-        <p:nvPr/>
-      </p:nvGrpSpPr>
-      <p:grpSpPr/>
-      <p:sp>
-        <p:nvSpPr>
-          <p:cNvPr id="2" name="幻灯片图像占位符 1"/>
-          <p:cNvSpPr/>
-          <p:nvPr>
-            <p:ph type="sldImg" idx="2"/>
-          </p:nvPr>
-        </p:nvSpPr>
-        <p:spPr/>
-      </p:sp>
-      <p:sp>
-        <p:nvSpPr>
-          <p:cNvPr id="3" name="文本占位符 2"/>
-          <p:cNvSpPr/>
-          <p:nvPr>
-            <p:ph type="body" idx="3"/>
-          </p:nvPr>
-        </p:nvSpPr>
-        <p:spPr/>
-        <p:txBody>
-          <a:bodyPr/>
-          <a:p>
-            <a:r>
-              <a:rPr lang="zh-CN" altLang="en-US"/>
-              <a:t> 继承是OO语言中一个重要的特性和概念。许多的OO语言中都支持两种继承方式：接口继承和实现继承。</a:t>
-            </a:r>
-            <a:endParaRPr lang="zh-CN" altLang="en-US"/>
-          </a:p>
-          <a:p>
-            <a:endParaRPr lang="zh-CN" altLang="en-US"/>
-          </a:p>
-          <a:p>
-            <a:r>
-              <a:rPr lang="zh-CN" altLang="en-US"/>
-              <a:t>ECMAScript只支持实现继承，其实现继承主要是靠原型链来实现。在PHP语言中，是使用extend来实现继承。那么我们就先来讲讲原型链。</a:t>
-            </a:r>
-            <a:endParaRPr lang="zh-CN" altLang="en-US"/>
-          </a:p>
-          <a:p>
-            <a:endParaRPr lang="zh-CN" altLang="en-US"/>
-          </a:p>
-          <a:p>
-            <a:r>
-              <a:rPr lang="zh-CN" altLang="en-US"/>
-              <a:t>原型链的基本思想是利用原型让一个引用类型继承另一个引用类型的属性和方法</a:t>
-            </a:r>
-            <a:endParaRPr lang="zh-CN" altLang="en-US"/>
           </a:p>
         </p:txBody>
       </p:sp>
@@ -1595,6 +1608,74 @@
 </file>
 
 <file path=ppt/notesSlides/notesSlide17.xml><?xml version="1.0" encoding="utf-8"?>
+<p:notes xmlns:a="http://schemas.openxmlformats.org/drawingml/2006/main" xmlns:r="http://schemas.openxmlformats.org/officeDocument/2006/relationships" xmlns:p="http://schemas.openxmlformats.org/presentationml/2006/main">
+  <p:cSld>
+    <p:spTree>
+      <p:nvGrpSpPr>
+        <p:cNvPr id="1" name=""/>
+        <p:cNvGrpSpPr/>
+        <p:nvPr/>
+      </p:nvGrpSpPr>
+      <p:grpSpPr/>
+      <p:sp>
+        <p:nvSpPr>
+          <p:cNvPr id="2" name="幻灯片图像占位符 1"/>
+          <p:cNvSpPr/>
+          <p:nvPr>
+            <p:ph type="sldImg" idx="2"/>
+          </p:nvPr>
+        </p:nvSpPr>
+        <p:spPr/>
+      </p:sp>
+      <p:sp>
+        <p:nvSpPr>
+          <p:cNvPr id="3" name="文本占位符 2"/>
+          <p:cNvSpPr/>
+          <p:nvPr>
+            <p:ph type="body" idx="3"/>
+          </p:nvPr>
+        </p:nvSpPr>
+        <p:spPr/>
+        <p:txBody>
+          <a:bodyPr/>
+          <a:p>
+            <a:r>
+              <a:rPr lang="zh-CN" altLang="en-US"/>
+              <a:t> 继承是OO语言中一个重要的特性和概念。许多的OO语言中都支持两种继承方式：接口继承和实现继承。</a:t>
+            </a:r>
+            <a:endParaRPr lang="zh-CN" altLang="en-US"/>
+          </a:p>
+          <a:p>
+            <a:endParaRPr lang="zh-CN" altLang="en-US"/>
+          </a:p>
+          <a:p>
+            <a:r>
+              <a:rPr lang="zh-CN" altLang="en-US"/>
+              <a:t>ECMAScript只支持实现继承，其实现继承主要是靠原型链来实现。在PHP语言中，是使用extend来实现继承。那么我们就先来讲讲原型链。</a:t>
+            </a:r>
+            <a:endParaRPr lang="zh-CN" altLang="en-US"/>
+          </a:p>
+          <a:p>
+            <a:endParaRPr lang="zh-CN" altLang="en-US"/>
+          </a:p>
+          <a:p>
+            <a:r>
+              <a:rPr lang="zh-CN" altLang="en-US"/>
+              <a:t>原型链的基本思想是利用原型让一个引用类型继承另一个引用类型的属性和方法</a:t>
+            </a:r>
+            <a:endParaRPr lang="zh-CN" altLang="en-US"/>
+          </a:p>
+        </p:txBody>
+      </p:sp>
+    </p:spTree>
+  </p:cSld>
+  <p:clrMapOvr>
+    <a:masterClrMapping/>
+  </p:clrMapOvr>
+</p:notes>
+</file>
+
+<file path=ppt/notesSlides/notesSlide18.xml><?xml version="1.0" encoding="utf-8"?>
 <p:notes xmlns:a="http://schemas.openxmlformats.org/drawingml/2006/main" xmlns:r="http://schemas.openxmlformats.org/officeDocument/2006/relationships" xmlns:p="http://schemas.openxmlformats.org/presentationml/2006/main">
   <p:cSld>
     <p:spTree>
@@ -1943,6 +2024,90 @@
       </p:grpSpPr>
       <p:sp>
         <p:nvSpPr>
+          <p:cNvPr id="2" name="幻灯片图像占位符 1"/>
+          <p:cNvSpPr>
+            <a:spLocks noGrp="1" noRot="1" noChangeAspect="1"/>
+          </p:cNvSpPr>
+          <p:nvPr>
+            <p:ph type="sldImg"/>
+          </p:nvPr>
+        </p:nvSpPr>
+        <p:spPr/>
+      </p:sp>
+      <p:sp>
+        <p:nvSpPr>
+          <p:cNvPr id="3" name="备注占位符 2"/>
+          <p:cNvSpPr>
+            <a:spLocks noGrp="1"/>
+          </p:cNvSpPr>
+          <p:nvPr>
+            <p:ph type="body" idx="1"/>
+          </p:nvPr>
+        </p:nvSpPr>
+        <p:spPr/>
+        <p:txBody>
+          <a:bodyPr/>
+          <a:lstStyle/>
+          <a:p>
+            <a:endParaRPr lang="zh-CN" altLang="en-US" dirty="0" smtClean="0"/>
+          </a:p>
+          <a:p>
+            <a:endParaRPr lang="zh-CN" altLang="en-US" dirty="0"/>
+          </a:p>
+        </p:txBody>
+      </p:sp>
+      <p:sp>
+        <p:nvSpPr>
+          <p:cNvPr id="4" name="灯片编号占位符 3"/>
+          <p:cNvSpPr>
+            <a:spLocks noGrp="1"/>
+          </p:cNvSpPr>
+          <p:nvPr>
+            <p:ph type="sldNum" sz="quarter" idx="10"/>
+          </p:nvPr>
+        </p:nvSpPr>
+        <p:spPr/>
+        <p:txBody>
+          <a:bodyPr/>
+          <a:lstStyle/>
+          <a:p>
+            <a:pPr>
+              <a:defRPr/>
+            </a:pPr>
+            <a:fld id="{50FA7BE5-9B7D-4F20-881C-9A0B90E6FF72}" type="slidenum">
+              <a:rPr lang="zh-CN" altLang="zh-CN" smtClean="0"/>
+            </a:fld>
+            <a:endParaRPr lang="zh-CN" altLang="zh-CN"/>
+          </a:p>
+        </p:txBody>
+      </p:sp>
+    </p:spTree>
+  </p:cSld>
+  <p:clrMapOvr>
+    <a:masterClrMapping/>
+  </p:clrMapOvr>
+</p:notes>
+</file>
+
+<file path=ppt/notesSlides/notesSlide6.xml><?xml version="1.0" encoding="utf-8"?>
+<p:notes xmlns:a="http://schemas.openxmlformats.org/drawingml/2006/main" xmlns:r="http://schemas.openxmlformats.org/officeDocument/2006/relationships" xmlns:p="http://schemas.openxmlformats.org/presentationml/2006/main">
+  <p:cSld>
+    <p:spTree>
+      <p:nvGrpSpPr>
+        <p:cNvPr id="1" name=""/>
+        <p:cNvGrpSpPr/>
+        <p:nvPr/>
+      </p:nvGrpSpPr>
+      <p:grpSpPr>
+        <a:xfrm>
+          <a:off x="0" y="0"/>
+          <a:ext cx="0" cy="0"/>
+          <a:chOff x="0" y="0"/>
+          <a:chExt cx="0" cy="0"/>
+        </a:xfrm>
+      </p:grpSpPr>
+      <p:sp>
+        <p:nvSpPr>
           <p:cNvPr id="138" name="Shape 138"/>
           <p:cNvSpPr/>
           <p:nvPr>
@@ -2219,7 +2384,7 @@
 </p:notes>
 </file>
 
-<file path=ppt/notesSlides/notesSlide6.xml><?xml version="1.0" encoding="utf-8"?>
+<file path=ppt/notesSlides/notesSlide7.xml><?xml version="1.0" encoding="utf-8"?>
 <p:notes xmlns:a="http://schemas.openxmlformats.org/drawingml/2006/main" xmlns:r="http://schemas.openxmlformats.org/officeDocument/2006/relationships" xmlns:p="http://schemas.openxmlformats.org/presentationml/2006/main">
   <p:cSld>
     <p:spTree>
@@ -2514,7 +2679,7 @@
 </p:notes>
 </file>
 
-<file path=ppt/notesSlides/notesSlide7.xml><?xml version="1.0" encoding="utf-8"?>
+<file path=ppt/notesSlides/notesSlide8.xml><?xml version="1.0" encoding="utf-8"?>
 <p:notes xmlns:a="http://schemas.openxmlformats.org/drawingml/2006/main" xmlns:r="http://schemas.openxmlformats.org/officeDocument/2006/relationships" xmlns:p="http://schemas.openxmlformats.org/presentationml/2006/main">
   <p:cSld>
     <p:spTree>
@@ -2547,86 +2712,6 @@
           <a:bodyPr/>
           <a:p>
             <a:endParaRPr lang="zh-CN" altLang="en-US"/>
-          </a:p>
-        </p:txBody>
-      </p:sp>
-    </p:spTree>
-  </p:cSld>
-  <p:clrMapOvr>
-    <a:masterClrMapping/>
-  </p:clrMapOvr>
-</p:notes>
-</file>
-
-<file path=ppt/notesSlides/notesSlide8.xml><?xml version="1.0" encoding="utf-8"?>
-<p:notes xmlns:a="http://schemas.openxmlformats.org/drawingml/2006/main" xmlns:r="http://schemas.openxmlformats.org/officeDocument/2006/relationships" xmlns:p="http://schemas.openxmlformats.org/presentationml/2006/main">
-  <p:cSld>
-    <p:spTree>
-      <p:nvGrpSpPr>
-        <p:cNvPr id="1" name=""/>
-        <p:cNvGrpSpPr/>
-        <p:nvPr/>
-      </p:nvGrpSpPr>
-      <p:grpSpPr>
-        <a:xfrm>
-          <a:off x="0" y="0"/>
-          <a:ext cx="0" cy="0"/>
-          <a:chOff x="0" y="0"/>
-          <a:chExt cx="0" cy="0"/>
-        </a:xfrm>
-      </p:grpSpPr>
-      <p:sp>
-        <p:nvSpPr>
-          <p:cNvPr id="2" name="幻灯片图像占位符 1"/>
-          <p:cNvSpPr>
-            <a:spLocks noGrp="1" noRot="1" noChangeAspect="1"/>
-          </p:cNvSpPr>
-          <p:nvPr>
-            <p:ph type="sldImg"/>
-          </p:nvPr>
-        </p:nvSpPr>
-        <p:spPr/>
-      </p:sp>
-      <p:sp>
-        <p:nvSpPr>
-          <p:cNvPr id="3" name="备注占位符 2"/>
-          <p:cNvSpPr>
-            <a:spLocks noGrp="1"/>
-          </p:cNvSpPr>
-          <p:nvPr>
-            <p:ph type="body" idx="1"/>
-          </p:nvPr>
-        </p:nvSpPr>
-        <p:spPr/>
-        <p:txBody>
-          <a:bodyPr/>
-          <a:lstStyle/>
-          <a:p>
-            <a:endParaRPr kumimoji="0" lang="en-US" altLang="zh-CN" dirty="0" smtClean="0">
-              <a:sym typeface="+mn-ea"/>
-            </a:endParaRPr>
-          </a:p>
-        </p:txBody>
-      </p:sp>
-      <p:sp>
-        <p:nvSpPr>
-          <p:cNvPr id="4" name="灯片编号占位符 3"/>
-          <p:cNvSpPr>
-            <a:spLocks noGrp="1"/>
-          </p:cNvSpPr>
-          <p:nvPr>
-            <p:ph type="sldNum" sz="quarter" idx="10"/>
-          </p:nvPr>
-        </p:nvSpPr>
-        <p:spPr/>
-        <p:txBody>
-          <a:bodyPr/>
-          <a:lstStyle/>
-          <a:p>
-            <a:fld id="{D9AFD278-84AA-4CAA-9049-809825956FE0}" type="slidenum">
-              <a:rPr lang="en-US" altLang="zh-CN" smtClean="0"/>
-            </a:fld>
-            <a:endParaRPr lang="zh-CN" altLang="zh-CN"/>
           </a:p>
         </p:txBody>
       </p:sp>
@@ -5317,6 +5402,520 @@
       </p:grpSpPr>
       <p:sp>
         <p:nvSpPr>
+          <p:cNvPr id="5123" name="AutoShape 6"/>
+          <p:cNvSpPr>
+            <a:spLocks noChangeArrowheads="1"/>
+          </p:cNvSpPr>
+          <p:nvPr/>
+        </p:nvSpPr>
+        <p:spPr bwMode="auto">
+          <a:xfrm>
+            <a:off x="2566988" y="1339851"/>
+            <a:ext cx="6711950" cy="4214813"/>
+          </a:xfrm>
+          <a:prstGeom prst="roundRect">
+            <a:avLst>
+              <a:gd name="adj" fmla="val 16667"/>
+            </a:avLst>
+          </a:prstGeom>
+          <a:noFill/>
+          <a:ln w="28575">
+            <a:solidFill>
+              <a:srgbClr val="C0C0C0"/>
+            </a:solidFill>
+            <a:prstDash val="sysDot"/>
+            <a:round/>
+          </a:ln>
+          <a:extLst>
+            <a:ext uri="{909E8E84-426E-40DD-AFC4-6F175D3DCCD1}">
+              <a14:hiddenFill xmlns:a14="http://schemas.microsoft.com/office/drawing/2010/main">
+                <a:solidFill>
+                  <a:srgbClr val="FFFFFF"/>
+                </a:solidFill>
+              </a14:hiddenFill>
+            </a:ext>
+          </a:extLst>
+        </p:spPr>
+        <p:txBody>
+          <a:bodyPr wrap="none" anchor="ctr"/>
+          <a:lstStyle>
+            <a:lvl1pPr marL="457200" indent="-457200">
+              <a:defRPr sz="3200">
+                <a:solidFill>
+                  <a:schemeClr val="tx1"/>
+                </a:solidFill>
+                <a:latin typeface="Arial" panose="020B0604020202020204" pitchFamily="34" charset="0"/>
+                <a:ea typeface="微软雅黑" panose="020B0503020204020204" pitchFamily="34" charset="-122"/>
+              </a:defRPr>
+            </a:lvl1pPr>
+            <a:lvl2pPr marL="742950" indent="-285750">
+              <a:defRPr sz="3200">
+                <a:solidFill>
+                  <a:schemeClr val="tx1"/>
+                </a:solidFill>
+                <a:latin typeface="Arial" panose="020B0604020202020204" pitchFamily="34" charset="0"/>
+                <a:ea typeface="微软雅黑" panose="020B0503020204020204" pitchFamily="34" charset="-122"/>
+              </a:defRPr>
+            </a:lvl2pPr>
+            <a:lvl3pPr marL="1143000" indent="-228600">
+              <a:defRPr sz="3200">
+                <a:solidFill>
+                  <a:schemeClr val="tx1"/>
+                </a:solidFill>
+                <a:latin typeface="Arial" panose="020B0604020202020204" pitchFamily="34" charset="0"/>
+                <a:ea typeface="微软雅黑" panose="020B0503020204020204" pitchFamily="34" charset="-122"/>
+              </a:defRPr>
+            </a:lvl3pPr>
+            <a:lvl4pPr marL="1600200" indent="-228600">
+              <a:defRPr sz="3200">
+                <a:solidFill>
+                  <a:schemeClr val="tx1"/>
+                </a:solidFill>
+                <a:latin typeface="Arial" panose="020B0604020202020204" pitchFamily="34" charset="0"/>
+                <a:ea typeface="微软雅黑" panose="020B0503020204020204" pitchFamily="34" charset="-122"/>
+              </a:defRPr>
+            </a:lvl4pPr>
+            <a:lvl5pPr marL="2057400" indent="-228600">
+              <a:defRPr sz="3200">
+                <a:solidFill>
+                  <a:schemeClr val="tx1"/>
+                </a:solidFill>
+                <a:latin typeface="Arial" panose="020B0604020202020204" pitchFamily="34" charset="0"/>
+                <a:ea typeface="微软雅黑" panose="020B0503020204020204" pitchFamily="34" charset="-122"/>
+              </a:defRPr>
+            </a:lvl5pPr>
+            <a:lvl6pPr marL="2514600" indent="-228600" eaLnBrk="0" fontAlgn="base" hangingPunct="0">
+              <a:spcBef>
+                <a:spcPct val="0"/>
+              </a:spcBef>
+              <a:spcAft>
+                <a:spcPct val="0"/>
+              </a:spcAft>
+              <a:defRPr sz="3200">
+                <a:solidFill>
+                  <a:schemeClr val="tx1"/>
+                </a:solidFill>
+                <a:latin typeface="Arial" panose="020B0604020202020204" pitchFamily="34" charset="0"/>
+                <a:ea typeface="微软雅黑" panose="020B0503020204020204" pitchFamily="34" charset="-122"/>
+              </a:defRPr>
+            </a:lvl6pPr>
+            <a:lvl7pPr marL="2971800" indent="-228600" eaLnBrk="0" fontAlgn="base" hangingPunct="0">
+              <a:spcBef>
+                <a:spcPct val="0"/>
+              </a:spcBef>
+              <a:spcAft>
+                <a:spcPct val="0"/>
+              </a:spcAft>
+              <a:defRPr sz="3200">
+                <a:solidFill>
+                  <a:schemeClr val="tx1"/>
+                </a:solidFill>
+                <a:latin typeface="Arial" panose="020B0604020202020204" pitchFamily="34" charset="0"/>
+                <a:ea typeface="微软雅黑" panose="020B0503020204020204" pitchFamily="34" charset="-122"/>
+              </a:defRPr>
+            </a:lvl7pPr>
+            <a:lvl8pPr marL="3429000" indent="-228600" eaLnBrk="0" fontAlgn="base" hangingPunct="0">
+              <a:spcBef>
+                <a:spcPct val="0"/>
+              </a:spcBef>
+              <a:spcAft>
+                <a:spcPct val="0"/>
+              </a:spcAft>
+              <a:defRPr sz="3200">
+                <a:solidFill>
+                  <a:schemeClr val="tx1"/>
+                </a:solidFill>
+                <a:latin typeface="Arial" panose="020B0604020202020204" pitchFamily="34" charset="0"/>
+                <a:ea typeface="微软雅黑" panose="020B0503020204020204" pitchFamily="34" charset="-122"/>
+              </a:defRPr>
+            </a:lvl8pPr>
+            <a:lvl9pPr marL="3886200" indent="-228600" eaLnBrk="0" fontAlgn="base" hangingPunct="0">
+              <a:spcBef>
+                <a:spcPct val="0"/>
+              </a:spcBef>
+              <a:spcAft>
+                <a:spcPct val="0"/>
+              </a:spcAft>
+              <a:defRPr sz="3200">
+                <a:solidFill>
+                  <a:schemeClr val="tx1"/>
+                </a:solidFill>
+                <a:latin typeface="Arial" panose="020B0604020202020204" pitchFamily="34" charset="0"/>
+                <a:ea typeface="微软雅黑" panose="020B0503020204020204" pitchFamily="34" charset="-122"/>
+              </a:defRPr>
+            </a:lvl9pPr>
+          </a:lstStyle>
+          <a:p>
+            <a:pPr algn="l">
+              <a:lnSpc>
+                <a:spcPct val="150000"/>
+              </a:lnSpc>
+              <a:spcBef>
+                <a:spcPts val="1200"/>
+              </a:spcBef>
+              <a:spcAft>
+                <a:spcPts val="1200"/>
+              </a:spcAft>
+              <a:buClr>
+                <a:srgbClr val="92D050"/>
+              </a:buClr>
+              <a:buFont typeface="Wingdings" panose="05000000000000000000" pitchFamily="2" charset="2"/>
+              <a:buChar char="Ø"/>
+            </a:pPr>
+            <a:r>
+              <a:rPr lang="en-US" altLang="zh-CN" sz="2800" b="1">
+                <a:solidFill>
+                  <a:schemeClr val="tx1"/>
+                </a:solidFill>
+                <a:sym typeface="+mn-ea"/>
+              </a:rPr>
+              <a:t>JS</a:t>
+            </a:r>
+            <a:r>
+              <a:rPr lang="zh-CN" altLang="en-US" sz="2800" b="1">
+                <a:solidFill>
+                  <a:schemeClr val="tx1"/>
+                </a:solidFill>
+                <a:sym typeface="+mn-ea"/>
+              </a:rPr>
+              <a:t>对象及继承方式综述</a:t>
+            </a:r>
+            <a:endParaRPr lang="zh-CN" altLang="en-US" sz="2800" b="1">
+              <a:solidFill>
+                <a:schemeClr val="tx1"/>
+              </a:solidFill>
+              <a:sym typeface="+mn-ea"/>
+            </a:endParaRPr>
+          </a:p>
+          <a:p>
+            <a:pPr algn="l">
+              <a:lnSpc>
+                <a:spcPct val="150000"/>
+              </a:lnSpc>
+              <a:spcBef>
+                <a:spcPts val="1200"/>
+              </a:spcBef>
+              <a:spcAft>
+                <a:spcPts val="1200"/>
+              </a:spcAft>
+              <a:buClr>
+                <a:srgbClr val="92D050"/>
+              </a:buClr>
+              <a:buFont typeface="Wingdings" panose="05000000000000000000" pitchFamily="2" charset="2"/>
+              <a:buChar char="Ø"/>
+            </a:pPr>
+            <a:r>
+              <a:rPr lang="en-US" sz="2800" b="1">
+                <a:solidFill>
+                  <a:schemeClr val="tx1"/>
+                </a:solidFill>
+                <a:sym typeface="+mn-ea"/>
+              </a:rPr>
+              <a:t>JS</a:t>
+            </a:r>
+            <a:r>
+              <a:rPr lang="zh-CN" altLang="en-US" sz="2800" b="1">
+                <a:solidFill>
+                  <a:schemeClr val="tx1"/>
+                </a:solidFill>
+                <a:sym typeface="+mn-ea"/>
+              </a:rPr>
+              <a:t>对象的原型链</a:t>
+            </a:r>
+            <a:endParaRPr lang="zh-CN" altLang="en-US" sz="2800" b="1">
+              <a:solidFill>
+                <a:schemeClr val="tx1"/>
+              </a:solidFill>
+              <a:sym typeface="+mn-ea"/>
+            </a:endParaRPr>
+          </a:p>
+          <a:p>
+            <a:pPr algn="l">
+              <a:lnSpc>
+                <a:spcPct val="150000"/>
+              </a:lnSpc>
+              <a:spcBef>
+                <a:spcPts val="1200"/>
+              </a:spcBef>
+              <a:spcAft>
+                <a:spcPts val="1200"/>
+              </a:spcAft>
+              <a:buClr>
+                <a:srgbClr val="92D050"/>
+              </a:buClr>
+              <a:buFont typeface="Wingdings" panose="05000000000000000000" pitchFamily="2" charset="2"/>
+              <a:buChar char="Ø"/>
+            </a:pPr>
+            <a:r>
+              <a:rPr lang="zh-CN" altLang="en-US" sz="2800" b="1">
+                <a:solidFill>
+                  <a:srgbClr val="FF0000"/>
+                </a:solidFill>
+                <a:sym typeface="+mn-ea"/>
+              </a:rPr>
+              <a:t>基于构造函数实现的原型继承</a:t>
+            </a:r>
+            <a:endParaRPr lang="zh-CN" altLang="en-US" sz="2800" b="1">
+              <a:solidFill>
+                <a:srgbClr val="FF0000"/>
+              </a:solidFill>
+              <a:sym typeface="+mn-ea"/>
+            </a:endParaRPr>
+          </a:p>
+        </p:txBody>
+      </p:sp>
+      <p:sp>
+        <p:nvSpPr>
+          <p:cNvPr id="4" name="内容占位符 3"/>
+          <p:cNvSpPr txBox="1"/>
+          <p:nvPr/>
+        </p:nvSpPr>
+        <p:spPr>
+          <a:xfrm>
+            <a:off x="981657" y="236943"/>
+            <a:ext cx="8191557" cy="490476"/>
+          </a:xfrm>
+          <a:prstGeom prst="rect">
+            <a:avLst/>
+          </a:prstGeom>
+        </p:spPr>
+        <p:txBody>
+          <a:bodyPr/>
+          <a:lstStyle>
+            <a:lvl1pPr marL="167005" indent="-167005" algn="l" defTabSz="0" rtl="0" eaLnBrk="0" fontAlgn="base" hangingPunct="0">
+              <a:spcBef>
+                <a:spcPct val="0"/>
+              </a:spcBef>
+              <a:spcAft>
+                <a:spcPct val="15000"/>
+              </a:spcAft>
+              <a:buClr>
+                <a:schemeClr val="tx2"/>
+              </a:buClr>
+              <a:buFont typeface="Arial" panose="020B0604020202020204" pitchFamily="34" charset="0"/>
+              <a:buChar char="•"/>
+              <a:defRPr kumimoji="1" sz="1600">
+                <a:solidFill>
+                  <a:srgbClr val="006F53"/>
+                </a:solidFill>
+                <a:latin typeface="微软雅黑" panose="020B0503020204020204" pitchFamily="34" charset="-122"/>
+                <a:ea typeface="微软雅黑" panose="020B0503020204020204" pitchFamily="34" charset="-122"/>
+                <a:cs typeface="微软雅黑" panose="020B0503020204020204" pitchFamily="34" charset="-122"/>
+              </a:defRPr>
+            </a:lvl1pPr>
+            <a:lvl2pPr marL="398780" indent="-230505" algn="l" defTabSz="0" rtl="0" eaLnBrk="0" fontAlgn="base" hangingPunct="0">
+              <a:spcBef>
+                <a:spcPct val="0"/>
+              </a:spcBef>
+              <a:spcAft>
+                <a:spcPct val="15000"/>
+              </a:spcAft>
+              <a:buClr>
+                <a:schemeClr val="tx2"/>
+              </a:buClr>
+              <a:buFont typeface="Arial" panose="020B0604020202020204" pitchFamily="34" charset="0"/>
+              <a:buChar char="–"/>
+              <a:defRPr kumimoji="1" sz="2800">
+                <a:solidFill>
+                  <a:schemeClr val="bg2"/>
+                </a:solidFill>
+                <a:latin typeface="微软雅黑" panose="020B0503020204020204" pitchFamily="34" charset="-122"/>
+                <a:ea typeface="微软雅黑" panose="020B0503020204020204" pitchFamily="34" charset="-122"/>
+                <a:cs typeface="微软雅黑" panose="020B0503020204020204" pitchFamily="34" charset="-122"/>
+              </a:defRPr>
+            </a:lvl2pPr>
+            <a:lvl3pPr marL="400050" indent="182880" algn="l" defTabSz="0" rtl="0" eaLnBrk="0" fontAlgn="base" hangingPunct="0">
+              <a:spcBef>
+                <a:spcPct val="0"/>
+              </a:spcBef>
+              <a:spcAft>
+                <a:spcPct val="15000"/>
+              </a:spcAft>
+              <a:buClr>
+                <a:schemeClr val="tx2"/>
+              </a:buClr>
+              <a:buFont typeface="Arial" panose="020B0604020202020204" pitchFamily="34" charset="0"/>
+              <a:buChar char="•"/>
+              <a:defRPr kumimoji="1" sz="1600">
+                <a:solidFill>
+                  <a:schemeClr val="bg2"/>
+                </a:solidFill>
+                <a:latin typeface="微软雅黑" panose="020B0503020204020204" pitchFamily="34" charset="-122"/>
+                <a:ea typeface="微软雅黑" panose="020B0503020204020204" pitchFamily="34" charset="-122"/>
+                <a:cs typeface="微软雅黑" panose="020B0503020204020204" pitchFamily="34" charset="-122"/>
+              </a:defRPr>
+            </a:lvl3pPr>
+            <a:lvl4pPr marL="825500" indent="-241300" algn="l" defTabSz="0" rtl="0" eaLnBrk="0" fontAlgn="base" hangingPunct="0">
+              <a:spcBef>
+                <a:spcPct val="0"/>
+              </a:spcBef>
+              <a:spcAft>
+                <a:spcPct val="15000"/>
+              </a:spcAft>
+              <a:buClr>
+                <a:schemeClr val="tx2"/>
+              </a:buClr>
+              <a:buFont typeface="Arial" panose="020B0604020202020204" pitchFamily="34" charset="0"/>
+              <a:buChar char="–"/>
+              <a:defRPr kumimoji="1" sz="1600">
+                <a:solidFill>
+                  <a:schemeClr val="bg2"/>
+                </a:solidFill>
+                <a:latin typeface="微软雅黑" panose="020B0503020204020204" pitchFamily="34" charset="-122"/>
+                <a:ea typeface="微软雅黑" panose="020B0503020204020204" pitchFamily="34" charset="-122"/>
+                <a:cs typeface="微软雅黑" panose="020B0503020204020204" pitchFamily="34" charset="-122"/>
+              </a:defRPr>
+            </a:lvl4pPr>
+            <a:lvl5pPr marL="2057400" indent="-228600" algn="l" defTabSz="0" rtl="0" eaLnBrk="0" fontAlgn="base" hangingPunct="0">
+              <a:spcBef>
+                <a:spcPct val="0"/>
+              </a:spcBef>
+              <a:spcAft>
+                <a:spcPct val="25000"/>
+              </a:spcAft>
+              <a:buClr>
+                <a:schemeClr val="tx2"/>
+              </a:buClr>
+              <a:buFont typeface="Arial" panose="020B0604020202020204" pitchFamily="34" charset="0"/>
+              <a:buChar char="–"/>
+              <a:defRPr kumimoji="1" sz="2000">
+                <a:solidFill>
+                  <a:schemeClr val="tx1"/>
+                </a:solidFill>
+                <a:latin typeface="+mn-lt"/>
+                <a:ea typeface="微软雅黑" panose="020B0503020204020204" pitchFamily="34" charset="-122"/>
+                <a:cs typeface="微软雅黑" panose="020B0503020204020204" pitchFamily="34" charset="-122"/>
+              </a:defRPr>
+            </a:lvl5pPr>
+            <a:lvl6pPr marL="2514600" indent="-228600" algn="l" defTabSz="0" rtl="0" eaLnBrk="0" fontAlgn="base" hangingPunct="0">
+              <a:spcBef>
+                <a:spcPct val="0"/>
+              </a:spcBef>
+              <a:spcAft>
+                <a:spcPct val="25000"/>
+              </a:spcAft>
+              <a:buClr>
+                <a:schemeClr val="tx2"/>
+              </a:buClr>
+              <a:buFont typeface="Arial" panose="020B0604020202020204" pitchFamily="34" charset="0"/>
+              <a:buChar char="–"/>
+              <a:defRPr>
+                <a:solidFill>
+                  <a:schemeClr val="tx1"/>
+                </a:solidFill>
+                <a:latin typeface="+mn-lt"/>
+              </a:defRPr>
+            </a:lvl6pPr>
+            <a:lvl7pPr marL="2971800" indent="-228600" algn="l" defTabSz="0" rtl="0" eaLnBrk="0" fontAlgn="base" hangingPunct="0">
+              <a:spcBef>
+                <a:spcPct val="0"/>
+              </a:spcBef>
+              <a:spcAft>
+                <a:spcPct val="25000"/>
+              </a:spcAft>
+              <a:buClr>
+                <a:schemeClr val="tx2"/>
+              </a:buClr>
+              <a:buFont typeface="Arial" panose="020B0604020202020204" pitchFamily="34" charset="0"/>
+              <a:buChar char="–"/>
+              <a:defRPr>
+                <a:solidFill>
+                  <a:schemeClr val="tx1"/>
+                </a:solidFill>
+                <a:latin typeface="+mn-lt"/>
+              </a:defRPr>
+            </a:lvl7pPr>
+            <a:lvl8pPr marL="3429000" indent="-228600" algn="l" defTabSz="0" rtl="0" eaLnBrk="0" fontAlgn="base" hangingPunct="0">
+              <a:spcBef>
+                <a:spcPct val="0"/>
+              </a:spcBef>
+              <a:spcAft>
+                <a:spcPct val="25000"/>
+              </a:spcAft>
+              <a:buClr>
+                <a:schemeClr val="tx2"/>
+              </a:buClr>
+              <a:buFont typeface="Arial" panose="020B0604020202020204" pitchFamily="34" charset="0"/>
+              <a:buChar char="–"/>
+              <a:defRPr>
+                <a:solidFill>
+                  <a:schemeClr val="tx1"/>
+                </a:solidFill>
+                <a:latin typeface="+mn-lt"/>
+              </a:defRPr>
+            </a:lvl8pPr>
+            <a:lvl9pPr marL="3886200" indent="-228600" algn="l" defTabSz="0" rtl="0" eaLnBrk="0" fontAlgn="base" hangingPunct="0">
+              <a:spcBef>
+                <a:spcPct val="0"/>
+              </a:spcBef>
+              <a:spcAft>
+                <a:spcPct val="25000"/>
+              </a:spcAft>
+              <a:buClr>
+                <a:schemeClr val="tx2"/>
+              </a:buClr>
+              <a:buFont typeface="Arial" panose="020B0604020202020204" pitchFamily="34" charset="0"/>
+              <a:buChar char="–"/>
+              <a:defRPr>
+                <a:solidFill>
+                  <a:schemeClr val="tx1"/>
+                </a:solidFill>
+                <a:latin typeface="+mn-lt"/>
+              </a:defRPr>
+            </a:lvl9pPr>
+          </a:lstStyle>
+          <a:p>
+            <a:pPr marL="0" indent="0">
+              <a:buNone/>
+            </a:pPr>
+            <a:r>
+              <a:rPr lang="zh-CN" altLang="en-US" sz="3200" dirty="0" smtClean="0">
+                <a:solidFill>
+                  <a:srgbClr val="C00000"/>
+                </a:solidFill>
+                <a:cs typeface="+mn-cs"/>
+                <a:sym typeface="+mn-ea"/>
+              </a:rPr>
+              <a:t>内容提纲</a:t>
+            </a:r>
+            <a:endParaRPr lang="zh-CN" altLang="en-US" kern="0" dirty="0"/>
+          </a:p>
+        </p:txBody>
+      </p:sp>
+    </p:spTree>
+  </p:cSld>
+  <p:clrMapOvr>
+    <a:masterClrMapping/>
+  </p:clrMapOvr>
+  <p:timing>
+    <p:tnLst>
+      <p:par>
+        <p:cTn id="1" dur="indefinite" restart="never" nodeType="tmRoot"/>
+      </p:par>
+    </p:tnLst>
+  </p:timing>
+</p:sld>
+</file>
+
+<file path=ppt/slides/slide11.xml><?xml version="1.0" encoding="utf-8"?>
+<p:sld xmlns:a="http://schemas.openxmlformats.org/drawingml/2006/main" xmlns:r="http://schemas.openxmlformats.org/officeDocument/2006/relationships" xmlns:p="http://schemas.openxmlformats.org/presentationml/2006/main">
+  <p:cSld>
+    <p:spTree>
+      <p:nvGrpSpPr>
+        <p:cNvPr id="1" name=""/>
+        <p:cNvGrpSpPr/>
+        <p:nvPr/>
+      </p:nvGrpSpPr>
+      <p:grpSpPr>
+        <a:xfrm>
+          <a:off x="0" y="0"/>
+          <a:ext cx="0" cy="0"/>
+          <a:chOff x="0" y="0"/>
+          <a:chExt cx="0" cy="0"/>
+        </a:xfrm>
+      </p:grpSpPr>
+      <p:sp>
+        <p:nvSpPr>
           <p:cNvPr id="11266" name="内容占位符 1"/>
           <p:cNvSpPr>
             <a:spLocks noGrp="1"/>
@@ -6220,7 +6819,7 @@
 </p:sld>
 </file>
 
-<file path=ppt/slides/slide11.xml><?xml version="1.0" encoding="utf-8"?>
+<file path=ppt/slides/slide12.xml><?xml version="1.0" encoding="utf-8"?>
 <p:sld xmlns:a="http://schemas.openxmlformats.org/drawingml/2006/main" xmlns:r="http://schemas.openxmlformats.org/officeDocument/2006/relationships" xmlns:p="http://schemas.openxmlformats.org/presentationml/2006/main">
   <p:cSld>
     <p:spTree>
@@ -6967,7 +7566,7 @@
 </p:sld>
 </file>
 
-<file path=ppt/slides/slide12.xml><?xml version="1.0" encoding="utf-8"?>
+<file path=ppt/slides/slide13.xml><?xml version="1.0" encoding="utf-8"?>
 <p:sld xmlns:a="http://schemas.openxmlformats.org/drawingml/2006/main" xmlns:r="http://schemas.openxmlformats.org/officeDocument/2006/relationships" xmlns:p="http://schemas.openxmlformats.org/presentationml/2006/main">
   <p:cSld>
     <p:spTree>
@@ -7724,7 +8323,7 @@
 </p:sld>
 </file>
 
-<file path=ppt/slides/slide13.xml><?xml version="1.0" encoding="utf-8"?>
+<file path=ppt/slides/slide14.xml><?xml version="1.0" encoding="utf-8"?>
 <p:sld xmlns:a="http://schemas.openxmlformats.org/drawingml/2006/main" xmlns:r="http://schemas.openxmlformats.org/officeDocument/2006/relationships" xmlns:p="http://schemas.openxmlformats.org/presentationml/2006/main">
   <p:cSld>
     <p:spTree>
@@ -7952,7 +8551,7 @@
 </p:sld>
 </file>
 
-<file path=ppt/slides/slide14.xml><?xml version="1.0" encoding="utf-8"?>
+<file path=ppt/slides/slide15.xml><?xml version="1.0" encoding="utf-8"?>
 <p:sld xmlns:a="http://schemas.openxmlformats.org/drawingml/2006/main" xmlns:r="http://schemas.openxmlformats.org/officeDocument/2006/relationships" xmlns:p="http://schemas.openxmlformats.org/presentationml/2006/main">
   <p:cSld>
     <p:spTree>
@@ -10084,7 +10683,7 @@
 </p:sld>
 </file>
 
-<file path=ppt/slides/slide15.xml><?xml version="1.0" encoding="utf-8"?>
+<file path=ppt/slides/slide16.xml><?xml version="1.0" encoding="utf-8"?>
 <p:sld xmlns:a="http://schemas.openxmlformats.org/drawingml/2006/main" xmlns:r="http://schemas.openxmlformats.org/officeDocument/2006/relationships" xmlns:p="http://schemas.openxmlformats.org/presentationml/2006/main">
   <p:cSld>
     <p:spTree>
@@ -12355,7 +12954,7 @@
 </p:sld>
 </file>
 
-<file path=ppt/slides/slide16.xml><?xml version="1.0" encoding="utf-8"?>
+<file path=ppt/slides/slide17.xml><?xml version="1.0" encoding="utf-8"?>
 <p:sld xmlns:a="http://schemas.openxmlformats.org/drawingml/2006/main" xmlns:r="http://schemas.openxmlformats.org/officeDocument/2006/relationships" xmlns:p="http://schemas.openxmlformats.org/presentationml/2006/main">
   <p:cSld>
     <p:spTree>
@@ -12559,7 +13158,7 @@
 </p:sld>
 </file>
 
-<file path=ppt/slides/slide17.xml><?xml version="1.0" encoding="utf-8"?>
+<file path=ppt/slides/slide18.xml><?xml version="1.0" encoding="utf-8"?>
 <p:sld xmlns:a="http://schemas.openxmlformats.org/drawingml/2006/main" xmlns:r="http://schemas.openxmlformats.org/officeDocument/2006/relationships" xmlns:p="http://schemas.openxmlformats.org/presentationml/2006/main">
   <p:cSld>
     <p:spTree>
@@ -12933,7 +13532,7 @@
 </p:sld>
 </file>
 
-<file path=ppt/slides/slide18.xml><?xml version="1.0" encoding="utf-8"?>
+<file path=ppt/slides/slide19.xml><?xml version="1.0" encoding="utf-8"?>
 <p:sld xmlns:a="http://schemas.openxmlformats.org/drawingml/2006/main" xmlns:r="http://schemas.openxmlformats.org/officeDocument/2006/relationships" xmlns:p="http://schemas.openxmlformats.org/presentationml/2006/main">
   <p:cSld>
     <p:spTree>
@@ -13306,278 +13905,6 @@
 </p:sld>
 </file>
 
-<file path=ppt/slides/slide19.xml><?xml version="1.0" encoding="utf-8"?>
-<p:sld xmlns:a="http://schemas.openxmlformats.org/drawingml/2006/main" xmlns:r="http://schemas.openxmlformats.org/officeDocument/2006/relationships" xmlns:p="http://schemas.openxmlformats.org/presentationml/2006/main">
-  <p:cSld>
-    <p:spTree>
-      <p:nvGrpSpPr>
-        <p:cNvPr id="1" name=""/>
-        <p:cNvGrpSpPr/>
-        <p:nvPr/>
-      </p:nvGrpSpPr>
-      <p:grpSpPr>
-        <a:xfrm>
-          <a:off x="0" y="0"/>
-          <a:ext cx="0" cy="0"/>
-          <a:chOff x="0" y="0"/>
-          <a:chExt cx="0" cy="0"/>
-        </a:xfrm>
-      </p:grpSpPr>
-      <p:sp>
-        <p:nvSpPr>
-          <p:cNvPr id="2" name="内容占位符 1"/>
-          <p:cNvSpPr>
-            <a:spLocks noGrp="1"/>
-          </p:cNvSpPr>
-          <p:nvPr>
-            <p:ph sz="quarter" idx="10"/>
-          </p:nvPr>
-        </p:nvSpPr>
-        <p:spPr>
-          <a:xfrm>
-            <a:off x="1143000" y="855345"/>
-            <a:ext cx="9776460" cy="4918710"/>
-          </a:xfrm>
-        </p:spPr>
-        <p:txBody>
-          <a:bodyPr/>
-          <a:lstStyle/>
-          <a:p>
-            <a:pPr marL="0" indent="0">
-              <a:lnSpc>
-                <a:spcPct val="160000"/>
-              </a:lnSpc>
-              <a:buNone/>
-            </a:pPr>
-            <a:r>
-              <a:rPr lang="en-US" altLang="zh-CN" sz="1800" dirty="0">
-                <a:solidFill>
-                  <a:schemeClr val="tx1"/>
-                </a:solidFill>
-                <a:sym typeface="+mn-ea"/>
-              </a:rPr>
-              <a:t>- 原型对象它将自身的属性共享给新对象</a:t>
-            </a:r>
-            <a:r>
-              <a:rPr lang="zh-CN" altLang="en-US" sz="1800" dirty="0">
-                <a:solidFill>
-                  <a:schemeClr val="tx1"/>
-                </a:solidFill>
-                <a:sym typeface="+mn-ea"/>
-              </a:rPr>
-              <a:t>（</a:t>
-            </a:r>
-            <a:r>
-              <a:rPr lang="en-US" altLang="zh-CN" sz="1800" dirty="0">
-                <a:solidFill>
-                  <a:srgbClr val="FF0000"/>
-                </a:solidFill>
-                <a:sym typeface="+mn-ea"/>
-              </a:rPr>
-              <a:t>原型对象</a:t>
-            </a:r>
-            <a:r>
-              <a:rPr lang="en-US" altLang="zh-CN" sz="1800" dirty="0">
-                <a:solidFill>
-                  <a:schemeClr val="tx1"/>
-                </a:solidFill>
-                <a:sym typeface="+mn-ea"/>
-              </a:rPr>
-              <a:t>是原型语言的核心</a:t>
-            </a:r>
-            <a:r>
-              <a:rPr lang="zh-CN" altLang="en-US" sz="1800" dirty="0">
-                <a:solidFill>
-                  <a:schemeClr val="tx1"/>
-                </a:solidFill>
-                <a:sym typeface="+mn-ea"/>
-              </a:rPr>
-              <a:t>）</a:t>
-            </a:r>
-            <a:br>
-              <a:rPr lang="en-US" altLang="zh-CN" sz="1800" dirty="0">
-                <a:solidFill>
-                  <a:schemeClr val="tx1"/>
-                </a:solidFill>
-                <a:sym typeface="+mn-ea"/>
-              </a:rPr>
-            </a:br>
-            <a:r>
-              <a:rPr lang="en-US" altLang="zh-CN" sz="1800" dirty="0">
-                <a:solidFill>
-                  <a:schemeClr val="tx1"/>
-                </a:solidFill>
-                <a:sym typeface="+mn-ea"/>
-              </a:rPr>
-              <a:t>- 一个对象不但可以享有自己创建时和运行时定义的属性，而且可以享有原型对象的属性</a:t>
-            </a:r>
-            <a:br>
-              <a:rPr lang="en-US" altLang="zh-CN" sz="1800" dirty="0">
-                <a:solidFill>
-                  <a:schemeClr val="tx1"/>
-                </a:solidFill>
-                <a:sym typeface="+mn-ea"/>
-              </a:rPr>
-            </a:br>
-            <a:r>
-              <a:rPr lang="en-US" altLang="zh-CN" sz="1800" dirty="0">
-                <a:solidFill>
-                  <a:schemeClr val="tx1"/>
-                </a:solidFill>
-                <a:sym typeface="+mn-ea"/>
-              </a:rPr>
-              <a:t>- 所有的对象都有原型，原型本身也是对象，</a:t>
-            </a:r>
-            <a:r>
-              <a:rPr lang="zh-CN" altLang="en-US" sz="1800" dirty="0">
-                <a:solidFill>
-                  <a:schemeClr val="tx1"/>
-                </a:solidFill>
-                <a:sym typeface="+mn-ea"/>
-              </a:rPr>
-              <a:t>形成的链式结构即为</a:t>
-            </a:r>
-            <a:r>
-              <a:rPr lang="zh-CN" altLang="en-US" sz="1800" dirty="0">
-                <a:solidFill>
-                  <a:srgbClr val="FF0000"/>
-                </a:solidFill>
-                <a:sym typeface="+mn-ea"/>
-              </a:rPr>
-              <a:t>原型链</a:t>
-            </a:r>
-            <a:br>
-              <a:rPr lang="zh-CN" altLang="en-US" sz="1800" dirty="0">
-                <a:solidFill>
-                  <a:srgbClr val="FF0000"/>
-                </a:solidFill>
-                <a:sym typeface="+mn-ea"/>
-              </a:rPr>
-            </a:br>
-            <a:r>
-              <a:rPr lang="en-US" altLang="zh-CN" sz="1800" dirty="0">
-                <a:solidFill>
-                  <a:schemeClr val="tx1"/>
-                </a:solidFill>
-                <a:sym typeface="+mn-ea"/>
-              </a:rPr>
-              <a:t>- 一个对象的真正原型是被对象内部的[[Prototype]]属性(property)所持有</a:t>
-            </a:r>
-            <a:br>
-              <a:rPr lang="en-US" altLang="zh-CN" sz="1800" dirty="0">
-                <a:solidFill>
-                  <a:schemeClr val="tx1"/>
-                </a:solidFill>
-                <a:sym typeface="+mn-ea"/>
-              </a:rPr>
-            </a:br>
-            <a:r>
-              <a:rPr lang="en-US" altLang="zh-CN" sz="1800" dirty="0">
-                <a:solidFill>
-                  <a:schemeClr val="tx1"/>
-                </a:solidFill>
-                <a:sym typeface="+mn-ea"/>
-              </a:rPr>
-              <a:t>- </a:t>
-            </a:r>
-            <a:r>
-              <a:rPr lang="zh-CN" altLang="en-US" sz="1800" dirty="0">
-                <a:solidFill>
-                  <a:schemeClr val="tx1"/>
-                </a:solidFill>
-                <a:sym typeface="+mn-ea"/>
-              </a:rPr>
-              <a:t>多态：</a:t>
-            </a:r>
-            <a:r>
-              <a:rPr lang="en-US" altLang="zh-CN" sz="1800" dirty="0">
-                <a:solidFill>
-                  <a:schemeClr val="tx1"/>
-                </a:solidFill>
-                <a:sym typeface="+mn-ea"/>
-              </a:rPr>
-              <a:t>for in </a:t>
-            </a:r>
-            <a:r>
-              <a:rPr lang="zh-CN" altLang="en-US" sz="1800" dirty="0">
-                <a:solidFill>
-                  <a:schemeClr val="tx1"/>
-                </a:solidFill>
-                <a:sym typeface="+mn-ea"/>
-              </a:rPr>
-              <a:t>遍历 结合</a:t>
-            </a:r>
-            <a:r>
-              <a:rPr lang="en-US" altLang="zh-CN" sz="1800" dirty="0">
-                <a:solidFill>
-                  <a:schemeClr val="tx1"/>
-                </a:solidFill>
-                <a:sym typeface="+mn-ea"/>
-              </a:rPr>
-              <a:t>Object.hasOwnProperty</a:t>
-            </a:r>
-            <a:endParaRPr lang="en-US" altLang="zh-CN" sz="1800" dirty="0">
-              <a:solidFill>
-                <a:schemeClr val="tx1"/>
-              </a:solidFill>
-              <a:sym typeface="+mn-ea"/>
-            </a:endParaRPr>
-          </a:p>
-        </p:txBody>
-      </p:sp>
-      <p:sp>
-        <p:nvSpPr>
-          <p:cNvPr id="3" name="内容占位符 2"/>
-          <p:cNvSpPr>
-            <a:spLocks noGrp="1"/>
-          </p:cNvSpPr>
-          <p:nvPr>
-            <p:ph sz="quarter" idx="11"/>
-          </p:nvPr>
-        </p:nvSpPr>
-        <p:spPr/>
-        <p:txBody>
-          <a:bodyPr/>
-          <a:lstStyle/>
-          <a:p>
-            <a:r>
-              <a:rPr lang="en-US" dirty="0"/>
-              <a:t>JavaScript</a:t>
-            </a:r>
-            <a:r>
-              <a:rPr lang="zh-CN" altLang="en-US" dirty="0"/>
-              <a:t>的继承方式</a:t>
-            </a:r>
-            <a:r>
-              <a:rPr lang="en-US" altLang="zh-CN" dirty="0"/>
-              <a:t>-</a:t>
-            </a:r>
-            <a:r>
-              <a:rPr lang="zh-CN" altLang="en-US" dirty="0"/>
-              <a:t>原型链</a:t>
-            </a:r>
-            <a:endParaRPr lang="zh-CN" altLang="en-US" dirty="0"/>
-          </a:p>
-          <a:p>
-            <a:endParaRPr lang="zh-CN" altLang="en-US" dirty="0"/>
-          </a:p>
-        </p:txBody>
-      </p:sp>
-    </p:spTree>
-  </p:cSld>
-  <p:clrMapOvr>
-    <a:masterClrMapping/>
-  </p:clrMapOvr>
-  <p:timing>
-    <p:tnLst>
-      <p:par>
-        <p:cTn id="1" dur="indefinite" restart="never" nodeType="tmRoot"/>
-      </p:par>
-    </p:tnLst>
-  </p:timing>
-</p:sld>
-</file>
-
 <file path=ppt/slides/slide2.xml><?xml version="1.0" encoding="utf-8"?>
 <p:sld xmlns:a="http://schemas.openxmlformats.org/drawingml/2006/main" xmlns:r="http://schemas.openxmlformats.org/officeDocument/2006/relationships" xmlns:p="http://schemas.openxmlformats.org/presentationml/2006/main">
   <p:cSld>
@@ -14003,61 +14330,173 @@
               <a:buNone/>
             </a:pPr>
             <a:r>
-              <a:rPr lang="en-US" altLang="zh-CN" sz="1600" dirty="0">
+              <a:rPr lang="en-US" altLang="zh-CN" sz="1800" dirty="0">
                 <a:solidFill>
                   <a:schemeClr val="tx1"/>
                 </a:solidFill>
                 <a:sym typeface="+mn-ea"/>
               </a:rPr>
-              <a:t>每个函数function都有一个prototype，即原型。这里再加一句话——每个对象都有一个__proto__，可成为隐式原型。</a:t>
-            </a:r>
-            <a:endParaRPr lang="en-US" altLang="zh-CN" sz="1600" dirty="0">
-              <a:solidFill>
-                <a:schemeClr val="tx1"/>
-              </a:solidFill>
-              <a:sym typeface="+mn-ea"/>
-            </a:endParaRPr>
-          </a:p>
-          <a:p>
-            <a:pPr marL="0" indent="0">
-              <a:lnSpc>
-                <a:spcPct val="160000"/>
-              </a:lnSpc>
-              <a:buNone/>
-            </a:pPr>
-            <a:r>
-              <a:rPr lang="en-US" altLang="zh-CN" sz="1600" dirty="0">
+              <a:t>- 原型对象它将自身的属性共享给新对象</a:t>
+            </a:r>
+            <a:r>
+              <a:rPr lang="zh-CN" altLang="en-US" sz="1800" dirty="0">
                 <a:solidFill>
                   <a:schemeClr val="tx1"/>
                 </a:solidFill>
                 <a:sym typeface="+mn-ea"/>
               </a:rPr>
-              <a:t>这个__proto__是一个隐藏的属性，javascript不希望开发者用到这个属性值，有的低版本浏览器甚至不支持这个属性值。所以你在Visual Studio 2012这样很高级很智能的编辑器中，都不会有__proto__的智能提示，但是你不用管它，直接写出来就是</a:t>
-            </a:r>
-            <a:endParaRPr lang="en-US" altLang="zh-CN" sz="1600" dirty="0">
-              <a:solidFill>
-                <a:schemeClr val="tx1"/>
-              </a:solidFill>
-              <a:sym typeface="+mn-ea"/>
-            </a:endParaRPr>
-          </a:p>
-          <a:p>
-            <a:pPr marL="0" indent="0">
-              <a:lnSpc>
-                <a:spcPct val="160000"/>
-              </a:lnSpc>
-              <a:buNone/>
-            </a:pPr>
-            <a:r>
-              <a:rPr lang="en-US" altLang="zh-CN" sz="1600" dirty="0">
-                <a:solidFill>
-                  <a:schemeClr val="tx1"/>
+              <a:t>（</a:t>
+            </a:r>
+            <a:r>
+              <a:rPr lang="en-US" altLang="zh-CN" sz="1800" dirty="0">
+                <a:solidFill>
+                  <a:srgbClr val="FF0000"/>
                 </a:solidFill>
                 <a:sym typeface="+mn-ea"/>
               </a:rPr>
-              <a:t>obj.__proto__和Object.prototype的属性一样</a:t>
-            </a:r>
-            <a:endParaRPr lang="en-US" altLang="zh-CN" sz="1600" dirty="0">
+              <a:t>原型对象</a:t>
+            </a:r>
+            <a:r>
+              <a:rPr lang="en-US" altLang="zh-CN" sz="1800" dirty="0">
+                <a:solidFill>
+                  <a:schemeClr val="tx1"/>
+                </a:solidFill>
+                <a:sym typeface="+mn-ea"/>
+              </a:rPr>
+              <a:t>是原型语言的核心</a:t>
+            </a:r>
+            <a:r>
+              <a:rPr lang="zh-CN" altLang="en-US" sz="1800" dirty="0">
+                <a:solidFill>
+                  <a:schemeClr val="tx1"/>
+                </a:solidFill>
+                <a:sym typeface="+mn-ea"/>
+              </a:rPr>
+              <a:t>）</a:t>
+            </a:r>
+            <a:br>
+              <a:rPr lang="en-US" altLang="zh-CN" sz="1800" dirty="0">
+                <a:solidFill>
+                  <a:schemeClr val="tx1"/>
+                </a:solidFill>
+                <a:sym typeface="+mn-ea"/>
+              </a:rPr>
+            </a:br>
+            <a:r>
+              <a:rPr lang="en-US" altLang="zh-CN" sz="1800" dirty="0">
+                <a:solidFill>
+                  <a:schemeClr val="tx1"/>
+                </a:solidFill>
+                <a:sym typeface="+mn-ea"/>
+              </a:rPr>
+              <a:t>- 一个对象不但可以享有自己创建时和运行时定义的属性，而且可以享有原型对象的属性</a:t>
+            </a:r>
+            <a:br>
+              <a:rPr lang="en-US" altLang="zh-CN" sz="1800" dirty="0">
+                <a:solidFill>
+                  <a:schemeClr val="tx1"/>
+                </a:solidFill>
+                <a:sym typeface="+mn-ea"/>
+              </a:rPr>
+            </a:br>
+            <a:r>
+              <a:rPr lang="en-US" altLang="zh-CN" sz="1800" dirty="0">
+                <a:solidFill>
+                  <a:schemeClr val="tx1"/>
+                </a:solidFill>
+                <a:sym typeface="+mn-ea"/>
+              </a:rPr>
+              <a:t>- 所有的对象都有原型，原型本身也是对象，</a:t>
+            </a:r>
+            <a:r>
+              <a:rPr lang="zh-CN" altLang="en-US" sz="1800" dirty="0">
+                <a:solidFill>
+                  <a:schemeClr val="tx1"/>
+                </a:solidFill>
+                <a:sym typeface="+mn-ea"/>
+              </a:rPr>
+              <a:t>形成的链式结构即为</a:t>
+            </a:r>
+            <a:r>
+              <a:rPr lang="zh-CN" altLang="en-US" sz="1800" dirty="0">
+                <a:solidFill>
+                  <a:srgbClr val="FF0000"/>
+                </a:solidFill>
+                <a:sym typeface="+mn-ea"/>
+              </a:rPr>
+              <a:t>原型链</a:t>
+            </a:r>
+            <a:br>
+              <a:rPr lang="zh-CN" altLang="en-US" sz="1800" dirty="0">
+                <a:solidFill>
+                  <a:srgbClr val="FF0000"/>
+                </a:solidFill>
+                <a:sym typeface="+mn-ea"/>
+              </a:rPr>
+            </a:br>
+            <a:r>
+              <a:rPr lang="en-US" altLang="zh-CN" sz="1800" dirty="0">
+                <a:solidFill>
+                  <a:schemeClr val="tx1"/>
+                </a:solidFill>
+                <a:sym typeface="+mn-ea"/>
+              </a:rPr>
+              <a:t>- 一个对象的真正原型是被对象内部的[[Prototype]]属性(property)所持有</a:t>
+            </a:r>
+            <a:br>
+              <a:rPr lang="en-US" altLang="zh-CN" sz="1800" dirty="0">
+                <a:solidFill>
+                  <a:schemeClr val="tx1"/>
+                </a:solidFill>
+                <a:sym typeface="+mn-ea"/>
+              </a:rPr>
+            </a:br>
+            <a:r>
+              <a:rPr lang="en-US" altLang="zh-CN" sz="1800" dirty="0">
+                <a:solidFill>
+                  <a:schemeClr val="tx1"/>
+                </a:solidFill>
+                <a:sym typeface="+mn-ea"/>
+              </a:rPr>
+              <a:t>- </a:t>
+            </a:r>
+            <a:r>
+              <a:rPr lang="zh-CN" altLang="en-US" sz="1800" dirty="0">
+                <a:solidFill>
+                  <a:schemeClr val="tx1"/>
+                </a:solidFill>
+                <a:sym typeface="+mn-ea"/>
+              </a:rPr>
+              <a:t>多态：</a:t>
+            </a:r>
+            <a:r>
+              <a:rPr lang="en-US" altLang="zh-CN" sz="1800" dirty="0">
+                <a:solidFill>
+                  <a:schemeClr val="tx1"/>
+                </a:solidFill>
+                <a:sym typeface="+mn-ea"/>
+              </a:rPr>
+              <a:t>for in </a:t>
+            </a:r>
+            <a:r>
+              <a:rPr lang="zh-CN" altLang="en-US" sz="1800" dirty="0">
+                <a:solidFill>
+                  <a:schemeClr val="tx1"/>
+                </a:solidFill>
+                <a:sym typeface="+mn-ea"/>
+              </a:rPr>
+              <a:t>遍历 结合</a:t>
+            </a:r>
+            <a:r>
+              <a:rPr lang="en-US" altLang="zh-CN" sz="1800" dirty="0">
+                <a:solidFill>
+                  <a:schemeClr val="tx1"/>
+                </a:solidFill>
+                <a:sym typeface="+mn-ea"/>
+              </a:rPr>
+              <a:t>Object.hasOwnProperty</a:t>
+            </a:r>
+            <a:endParaRPr lang="en-US" altLang="zh-CN" sz="1800" dirty="0">
               <a:solidFill>
                 <a:schemeClr val="tx1"/>
               </a:solidFill>
@@ -14099,32 +14538,11 @@
             </a:r>
             <a:endParaRPr lang="zh-CN" altLang="en-US" dirty="0"/>
           </a:p>
+          <a:p>
+            <a:endParaRPr lang="zh-CN" altLang="en-US" dirty="0"/>
+          </a:p>
         </p:txBody>
       </p:sp>
-      <p:pic>
-        <p:nvPicPr>
-          <p:cNvPr id="4" name="图片 3"/>
-          <p:cNvPicPr>
-            <a:picLocks noChangeAspect="1"/>
-          </p:cNvPicPr>
-          <p:nvPr/>
-        </p:nvPicPr>
-        <p:blipFill>
-          <a:blip r:embed="rId1"/>
-          <a:stretch>
-            <a:fillRect/>
-          </a:stretch>
-        </p:blipFill>
-        <p:spPr>
-          <a:xfrm>
-            <a:off x="1294130" y="3588385"/>
-            <a:ext cx="5243195" cy="1748155"/>
-          </a:xfrm>
-          <a:prstGeom prst="rect">
-            <a:avLst/>
-          </a:prstGeom>
-        </p:spPr>
-      </p:pic>
     </p:spTree>
   </p:cSld>
   <p:clrMapOvr>
@@ -14190,6 +14608,187 @@
                 </a:solidFill>
                 <a:sym typeface="+mn-ea"/>
               </a:rPr>
+              <a:t>每个函数function都有一个prototype，即原型。这里再加一句话——每个对象都有一个__proto__，可成为隐式原型。</a:t>
+            </a:r>
+            <a:endParaRPr lang="en-US" altLang="zh-CN" sz="1600" dirty="0">
+              <a:solidFill>
+                <a:schemeClr val="tx1"/>
+              </a:solidFill>
+              <a:sym typeface="+mn-ea"/>
+            </a:endParaRPr>
+          </a:p>
+          <a:p>
+            <a:pPr marL="0" indent="0">
+              <a:lnSpc>
+                <a:spcPct val="160000"/>
+              </a:lnSpc>
+              <a:buNone/>
+            </a:pPr>
+            <a:r>
+              <a:rPr lang="en-US" altLang="zh-CN" sz="1600" dirty="0">
+                <a:solidFill>
+                  <a:schemeClr val="tx1"/>
+                </a:solidFill>
+                <a:sym typeface="+mn-ea"/>
+              </a:rPr>
+              <a:t>这个__proto__是一个隐藏的属性，javascript不希望开发者用到这个属性值，有的低版本浏览器甚至不支持这个属性值。所以你在Visual Studio 2012这样很高级很智能的编辑器中，都不会有__proto__的智能提示，但是你不用管它，直接写出来就是</a:t>
+            </a:r>
+            <a:endParaRPr lang="en-US" altLang="zh-CN" sz="1600" dirty="0">
+              <a:solidFill>
+                <a:schemeClr val="tx1"/>
+              </a:solidFill>
+              <a:sym typeface="+mn-ea"/>
+            </a:endParaRPr>
+          </a:p>
+          <a:p>
+            <a:pPr marL="0" indent="0">
+              <a:lnSpc>
+                <a:spcPct val="160000"/>
+              </a:lnSpc>
+              <a:buNone/>
+            </a:pPr>
+            <a:r>
+              <a:rPr lang="en-US" altLang="zh-CN" sz="1600" dirty="0">
+                <a:solidFill>
+                  <a:schemeClr val="tx1"/>
+                </a:solidFill>
+                <a:sym typeface="+mn-ea"/>
+              </a:rPr>
+              <a:t>obj.__proto__和Object.prototype的属性一样</a:t>
+            </a:r>
+            <a:endParaRPr lang="en-US" altLang="zh-CN" sz="1600" dirty="0">
+              <a:solidFill>
+                <a:schemeClr val="tx1"/>
+              </a:solidFill>
+              <a:sym typeface="+mn-ea"/>
+            </a:endParaRPr>
+          </a:p>
+        </p:txBody>
+      </p:sp>
+      <p:sp>
+        <p:nvSpPr>
+          <p:cNvPr id="3" name="内容占位符 2"/>
+          <p:cNvSpPr>
+            <a:spLocks noGrp="1"/>
+          </p:cNvSpPr>
+          <p:nvPr>
+            <p:ph sz="quarter" idx="11"/>
+          </p:nvPr>
+        </p:nvSpPr>
+        <p:spPr/>
+        <p:txBody>
+          <a:bodyPr/>
+          <a:lstStyle/>
+          <a:p>
+            <a:r>
+              <a:rPr lang="en-US" dirty="0"/>
+              <a:t>JavaScript</a:t>
+            </a:r>
+            <a:r>
+              <a:rPr lang="zh-CN" altLang="en-US" dirty="0"/>
+              <a:t>的继承方式</a:t>
+            </a:r>
+            <a:r>
+              <a:rPr lang="en-US" altLang="zh-CN" dirty="0"/>
+              <a:t>-</a:t>
+            </a:r>
+            <a:r>
+              <a:rPr lang="zh-CN" altLang="en-US" dirty="0"/>
+              <a:t>原型链</a:t>
+            </a:r>
+            <a:endParaRPr lang="zh-CN" altLang="en-US" dirty="0"/>
+          </a:p>
+        </p:txBody>
+      </p:sp>
+      <p:pic>
+        <p:nvPicPr>
+          <p:cNvPr id="4" name="图片 3"/>
+          <p:cNvPicPr>
+            <a:picLocks noChangeAspect="1"/>
+          </p:cNvPicPr>
+          <p:nvPr/>
+        </p:nvPicPr>
+        <p:blipFill>
+          <a:blip r:embed="rId1"/>
+          <a:stretch>
+            <a:fillRect/>
+          </a:stretch>
+        </p:blipFill>
+        <p:spPr>
+          <a:xfrm>
+            <a:off x="1294130" y="3588385"/>
+            <a:ext cx="5243195" cy="1748155"/>
+          </a:xfrm>
+          <a:prstGeom prst="rect">
+            <a:avLst/>
+          </a:prstGeom>
+        </p:spPr>
+      </p:pic>
+    </p:spTree>
+  </p:cSld>
+  <p:clrMapOvr>
+    <a:masterClrMapping/>
+  </p:clrMapOvr>
+  <p:timing>
+    <p:tnLst>
+      <p:par>
+        <p:cTn id="1" dur="indefinite" restart="never" nodeType="tmRoot"/>
+      </p:par>
+    </p:tnLst>
+  </p:timing>
+</p:sld>
+</file>
+
+<file path=ppt/slides/slide22.xml><?xml version="1.0" encoding="utf-8"?>
+<p:sld xmlns:a="http://schemas.openxmlformats.org/drawingml/2006/main" xmlns:r="http://schemas.openxmlformats.org/officeDocument/2006/relationships" xmlns:p="http://schemas.openxmlformats.org/presentationml/2006/main">
+  <p:cSld>
+    <p:spTree>
+      <p:nvGrpSpPr>
+        <p:cNvPr id="1" name=""/>
+        <p:cNvGrpSpPr/>
+        <p:nvPr/>
+      </p:nvGrpSpPr>
+      <p:grpSpPr>
+        <a:xfrm>
+          <a:off x="0" y="0"/>
+          <a:ext cx="0" cy="0"/>
+          <a:chOff x="0" y="0"/>
+          <a:chExt cx="0" cy="0"/>
+        </a:xfrm>
+      </p:grpSpPr>
+      <p:sp>
+        <p:nvSpPr>
+          <p:cNvPr id="2" name="内容占位符 1"/>
+          <p:cNvSpPr>
+            <a:spLocks noGrp="1"/>
+          </p:cNvSpPr>
+          <p:nvPr>
+            <p:ph sz="quarter" idx="10"/>
+          </p:nvPr>
+        </p:nvSpPr>
+        <p:spPr>
+          <a:xfrm>
+            <a:off x="1143000" y="855345"/>
+            <a:ext cx="9776460" cy="4918710"/>
+          </a:xfrm>
+        </p:spPr>
+        <p:txBody>
+          <a:bodyPr/>
+          <a:lstStyle/>
+          <a:p>
+            <a:pPr marL="0" indent="0">
+              <a:lnSpc>
+                <a:spcPct val="160000"/>
+              </a:lnSpc>
+              <a:buNone/>
+            </a:pPr>
+            <a:r>
+              <a:rPr lang="en-US" altLang="zh-CN" sz="1600" dirty="0">
+                <a:solidFill>
+                  <a:schemeClr val="tx1"/>
+                </a:solidFill>
+                <a:sym typeface="+mn-ea"/>
+              </a:rPr>
               <a:t>在说明“Object prototype”之前，先说一下自定义函数的prototype。自定义函数的prototype本质上就是和 var obj = {} 是一样的，都是被Object创建，所以它的__proto__指向的就是Object.prototype。</a:t>
             </a:r>
             <a:endParaRPr lang="en-US" altLang="zh-CN" sz="1600" dirty="0">
@@ -14298,7 +14897,7 @@
 </p:sld>
 </file>
 
-<file path=ppt/slides/slide22.xml><?xml version="1.0" encoding="utf-8"?>
+<file path=ppt/slides/slide23.xml><?xml version="1.0" encoding="utf-8"?>
 <p:sld xmlns:a="http://schemas.openxmlformats.org/drawingml/2006/main" xmlns:r="http://schemas.openxmlformats.org/officeDocument/2006/relationships" xmlns:p="http://schemas.openxmlformats.org/presentationml/2006/main">
   <p:cSld>
     <p:spTree>
@@ -17173,6 +17772,394 @@
 </file>
 
 <file path=ppt/slides/slide7.xml><?xml version="1.0" encoding="utf-8"?>
+<p:sld xmlns:a="http://schemas.openxmlformats.org/drawingml/2006/main" xmlns:r="http://schemas.openxmlformats.org/officeDocument/2006/relationships" xmlns:p="http://schemas.openxmlformats.org/presentationml/2006/main">
+  <p:cSld>
+    <p:spTree>
+      <p:nvGrpSpPr>
+        <p:cNvPr id="1" name=""/>
+        <p:cNvGrpSpPr/>
+        <p:nvPr/>
+      </p:nvGrpSpPr>
+      <p:grpSpPr>
+        <a:xfrm>
+          <a:off x="0" y="0"/>
+          <a:ext cx="0" cy="0"/>
+          <a:chOff x="0" y="0"/>
+          <a:chExt cx="0" cy="0"/>
+        </a:xfrm>
+      </p:grpSpPr>
+      <p:sp>
+        <p:nvSpPr>
+          <p:cNvPr id="2" name="内容占位符 1"/>
+          <p:cNvSpPr>
+            <a:spLocks noGrp="1"/>
+          </p:cNvSpPr>
+          <p:nvPr>
+            <p:ph sz="quarter" idx="10"/>
+          </p:nvPr>
+        </p:nvSpPr>
+        <p:spPr>
+          <a:xfrm>
+            <a:off x="927735" y="783590"/>
+            <a:ext cx="10396220" cy="5253990"/>
+          </a:xfrm>
+        </p:spPr>
+        <p:txBody>
+          <a:bodyPr/>
+          <a:lstStyle/>
+          <a:p>
+            <a:pPr>
+              <a:lnSpc>
+                <a:spcPct val="140000"/>
+              </a:lnSpc>
+            </a:pPr>
+            <a:r>
+              <a:rPr lang="en-US" altLang="zh-CN" sz="3200" dirty="0">
+                <a:solidFill>
+                  <a:schemeClr val="tx1"/>
+                </a:solidFill>
+              </a:rPr>
+              <a:t>JS</a:t>
+            </a:r>
+            <a:r>
+              <a:rPr lang="zh-CN" altLang="en-US" sz="3200" dirty="0">
+                <a:solidFill>
+                  <a:schemeClr val="tx1"/>
+                </a:solidFill>
+              </a:rPr>
+              <a:t>对象属性的分类</a:t>
+            </a:r>
+            <a:br>
+              <a:rPr lang="zh-CN" altLang="en-US" sz="3200" dirty="0">
+                <a:solidFill>
+                  <a:schemeClr val="tx1"/>
+                </a:solidFill>
+              </a:rPr>
+            </a:br>
+            <a:r>
+              <a:rPr lang="en-US" altLang="zh-CN" sz="2000" dirty="0">
+                <a:solidFill>
+                  <a:schemeClr val="tx1"/>
+                </a:solidFill>
+              </a:rPr>
+              <a:t>- </a:t>
+            </a:r>
+            <a:r>
+              <a:rPr lang="zh-CN" altLang="en-US" sz="2000" dirty="0">
+                <a:solidFill>
+                  <a:schemeClr val="tx1"/>
+                </a:solidFill>
+              </a:rPr>
+              <a:t>自有属性（</a:t>
+            </a:r>
+            <a:r>
+              <a:rPr lang="en-US" altLang="zh-CN" sz="2000" dirty="0">
+                <a:solidFill>
+                  <a:schemeClr val="tx1"/>
+                </a:solidFill>
+              </a:rPr>
+              <a:t>owner property</a:t>
+            </a:r>
+            <a:r>
+              <a:rPr lang="zh-CN" altLang="en-US" sz="2000" dirty="0">
+                <a:solidFill>
+                  <a:schemeClr val="tx1"/>
+                </a:solidFill>
+              </a:rPr>
+              <a:t>）对象自身的属性</a:t>
+            </a:r>
+            <a:br>
+              <a:rPr lang="zh-CN" altLang="en-US" sz="2000" dirty="0">
+                <a:solidFill>
+                  <a:schemeClr val="tx1"/>
+                </a:solidFill>
+              </a:rPr>
+            </a:br>
+            <a:r>
+              <a:rPr lang="en-US" altLang="zh-CN" sz="2000" dirty="0">
+                <a:solidFill>
+                  <a:schemeClr val="tx1"/>
+                </a:solidFill>
+              </a:rPr>
+              <a:t>- </a:t>
+            </a:r>
+            <a:r>
+              <a:rPr lang="zh-CN" altLang="en-US" sz="2000" dirty="0">
+                <a:solidFill>
+                  <a:schemeClr val="tx1"/>
+                </a:solidFill>
+              </a:rPr>
+              <a:t>继承属性（</a:t>
+            </a:r>
+            <a:r>
+              <a:rPr lang="en-US" altLang="zh-CN" sz="2000" dirty="0">
+                <a:solidFill>
+                  <a:schemeClr val="tx1"/>
+                </a:solidFill>
+              </a:rPr>
+              <a:t>inherit property</a:t>
+            </a:r>
+            <a:r>
+              <a:rPr lang="zh-CN" altLang="en-US" sz="2000" dirty="0">
+                <a:solidFill>
+                  <a:schemeClr val="tx1"/>
+                </a:solidFill>
+              </a:rPr>
+              <a:t>）对象原型链上的属性</a:t>
+            </a:r>
+            <a:endParaRPr lang="zh-CN" altLang="en-US" sz="2000" dirty="0">
+              <a:solidFill>
+                <a:schemeClr val="tx1"/>
+              </a:solidFill>
+              <a:sym typeface="+mn-ea"/>
+            </a:endParaRPr>
+          </a:p>
+          <a:p>
+            <a:pPr marL="168275" lvl="1" indent="0">
+              <a:lnSpc>
+                <a:spcPct val="150000"/>
+              </a:lnSpc>
+              <a:buNone/>
+            </a:pPr>
+            <a:endParaRPr lang="zh-CN" altLang="en-US" sz="2200" dirty="0">
+              <a:sym typeface="+mn-ea"/>
+            </a:endParaRPr>
+          </a:p>
+          <a:p>
+            <a:pPr marL="168275" lvl="1" indent="0">
+              <a:lnSpc>
+                <a:spcPct val="150000"/>
+              </a:lnSpc>
+              <a:buNone/>
+            </a:pPr>
+            <a:endParaRPr lang="en-US" altLang="zh-CN" sz="3200" dirty="0">
+              <a:solidFill>
+                <a:srgbClr val="006F53"/>
+              </a:solidFill>
+              <a:cs typeface="+mn-cs"/>
+            </a:endParaRPr>
+          </a:p>
+        </p:txBody>
+      </p:sp>
+      <p:sp>
+        <p:nvSpPr>
+          <p:cNvPr id="3" name="内容占位符 2"/>
+          <p:cNvSpPr>
+            <a:spLocks noGrp="1"/>
+          </p:cNvSpPr>
+          <p:nvPr>
+            <p:ph sz="quarter" idx="11"/>
+          </p:nvPr>
+        </p:nvSpPr>
+        <p:spPr>
+          <a:xfrm>
+            <a:off x="947420" y="236855"/>
+            <a:ext cx="10059670" cy="490220"/>
+          </a:xfrm>
+        </p:spPr>
+        <p:txBody>
+          <a:bodyPr/>
+          <a:lstStyle/>
+          <a:p>
+            <a:r>
+              <a:rPr lang="en-US" dirty="0" smtClean="0"/>
+              <a:t>JS</a:t>
+            </a:r>
+            <a:r>
+              <a:rPr lang="zh-CN" altLang="en-US" dirty="0" smtClean="0"/>
+              <a:t>对象的属性</a:t>
+            </a:r>
+            <a:endParaRPr lang="zh-CN" altLang="en-US" dirty="0" smtClean="0">
+              <a:sym typeface="+mn-ea"/>
+            </a:endParaRPr>
+          </a:p>
+        </p:txBody>
+      </p:sp>
+      <p:sp>
+        <p:nvSpPr>
+          <p:cNvPr id="4" name="文本框 3"/>
+          <p:cNvSpPr txBox="1"/>
+          <p:nvPr/>
+        </p:nvSpPr>
+        <p:spPr>
+          <a:xfrm>
+            <a:off x="6031230" y="6037580"/>
+            <a:ext cx="4547870" cy="429895"/>
+          </a:xfrm>
+          <a:prstGeom prst="rect">
+            <a:avLst/>
+          </a:prstGeom>
+          <a:noFill/>
+        </p:spPr>
+        <p:txBody>
+          <a:bodyPr wrap="square" rtlCol="0">
+            <a:spAutoFit/>
+          </a:bodyPr>
+          <a:p>
+            <a:pPr algn="l"/>
+            <a:r>
+              <a:rPr lang="zh-CN" altLang="en-US" sz="2200">
+                <a:solidFill>
+                  <a:srgbClr val="FF0000"/>
+                </a:solidFill>
+                <a:latin typeface="+mn-ea"/>
+                <a:ea typeface="+mn-ea"/>
+              </a:rPr>
+              <a:t>参见实例</a:t>
+            </a:r>
+            <a:r>
+              <a:rPr lang="en-US" altLang="zh-CN" sz="2200">
+                <a:solidFill>
+                  <a:srgbClr val="FF0000"/>
+                </a:solidFill>
+                <a:latin typeface="+mn-ea"/>
+                <a:ea typeface="+mn-ea"/>
+              </a:rPr>
+              <a:t>demo03 </a:t>
+            </a:r>
+            <a:endParaRPr lang="en-US" altLang="zh-CN" sz="2200">
+              <a:solidFill>
+                <a:srgbClr val="FF0000"/>
+              </a:solidFill>
+              <a:latin typeface="+mn-ea"/>
+              <a:ea typeface="+mn-ea"/>
+            </a:endParaRPr>
+          </a:p>
+        </p:txBody>
+      </p:sp>
+    </p:spTree>
+  </p:cSld>
+  <p:clrMapOvr>
+    <a:masterClrMapping/>
+  </p:clrMapOvr>
+  <p:timing>
+    <p:tnLst>
+      <p:par>
+        <p:cTn id="1" dur="indefinite" restart="never" nodeType="tmRoot">
+          <p:childTnLst>
+            <p:seq concurrent="1" nextAc="seek">
+              <p:cTn id="2" dur="indefinite" nodeType="mainSeq">
+                <p:childTnLst>
+                  <p:par>
+                    <p:cTn id="3" fill="hold">
+                      <p:stCondLst>
+                        <p:cond delay="indefinite"/>
+                      </p:stCondLst>
+                      <p:childTnLst>
+                        <p:par>
+                          <p:cTn id="4" fill="hold">
+                            <p:stCondLst>
+                              <p:cond delay="0"/>
+                            </p:stCondLst>
+                            <p:childTnLst>
+                              <p:par>
+                                <p:cTn id="5" presetID="2" presetClass="entr" presetSubtype="4" fill="hold" grpId="0" nodeType="clickEffect">
+                                  <p:stCondLst>
+                                    <p:cond delay="0"/>
+                                  </p:stCondLst>
+                                  <p:childTnLst>
+                                    <p:set>
+                                      <p:cBhvr>
+                                        <p:cTn id="6" dur="1" fill="hold">
+                                          <p:stCondLst>
+                                            <p:cond delay="0"/>
+                                          </p:stCondLst>
+                                        </p:cTn>
+                                        <p:tgtEl>
+                                          <p:spTgt spid="4"/>
+                                        </p:tgtEl>
+                                        <p:attrNameLst>
+                                          <p:attrName>style.visibility</p:attrName>
+                                        </p:attrNameLst>
+                                      </p:cBhvr>
+                                      <p:to>
+                                        <p:strVal val="visible"/>
+                                      </p:to>
+                                    </p:set>
+                                    <p:anim calcmode="lin" valueType="num">
+                                      <p:cBhvr additive="base">
+                                        <p:cTn id="7" dur="500" fill="hold"/>
+                                        <p:tgtEl>
+                                          <p:spTgt spid="4"/>
+                                        </p:tgtEl>
+                                        <p:attrNameLst>
+                                          <p:attrName>ppt_x</p:attrName>
+                                        </p:attrNameLst>
+                                      </p:cBhvr>
+                                      <p:tavLst>
+                                        <p:tav tm="0">
+                                          <p:val>
+                                            <p:strVal val="#ppt_x"/>
+                                          </p:val>
+                                        </p:tav>
+                                        <p:tav tm="100000">
+                                          <p:val>
+                                            <p:strVal val="#ppt_x"/>
+                                          </p:val>
+                                        </p:tav>
+                                      </p:tavLst>
+                                    </p:anim>
+                                    <p:anim calcmode="lin" valueType="num">
+                                      <p:cBhvr additive="base">
+                                        <p:cTn id="8" dur="500" fill="hold"/>
+                                        <p:tgtEl>
+                                          <p:spTgt spid="4"/>
+                                        </p:tgtEl>
+                                        <p:attrNameLst>
+                                          <p:attrName>ppt_y</p:attrName>
+                                        </p:attrNameLst>
+                                      </p:cBhvr>
+                                      <p:tavLst>
+                                        <p:tav tm="0">
+                                          <p:val>
+                                            <p:strVal val="1+#ppt_h/2"/>
+                                          </p:val>
+                                        </p:tav>
+                                        <p:tav tm="100000">
+                                          <p:val>
+                                            <p:strVal val="#ppt_y"/>
+                                          </p:val>
+                                        </p:tav>
+                                      </p:tavLst>
+                                    </p:anim>
+                                  </p:childTnLst>
+                                </p:cTn>
+                              </p:par>
+                            </p:childTnLst>
+                          </p:cTn>
+                        </p:par>
+                      </p:childTnLst>
+                    </p:cTn>
+                  </p:par>
+                </p:childTnLst>
+              </p:cTn>
+              <p:prevCondLst>
+                <p:cond evt="onPrev" delay="0">
+                  <p:tgtEl>
+                    <p:sldTgt/>
+                  </p:tgtEl>
+                </p:cond>
+              </p:prevCondLst>
+              <p:nextCondLst>
+                <p:cond evt="onNext" delay="0">
+                  <p:tgtEl>
+                    <p:sldTgt/>
+                  </p:tgtEl>
+                </p:cond>
+              </p:nextCondLst>
+            </p:seq>
+          </p:childTnLst>
+        </p:cTn>
+      </p:par>
+    </p:tnLst>
+    <p:bldLst>
+      <p:bldP spid="4" grpId="0"/>
+    </p:bldLst>
+  </p:timing>
+</p:sld>
+</file>
+
+<file path=ppt/slides/slide8.xml><?xml version="1.0" encoding="utf-8"?>
 <p:sld xmlns:a="http://schemas.openxmlformats.org/drawingml/2006/main" xmlns:r="http://schemas.openxmlformats.org/officeDocument/2006/relationships" xmlns:p="http://schemas.openxmlformats.org/presentationml/2006/main">
   <p:cSld>
     <p:spTree>
@@ -19289,7 +20276,7 @@
 </p:sld>
 </file>
 
-<file path=ppt/slides/slide8.xml><?xml version="1.0" encoding="utf-8"?>
+<file path=ppt/slides/slide9.xml><?xml version="1.0" encoding="utf-8"?>
 <p:sld xmlns:a="http://schemas.openxmlformats.org/drawingml/2006/main" xmlns:r="http://schemas.openxmlformats.org/officeDocument/2006/relationships" xmlns:p="http://schemas.openxmlformats.org/presentationml/2006/main">
   <p:cSld>
     <p:spTree>
@@ -21556,520 +22543,6 @@
 </p:sld>
 </file>
 
-<file path=ppt/slides/slide9.xml><?xml version="1.0" encoding="utf-8"?>
-<p:sld xmlns:a="http://schemas.openxmlformats.org/drawingml/2006/main" xmlns:r="http://schemas.openxmlformats.org/officeDocument/2006/relationships" xmlns:p="http://schemas.openxmlformats.org/presentationml/2006/main">
-  <p:cSld>
-    <p:spTree>
-      <p:nvGrpSpPr>
-        <p:cNvPr id="1" name=""/>
-        <p:cNvGrpSpPr/>
-        <p:nvPr/>
-      </p:nvGrpSpPr>
-      <p:grpSpPr>
-        <a:xfrm>
-          <a:off x="0" y="0"/>
-          <a:ext cx="0" cy="0"/>
-          <a:chOff x="0" y="0"/>
-          <a:chExt cx="0" cy="0"/>
-        </a:xfrm>
-      </p:grpSpPr>
-      <p:sp>
-        <p:nvSpPr>
-          <p:cNvPr id="5123" name="AutoShape 6"/>
-          <p:cNvSpPr>
-            <a:spLocks noChangeArrowheads="1"/>
-          </p:cNvSpPr>
-          <p:nvPr/>
-        </p:nvSpPr>
-        <p:spPr bwMode="auto">
-          <a:xfrm>
-            <a:off x="2566988" y="1339851"/>
-            <a:ext cx="6711950" cy="4214813"/>
-          </a:xfrm>
-          <a:prstGeom prst="roundRect">
-            <a:avLst>
-              <a:gd name="adj" fmla="val 16667"/>
-            </a:avLst>
-          </a:prstGeom>
-          <a:noFill/>
-          <a:ln w="28575">
-            <a:solidFill>
-              <a:srgbClr val="C0C0C0"/>
-            </a:solidFill>
-            <a:prstDash val="sysDot"/>
-            <a:round/>
-          </a:ln>
-          <a:extLst>
-            <a:ext uri="{909E8E84-426E-40DD-AFC4-6F175D3DCCD1}">
-              <a14:hiddenFill xmlns:a14="http://schemas.microsoft.com/office/drawing/2010/main">
-                <a:solidFill>
-                  <a:srgbClr val="FFFFFF"/>
-                </a:solidFill>
-              </a14:hiddenFill>
-            </a:ext>
-          </a:extLst>
-        </p:spPr>
-        <p:txBody>
-          <a:bodyPr wrap="none" anchor="ctr"/>
-          <a:lstStyle>
-            <a:lvl1pPr marL="457200" indent="-457200">
-              <a:defRPr sz="3200">
-                <a:solidFill>
-                  <a:schemeClr val="tx1"/>
-                </a:solidFill>
-                <a:latin typeface="Arial" panose="020B0604020202020204" pitchFamily="34" charset="0"/>
-                <a:ea typeface="微软雅黑" panose="020B0503020204020204" pitchFamily="34" charset="-122"/>
-              </a:defRPr>
-            </a:lvl1pPr>
-            <a:lvl2pPr marL="742950" indent="-285750">
-              <a:defRPr sz="3200">
-                <a:solidFill>
-                  <a:schemeClr val="tx1"/>
-                </a:solidFill>
-                <a:latin typeface="Arial" panose="020B0604020202020204" pitchFamily="34" charset="0"/>
-                <a:ea typeface="微软雅黑" panose="020B0503020204020204" pitchFamily="34" charset="-122"/>
-              </a:defRPr>
-            </a:lvl2pPr>
-            <a:lvl3pPr marL="1143000" indent="-228600">
-              <a:defRPr sz="3200">
-                <a:solidFill>
-                  <a:schemeClr val="tx1"/>
-                </a:solidFill>
-                <a:latin typeface="Arial" panose="020B0604020202020204" pitchFamily="34" charset="0"/>
-                <a:ea typeface="微软雅黑" panose="020B0503020204020204" pitchFamily="34" charset="-122"/>
-              </a:defRPr>
-            </a:lvl3pPr>
-            <a:lvl4pPr marL="1600200" indent="-228600">
-              <a:defRPr sz="3200">
-                <a:solidFill>
-                  <a:schemeClr val="tx1"/>
-                </a:solidFill>
-                <a:latin typeface="Arial" panose="020B0604020202020204" pitchFamily="34" charset="0"/>
-                <a:ea typeface="微软雅黑" panose="020B0503020204020204" pitchFamily="34" charset="-122"/>
-              </a:defRPr>
-            </a:lvl4pPr>
-            <a:lvl5pPr marL="2057400" indent="-228600">
-              <a:defRPr sz="3200">
-                <a:solidFill>
-                  <a:schemeClr val="tx1"/>
-                </a:solidFill>
-                <a:latin typeface="Arial" panose="020B0604020202020204" pitchFamily="34" charset="0"/>
-                <a:ea typeface="微软雅黑" panose="020B0503020204020204" pitchFamily="34" charset="-122"/>
-              </a:defRPr>
-            </a:lvl5pPr>
-            <a:lvl6pPr marL="2514600" indent="-228600" eaLnBrk="0" fontAlgn="base" hangingPunct="0">
-              <a:spcBef>
-                <a:spcPct val="0"/>
-              </a:spcBef>
-              <a:spcAft>
-                <a:spcPct val="0"/>
-              </a:spcAft>
-              <a:defRPr sz="3200">
-                <a:solidFill>
-                  <a:schemeClr val="tx1"/>
-                </a:solidFill>
-                <a:latin typeface="Arial" panose="020B0604020202020204" pitchFamily="34" charset="0"/>
-                <a:ea typeface="微软雅黑" panose="020B0503020204020204" pitchFamily="34" charset="-122"/>
-              </a:defRPr>
-            </a:lvl6pPr>
-            <a:lvl7pPr marL="2971800" indent="-228600" eaLnBrk="0" fontAlgn="base" hangingPunct="0">
-              <a:spcBef>
-                <a:spcPct val="0"/>
-              </a:spcBef>
-              <a:spcAft>
-                <a:spcPct val="0"/>
-              </a:spcAft>
-              <a:defRPr sz="3200">
-                <a:solidFill>
-                  <a:schemeClr val="tx1"/>
-                </a:solidFill>
-                <a:latin typeface="Arial" panose="020B0604020202020204" pitchFamily="34" charset="0"/>
-                <a:ea typeface="微软雅黑" panose="020B0503020204020204" pitchFamily="34" charset="-122"/>
-              </a:defRPr>
-            </a:lvl7pPr>
-            <a:lvl8pPr marL="3429000" indent="-228600" eaLnBrk="0" fontAlgn="base" hangingPunct="0">
-              <a:spcBef>
-                <a:spcPct val="0"/>
-              </a:spcBef>
-              <a:spcAft>
-                <a:spcPct val="0"/>
-              </a:spcAft>
-              <a:defRPr sz="3200">
-                <a:solidFill>
-                  <a:schemeClr val="tx1"/>
-                </a:solidFill>
-                <a:latin typeface="Arial" panose="020B0604020202020204" pitchFamily="34" charset="0"/>
-                <a:ea typeface="微软雅黑" panose="020B0503020204020204" pitchFamily="34" charset="-122"/>
-              </a:defRPr>
-            </a:lvl8pPr>
-            <a:lvl9pPr marL="3886200" indent="-228600" eaLnBrk="0" fontAlgn="base" hangingPunct="0">
-              <a:spcBef>
-                <a:spcPct val="0"/>
-              </a:spcBef>
-              <a:spcAft>
-                <a:spcPct val="0"/>
-              </a:spcAft>
-              <a:defRPr sz="3200">
-                <a:solidFill>
-                  <a:schemeClr val="tx1"/>
-                </a:solidFill>
-                <a:latin typeface="Arial" panose="020B0604020202020204" pitchFamily="34" charset="0"/>
-                <a:ea typeface="微软雅黑" panose="020B0503020204020204" pitchFamily="34" charset="-122"/>
-              </a:defRPr>
-            </a:lvl9pPr>
-          </a:lstStyle>
-          <a:p>
-            <a:pPr algn="l">
-              <a:lnSpc>
-                <a:spcPct val="150000"/>
-              </a:lnSpc>
-              <a:spcBef>
-                <a:spcPts val="1200"/>
-              </a:spcBef>
-              <a:spcAft>
-                <a:spcPts val="1200"/>
-              </a:spcAft>
-              <a:buClr>
-                <a:srgbClr val="92D050"/>
-              </a:buClr>
-              <a:buFont typeface="Wingdings" panose="05000000000000000000" pitchFamily="2" charset="2"/>
-              <a:buChar char="Ø"/>
-            </a:pPr>
-            <a:r>
-              <a:rPr lang="en-US" altLang="zh-CN" sz="2800" b="1">
-                <a:solidFill>
-                  <a:schemeClr val="tx1"/>
-                </a:solidFill>
-                <a:sym typeface="+mn-ea"/>
-              </a:rPr>
-              <a:t>JS</a:t>
-            </a:r>
-            <a:r>
-              <a:rPr lang="zh-CN" altLang="en-US" sz="2800" b="1">
-                <a:solidFill>
-                  <a:schemeClr val="tx1"/>
-                </a:solidFill>
-                <a:sym typeface="+mn-ea"/>
-              </a:rPr>
-              <a:t>对象及继承方式综述</a:t>
-            </a:r>
-            <a:endParaRPr lang="zh-CN" altLang="en-US" sz="2800" b="1">
-              <a:solidFill>
-                <a:schemeClr val="tx1"/>
-              </a:solidFill>
-              <a:sym typeface="+mn-ea"/>
-            </a:endParaRPr>
-          </a:p>
-          <a:p>
-            <a:pPr algn="l">
-              <a:lnSpc>
-                <a:spcPct val="150000"/>
-              </a:lnSpc>
-              <a:spcBef>
-                <a:spcPts val="1200"/>
-              </a:spcBef>
-              <a:spcAft>
-                <a:spcPts val="1200"/>
-              </a:spcAft>
-              <a:buClr>
-                <a:srgbClr val="92D050"/>
-              </a:buClr>
-              <a:buFont typeface="Wingdings" panose="05000000000000000000" pitchFamily="2" charset="2"/>
-              <a:buChar char="Ø"/>
-            </a:pPr>
-            <a:r>
-              <a:rPr lang="en-US" sz="2800" b="1">
-                <a:solidFill>
-                  <a:schemeClr val="tx1"/>
-                </a:solidFill>
-                <a:sym typeface="+mn-ea"/>
-              </a:rPr>
-              <a:t>JS</a:t>
-            </a:r>
-            <a:r>
-              <a:rPr lang="zh-CN" altLang="en-US" sz="2800" b="1">
-                <a:solidFill>
-                  <a:schemeClr val="tx1"/>
-                </a:solidFill>
-                <a:sym typeface="+mn-ea"/>
-              </a:rPr>
-              <a:t>对象的原型链</a:t>
-            </a:r>
-            <a:endParaRPr lang="zh-CN" altLang="en-US" sz="2800" b="1">
-              <a:solidFill>
-                <a:schemeClr val="tx1"/>
-              </a:solidFill>
-              <a:sym typeface="+mn-ea"/>
-            </a:endParaRPr>
-          </a:p>
-          <a:p>
-            <a:pPr algn="l">
-              <a:lnSpc>
-                <a:spcPct val="150000"/>
-              </a:lnSpc>
-              <a:spcBef>
-                <a:spcPts val="1200"/>
-              </a:spcBef>
-              <a:spcAft>
-                <a:spcPts val="1200"/>
-              </a:spcAft>
-              <a:buClr>
-                <a:srgbClr val="92D050"/>
-              </a:buClr>
-              <a:buFont typeface="Wingdings" panose="05000000000000000000" pitchFamily="2" charset="2"/>
-              <a:buChar char="Ø"/>
-            </a:pPr>
-            <a:r>
-              <a:rPr lang="zh-CN" altLang="en-US" sz="2800" b="1">
-                <a:solidFill>
-                  <a:srgbClr val="FF0000"/>
-                </a:solidFill>
-                <a:sym typeface="+mn-ea"/>
-              </a:rPr>
-              <a:t>基于构造函数实现的原型继承</a:t>
-            </a:r>
-            <a:endParaRPr lang="zh-CN" altLang="en-US" sz="2800" b="1">
-              <a:solidFill>
-                <a:srgbClr val="FF0000"/>
-              </a:solidFill>
-              <a:sym typeface="+mn-ea"/>
-            </a:endParaRPr>
-          </a:p>
-        </p:txBody>
-      </p:sp>
-      <p:sp>
-        <p:nvSpPr>
-          <p:cNvPr id="4" name="内容占位符 3"/>
-          <p:cNvSpPr txBox="1"/>
-          <p:nvPr/>
-        </p:nvSpPr>
-        <p:spPr>
-          <a:xfrm>
-            <a:off x="981657" y="236943"/>
-            <a:ext cx="8191557" cy="490476"/>
-          </a:xfrm>
-          <a:prstGeom prst="rect">
-            <a:avLst/>
-          </a:prstGeom>
-        </p:spPr>
-        <p:txBody>
-          <a:bodyPr/>
-          <a:lstStyle>
-            <a:lvl1pPr marL="167005" indent="-167005" algn="l" defTabSz="0" rtl="0" eaLnBrk="0" fontAlgn="base" hangingPunct="0">
-              <a:spcBef>
-                <a:spcPct val="0"/>
-              </a:spcBef>
-              <a:spcAft>
-                <a:spcPct val="15000"/>
-              </a:spcAft>
-              <a:buClr>
-                <a:schemeClr val="tx2"/>
-              </a:buClr>
-              <a:buFont typeface="Arial" panose="020B0604020202020204" pitchFamily="34" charset="0"/>
-              <a:buChar char="•"/>
-              <a:defRPr kumimoji="1" sz="1600">
-                <a:solidFill>
-                  <a:srgbClr val="006F53"/>
-                </a:solidFill>
-                <a:latin typeface="微软雅黑" panose="020B0503020204020204" pitchFamily="34" charset="-122"/>
-                <a:ea typeface="微软雅黑" panose="020B0503020204020204" pitchFamily="34" charset="-122"/>
-                <a:cs typeface="微软雅黑" panose="020B0503020204020204" pitchFamily="34" charset="-122"/>
-              </a:defRPr>
-            </a:lvl1pPr>
-            <a:lvl2pPr marL="398780" indent="-230505" algn="l" defTabSz="0" rtl="0" eaLnBrk="0" fontAlgn="base" hangingPunct="0">
-              <a:spcBef>
-                <a:spcPct val="0"/>
-              </a:spcBef>
-              <a:spcAft>
-                <a:spcPct val="15000"/>
-              </a:spcAft>
-              <a:buClr>
-                <a:schemeClr val="tx2"/>
-              </a:buClr>
-              <a:buFont typeface="Arial" panose="020B0604020202020204" pitchFamily="34" charset="0"/>
-              <a:buChar char="–"/>
-              <a:defRPr kumimoji="1" sz="2800">
-                <a:solidFill>
-                  <a:schemeClr val="bg2"/>
-                </a:solidFill>
-                <a:latin typeface="微软雅黑" panose="020B0503020204020204" pitchFamily="34" charset="-122"/>
-                <a:ea typeface="微软雅黑" panose="020B0503020204020204" pitchFamily="34" charset="-122"/>
-                <a:cs typeface="微软雅黑" panose="020B0503020204020204" pitchFamily="34" charset="-122"/>
-              </a:defRPr>
-            </a:lvl2pPr>
-            <a:lvl3pPr marL="400050" indent="182880" algn="l" defTabSz="0" rtl="0" eaLnBrk="0" fontAlgn="base" hangingPunct="0">
-              <a:spcBef>
-                <a:spcPct val="0"/>
-              </a:spcBef>
-              <a:spcAft>
-                <a:spcPct val="15000"/>
-              </a:spcAft>
-              <a:buClr>
-                <a:schemeClr val="tx2"/>
-              </a:buClr>
-              <a:buFont typeface="Arial" panose="020B0604020202020204" pitchFamily="34" charset="0"/>
-              <a:buChar char="•"/>
-              <a:defRPr kumimoji="1" sz="1600">
-                <a:solidFill>
-                  <a:schemeClr val="bg2"/>
-                </a:solidFill>
-                <a:latin typeface="微软雅黑" panose="020B0503020204020204" pitchFamily="34" charset="-122"/>
-                <a:ea typeface="微软雅黑" panose="020B0503020204020204" pitchFamily="34" charset="-122"/>
-                <a:cs typeface="微软雅黑" panose="020B0503020204020204" pitchFamily="34" charset="-122"/>
-              </a:defRPr>
-            </a:lvl3pPr>
-            <a:lvl4pPr marL="825500" indent="-241300" algn="l" defTabSz="0" rtl="0" eaLnBrk="0" fontAlgn="base" hangingPunct="0">
-              <a:spcBef>
-                <a:spcPct val="0"/>
-              </a:spcBef>
-              <a:spcAft>
-                <a:spcPct val="15000"/>
-              </a:spcAft>
-              <a:buClr>
-                <a:schemeClr val="tx2"/>
-              </a:buClr>
-              <a:buFont typeface="Arial" panose="020B0604020202020204" pitchFamily="34" charset="0"/>
-              <a:buChar char="–"/>
-              <a:defRPr kumimoji="1" sz="1600">
-                <a:solidFill>
-                  <a:schemeClr val="bg2"/>
-                </a:solidFill>
-                <a:latin typeface="微软雅黑" panose="020B0503020204020204" pitchFamily="34" charset="-122"/>
-                <a:ea typeface="微软雅黑" panose="020B0503020204020204" pitchFamily="34" charset="-122"/>
-                <a:cs typeface="微软雅黑" panose="020B0503020204020204" pitchFamily="34" charset="-122"/>
-              </a:defRPr>
-            </a:lvl4pPr>
-            <a:lvl5pPr marL="2057400" indent="-228600" algn="l" defTabSz="0" rtl="0" eaLnBrk="0" fontAlgn="base" hangingPunct="0">
-              <a:spcBef>
-                <a:spcPct val="0"/>
-              </a:spcBef>
-              <a:spcAft>
-                <a:spcPct val="25000"/>
-              </a:spcAft>
-              <a:buClr>
-                <a:schemeClr val="tx2"/>
-              </a:buClr>
-              <a:buFont typeface="Arial" panose="020B0604020202020204" pitchFamily="34" charset="0"/>
-              <a:buChar char="–"/>
-              <a:defRPr kumimoji="1" sz="2000">
-                <a:solidFill>
-                  <a:schemeClr val="tx1"/>
-                </a:solidFill>
-                <a:latin typeface="+mn-lt"/>
-                <a:ea typeface="微软雅黑" panose="020B0503020204020204" pitchFamily="34" charset="-122"/>
-                <a:cs typeface="微软雅黑" panose="020B0503020204020204" pitchFamily="34" charset="-122"/>
-              </a:defRPr>
-            </a:lvl5pPr>
-            <a:lvl6pPr marL="2514600" indent="-228600" algn="l" defTabSz="0" rtl="0" eaLnBrk="0" fontAlgn="base" hangingPunct="0">
-              <a:spcBef>
-                <a:spcPct val="0"/>
-              </a:spcBef>
-              <a:spcAft>
-                <a:spcPct val="25000"/>
-              </a:spcAft>
-              <a:buClr>
-                <a:schemeClr val="tx2"/>
-              </a:buClr>
-              <a:buFont typeface="Arial" panose="020B0604020202020204" pitchFamily="34" charset="0"/>
-              <a:buChar char="–"/>
-              <a:defRPr>
-                <a:solidFill>
-                  <a:schemeClr val="tx1"/>
-                </a:solidFill>
-                <a:latin typeface="+mn-lt"/>
-              </a:defRPr>
-            </a:lvl6pPr>
-            <a:lvl7pPr marL="2971800" indent="-228600" algn="l" defTabSz="0" rtl="0" eaLnBrk="0" fontAlgn="base" hangingPunct="0">
-              <a:spcBef>
-                <a:spcPct val="0"/>
-              </a:spcBef>
-              <a:spcAft>
-                <a:spcPct val="25000"/>
-              </a:spcAft>
-              <a:buClr>
-                <a:schemeClr val="tx2"/>
-              </a:buClr>
-              <a:buFont typeface="Arial" panose="020B0604020202020204" pitchFamily="34" charset="0"/>
-              <a:buChar char="–"/>
-              <a:defRPr>
-                <a:solidFill>
-                  <a:schemeClr val="tx1"/>
-                </a:solidFill>
-                <a:latin typeface="+mn-lt"/>
-              </a:defRPr>
-            </a:lvl7pPr>
-            <a:lvl8pPr marL="3429000" indent="-228600" algn="l" defTabSz="0" rtl="0" eaLnBrk="0" fontAlgn="base" hangingPunct="0">
-              <a:spcBef>
-                <a:spcPct val="0"/>
-              </a:spcBef>
-              <a:spcAft>
-                <a:spcPct val="25000"/>
-              </a:spcAft>
-              <a:buClr>
-                <a:schemeClr val="tx2"/>
-              </a:buClr>
-              <a:buFont typeface="Arial" panose="020B0604020202020204" pitchFamily="34" charset="0"/>
-              <a:buChar char="–"/>
-              <a:defRPr>
-                <a:solidFill>
-                  <a:schemeClr val="tx1"/>
-                </a:solidFill>
-                <a:latin typeface="+mn-lt"/>
-              </a:defRPr>
-            </a:lvl8pPr>
-            <a:lvl9pPr marL="3886200" indent="-228600" algn="l" defTabSz="0" rtl="0" eaLnBrk="0" fontAlgn="base" hangingPunct="0">
-              <a:spcBef>
-                <a:spcPct val="0"/>
-              </a:spcBef>
-              <a:spcAft>
-                <a:spcPct val="25000"/>
-              </a:spcAft>
-              <a:buClr>
-                <a:schemeClr val="tx2"/>
-              </a:buClr>
-              <a:buFont typeface="Arial" panose="020B0604020202020204" pitchFamily="34" charset="0"/>
-              <a:buChar char="–"/>
-              <a:defRPr>
-                <a:solidFill>
-                  <a:schemeClr val="tx1"/>
-                </a:solidFill>
-                <a:latin typeface="+mn-lt"/>
-              </a:defRPr>
-            </a:lvl9pPr>
-          </a:lstStyle>
-          <a:p>
-            <a:pPr marL="0" indent="0">
-              <a:buNone/>
-            </a:pPr>
-            <a:r>
-              <a:rPr lang="zh-CN" altLang="en-US" sz="3200" dirty="0" smtClean="0">
-                <a:solidFill>
-                  <a:srgbClr val="C00000"/>
-                </a:solidFill>
-                <a:cs typeface="+mn-cs"/>
-                <a:sym typeface="+mn-ea"/>
-              </a:rPr>
-              <a:t>内容提纲</a:t>
-            </a:r>
-            <a:endParaRPr lang="zh-CN" altLang="en-US" kern="0" dirty="0"/>
-          </a:p>
-        </p:txBody>
-      </p:sp>
-    </p:spTree>
-  </p:cSld>
-  <p:clrMapOvr>
-    <a:masterClrMapping/>
-  </p:clrMapOvr>
-  <p:timing>
-    <p:tnLst>
-      <p:par>
-        <p:cTn id="1" dur="indefinite" restart="never" nodeType="tmRoot"/>
-      </p:par>
-    </p:tnLst>
-  </p:timing>
-</p:sld>
-</file>
-
 <file path=ppt/theme/theme1.xml><?xml version="1.0" encoding="utf-8"?>
 <a:theme xmlns:a="http://schemas.openxmlformats.org/drawingml/2006/main" name="Office 主题">
   <a:themeElements>

--- a/课程PPT/07.JavaScript面向对象编程 一.pptx
+++ b/课程PPT/07.JavaScript面向对象编程 一.pptx
@@ -14,18 +14,18 @@
     <p:sldId id="1242" r:id="rId7"/>
     <p:sldId id="1243" r:id="rId8"/>
     <p:sldId id="1244" r:id="rId9"/>
-    <p:sldId id="1267" r:id="rId10"/>
-    <p:sldId id="1247" r:id="rId11"/>
-    <p:sldId id="1248" r:id="rId12"/>
-    <p:sldId id="1249" r:id="rId13"/>
-    <p:sldId id="1250" r:id="rId14"/>
-    <p:sldId id="1251" r:id="rId15"/>
-    <p:sldId id="1252" r:id="rId16"/>
-    <p:sldId id="1254" r:id="rId17"/>
-    <p:sldId id="1257" r:id="rId18"/>
-    <p:sldId id="1258" r:id="rId19"/>
-    <p:sldId id="1240" r:id="rId20"/>
-    <p:sldId id="1259" r:id="rId21"/>
+    <p:sldId id="1247" r:id="rId10"/>
+    <p:sldId id="1248" r:id="rId11"/>
+    <p:sldId id="1249" r:id="rId12"/>
+    <p:sldId id="1250" r:id="rId13"/>
+    <p:sldId id="1251" r:id="rId14"/>
+    <p:sldId id="1252" r:id="rId15"/>
+    <p:sldId id="1254" r:id="rId16"/>
+    <p:sldId id="1257" r:id="rId17"/>
+    <p:sldId id="1258" r:id="rId18"/>
+    <p:sldId id="1240" r:id="rId19"/>
+    <p:sldId id="1259" r:id="rId20"/>
+    <p:sldId id="1267" r:id="rId21"/>
     <p:sldId id="1192" r:id="rId22"/>
     <p:sldId id="1203" r:id="rId23"/>
     <p:sldId id="1197" r:id="rId24"/>
@@ -820,86 +820,6 @@
       </p:grpSpPr>
       <p:sp>
         <p:nvSpPr>
-          <p:cNvPr id="2" name="幻灯片图像占位符 1"/>
-          <p:cNvSpPr>
-            <a:spLocks noGrp="1" noRot="1" noChangeAspect="1"/>
-          </p:cNvSpPr>
-          <p:nvPr>
-            <p:ph type="sldImg"/>
-          </p:nvPr>
-        </p:nvSpPr>
-        <p:spPr/>
-      </p:sp>
-      <p:sp>
-        <p:nvSpPr>
-          <p:cNvPr id="3" name="备注占位符 2"/>
-          <p:cNvSpPr>
-            <a:spLocks noGrp="1"/>
-          </p:cNvSpPr>
-          <p:nvPr>
-            <p:ph type="body" idx="1"/>
-          </p:nvPr>
-        </p:nvSpPr>
-        <p:spPr/>
-        <p:txBody>
-          <a:bodyPr/>
-          <a:lstStyle/>
-          <a:p>
-            <a:endParaRPr kumimoji="0" lang="en-US" altLang="zh-CN" dirty="0" smtClean="0">
-              <a:sym typeface="+mn-ea"/>
-            </a:endParaRPr>
-          </a:p>
-        </p:txBody>
-      </p:sp>
-      <p:sp>
-        <p:nvSpPr>
-          <p:cNvPr id="4" name="灯片编号占位符 3"/>
-          <p:cNvSpPr>
-            <a:spLocks noGrp="1"/>
-          </p:cNvSpPr>
-          <p:nvPr>
-            <p:ph type="sldNum" sz="quarter" idx="10"/>
-          </p:nvPr>
-        </p:nvSpPr>
-        <p:spPr/>
-        <p:txBody>
-          <a:bodyPr/>
-          <a:lstStyle/>
-          <a:p>
-            <a:fld id="{D9AFD278-84AA-4CAA-9049-809825956FE0}" type="slidenum">
-              <a:rPr lang="en-US" altLang="zh-CN" smtClean="0"/>
-            </a:fld>
-            <a:endParaRPr lang="zh-CN" altLang="zh-CN"/>
-          </a:p>
-        </p:txBody>
-      </p:sp>
-    </p:spTree>
-  </p:cSld>
-  <p:clrMapOvr>
-    <a:masterClrMapping/>
-  </p:clrMapOvr>
-</p:notes>
-</file>
-
-<file path=ppt/notesSlides/notesSlide13.xml><?xml version="1.0" encoding="utf-8"?>
-<p:notes xmlns:a="http://schemas.openxmlformats.org/drawingml/2006/main" xmlns:r="http://schemas.openxmlformats.org/officeDocument/2006/relationships" xmlns:p="http://schemas.openxmlformats.org/presentationml/2006/main">
-  <p:cSld>
-    <p:spTree>
-      <p:nvGrpSpPr>
-        <p:cNvPr id="1" name=""/>
-        <p:cNvGrpSpPr/>
-        <p:nvPr/>
-      </p:nvGrpSpPr>
-      <p:grpSpPr>
-        <a:xfrm>
-          <a:off x="0" y="0"/>
-          <a:ext cx="0" cy="0"/>
-          <a:chOff x="0" y="0"/>
-          <a:chExt cx="0" cy="0"/>
-        </a:xfrm>
-      </p:grpSpPr>
-      <p:sp>
-        <p:nvSpPr>
           <p:cNvPr id="138" name="Shape 138"/>
           <p:cNvSpPr/>
           <p:nvPr>
@@ -1176,7 +1096,7 @@
 </p:notes>
 </file>
 
-<file path=ppt/notesSlides/notesSlide14.xml><?xml version="1.0" encoding="utf-8"?>
+<file path=ppt/notesSlides/notesSlide13.xml><?xml version="1.0" encoding="utf-8"?>
 <p:notes xmlns:a="http://schemas.openxmlformats.org/drawingml/2006/main" xmlns:r="http://schemas.openxmlformats.org/officeDocument/2006/relationships" xmlns:p="http://schemas.openxmlformats.org/presentationml/2006/main">
   <p:cSld>
     <p:spTree>
@@ -1460,6 +1380,50 @@
               <a:t>，文档对象模型，浏览器对象模型。</a:t>
             </a:r>
             <a:endParaRPr sz="2400"/>
+          </a:p>
+        </p:txBody>
+      </p:sp>
+    </p:spTree>
+  </p:cSld>
+  <p:clrMapOvr>
+    <a:masterClrMapping/>
+  </p:clrMapOvr>
+</p:notes>
+</file>
+
+<file path=ppt/notesSlides/notesSlide14.xml><?xml version="1.0" encoding="utf-8"?>
+<p:notes xmlns:a="http://schemas.openxmlformats.org/drawingml/2006/main" xmlns:r="http://schemas.openxmlformats.org/officeDocument/2006/relationships" xmlns:p="http://schemas.openxmlformats.org/presentationml/2006/main">
+  <p:cSld>
+    <p:spTree>
+      <p:nvGrpSpPr>
+        <p:cNvPr id="1" name=""/>
+        <p:cNvGrpSpPr/>
+        <p:nvPr/>
+      </p:nvGrpSpPr>
+      <p:grpSpPr/>
+      <p:sp>
+        <p:nvSpPr>
+          <p:cNvPr id="2" name="幻灯片图像占位符 1"/>
+          <p:cNvSpPr/>
+          <p:nvPr>
+            <p:ph type="sldImg" idx="2"/>
+          </p:nvPr>
+        </p:nvSpPr>
+        <p:spPr/>
+      </p:sp>
+      <p:sp>
+        <p:nvSpPr>
+          <p:cNvPr id="3" name="文本占位符 2"/>
+          <p:cNvSpPr/>
+          <p:nvPr>
+            <p:ph type="body" idx="3"/>
+          </p:nvPr>
+        </p:nvSpPr>
+        <p:spPr/>
+        <p:txBody>
+          <a:bodyPr/>
+          <a:p>
+            <a:endParaRPr lang="zh-CN" altLang="en-US"/>
           </a:p>
         </p:txBody>
       </p:sp>
@@ -2024,90 +1988,6 @@
       </p:grpSpPr>
       <p:sp>
         <p:nvSpPr>
-          <p:cNvPr id="2" name="幻灯片图像占位符 1"/>
-          <p:cNvSpPr>
-            <a:spLocks noGrp="1" noRot="1" noChangeAspect="1"/>
-          </p:cNvSpPr>
-          <p:nvPr>
-            <p:ph type="sldImg"/>
-          </p:nvPr>
-        </p:nvSpPr>
-        <p:spPr/>
-      </p:sp>
-      <p:sp>
-        <p:nvSpPr>
-          <p:cNvPr id="3" name="备注占位符 2"/>
-          <p:cNvSpPr>
-            <a:spLocks noGrp="1"/>
-          </p:cNvSpPr>
-          <p:nvPr>
-            <p:ph type="body" idx="1"/>
-          </p:nvPr>
-        </p:nvSpPr>
-        <p:spPr/>
-        <p:txBody>
-          <a:bodyPr/>
-          <a:lstStyle/>
-          <a:p>
-            <a:endParaRPr lang="zh-CN" altLang="en-US" dirty="0" smtClean="0"/>
-          </a:p>
-          <a:p>
-            <a:endParaRPr lang="zh-CN" altLang="en-US" dirty="0"/>
-          </a:p>
-        </p:txBody>
-      </p:sp>
-      <p:sp>
-        <p:nvSpPr>
-          <p:cNvPr id="4" name="灯片编号占位符 3"/>
-          <p:cNvSpPr>
-            <a:spLocks noGrp="1"/>
-          </p:cNvSpPr>
-          <p:nvPr>
-            <p:ph type="sldNum" sz="quarter" idx="10"/>
-          </p:nvPr>
-        </p:nvSpPr>
-        <p:spPr/>
-        <p:txBody>
-          <a:bodyPr/>
-          <a:lstStyle/>
-          <a:p>
-            <a:pPr>
-              <a:defRPr/>
-            </a:pPr>
-            <a:fld id="{50FA7BE5-9B7D-4F20-881C-9A0B90E6FF72}" type="slidenum">
-              <a:rPr lang="zh-CN" altLang="zh-CN" smtClean="0"/>
-            </a:fld>
-            <a:endParaRPr lang="zh-CN" altLang="zh-CN"/>
-          </a:p>
-        </p:txBody>
-      </p:sp>
-    </p:spTree>
-  </p:cSld>
-  <p:clrMapOvr>
-    <a:masterClrMapping/>
-  </p:clrMapOvr>
-</p:notes>
-</file>
-
-<file path=ppt/notesSlides/notesSlide6.xml><?xml version="1.0" encoding="utf-8"?>
-<p:notes xmlns:a="http://schemas.openxmlformats.org/drawingml/2006/main" xmlns:r="http://schemas.openxmlformats.org/officeDocument/2006/relationships" xmlns:p="http://schemas.openxmlformats.org/presentationml/2006/main">
-  <p:cSld>
-    <p:spTree>
-      <p:nvGrpSpPr>
-        <p:cNvPr id="1" name=""/>
-        <p:cNvGrpSpPr/>
-        <p:nvPr/>
-      </p:nvGrpSpPr>
-      <p:grpSpPr>
-        <a:xfrm>
-          <a:off x="0" y="0"/>
-          <a:ext cx="0" cy="0"/>
-          <a:chOff x="0" y="0"/>
-          <a:chExt cx="0" cy="0"/>
-        </a:xfrm>
-      </p:grpSpPr>
-      <p:sp>
-        <p:nvSpPr>
           <p:cNvPr id="138" name="Shape 138"/>
           <p:cNvSpPr/>
           <p:nvPr>
@@ -2384,7 +2264,7 @@
 </p:notes>
 </file>
 
-<file path=ppt/notesSlides/notesSlide7.xml><?xml version="1.0" encoding="utf-8"?>
+<file path=ppt/notesSlides/notesSlide6.xml><?xml version="1.0" encoding="utf-8"?>
 <p:notes xmlns:a="http://schemas.openxmlformats.org/drawingml/2006/main" xmlns:r="http://schemas.openxmlformats.org/officeDocument/2006/relationships" xmlns:p="http://schemas.openxmlformats.org/presentationml/2006/main">
   <p:cSld>
     <p:spTree>
@@ -2679,7 +2559,7 @@
 </p:notes>
 </file>
 
-<file path=ppt/notesSlides/notesSlide8.xml><?xml version="1.0" encoding="utf-8"?>
+<file path=ppt/notesSlides/notesSlide7.xml><?xml version="1.0" encoding="utf-8"?>
 <p:notes xmlns:a="http://schemas.openxmlformats.org/drawingml/2006/main" xmlns:r="http://schemas.openxmlformats.org/officeDocument/2006/relationships" xmlns:p="http://schemas.openxmlformats.org/presentationml/2006/main">
   <p:cSld>
     <p:spTree>
@@ -2712,6 +2592,86 @@
           <a:bodyPr/>
           <a:p>
             <a:endParaRPr lang="zh-CN" altLang="en-US"/>
+          </a:p>
+        </p:txBody>
+      </p:sp>
+    </p:spTree>
+  </p:cSld>
+  <p:clrMapOvr>
+    <a:masterClrMapping/>
+  </p:clrMapOvr>
+</p:notes>
+</file>
+
+<file path=ppt/notesSlides/notesSlide8.xml><?xml version="1.0" encoding="utf-8"?>
+<p:notes xmlns:a="http://schemas.openxmlformats.org/drawingml/2006/main" xmlns:r="http://schemas.openxmlformats.org/officeDocument/2006/relationships" xmlns:p="http://schemas.openxmlformats.org/presentationml/2006/main">
+  <p:cSld>
+    <p:spTree>
+      <p:nvGrpSpPr>
+        <p:cNvPr id="1" name=""/>
+        <p:cNvGrpSpPr/>
+        <p:nvPr/>
+      </p:nvGrpSpPr>
+      <p:grpSpPr>
+        <a:xfrm>
+          <a:off x="0" y="0"/>
+          <a:ext cx="0" cy="0"/>
+          <a:chOff x="0" y="0"/>
+          <a:chExt cx="0" cy="0"/>
+        </a:xfrm>
+      </p:grpSpPr>
+      <p:sp>
+        <p:nvSpPr>
+          <p:cNvPr id="2" name="幻灯片图像占位符 1"/>
+          <p:cNvSpPr>
+            <a:spLocks noGrp="1" noRot="1" noChangeAspect="1"/>
+          </p:cNvSpPr>
+          <p:nvPr>
+            <p:ph type="sldImg"/>
+          </p:nvPr>
+        </p:nvSpPr>
+        <p:spPr/>
+      </p:sp>
+      <p:sp>
+        <p:nvSpPr>
+          <p:cNvPr id="3" name="备注占位符 2"/>
+          <p:cNvSpPr>
+            <a:spLocks noGrp="1"/>
+          </p:cNvSpPr>
+          <p:nvPr>
+            <p:ph type="body" idx="1"/>
+          </p:nvPr>
+        </p:nvSpPr>
+        <p:spPr/>
+        <p:txBody>
+          <a:bodyPr/>
+          <a:lstStyle/>
+          <a:p>
+            <a:endParaRPr kumimoji="0" lang="en-US" altLang="zh-CN" dirty="0" smtClean="0">
+              <a:sym typeface="+mn-ea"/>
+            </a:endParaRPr>
+          </a:p>
+        </p:txBody>
+      </p:sp>
+      <p:sp>
+        <p:nvSpPr>
+          <p:cNvPr id="4" name="灯片编号占位符 3"/>
+          <p:cNvSpPr>
+            <a:spLocks noGrp="1"/>
+          </p:cNvSpPr>
+          <p:nvPr>
+            <p:ph type="sldNum" sz="quarter" idx="10"/>
+          </p:nvPr>
+        </p:nvSpPr>
+        <p:spPr/>
+        <p:txBody>
+          <a:bodyPr/>
+          <a:lstStyle/>
+          <a:p>
+            <a:fld id="{D9AFD278-84AA-4CAA-9049-809825956FE0}" type="slidenum">
+              <a:rPr lang="en-US" altLang="zh-CN" smtClean="0"/>
+            </a:fld>
+            <a:endParaRPr lang="zh-CN" altLang="zh-CN"/>
           </a:p>
         </p:txBody>
       </p:sp>
@@ -5402,520 +5362,6 @@
       </p:grpSpPr>
       <p:sp>
         <p:nvSpPr>
-          <p:cNvPr id="5123" name="AutoShape 6"/>
-          <p:cNvSpPr>
-            <a:spLocks noChangeArrowheads="1"/>
-          </p:cNvSpPr>
-          <p:nvPr/>
-        </p:nvSpPr>
-        <p:spPr bwMode="auto">
-          <a:xfrm>
-            <a:off x="2566988" y="1339851"/>
-            <a:ext cx="6711950" cy="4214813"/>
-          </a:xfrm>
-          <a:prstGeom prst="roundRect">
-            <a:avLst>
-              <a:gd name="adj" fmla="val 16667"/>
-            </a:avLst>
-          </a:prstGeom>
-          <a:noFill/>
-          <a:ln w="28575">
-            <a:solidFill>
-              <a:srgbClr val="C0C0C0"/>
-            </a:solidFill>
-            <a:prstDash val="sysDot"/>
-            <a:round/>
-          </a:ln>
-          <a:extLst>
-            <a:ext uri="{909E8E84-426E-40DD-AFC4-6F175D3DCCD1}">
-              <a14:hiddenFill xmlns:a14="http://schemas.microsoft.com/office/drawing/2010/main">
-                <a:solidFill>
-                  <a:srgbClr val="FFFFFF"/>
-                </a:solidFill>
-              </a14:hiddenFill>
-            </a:ext>
-          </a:extLst>
-        </p:spPr>
-        <p:txBody>
-          <a:bodyPr wrap="none" anchor="ctr"/>
-          <a:lstStyle>
-            <a:lvl1pPr marL="457200" indent="-457200">
-              <a:defRPr sz="3200">
-                <a:solidFill>
-                  <a:schemeClr val="tx1"/>
-                </a:solidFill>
-                <a:latin typeface="Arial" panose="020B0604020202020204" pitchFamily="34" charset="0"/>
-                <a:ea typeface="微软雅黑" panose="020B0503020204020204" pitchFamily="34" charset="-122"/>
-              </a:defRPr>
-            </a:lvl1pPr>
-            <a:lvl2pPr marL="742950" indent="-285750">
-              <a:defRPr sz="3200">
-                <a:solidFill>
-                  <a:schemeClr val="tx1"/>
-                </a:solidFill>
-                <a:latin typeface="Arial" panose="020B0604020202020204" pitchFamily="34" charset="0"/>
-                <a:ea typeface="微软雅黑" panose="020B0503020204020204" pitchFamily="34" charset="-122"/>
-              </a:defRPr>
-            </a:lvl2pPr>
-            <a:lvl3pPr marL="1143000" indent="-228600">
-              <a:defRPr sz="3200">
-                <a:solidFill>
-                  <a:schemeClr val="tx1"/>
-                </a:solidFill>
-                <a:latin typeface="Arial" panose="020B0604020202020204" pitchFamily="34" charset="0"/>
-                <a:ea typeface="微软雅黑" panose="020B0503020204020204" pitchFamily="34" charset="-122"/>
-              </a:defRPr>
-            </a:lvl3pPr>
-            <a:lvl4pPr marL="1600200" indent="-228600">
-              <a:defRPr sz="3200">
-                <a:solidFill>
-                  <a:schemeClr val="tx1"/>
-                </a:solidFill>
-                <a:latin typeface="Arial" panose="020B0604020202020204" pitchFamily="34" charset="0"/>
-                <a:ea typeface="微软雅黑" panose="020B0503020204020204" pitchFamily="34" charset="-122"/>
-              </a:defRPr>
-            </a:lvl4pPr>
-            <a:lvl5pPr marL="2057400" indent="-228600">
-              <a:defRPr sz="3200">
-                <a:solidFill>
-                  <a:schemeClr val="tx1"/>
-                </a:solidFill>
-                <a:latin typeface="Arial" panose="020B0604020202020204" pitchFamily="34" charset="0"/>
-                <a:ea typeface="微软雅黑" panose="020B0503020204020204" pitchFamily="34" charset="-122"/>
-              </a:defRPr>
-            </a:lvl5pPr>
-            <a:lvl6pPr marL="2514600" indent="-228600" eaLnBrk="0" fontAlgn="base" hangingPunct="0">
-              <a:spcBef>
-                <a:spcPct val="0"/>
-              </a:spcBef>
-              <a:spcAft>
-                <a:spcPct val="0"/>
-              </a:spcAft>
-              <a:defRPr sz="3200">
-                <a:solidFill>
-                  <a:schemeClr val="tx1"/>
-                </a:solidFill>
-                <a:latin typeface="Arial" panose="020B0604020202020204" pitchFamily="34" charset="0"/>
-                <a:ea typeface="微软雅黑" panose="020B0503020204020204" pitchFamily="34" charset="-122"/>
-              </a:defRPr>
-            </a:lvl6pPr>
-            <a:lvl7pPr marL="2971800" indent="-228600" eaLnBrk="0" fontAlgn="base" hangingPunct="0">
-              <a:spcBef>
-                <a:spcPct val="0"/>
-              </a:spcBef>
-              <a:spcAft>
-                <a:spcPct val="0"/>
-              </a:spcAft>
-              <a:defRPr sz="3200">
-                <a:solidFill>
-                  <a:schemeClr val="tx1"/>
-                </a:solidFill>
-                <a:latin typeface="Arial" panose="020B0604020202020204" pitchFamily="34" charset="0"/>
-                <a:ea typeface="微软雅黑" panose="020B0503020204020204" pitchFamily="34" charset="-122"/>
-              </a:defRPr>
-            </a:lvl7pPr>
-            <a:lvl8pPr marL="3429000" indent="-228600" eaLnBrk="0" fontAlgn="base" hangingPunct="0">
-              <a:spcBef>
-                <a:spcPct val="0"/>
-              </a:spcBef>
-              <a:spcAft>
-                <a:spcPct val="0"/>
-              </a:spcAft>
-              <a:defRPr sz="3200">
-                <a:solidFill>
-                  <a:schemeClr val="tx1"/>
-                </a:solidFill>
-                <a:latin typeface="Arial" panose="020B0604020202020204" pitchFamily="34" charset="0"/>
-                <a:ea typeface="微软雅黑" panose="020B0503020204020204" pitchFamily="34" charset="-122"/>
-              </a:defRPr>
-            </a:lvl8pPr>
-            <a:lvl9pPr marL="3886200" indent="-228600" eaLnBrk="0" fontAlgn="base" hangingPunct="0">
-              <a:spcBef>
-                <a:spcPct val="0"/>
-              </a:spcBef>
-              <a:spcAft>
-                <a:spcPct val="0"/>
-              </a:spcAft>
-              <a:defRPr sz="3200">
-                <a:solidFill>
-                  <a:schemeClr val="tx1"/>
-                </a:solidFill>
-                <a:latin typeface="Arial" panose="020B0604020202020204" pitchFamily="34" charset="0"/>
-                <a:ea typeface="微软雅黑" panose="020B0503020204020204" pitchFamily="34" charset="-122"/>
-              </a:defRPr>
-            </a:lvl9pPr>
-          </a:lstStyle>
-          <a:p>
-            <a:pPr algn="l">
-              <a:lnSpc>
-                <a:spcPct val="150000"/>
-              </a:lnSpc>
-              <a:spcBef>
-                <a:spcPts val="1200"/>
-              </a:spcBef>
-              <a:spcAft>
-                <a:spcPts val="1200"/>
-              </a:spcAft>
-              <a:buClr>
-                <a:srgbClr val="92D050"/>
-              </a:buClr>
-              <a:buFont typeface="Wingdings" panose="05000000000000000000" pitchFamily="2" charset="2"/>
-              <a:buChar char="Ø"/>
-            </a:pPr>
-            <a:r>
-              <a:rPr lang="en-US" altLang="zh-CN" sz="2800" b="1">
-                <a:solidFill>
-                  <a:schemeClr val="tx1"/>
-                </a:solidFill>
-                <a:sym typeface="+mn-ea"/>
-              </a:rPr>
-              <a:t>JS</a:t>
-            </a:r>
-            <a:r>
-              <a:rPr lang="zh-CN" altLang="en-US" sz="2800" b="1">
-                <a:solidFill>
-                  <a:schemeClr val="tx1"/>
-                </a:solidFill>
-                <a:sym typeface="+mn-ea"/>
-              </a:rPr>
-              <a:t>对象及继承方式综述</a:t>
-            </a:r>
-            <a:endParaRPr lang="zh-CN" altLang="en-US" sz="2800" b="1">
-              <a:solidFill>
-                <a:schemeClr val="tx1"/>
-              </a:solidFill>
-              <a:sym typeface="+mn-ea"/>
-            </a:endParaRPr>
-          </a:p>
-          <a:p>
-            <a:pPr algn="l">
-              <a:lnSpc>
-                <a:spcPct val="150000"/>
-              </a:lnSpc>
-              <a:spcBef>
-                <a:spcPts val="1200"/>
-              </a:spcBef>
-              <a:spcAft>
-                <a:spcPts val="1200"/>
-              </a:spcAft>
-              <a:buClr>
-                <a:srgbClr val="92D050"/>
-              </a:buClr>
-              <a:buFont typeface="Wingdings" panose="05000000000000000000" pitchFamily="2" charset="2"/>
-              <a:buChar char="Ø"/>
-            </a:pPr>
-            <a:r>
-              <a:rPr lang="en-US" sz="2800" b="1">
-                <a:solidFill>
-                  <a:schemeClr val="tx1"/>
-                </a:solidFill>
-                <a:sym typeface="+mn-ea"/>
-              </a:rPr>
-              <a:t>JS</a:t>
-            </a:r>
-            <a:r>
-              <a:rPr lang="zh-CN" altLang="en-US" sz="2800" b="1">
-                <a:solidFill>
-                  <a:schemeClr val="tx1"/>
-                </a:solidFill>
-                <a:sym typeface="+mn-ea"/>
-              </a:rPr>
-              <a:t>对象的原型链</a:t>
-            </a:r>
-            <a:endParaRPr lang="zh-CN" altLang="en-US" sz="2800" b="1">
-              <a:solidFill>
-                <a:schemeClr val="tx1"/>
-              </a:solidFill>
-              <a:sym typeface="+mn-ea"/>
-            </a:endParaRPr>
-          </a:p>
-          <a:p>
-            <a:pPr algn="l">
-              <a:lnSpc>
-                <a:spcPct val="150000"/>
-              </a:lnSpc>
-              <a:spcBef>
-                <a:spcPts val="1200"/>
-              </a:spcBef>
-              <a:spcAft>
-                <a:spcPts val="1200"/>
-              </a:spcAft>
-              <a:buClr>
-                <a:srgbClr val="92D050"/>
-              </a:buClr>
-              <a:buFont typeface="Wingdings" panose="05000000000000000000" pitchFamily="2" charset="2"/>
-              <a:buChar char="Ø"/>
-            </a:pPr>
-            <a:r>
-              <a:rPr lang="zh-CN" altLang="en-US" sz="2800" b="1">
-                <a:solidFill>
-                  <a:srgbClr val="FF0000"/>
-                </a:solidFill>
-                <a:sym typeface="+mn-ea"/>
-              </a:rPr>
-              <a:t>基于构造函数实现的原型继承</a:t>
-            </a:r>
-            <a:endParaRPr lang="zh-CN" altLang="en-US" sz="2800" b="1">
-              <a:solidFill>
-                <a:srgbClr val="FF0000"/>
-              </a:solidFill>
-              <a:sym typeface="+mn-ea"/>
-            </a:endParaRPr>
-          </a:p>
-        </p:txBody>
-      </p:sp>
-      <p:sp>
-        <p:nvSpPr>
-          <p:cNvPr id="4" name="内容占位符 3"/>
-          <p:cNvSpPr txBox="1"/>
-          <p:nvPr/>
-        </p:nvSpPr>
-        <p:spPr>
-          <a:xfrm>
-            <a:off x="981657" y="236943"/>
-            <a:ext cx="8191557" cy="490476"/>
-          </a:xfrm>
-          <a:prstGeom prst="rect">
-            <a:avLst/>
-          </a:prstGeom>
-        </p:spPr>
-        <p:txBody>
-          <a:bodyPr/>
-          <a:lstStyle>
-            <a:lvl1pPr marL="167005" indent="-167005" algn="l" defTabSz="0" rtl="0" eaLnBrk="0" fontAlgn="base" hangingPunct="0">
-              <a:spcBef>
-                <a:spcPct val="0"/>
-              </a:spcBef>
-              <a:spcAft>
-                <a:spcPct val="15000"/>
-              </a:spcAft>
-              <a:buClr>
-                <a:schemeClr val="tx2"/>
-              </a:buClr>
-              <a:buFont typeface="Arial" panose="020B0604020202020204" pitchFamily="34" charset="0"/>
-              <a:buChar char="•"/>
-              <a:defRPr kumimoji="1" sz="1600">
-                <a:solidFill>
-                  <a:srgbClr val="006F53"/>
-                </a:solidFill>
-                <a:latin typeface="微软雅黑" panose="020B0503020204020204" pitchFamily="34" charset="-122"/>
-                <a:ea typeface="微软雅黑" panose="020B0503020204020204" pitchFamily="34" charset="-122"/>
-                <a:cs typeface="微软雅黑" panose="020B0503020204020204" pitchFamily="34" charset="-122"/>
-              </a:defRPr>
-            </a:lvl1pPr>
-            <a:lvl2pPr marL="398780" indent="-230505" algn="l" defTabSz="0" rtl="0" eaLnBrk="0" fontAlgn="base" hangingPunct="0">
-              <a:spcBef>
-                <a:spcPct val="0"/>
-              </a:spcBef>
-              <a:spcAft>
-                <a:spcPct val="15000"/>
-              </a:spcAft>
-              <a:buClr>
-                <a:schemeClr val="tx2"/>
-              </a:buClr>
-              <a:buFont typeface="Arial" panose="020B0604020202020204" pitchFamily="34" charset="0"/>
-              <a:buChar char="–"/>
-              <a:defRPr kumimoji="1" sz="2800">
-                <a:solidFill>
-                  <a:schemeClr val="bg2"/>
-                </a:solidFill>
-                <a:latin typeface="微软雅黑" panose="020B0503020204020204" pitchFamily="34" charset="-122"/>
-                <a:ea typeface="微软雅黑" panose="020B0503020204020204" pitchFamily="34" charset="-122"/>
-                <a:cs typeface="微软雅黑" panose="020B0503020204020204" pitchFamily="34" charset="-122"/>
-              </a:defRPr>
-            </a:lvl2pPr>
-            <a:lvl3pPr marL="400050" indent="182880" algn="l" defTabSz="0" rtl="0" eaLnBrk="0" fontAlgn="base" hangingPunct="0">
-              <a:spcBef>
-                <a:spcPct val="0"/>
-              </a:spcBef>
-              <a:spcAft>
-                <a:spcPct val="15000"/>
-              </a:spcAft>
-              <a:buClr>
-                <a:schemeClr val="tx2"/>
-              </a:buClr>
-              <a:buFont typeface="Arial" panose="020B0604020202020204" pitchFamily="34" charset="0"/>
-              <a:buChar char="•"/>
-              <a:defRPr kumimoji="1" sz="1600">
-                <a:solidFill>
-                  <a:schemeClr val="bg2"/>
-                </a:solidFill>
-                <a:latin typeface="微软雅黑" panose="020B0503020204020204" pitchFamily="34" charset="-122"/>
-                <a:ea typeface="微软雅黑" panose="020B0503020204020204" pitchFamily="34" charset="-122"/>
-                <a:cs typeface="微软雅黑" panose="020B0503020204020204" pitchFamily="34" charset="-122"/>
-              </a:defRPr>
-            </a:lvl3pPr>
-            <a:lvl4pPr marL="825500" indent="-241300" algn="l" defTabSz="0" rtl="0" eaLnBrk="0" fontAlgn="base" hangingPunct="0">
-              <a:spcBef>
-                <a:spcPct val="0"/>
-              </a:spcBef>
-              <a:spcAft>
-                <a:spcPct val="15000"/>
-              </a:spcAft>
-              <a:buClr>
-                <a:schemeClr val="tx2"/>
-              </a:buClr>
-              <a:buFont typeface="Arial" panose="020B0604020202020204" pitchFamily="34" charset="0"/>
-              <a:buChar char="–"/>
-              <a:defRPr kumimoji="1" sz="1600">
-                <a:solidFill>
-                  <a:schemeClr val="bg2"/>
-                </a:solidFill>
-                <a:latin typeface="微软雅黑" panose="020B0503020204020204" pitchFamily="34" charset="-122"/>
-                <a:ea typeface="微软雅黑" panose="020B0503020204020204" pitchFamily="34" charset="-122"/>
-                <a:cs typeface="微软雅黑" panose="020B0503020204020204" pitchFamily="34" charset="-122"/>
-              </a:defRPr>
-            </a:lvl4pPr>
-            <a:lvl5pPr marL="2057400" indent="-228600" algn="l" defTabSz="0" rtl="0" eaLnBrk="0" fontAlgn="base" hangingPunct="0">
-              <a:spcBef>
-                <a:spcPct val="0"/>
-              </a:spcBef>
-              <a:spcAft>
-                <a:spcPct val="25000"/>
-              </a:spcAft>
-              <a:buClr>
-                <a:schemeClr val="tx2"/>
-              </a:buClr>
-              <a:buFont typeface="Arial" panose="020B0604020202020204" pitchFamily="34" charset="0"/>
-              <a:buChar char="–"/>
-              <a:defRPr kumimoji="1" sz="2000">
-                <a:solidFill>
-                  <a:schemeClr val="tx1"/>
-                </a:solidFill>
-                <a:latin typeface="+mn-lt"/>
-                <a:ea typeface="微软雅黑" panose="020B0503020204020204" pitchFamily="34" charset="-122"/>
-                <a:cs typeface="微软雅黑" panose="020B0503020204020204" pitchFamily="34" charset="-122"/>
-              </a:defRPr>
-            </a:lvl5pPr>
-            <a:lvl6pPr marL="2514600" indent="-228600" algn="l" defTabSz="0" rtl="0" eaLnBrk="0" fontAlgn="base" hangingPunct="0">
-              <a:spcBef>
-                <a:spcPct val="0"/>
-              </a:spcBef>
-              <a:spcAft>
-                <a:spcPct val="25000"/>
-              </a:spcAft>
-              <a:buClr>
-                <a:schemeClr val="tx2"/>
-              </a:buClr>
-              <a:buFont typeface="Arial" panose="020B0604020202020204" pitchFamily="34" charset="0"/>
-              <a:buChar char="–"/>
-              <a:defRPr>
-                <a:solidFill>
-                  <a:schemeClr val="tx1"/>
-                </a:solidFill>
-                <a:latin typeface="+mn-lt"/>
-              </a:defRPr>
-            </a:lvl6pPr>
-            <a:lvl7pPr marL="2971800" indent="-228600" algn="l" defTabSz="0" rtl="0" eaLnBrk="0" fontAlgn="base" hangingPunct="0">
-              <a:spcBef>
-                <a:spcPct val="0"/>
-              </a:spcBef>
-              <a:spcAft>
-                <a:spcPct val="25000"/>
-              </a:spcAft>
-              <a:buClr>
-                <a:schemeClr val="tx2"/>
-              </a:buClr>
-              <a:buFont typeface="Arial" panose="020B0604020202020204" pitchFamily="34" charset="0"/>
-              <a:buChar char="–"/>
-              <a:defRPr>
-                <a:solidFill>
-                  <a:schemeClr val="tx1"/>
-                </a:solidFill>
-                <a:latin typeface="+mn-lt"/>
-              </a:defRPr>
-            </a:lvl7pPr>
-            <a:lvl8pPr marL="3429000" indent="-228600" algn="l" defTabSz="0" rtl="0" eaLnBrk="0" fontAlgn="base" hangingPunct="0">
-              <a:spcBef>
-                <a:spcPct val="0"/>
-              </a:spcBef>
-              <a:spcAft>
-                <a:spcPct val="25000"/>
-              </a:spcAft>
-              <a:buClr>
-                <a:schemeClr val="tx2"/>
-              </a:buClr>
-              <a:buFont typeface="Arial" panose="020B0604020202020204" pitchFamily="34" charset="0"/>
-              <a:buChar char="–"/>
-              <a:defRPr>
-                <a:solidFill>
-                  <a:schemeClr val="tx1"/>
-                </a:solidFill>
-                <a:latin typeface="+mn-lt"/>
-              </a:defRPr>
-            </a:lvl8pPr>
-            <a:lvl9pPr marL="3886200" indent="-228600" algn="l" defTabSz="0" rtl="0" eaLnBrk="0" fontAlgn="base" hangingPunct="0">
-              <a:spcBef>
-                <a:spcPct val="0"/>
-              </a:spcBef>
-              <a:spcAft>
-                <a:spcPct val="25000"/>
-              </a:spcAft>
-              <a:buClr>
-                <a:schemeClr val="tx2"/>
-              </a:buClr>
-              <a:buFont typeface="Arial" panose="020B0604020202020204" pitchFamily="34" charset="0"/>
-              <a:buChar char="–"/>
-              <a:defRPr>
-                <a:solidFill>
-                  <a:schemeClr val="tx1"/>
-                </a:solidFill>
-                <a:latin typeface="+mn-lt"/>
-              </a:defRPr>
-            </a:lvl9pPr>
-          </a:lstStyle>
-          <a:p>
-            <a:pPr marL="0" indent="0">
-              <a:buNone/>
-            </a:pPr>
-            <a:r>
-              <a:rPr lang="zh-CN" altLang="en-US" sz="3200" dirty="0" smtClean="0">
-                <a:solidFill>
-                  <a:srgbClr val="C00000"/>
-                </a:solidFill>
-                <a:cs typeface="+mn-cs"/>
-                <a:sym typeface="+mn-ea"/>
-              </a:rPr>
-              <a:t>内容提纲</a:t>
-            </a:r>
-            <a:endParaRPr lang="zh-CN" altLang="en-US" kern="0" dirty="0"/>
-          </a:p>
-        </p:txBody>
-      </p:sp>
-    </p:spTree>
-  </p:cSld>
-  <p:clrMapOvr>
-    <a:masterClrMapping/>
-  </p:clrMapOvr>
-  <p:timing>
-    <p:tnLst>
-      <p:par>
-        <p:cTn id="1" dur="indefinite" restart="never" nodeType="tmRoot"/>
-      </p:par>
-    </p:tnLst>
-  </p:timing>
-</p:sld>
-</file>
-
-<file path=ppt/slides/slide11.xml><?xml version="1.0" encoding="utf-8"?>
-<p:sld xmlns:a="http://schemas.openxmlformats.org/drawingml/2006/main" xmlns:r="http://schemas.openxmlformats.org/officeDocument/2006/relationships" xmlns:p="http://schemas.openxmlformats.org/presentationml/2006/main">
-  <p:cSld>
-    <p:spTree>
-      <p:nvGrpSpPr>
-        <p:cNvPr id="1" name=""/>
-        <p:cNvGrpSpPr/>
-        <p:nvPr/>
-      </p:nvGrpSpPr>
-      <p:grpSpPr>
-        <a:xfrm>
-          <a:off x="0" y="0"/>
-          <a:ext cx="0" cy="0"/>
-          <a:chOff x="0" y="0"/>
-          <a:chExt cx="0" cy="0"/>
-        </a:xfrm>
-      </p:grpSpPr>
-      <p:sp>
-        <p:nvSpPr>
           <p:cNvPr id="11266" name="内容占位符 1"/>
           <p:cNvSpPr>
             <a:spLocks noGrp="1"/>
@@ -6819,7 +6265,7 @@
 </p:sld>
 </file>
 
-<file path=ppt/slides/slide12.xml><?xml version="1.0" encoding="utf-8"?>
+<file path=ppt/slides/slide11.xml><?xml version="1.0" encoding="utf-8"?>
 <p:sld xmlns:a="http://schemas.openxmlformats.org/drawingml/2006/main" xmlns:r="http://schemas.openxmlformats.org/officeDocument/2006/relationships" xmlns:p="http://schemas.openxmlformats.org/presentationml/2006/main">
   <p:cSld>
     <p:spTree>
@@ -7566,7 +7012,7 @@
 </p:sld>
 </file>
 
-<file path=ppt/slides/slide13.xml><?xml version="1.0" encoding="utf-8"?>
+<file path=ppt/slides/slide12.xml><?xml version="1.0" encoding="utf-8"?>
 <p:sld xmlns:a="http://schemas.openxmlformats.org/drawingml/2006/main" xmlns:r="http://schemas.openxmlformats.org/officeDocument/2006/relationships" xmlns:p="http://schemas.openxmlformats.org/presentationml/2006/main">
   <p:cSld>
     <p:spTree>
@@ -8323,7 +7769,7 @@
 </p:sld>
 </file>
 
-<file path=ppt/slides/slide14.xml><?xml version="1.0" encoding="utf-8"?>
+<file path=ppt/slides/slide13.xml><?xml version="1.0" encoding="utf-8"?>
 <p:sld xmlns:a="http://schemas.openxmlformats.org/drawingml/2006/main" xmlns:r="http://schemas.openxmlformats.org/officeDocument/2006/relationships" xmlns:p="http://schemas.openxmlformats.org/presentationml/2006/main">
   <p:cSld>
     <p:spTree>
@@ -8551,7 +7997,7 @@
 </p:sld>
 </file>
 
-<file path=ppt/slides/slide15.xml><?xml version="1.0" encoding="utf-8"?>
+<file path=ppt/slides/slide14.xml><?xml version="1.0" encoding="utf-8"?>
 <p:sld xmlns:a="http://schemas.openxmlformats.org/drawingml/2006/main" xmlns:r="http://schemas.openxmlformats.org/officeDocument/2006/relationships" xmlns:p="http://schemas.openxmlformats.org/presentationml/2006/main">
   <p:cSld>
     <p:spTree>
@@ -8684,11 +8130,11 @@
               </a:pathLst>
             </a:custGeom>
             <a:solidFill>
-              <a:srgbClr val="3F6797"/>
+              <a:srgbClr val="FF9900"/>
             </a:solidFill>
             <a:ln w="50800" cap="flat">
               <a:solidFill>
-                <a:srgbClr val="4F81BD"/>
+                <a:srgbClr val="FF9900"/>
               </a:solidFill>
               <a:prstDash val="solid"/>
               <a:bevel/>
@@ -9407,11 +8853,11 @@
                 </a:pathLst>
               </a:custGeom>
               <a:solidFill>
-                <a:srgbClr val="3F6797"/>
+                <a:srgbClr val="FF9900"/>
               </a:solidFill>
               <a:ln w="50800" cap="flat">
                 <a:solidFill>
-                  <a:srgbClr val="4F81BD"/>
+                  <a:srgbClr val="FF9900"/>
                 </a:solidFill>
                 <a:prstDash val="solid"/>
                 <a:bevel/>
@@ -10683,7 +10129,7 @@
 </p:sld>
 </file>
 
-<file path=ppt/slides/slide16.xml><?xml version="1.0" encoding="utf-8"?>
+<file path=ppt/slides/slide15.xml><?xml version="1.0" encoding="utf-8"?>
 <p:sld xmlns:a="http://schemas.openxmlformats.org/drawingml/2006/main" xmlns:r="http://schemas.openxmlformats.org/officeDocument/2006/relationships" xmlns:p="http://schemas.openxmlformats.org/presentationml/2006/main">
   <p:cSld>
     <p:spTree>
@@ -10799,11 +10245,11 @@
             </a:pathLst>
           </a:custGeom>
           <a:solidFill>
-            <a:srgbClr val="3F6797"/>
+            <a:srgbClr val="FF9900"/>
           </a:solidFill>
           <a:ln w="50800">
             <a:solidFill>
-              <a:srgbClr val="4F81BD"/>
+              <a:srgbClr val="FF9900"/>
             </a:solidFill>
           </a:ln>
           <a:effectLst>
@@ -11254,11 +10700,11 @@
             </a:pathLst>
           </a:custGeom>
           <a:solidFill>
-            <a:srgbClr val="3F6797"/>
+            <a:srgbClr val="FF9900"/>
           </a:solidFill>
           <a:ln w="50800">
             <a:solidFill>
-              <a:srgbClr val="4F81BD"/>
+              <a:srgbClr val="FF9900"/>
             </a:solidFill>
           </a:ln>
           <a:effectLst>
@@ -12954,7 +12400,7 @@
 </p:sld>
 </file>
 
-<file path=ppt/slides/slide17.xml><?xml version="1.0" encoding="utf-8"?>
+<file path=ppt/slides/slide16.xml><?xml version="1.0" encoding="utf-8"?>
 <p:sld xmlns:a="http://schemas.openxmlformats.org/drawingml/2006/main" xmlns:r="http://schemas.openxmlformats.org/officeDocument/2006/relationships" xmlns:p="http://schemas.openxmlformats.org/presentationml/2006/main">
   <p:cSld>
     <p:spTree>
@@ -13158,7 +12604,7 @@
 </p:sld>
 </file>
 
-<file path=ppt/slides/slide18.xml><?xml version="1.0" encoding="utf-8"?>
+<file path=ppt/slides/slide17.xml><?xml version="1.0" encoding="utf-8"?>
 <p:sld xmlns:a="http://schemas.openxmlformats.org/drawingml/2006/main" xmlns:r="http://schemas.openxmlformats.org/officeDocument/2006/relationships" xmlns:p="http://schemas.openxmlformats.org/presentationml/2006/main">
   <p:cSld>
     <p:spTree>
@@ -13522,6 +12968,469 @@
     <a:masterClrMapping/>
   </p:clrMapOvr>
   <p:transition advClick="0"/>
+  <p:timing>
+    <p:tnLst>
+      <p:par>
+        <p:cTn id="1" dur="indefinite" restart="never" nodeType="tmRoot"/>
+      </p:par>
+    </p:tnLst>
+  </p:timing>
+</p:sld>
+</file>
+
+<file path=ppt/slides/slide18.xml><?xml version="1.0" encoding="utf-8"?>
+<p:sld xmlns:a="http://schemas.openxmlformats.org/drawingml/2006/main" xmlns:r="http://schemas.openxmlformats.org/officeDocument/2006/relationships" xmlns:p="http://schemas.openxmlformats.org/presentationml/2006/main">
+  <p:cSld>
+    <p:spTree>
+      <p:nvGrpSpPr>
+        <p:cNvPr id="1" name=""/>
+        <p:cNvGrpSpPr/>
+        <p:nvPr/>
+      </p:nvGrpSpPr>
+      <p:grpSpPr>
+        <a:xfrm>
+          <a:off x="0" y="0"/>
+          <a:ext cx="0" cy="0"/>
+          <a:chOff x="0" y="0"/>
+          <a:chExt cx="0" cy="0"/>
+        </a:xfrm>
+      </p:grpSpPr>
+      <p:sp>
+        <p:nvSpPr>
+          <p:cNvPr id="5123" name="AutoShape 6"/>
+          <p:cNvSpPr>
+            <a:spLocks noChangeArrowheads="1"/>
+          </p:cNvSpPr>
+          <p:nvPr/>
+        </p:nvSpPr>
+        <p:spPr bwMode="auto">
+          <a:xfrm>
+            <a:off x="2566988" y="1339851"/>
+            <a:ext cx="6711950" cy="4214813"/>
+          </a:xfrm>
+          <a:prstGeom prst="roundRect">
+            <a:avLst>
+              <a:gd name="adj" fmla="val 16667"/>
+            </a:avLst>
+          </a:prstGeom>
+          <a:noFill/>
+          <a:ln w="28575">
+            <a:solidFill>
+              <a:srgbClr val="C0C0C0"/>
+            </a:solidFill>
+            <a:prstDash val="sysDot"/>
+            <a:round/>
+          </a:ln>
+          <a:extLst>
+            <a:ext uri="{909E8E84-426E-40DD-AFC4-6F175D3DCCD1}">
+              <a14:hiddenFill xmlns:a14="http://schemas.microsoft.com/office/drawing/2010/main">
+                <a:solidFill>
+                  <a:srgbClr val="FFFFFF"/>
+                </a:solidFill>
+              </a14:hiddenFill>
+            </a:ext>
+          </a:extLst>
+        </p:spPr>
+        <p:txBody>
+          <a:bodyPr wrap="none" anchor="ctr"/>
+          <a:lstStyle>
+            <a:lvl1pPr marL="457200" indent="-457200">
+              <a:defRPr sz="3200">
+                <a:solidFill>
+                  <a:schemeClr val="tx1"/>
+                </a:solidFill>
+                <a:latin typeface="Arial" panose="020B0604020202020204" pitchFamily="34" charset="0"/>
+                <a:ea typeface="微软雅黑" panose="020B0503020204020204" pitchFamily="34" charset="-122"/>
+              </a:defRPr>
+            </a:lvl1pPr>
+            <a:lvl2pPr marL="742950" indent="-285750">
+              <a:defRPr sz="3200">
+                <a:solidFill>
+                  <a:schemeClr val="tx1"/>
+                </a:solidFill>
+                <a:latin typeface="Arial" panose="020B0604020202020204" pitchFamily="34" charset="0"/>
+                <a:ea typeface="微软雅黑" panose="020B0503020204020204" pitchFamily="34" charset="-122"/>
+              </a:defRPr>
+            </a:lvl2pPr>
+            <a:lvl3pPr marL="1143000" indent="-228600">
+              <a:defRPr sz="3200">
+                <a:solidFill>
+                  <a:schemeClr val="tx1"/>
+                </a:solidFill>
+                <a:latin typeface="Arial" panose="020B0604020202020204" pitchFamily="34" charset="0"/>
+                <a:ea typeface="微软雅黑" panose="020B0503020204020204" pitchFamily="34" charset="-122"/>
+              </a:defRPr>
+            </a:lvl3pPr>
+            <a:lvl4pPr marL="1600200" indent="-228600">
+              <a:defRPr sz="3200">
+                <a:solidFill>
+                  <a:schemeClr val="tx1"/>
+                </a:solidFill>
+                <a:latin typeface="Arial" panose="020B0604020202020204" pitchFamily="34" charset="0"/>
+                <a:ea typeface="微软雅黑" panose="020B0503020204020204" pitchFamily="34" charset="-122"/>
+              </a:defRPr>
+            </a:lvl4pPr>
+            <a:lvl5pPr marL="2057400" indent="-228600">
+              <a:defRPr sz="3200">
+                <a:solidFill>
+                  <a:schemeClr val="tx1"/>
+                </a:solidFill>
+                <a:latin typeface="Arial" panose="020B0604020202020204" pitchFamily="34" charset="0"/>
+                <a:ea typeface="微软雅黑" panose="020B0503020204020204" pitchFamily="34" charset="-122"/>
+              </a:defRPr>
+            </a:lvl5pPr>
+            <a:lvl6pPr marL="2514600" indent="-228600" eaLnBrk="0" fontAlgn="base" hangingPunct="0">
+              <a:spcBef>
+                <a:spcPct val="0"/>
+              </a:spcBef>
+              <a:spcAft>
+                <a:spcPct val="0"/>
+              </a:spcAft>
+              <a:defRPr sz="3200">
+                <a:solidFill>
+                  <a:schemeClr val="tx1"/>
+                </a:solidFill>
+                <a:latin typeface="Arial" panose="020B0604020202020204" pitchFamily="34" charset="0"/>
+                <a:ea typeface="微软雅黑" panose="020B0503020204020204" pitchFamily="34" charset="-122"/>
+              </a:defRPr>
+            </a:lvl6pPr>
+            <a:lvl7pPr marL="2971800" indent="-228600" eaLnBrk="0" fontAlgn="base" hangingPunct="0">
+              <a:spcBef>
+                <a:spcPct val="0"/>
+              </a:spcBef>
+              <a:spcAft>
+                <a:spcPct val="0"/>
+              </a:spcAft>
+              <a:defRPr sz="3200">
+                <a:solidFill>
+                  <a:schemeClr val="tx1"/>
+                </a:solidFill>
+                <a:latin typeface="Arial" panose="020B0604020202020204" pitchFamily="34" charset="0"/>
+                <a:ea typeface="微软雅黑" panose="020B0503020204020204" pitchFamily="34" charset="-122"/>
+              </a:defRPr>
+            </a:lvl7pPr>
+            <a:lvl8pPr marL="3429000" indent="-228600" eaLnBrk="0" fontAlgn="base" hangingPunct="0">
+              <a:spcBef>
+                <a:spcPct val="0"/>
+              </a:spcBef>
+              <a:spcAft>
+                <a:spcPct val="0"/>
+              </a:spcAft>
+              <a:defRPr sz="3200">
+                <a:solidFill>
+                  <a:schemeClr val="tx1"/>
+                </a:solidFill>
+                <a:latin typeface="Arial" panose="020B0604020202020204" pitchFamily="34" charset="0"/>
+                <a:ea typeface="微软雅黑" panose="020B0503020204020204" pitchFamily="34" charset="-122"/>
+              </a:defRPr>
+            </a:lvl8pPr>
+            <a:lvl9pPr marL="3886200" indent="-228600" eaLnBrk="0" fontAlgn="base" hangingPunct="0">
+              <a:spcBef>
+                <a:spcPct val="0"/>
+              </a:spcBef>
+              <a:spcAft>
+                <a:spcPct val="0"/>
+              </a:spcAft>
+              <a:defRPr sz="3200">
+                <a:solidFill>
+                  <a:schemeClr val="tx1"/>
+                </a:solidFill>
+                <a:latin typeface="Arial" panose="020B0604020202020204" pitchFamily="34" charset="0"/>
+                <a:ea typeface="微软雅黑" panose="020B0503020204020204" pitchFamily="34" charset="-122"/>
+              </a:defRPr>
+            </a:lvl9pPr>
+          </a:lstStyle>
+          <a:p>
+            <a:pPr algn="l">
+              <a:lnSpc>
+                <a:spcPct val="150000"/>
+              </a:lnSpc>
+              <a:spcBef>
+                <a:spcPts val="1200"/>
+              </a:spcBef>
+              <a:spcAft>
+                <a:spcPts val="1200"/>
+              </a:spcAft>
+              <a:buClr>
+                <a:srgbClr val="92D050"/>
+              </a:buClr>
+              <a:buFont typeface="Wingdings" panose="05000000000000000000" pitchFamily="2" charset="2"/>
+              <a:buChar char="Ø"/>
+            </a:pPr>
+            <a:r>
+              <a:rPr lang="zh-CN" altLang="en-US" sz="2800" b="1">
+                <a:solidFill>
+                  <a:schemeClr val="tx1"/>
+                </a:solidFill>
+                <a:sym typeface="+mn-ea"/>
+              </a:rPr>
+              <a:t>构造函数</a:t>
+            </a:r>
+            <a:endParaRPr lang="zh-CN" altLang="en-US" sz="2800" b="1">
+              <a:solidFill>
+                <a:schemeClr val="tx1"/>
+              </a:solidFill>
+              <a:sym typeface="+mn-ea"/>
+            </a:endParaRPr>
+          </a:p>
+          <a:p>
+            <a:pPr algn="l">
+              <a:lnSpc>
+                <a:spcPct val="150000"/>
+              </a:lnSpc>
+              <a:spcBef>
+                <a:spcPts val="1200"/>
+              </a:spcBef>
+              <a:spcAft>
+                <a:spcPts val="1200"/>
+              </a:spcAft>
+              <a:buClr>
+                <a:srgbClr val="92D050"/>
+              </a:buClr>
+              <a:buFont typeface="Wingdings" panose="05000000000000000000" pitchFamily="2" charset="2"/>
+              <a:buChar char="Ø"/>
+            </a:pPr>
+            <a:r>
+              <a:rPr lang="zh-CN" altLang="en-US" sz="2800" b="1">
+                <a:solidFill>
+                  <a:srgbClr val="FF0000"/>
+                </a:solidFill>
+                <a:sym typeface="+mn-ea"/>
+              </a:rPr>
+              <a:t>构造函数之间的继承</a:t>
+            </a:r>
+            <a:endParaRPr lang="zh-CN" altLang="en-US" sz="2800" b="1">
+              <a:solidFill>
+                <a:srgbClr val="FF0000"/>
+              </a:solidFill>
+              <a:sym typeface="+mn-ea"/>
+            </a:endParaRPr>
+          </a:p>
+        </p:txBody>
+      </p:sp>
+      <p:sp>
+        <p:nvSpPr>
+          <p:cNvPr id="4" name="内容占位符 3"/>
+          <p:cNvSpPr txBox="1"/>
+          <p:nvPr/>
+        </p:nvSpPr>
+        <p:spPr>
+          <a:xfrm>
+            <a:off x="981657" y="236943"/>
+            <a:ext cx="8191557" cy="490476"/>
+          </a:xfrm>
+          <a:prstGeom prst="rect">
+            <a:avLst/>
+          </a:prstGeom>
+        </p:spPr>
+        <p:txBody>
+          <a:bodyPr/>
+          <a:lstStyle>
+            <a:lvl1pPr marL="167005" indent="-167005" algn="l" defTabSz="0" rtl="0" eaLnBrk="0" fontAlgn="base" hangingPunct="0">
+              <a:spcBef>
+                <a:spcPct val="0"/>
+              </a:spcBef>
+              <a:spcAft>
+                <a:spcPct val="15000"/>
+              </a:spcAft>
+              <a:buClr>
+                <a:schemeClr val="tx2"/>
+              </a:buClr>
+              <a:buFont typeface="Arial" panose="020B0604020202020204" pitchFamily="34" charset="0"/>
+              <a:buChar char="•"/>
+              <a:defRPr kumimoji="1" sz="1600">
+                <a:solidFill>
+                  <a:srgbClr val="006F53"/>
+                </a:solidFill>
+                <a:latin typeface="微软雅黑" panose="020B0503020204020204" pitchFamily="34" charset="-122"/>
+                <a:ea typeface="微软雅黑" panose="020B0503020204020204" pitchFamily="34" charset="-122"/>
+                <a:cs typeface="微软雅黑" panose="020B0503020204020204" pitchFamily="34" charset="-122"/>
+              </a:defRPr>
+            </a:lvl1pPr>
+            <a:lvl2pPr marL="398780" indent="-230505" algn="l" defTabSz="0" rtl="0" eaLnBrk="0" fontAlgn="base" hangingPunct="0">
+              <a:spcBef>
+                <a:spcPct val="0"/>
+              </a:spcBef>
+              <a:spcAft>
+                <a:spcPct val="15000"/>
+              </a:spcAft>
+              <a:buClr>
+                <a:schemeClr val="tx2"/>
+              </a:buClr>
+              <a:buFont typeface="Arial" panose="020B0604020202020204" pitchFamily="34" charset="0"/>
+              <a:buChar char="–"/>
+              <a:defRPr kumimoji="1" sz="2800">
+                <a:solidFill>
+                  <a:schemeClr val="bg2"/>
+                </a:solidFill>
+                <a:latin typeface="微软雅黑" panose="020B0503020204020204" pitchFamily="34" charset="-122"/>
+                <a:ea typeface="微软雅黑" panose="020B0503020204020204" pitchFamily="34" charset="-122"/>
+                <a:cs typeface="微软雅黑" panose="020B0503020204020204" pitchFamily="34" charset="-122"/>
+              </a:defRPr>
+            </a:lvl2pPr>
+            <a:lvl3pPr marL="400050" indent="182880" algn="l" defTabSz="0" rtl="0" eaLnBrk="0" fontAlgn="base" hangingPunct="0">
+              <a:spcBef>
+                <a:spcPct val="0"/>
+              </a:spcBef>
+              <a:spcAft>
+                <a:spcPct val="15000"/>
+              </a:spcAft>
+              <a:buClr>
+                <a:schemeClr val="tx2"/>
+              </a:buClr>
+              <a:buFont typeface="Arial" panose="020B0604020202020204" pitchFamily="34" charset="0"/>
+              <a:buChar char="•"/>
+              <a:defRPr kumimoji="1" sz="1600">
+                <a:solidFill>
+                  <a:schemeClr val="bg2"/>
+                </a:solidFill>
+                <a:latin typeface="微软雅黑" panose="020B0503020204020204" pitchFamily="34" charset="-122"/>
+                <a:ea typeface="微软雅黑" panose="020B0503020204020204" pitchFamily="34" charset="-122"/>
+                <a:cs typeface="微软雅黑" panose="020B0503020204020204" pitchFamily="34" charset="-122"/>
+              </a:defRPr>
+            </a:lvl3pPr>
+            <a:lvl4pPr marL="825500" indent="-241300" algn="l" defTabSz="0" rtl="0" eaLnBrk="0" fontAlgn="base" hangingPunct="0">
+              <a:spcBef>
+                <a:spcPct val="0"/>
+              </a:spcBef>
+              <a:spcAft>
+                <a:spcPct val="15000"/>
+              </a:spcAft>
+              <a:buClr>
+                <a:schemeClr val="tx2"/>
+              </a:buClr>
+              <a:buFont typeface="Arial" panose="020B0604020202020204" pitchFamily="34" charset="0"/>
+              <a:buChar char="–"/>
+              <a:defRPr kumimoji="1" sz="1600">
+                <a:solidFill>
+                  <a:schemeClr val="bg2"/>
+                </a:solidFill>
+                <a:latin typeface="微软雅黑" panose="020B0503020204020204" pitchFamily="34" charset="-122"/>
+                <a:ea typeface="微软雅黑" panose="020B0503020204020204" pitchFamily="34" charset="-122"/>
+                <a:cs typeface="微软雅黑" panose="020B0503020204020204" pitchFamily="34" charset="-122"/>
+              </a:defRPr>
+            </a:lvl4pPr>
+            <a:lvl5pPr marL="2057400" indent="-228600" algn="l" defTabSz="0" rtl="0" eaLnBrk="0" fontAlgn="base" hangingPunct="0">
+              <a:spcBef>
+                <a:spcPct val="0"/>
+              </a:spcBef>
+              <a:spcAft>
+                <a:spcPct val="25000"/>
+              </a:spcAft>
+              <a:buClr>
+                <a:schemeClr val="tx2"/>
+              </a:buClr>
+              <a:buFont typeface="Arial" panose="020B0604020202020204" pitchFamily="34" charset="0"/>
+              <a:buChar char="–"/>
+              <a:defRPr kumimoji="1" sz="2000">
+                <a:solidFill>
+                  <a:schemeClr val="tx1"/>
+                </a:solidFill>
+                <a:latin typeface="+mn-lt"/>
+                <a:ea typeface="微软雅黑" panose="020B0503020204020204" pitchFamily="34" charset="-122"/>
+                <a:cs typeface="微软雅黑" panose="020B0503020204020204" pitchFamily="34" charset="-122"/>
+              </a:defRPr>
+            </a:lvl5pPr>
+            <a:lvl6pPr marL="2514600" indent="-228600" algn="l" defTabSz="0" rtl="0" eaLnBrk="0" fontAlgn="base" hangingPunct="0">
+              <a:spcBef>
+                <a:spcPct val="0"/>
+              </a:spcBef>
+              <a:spcAft>
+                <a:spcPct val="25000"/>
+              </a:spcAft>
+              <a:buClr>
+                <a:schemeClr val="tx2"/>
+              </a:buClr>
+              <a:buFont typeface="Arial" panose="020B0604020202020204" pitchFamily="34" charset="0"/>
+              <a:buChar char="–"/>
+              <a:defRPr>
+                <a:solidFill>
+                  <a:schemeClr val="tx1"/>
+                </a:solidFill>
+                <a:latin typeface="+mn-lt"/>
+              </a:defRPr>
+            </a:lvl6pPr>
+            <a:lvl7pPr marL="2971800" indent="-228600" algn="l" defTabSz="0" rtl="0" eaLnBrk="0" fontAlgn="base" hangingPunct="0">
+              <a:spcBef>
+                <a:spcPct val="0"/>
+              </a:spcBef>
+              <a:spcAft>
+                <a:spcPct val="25000"/>
+              </a:spcAft>
+              <a:buClr>
+                <a:schemeClr val="tx2"/>
+              </a:buClr>
+              <a:buFont typeface="Arial" panose="020B0604020202020204" pitchFamily="34" charset="0"/>
+              <a:buChar char="–"/>
+              <a:defRPr>
+                <a:solidFill>
+                  <a:schemeClr val="tx1"/>
+                </a:solidFill>
+                <a:latin typeface="+mn-lt"/>
+              </a:defRPr>
+            </a:lvl7pPr>
+            <a:lvl8pPr marL="3429000" indent="-228600" algn="l" defTabSz="0" rtl="0" eaLnBrk="0" fontAlgn="base" hangingPunct="0">
+              <a:spcBef>
+                <a:spcPct val="0"/>
+              </a:spcBef>
+              <a:spcAft>
+                <a:spcPct val="25000"/>
+              </a:spcAft>
+              <a:buClr>
+                <a:schemeClr val="tx2"/>
+              </a:buClr>
+              <a:buFont typeface="Arial" panose="020B0604020202020204" pitchFamily="34" charset="0"/>
+              <a:buChar char="–"/>
+              <a:defRPr>
+                <a:solidFill>
+                  <a:schemeClr val="tx1"/>
+                </a:solidFill>
+                <a:latin typeface="+mn-lt"/>
+              </a:defRPr>
+            </a:lvl8pPr>
+            <a:lvl9pPr marL="3886200" indent="-228600" algn="l" defTabSz="0" rtl="0" eaLnBrk="0" fontAlgn="base" hangingPunct="0">
+              <a:spcBef>
+                <a:spcPct val="0"/>
+              </a:spcBef>
+              <a:spcAft>
+                <a:spcPct val="25000"/>
+              </a:spcAft>
+              <a:buClr>
+                <a:schemeClr val="tx2"/>
+              </a:buClr>
+              <a:buFont typeface="Arial" panose="020B0604020202020204" pitchFamily="34" charset="0"/>
+              <a:buChar char="–"/>
+              <a:defRPr>
+                <a:solidFill>
+                  <a:schemeClr val="tx1"/>
+                </a:solidFill>
+                <a:latin typeface="+mn-lt"/>
+              </a:defRPr>
+            </a:lvl9pPr>
+          </a:lstStyle>
+          <a:p>
+            <a:pPr marL="0" indent="0">
+              <a:buNone/>
+            </a:pPr>
+            <a:r>
+              <a:rPr lang="zh-CN" altLang="en-US" sz="3200" dirty="0" smtClean="0">
+                <a:solidFill>
+                  <a:srgbClr val="C00000"/>
+                </a:solidFill>
+                <a:cs typeface="+mn-cs"/>
+                <a:sym typeface="+mn-ea"/>
+              </a:rPr>
+              <a:t>内容提纲</a:t>
+            </a:r>
+            <a:endParaRPr lang="zh-CN" altLang="en-US" kern="0" dirty="0"/>
+          </a:p>
+        </p:txBody>
+      </p:sp>
+    </p:spTree>
+  </p:cSld>
+  <p:clrMapOvr>
+    <a:masterClrMapping/>
+  </p:clrMapOvr>
   <p:timing>
     <p:tnLst>
       <p:par>
@@ -17788,394 +17697,6 @@
           <a:chExt cx="0" cy="0"/>
         </a:xfrm>
       </p:grpSpPr>
-      <p:sp>
-        <p:nvSpPr>
-          <p:cNvPr id="2" name="内容占位符 1"/>
-          <p:cNvSpPr>
-            <a:spLocks noGrp="1"/>
-          </p:cNvSpPr>
-          <p:nvPr>
-            <p:ph sz="quarter" idx="10"/>
-          </p:nvPr>
-        </p:nvSpPr>
-        <p:spPr>
-          <a:xfrm>
-            <a:off x="927735" y="783590"/>
-            <a:ext cx="10396220" cy="5253990"/>
-          </a:xfrm>
-        </p:spPr>
-        <p:txBody>
-          <a:bodyPr/>
-          <a:lstStyle/>
-          <a:p>
-            <a:pPr>
-              <a:lnSpc>
-                <a:spcPct val="140000"/>
-              </a:lnSpc>
-            </a:pPr>
-            <a:r>
-              <a:rPr lang="en-US" altLang="zh-CN" sz="3200" dirty="0">
-                <a:solidFill>
-                  <a:schemeClr val="tx1"/>
-                </a:solidFill>
-              </a:rPr>
-              <a:t>JS</a:t>
-            </a:r>
-            <a:r>
-              <a:rPr lang="zh-CN" altLang="en-US" sz="3200" dirty="0">
-                <a:solidFill>
-                  <a:schemeClr val="tx1"/>
-                </a:solidFill>
-              </a:rPr>
-              <a:t>对象属性的分类</a:t>
-            </a:r>
-            <a:br>
-              <a:rPr lang="zh-CN" altLang="en-US" sz="3200" dirty="0">
-                <a:solidFill>
-                  <a:schemeClr val="tx1"/>
-                </a:solidFill>
-              </a:rPr>
-            </a:br>
-            <a:r>
-              <a:rPr lang="en-US" altLang="zh-CN" sz="2000" dirty="0">
-                <a:solidFill>
-                  <a:schemeClr val="tx1"/>
-                </a:solidFill>
-              </a:rPr>
-              <a:t>- </a:t>
-            </a:r>
-            <a:r>
-              <a:rPr lang="zh-CN" altLang="en-US" sz="2000" dirty="0">
-                <a:solidFill>
-                  <a:schemeClr val="tx1"/>
-                </a:solidFill>
-              </a:rPr>
-              <a:t>自有属性（</a:t>
-            </a:r>
-            <a:r>
-              <a:rPr lang="en-US" altLang="zh-CN" sz="2000" dirty="0">
-                <a:solidFill>
-                  <a:schemeClr val="tx1"/>
-                </a:solidFill>
-              </a:rPr>
-              <a:t>owner property</a:t>
-            </a:r>
-            <a:r>
-              <a:rPr lang="zh-CN" altLang="en-US" sz="2000" dirty="0">
-                <a:solidFill>
-                  <a:schemeClr val="tx1"/>
-                </a:solidFill>
-              </a:rPr>
-              <a:t>）对象自身的属性</a:t>
-            </a:r>
-            <a:br>
-              <a:rPr lang="zh-CN" altLang="en-US" sz="2000" dirty="0">
-                <a:solidFill>
-                  <a:schemeClr val="tx1"/>
-                </a:solidFill>
-              </a:rPr>
-            </a:br>
-            <a:r>
-              <a:rPr lang="en-US" altLang="zh-CN" sz="2000" dirty="0">
-                <a:solidFill>
-                  <a:schemeClr val="tx1"/>
-                </a:solidFill>
-              </a:rPr>
-              <a:t>- </a:t>
-            </a:r>
-            <a:r>
-              <a:rPr lang="zh-CN" altLang="en-US" sz="2000" dirty="0">
-                <a:solidFill>
-                  <a:schemeClr val="tx1"/>
-                </a:solidFill>
-              </a:rPr>
-              <a:t>继承属性（</a:t>
-            </a:r>
-            <a:r>
-              <a:rPr lang="en-US" altLang="zh-CN" sz="2000" dirty="0">
-                <a:solidFill>
-                  <a:schemeClr val="tx1"/>
-                </a:solidFill>
-              </a:rPr>
-              <a:t>inherit property</a:t>
-            </a:r>
-            <a:r>
-              <a:rPr lang="zh-CN" altLang="en-US" sz="2000" dirty="0">
-                <a:solidFill>
-                  <a:schemeClr val="tx1"/>
-                </a:solidFill>
-              </a:rPr>
-              <a:t>）对象原型链上的属性</a:t>
-            </a:r>
-            <a:endParaRPr lang="zh-CN" altLang="en-US" sz="2000" dirty="0">
-              <a:solidFill>
-                <a:schemeClr val="tx1"/>
-              </a:solidFill>
-              <a:sym typeface="+mn-ea"/>
-            </a:endParaRPr>
-          </a:p>
-          <a:p>
-            <a:pPr marL="168275" lvl="1" indent="0">
-              <a:lnSpc>
-                <a:spcPct val="150000"/>
-              </a:lnSpc>
-              <a:buNone/>
-            </a:pPr>
-            <a:endParaRPr lang="zh-CN" altLang="en-US" sz="2200" dirty="0">
-              <a:sym typeface="+mn-ea"/>
-            </a:endParaRPr>
-          </a:p>
-          <a:p>
-            <a:pPr marL="168275" lvl="1" indent="0">
-              <a:lnSpc>
-                <a:spcPct val="150000"/>
-              </a:lnSpc>
-              <a:buNone/>
-            </a:pPr>
-            <a:endParaRPr lang="en-US" altLang="zh-CN" sz="3200" dirty="0">
-              <a:solidFill>
-                <a:srgbClr val="006F53"/>
-              </a:solidFill>
-              <a:cs typeface="+mn-cs"/>
-            </a:endParaRPr>
-          </a:p>
-        </p:txBody>
-      </p:sp>
-      <p:sp>
-        <p:nvSpPr>
-          <p:cNvPr id="3" name="内容占位符 2"/>
-          <p:cNvSpPr>
-            <a:spLocks noGrp="1"/>
-          </p:cNvSpPr>
-          <p:nvPr>
-            <p:ph sz="quarter" idx="11"/>
-          </p:nvPr>
-        </p:nvSpPr>
-        <p:spPr>
-          <a:xfrm>
-            <a:off x="947420" y="236855"/>
-            <a:ext cx="10059670" cy="490220"/>
-          </a:xfrm>
-        </p:spPr>
-        <p:txBody>
-          <a:bodyPr/>
-          <a:lstStyle/>
-          <a:p>
-            <a:r>
-              <a:rPr lang="en-US" dirty="0" smtClean="0"/>
-              <a:t>JS</a:t>
-            </a:r>
-            <a:r>
-              <a:rPr lang="zh-CN" altLang="en-US" dirty="0" smtClean="0"/>
-              <a:t>对象的属性</a:t>
-            </a:r>
-            <a:endParaRPr lang="zh-CN" altLang="en-US" dirty="0" smtClean="0">
-              <a:sym typeface="+mn-ea"/>
-            </a:endParaRPr>
-          </a:p>
-        </p:txBody>
-      </p:sp>
-      <p:sp>
-        <p:nvSpPr>
-          <p:cNvPr id="4" name="文本框 3"/>
-          <p:cNvSpPr txBox="1"/>
-          <p:nvPr/>
-        </p:nvSpPr>
-        <p:spPr>
-          <a:xfrm>
-            <a:off x="6031230" y="6037580"/>
-            <a:ext cx="4547870" cy="429895"/>
-          </a:xfrm>
-          <a:prstGeom prst="rect">
-            <a:avLst/>
-          </a:prstGeom>
-          <a:noFill/>
-        </p:spPr>
-        <p:txBody>
-          <a:bodyPr wrap="square" rtlCol="0">
-            <a:spAutoFit/>
-          </a:bodyPr>
-          <a:p>
-            <a:pPr algn="l"/>
-            <a:r>
-              <a:rPr lang="zh-CN" altLang="en-US" sz="2200">
-                <a:solidFill>
-                  <a:srgbClr val="FF0000"/>
-                </a:solidFill>
-                <a:latin typeface="+mn-ea"/>
-                <a:ea typeface="+mn-ea"/>
-              </a:rPr>
-              <a:t>参见实例</a:t>
-            </a:r>
-            <a:r>
-              <a:rPr lang="en-US" altLang="zh-CN" sz="2200">
-                <a:solidFill>
-                  <a:srgbClr val="FF0000"/>
-                </a:solidFill>
-                <a:latin typeface="+mn-ea"/>
-                <a:ea typeface="+mn-ea"/>
-              </a:rPr>
-              <a:t>demo03 </a:t>
-            </a:r>
-            <a:endParaRPr lang="en-US" altLang="zh-CN" sz="2200">
-              <a:solidFill>
-                <a:srgbClr val="FF0000"/>
-              </a:solidFill>
-              <a:latin typeface="+mn-ea"/>
-              <a:ea typeface="+mn-ea"/>
-            </a:endParaRPr>
-          </a:p>
-        </p:txBody>
-      </p:sp>
-    </p:spTree>
-  </p:cSld>
-  <p:clrMapOvr>
-    <a:masterClrMapping/>
-  </p:clrMapOvr>
-  <p:timing>
-    <p:tnLst>
-      <p:par>
-        <p:cTn id="1" dur="indefinite" restart="never" nodeType="tmRoot">
-          <p:childTnLst>
-            <p:seq concurrent="1" nextAc="seek">
-              <p:cTn id="2" dur="indefinite" nodeType="mainSeq">
-                <p:childTnLst>
-                  <p:par>
-                    <p:cTn id="3" fill="hold">
-                      <p:stCondLst>
-                        <p:cond delay="indefinite"/>
-                      </p:stCondLst>
-                      <p:childTnLst>
-                        <p:par>
-                          <p:cTn id="4" fill="hold">
-                            <p:stCondLst>
-                              <p:cond delay="0"/>
-                            </p:stCondLst>
-                            <p:childTnLst>
-                              <p:par>
-                                <p:cTn id="5" presetID="2" presetClass="entr" presetSubtype="4" fill="hold" grpId="0" nodeType="clickEffect">
-                                  <p:stCondLst>
-                                    <p:cond delay="0"/>
-                                  </p:stCondLst>
-                                  <p:childTnLst>
-                                    <p:set>
-                                      <p:cBhvr>
-                                        <p:cTn id="6" dur="1" fill="hold">
-                                          <p:stCondLst>
-                                            <p:cond delay="0"/>
-                                          </p:stCondLst>
-                                        </p:cTn>
-                                        <p:tgtEl>
-                                          <p:spTgt spid="4"/>
-                                        </p:tgtEl>
-                                        <p:attrNameLst>
-                                          <p:attrName>style.visibility</p:attrName>
-                                        </p:attrNameLst>
-                                      </p:cBhvr>
-                                      <p:to>
-                                        <p:strVal val="visible"/>
-                                      </p:to>
-                                    </p:set>
-                                    <p:anim calcmode="lin" valueType="num">
-                                      <p:cBhvr additive="base">
-                                        <p:cTn id="7" dur="500" fill="hold"/>
-                                        <p:tgtEl>
-                                          <p:spTgt spid="4"/>
-                                        </p:tgtEl>
-                                        <p:attrNameLst>
-                                          <p:attrName>ppt_x</p:attrName>
-                                        </p:attrNameLst>
-                                      </p:cBhvr>
-                                      <p:tavLst>
-                                        <p:tav tm="0">
-                                          <p:val>
-                                            <p:strVal val="#ppt_x"/>
-                                          </p:val>
-                                        </p:tav>
-                                        <p:tav tm="100000">
-                                          <p:val>
-                                            <p:strVal val="#ppt_x"/>
-                                          </p:val>
-                                        </p:tav>
-                                      </p:tavLst>
-                                    </p:anim>
-                                    <p:anim calcmode="lin" valueType="num">
-                                      <p:cBhvr additive="base">
-                                        <p:cTn id="8" dur="500" fill="hold"/>
-                                        <p:tgtEl>
-                                          <p:spTgt spid="4"/>
-                                        </p:tgtEl>
-                                        <p:attrNameLst>
-                                          <p:attrName>ppt_y</p:attrName>
-                                        </p:attrNameLst>
-                                      </p:cBhvr>
-                                      <p:tavLst>
-                                        <p:tav tm="0">
-                                          <p:val>
-                                            <p:strVal val="1+#ppt_h/2"/>
-                                          </p:val>
-                                        </p:tav>
-                                        <p:tav tm="100000">
-                                          <p:val>
-                                            <p:strVal val="#ppt_y"/>
-                                          </p:val>
-                                        </p:tav>
-                                      </p:tavLst>
-                                    </p:anim>
-                                  </p:childTnLst>
-                                </p:cTn>
-                              </p:par>
-                            </p:childTnLst>
-                          </p:cTn>
-                        </p:par>
-                      </p:childTnLst>
-                    </p:cTn>
-                  </p:par>
-                </p:childTnLst>
-              </p:cTn>
-              <p:prevCondLst>
-                <p:cond evt="onPrev" delay="0">
-                  <p:tgtEl>
-                    <p:sldTgt/>
-                  </p:tgtEl>
-                </p:cond>
-              </p:prevCondLst>
-              <p:nextCondLst>
-                <p:cond evt="onNext" delay="0">
-                  <p:tgtEl>
-                    <p:sldTgt/>
-                  </p:tgtEl>
-                </p:cond>
-              </p:nextCondLst>
-            </p:seq>
-          </p:childTnLst>
-        </p:cTn>
-      </p:par>
-    </p:tnLst>
-    <p:bldLst>
-      <p:bldP spid="4" grpId="0"/>
-    </p:bldLst>
-  </p:timing>
-</p:sld>
-</file>
-
-<file path=ppt/slides/slide8.xml><?xml version="1.0" encoding="utf-8"?>
-<p:sld xmlns:a="http://schemas.openxmlformats.org/drawingml/2006/main" xmlns:r="http://schemas.openxmlformats.org/officeDocument/2006/relationships" xmlns:p="http://schemas.openxmlformats.org/presentationml/2006/main">
-  <p:cSld>
-    <p:spTree>
-      <p:nvGrpSpPr>
-        <p:cNvPr id="1" name=""/>
-        <p:cNvGrpSpPr/>
-        <p:nvPr/>
-      </p:nvGrpSpPr>
-      <p:grpSpPr>
-        <a:xfrm>
-          <a:off x="0" y="0"/>
-          <a:ext cx="0" cy="0"/>
-          <a:chOff x="0" y="0"/>
-          <a:chExt cx="0" cy="0"/>
-        </a:xfrm>
-      </p:grpSpPr>
       <p:grpSp>
         <p:nvGrpSpPr>
           <p:cNvPr id="123" name="Group 123"/>
@@ -18292,11 +17813,11 @@
               </a:pathLst>
             </a:custGeom>
             <a:solidFill>
-              <a:srgbClr val="3F6797"/>
+              <a:srgbClr val="FFC000"/>
             </a:solidFill>
             <a:ln w="50800" cap="flat">
               <a:solidFill>
-                <a:srgbClr val="4F81BD"/>
+                <a:srgbClr val="FF9900"/>
               </a:solidFill>
               <a:prstDash val="solid"/>
               <a:bevel/>
@@ -19012,11 +18533,11 @@
                 </a:pathLst>
               </a:custGeom>
               <a:solidFill>
-                <a:srgbClr val="3F6797"/>
+                <a:srgbClr val="FFC000"/>
               </a:solidFill>
               <a:ln w="50800" cap="flat">
                 <a:solidFill>
-                  <a:srgbClr val="4F81BD"/>
+                  <a:srgbClr val="FF9900"/>
                 </a:solidFill>
                 <a:prstDash val="solid"/>
                 <a:bevel/>
@@ -19380,8 +18901,8 @@
         </p:nvSpPr>
         <p:spPr>
           <a:xfrm>
-            <a:off x="947204" y="236943"/>
-            <a:ext cx="8191557" cy="490476"/>
+            <a:off x="947420" y="236855"/>
+            <a:ext cx="8373110" cy="490220"/>
           </a:xfrm>
         </p:spPr>
         <p:txBody>
@@ -19391,21 +18912,11 @@
               <a:rPr lang="zh-CN" altLang="en-US" dirty="0" smtClean="0">
                 <a:sym typeface="+mn-ea"/>
               </a:rPr>
-              <a:t>JS对象的原型链</a:t>
-            </a:r>
-            <a:r>
-              <a:rPr lang="en-US" altLang="zh-CN" dirty="0" smtClean="0">
-                <a:sym typeface="+mn-ea"/>
-              </a:rPr>
-              <a:t>-</a:t>
-            </a:r>
-            <a:r>
-              <a:rPr lang="zh-CN" altLang="en-US" dirty="0" smtClean="0">
-                <a:sym typeface="+mn-ea"/>
-              </a:rPr>
-              <a:t>属性操作</a:t>
-            </a:r>
-            <a:endParaRPr kumimoji="0" lang="zh-CN" altLang="en-US" dirty="0"/>
+              <a:t>JS对象的属性访问链（自有属性和继承属性）</a:t>
+            </a:r>
+            <a:endParaRPr kumimoji="0" lang="zh-CN" altLang="en-US" dirty="0" smtClean="0">
+              <a:sym typeface="+mn-ea"/>
+            </a:endParaRPr>
           </a:p>
         </p:txBody>
       </p:sp>
@@ -20276,7 +19787,7 @@
 </p:sld>
 </file>
 
-<file path=ppt/slides/slide9.xml><?xml version="1.0" encoding="utf-8"?>
+<file path=ppt/slides/slide8.xml><?xml version="1.0" encoding="utf-8"?>
 <p:sld xmlns:a="http://schemas.openxmlformats.org/drawingml/2006/main" xmlns:r="http://schemas.openxmlformats.org/officeDocument/2006/relationships" xmlns:p="http://schemas.openxmlformats.org/presentationml/2006/main">
   <p:cSld>
     <p:spTree>
@@ -20392,11 +19903,11 @@
             </a:pathLst>
           </a:custGeom>
           <a:solidFill>
-            <a:srgbClr val="3F6797"/>
+            <a:srgbClr val="FFC000"/>
           </a:solidFill>
           <a:ln w="50800">
             <a:solidFill>
-              <a:srgbClr val="4F81BD"/>
+              <a:srgbClr val="FF9900"/>
             </a:solidFill>
           </a:ln>
           <a:effectLst>
@@ -20847,11 +20358,11 @@
             </a:pathLst>
           </a:custGeom>
           <a:solidFill>
-            <a:srgbClr val="3F6797"/>
+            <a:srgbClr val="FFC000"/>
           </a:solidFill>
           <a:ln w="50800">
             <a:solidFill>
-              <a:srgbClr val="4F81BD"/>
+              <a:srgbClr val="FF9900"/>
             </a:solidFill>
           </a:ln>
           <a:effectLst>
@@ -21620,7 +21131,13 @@
               <a:rPr lang="zh-CN" altLang="en-US" dirty="0" smtClean="0">
                 <a:sym typeface="+mn-ea"/>
               </a:rPr>
-              <a:t>属性操作</a:t>
+              <a:t>自有属性和继承</a:t>
+            </a:r>
+            <a:r>
+              <a:rPr lang="zh-CN" altLang="en-US" dirty="0" smtClean="0">
+                <a:sym typeface="+mn-ea"/>
+              </a:rPr>
+              <a:t>属性的操作</a:t>
             </a:r>
             <a:endParaRPr kumimoji="0" lang="zh-CN" altLang="en-US" dirty="0"/>
           </a:p>
@@ -22543,6 +22060,520 @@
 </p:sld>
 </file>
 
+<file path=ppt/slides/slide9.xml><?xml version="1.0" encoding="utf-8"?>
+<p:sld xmlns:a="http://schemas.openxmlformats.org/drawingml/2006/main" xmlns:r="http://schemas.openxmlformats.org/officeDocument/2006/relationships" xmlns:p="http://schemas.openxmlformats.org/presentationml/2006/main">
+  <p:cSld>
+    <p:spTree>
+      <p:nvGrpSpPr>
+        <p:cNvPr id="1" name=""/>
+        <p:cNvGrpSpPr/>
+        <p:nvPr/>
+      </p:nvGrpSpPr>
+      <p:grpSpPr>
+        <a:xfrm>
+          <a:off x="0" y="0"/>
+          <a:ext cx="0" cy="0"/>
+          <a:chOff x="0" y="0"/>
+          <a:chExt cx="0" cy="0"/>
+        </a:xfrm>
+      </p:grpSpPr>
+      <p:sp>
+        <p:nvSpPr>
+          <p:cNvPr id="5123" name="AutoShape 6"/>
+          <p:cNvSpPr>
+            <a:spLocks noChangeArrowheads="1"/>
+          </p:cNvSpPr>
+          <p:nvPr/>
+        </p:nvSpPr>
+        <p:spPr bwMode="auto">
+          <a:xfrm>
+            <a:off x="2566988" y="1339851"/>
+            <a:ext cx="6711950" cy="4214813"/>
+          </a:xfrm>
+          <a:prstGeom prst="roundRect">
+            <a:avLst>
+              <a:gd name="adj" fmla="val 16667"/>
+            </a:avLst>
+          </a:prstGeom>
+          <a:noFill/>
+          <a:ln w="28575">
+            <a:solidFill>
+              <a:srgbClr val="C0C0C0"/>
+            </a:solidFill>
+            <a:prstDash val="sysDot"/>
+            <a:round/>
+          </a:ln>
+          <a:extLst>
+            <a:ext uri="{909E8E84-426E-40DD-AFC4-6F175D3DCCD1}">
+              <a14:hiddenFill xmlns:a14="http://schemas.microsoft.com/office/drawing/2010/main">
+                <a:solidFill>
+                  <a:srgbClr val="FFFFFF"/>
+                </a:solidFill>
+              </a14:hiddenFill>
+            </a:ext>
+          </a:extLst>
+        </p:spPr>
+        <p:txBody>
+          <a:bodyPr wrap="none" anchor="ctr"/>
+          <a:lstStyle>
+            <a:lvl1pPr marL="457200" indent="-457200">
+              <a:defRPr sz="3200">
+                <a:solidFill>
+                  <a:schemeClr val="tx1"/>
+                </a:solidFill>
+                <a:latin typeface="Arial" panose="020B0604020202020204" pitchFamily="34" charset="0"/>
+                <a:ea typeface="微软雅黑" panose="020B0503020204020204" pitchFamily="34" charset="-122"/>
+              </a:defRPr>
+            </a:lvl1pPr>
+            <a:lvl2pPr marL="742950" indent="-285750">
+              <a:defRPr sz="3200">
+                <a:solidFill>
+                  <a:schemeClr val="tx1"/>
+                </a:solidFill>
+                <a:latin typeface="Arial" panose="020B0604020202020204" pitchFamily="34" charset="0"/>
+                <a:ea typeface="微软雅黑" panose="020B0503020204020204" pitchFamily="34" charset="-122"/>
+              </a:defRPr>
+            </a:lvl2pPr>
+            <a:lvl3pPr marL="1143000" indent="-228600">
+              <a:defRPr sz="3200">
+                <a:solidFill>
+                  <a:schemeClr val="tx1"/>
+                </a:solidFill>
+                <a:latin typeface="Arial" panose="020B0604020202020204" pitchFamily="34" charset="0"/>
+                <a:ea typeface="微软雅黑" panose="020B0503020204020204" pitchFamily="34" charset="-122"/>
+              </a:defRPr>
+            </a:lvl3pPr>
+            <a:lvl4pPr marL="1600200" indent="-228600">
+              <a:defRPr sz="3200">
+                <a:solidFill>
+                  <a:schemeClr val="tx1"/>
+                </a:solidFill>
+                <a:latin typeface="Arial" panose="020B0604020202020204" pitchFamily="34" charset="0"/>
+                <a:ea typeface="微软雅黑" panose="020B0503020204020204" pitchFamily="34" charset="-122"/>
+              </a:defRPr>
+            </a:lvl4pPr>
+            <a:lvl5pPr marL="2057400" indent="-228600">
+              <a:defRPr sz="3200">
+                <a:solidFill>
+                  <a:schemeClr val="tx1"/>
+                </a:solidFill>
+                <a:latin typeface="Arial" panose="020B0604020202020204" pitchFamily="34" charset="0"/>
+                <a:ea typeface="微软雅黑" panose="020B0503020204020204" pitchFamily="34" charset="-122"/>
+              </a:defRPr>
+            </a:lvl5pPr>
+            <a:lvl6pPr marL="2514600" indent="-228600" eaLnBrk="0" fontAlgn="base" hangingPunct="0">
+              <a:spcBef>
+                <a:spcPct val="0"/>
+              </a:spcBef>
+              <a:spcAft>
+                <a:spcPct val="0"/>
+              </a:spcAft>
+              <a:defRPr sz="3200">
+                <a:solidFill>
+                  <a:schemeClr val="tx1"/>
+                </a:solidFill>
+                <a:latin typeface="Arial" panose="020B0604020202020204" pitchFamily="34" charset="0"/>
+                <a:ea typeface="微软雅黑" panose="020B0503020204020204" pitchFamily="34" charset="-122"/>
+              </a:defRPr>
+            </a:lvl6pPr>
+            <a:lvl7pPr marL="2971800" indent="-228600" eaLnBrk="0" fontAlgn="base" hangingPunct="0">
+              <a:spcBef>
+                <a:spcPct val="0"/>
+              </a:spcBef>
+              <a:spcAft>
+                <a:spcPct val="0"/>
+              </a:spcAft>
+              <a:defRPr sz="3200">
+                <a:solidFill>
+                  <a:schemeClr val="tx1"/>
+                </a:solidFill>
+                <a:latin typeface="Arial" panose="020B0604020202020204" pitchFamily="34" charset="0"/>
+                <a:ea typeface="微软雅黑" panose="020B0503020204020204" pitchFamily="34" charset="-122"/>
+              </a:defRPr>
+            </a:lvl7pPr>
+            <a:lvl8pPr marL="3429000" indent="-228600" eaLnBrk="0" fontAlgn="base" hangingPunct="0">
+              <a:spcBef>
+                <a:spcPct val="0"/>
+              </a:spcBef>
+              <a:spcAft>
+                <a:spcPct val="0"/>
+              </a:spcAft>
+              <a:defRPr sz="3200">
+                <a:solidFill>
+                  <a:schemeClr val="tx1"/>
+                </a:solidFill>
+                <a:latin typeface="Arial" panose="020B0604020202020204" pitchFamily="34" charset="0"/>
+                <a:ea typeface="微软雅黑" panose="020B0503020204020204" pitchFamily="34" charset="-122"/>
+              </a:defRPr>
+            </a:lvl8pPr>
+            <a:lvl9pPr marL="3886200" indent="-228600" eaLnBrk="0" fontAlgn="base" hangingPunct="0">
+              <a:spcBef>
+                <a:spcPct val="0"/>
+              </a:spcBef>
+              <a:spcAft>
+                <a:spcPct val="0"/>
+              </a:spcAft>
+              <a:defRPr sz="3200">
+                <a:solidFill>
+                  <a:schemeClr val="tx1"/>
+                </a:solidFill>
+                <a:latin typeface="Arial" panose="020B0604020202020204" pitchFamily="34" charset="0"/>
+                <a:ea typeface="微软雅黑" panose="020B0503020204020204" pitchFamily="34" charset="-122"/>
+              </a:defRPr>
+            </a:lvl9pPr>
+          </a:lstStyle>
+          <a:p>
+            <a:pPr algn="l">
+              <a:lnSpc>
+                <a:spcPct val="150000"/>
+              </a:lnSpc>
+              <a:spcBef>
+                <a:spcPts val="1200"/>
+              </a:spcBef>
+              <a:spcAft>
+                <a:spcPts val="1200"/>
+              </a:spcAft>
+              <a:buClr>
+                <a:srgbClr val="92D050"/>
+              </a:buClr>
+              <a:buFont typeface="Wingdings" panose="05000000000000000000" pitchFamily="2" charset="2"/>
+              <a:buChar char="Ø"/>
+            </a:pPr>
+            <a:r>
+              <a:rPr lang="en-US" altLang="zh-CN" sz="2800" b="1">
+                <a:solidFill>
+                  <a:schemeClr val="tx1"/>
+                </a:solidFill>
+                <a:sym typeface="+mn-ea"/>
+              </a:rPr>
+              <a:t>JS</a:t>
+            </a:r>
+            <a:r>
+              <a:rPr lang="zh-CN" altLang="en-US" sz="2800" b="1">
+                <a:solidFill>
+                  <a:schemeClr val="tx1"/>
+                </a:solidFill>
+                <a:sym typeface="+mn-ea"/>
+              </a:rPr>
+              <a:t>对象及继承方式综述</a:t>
+            </a:r>
+            <a:endParaRPr lang="zh-CN" altLang="en-US" sz="2800" b="1">
+              <a:solidFill>
+                <a:schemeClr val="tx1"/>
+              </a:solidFill>
+              <a:sym typeface="+mn-ea"/>
+            </a:endParaRPr>
+          </a:p>
+          <a:p>
+            <a:pPr algn="l">
+              <a:lnSpc>
+                <a:spcPct val="150000"/>
+              </a:lnSpc>
+              <a:spcBef>
+                <a:spcPts val="1200"/>
+              </a:spcBef>
+              <a:spcAft>
+                <a:spcPts val="1200"/>
+              </a:spcAft>
+              <a:buClr>
+                <a:srgbClr val="92D050"/>
+              </a:buClr>
+              <a:buFont typeface="Wingdings" panose="05000000000000000000" pitchFamily="2" charset="2"/>
+              <a:buChar char="Ø"/>
+            </a:pPr>
+            <a:r>
+              <a:rPr lang="en-US" sz="2800" b="1">
+                <a:solidFill>
+                  <a:schemeClr val="tx1"/>
+                </a:solidFill>
+                <a:sym typeface="+mn-ea"/>
+              </a:rPr>
+              <a:t>JS</a:t>
+            </a:r>
+            <a:r>
+              <a:rPr lang="zh-CN" altLang="en-US" sz="2800" b="1">
+                <a:solidFill>
+                  <a:schemeClr val="tx1"/>
+                </a:solidFill>
+                <a:sym typeface="+mn-ea"/>
+              </a:rPr>
+              <a:t>对象的原型链</a:t>
+            </a:r>
+            <a:endParaRPr lang="zh-CN" altLang="en-US" sz="2800" b="1">
+              <a:solidFill>
+                <a:schemeClr val="tx1"/>
+              </a:solidFill>
+              <a:sym typeface="+mn-ea"/>
+            </a:endParaRPr>
+          </a:p>
+          <a:p>
+            <a:pPr algn="l">
+              <a:lnSpc>
+                <a:spcPct val="150000"/>
+              </a:lnSpc>
+              <a:spcBef>
+                <a:spcPts val="1200"/>
+              </a:spcBef>
+              <a:spcAft>
+                <a:spcPts val="1200"/>
+              </a:spcAft>
+              <a:buClr>
+                <a:srgbClr val="92D050"/>
+              </a:buClr>
+              <a:buFont typeface="Wingdings" panose="05000000000000000000" pitchFamily="2" charset="2"/>
+              <a:buChar char="Ø"/>
+            </a:pPr>
+            <a:r>
+              <a:rPr lang="zh-CN" altLang="en-US" sz="2800" b="1">
+                <a:solidFill>
+                  <a:srgbClr val="FF0000"/>
+                </a:solidFill>
+                <a:sym typeface="+mn-ea"/>
+              </a:rPr>
+              <a:t>基于构造函数实现的原型继承</a:t>
+            </a:r>
+            <a:endParaRPr lang="zh-CN" altLang="en-US" sz="2800" b="1">
+              <a:solidFill>
+                <a:srgbClr val="FF0000"/>
+              </a:solidFill>
+              <a:sym typeface="+mn-ea"/>
+            </a:endParaRPr>
+          </a:p>
+        </p:txBody>
+      </p:sp>
+      <p:sp>
+        <p:nvSpPr>
+          <p:cNvPr id="4" name="内容占位符 3"/>
+          <p:cNvSpPr txBox="1"/>
+          <p:nvPr/>
+        </p:nvSpPr>
+        <p:spPr>
+          <a:xfrm>
+            <a:off x="981657" y="236943"/>
+            <a:ext cx="8191557" cy="490476"/>
+          </a:xfrm>
+          <a:prstGeom prst="rect">
+            <a:avLst/>
+          </a:prstGeom>
+        </p:spPr>
+        <p:txBody>
+          <a:bodyPr/>
+          <a:lstStyle>
+            <a:lvl1pPr marL="167005" indent="-167005" algn="l" defTabSz="0" rtl="0" eaLnBrk="0" fontAlgn="base" hangingPunct="0">
+              <a:spcBef>
+                <a:spcPct val="0"/>
+              </a:spcBef>
+              <a:spcAft>
+                <a:spcPct val="15000"/>
+              </a:spcAft>
+              <a:buClr>
+                <a:schemeClr val="tx2"/>
+              </a:buClr>
+              <a:buFont typeface="Arial" panose="020B0604020202020204" pitchFamily="34" charset="0"/>
+              <a:buChar char="•"/>
+              <a:defRPr kumimoji="1" sz="1600">
+                <a:solidFill>
+                  <a:srgbClr val="006F53"/>
+                </a:solidFill>
+                <a:latin typeface="微软雅黑" panose="020B0503020204020204" pitchFamily="34" charset="-122"/>
+                <a:ea typeface="微软雅黑" panose="020B0503020204020204" pitchFamily="34" charset="-122"/>
+                <a:cs typeface="微软雅黑" panose="020B0503020204020204" pitchFamily="34" charset="-122"/>
+              </a:defRPr>
+            </a:lvl1pPr>
+            <a:lvl2pPr marL="398780" indent="-230505" algn="l" defTabSz="0" rtl="0" eaLnBrk="0" fontAlgn="base" hangingPunct="0">
+              <a:spcBef>
+                <a:spcPct val="0"/>
+              </a:spcBef>
+              <a:spcAft>
+                <a:spcPct val="15000"/>
+              </a:spcAft>
+              <a:buClr>
+                <a:schemeClr val="tx2"/>
+              </a:buClr>
+              <a:buFont typeface="Arial" panose="020B0604020202020204" pitchFamily="34" charset="0"/>
+              <a:buChar char="–"/>
+              <a:defRPr kumimoji="1" sz="2800">
+                <a:solidFill>
+                  <a:schemeClr val="bg2"/>
+                </a:solidFill>
+                <a:latin typeface="微软雅黑" panose="020B0503020204020204" pitchFamily="34" charset="-122"/>
+                <a:ea typeface="微软雅黑" panose="020B0503020204020204" pitchFamily="34" charset="-122"/>
+                <a:cs typeface="微软雅黑" panose="020B0503020204020204" pitchFamily="34" charset="-122"/>
+              </a:defRPr>
+            </a:lvl2pPr>
+            <a:lvl3pPr marL="400050" indent="182880" algn="l" defTabSz="0" rtl="0" eaLnBrk="0" fontAlgn="base" hangingPunct="0">
+              <a:spcBef>
+                <a:spcPct val="0"/>
+              </a:spcBef>
+              <a:spcAft>
+                <a:spcPct val="15000"/>
+              </a:spcAft>
+              <a:buClr>
+                <a:schemeClr val="tx2"/>
+              </a:buClr>
+              <a:buFont typeface="Arial" panose="020B0604020202020204" pitchFamily="34" charset="0"/>
+              <a:buChar char="•"/>
+              <a:defRPr kumimoji="1" sz="1600">
+                <a:solidFill>
+                  <a:schemeClr val="bg2"/>
+                </a:solidFill>
+                <a:latin typeface="微软雅黑" panose="020B0503020204020204" pitchFamily="34" charset="-122"/>
+                <a:ea typeface="微软雅黑" panose="020B0503020204020204" pitchFamily="34" charset="-122"/>
+                <a:cs typeface="微软雅黑" panose="020B0503020204020204" pitchFamily="34" charset="-122"/>
+              </a:defRPr>
+            </a:lvl3pPr>
+            <a:lvl4pPr marL="825500" indent="-241300" algn="l" defTabSz="0" rtl="0" eaLnBrk="0" fontAlgn="base" hangingPunct="0">
+              <a:spcBef>
+                <a:spcPct val="0"/>
+              </a:spcBef>
+              <a:spcAft>
+                <a:spcPct val="15000"/>
+              </a:spcAft>
+              <a:buClr>
+                <a:schemeClr val="tx2"/>
+              </a:buClr>
+              <a:buFont typeface="Arial" panose="020B0604020202020204" pitchFamily="34" charset="0"/>
+              <a:buChar char="–"/>
+              <a:defRPr kumimoji="1" sz="1600">
+                <a:solidFill>
+                  <a:schemeClr val="bg2"/>
+                </a:solidFill>
+                <a:latin typeface="微软雅黑" panose="020B0503020204020204" pitchFamily="34" charset="-122"/>
+                <a:ea typeface="微软雅黑" panose="020B0503020204020204" pitchFamily="34" charset="-122"/>
+                <a:cs typeface="微软雅黑" panose="020B0503020204020204" pitchFamily="34" charset="-122"/>
+              </a:defRPr>
+            </a:lvl4pPr>
+            <a:lvl5pPr marL="2057400" indent="-228600" algn="l" defTabSz="0" rtl="0" eaLnBrk="0" fontAlgn="base" hangingPunct="0">
+              <a:spcBef>
+                <a:spcPct val="0"/>
+              </a:spcBef>
+              <a:spcAft>
+                <a:spcPct val="25000"/>
+              </a:spcAft>
+              <a:buClr>
+                <a:schemeClr val="tx2"/>
+              </a:buClr>
+              <a:buFont typeface="Arial" panose="020B0604020202020204" pitchFamily="34" charset="0"/>
+              <a:buChar char="–"/>
+              <a:defRPr kumimoji="1" sz="2000">
+                <a:solidFill>
+                  <a:schemeClr val="tx1"/>
+                </a:solidFill>
+                <a:latin typeface="+mn-lt"/>
+                <a:ea typeface="微软雅黑" panose="020B0503020204020204" pitchFamily="34" charset="-122"/>
+                <a:cs typeface="微软雅黑" panose="020B0503020204020204" pitchFamily="34" charset="-122"/>
+              </a:defRPr>
+            </a:lvl5pPr>
+            <a:lvl6pPr marL="2514600" indent="-228600" algn="l" defTabSz="0" rtl="0" eaLnBrk="0" fontAlgn="base" hangingPunct="0">
+              <a:spcBef>
+                <a:spcPct val="0"/>
+              </a:spcBef>
+              <a:spcAft>
+                <a:spcPct val="25000"/>
+              </a:spcAft>
+              <a:buClr>
+                <a:schemeClr val="tx2"/>
+              </a:buClr>
+              <a:buFont typeface="Arial" panose="020B0604020202020204" pitchFamily="34" charset="0"/>
+              <a:buChar char="–"/>
+              <a:defRPr>
+                <a:solidFill>
+                  <a:schemeClr val="tx1"/>
+                </a:solidFill>
+                <a:latin typeface="+mn-lt"/>
+              </a:defRPr>
+            </a:lvl6pPr>
+            <a:lvl7pPr marL="2971800" indent="-228600" algn="l" defTabSz="0" rtl="0" eaLnBrk="0" fontAlgn="base" hangingPunct="0">
+              <a:spcBef>
+                <a:spcPct val="0"/>
+              </a:spcBef>
+              <a:spcAft>
+                <a:spcPct val="25000"/>
+              </a:spcAft>
+              <a:buClr>
+                <a:schemeClr val="tx2"/>
+              </a:buClr>
+              <a:buFont typeface="Arial" panose="020B0604020202020204" pitchFamily="34" charset="0"/>
+              <a:buChar char="–"/>
+              <a:defRPr>
+                <a:solidFill>
+                  <a:schemeClr val="tx1"/>
+                </a:solidFill>
+                <a:latin typeface="+mn-lt"/>
+              </a:defRPr>
+            </a:lvl7pPr>
+            <a:lvl8pPr marL="3429000" indent="-228600" algn="l" defTabSz="0" rtl="0" eaLnBrk="0" fontAlgn="base" hangingPunct="0">
+              <a:spcBef>
+                <a:spcPct val="0"/>
+              </a:spcBef>
+              <a:spcAft>
+                <a:spcPct val="25000"/>
+              </a:spcAft>
+              <a:buClr>
+                <a:schemeClr val="tx2"/>
+              </a:buClr>
+              <a:buFont typeface="Arial" panose="020B0604020202020204" pitchFamily="34" charset="0"/>
+              <a:buChar char="–"/>
+              <a:defRPr>
+                <a:solidFill>
+                  <a:schemeClr val="tx1"/>
+                </a:solidFill>
+                <a:latin typeface="+mn-lt"/>
+              </a:defRPr>
+            </a:lvl8pPr>
+            <a:lvl9pPr marL="3886200" indent="-228600" algn="l" defTabSz="0" rtl="0" eaLnBrk="0" fontAlgn="base" hangingPunct="0">
+              <a:spcBef>
+                <a:spcPct val="0"/>
+              </a:spcBef>
+              <a:spcAft>
+                <a:spcPct val="25000"/>
+              </a:spcAft>
+              <a:buClr>
+                <a:schemeClr val="tx2"/>
+              </a:buClr>
+              <a:buFont typeface="Arial" panose="020B0604020202020204" pitchFamily="34" charset="0"/>
+              <a:buChar char="–"/>
+              <a:defRPr>
+                <a:solidFill>
+                  <a:schemeClr val="tx1"/>
+                </a:solidFill>
+                <a:latin typeface="+mn-lt"/>
+              </a:defRPr>
+            </a:lvl9pPr>
+          </a:lstStyle>
+          <a:p>
+            <a:pPr marL="0" indent="0">
+              <a:buNone/>
+            </a:pPr>
+            <a:r>
+              <a:rPr lang="zh-CN" altLang="en-US" sz="3200" dirty="0" smtClean="0">
+                <a:solidFill>
+                  <a:srgbClr val="C00000"/>
+                </a:solidFill>
+                <a:cs typeface="+mn-cs"/>
+                <a:sym typeface="+mn-ea"/>
+              </a:rPr>
+              <a:t>内容提纲</a:t>
+            </a:r>
+            <a:endParaRPr lang="zh-CN" altLang="en-US" kern="0" dirty="0"/>
+          </a:p>
+        </p:txBody>
+      </p:sp>
+    </p:spTree>
+  </p:cSld>
+  <p:clrMapOvr>
+    <a:masterClrMapping/>
+  </p:clrMapOvr>
+  <p:timing>
+    <p:tnLst>
+      <p:par>
+        <p:cTn id="1" dur="indefinite" restart="never" nodeType="tmRoot"/>
+      </p:par>
+    </p:tnLst>
+  </p:timing>
+</p:sld>
+</file>
+
 <file path=ppt/theme/theme1.xml><?xml version="1.0" encoding="utf-8"?>
 <a:theme xmlns:a="http://schemas.openxmlformats.org/drawingml/2006/main" name="Office 主题">
   <a:themeElements>

--- a/课程PPT/07.JavaScript面向对象编程 一.pptx
+++ b/课程PPT/07.JavaScript面向对象编程 一.pptx
@@ -26,11 +26,15 @@
     <p:sldId id="1240" r:id="rId19"/>
     <p:sldId id="1259" r:id="rId20"/>
     <p:sldId id="1267" r:id="rId21"/>
-    <p:sldId id="1192" r:id="rId22"/>
-    <p:sldId id="1203" r:id="rId23"/>
-    <p:sldId id="1197" r:id="rId24"/>
-    <p:sldId id="1198" r:id="rId25"/>
-    <p:sldId id="1191" r:id="rId26"/>
+    <p:sldId id="1275" r:id="rId22"/>
+    <p:sldId id="1277" r:id="rId23"/>
+    <p:sldId id="1276" r:id="rId24"/>
+    <p:sldId id="1191" r:id="rId25"/>
+    <p:sldId id="1273" r:id="rId26"/>
+    <p:sldId id="1278" r:id="rId27"/>
+    <p:sldId id="1203" r:id="rId28"/>
+    <p:sldId id="1197" r:id="rId29"/>
+    <p:sldId id="1198" r:id="rId30"/>
   </p:sldIdLst>
   <p:sldSz cx="12192000" cy="6858000"/>
   <p:notesSz cx="6797675" cy="9928225"/>
@@ -1444,54 +1448,70 @@
         <p:cNvGrpSpPr/>
         <p:nvPr/>
       </p:nvGrpSpPr>
-      <p:grpSpPr/>
+      <p:grpSpPr>
+        <a:xfrm>
+          <a:off x="0" y="0"/>
+          <a:ext cx="0" cy="0"/>
+          <a:chOff x="0" y="0"/>
+          <a:chExt cx="0" cy="0"/>
+        </a:xfrm>
+      </p:grpSpPr>
       <p:sp>
         <p:nvSpPr>
           <p:cNvPr id="2" name="幻灯片图像占位符 1"/>
-          <p:cNvSpPr/>
+          <p:cNvSpPr>
+            <a:spLocks noGrp="1" noRot="1" noChangeAspect="1"/>
+          </p:cNvSpPr>
           <p:nvPr>
-            <p:ph type="sldImg" idx="2"/>
+            <p:ph type="sldImg"/>
           </p:nvPr>
         </p:nvSpPr>
         <p:spPr/>
       </p:sp>
       <p:sp>
         <p:nvSpPr>
-          <p:cNvPr id="3" name="文本占位符 2"/>
-          <p:cNvSpPr/>
+          <p:cNvPr id="3" name="备注占位符 2"/>
+          <p:cNvSpPr>
+            <a:spLocks noGrp="1"/>
+          </p:cNvSpPr>
           <p:nvPr>
-            <p:ph type="body" idx="3"/>
+            <p:ph type="body" idx="1"/>
           </p:nvPr>
         </p:nvSpPr>
         <p:spPr/>
         <p:txBody>
           <a:bodyPr/>
-          <a:p>
-            <a:r>
-              <a:rPr lang="zh-CN" altLang="en-US"/>
-              <a:t> 继承是OO语言中一个重要的特性和概念。许多的OO语言中都支持两种继承方式：接口继承和实现继承。</a:t>
-            </a:r>
-            <a:endParaRPr lang="zh-CN" altLang="en-US"/>
-          </a:p>
-          <a:p>
-            <a:endParaRPr lang="zh-CN" altLang="en-US"/>
-          </a:p>
-          <a:p>
-            <a:r>
-              <a:rPr lang="zh-CN" altLang="en-US"/>
-              <a:t>ECMAScript只支持实现继承，其实现继承主要是靠原型链来实现。在PHP语言中，是使用extend来实现继承。那么我们就先来讲讲原型链。</a:t>
-            </a:r>
-            <a:endParaRPr lang="zh-CN" altLang="en-US"/>
-          </a:p>
-          <a:p>
-            <a:endParaRPr lang="zh-CN" altLang="en-US"/>
-          </a:p>
-          <a:p>
-            <a:r>
-              <a:rPr lang="zh-CN" altLang="en-US"/>
-              <a:t>原型链的基本思想是利用原型让一个引用类型继承另一个引用类型的属性和方法</a:t>
-            </a:r>
-            <a:endParaRPr lang="zh-CN" altLang="en-US"/>
+          <a:lstStyle/>
+          <a:p>
+            <a:endParaRPr lang="zh-CN" altLang="en-US" dirty="0" smtClean="0"/>
+          </a:p>
+          <a:p>
+            <a:endParaRPr lang="zh-CN" altLang="en-US" dirty="0"/>
+          </a:p>
+        </p:txBody>
+      </p:sp>
+      <p:sp>
+        <p:nvSpPr>
+          <p:cNvPr id="4" name="灯片编号占位符 3"/>
+          <p:cNvSpPr>
+            <a:spLocks noGrp="1"/>
+          </p:cNvSpPr>
+          <p:nvPr>
+            <p:ph type="sldNum" sz="quarter" idx="10"/>
+          </p:nvPr>
+        </p:nvSpPr>
+        <p:spPr/>
+        <p:txBody>
+          <a:bodyPr/>
+          <a:lstStyle/>
+          <a:p>
+            <a:pPr>
+              <a:defRPr/>
+            </a:pPr>
+            <a:fld id="{50FA7BE5-9B7D-4F20-881C-9A0B90E6FF72}" type="slidenum">
+              <a:rPr lang="zh-CN" altLang="zh-CN" smtClean="0"/>
+            </a:fld>
+            <a:endParaRPr lang="zh-CN" altLang="zh-CN"/>
           </a:p>
         </p:txBody>
       </p:sp>
@@ -1512,54 +1532,70 @@
         <p:cNvGrpSpPr/>
         <p:nvPr/>
       </p:nvGrpSpPr>
-      <p:grpSpPr/>
+      <p:grpSpPr>
+        <a:xfrm>
+          <a:off x="0" y="0"/>
+          <a:ext cx="0" cy="0"/>
+          <a:chOff x="0" y="0"/>
+          <a:chExt cx="0" cy="0"/>
+        </a:xfrm>
+      </p:grpSpPr>
       <p:sp>
         <p:nvSpPr>
           <p:cNvPr id="2" name="幻灯片图像占位符 1"/>
-          <p:cNvSpPr/>
+          <p:cNvSpPr>
+            <a:spLocks noGrp="1" noRot="1" noChangeAspect="1"/>
+          </p:cNvSpPr>
           <p:nvPr>
-            <p:ph type="sldImg" idx="2"/>
+            <p:ph type="sldImg"/>
           </p:nvPr>
         </p:nvSpPr>
         <p:spPr/>
       </p:sp>
       <p:sp>
         <p:nvSpPr>
-          <p:cNvPr id="3" name="文本占位符 2"/>
-          <p:cNvSpPr/>
+          <p:cNvPr id="3" name="备注占位符 2"/>
+          <p:cNvSpPr>
+            <a:spLocks noGrp="1"/>
+          </p:cNvSpPr>
           <p:nvPr>
-            <p:ph type="body" idx="3"/>
+            <p:ph type="body" idx="1"/>
           </p:nvPr>
         </p:nvSpPr>
         <p:spPr/>
         <p:txBody>
           <a:bodyPr/>
-          <a:p>
-            <a:r>
-              <a:rPr lang="zh-CN" altLang="en-US"/>
-              <a:t> 继承是OO语言中一个重要的特性和概念。许多的OO语言中都支持两种继承方式：接口继承和实现继承。</a:t>
-            </a:r>
-            <a:endParaRPr lang="zh-CN" altLang="en-US"/>
-          </a:p>
-          <a:p>
-            <a:endParaRPr lang="zh-CN" altLang="en-US"/>
-          </a:p>
-          <a:p>
-            <a:r>
-              <a:rPr lang="zh-CN" altLang="en-US"/>
-              <a:t>ECMAScript只支持实现继承，其实现继承主要是靠原型链来实现。在PHP语言中，是使用extend来实现继承。那么我们就先来讲讲原型链。</a:t>
-            </a:r>
-            <a:endParaRPr lang="zh-CN" altLang="en-US"/>
-          </a:p>
-          <a:p>
-            <a:endParaRPr lang="zh-CN" altLang="en-US"/>
-          </a:p>
-          <a:p>
-            <a:r>
-              <a:rPr lang="zh-CN" altLang="en-US"/>
-              <a:t>原型链的基本思想是利用原型让一个引用类型继承另一个引用类型的属性和方法</a:t>
-            </a:r>
-            <a:endParaRPr lang="zh-CN" altLang="en-US"/>
+          <a:lstStyle/>
+          <a:p>
+            <a:endParaRPr lang="zh-CN" altLang="en-US" dirty="0" smtClean="0"/>
+          </a:p>
+          <a:p>
+            <a:endParaRPr lang="zh-CN" altLang="en-US" dirty="0"/>
+          </a:p>
+        </p:txBody>
+      </p:sp>
+      <p:sp>
+        <p:nvSpPr>
+          <p:cNvPr id="4" name="灯片编号占位符 3"/>
+          <p:cNvSpPr>
+            <a:spLocks noGrp="1"/>
+          </p:cNvSpPr>
+          <p:nvPr>
+            <p:ph type="sldNum" sz="quarter" idx="10"/>
+          </p:nvPr>
+        </p:nvSpPr>
+        <p:spPr/>
+        <p:txBody>
+          <a:bodyPr/>
+          <a:lstStyle/>
+          <a:p>
+            <a:pPr>
+              <a:defRPr/>
+            </a:pPr>
+            <a:fld id="{50FA7BE5-9B7D-4F20-881C-9A0B90E6FF72}" type="slidenum">
+              <a:rPr lang="zh-CN" altLang="zh-CN" smtClean="0"/>
+            </a:fld>
+            <a:endParaRPr lang="zh-CN" altLang="zh-CN"/>
           </a:p>
         </p:txBody>
       </p:sp>
@@ -1603,30 +1639,6 @@
         <p:txBody>
           <a:bodyPr/>
           <a:p>
-            <a:r>
-              <a:rPr lang="zh-CN" altLang="en-US"/>
-              <a:t> 继承是OO语言中一个重要的特性和概念。许多的OO语言中都支持两种继承方式：接口继承和实现继承。</a:t>
-            </a:r>
-            <a:endParaRPr lang="zh-CN" altLang="en-US"/>
-          </a:p>
-          <a:p>
-            <a:endParaRPr lang="zh-CN" altLang="en-US"/>
-          </a:p>
-          <a:p>
-            <a:r>
-              <a:rPr lang="zh-CN" altLang="en-US"/>
-              <a:t>ECMAScript只支持实现继承，其实现继承主要是靠原型链来实现。在PHP语言中，是使用extend来实现继承。那么我们就先来讲讲原型链。</a:t>
-            </a:r>
-            <a:endParaRPr lang="zh-CN" altLang="en-US"/>
-          </a:p>
-          <a:p>
-            <a:endParaRPr lang="zh-CN" altLang="en-US"/>
-          </a:p>
-          <a:p>
-            <a:r>
-              <a:rPr lang="zh-CN" altLang="en-US"/>
-              <a:t>原型链的基本思想是利用原型让一个引用类型继承另一个引用类型的属性和方法</a:t>
-            </a:r>
             <a:endParaRPr lang="zh-CN" altLang="en-US"/>
           </a:p>
         </p:txBody>
@@ -1640,6 +1652,50 @@
 </file>
 
 <file path=ppt/notesSlides/notesSlide18.xml><?xml version="1.0" encoding="utf-8"?>
+<p:notes xmlns:a="http://schemas.openxmlformats.org/drawingml/2006/main" xmlns:r="http://schemas.openxmlformats.org/officeDocument/2006/relationships" xmlns:p="http://schemas.openxmlformats.org/presentationml/2006/main">
+  <p:cSld>
+    <p:spTree>
+      <p:nvGrpSpPr>
+        <p:cNvPr id="1" name=""/>
+        <p:cNvGrpSpPr/>
+        <p:nvPr/>
+      </p:nvGrpSpPr>
+      <p:grpSpPr/>
+      <p:sp>
+        <p:nvSpPr>
+          <p:cNvPr id="2" name="幻灯片图像占位符 1"/>
+          <p:cNvSpPr/>
+          <p:nvPr>
+            <p:ph type="sldImg" idx="2"/>
+          </p:nvPr>
+        </p:nvSpPr>
+        <p:spPr/>
+      </p:sp>
+      <p:sp>
+        <p:nvSpPr>
+          <p:cNvPr id="3" name="文本占位符 2"/>
+          <p:cNvSpPr/>
+          <p:nvPr>
+            <p:ph type="body" idx="3"/>
+          </p:nvPr>
+        </p:nvSpPr>
+        <p:spPr/>
+        <p:txBody>
+          <a:bodyPr/>
+          <a:p>
+            <a:endParaRPr lang="zh-CN" altLang="en-US"/>
+          </a:p>
+        </p:txBody>
+      </p:sp>
+    </p:spTree>
+  </p:cSld>
+  <p:clrMapOvr>
+    <a:masterClrMapping/>
+  </p:clrMapOvr>
+</p:notes>
+</file>
+
+<file path=ppt/notesSlides/notesSlide19.xml><?xml version="1.0" encoding="utf-8"?>
 <p:notes xmlns:a="http://schemas.openxmlformats.org/drawingml/2006/main" xmlns:r="http://schemas.openxmlformats.org/officeDocument/2006/relationships" xmlns:p="http://schemas.openxmlformats.org/presentationml/2006/main">
   <p:cSld>
     <p:spTree>
@@ -1830,6 +1886,142 @@
               <a:rPr lang="en-US" altLang="zh-CN" smtClean="0"/>
             </a:fld>
             <a:endParaRPr lang="zh-CN" altLang="zh-CN"/>
+          </a:p>
+        </p:txBody>
+      </p:sp>
+    </p:spTree>
+  </p:cSld>
+  <p:clrMapOvr>
+    <a:masterClrMapping/>
+  </p:clrMapOvr>
+</p:notes>
+</file>
+
+<file path=ppt/notesSlides/notesSlide20.xml><?xml version="1.0" encoding="utf-8"?>
+<p:notes xmlns:a="http://schemas.openxmlformats.org/drawingml/2006/main" xmlns:r="http://schemas.openxmlformats.org/officeDocument/2006/relationships" xmlns:p="http://schemas.openxmlformats.org/presentationml/2006/main">
+  <p:cSld>
+    <p:spTree>
+      <p:nvGrpSpPr>
+        <p:cNvPr id="1" name=""/>
+        <p:cNvGrpSpPr/>
+        <p:nvPr/>
+      </p:nvGrpSpPr>
+      <p:grpSpPr/>
+      <p:sp>
+        <p:nvSpPr>
+          <p:cNvPr id="2" name="幻灯片图像占位符 1"/>
+          <p:cNvSpPr/>
+          <p:nvPr>
+            <p:ph type="sldImg" idx="2"/>
+          </p:nvPr>
+        </p:nvSpPr>
+        <p:spPr/>
+      </p:sp>
+      <p:sp>
+        <p:nvSpPr>
+          <p:cNvPr id="3" name="文本占位符 2"/>
+          <p:cNvSpPr/>
+          <p:nvPr>
+            <p:ph type="body" idx="3"/>
+          </p:nvPr>
+        </p:nvSpPr>
+        <p:spPr/>
+        <p:txBody>
+          <a:bodyPr/>
+          <a:p>
+            <a:r>
+              <a:rPr lang="zh-CN" altLang="en-US"/>
+              <a:t> 继承是OO语言中一个重要的特性和概念。许多的OO语言中都支持两种继承方式：接口继承和实现继承。</a:t>
+            </a:r>
+            <a:endParaRPr lang="zh-CN" altLang="en-US"/>
+          </a:p>
+          <a:p>
+            <a:endParaRPr lang="zh-CN" altLang="en-US"/>
+          </a:p>
+          <a:p>
+            <a:r>
+              <a:rPr lang="zh-CN" altLang="en-US"/>
+              <a:t>ECMAScript只支持实现继承，其实现继承主要是靠原型链来实现。在PHP语言中，是使用extend来实现继承。那么我们就先来讲讲原型链。</a:t>
+            </a:r>
+            <a:endParaRPr lang="zh-CN" altLang="en-US"/>
+          </a:p>
+          <a:p>
+            <a:endParaRPr lang="zh-CN" altLang="en-US"/>
+          </a:p>
+          <a:p>
+            <a:r>
+              <a:rPr lang="zh-CN" altLang="en-US"/>
+              <a:t>原型链的基本思想是利用原型让一个引用类型继承另一个引用类型的属性和方法</a:t>
+            </a:r>
+            <a:endParaRPr lang="zh-CN" altLang="en-US"/>
+          </a:p>
+        </p:txBody>
+      </p:sp>
+    </p:spTree>
+  </p:cSld>
+  <p:clrMapOvr>
+    <a:masterClrMapping/>
+  </p:clrMapOvr>
+</p:notes>
+</file>
+
+<file path=ppt/notesSlides/notesSlide21.xml><?xml version="1.0" encoding="utf-8"?>
+<p:notes xmlns:a="http://schemas.openxmlformats.org/drawingml/2006/main" xmlns:r="http://schemas.openxmlformats.org/officeDocument/2006/relationships" xmlns:p="http://schemas.openxmlformats.org/presentationml/2006/main">
+  <p:cSld>
+    <p:spTree>
+      <p:nvGrpSpPr>
+        <p:cNvPr id="1" name=""/>
+        <p:cNvGrpSpPr/>
+        <p:nvPr/>
+      </p:nvGrpSpPr>
+      <p:grpSpPr/>
+      <p:sp>
+        <p:nvSpPr>
+          <p:cNvPr id="2" name="幻灯片图像占位符 1"/>
+          <p:cNvSpPr/>
+          <p:nvPr>
+            <p:ph type="sldImg" idx="2"/>
+          </p:nvPr>
+        </p:nvSpPr>
+        <p:spPr/>
+      </p:sp>
+      <p:sp>
+        <p:nvSpPr>
+          <p:cNvPr id="3" name="文本占位符 2"/>
+          <p:cNvSpPr/>
+          <p:nvPr>
+            <p:ph type="body" idx="3"/>
+          </p:nvPr>
+        </p:nvSpPr>
+        <p:spPr/>
+        <p:txBody>
+          <a:bodyPr/>
+          <a:p>
+            <a:r>
+              <a:rPr lang="zh-CN" altLang="en-US"/>
+              <a:t> 继承是OO语言中一个重要的特性和概念。许多的OO语言中都支持两种继承方式：接口继承和实现继承。</a:t>
+            </a:r>
+            <a:endParaRPr lang="zh-CN" altLang="en-US"/>
+          </a:p>
+          <a:p>
+            <a:endParaRPr lang="zh-CN" altLang="en-US"/>
+          </a:p>
+          <a:p>
+            <a:r>
+              <a:rPr lang="zh-CN" altLang="en-US"/>
+              <a:t>ECMAScript只支持实现继承，其实现继承主要是靠原型链来实现。在PHP语言中，是使用extend来实现继承。那么我们就先来讲讲原型链。</a:t>
+            </a:r>
+            <a:endParaRPr lang="zh-CN" altLang="en-US"/>
+          </a:p>
+          <a:p>
+            <a:endParaRPr lang="zh-CN" altLang="en-US"/>
+          </a:p>
+          <a:p>
+            <a:r>
+              <a:rPr lang="zh-CN" altLang="en-US"/>
+              <a:t>原型链的基本思想是利用原型让一个引用类型继承另一个引用类型的属性和方法</a:t>
+            </a:r>
+            <a:endParaRPr lang="zh-CN" altLang="en-US"/>
           </a:p>
         </p:txBody>
       </p:sp>
@@ -5318,7 +5510,23 @@
                 <a:ea typeface="+mj-ea"/>
                 <a:sym typeface="+mn-ea"/>
               </a:rPr>
-              <a:t>深入理解构造函数及继承</a:t>
+              <a:t>深入理解</a:t>
+            </a:r>
+            <a:r>
+              <a:rPr lang="en-US" altLang="zh-CN">
+                <a:latin typeface="+mj-ea"/>
+                <a:ea typeface="+mj-ea"/>
+                <a:sym typeface="+mn-ea"/>
+              </a:rPr>
+              <a:t>JS</a:t>
+            </a:r>
+            <a:r>
+              <a:rPr lang="zh-CN" altLang="en-US">
+                <a:latin typeface="+mj-ea"/>
+                <a:ea typeface="+mj-ea"/>
+                <a:sym typeface="+mn-ea"/>
+              </a:rPr>
+              <a:t>的继承方式</a:t>
             </a:r>
             <a:endParaRPr lang="zh-CN" altLang="en-US" dirty="0">
               <a:latin typeface="+mj-ea"/>
@@ -6689,6 +6897,165 @@
           </a:prstGeom>
         </p:spPr>
       </p:pic>
+      <p:sp>
+        <p:nvSpPr>
+          <p:cNvPr id="6" name="文本框 5"/>
+          <p:cNvSpPr txBox="1"/>
+          <p:nvPr/>
+        </p:nvSpPr>
+        <p:spPr>
+          <a:xfrm>
+            <a:off x="6122035" y="2475865"/>
+            <a:ext cx="5285740" cy="1106805"/>
+          </a:xfrm>
+          <a:prstGeom prst="rect">
+            <a:avLst/>
+          </a:prstGeom>
+          <a:noFill/>
+        </p:spPr>
+        <p:txBody>
+          <a:bodyPr wrap="square" rtlCol="0">
+            <a:spAutoFit/>
+          </a:bodyPr>
+          <a:p>
+            <a:pPr algn="l"/>
+            <a:r>
+              <a:rPr lang="zh-CN" sz="2200">
+                <a:solidFill>
+                  <a:srgbClr val="FF0000"/>
+                </a:solidFill>
+                <a:latin typeface="+mn-ea"/>
+                <a:ea typeface="+mn-ea"/>
+              </a:rPr>
+              <a:t>思考：这样写</a:t>
+            </a:r>
+            <a:r>
+              <a:rPr lang="en-US" altLang="zh-CN" sz="2200">
+                <a:solidFill>
+                  <a:srgbClr val="FF0000"/>
+                </a:solidFill>
+                <a:latin typeface="+mn-ea"/>
+                <a:ea typeface="+mn-ea"/>
+              </a:rPr>
+              <a:t>name</a:t>
+            </a:r>
+            <a:r>
+              <a:rPr lang="zh-CN" altLang="en-US" sz="2200">
+                <a:solidFill>
+                  <a:srgbClr val="FF0000"/>
+                </a:solidFill>
+                <a:latin typeface="+mn-ea"/>
+                <a:ea typeface="+mn-ea"/>
+              </a:rPr>
+              <a:t>和</a:t>
+            </a:r>
+            <a:r>
+              <a:rPr lang="en-US" altLang="zh-CN" sz="2200">
+                <a:solidFill>
+                  <a:srgbClr val="FF0000"/>
+                </a:solidFill>
+                <a:latin typeface="+mn-ea"/>
+                <a:ea typeface="+mn-ea"/>
+              </a:rPr>
+              <a:t>age</a:t>
+            </a:r>
+            <a:r>
+              <a:rPr lang="zh-CN" altLang="en-US" sz="2200">
+                <a:solidFill>
+                  <a:srgbClr val="FF0000"/>
+                </a:solidFill>
+                <a:latin typeface="+mn-ea"/>
+                <a:ea typeface="+mn-ea"/>
+              </a:rPr>
+              <a:t>相当于给谁添加了属性？</a:t>
+            </a:r>
+            <a:r>
+              <a:rPr lang="zh-CN" sz="2200">
+                <a:solidFill>
+                  <a:srgbClr val="FF0000"/>
+                </a:solidFill>
+                <a:latin typeface="+mn-ea"/>
+                <a:ea typeface="+mn-ea"/>
+                <a:sym typeface="+mn-ea"/>
+              </a:rPr>
+              <a:t>如果</a:t>
+            </a:r>
+            <a:r>
+              <a:rPr lang="en-US" altLang="zh-CN" sz="2200">
+                <a:solidFill>
+                  <a:srgbClr val="FF0000"/>
+                </a:solidFill>
+                <a:latin typeface="+mn-ea"/>
+                <a:ea typeface="+mn-ea"/>
+                <a:sym typeface="+mn-ea"/>
+              </a:rPr>
+              <a:t>name</a:t>
+            </a:r>
+            <a:r>
+              <a:rPr lang="zh-CN" altLang="en-US" sz="2200">
+                <a:solidFill>
+                  <a:srgbClr val="FF0000"/>
+                </a:solidFill>
+                <a:latin typeface="+mn-ea"/>
+                <a:ea typeface="+mn-ea"/>
+                <a:sym typeface="+mn-ea"/>
+              </a:rPr>
+              <a:t>和</a:t>
+            </a:r>
+            <a:r>
+              <a:rPr lang="en-US" altLang="zh-CN" sz="2200">
+                <a:solidFill>
+                  <a:srgbClr val="FF0000"/>
+                </a:solidFill>
+                <a:latin typeface="+mn-ea"/>
+                <a:ea typeface="+mn-ea"/>
+                <a:sym typeface="+mn-ea"/>
+              </a:rPr>
+              <a:t>age</a:t>
+            </a:r>
+            <a:r>
+              <a:rPr lang="zh-CN" altLang="en-US" sz="2200">
+                <a:solidFill>
+                  <a:srgbClr val="FF0000"/>
+                </a:solidFill>
+                <a:latin typeface="+mn-ea"/>
+                <a:ea typeface="+mn-ea"/>
+                <a:sym typeface="+mn-ea"/>
+              </a:rPr>
+              <a:t>属性写在</a:t>
+            </a:r>
+            <a:r>
+              <a:rPr lang="en-US" altLang="zh-CN" sz="2200">
+                <a:solidFill>
+                  <a:srgbClr val="FF0000"/>
+                </a:solidFill>
+                <a:latin typeface="+mn-ea"/>
+                <a:ea typeface="+mn-ea"/>
+                <a:sym typeface="+mn-ea"/>
+              </a:rPr>
+              <a:t>Person</a:t>
+            </a:r>
+            <a:r>
+              <a:rPr lang="zh-CN" altLang="en-US" sz="2200">
+                <a:solidFill>
+                  <a:srgbClr val="FF0000"/>
+                </a:solidFill>
+                <a:latin typeface="+mn-ea"/>
+                <a:ea typeface="+mn-ea"/>
+                <a:sym typeface="+mn-ea"/>
+              </a:rPr>
+              <a:t>构造函数中会怎样？</a:t>
+            </a:r>
+            <a:endParaRPr lang="zh-CN" altLang="en-US" sz="2200">
+              <a:solidFill>
+                <a:srgbClr val="FF0000"/>
+              </a:solidFill>
+              <a:latin typeface="+mn-ea"/>
+              <a:ea typeface="+mn-ea"/>
+            </a:endParaRPr>
+          </a:p>
+        </p:txBody>
+      </p:sp>
     </p:spTree>
   </p:cSld>
   <p:clrMapOvr>
@@ -6697,10 +7064,10 @@
   <p:timing>
     <p:tnLst>
       <p:par>
-        <p:cTn id="1" dur="indefinite" restart="never" nodeType="tmRoot">
+        <p:cTn id="1" dur="indefinite" restart="never" fill="hold" nodeType="tmRoot">
           <p:childTnLst>
             <p:seq concurrent="1" nextAc="seek">
-              <p:cTn id="2" dur="indefinite" nodeType="mainSeq">
+              <p:cTn id="2" dur="indefinite" fill="hold" nodeType="mainSeq">
                 <p:childTnLst>
                   <p:par>
                     <p:cTn id="3" fill="hold">
@@ -6984,6 +7351,88 @@
                             </p:childTnLst>
                           </p:cTn>
                         </p:par>
+                        <p:par>
+                          <p:cTn id="21" fill="hold">
+                            <p:stCondLst>
+                              <p:cond delay="500"/>
+                            </p:stCondLst>
+                            <p:childTnLst>
+                              <p:par>
+                                <p:cTn id="22" presetID="2" presetClass="entr" presetSubtype="4" fill="hold" grpId="0" nodeType="afterEffect">
+                                  <p:stCondLst>
+                                    <p:cond delay="0"/>
+                                  </p:stCondLst>
+                                  <p:childTnLst>
+                                    <p:set>
+                                      <p:cBhvr>
+                                        <p:cTn id="23" dur="1" fill="hold">
+                                          <p:stCondLst>
+                                            <p:cond delay="0"/>
+                                          </p:stCondLst>
+                                        </p:cTn>
+                                        <p:tgtEl>
+                                          <p:spTgt spid="6"/>
+                                        </p:tgtEl>
+                                        <p:attrNameLst>
+                                          <p:attrName>style.visibility</p:attrName>
+                                        </p:attrNameLst>
+                                      </p:cBhvr>
+                                      <p:to>
+                                        <p:strVal val="visible"/>
+                                      </p:to>
+                                    </p:set>
+                                    <p:anim calcmode="lin" valueType="num">
+                                      <p:cBhvr additive="base">
+                                        <p:cTn id="24" dur="500" fill="hold"/>
+                                        <p:tgtEl>
+                                          <p:spTgt spid="6"/>
+                                        </p:tgtEl>
+                                        <p:attrNameLst>
+                                          <p:attrName>ppt_x</p:attrName>
+                                        </p:attrNameLst>
+                                      </p:cBhvr>
+                                      <p:tavLst>
+                                        <p:tav tm="0">
+                                          <p:val>
+                                            <p:strVal val="#ppt_x"/>
+                                          </p:val>
+                                        </p:tav>
+                                        <p:tav tm="100000">
+                                          <p:val>
+                                            <p:strVal val="#ppt_x"/>
+                                          </p:val>
+                                        </p:tav>
+                                      </p:tavLst>
+                                    </p:anim>
+                                    <p:anim calcmode="lin" valueType="num">
+                                      <p:cBhvr additive="base">
+                                        <p:cTn id="25" dur="500" fill="hold"/>
+                                        <p:tgtEl>
+                                          <p:spTgt spid="6"/>
+                                        </p:tgtEl>
+                                        <p:attrNameLst>
+                                          <p:attrName>ppt_y</p:attrName>
+                                        </p:attrNameLst>
+                                      </p:cBhvr>
+                                      <p:tavLst>
+                                        <p:tav tm="0">
+                                          <p:val>
+                                            <p:strVal val="1+#ppt_h/2"/>
+                                          </p:val>
+                                        </p:tav>
+                                        <p:tav tm="100000">
+                                          <p:val>
+                                            <p:strVal val="#ppt_y"/>
+                                          </p:val>
+                                        </p:tav>
+                                      </p:tavLst>
+                                    </p:anim>
+                                  </p:childTnLst>
+                                </p:cTn>
+                              </p:par>
+                            </p:childTnLst>
+                          </p:cTn>
+                        </p:par>
                       </p:childTnLst>
                     </p:cTn>
                   </p:par>
@@ -7008,6 +7457,9 @@
         </p:cTn>
       </p:par>
     </p:tnLst>
+    <p:bldLst>
+      <p:bldP spid="6" grpId="0"/>
+    </p:bldLst>
   </p:timing>
 </p:sld>
 </file>
@@ -7368,7 +7820,7 @@
       </p:sp>
       <p:pic>
         <p:nvPicPr>
-          <p:cNvPr id="5" name="图片 4"/>
+          <p:cNvPr id="4" name="图片 3"/>
           <p:cNvPicPr>
             <a:picLocks noChangeAspect="1"/>
           </p:cNvPicPr>
@@ -7382,8 +7834,8 @@
         </p:blipFill>
         <p:spPr>
           <a:xfrm>
-            <a:off x="1205230" y="2553335"/>
-            <a:ext cx="9284970" cy="2997200"/>
+            <a:off x="1109980" y="2603500"/>
+            <a:ext cx="9971405" cy="3085465"/>
           </a:xfrm>
           <a:prstGeom prst="rect">
             <a:avLst/>
@@ -7398,7 +7850,199 @@
         </p:nvSpPr>
         <p:spPr>
           <a:xfrm>
-            <a:off x="6332855" y="5878195"/>
+            <a:off x="5692775" y="2505710"/>
+            <a:ext cx="5986780" cy="1445260"/>
+          </a:xfrm>
+          <a:prstGeom prst="rect">
+            <a:avLst/>
+          </a:prstGeom>
+          <a:noFill/>
+        </p:spPr>
+        <p:txBody>
+          <a:bodyPr wrap="square" rtlCol="0">
+            <a:spAutoFit/>
+          </a:bodyPr>
+          <a:p>
+            <a:pPr algn="l"/>
+            <a:r>
+              <a:rPr lang="zh-CN" altLang="en-US" sz="2200">
+                <a:solidFill>
+                  <a:srgbClr val="FF0000"/>
+                </a:solidFill>
+                <a:latin typeface="+mn-ea"/>
+                <a:ea typeface="+mn-ea"/>
+              </a:rPr>
+              <a:t>思考：</a:t>
+            </a:r>
+            <a:r>
+              <a:rPr lang="en-US" sz="2200">
+                <a:solidFill>
+                  <a:schemeClr val="tx1"/>
+                </a:solidFill>
+                <a:latin typeface="+mn-ea"/>
+                <a:ea typeface="+mn-ea"/>
+              </a:rPr>
+              <a:t>name</a:t>
+            </a:r>
+            <a:r>
+              <a:rPr lang="zh-CN" altLang="en-US" sz="2200">
+                <a:solidFill>
+                  <a:schemeClr val="tx1"/>
+                </a:solidFill>
+                <a:latin typeface="+mn-ea"/>
+                <a:ea typeface="+mn-ea"/>
+              </a:rPr>
+              <a:t>属性是添加到</a:t>
+            </a:r>
+            <a:r>
+              <a:rPr lang="en-US" altLang="zh-CN" sz="2200">
+                <a:solidFill>
+                  <a:schemeClr val="tx1"/>
+                </a:solidFill>
+                <a:latin typeface="+mn-ea"/>
+                <a:ea typeface="+mn-ea"/>
+              </a:rPr>
+              <a:t>Person.prototype</a:t>
+            </a:r>
+            <a:r>
+              <a:rPr lang="zh-CN" altLang="en-US" sz="2200">
+                <a:solidFill>
+                  <a:schemeClr val="tx1"/>
+                </a:solidFill>
+                <a:latin typeface="+mn-ea"/>
+                <a:ea typeface="+mn-ea"/>
+              </a:rPr>
+              <a:t>上了，还是添加到</a:t>
+            </a:r>
+            <a:r>
+              <a:rPr lang="en-US" altLang="zh-CN" sz="2200">
+                <a:solidFill>
+                  <a:schemeClr val="tx1"/>
+                </a:solidFill>
+                <a:latin typeface="+mn-ea"/>
+                <a:ea typeface="+mn-ea"/>
+              </a:rPr>
+              <a:t>p1</a:t>
+            </a:r>
+            <a:r>
+              <a:rPr lang="zh-CN" altLang="en-US" sz="2200">
+                <a:solidFill>
+                  <a:schemeClr val="tx1"/>
+                </a:solidFill>
+                <a:latin typeface="+mn-ea"/>
+                <a:ea typeface="+mn-ea"/>
+              </a:rPr>
+              <a:t>上了？</a:t>
+            </a:r>
+            <a:endParaRPr lang="zh-CN" altLang="en-US" sz="2200">
+              <a:solidFill>
+                <a:schemeClr val="tx1"/>
+              </a:solidFill>
+              <a:latin typeface="+mn-ea"/>
+              <a:ea typeface="+mn-ea"/>
+            </a:endParaRPr>
+          </a:p>
+          <a:p>
+            <a:pPr algn="l"/>
+            <a:r>
+              <a:rPr lang="zh-CN" altLang="en-US" sz="2200">
+                <a:solidFill>
+                  <a:srgbClr val="FF0000"/>
+                </a:solidFill>
+                <a:latin typeface="+mn-ea"/>
+                <a:ea typeface="+mn-ea"/>
+              </a:rPr>
+              <a:t>推荐写法：</a:t>
+            </a:r>
+            <a:r>
+              <a:rPr lang="zh-CN" altLang="en-US" sz="2200">
+                <a:solidFill>
+                  <a:schemeClr val="tx1"/>
+                </a:solidFill>
+                <a:latin typeface="+mn-ea"/>
+                <a:ea typeface="+mn-ea"/>
+              </a:rPr>
+              <a:t>将</a:t>
+            </a:r>
+            <a:r>
+              <a:rPr lang="zh-CN" altLang="en-US" sz="2200">
+                <a:solidFill>
+                  <a:schemeClr val="accent3"/>
+                </a:solidFill>
+                <a:latin typeface="+mn-ea"/>
+                <a:ea typeface="+mn-ea"/>
+              </a:rPr>
+              <a:t>属性</a:t>
+            </a:r>
+            <a:r>
+              <a:rPr lang="zh-CN" altLang="en-US" sz="2200">
+                <a:solidFill>
+                  <a:schemeClr val="tx1"/>
+                </a:solidFill>
+                <a:latin typeface="+mn-ea"/>
+                <a:ea typeface="+mn-ea"/>
+              </a:rPr>
+              <a:t>写在构造函数中，将</a:t>
+            </a:r>
+            <a:r>
+              <a:rPr lang="zh-CN" altLang="en-US" sz="2200">
+                <a:solidFill>
+                  <a:schemeClr val="accent3"/>
+                </a:solidFill>
+                <a:latin typeface="+mn-ea"/>
+                <a:ea typeface="+mn-ea"/>
+              </a:rPr>
+              <a:t>方法</a:t>
+            </a:r>
+            <a:r>
+              <a:rPr lang="zh-CN" altLang="en-US" sz="2200">
+                <a:solidFill>
+                  <a:schemeClr val="tx1"/>
+                </a:solidFill>
+                <a:latin typeface="+mn-ea"/>
+                <a:ea typeface="+mn-ea"/>
+              </a:rPr>
+              <a:t>添加到对象的原型上（即构造函数的</a:t>
+            </a:r>
+            <a:r>
+              <a:rPr lang="en-US" altLang="zh-CN" sz="2200">
+                <a:solidFill>
+                  <a:schemeClr val="tx1"/>
+                </a:solidFill>
+                <a:latin typeface="+mn-ea"/>
+                <a:ea typeface="+mn-ea"/>
+              </a:rPr>
+              <a:t>prototype</a:t>
+            </a:r>
+            <a:r>
+              <a:rPr lang="zh-CN" altLang="en-US" sz="2200">
+                <a:solidFill>
+                  <a:schemeClr val="tx1"/>
+                </a:solidFill>
+                <a:latin typeface="+mn-ea"/>
+                <a:ea typeface="+mn-ea"/>
+              </a:rPr>
+              <a:t>）</a:t>
+            </a:r>
+            <a:endParaRPr lang="zh-CN" altLang="en-US" sz="2200">
+              <a:solidFill>
+                <a:schemeClr val="tx1"/>
+              </a:solidFill>
+              <a:latin typeface="+mn-ea"/>
+              <a:ea typeface="+mn-ea"/>
+            </a:endParaRPr>
+          </a:p>
+        </p:txBody>
+      </p:sp>
+      <p:sp>
+        <p:nvSpPr>
+          <p:cNvPr id="3" name="文本框 2"/>
+          <p:cNvSpPr txBox="1"/>
+          <p:nvPr/>
+        </p:nvSpPr>
+        <p:spPr>
+          <a:xfrm>
+            <a:off x="6244590" y="6076950"/>
             <a:ext cx="5179060" cy="429895"/>
           </a:xfrm>
           <a:prstGeom prst="rect">
@@ -7594,7 +8238,7 @@
                                           </p:stCondLst>
                                         </p:cTn>
                                         <p:tgtEl>
-                                          <p:spTgt spid="5"/>
+                                          <p:spTgt spid="4"/>
                                         </p:tgtEl>
                                         <p:attrNameLst>
                                           <p:attrName>style.visibility</p:attrName>
@@ -7608,7 +8252,7 @@
                                       <p:cBhvr additive="base">
                                         <p:cTn id="13" dur="500" fill="hold"/>
                                         <p:tgtEl>
-                                          <p:spTgt spid="5"/>
+                                          <p:spTgt spid="4"/>
                                         </p:tgtEl>
                                         <p:attrNameLst>
                                           <p:attrName>ppt_x</p:attrName>
@@ -7631,7 +8275,7 @@
                                       <p:cBhvr additive="base">
                                         <p:cTn id="14" dur="500" fill="hold"/>
                                         <p:tgtEl>
-                                          <p:spTgt spid="5"/>
+                                          <p:spTgt spid="4"/>
                                         </p:tgtEl>
                                         <p:attrNameLst>
                                           <p:attrName>ppt_y</p:attrName>
@@ -7738,6 +8382,88 @@
                             </p:childTnLst>
                           </p:cTn>
                         </p:par>
+                        <p:par>
+                          <p:cTn id="20" fill="hold">
+                            <p:stCondLst>
+                              <p:cond delay="1000"/>
+                            </p:stCondLst>
+                            <p:childTnLst>
+                              <p:par>
+                                <p:cTn id="21" presetID="2" presetClass="entr" presetSubtype="4" fill="hold" grpId="0" nodeType="afterEffect">
+                                  <p:stCondLst>
+                                    <p:cond delay="0"/>
+                                  </p:stCondLst>
+                                  <p:childTnLst>
+                                    <p:set>
+                                      <p:cBhvr>
+                                        <p:cTn id="22" dur="1" fill="hold">
+                                          <p:stCondLst>
+                                            <p:cond delay="0"/>
+                                          </p:stCondLst>
+                                        </p:cTn>
+                                        <p:tgtEl>
+                                          <p:spTgt spid="3"/>
+                                        </p:tgtEl>
+                                        <p:attrNameLst>
+                                          <p:attrName>style.visibility</p:attrName>
+                                        </p:attrNameLst>
+                                      </p:cBhvr>
+                                      <p:to>
+                                        <p:strVal val="visible"/>
+                                      </p:to>
+                                    </p:set>
+                                    <p:anim calcmode="lin" valueType="num">
+                                      <p:cBhvr additive="base">
+                                        <p:cTn id="23" dur="500" fill="hold"/>
+                                        <p:tgtEl>
+                                          <p:spTgt spid="3"/>
+                                        </p:tgtEl>
+                                        <p:attrNameLst>
+                                          <p:attrName>ppt_x</p:attrName>
+                                        </p:attrNameLst>
+                                      </p:cBhvr>
+                                      <p:tavLst>
+                                        <p:tav tm="0">
+                                          <p:val>
+                                            <p:strVal val="#ppt_x"/>
+                                          </p:val>
+                                        </p:tav>
+                                        <p:tav tm="100000">
+                                          <p:val>
+                                            <p:strVal val="#ppt_x"/>
+                                          </p:val>
+                                        </p:tav>
+                                      </p:tavLst>
+                                    </p:anim>
+                                    <p:anim calcmode="lin" valueType="num">
+                                      <p:cBhvr additive="base">
+                                        <p:cTn id="24" dur="500" fill="hold"/>
+                                        <p:tgtEl>
+                                          <p:spTgt spid="3"/>
+                                        </p:tgtEl>
+                                        <p:attrNameLst>
+                                          <p:attrName>ppt_y</p:attrName>
+                                        </p:attrNameLst>
+                                      </p:cBhvr>
+                                      <p:tavLst>
+                                        <p:tav tm="0">
+                                          <p:val>
+                                            <p:strVal val="1+#ppt_h/2"/>
+                                          </p:val>
+                                        </p:tav>
+                                        <p:tav tm="100000">
+                                          <p:val>
+                                            <p:strVal val="#ppt_y"/>
+                                          </p:val>
+                                        </p:tav>
+                                      </p:tavLst>
+                                    </p:anim>
+                                  </p:childTnLst>
+                                </p:cTn>
+                              </p:par>
+                            </p:childTnLst>
+                          </p:cTn>
+                        </p:par>
                       </p:childTnLst>
                     </p:cTn>
                   </p:par>
@@ -7764,6 +8490,7 @@
     </p:tnLst>
     <p:bldLst>
       <p:bldP spid="6" grpId="0"/>
+      <p:bldP spid="3" grpId="0"/>
     </p:bldLst>
   </p:timing>
 </p:sld>
@@ -12953,7 +13680,28 @@
                 <a:latin typeface="+mj-ea"/>
                 <a:ea typeface="+mj-ea"/>
               </a:rPr>
-              <a:t>深入理解构造函数及继承</a:t>
+              <a:t>深入理解</a:t>
+            </a:r>
+            <a:r>
+              <a:rPr lang="en-US" altLang="zh-CN">
+                <a:latin typeface="+mj-ea"/>
+                <a:ea typeface="+mj-ea"/>
+              </a:rPr>
+              <a:t>JS</a:t>
+            </a:r>
+            <a:r>
+              <a:rPr lang="zh-CN" altLang="en-US">
+                <a:latin typeface="+mj-ea"/>
+                <a:ea typeface="+mj-ea"/>
+              </a:rPr>
+              <a:t>的</a:t>
+            </a:r>
+            <a:r>
+              <a:rPr lang="zh-CN" altLang="en-US">
+                <a:latin typeface="+mj-ea"/>
+                <a:ea typeface="+mj-ea"/>
+              </a:rPr>
+              <a:t>继承方式</a:t>
             </a:r>
             <a:endParaRPr lang="zh-CN" altLang="en-US" dirty="0">
               <a:latin typeface="+mj-ea"/>
@@ -13158,17 +13906,62 @@
               <a:buChar char="Ø"/>
             </a:pPr>
             <a:r>
+              <a:rPr lang="en-US" altLang="zh-CN" sz="2800" b="1">
+                <a:solidFill>
+                  <a:srgbClr val="FF0000"/>
+                </a:solidFill>
+                <a:sym typeface="+mn-ea"/>
+              </a:rPr>
+              <a:t>JS</a:t>
+            </a:r>
+            <a:r>
               <a:rPr lang="zh-CN" altLang="en-US" sz="2800" b="1">
                 <a:solidFill>
-                  <a:schemeClr val="tx1"/>
-                </a:solidFill>
-                <a:sym typeface="+mn-ea"/>
-              </a:rPr>
-              <a:t>构造函数</a:t>
+                  <a:srgbClr val="FF0000"/>
+                </a:solidFill>
+                <a:sym typeface="+mn-ea"/>
+              </a:rPr>
+              <a:t>对象</a:t>
+            </a:r>
+            <a:r>
+              <a:rPr lang="en-US" altLang="zh-CN" sz="2800" b="1">
+                <a:solidFill>
+                  <a:srgbClr val="FF0000"/>
+                </a:solidFill>
+                <a:sym typeface="+mn-ea"/>
+              </a:rPr>
+              <a:t>-</a:t>
+            </a:r>
+            <a:r>
+              <a:rPr lang="zh-CN" altLang="en-US" sz="2800" b="1">
+                <a:solidFill>
+                  <a:srgbClr val="FF0000"/>
+                </a:solidFill>
+                <a:sym typeface="+mn-ea"/>
+              </a:rPr>
+              <a:t>对象</a:t>
+            </a:r>
+            <a:r>
+              <a:rPr lang="zh-CN" altLang="en-US" sz="2800" b="1">
+                <a:solidFill>
+                  <a:srgbClr val="FF0000"/>
+                </a:solidFill>
+                <a:sym typeface="+mn-ea"/>
+              </a:rPr>
+              <a:t>原型</a:t>
+            </a:r>
+            <a:r>
+              <a:rPr lang="zh-CN" altLang="en-US" sz="2800" b="1">
+                <a:solidFill>
+                  <a:srgbClr val="FF0000"/>
+                </a:solidFill>
+                <a:sym typeface="+mn-ea"/>
+              </a:rPr>
+              <a:t>继承</a:t>
             </a:r>
             <a:endParaRPr lang="zh-CN" altLang="en-US" sz="2800" b="1">
               <a:solidFill>
-                <a:schemeClr val="tx1"/>
+                <a:srgbClr val="FF0000"/>
               </a:solidFill>
               <a:sym typeface="+mn-ea"/>
             </a:endParaRPr>
@@ -13193,15 +13986,102 @@
             <a:r>
               <a:rPr lang="zh-CN" altLang="en-US" sz="2800" b="1">
                 <a:solidFill>
-                  <a:srgbClr val="FF0000"/>
-                </a:solidFill>
-                <a:sym typeface="+mn-ea"/>
-              </a:rPr>
-              <a:t>构造函数之间的继承</a:t>
+                  <a:schemeClr val="tx1"/>
+                </a:solidFill>
+                <a:sym typeface="+mn-ea"/>
+              </a:rPr>
+              <a:t>通过构造函数模拟类</a:t>
+            </a:r>
+            <a:r>
+              <a:rPr lang="en-US" altLang="zh-CN" sz="2800" b="1">
+                <a:solidFill>
+                  <a:schemeClr val="tx1"/>
+                </a:solidFill>
+                <a:sym typeface="+mn-ea"/>
+              </a:rPr>
+              <a:t>-</a:t>
+            </a:r>
+            <a:r>
+              <a:rPr lang="zh-CN" altLang="en-US" sz="2800" b="1">
+                <a:solidFill>
+                  <a:schemeClr val="tx1"/>
+                </a:solidFill>
+                <a:sym typeface="+mn-ea"/>
+              </a:rPr>
+              <a:t>类</a:t>
+            </a:r>
+            <a:r>
+              <a:rPr lang="zh-CN" altLang="en-US" sz="2800" b="1">
+                <a:solidFill>
+                  <a:schemeClr val="tx1"/>
+                </a:solidFill>
+                <a:sym typeface="+mn-ea"/>
+              </a:rPr>
+              <a:t>的</a:t>
+            </a:r>
+            <a:r>
+              <a:rPr lang="zh-CN" altLang="en-US" sz="2800" b="1">
+                <a:solidFill>
+                  <a:schemeClr val="tx1"/>
+                </a:solidFill>
+                <a:sym typeface="+mn-ea"/>
+              </a:rPr>
+              <a:t>继承</a:t>
             </a:r>
             <a:endParaRPr lang="zh-CN" altLang="en-US" sz="2800" b="1">
               <a:solidFill>
-                <a:srgbClr val="FF0000"/>
+                <a:schemeClr val="tx1"/>
+              </a:solidFill>
+              <a:sym typeface="+mn-ea"/>
+            </a:endParaRPr>
+          </a:p>
+          <a:p>
+            <a:pPr algn="l">
+              <a:lnSpc>
+                <a:spcPct val="150000"/>
+              </a:lnSpc>
+              <a:spcBef>
+                <a:spcPts val="1200"/>
+              </a:spcBef>
+              <a:spcAft>
+                <a:spcPts val="1200"/>
+              </a:spcAft>
+              <a:buClr>
+                <a:srgbClr val="92D050"/>
+              </a:buClr>
+              <a:buFont typeface="Wingdings" panose="05000000000000000000" pitchFamily="2" charset="2"/>
+              <a:buChar char="Ø"/>
+            </a:pPr>
+            <a:r>
+              <a:rPr lang="en-US" altLang="zh-CN" sz="2800" b="1">
+                <a:solidFill>
+                  <a:schemeClr val="tx1"/>
+                </a:solidFill>
+                <a:sym typeface="+mn-ea"/>
+              </a:rPr>
+              <a:t>JS</a:t>
+            </a:r>
+            <a:r>
+              <a:rPr lang="zh-CN" altLang="en-US" sz="2800" b="1">
+                <a:solidFill>
+                  <a:schemeClr val="tx1"/>
+                </a:solidFill>
+                <a:sym typeface="+mn-ea"/>
+              </a:rPr>
+              <a:t>继承</a:t>
+            </a:r>
+            <a:r>
+              <a:rPr lang="zh-CN" altLang="en-US" sz="2800" b="1">
+                <a:solidFill>
+                  <a:schemeClr val="tx1"/>
+                </a:solidFill>
+                <a:sym typeface="+mn-ea"/>
+              </a:rPr>
+              <a:t>补充部分</a:t>
+            </a:r>
+            <a:endParaRPr lang="zh-CN" altLang="en-US" sz="2800" b="1">
+              <a:solidFill>
+                <a:schemeClr val="tx1"/>
               </a:solidFill>
               <a:sym typeface="+mn-ea"/>
             </a:endParaRPr>
@@ -13470,8 +14350,8 @@
         </p:nvSpPr>
         <p:spPr>
           <a:xfrm>
-            <a:off x="1143000" y="855345"/>
-            <a:ext cx="9776460" cy="4918710"/>
+            <a:off x="927735" y="783590"/>
+            <a:ext cx="10396220" cy="5253990"/>
           </a:xfrm>
         </p:spPr>
         <p:txBody>
@@ -13480,182 +14360,166 @@
           <a:p>
             <a:pPr>
               <a:lnSpc>
-                <a:spcPct val="160000"/>
+                <a:spcPct val="140000"/>
               </a:lnSpc>
             </a:pPr>
             <a:r>
-              <a:rPr lang="zh-CN" altLang="en-US" dirty="0" smtClean="0">
-                <a:solidFill>
-                  <a:schemeClr val="tx1"/>
-                </a:solidFill>
-                <a:sym typeface="+mn-ea"/>
-              </a:rPr>
-              <a:t>（</a:t>
-            </a:r>
-            <a:r>
-              <a:rPr lang="en-US" altLang="zh-CN" dirty="0" smtClean="0">
-                <a:solidFill>
-                  <a:schemeClr val="tx1"/>
-                </a:solidFill>
-                <a:sym typeface="+mn-ea"/>
-              </a:rPr>
-              <a:t>ES5</a:t>
-            </a:r>
-            <a:r>
-              <a:rPr lang="zh-CN" altLang="en-US" dirty="0" smtClean="0">
-                <a:solidFill>
-                  <a:schemeClr val="tx1"/>
-                </a:solidFill>
-                <a:sym typeface="+mn-ea"/>
-              </a:rPr>
-              <a:t>）</a:t>
-            </a:r>
-            <a:r>
-              <a:rPr lang="zh-CN" altLang="en-US" dirty="0">
-                <a:solidFill>
-                  <a:schemeClr val="tx1"/>
-                </a:solidFill>
-                <a:sym typeface="+mn-ea"/>
-              </a:rPr>
-              <a:t>基于原型的继承方式（实现继承、非接口继承）</a:t>
+              <a:rPr lang="en-US" sz="3200" dirty="0">
+                <a:solidFill>
+                  <a:schemeClr val="tx1"/>
+                </a:solidFill>
+                <a:sym typeface="+mn-ea"/>
+              </a:rPr>
+              <a:t>JavaScript</a:t>
+            </a:r>
+            <a:r>
+              <a:rPr lang="zh-CN" altLang="en-US" sz="3200" dirty="0">
+                <a:solidFill>
+                  <a:schemeClr val="tx1"/>
+                </a:solidFill>
+                <a:sym typeface="+mn-ea"/>
+              </a:rPr>
+              <a:t>的原型继承是</a:t>
+            </a:r>
+            <a:r>
+              <a:rPr lang="zh-CN" altLang="en-US" sz="3200" dirty="0">
+                <a:solidFill>
+                  <a:srgbClr val="FF0000"/>
+                </a:solidFill>
+                <a:sym typeface="+mn-ea"/>
+              </a:rPr>
+              <a:t>对象</a:t>
+            </a:r>
+            <a:r>
+              <a:rPr lang="en-US" altLang="zh-CN" sz="3200" dirty="0">
+                <a:solidFill>
+                  <a:srgbClr val="FF0000"/>
+                </a:solidFill>
+                <a:sym typeface="+mn-ea"/>
+              </a:rPr>
+              <a:t>-</a:t>
+            </a:r>
+            <a:r>
+              <a:rPr lang="zh-CN" altLang="en-US" sz="3200" dirty="0">
+                <a:solidFill>
+                  <a:srgbClr val="FF0000"/>
+                </a:solidFill>
+                <a:sym typeface="+mn-ea"/>
+              </a:rPr>
+              <a:t>对象</a:t>
+            </a:r>
+            <a:r>
+              <a:rPr lang="zh-CN" altLang="en-US" sz="3200" dirty="0">
+                <a:solidFill>
+                  <a:schemeClr val="tx1"/>
+                </a:solidFill>
+                <a:sym typeface="+mn-ea"/>
+              </a:rPr>
+              <a:t>的继承</a:t>
             </a:r>
             <a:br>
-              <a:rPr lang="zh-CN" altLang="en-US" dirty="0">
-                <a:solidFill>
-                  <a:schemeClr val="tx1"/>
-                </a:solidFill>
-                <a:sym typeface="+mn-ea"/>
+              <a:rPr lang="zh-CN" altLang="en-US" sz="3200" dirty="0">
+                <a:solidFill>
+                  <a:schemeClr val="tx1"/>
+                </a:solidFill>
               </a:rPr>
             </a:br>
             <a:r>
-              <a:rPr lang="en-US" altLang="zh-CN" sz="1800" dirty="0">
-                <a:solidFill>
-                  <a:schemeClr val="tx1"/>
-                </a:solidFill>
-                <a:sym typeface="+mn-ea"/>
-              </a:rPr>
-              <a:t>- 只有对象,没有类</a:t>
-            </a:r>
-            <a:r>
-              <a:rPr lang="zh-CN" altLang="en-US" sz="1800" dirty="0">
-                <a:solidFill>
-                  <a:schemeClr val="tx1"/>
-                </a:solidFill>
-                <a:sym typeface="+mn-ea"/>
-              </a:rPr>
-              <a:t>（</a:t>
-            </a:r>
-            <a:r>
-              <a:rPr lang="zh-CN" altLang="en-US" sz="1800" dirty="0">
-                <a:solidFill>
-                  <a:srgbClr val="FF0000"/>
-                </a:solidFill>
-                <a:sym typeface="+mn-ea"/>
-              </a:rPr>
-              <a:t>构造函数充当了类的角色</a:t>
-            </a:r>
-            <a:r>
-              <a:rPr lang="zh-CN" altLang="en-US" sz="1800" dirty="0">
-                <a:solidFill>
-                  <a:schemeClr val="tx1"/>
-                </a:solidFill>
-                <a:sym typeface="+mn-ea"/>
-              </a:rPr>
-              <a:t>，是原型与新对象之间的桥梁）</a:t>
-            </a:r>
-            <a:r>
-              <a:rPr lang="en-US" altLang="zh-CN" sz="1800" dirty="0">
-                <a:solidFill>
-                  <a:schemeClr val="tx1"/>
-                </a:solidFill>
-                <a:sym typeface="+mn-ea"/>
-              </a:rPr>
-              <a:t>;对象</a:t>
-            </a:r>
-            <a:r>
-              <a:rPr lang="zh-CN" altLang="en-US" sz="1800" dirty="0">
-                <a:solidFill>
-                  <a:schemeClr val="tx1"/>
-                </a:solidFill>
-                <a:sym typeface="+mn-ea"/>
-              </a:rPr>
-              <a:t>之间的继承</a:t>
+              <a:rPr lang="en-US" altLang="zh-CN" sz="2000" dirty="0">
+                <a:solidFill>
+                  <a:schemeClr val="tx1"/>
+                </a:solidFill>
+              </a:rPr>
+              <a:t>- </a:t>
+            </a:r>
+            <a:r>
+              <a:rPr lang="zh-CN" altLang="en-US" sz="2000" dirty="0">
+                <a:solidFill>
+                  <a:schemeClr val="tx1"/>
+                </a:solidFill>
+              </a:rPr>
+              <a:t>每个对象都有一个原型对象，最原始的原型是</a:t>
+            </a:r>
+            <a:r>
+              <a:rPr lang="en-US" altLang="zh-CN" sz="2000" dirty="0">
+                <a:solidFill>
+                  <a:schemeClr val="tx1"/>
+                </a:solidFill>
+              </a:rPr>
+              <a:t>null</a:t>
             </a:r>
             <a:br>
-              <a:rPr lang="en-US" altLang="zh-CN" sz="1800" dirty="0">
-                <a:solidFill>
-                  <a:schemeClr val="tx1"/>
-                </a:solidFill>
-                <a:sym typeface="+mn-ea"/>
+              <a:rPr lang="zh-CN" altLang="en-US" sz="2000" dirty="0">
+                <a:solidFill>
+                  <a:schemeClr val="tx1"/>
+                </a:solidFill>
               </a:rPr>
             </a:br>
             <a:r>
-              <a:rPr lang="en-US" altLang="zh-CN" sz="1800" dirty="0">
-                <a:solidFill>
-                  <a:schemeClr val="tx1"/>
-                </a:solidFill>
-                <a:sym typeface="+mn-ea"/>
-              </a:rPr>
-              <a:t>- 原型对象是新对象的模板，它将自身的属性共享给新对象</a:t>
-            </a:r>
-            <a:r>
-              <a:rPr lang="zh-CN" altLang="en-US" sz="1800" dirty="0">
-                <a:solidFill>
-                  <a:schemeClr val="tx1"/>
-                </a:solidFill>
-                <a:sym typeface="+mn-ea"/>
-              </a:rPr>
-              <a:t>（</a:t>
-            </a:r>
-            <a:r>
-              <a:rPr lang="en-US" altLang="zh-CN" sz="1800" dirty="0">
-                <a:solidFill>
-                  <a:srgbClr val="FF0000"/>
-                </a:solidFill>
-                <a:sym typeface="+mn-ea"/>
-              </a:rPr>
-              <a:t>原型对象</a:t>
-            </a:r>
-            <a:r>
-              <a:rPr lang="en-US" altLang="zh-CN" sz="1800" dirty="0">
-                <a:solidFill>
-                  <a:schemeClr val="tx1"/>
-                </a:solidFill>
-                <a:sym typeface="+mn-ea"/>
-              </a:rPr>
-              <a:t>是原型语言的核心</a:t>
-            </a:r>
-            <a:r>
-              <a:rPr lang="zh-CN" altLang="en-US" sz="1800" dirty="0">
-                <a:solidFill>
-                  <a:schemeClr val="tx1"/>
-                </a:solidFill>
-                <a:sym typeface="+mn-ea"/>
-              </a:rPr>
-              <a:t>）</a:t>
-            </a:r>
-            <a:br>
-              <a:rPr lang="en-US" altLang="zh-CN" sz="1800" dirty="0">
-                <a:solidFill>
-                  <a:schemeClr val="tx1"/>
-                </a:solidFill>
-                <a:sym typeface="+mn-ea"/>
-              </a:rPr>
-            </a:br>
-            <a:r>
-              <a:rPr lang="en-US" altLang="zh-CN" sz="1800" dirty="0">
-                <a:solidFill>
-                  <a:schemeClr val="tx1"/>
-                </a:solidFill>
-                <a:sym typeface="+mn-ea"/>
-              </a:rPr>
-              <a:t>- 一个对象不但可以享有自己创建时和运行时定义的属性，而且可以享有原型对象的属性</a:t>
-            </a:r>
-            <a:endParaRPr lang="en-US" altLang="zh-CN" sz="1800" dirty="0">
+              <a:rPr lang="en-US" altLang="zh-CN" sz="2000" dirty="0">
+                <a:solidFill>
+                  <a:schemeClr val="tx1"/>
+                </a:solidFill>
+              </a:rPr>
+              <a:t>- </a:t>
+            </a:r>
+            <a:r>
+              <a:rPr lang="zh-CN" sz="2000" dirty="0">
+                <a:solidFill>
+                  <a:schemeClr val="tx1"/>
+                </a:solidFill>
+                <a:sym typeface="+mn-ea"/>
+              </a:rPr>
+              <a:t>多个对象继承与一个原型时，存在</a:t>
+            </a:r>
+            <a:r>
+              <a:rPr lang="zh-CN" sz="2000" dirty="0">
+                <a:solidFill>
+                  <a:schemeClr val="accent3"/>
+                </a:solidFill>
+                <a:sym typeface="+mn-ea"/>
+              </a:rPr>
+              <a:t>原型共享</a:t>
+            </a:r>
+            <a:r>
+              <a:rPr lang="zh-CN" sz="2000" dirty="0">
+                <a:solidFill>
+                  <a:schemeClr val="tx1"/>
+                </a:solidFill>
+                <a:sym typeface="+mn-ea"/>
+              </a:rPr>
+              <a:t>问题</a:t>
+            </a:r>
+            <a:endParaRPr lang="zh-CN" altLang="en-US" sz="2000" dirty="0">
               <a:solidFill>
                 <a:schemeClr val="tx1"/>
               </a:solidFill>
               <a:sym typeface="+mn-ea"/>
+            </a:endParaRPr>
+          </a:p>
+          <a:p>
+            <a:pPr marL="168275" lvl="1" indent="0">
+              <a:lnSpc>
+                <a:spcPct val="150000"/>
+              </a:lnSpc>
+              <a:buNone/>
+            </a:pPr>
+            <a:endParaRPr lang="zh-CN" altLang="en-US" sz="2200" dirty="0">
+              <a:sym typeface="+mn-ea"/>
+            </a:endParaRPr>
+          </a:p>
+          <a:p>
+            <a:pPr marL="168275" lvl="1" indent="0">
+              <a:lnSpc>
+                <a:spcPct val="150000"/>
+              </a:lnSpc>
+              <a:buNone/>
+            </a:pPr>
+            <a:endParaRPr lang="en-US" altLang="zh-CN" sz="3200" dirty="0">
+              <a:solidFill>
+                <a:srgbClr val="006F53"/>
+              </a:solidFill>
+              <a:cs typeface="+mn-cs"/>
             </a:endParaRPr>
           </a:p>
         </p:txBody>
@@ -13670,37 +14534,83 @@
             <p:ph sz="quarter" idx="11"/>
           </p:nvPr>
         </p:nvSpPr>
-        <p:spPr/>
+        <p:spPr>
+          <a:xfrm>
+            <a:off x="947420" y="236855"/>
+            <a:ext cx="10059670" cy="490220"/>
+          </a:xfrm>
+        </p:spPr>
         <p:txBody>
           <a:bodyPr/>
           <a:lstStyle/>
           <a:p>
             <a:r>
-              <a:rPr lang="en-US" dirty="0"/>
-              <a:t>JavaScript</a:t>
-            </a:r>
-            <a:r>
-              <a:rPr lang="zh-CN" altLang="en-US" dirty="0"/>
-              <a:t>的继承方式</a:t>
-            </a:r>
-            <a:r>
-              <a:rPr lang="en-US" altLang="zh-CN" dirty="0"/>
-              <a:t>-</a:t>
-            </a:r>
-            <a:r>
-              <a:rPr lang="zh-CN" altLang="en-US" dirty="0"/>
-              <a:t>原型链</a:t>
-            </a:r>
-            <a:endParaRPr lang="zh-CN" altLang="en-US" dirty="0"/>
-          </a:p>
-          <a:p>
-            <a:endParaRPr lang="zh-CN" altLang="en-US" dirty="0"/>
+              <a:rPr kumimoji="0" lang="zh-CN" altLang="en-US" dirty="0">
+                <a:sym typeface="+mn-ea"/>
+              </a:rPr>
+              <a:t>JS原型继承的方式及其优缺点</a:t>
+            </a:r>
+            <a:endParaRPr lang="zh-CN" altLang="en-US" dirty="0" smtClean="0">
+              <a:sym typeface="+mn-ea"/>
+            </a:endParaRPr>
+          </a:p>
+        </p:txBody>
+      </p:sp>
+      <p:sp>
+        <p:nvSpPr>
+          <p:cNvPr id="6" name="文本框 5"/>
+          <p:cNvSpPr txBox="1"/>
+          <p:nvPr/>
+        </p:nvSpPr>
+        <p:spPr>
+          <a:xfrm>
+            <a:off x="6229350" y="6036945"/>
+            <a:ext cx="5420360" cy="429895"/>
+          </a:xfrm>
+          <a:prstGeom prst="rect">
+            <a:avLst/>
+          </a:prstGeom>
+          <a:noFill/>
+        </p:spPr>
+        <p:txBody>
+          <a:bodyPr wrap="square" rtlCol="0">
+            <a:spAutoFit/>
+          </a:bodyPr>
+          <a:p>
+            <a:pPr algn="l"/>
+            <a:r>
+              <a:rPr lang="zh-CN" altLang="en-US" sz="2200">
+                <a:solidFill>
+                  <a:srgbClr val="FF0000"/>
+                </a:solidFill>
+                <a:latin typeface="+mn-ea"/>
+                <a:ea typeface="+mn-ea"/>
+              </a:rPr>
+              <a:t>参见实例</a:t>
+            </a:r>
+            <a:r>
+              <a:rPr lang="en-US" altLang="zh-CN" sz="2200">
+                <a:solidFill>
+                  <a:srgbClr val="FF0000"/>
+                </a:solidFill>
+                <a:latin typeface="+mn-ea"/>
+                <a:ea typeface="+mn-ea"/>
+              </a:rPr>
+              <a:t>demo</a:t>
+            </a:r>
+            <a:endParaRPr lang="zh-CN" altLang="en-US" sz="2200">
+              <a:solidFill>
+                <a:srgbClr val="FF0000"/>
+              </a:solidFill>
+              <a:latin typeface="+mn-ea"/>
+              <a:ea typeface="+mn-ea"/>
+            </a:endParaRPr>
           </a:p>
         </p:txBody>
       </p:sp>
       <p:pic>
         <p:nvPicPr>
-          <p:cNvPr id="4" name="图片 3" descr="@0G1~S21{$NEU_}3FA@Y@UR"/>
+          <p:cNvPr id="4" name="图片 3"/>
           <p:cNvPicPr>
             <a:picLocks noChangeAspect="1"/>
           </p:cNvPicPr>
@@ -13714,91 +14624,14 @@
         </p:blipFill>
         <p:spPr>
           <a:xfrm>
-            <a:off x="1266825" y="3041015"/>
-            <a:ext cx="6005830" cy="2906395"/>
+            <a:off x="1141730" y="2464435"/>
+            <a:ext cx="7463790" cy="3422015"/>
           </a:xfrm>
           <a:prstGeom prst="rect">
             <a:avLst/>
           </a:prstGeom>
         </p:spPr>
       </p:pic>
-      <p:pic>
-        <p:nvPicPr>
-          <p:cNvPr id="5" name="图片 4" descr="SI_Q@A2ZC6GKO{RVYTE]I1L"/>
-          <p:cNvPicPr>
-            <a:picLocks noChangeAspect="1"/>
-          </p:cNvPicPr>
-          <p:nvPr/>
-        </p:nvPicPr>
-        <p:blipFill>
-          <a:blip r:embed="rId2"/>
-          <a:stretch>
-            <a:fillRect/>
-          </a:stretch>
-        </p:blipFill>
-        <p:spPr>
-          <a:xfrm>
-            <a:off x="7272655" y="3041015"/>
-            <a:ext cx="3343275" cy="2148840"/>
-          </a:xfrm>
-          <a:prstGeom prst="rect">
-            <a:avLst/>
-          </a:prstGeom>
-        </p:spPr>
-      </p:pic>
-      <p:sp>
-        <p:nvSpPr>
-          <p:cNvPr id="9" name="文本框 8"/>
-          <p:cNvSpPr txBox="1"/>
-          <p:nvPr/>
-        </p:nvSpPr>
-        <p:spPr>
-          <a:xfrm>
-            <a:off x="7454900" y="5395595"/>
-            <a:ext cx="3315335" cy="450215"/>
-          </a:xfrm>
-          <a:prstGeom prst="rect">
-            <a:avLst/>
-          </a:prstGeom>
-          <a:noFill/>
-        </p:spPr>
-        <p:txBody>
-          <a:bodyPr wrap="square" rtlCol="0">
-            <a:spAutoFit/>
-          </a:bodyPr>
-          <a:p>
-            <a:r>
-              <a:rPr lang="zh-CN" altLang="en-US" sz="2200">
-                <a:solidFill>
-                  <a:schemeClr val="tx1"/>
-                </a:solidFill>
-              </a:rPr>
-              <a:t>最终输出的</a:t>
-            </a:r>
-            <a:r>
-              <a:rPr lang="en-US" altLang="zh-CN" sz="2200">
-                <a:solidFill>
-                  <a:schemeClr val="tx1"/>
-                </a:solidFill>
-              </a:rPr>
-              <a:t>aStudent</a:t>
-            </a:r>
-            <a:r>
-              <a:rPr lang="zh-CN" altLang="en-US" sz="2200">
-                <a:solidFill>
-                  <a:schemeClr val="tx1"/>
-                </a:solidFill>
-              </a:rPr>
-              <a:t>对象</a:t>
-            </a:r>
-            <a:endParaRPr lang="zh-CN" altLang="en-US" sz="2200">
-              <a:solidFill>
-                <a:schemeClr val="tx1"/>
-              </a:solidFill>
-            </a:endParaRPr>
-          </a:p>
-        </p:txBody>
-      </p:sp>
     </p:spTree>
   </p:cSld>
   <p:clrMapOvr>
@@ -13807,9 +14640,220 @@
   <p:timing>
     <p:tnLst>
       <p:par>
-        <p:cTn id="1" dur="indefinite" restart="never" nodeType="tmRoot"/>
+        <p:cTn id="1" dur="indefinite" restart="never" nodeType="tmRoot">
+          <p:childTnLst>
+            <p:seq concurrent="1" nextAc="seek">
+              <p:cTn id="2" dur="indefinite" nodeType="mainSeq">
+                <p:childTnLst>
+                  <p:par>
+                    <p:cTn id="3" fill="hold">
+                      <p:stCondLst>
+                        <p:cond delay="indefinite"/>
+                      </p:stCondLst>
+                      <p:childTnLst>
+                        <p:par>
+                          <p:cTn id="4" fill="hold">
+                            <p:stCondLst>
+                              <p:cond delay="0"/>
+                            </p:stCondLst>
+                            <p:childTnLst>
+                              <p:par>
+                                <p:cTn id="5" presetID="2" presetClass="entr" presetSubtype="4" fill="hold" nodeType="clickEffect">
+                                  <p:stCondLst>
+                                    <p:cond delay="0"/>
+                                  </p:stCondLst>
+                                  <p:childTnLst>
+                                    <p:set>
+                                      <p:cBhvr>
+                                        <p:cTn id="6" dur="1" fill="hold">
+                                          <p:stCondLst>
+                                            <p:cond delay="0"/>
+                                          </p:stCondLst>
+                                        </p:cTn>
+                                        <p:tgtEl>
+                                          <p:spTgt spid="2">
+                                            <p:txEl>
+                                              <p:pRg st="0" end="0"/>
+                                            </p:txEl>
+                                          </p:spTgt>
+                                        </p:tgtEl>
+                                        <p:attrNameLst>
+                                          <p:attrName>style.visibility</p:attrName>
+                                        </p:attrNameLst>
+                                      </p:cBhvr>
+                                      <p:to>
+                                        <p:strVal val="visible"/>
+                                      </p:to>
+                                    </p:set>
+                                    <p:anim calcmode="lin" valueType="num">
+                                      <p:cBhvr additive="base">
+                                        <p:cTn id="7" dur="500" fill="hold"/>
+                                        <p:tgtEl>
+                                          <p:spTgt spid="2">
+                                            <p:txEl>
+                                              <p:pRg st="0" end="0"/>
+                                            </p:txEl>
+                                          </p:spTgt>
+                                        </p:tgtEl>
+                                        <p:attrNameLst>
+                                          <p:attrName>ppt_x</p:attrName>
+                                        </p:attrNameLst>
+                                      </p:cBhvr>
+                                      <p:tavLst>
+                                        <p:tav tm="0">
+                                          <p:val>
+                                            <p:strVal val="#ppt_x"/>
+                                          </p:val>
+                                        </p:tav>
+                                        <p:tav tm="100000">
+                                          <p:val>
+                                            <p:strVal val="#ppt_x"/>
+                                          </p:val>
+                                        </p:tav>
+                                      </p:tavLst>
+                                    </p:anim>
+                                    <p:anim calcmode="lin" valueType="num">
+                                      <p:cBhvr additive="base">
+                                        <p:cTn id="8" dur="500" fill="hold"/>
+                                        <p:tgtEl>
+                                          <p:spTgt spid="2">
+                                            <p:txEl>
+                                              <p:pRg st="0" end="0"/>
+                                            </p:txEl>
+                                          </p:spTgt>
+                                        </p:tgtEl>
+                                        <p:attrNameLst>
+                                          <p:attrName>ppt_y</p:attrName>
+                                        </p:attrNameLst>
+                                      </p:cBhvr>
+                                      <p:tavLst>
+                                        <p:tav tm="0">
+                                          <p:val>
+                                            <p:strVal val="1+#ppt_h/2"/>
+                                          </p:val>
+                                        </p:tav>
+                                        <p:tav tm="100000">
+                                          <p:val>
+                                            <p:strVal val="#ppt_y"/>
+                                          </p:val>
+                                        </p:tav>
+                                      </p:tavLst>
+                                    </p:anim>
+                                  </p:childTnLst>
+                                </p:cTn>
+                              </p:par>
+                            </p:childTnLst>
+                          </p:cTn>
+                        </p:par>
+                        <p:par>
+                          <p:cTn id="9" fill="hold">
+                            <p:stCondLst>
+                              <p:cond delay="500"/>
+                            </p:stCondLst>
+                            <p:childTnLst>
+                              <p:par>
+                                <p:cTn id="10" presetID="2" presetClass="entr" presetSubtype="4" fill="hold" grpId="0" nodeType="afterEffect">
+                                  <p:stCondLst>
+                                    <p:cond delay="0"/>
+                                  </p:stCondLst>
+                                  <p:childTnLst>
+                                    <p:set>
+                                      <p:cBhvr>
+                                        <p:cTn id="11" dur="1" fill="hold">
+                                          <p:stCondLst>
+                                            <p:cond delay="0"/>
+                                          </p:stCondLst>
+                                        </p:cTn>
+                                        <p:tgtEl>
+                                          <p:spTgt spid="6"/>
+                                        </p:tgtEl>
+                                        <p:attrNameLst>
+                                          <p:attrName>style.visibility</p:attrName>
+                                        </p:attrNameLst>
+                                      </p:cBhvr>
+                                      <p:to>
+                                        <p:strVal val="visible"/>
+                                      </p:to>
+                                    </p:set>
+                                    <p:anim calcmode="lin" valueType="num">
+                                      <p:cBhvr additive="base">
+                                        <p:cTn id="12" dur="500" fill="hold"/>
+                                        <p:tgtEl>
+                                          <p:spTgt spid="6"/>
+                                        </p:tgtEl>
+                                        <p:attrNameLst>
+                                          <p:attrName>ppt_x</p:attrName>
+                                        </p:attrNameLst>
+                                      </p:cBhvr>
+                                      <p:tavLst>
+                                        <p:tav tm="0">
+                                          <p:val>
+                                            <p:strVal val="#ppt_x"/>
+                                          </p:val>
+                                        </p:tav>
+                                        <p:tav tm="100000">
+                                          <p:val>
+                                            <p:strVal val="#ppt_x"/>
+                                          </p:val>
+                                        </p:tav>
+                                      </p:tavLst>
+                                    </p:anim>
+                                    <p:anim calcmode="lin" valueType="num">
+                                      <p:cBhvr additive="base">
+                                        <p:cTn id="13" dur="500" fill="hold"/>
+                                        <p:tgtEl>
+                                          <p:spTgt spid="6"/>
+                                        </p:tgtEl>
+                                        <p:attrNameLst>
+                                          <p:attrName>ppt_y</p:attrName>
+                                        </p:attrNameLst>
+                                      </p:cBhvr>
+                                      <p:tavLst>
+                                        <p:tav tm="0">
+                                          <p:val>
+                                            <p:strVal val="1+#ppt_h/2"/>
+                                          </p:val>
+                                        </p:tav>
+                                        <p:tav tm="100000">
+                                          <p:val>
+                                            <p:strVal val="#ppt_y"/>
+                                          </p:val>
+                                        </p:tav>
+                                      </p:tavLst>
+                                    </p:anim>
+                                  </p:childTnLst>
+                                </p:cTn>
+                              </p:par>
+                            </p:childTnLst>
+                          </p:cTn>
+                        </p:par>
+                      </p:childTnLst>
+                    </p:cTn>
+                  </p:par>
+                </p:childTnLst>
+              </p:cTn>
+              <p:prevCondLst>
+                <p:cond evt="onPrev" delay="0">
+                  <p:tgtEl>
+                    <p:sldTgt/>
+                  </p:tgtEl>
+                </p:cond>
+              </p:prevCondLst>
+              <p:nextCondLst>
+                <p:cond evt="onNext" delay="0">
+                  <p:tgtEl>
+                    <p:sldTgt/>
+                  </p:tgtEl>
+                </p:cond>
+              </p:nextCondLst>
+            </p:seq>
+          </p:childTnLst>
+        </p:cTn>
       </p:par>
     </p:tnLst>
+    <p:bldLst>
+      <p:bldP spid="6" grpId="0"/>
+    </p:bldLst>
   </p:timing>
 </p:sld>
 </file>
@@ -14224,192 +15268,85 @@
         </p:nvSpPr>
         <p:spPr>
           <a:xfrm>
-            <a:off x="1143000" y="855345"/>
-            <a:ext cx="9776460" cy="4918710"/>
+            <a:off x="927735" y="783590"/>
+            <a:ext cx="10396220" cy="5253990"/>
           </a:xfrm>
         </p:spPr>
         <p:txBody>
           <a:bodyPr/>
           <a:lstStyle/>
           <a:p>
-            <a:pPr marL="0" indent="0">
+            <a:pPr>
               <a:lnSpc>
-                <a:spcPct val="160000"/>
+                <a:spcPct val="140000"/>
+              </a:lnSpc>
+            </a:pPr>
+            <a:r>
+              <a:rPr lang="zh-CN" altLang="en-US" sz="3200" dirty="0">
+                <a:solidFill>
+                  <a:schemeClr val="tx1"/>
+                </a:solidFill>
+                <a:sym typeface="+mn-ea"/>
+              </a:rPr>
+              <a:t>构造函数实现的对象</a:t>
+            </a:r>
+            <a:r>
+              <a:rPr lang="en-US" altLang="zh-CN" sz="3200" dirty="0">
+                <a:solidFill>
+                  <a:schemeClr val="tx1"/>
+                </a:solidFill>
+                <a:sym typeface="+mn-ea"/>
+              </a:rPr>
+              <a:t>-</a:t>
+            </a:r>
+            <a:r>
+              <a:rPr lang="zh-CN" altLang="en-US" sz="3200" dirty="0">
+                <a:solidFill>
+                  <a:schemeClr val="tx1"/>
+                </a:solidFill>
+                <a:sym typeface="+mn-ea"/>
+              </a:rPr>
+              <a:t>对象的原型继承的</a:t>
+            </a:r>
+            <a:r>
+              <a:rPr lang="zh-CN" altLang="en-US" sz="3200" dirty="0">
+                <a:solidFill>
+                  <a:schemeClr val="accent3"/>
+                </a:solidFill>
+                <a:sym typeface="+mn-ea"/>
+              </a:rPr>
+              <a:t>原型共享问题</a:t>
+            </a:r>
+            <a:endParaRPr lang="zh-CN" altLang="en-US" sz="3200" dirty="0">
+              <a:solidFill>
+                <a:schemeClr val="accent3"/>
+              </a:solidFill>
+              <a:sym typeface="+mn-ea"/>
+            </a:endParaRPr>
+          </a:p>
+          <a:p>
+            <a:pPr marL="168275" lvl="1" indent="0">
+              <a:lnSpc>
+                <a:spcPct val="150000"/>
               </a:lnSpc>
               <a:buNone/>
             </a:pPr>
-            <a:r>
-              <a:rPr lang="en-US" altLang="zh-CN" sz="1800" dirty="0">
-                <a:solidFill>
-                  <a:schemeClr val="tx1"/>
-                </a:solidFill>
-                <a:sym typeface="+mn-ea"/>
-              </a:rPr>
-              <a:t>- 原型对象它将自身的属性共享给新对象</a:t>
-            </a:r>
-            <a:r>
-              <a:rPr lang="zh-CN" altLang="en-US" sz="1800" dirty="0">
-                <a:solidFill>
-                  <a:schemeClr val="tx1"/>
-                </a:solidFill>
-                <a:sym typeface="+mn-ea"/>
-              </a:rPr>
-              <a:t>（</a:t>
-            </a:r>
-            <a:r>
-              <a:rPr lang="en-US" altLang="zh-CN" sz="1800" dirty="0">
-                <a:solidFill>
-                  <a:srgbClr val="FF0000"/>
-                </a:solidFill>
-                <a:sym typeface="+mn-ea"/>
-              </a:rPr>
-              <a:t>原型对象</a:t>
-            </a:r>
-            <a:r>
-              <a:rPr lang="en-US" altLang="zh-CN" sz="1800" dirty="0">
-                <a:solidFill>
-                  <a:schemeClr val="tx1"/>
-                </a:solidFill>
-                <a:sym typeface="+mn-ea"/>
-              </a:rPr>
-              <a:t>是原型语言的核心</a:t>
-            </a:r>
-            <a:r>
-              <a:rPr lang="zh-CN" altLang="en-US" sz="1800" dirty="0">
-                <a:solidFill>
-                  <a:schemeClr val="tx1"/>
-                </a:solidFill>
-                <a:sym typeface="+mn-ea"/>
-              </a:rPr>
-              <a:t>）</a:t>
-            </a:r>
-            <a:br>
-              <a:rPr lang="en-US" altLang="zh-CN" sz="1800" dirty="0">
-                <a:solidFill>
-                  <a:schemeClr val="tx1"/>
-                </a:solidFill>
-                <a:sym typeface="+mn-ea"/>
-              </a:rPr>
-            </a:br>
-            <a:r>
-              <a:rPr lang="en-US" altLang="zh-CN" sz="1800" dirty="0">
-                <a:solidFill>
-                  <a:schemeClr val="tx1"/>
-                </a:solidFill>
-                <a:sym typeface="+mn-ea"/>
-              </a:rPr>
-              <a:t>- 一个对象不但可以享有自己创建时和运行时定义的属性，而且可以享有原型对象的属性</a:t>
-            </a:r>
-            <a:br>
-              <a:rPr lang="en-US" altLang="zh-CN" sz="1800" dirty="0">
-                <a:solidFill>
-                  <a:schemeClr val="tx1"/>
-                </a:solidFill>
-                <a:sym typeface="+mn-ea"/>
-              </a:rPr>
-            </a:br>
-            <a:r>
-              <a:rPr lang="en-US" altLang="zh-CN" sz="1800" dirty="0">
-                <a:solidFill>
-                  <a:schemeClr val="tx1"/>
-                </a:solidFill>
-                <a:sym typeface="+mn-ea"/>
-              </a:rPr>
-              <a:t>- 所有的对象都有原型，原型本身也是对象，</a:t>
-            </a:r>
-            <a:r>
-              <a:rPr lang="zh-CN" altLang="en-US" sz="1800" dirty="0">
-                <a:solidFill>
-                  <a:schemeClr val="tx1"/>
-                </a:solidFill>
-                <a:sym typeface="+mn-ea"/>
-              </a:rPr>
-              <a:t>形成的链式结构即为</a:t>
-            </a:r>
-            <a:r>
-              <a:rPr lang="zh-CN" altLang="en-US" sz="1800" dirty="0">
-                <a:solidFill>
-                  <a:srgbClr val="FF0000"/>
-                </a:solidFill>
-                <a:sym typeface="+mn-ea"/>
-              </a:rPr>
-              <a:t>原型链</a:t>
-            </a:r>
-            <a:br>
-              <a:rPr lang="zh-CN" altLang="en-US" sz="1800" dirty="0">
-                <a:solidFill>
-                  <a:srgbClr val="FF0000"/>
-                </a:solidFill>
-                <a:sym typeface="+mn-ea"/>
-              </a:rPr>
-            </a:br>
-            <a:r>
-              <a:rPr lang="en-US" altLang="zh-CN" sz="1800" dirty="0">
-                <a:solidFill>
-                  <a:schemeClr val="tx1"/>
-                </a:solidFill>
-                <a:sym typeface="+mn-ea"/>
-              </a:rPr>
-              <a:t>- 一个对象的真正原型是被对象内部的[[Prototype]]属性(property)所持有</a:t>
-            </a:r>
-            <a:br>
-              <a:rPr lang="en-US" altLang="zh-CN" sz="1800" dirty="0">
-                <a:solidFill>
-                  <a:schemeClr val="tx1"/>
-                </a:solidFill>
-                <a:sym typeface="+mn-ea"/>
-              </a:rPr>
-            </a:br>
-            <a:r>
-              <a:rPr lang="en-US" altLang="zh-CN" sz="1800" dirty="0">
-                <a:solidFill>
-                  <a:schemeClr val="tx1"/>
-                </a:solidFill>
-                <a:sym typeface="+mn-ea"/>
-              </a:rPr>
-              <a:t>- </a:t>
-            </a:r>
-            <a:r>
-              <a:rPr lang="zh-CN" altLang="en-US" sz="1800" dirty="0">
-                <a:solidFill>
-                  <a:schemeClr val="tx1"/>
-                </a:solidFill>
-                <a:sym typeface="+mn-ea"/>
-              </a:rPr>
-              <a:t>多态：</a:t>
-            </a:r>
-            <a:r>
-              <a:rPr lang="en-US" altLang="zh-CN" sz="1800" dirty="0">
-                <a:solidFill>
-                  <a:schemeClr val="tx1"/>
-                </a:solidFill>
-                <a:sym typeface="+mn-ea"/>
-              </a:rPr>
-              <a:t>for in </a:t>
-            </a:r>
-            <a:r>
-              <a:rPr lang="zh-CN" altLang="en-US" sz="1800" dirty="0">
-                <a:solidFill>
-                  <a:schemeClr val="tx1"/>
-                </a:solidFill>
-                <a:sym typeface="+mn-ea"/>
-              </a:rPr>
-              <a:t>遍历 结合</a:t>
-            </a:r>
-            <a:r>
-              <a:rPr lang="en-US" altLang="zh-CN" sz="1800" dirty="0">
-                <a:solidFill>
-                  <a:schemeClr val="tx1"/>
-                </a:solidFill>
-                <a:sym typeface="+mn-ea"/>
-              </a:rPr>
-              <a:t>Object.hasOwnProperty</a:t>
-            </a:r>
-            <a:endParaRPr lang="en-US" altLang="zh-CN" sz="1800" dirty="0">
+            <a:endParaRPr lang="zh-CN" altLang="en-US" sz="2200" dirty="0">
+              <a:sym typeface="+mn-ea"/>
+            </a:endParaRPr>
+          </a:p>
+          <a:p>
+            <a:pPr marL="168275" lvl="1" indent="0">
+              <a:lnSpc>
+                <a:spcPct val="150000"/>
+              </a:lnSpc>
+              <a:buNone/>
+            </a:pPr>
+            <a:endParaRPr lang="en-US" altLang="zh-CN" sz="3200" dirty="0">
               <a:solidFill>
-                <a:schemeClr val="tx1"/>
+                <a:srgbClr val="006F53"/>
               </a:solidFill>
-              <a:sym typeface="+mn-ea"/>
+              <a:cs typeface="+mn-cs"/>
             </a:endParaRPr>
           </a:p>
         </p:txBody>
@@ -14424,31 +15361,987 @@
             <p:ph sz="quarter" idx="11"/>
           </p:nvPr>
         </p:nvSpPr>
-        <p:spPr/>
+        <p:spPr>
+          <a:xfrm>
+            <a:off x="947420" y="236855"/>
+            <a:ext cx="10059670" cy="490220"/>
+          </a:xfrm>
+        </p:spPr>
         <p:txBody>
           <a:bodyPr/>
           <a:lstStyle/>
           <a:p>
             <a:r>
-              <a:rPr lang="en-US" dirty="0"/>
-              <a:t>JavaScript</a:t>
-            </a:r>
-            <a:r>
-              <a:rPr lang="zh-CN" altLang="en-US" dirty="0"/>
-              <a:t>的继承方式</a:t>
-            </a:r>
-            <a:r>
-              <a:rPr lang="en-US" altLang="zh-CN" dirty="0"/>
+              <a:rPr kumimoji="0" lang="zh-CN" altLang="en-US" dirty="0">
+                <a:sym typeface="+mn-ea"/>
+              </a:rPr>
+              <a:t>JS原型继承的方式及其优缺点</a:t>
+            </a:r>
+            <a:endParaRPr lang="zh-CN" altLang="en-US" dirty="0" smtClean="0">
+              <a:sym typeface="+mn-ea"/>
+            </a:endParaRPr>
+          </a:p>
+        </p:txBody>
+      </p:sp>
+      <p:pic>
+        <p:nvPicPr>
+          <p:cNvPr id="5" name="图片 4"/>
+          <p:cNvPicPr>
+            <a:picLocks noChangeAspect="1"/>
+          </p:cNvPicPr>
+          <p:nvPr/>
+        </p:nvPicPr>
+        <p:blipFill>
+          <a:blip r:embed="rId1"/>
+          <a:stretch>
+            <a:fillRect/>
+          </a:stretch>
+        </p:blipFill>
+        <p:spPr>
+          <a:xfrm>
+            <a:off x="1184910" y="1478280"/>
+            <a:ext cx="8837930" cy="5171440"/>
+          </a:xfrm>
+          <a:prstGeom prst="rect">
+            <a:avLst/>
+          </a:prstGeom>
+        </p:spPr>
+      </p:pic>
+      <p:sp>
+        <p:nvSpPr>
+          <p:cNvPr id="6" name="文本框 5"/>
+          <p:cNvSpPr txBox="1"/>
+          <p:nvPr/>
+        </p:nvSpPr>
+        <p:spPr>
+          <a:xfrm>
+            <a:off x="6229350" y="6036945"/>
+            <a:ext cx="5420360" cy="429895"/>
+          </a:xfrm>
+          <a:prstGeom prst="rect">
+            <a:avLst/>
+          </a:prstGeom>
+          <a:noFill/>
+        </p:spPr>
+        <p:txBody>
+          <a:bodyPr wrap="square" rtlCol="0">
+            <a:spAutoFit/>
+          </a:bodyPr>
+          <a:p>
+            <a:pPr algn="l"/>
+            <a:r>
+              <a:rPr lang="zh-CN" altLang="en-US" sz="2200">
+                <a:solidFill>
+                  <a:srgbClr val="FF0000"/>
+                </a:solidFill>
+                <a:latin typeface="+mn-ea"/>
+                <a:ea typeface="+mn-ea"/>
+              </a:rPr>
+              <a:t>参见实例</a:t>
+            </a:r>
+            <a:r>
+              <a:rPr lang="en-US" altLang="zh-CN" sz="2200">
+                <a:solidFill>
+                  <a:srgbClr val="FF0000"/>
+                </a:solidFill>
+                <a:latin typeface="+mn-ea"/>
+                <a:ea typeface="+mn-ea"/>
+              </a:rPr>
+              <a:t>demo</a:t>
+            </a:r>
+            <a:endParaRPr lang="zh-CN" altLang="en-US" sz="2200">
+              <a:solidFill>
+                <a:srgbClr val="FF0000"/>
+              </a:solidFill>
+              <a:latin typeface="+mn-ea"/>
+              <a:ea typeface="+mn-ea"/>
+            </a:endParaRPr>
+          </a:p>
+        </p:txBody>
+      </p:sp>
+      <p:sp>
+        <p:nvSpPr>
+          <p:cNvPr id="7" name="文本框 6"/>
+          <p:cNvSpPr txBox="1"/>
+          <p:nvPr/>
+        </p:nvSpPr>
+        <p:spPr>
+          <a:xfrm>
+            <a:off x="7087870" y="3766820"/>
+            <a:ext cx="3272155" cy="429895"/>
+          </a:xfrm>
+          <a:prstGeom prst="rect">
+            <a:avLst/>
+          </a:prstGeom>
+          <a:noFill/>
+        </p:spPr>
+        <p:txBody>
+          <a:bodyPr wrap="square" rtlCol="0">
+            <a:spAutoFit/>
+          </a:bodyPr>
+          <a:p>
+            <a:pPr algn="l"/>
+            <a:r>
+              <a:rPr lang="zh-CN" sz="2200">
+                <a:solidFill>
+                  <a:srgbClr val="FF0000"/>
+                </a:solidFill>
+                <a:latin typeface="+mn-ea"/>
+                <a:ea typeface="+mn-ea"/>
+              </a:rPr>
+              <a:t>思考这种方式有什么弊端</a:t>
+            </a:r>
+            <a:endParaRPr lang="zh-CN" sz="2200">
+              <a:solidFill>
+                <a:srgbClr val="FF0000"/>
+              </a:solidFill>
+              <a:latin typeface="+mn-ea"/>
+              <a:ea typeface="+mn-ea"/>
+            </a:endParaRPr>
+          </a:p>
+        </p:txBody>
+      </p:sp>
+    </p:spTree>
+  </p:cSld>
+  <p:clrMapOvr>
+    <a:masterClrMapping/>
+  </p:clrMapOvr>
+  <p:timing>
+    <p:tnLst>
+      <p:par>
+        <p:cTn id="1" dur="indefinite" restart="never" nodeType="tmRoot">
+          <p:childTnLst>
+            <p:seq concurrent="1" nextAc="seek">
+              <p:cTn id="2" dur="indefinite" nodeType="mainSeq">
+                <p:childTnLst>
+                  <p:par>
+                    <p:cTn id="3" fill="hold">
+                      <p:stCondLst>
+                        <p:cond delay="indefinite"/>
+                      </p:stCondLst>
+                      <p:childTnLst>
+                        <p:par>
+                          <p:cTn id="4" fill="hold">
+                            <p:stCondLst>
+                              <p:cond delay="0"/>
+                            </p:stCondLst>
+                            <p:childTnLst>
+                              <p:par>
+                                <p:cTn id="5" presetID="2" presetClass="entr" presetSubtype="4" fill="hold" nodeType="clickEffect">
+                                  <p:stCondLst>
+                                    <p:cond delay="0"/>
+                                  </p:stCondLst>
+                                  <p:childTnLst>
+                                    <p:set>
+                                      <p:cBhvr>
+                                        <p:cTn id="6" dur="1" fill="hold">
+                                          <p:stCondLst>
+                                            <p:cond delay="0"/>
+                                          </p:stCondLst>
+                                        </p:cTn>
+                                        <p:tgtEl>
+                                          <p:spTgt spid="2">
+                                            <p:txEl>
+                                              <p:pRg st="0" end="0"/>
+                                            </p:txEl>
+                                          </p:spTgt>
+                                        </p:tgtEl>
+                                        <p:attrNameLst>
+                                          <p:attrName>style.visibility</p:attrName>
+                                        </p:attrNameLst>
+                                      </p:cBhvr>
+                                      <p:to>
+                                        <p:strVal val="visible"/>
+                                      </p:to>
+                                    </p:set>
+                                    <p:anim calcmode="lin" valueType="num">
+                                      <p:cBhvr additive="base">
+                                        <p:cTn id="7" dur="500" fill="hold"/>
+                                        <p:tgtEl>
+                                          <p:spTgt spid="2">
+                                            <p:txEl>
+                                              <p:pRg st="0" end="0"/>
+                                            </p:txEl>
+                                          </p:spTgt>
+                                        </p:tgtEl>
+                                        <p:attrNameLst>
+                                          <p:attrName>ppt_x</p:attrName>
+                                        </p:attrNameLst>
+                                      </p:cBhvr>
+                                      <p:tavLst>
+                                        <p:tav tm="0">
+                                          <p:val>
+                                            <p:strVal val="#ppt_x"/>
+                                          </p:val>
+                                        </p:tav>
+                                        <p:tav tm="100000">
+                                          <p:val>
+                                            <p:strVal val="#ppt_x"/>
+                                          </p:val>
+                                        </p:tav>
+                                      </p:tavLst>
+                                    </p:anim>
+                                    <p:anim calcmode="lin" valueType="num">
+                                      <p:cBhvr additive="base">
+                                        <p:cTn id="8" dur="500" fill="hold"/>
+                                        <p:tgtEl>
+                                          <p:spTgt spid="2">
+                                            <p:txEl>
+                                              <p:pRg st="0" end="0"/>
+                                            </p:txEl>
+                                          </p:spTgt>
+                                        </p:tgtEl>
+                                        <p:attrNameLst>
+                                          <p:attrName>ppt_y</p:attrName>
+                                        </p:attrNameLst>
+                                      </p:cBhvr>
+                                      <p:tavLst>
+                                        <p:tav tm="0">
+                                          <p:val>
+                                            <p:strVal val="1+#ppt_h/2"/>
+                                          </p:val>
+                                        </p:tav>
+                                        <p:tav tm="100000">
+                                          <p:val>
+                                            <p:strVal val="#ppt_y"/>
+                                          </p:val>
+                                        </p:tav>
+                                      </p:tavLst>
+                                    </p:anim>
+                                  </p:childTnLst>
+                                </p:cTn>
+                              </p:par>
+                            </p:childTnLst>
+                          </p:cTn>
+                        </p:par>
+                        <p:par>
+                          <p:cTn id="9" fill="hold">
+                            <p:stCondLst>
+                              <p:cond delay="500"/>
+                            </p:stCondLst>
+                            <p:childTnLst>
+                              <p:par>
+                                <p:cTn id="10" presetID="2" presetClass="entr" presetSubtype="4" fill="hold" grpId="0" nodeType="afterEffect">
+                                  <p:stCondLst>
+                                    <p:cond delay="0"/>
+                                  </p:stCondLst>
+                                  <p:childTnLst>
+                                    <p:set>
+                                      <p:cBhvr>
+                                        <p:cTn id="11" dur="1" fill="hold">
+                                          <p:stCondLst>
+                                            <p:cond delay="0"/>
+                                          </p:stCondLst>
+                                        </p:cTn>
+                                        <p:tgtEl>
+                                          <p:spTgt spid="6"/>
+                                        </p:tgtEl>
+                                        <p:attrNameLst>
+                                          <p:attrName>style.visibility</p:attrName>
+                                        </p:attrNameLst>
+                                      </p:cBhvr>
+                                      <p:to>
+                                        <p:strVal val="visible"/>
+                                      </p:to>
+                                    </p:set>
+                                    <p:anim calcmode="lin" valueType="num">
+                                      <p:cBhvr additive="base">
+                                        <p:cTn id="12" dur="500" fill="hold"/>
+                                        <p:tgtEl>
+                                          <p:spTgt spid="6"/>
+                                        </p:tgtEl>
+                                        <p:attrNameLst>
+                                          <p:attrName>ppt_x</p:attrName>
+                                        </p:attrNameLst>
+                                      </p:cBhvr>
+                                      <p:tavLst>
+                                        <p:tav tm="0">
+                                          <p:val>
+                                            <p:strVal val="#ppt_x"/>
+                                          </p:val>
+                                        </p:tav>
+                                        <p:tav tm="100000">
+                                          <p:val>
+                                            <p:strVal val="#ppt_x"/>
+                                          </p:val>
+                                        </p:tav>
+                                      </p:tavLst>
+                                    </p:anim>
+                                    <p:anim calcmode="lin" valueType="num">
+                                      <p:cBhvr additive="base">
+                                        <p:cTn id="13" dur="500" fill="hold"/>
+                                        <p:tgtEl>
+                                          <p:spTgt spid="6"/>
+                                        </p:tgtEl>
+                                        <p:attrNameLst>
+                                          <p:attrName>ppt_y</p:attrName>
+                                        </p:attrNameLst>
+                                      </p:cBhvr>
+                                      <p:tavLst>
+                                        <p:tav tm="0">
+                                          <p:val>
+                                            <p:strVal val="1+#ppt_h/2"/>
+                                          </p:val>
+                                        </p:tav>
+                                        <p:tav tm="100000">
+                                          <p:val>
+                                            <p:strVal val="#ppt_y"/>
+                                          </p:val>
+                                        </p:tav>
+                                      </p:tavLst>
+                                    </p:anim>
+                                  </p:childTnLst>
+                                </p:cTn>
+                              </p:par>
+                            </p:childTnLst>
+                          </p:cTn>
+                        </p:par>
+                        <p:par>
+                          <p:cTn id="14" fill="hold">
+                            <p:stCondLst>
+                              <p:cond delay="1000"/>
+                            </p:stCondLst>
+                            <p:childTnLst>
+                              <p:par>
+                                <p:cTn id="15" presetID="2" presetClass="entr" presetSubtype="4" fill="hold" grpId="0" nodeType="afterEffect">
+                                  <p:stCondLst>
+                                    <p:cond delay="0"/>
+                                  </p:stCondLst>
+                                  <p:childTnLst>
+                                    <p:set>
+                                      <p:cBhvr>
+                                        <p:cTn id="16" dur="1" fill="hold">
+                                          <p:stCondLst>
+                                            <p:cond delay="0"/>
+                                          </p:stCondLst>
+                                        </p:cTn>
+                                        <p:tgtEl>
+                                          <p:spTgt spid="7"/>
+                                        </p:tgtEl>
+                                        <p:attrNameLst>
+                                          <p:attrName>style.visibility</p:attrName>
+                                        </p:attrNameLst>
+                                      </p:cBhvr>
+                                      <p:to>
+                                        <p:strVal val="visible"/>
+                                      </p:to>
+                                    </p:set>
+                                    <p:anim calcmode="lin" valueType="num">
+                                      <p:cBhvr additive="base">
+                                        <p:cTn id="17" dur="500" fill="hold"/>
+                                        <p:tgtEl>
+                                          <p:spTgt spid="7"/>
+                                        </p:tgtEl>
+                                        <p:attrNameLst>
+                                          <p:attrName>ppt_x</p:attrName>
+                                        </p:attrNameLst>
+                                      </p:cBhvr>
+                                      <p:tavLst>
+                                        <p:tav tm="0">
+                                          <p:val>
+                                            <p:strVal val="#ppt_x"/>
+                                          </p:val>
+                                        </p:tav>
+                                        <p:tav tm="100000">
+                                          <p:val>
+                                            <p:strVal val="#ppt_x"/>
+                                          </p:val>
+                                        </p:tav>
+                                      </p:tavLst>
+                                    </p:anim>
+                                    <p:anim calcmode="lin" valueType="num">
+                                      <p:cBhvr additive="base">
+                                        <p:cTn id="18" dur="500" fill="hold"/>
+                                        <p:tgtEl>
+                                          <p:spTgt spid="7"/>
+                                        </p:tgtEl>
+                                        <p:attrNameLst>
+                                          <p:attrName>ppt_y</p:attrName>
+                                        </p:attrNameLst>
+                                      </p:cBhvr>
+                                      <p:tavLst>
+                                        <p:tav tm="0">
+                                          <p:val>
+                                            <p:strVal val="1+#ppt_h/2"/>
+                                          </p:val>
+                                        </p:tav>
+                                        <p:tav tm="100000">
+                                          <p:val>
+                                            <p:strVal val="#ppt_y"/>
+                                          </p:val>
+                                        </p:tav>
+                                      </p:tavLst>
+                                    </p:anim>
+                                  </p:childTnLst>
+                                </p:cTn>
+                              </p:par>
+                            </p:childTnLst>
+                          </p:cTn>
+                        </p:par>
+                      </p:childTnLst>
+                    </p:cTn>
+                  </p:par>
+                </p:childTnLst>
+              </p:cTn>
+              <p:prevCondLst>
+                <p:cond evt="onPrev" delay="0">
+                  <p:tgtEl>
+                    <p:sldTgt/>
+                  </p:tgtEl>
+                </p:cond>
+              </p:prevCondLst>
+              <p:nextCondLst>
+                <p:cond evt="onNext" delay="0">
+                  <p:tgtEl>
+                    <p:sldTgt/>
+                  </p:tgtEl>
+                </p:cond>
+              </p:nextCondLst>
+            </p:seq>
+          </p:childTnLst>
+        </p:cTn>
+      </p:par>
+    </p:tnLst>
+    <p:bldLst>
+      <p:bldP spid="6" grpId="0"/>
+      <p:bldP spid="7" grpId="0"/>
+    </p:bldLst>
+  </p:timing>
+</p:sld>
+</file>
+
+<file path=ppt/slides/slide21.xml><?xml version="1.0" encoding="utf-8"?>
+<p:sld xmlns:a="http://schemas.openxmlformats.org/drawingml/2006/main" xmlns:r="http://schemas.openxmlformats.org/officeDocument/2006/relationships" xmlns:p="http://schemas.openxmlformats.org/presentationml/2006/main">
+  <p:cSld>
+    <p:spTree>
+      <p:nvGrpSpPr>
+        <p:cNvPr id="1" name=""/>
+        <p:cNvGrpSpPr/>
+        <p:nvPr/>
+      </p:nvGrpSpPr>
+      <p:grpSpPr>
+        <a:xfrm>
+          <a:off x="0" y="0"/>
+          <a:ext cx="0" cy="0"/>
+          <a:chOff x="0" y="0"/>
+          <a:chExt cx="0" cy="0"/>
+        </a:xfrm>
+      </p:grpSpPr>
+      <p:sp>
+        <p:nvSpPr>
+          <p:cNvPr id="5123" name="AutoShape 6"/>
+          <p:cNvSpPr>
+            <a:spLocks noChangeArrowheads="1"/>
+          </p:cNvSpPr>
+          <p:nvPr/>
+        </p:nvSpPr>
+        <p:spPr bwMode="auto">
+          <a:xfrm>
+            <a:off x="2566988" y="1339851"/>
+            <a:ext cx="6711950" cy="4214813"/>
+          </a:xfrm>
+          <a:prstGeom prst="roundRect">
+            <a:avLst>
+              <a:gd name="adj" fmla="val 16667"/>
+            </a:avLst>
+          </a:prstGeom>
+          <a:noFill/>
+          <a:ln w="28575">
+            <a:solidFill>
+              <a:srgbClr val="C0C0C0"/>
+            </a:solidFill>
+            <a:prstDash val="sysDot"/>
+            <a:round/>
+          </a:ln>
+          <a:extLst>
+            <a:ext uri="{909E8E84-426E-40DD-AFC4-6F175D3DCCD1}">
+              <a14:hiddenFill xmlns:a14="http://schemas.microsoft.com/office/drawing/2010/main">
+                <a:solidFill>
+                  <a:srgbClr val="FFFFFF"/>
+                </a:solidFill>
+              </a14:hiddenFill>
+            </a:ext>
+          </a:extLst>
+        </p:spPr>
+        <p:txBody>
+          <a:bodyPr wrap="none" anchor="ctr"/>
+          <a:lstStyle>
+            <a:lvl1pPr marL="457200" indent="-457200">
+              <a:defRPr sz="3200">
+                <a:solidFill>
+                  <a:schemeClr val="tx1"/>
+                </a:solidFill>
+                <a:latin typeface="Arial" panose="020B0604020202020204" pitchFamily="34" charset="0"/>
+                <a:ea typeface="微软雅黑" panose="020B0503020204020204" pitchFamily="34" charset="-122"/>
+              </a:defRPr>
+            </a:lvl1pPr>
+            <a:lvl2pPr marL="742950" indent="-285750">
+              <a:defRPr sz="3200">
+                <a:solidFill>
+                  <a:schemeClr val="tx1"/>
+                </a:solidFill>
+                <a:latin typeface="Arial" panose="020B0604020202020204" pitchFamily="34" charset="0"/>
+                <a:ea typeface="微软雅黑" panose="020B0503020204020204" pitchFamily="34" charset="-122"/>
+              </a:defRPr>
+            </a:lvl2pPr>
+            <a:lvl3pPr marL="1143000" indent="-228600">
+              <a:defRPr sz="3200">
+                <a:solidFill>
+                  <a:schemeClr val="tx1"/>
+                </a:solidFill>
+                <a:latin typeface="Arial" panose="020B0604020202020204" pitchFamily="34" charset="0"/>
+                <a:ea typeface="微软雅黑" panose="020B0503020204020204" pitchFamily="34" charset="-122"/>
+              </a:defRPr>
+            </a:lvl3pPr>
+            <a:lvl4pPr marL="1600200" indent="-228600">
+              <a:defRPr sz="3200">
+                <a:solidFill>
+                  <a:schemeClr val="tx1"/>
+                </a:solidFill>
+                <a:latin typeface="Arial" panose="020B0604020202020204" pitchFamily="34" charset="0"/>
+                <a:ea typeface="微软雅黑" panose="020B0503020204020204" pitchFamily="34" charset="-122"/>
+              </a:defRPr>
+            </a:lvl4pPr>
+            <a:lvl5pPr marL="2057400" indent="-228600">
+              <a:defRPr sz="3200">
+                <a:solidFill>
+                  <a:schemeClr val="tx1"/>
+                </a:solidFill>
+                <a:latin typeface="Arial" panose="020B0604020202020204" pitchFamily="34" charset="0"/>
+                <a:ea typeface="微软雅黑" panose="020B0503020204020204" pitchFamily="34" charset="-122"/>
+              </a:defRPr>
+            </a:lvl5pPr>
+            <a:lvl6pPr marL="2514600" indent="-228600" eaLnBrk="0" fontAlgn="base" hangingPunct="0">
+              <a:spcBef>
+                <a:spcPct val="0"/>
+              </a:spcBef>
+              <a:spcAft>
+                <a:spcPct val="0"/>
+              </a:spcAft>
+              <a:defRPr sz="3200">
+                <a:solidFill>
+                  <a:schemeClr val="tx1"/>
+                </a:solidFill>
+                <a:latin typeface="Arial" panose="020B0604020202020204" pitchFamily="34" charset="0"/>
+                <a:ea typeface="微软雅黑" panose="020B0503020204020204" pitchFamily="34" charset="-122"/>
+              </a:defRPr>
+            </a:lvl6pPr>
+            <a:lvl7pPr marL="2971800" indent="-228600" eaLnBrk="0" fontAlgn="base" hangingPunct="0">
+              <a:spcBef>
+                <a:spcPct val="0"/>
+              </a:spcBef>
+              <a:spcAft>
+                <a:spcPct val="0"/>
+              </a:spcAft>
+              <a:defRPr sz="3200">
+                <a:solidFill>
+                  <a:schemeClr val="tx1"/>
+                </a:solidFill>
+                <a:latin typeface="Arial" panose="020B0604020202020204" pitchFamily="34" charset="0"/>
+                <a:ea typeface="微软雅黑" panose="020B0503020204020204" pitchFamily="34" charset="-122"/>
+              </a:defRPr>
+            </a:lvl7pPr>
+            <a:lvl8pPr marL="3429000" indent="-228600" eaLnBrk="0" fontAlgn="base" hangingPunct="0">
+              <a:spcBef>
+                <a:spcPct val="0"/>
+              </a:spcBef>
+              <a:spcAft>
+                <a:spcPct val="0"/>
+              </a:spcAft>
+              <a:defRPr sz="3200">
+                <a:solidFill>
+                  <a:schemeClr val="tx1"/>
+                </a:solidFill>
+                <a:latin typeface="Arial" panose="020B0604020202020204" pitchFamily="34" charset="0"/>
+                <a:ea typeface="微软雅黑" panose="020B0503020204020204" pitchFamily="34" charset="-122"/>
+              </a:defRPr>
+            </a:lvl8pPr>
+            <a:lvl9pPr marL="3886200" indent="-228600" eaLnBrk="0" fontAlgn="base" hangingPunct="0">
+              <a:spcBef>
+                <a:spcPct val="0"/>
+              </a:spcBef>
+              <a:spcAft>
+                <a:spcPct val="0"/>
+              </a:spcAft>
+              <a:defRPr sz="3200">
+                <a:solidFill>
+                  <a:schemeClr val="tx1"/>
+                </a:solidFill>
+                <a:latin typeface="Arial" panose="020B0604020202020204" pitchFamily="34" charset="0"/>
+                <a:ea typeface="微软雅黑" panose="020B0503020204020204" pitchFamily="34" charset="-122"/>
+              </a:defRPr>
+            </a:lvl9pPr>
+          </a:lstStyle>
+          <a:p>
+            <a:pPr algn="l">
+              <a:lnSpc>
+                <a:spcPct val="150000"/>
+              </a:lnSpc>
+              <a:spcBef>
+                <a:spcPts val="1200"/>
+              </a:spcBef>
+              <a:spcAft>
+                <a:spcPts val="1200"/>
+              </a:spcAft>
+              <a:buClr>
+                <a:srgbClr val="92D050"/>
+              </a:buClr>
+              <a:buFont typeface="Wingdings" panose="05000000000000000000" pitchFamily="2" charset="2"/>
+              <a:buChar char="Ø"/>
+            </a:pPr>
+            <a:r>
+              <a:rPr lang="en-US" altLang="zh-CN" sz="2800" b="1">
+                <a:solidFill>
+                  <a:schemeClr val="tx1"/>
+                </a:solidFill>
+                <a:sym typeface="+mn-ea"/>
+              </a:rPr>
+              <a:t>JS</a:t>
+            </a:r>
+            <a:r>
+              <a:rPr lang="zh-CN" altLang="en-US" sz="2800" b="1">
+                <a:solidFill>
+                  <a:schemeClr val="tx1"/>
+                </a:solidFill>
+                <a:sym typeface="+mn-ea"/>
+              </a:rPr>
+              <a:t>对象</a:t>
+            </a:r>
+            <a:r>
+              <a:rPr lang="en-US" altLang="zh-CN" sz="2800" b="1">
+                <a:solidFill>
+                  <a:schemeClr val="tx1"/>
+                </a:solidFill>
+                <a:sym typeface="+mn-ea"/>
+              </a:rPr>
               <a:t>-</a:t>
             </a:r>
             <a:r>
-              <a:rPr lang="zh-CN" altLang="en-US" dirty="0"/>
-              <a:t>原型链</a:t>
-            </a:r>
-            <a:endParaRPr lang="zh-CN" altLang="en-US" dirty="0"/>
-          </a:p>
-          <a:p>
-            <a:endParaRPr lang="zh-CN" altLang="en-US" dirty="0"/>
+              <a:rPr lang="zh-CN" altLang="en-US" sz="2800" b="1">
+                <a:solidFill>
+                  <a:schemeClr val="tx1"/>
+                </a:solidFill>
+                <a:sym typeface="+mn-ea"/>
+              </a:rPr>
+              <a:t>对象原型继承</a:t>
+            </a:r>
+            <a:endParaRPr lang="zh-CN" altLang="en-US" sz="2800" b="1">
+              <a:solidFill>
+                <a:schemeClr val="tx1"/>
+              </a:solidFill>
+              <a:sym typeface="+mn-ea"/>
+            </a:endParaRPr>
+          </a:p>
+          <a:p>
+            <a:pPr algn="l">
+              <a:lnSpc>
+                <a:spcPct val="150000"/>
+              </a:lnSpc>
+              <a:spcBef>
+                <a:spcPts val="1200"/>
+              </a:spcBef>
+              <a:spcAft>
+                <a:spcPts val="1200"/>
+              </a:spcAft>
+              <a:buClr>
+                <a:srgbClr val="92D050"/>
+              </a:buClr>
+              <a:buFont typeface="Wingdings" panose="05000000000000000000" pitchFamily="2" charset="2"/>
+              <a:buChar char="Ø"/>
+            </a:pPr>
+            <a:r>
+              <a:rPr lang="zh-CN" altLang="en-US" sz="2800" b="1">
+                <a:solidFill>
+                  <a:schemeClr val="accent3"/>
+                </a:solidFill>
+                <a:sym typeface="+mn-ea"/>
+              </a:rPr>
+              <a:t>通过构造函数模拟类</a:t>
+            </a:r>
+            <a:r>
+              <a:rPr lang="en-US" altLang="zh-CN" sz="2800" b="1">
+                <a:solidFill>
+                  <a:schemeClr val="accent3"/>
+                </a:solidFill>
+                <a:sym typeface="+mn-ea"/>
+              </a:rPr>
+              <a:t>-</a:t>
+            </a:r>
+            <a:r>
+              <a:rPr lang="zh-CN" altLang="en-US" sz="2800" b="1">
+                <a:solidFill>
+                  <a:schemeClr val="accent3"/>
+                </a:solidFill>
+                <a:sym typeface="+mn-ea"/>
+              </a:rPr>
+              <a:t>类的继承</a:t>
+            </a:r>
+            <a:endParaRPr lang="zh-CN" altLang="en-US" sz="2800" b="1">
+              <a:solidFill>
+                <a:schemeClr val="accent3"/>
+              </a:solidFill>
+              <a:sym typeface="+mn-ea"/>
+            </a:endParaRPr>
+          </a:p>
+          <a:p>
+            <a:pPr algn="l">
+              <a:lnSpc>
+                <a:spcPct val="150000"/>
+              </a:lnSpc>
+              <a:spcBef>
+                <a:spcPts val="1200"/>
+              </a:spcBef>
+              <a:spcAft>
+                <a:spcPts val="1200"/>
+              </a:spcAft>
+              <a:buClr>
+                <a:srgbClr val="92D050"/>
+              </a:buClr>
+              <a:buFont typeface="Wingdings" panose="05000000000000000000" pitchFamily="2" charset="2"/>
+              <a:buChar char="Ø"/>
+            </a:pPr>
+            <a:r>
+              <a:rPr lang="en-US" altLang="zh-CN" sz="2800" b="1">
+                <a:solidFill>
+                  <a:schemeClr val="tx1"/>
+                </a:solidFill>
+                <a:sym typeface="+mn-ea"/>
+              </a:rPr>
+              <a:t>JS</a:t>
+            </a:r>
+            <a:r>
+              <a:rPr lang="zh-CN" altLang="en-US" sz="2800" b="1">
+                <a:solidFill>
+                  <a:schemeClr val="tx1"/>
+                </a:solidFill>
+                <a:sym typeface="+mn-ea"/>
+              </a:rPr>
+              <a:t>继承补充部分</a:t>
+            </a:r>
+            <a:endParaRPr lang="zh-CN" altLang="en-US" sz="2800" b="1">
+              <a:solidFill>
+                <a:schemeClr val="tx1"/>
+              </a:solidFill>
+              <a:sym typeface="+mn-ea"/>
+            </a:endParaRPr>
+          </a:p>
+        </p:txBody>
+      </p:sp>
+      <p:sp>
+        <p:nvSpPr>
+          <p:cNvPr id="4" name="内容占位符 3"/>
+          <p:cNvSpPr txBox="1"/>
+          <p:nvPr/>
+        </p:nvSpPr>
+        <p:spPr>
+          <a:xfrm>
+            <a:off x="981657" y="236943"/>
+            <a:ext cx="8191557" cy="490476"/>
+          </a:xfrm>
+          <a:prstGeom prst="rect">
+            <a:avLst/>
+          </a:prstGeom>
+        </p:spPr>
+        <p:txBody>
+          <a:bodyPr/>
+          <a:lstStyle>
+            <a:lvl1pPr marL="167005" indent="-167005" algn="l" defTabSz="0" rtl="0" eaLnBrk="0" fontAlgn="base" hangingPunct="0">
+              <a:spcBef>
+                <a:spcPct val="0"/>
+              </a:spcBef>
+              <a:spcAft>
+                <a:spcPct val="15000"/>
+              </a:spcAft>
+              <a:buClr>
+                <a:schemeClr val="tx2"/>
+              </a:buClr>
+              <a:buFont typeface="Arial" panose="020B0604020202020204" pitchFamily="34" charset="0"/>
+              <a:buChar char="•"/>
+              <a:defRPr kumimoji="1" sz="1600">
+                <a:solidFill>
+                  <a:srgbClr val="006F53"/>
+                </a:solidFill>
+                <a:latin typeface="微软雅黑" panose="020B0503020204020204" pitchFamily="34" charset="-122"/>
+                <a:ea typeface="微软雅黑" panose="020B0503020204020204" pitchFamily="34" charset="-122"/>
+                <a:cs typeface="微软雅黑" panose="020B0503020204020204" pitchFamily="34" charset="-122"/>
+              </a:defRPr>
+            </a:lvl1pPr>
+            <a:lvl2pPr marL="398780" indent="-230505" algn="l" defTabSz="0" rtl="0" eaLnBrk="0" fontAlgn="base" hangingPunct="0">
+              <a:spcBef>
+                <a:spcPct val="0"/>
+              </a:spcBef>
+              <a:spcAft>
+                <a:spcPct val="15000"/>
+              </a:spcAft>
+              <a:buClr>
+                <a:schemeClr val="tx2"/>
+              </a:buClr>
+              <a:buFont typeface="Arial" panose="020B0604020202020204" pitchFamily="34" charset="0"/>
+              <a:buChar char="–"/>
+              <a:defRPr kumimoji="1" sz="2800">
+                <a:solidFill>
+                  <a:schemeClr val="bg2"/>
+                </a:solidFill>
+                <a:latin typeface="微软雅黑" panose="020B0503020204020204" pitchFamily="34" charset="-122"/>
+                <a:ea typeface="微软雅黑" panose="020B0503020204020204" pitchFamily="34" charset="-122"/>
+                <a:cs typeface="微软雅黑" panose="020B0503020204020204" pitchFamily="34" charset="-122"/>
+              </a:defRPr>
+            </a:lvl2pPr>
+            <a:lvl3pPr marL="400050" indent="182880" algn="l" defTabSz="0" rtl="0" eaLnBrk="0" fontAlgn="base" hangingPunct="0">
+              <a:spcBef>
+                <a:spcPct val="0"/>
+              </a:spcBef>
+              <a:spcAft>
+                <a:spcPct val="15000"/>
+              </a:spcAft>
+              <a:buClr>
+                <a:schemeClr val="tx2"/>
+              </a:buClr>
+              <a:buFont typeface="Arial" panose="020B0604020202020204" pitchFamily="34" charset="0"/>
+              <a:buChar char="•"/>
+              <a:defRPr kumimoji="1" sz="1600">
+                <a:solidFill>
+                  <a:schemeClr val="bg2"/>
+                </a:solidFill>
+                <a:latin typeface="微软雅黑" panose="020B0503020204020204" pitchFamily="34" charset="-122"/>
+                <a:ea typeface="微软雅黑" panose="020B0503020204020204" pitchFamily="34" charset="-122"/>
+                <a:cs typeface="微软雅黑" panose="020B0503020204020204" pitchFamily="34" charset="-122"/>
+              </a:defRPr>
+            </a:lvl3pPr>
+            <a:lvl4pPr marL="825500" indent="-241300" algn="l" defTabSz="0" rtl="0" eaLnBrk="0" fontAlgn="base" hangingPunct="0">
+              <a:spcBef>
+                <a:spcPct val="0"/>
+              </a:spcBef>
+              <a:spcAft>
+                <a:spcPct val="15000"/>
+              </a:spcAft>
+              <a:buClr>
+                <a:schemeClr val="tx2"/>
+              </a:buClr>
+              <a:buFont typeface="Arial" panose="020B0604020202020204" pitchFamily="34" charset="0"/>
+              <a:buChar char="–"/>
+              <a:defRPr kumimoji="1" sz="1600">
+                <a:solidFill>
+                  <a:schemeClr val="bg2"/>
+                </a:solidFill>
+                <a:latin typeface="微软雅黑" panose="020B0503020204020204" pitchFamily="34" charset="-122"/>
+                <a:ea typeface="微软雅黑" panose="020B0503020204020204" pitchFamily="34" charset="-122"/>
+                <a:cs typeface="微软雅黑" panose="020B0503020204020204" pitchFamily="34" charset="-122"/>
+              </a:defRPr>
+            </a:lvl4pPr>
+            <a:lvl5pPr marL="2057400" indent="-228600" algn="l" defTabSz="0" rtl="0" eaLnBrk="0" fontAlgn="base" hangingPunct="0">
+              <a:spcBef>
+                <a:spcPct val="0"/>
+              </a:spcBef>
+              <a:spcAft>
+                <a:spcPct val="25000"/>
+              </a:spcAft>
+              <a:buClr>
+                <a:schemeClr val="tx2"/>
+              </a:buClr>
+              <a:buFont typeface="Arial" panose="020B0604020202020204" pitchFamily="34" charset="0"/>
+              <a:buChar char="–"/>
+              <a:defRPr kumimoji="1" sz="2000">
+                <a:solidFill>
+                  <a:schemeClr val="tx1"/>
+                </a:solidFill>
+                <a:latin typeface="+mn-lt"/>
+                <a:ea typeface="微软雅黑" panose="020B0503020204020204" pitchFamily="34" charset="-122"/>
+                <a:cs typeface="微软雅黑" panose="020B0503020204020204" pitchFamily="34" charset="-122"/>
+              </a:defRPr>
+            </a:lvl5pPr>
+            <a:lvl6pPr marL="2514600" indent="-228600" algn="l" defTabSz="0" rtl="0" eaLnBrk="0" fontAlgn="base" hangingPunct="0">
+              <a:spcBef>
+                <a:spcPct val="0"/>
+              </a:spcBef>
+              <a:spcAft>
+                <a:spcPct val="25000"/>
+              </a:spcAft>
+              <a:buClr>
+                <a:schemeClr val="tx2"/>
+              </a:buClr>
+              <a:buFont typeface="Arial" panose="020B0604020202020204" pitchFamily="34" charset="0"/>
+              <a:buChar char="–"/>
+              <a:defRPr>
+                <a:solidFill>
+                  <a:schemeClr val="tx1"/>
+                </a:solidFill>
+                <a:latin typeface="+mn-lt"/>
+              </a:defRPr>
+            </a:lvl6pPr>
+            <a:lvl7pPr marL="2971800" indent="-228600" algn="l" defTabSz="0" rtl="0" eaLnBrk="0" fontAlgn="base" hangingPunct="0">
+              <a:spcBef>
+                <a:spcPct val="0"/>
+              </a:spcBef>
+              <a:spcAft>
+                <a:spcPct val="25000"/>
+              </a:spcAft>
+              <a:buClr>
+                <a:schemeClr val="tx2"/>
+              </a:buClr>
+              <a:buFont typeface="Arial" panose="020B0604020202020204" pitchFamily="34" charset="0"/>
+              <a:buChar char="–"/>
+              <a:defRPr>
+                <a:solidFill>
+                  <a:schemeClr val="tx1"/>
+                </a:solidFill>
+                <a:latin typeface="+mn-lt"/>
+              </a:defRPr>
+            </a:lvl7pPr>
+            <a:lvl8pPr marL="3429000" indent="-228600" algn="l" defTabSz="0" rtl="0" eaLnBrk="0" fontAlgn="base" hangingPunct="0">
+              <a:spcBef>
+                <a:spcPct val="0"/>
+              </a:spcBef>
+              <a:spcAft>
+                <a:spcPct val="25000"/>
+              </a:spcAft>
+              <a:buClr>
+                <a:schemeClr val="tx2"/>
+              </a:buClr>
+              <a:buFont typeface="Arial" panose="020B0604020202020204" pitchFamily="34" charset="0"/>
+              <a:buChar char="–"/>
+              <a:defRPr>
+                <a:solidFill>
+                  <a:schemeClr val="tx1"/>
+                </a:solidFill>
+                <a:latin typeface="+mn-lt"/>
+              </a:defRPr>
+            </a:lvl8pPr>
+            <a:lvl9pPr marL="3886200" indent="-228600" algn="l" defTabSz="0" rtl="0" eaLnBrk="0" fontAlgn="base" hangingPunct="0">
+              <a:spcBef>
+                <a:spcPct val="0"/>
+              </a:spcBef>
+              <a:spcAft>
+                <a:spcPct val="25000"/>
+              </a:spcAft>
+              <a:buClr>
+                <a:schemeClr val="tx2"/>
+              </a:buClr>
+              <a:buFont typeface="Arial" panose="020B0604020202020204" pitchFamily="34" charset="0"/>
+              <a:buChar char="–"/>
+              <a:defRPr>
+                <a:solidFill>
+                  <a:schemeClr val="tx1"/>
+                </a:solidFill>
+                <a:latin typeface="+mn-lt"/>
+              </a:defRPr>
+            </a:lvl9pPr>
+          </a:lstStyle>
+          <a:p>
+            <a:pPr marL="0" indent="0">
+              <a:buNone/>
+            </a:pPr>
+            <a:r>
+              <a:rPr lang="zh-CN" altLang="en-US" sz="3200" dirty="0" smtClean="0">
+                <a:solidFill>
+                  <a:srgbClr val="C00000"/>
+                </a:solidFill>
+                <a:cs typeface="+mn-cs"/>
+                <a:sym typeface="+mn-ea"/>
+              </a:rPr>
+              <a:t>内容提纲</a:t>
+            </a:r>
+            <a:endParaRPr lang="zh-CN" altLang="en-US" kern="0" dirty="0"/>
           </a:p>
         </p:txBody>
       </p:sp>
@@ -14467,7 +16360,1043 @@
 </p:sld>
 </file>
 
-<file path=ppt/slides/slide21.xml><?xml version="1.0" encoding="utf-8"?>
+<file path=ppt/slides/slide22.xml><?xml version="1.0" encoding="utf-8"?>
+<p:sld xmlns:a="http://schemas.openxmlformats.org/drawingml/2006/main" xmlns:r="http://schemas.openxmlformats.org/officeDocument/2006/relationships" xmlns:p="http://schemas.openxmlformats.org/presentationml/2006/main">
+  <p:cSld>
+    <p:spTree>
+      <p:nvGrpSpPr>
+        <p:cNvPr id="1" name=""/>
+        <p:cNvGrpSpPr/>
+        <p:nvPr/>
+      </p:nvGrpSpPr>
+      <p:grpSpPr>
+        <a:xfrm>
+          <a:off x="0" y="0"/>
+          <a:ext cx="0" cy="0"/>
+          <a:chOff x="0" y="0"/>
+          <a:chExt cx="0" cy="0"/>
+        </a:xfrm>
+      </p:grpSpPr>
+      <p:sp>
+        <p:nvSpPr>
+          <p:cNvPr id="3" name="内容占位符 2"/>
+          <p:cNvSpPr>
+            <a:spLocks noGrp="1"/>
+          </p:cNvSpPr>
+          <p:nvPr>
+            <p:ph sz="quarter" idx="11"/>
+          </p:nvPr>
+        </p:nvSpPr>
+        <p:spPr>
+          <a:xfrm>
+            <a:off x="947204" y="308698"/>
+            <a:ext cx="8191557" cy="490476"/>
+          </a:xfrm>
+        </p:spPr>
+        <p:txBody>
+          <a:bodyPr/>
+          <a:p>
+            <a:r>
+              <a:rPr kumimoji="0" lang="zh-CN" altLang="en-US" b="0" dirty="0">
+                <a:solidFill>
+                  <a:srgbClr val="C00000"/>
+                </a:solidFill>
+                <a:sym typeface="+mn-ea"/>
+              </a:rPr>
+              <a:t>模拟类</a:t>
+            </a:r>
+            <a:r>
+              <a:rPr kumimoji="0" lang="en-US" altLang="zh-CN" b="0" dirty="0">
+                <a:solidFill>
+                  <a:srgbClr val="C00000"/>
+                </a:solidFill>
+                <a:sym typeface="+mn-ea"/>
+              </a:rPr>
+              <a:t>-</a:t>
+            </a:r>
+            <a:r>
+              <a:rPr kumimoji="0" lang="zh-CN" altLang="en-US" b="0" dirty="0">
+                <a:solidFill>
+                  <a:srgbClr val="C00000"/>
+                </a:solidFill>
+                <a:sym typeface="+mn-ea"/>
+              </a:rPr>
+              <a:t>类继承的形式 一 （</a:t>
+            </a:r>
+            <a:r>
+              <a:rPr kumimoji="0" lang="zh-CN" altLang="en-US" b="0" dirty="0">
+                <a:solidFill>
+                  <a:srgbClr val="C00000"/>
+                </a:solidFill>
+                <a:sym typeface="+mn-ea"/>
+              </a:rPr>
+              <a:t>避免原型共享</a:t>
+            </a:r>
+            <a:r>
+              <a:rPr kumimoji="0" lang="zh-CN" altLang="en-US" b="0" dirty="0">
+                <a:solidFill>
+                  <a:srgbClr val="C00000"/>
+                </a:solidFill>
+                <a:sym typeface="+mn-ea"/>
+              </a:rPr>
+              <a:t>）</a:t>
+            </a:r>
+            <a:endParaRPr kumimoji="0" lang="en-US" altLang="zh-CN" b="0" dirty="0" smtClean="0">
+              <a:solidFill>
+                <a:srgbClr val="C00000"/>
+              </a:solidFill>
+              <a:latin typeface="微软雅黑" panose="020B0503020204020204" pitchFamily="34" charset="-122"/>
+              <a:ea typeface="微软雅黑" panose="020B0503020204020204" pitchFamily="34" charset="-122"/>
+              <a:sym typeface="+mn-ea"/>
+            </a:endParaRPr>
+          </a:p>
+          <a:p>
+            <a:endParaRPr kumimoji="0" lang="zh-CN" altLang="en-US" b="0" dirty="0">
+              <a:solidFill>
+                <a:srgbClr val="C00000"/>
+              </a:solidFill>
+            </a:endParaRPr>
+          </a:p>
+          <a:p>
+            <a:endParaRPr lang="zh-CN" altLang="en-US" dirty="0"/>
+          </a:p>
+        </p:txBody>
+      </p:sp>
+      <p:pic>
+        <p:nvPicPr>
+          <p:cNvPr id="5" name="图片 4"/>
+          <p:cNvPicPr>
+            <a:picLocks noChangeAspect="1"/>
+          </p:cNvPicPr>
+          <p:nvPr/>
+        </p:nvPicPr>
+        <p:blipFill>
+          <a:blip r:embed="rId1"/>
+          <a:stretch>
+            <a:fillRect/>
+          </a:stretch>
+        </p:blipFill>
+        <p:spPr>
+          <a:xfrm>
+            <a:off x="1019175" y="1053465"/>
+            <a:ext cx="8025130" cy="4841875"/>
+          </a:xfrm>
+          <a:prstGeom prst="rect">
+            <a:avLst/>
+          </a:prstGeom>
+        </p:spPr>
+      </p:pic>
+      <p:sp>
+        <p:nvSpPr>
+          <p:cNvPr id="6" name="文本框 5"/>
+          <p:cNvSpPr txBox="1"/>
+          <p:nvPr/>
+        </p:nvSpPr>
+        <p:spPr>
+          <a:xfrm>
+            <a:off x="6560185" y="5257165"/>
+            <a:ext cx="5300980" cy="1106805"/>
+          </a:xfrm>
+          <a:prstGeom prst="rect">
+            <a:avLst/>
+          </a:prstGeom>
+          <a:noFill/>
+        </p:spPr>
+        <p:txBody>
+          <a:bodyPr wrap="square" rtlCol="0">
+            <a:spAutoFit/>
+          </a:bodyPr>
+          <a:p>
+            <a:pPr algn="l"/>
+            <a:r>
+              <a:rPr lang="zh-CN" altLang="en-US" sz="2200">
+                <a:solidFill>
+                  <a:srgbClr val="FF0000"/>
+                </a:solidFill>
+                <a:latin typeface="+mn-ea"/>
+                <a:ea typeface="+mn-ea"/>
+              </a:rPr>
+              <a:t>思考：</a:t>
+            </a:r>
+            <a:r>
+              <a:rPr lang="en-US" altLang="zh-CN" sz="2200">
+                <a:solidFill>
+                  <a:srgbClr val="FF0000"/>
+                </a:solidFill>
+                <a:latin typeface="+mn-ea"/>
+                <a:ea typeface="+mn-ea"/>
+              </a:rPr>
+              <a:t>name</a:t>
+            </a:r>
+            <a:r>
+              <a:rPr lang="zh-CN" altLang="en-US" sz="2200">
+                <a:solidFill>
+                  <a:srgbClr val="FF0000"/>
+                </a:solidFill>
+                <a:latin typeface="+mn-ea"/>
+                <a:ea typeface="+mn-ea"/>
+              </a:rPr>
+              <a:t>属性添加到哪个对象上了？</a:t>
+            </a:r>
+            <a:r>
+              <a:rPr lang="en-US" altLang="zh-CN" sz="2200">
+                <a:solidFill>
+                  <a:srgbClr val="FF0000"/>
+                </a:solidFill>
+                <a:latin typeface="+mn-ea"/>
+                <a:ea typeface="+mn-ea"/>
+              </a:rPr>
+              <a:t>Person.prototype</a:t>
+            </a:r>
+            <a:r>
+              <a:rPr lang="zh-CN" altLang="en-US" sz="2200">
+                <a:solidFill>
+                  <a:srgbClr val="FF0000"/>
+                </a:solidFill>
+                <a:latin typeface="+mn-ea"/>
+                <a:ea typeface="+mn-ea"/>
+              </a:rPr>
+              <a:t>、</a:t>
+            </a:r>
+            <a:r>
+              <a:rPr lang="en-US" altLang="zh-CN" sz="2200">
+                <a:solidFill>
+                  <a:srgbClr val="FF0000"/>
+                </a:solidFill>
+                <a:latin typeface="+mn-ea"/>
+                <a:ea typeface="+mn-ea"/>
+              </a:rPr>
+              <a:t>Student.prototype</a:t>
+            </a:r>
+            <a:r>
+              <a:rPr lang="zh-CN" altLang="en-US" sz="2200">
+                <a:solidFill>
+                  <a:srgbClr val="FF0000"/>
+                </a:solidFill>
+                <a:latin typeface="+mn-ea"/>
+                <a:ea typeface="+mn-ea"/>
+              </a:rPr>
+              <a:t>还是实例化的对象上？</a:t>
+            </a:r>
+            <a:endParaRPr lang="zh-CN" altLang="en-US" sz="2200">
+              <a:solidFill>
+                <a:srgbClr val="FF0000"/>
+              </a:solidFill>
+              <a:latin typeface="+mn-ea"/>
+              <a:ea typeface="+mn-ea"/>
+            </a:endParaRPr>
+          </a:p>
+        </p:txBody>
+      </p:sp>
+    </p:spTree>
+  </p:cSld>
+  <p:clrMapOvr>
+    <a:masterClrMapping/>
+  </p:clrMapOvr>
+  <p:timing>
+    <p:tnLst>
+      <p:par>
+        <p:cTn id="1" dur="indefinite" restart="never" fill="hold" nodeType="tmRoot">
+          <p:childTnLst>
+            <p:seq concurrent="1" nextAc="seek">
+              <p:cTn id="2" dur="indefinite" fill="hold" nodeType="mainSeq">
+                <p:childTnLst>
+                  <p:par>
+                    <p:cTn id="3" fill="hold">
+                      <p:stCondLst>
+                        <p:cond delay="indefinite"/>
+                        <p:cond evt="onBegin" delay="0">
+                          <p:tn val="2"/>
+                        </p:cond>
+                      </p:stCondLst>
+                      <p:childTnLst>
+                        <p:par>
+                          <p:cTn id="4" fill="hold">
+                            <p:stCondLst>
+                              <p:cond delay="0"/>
+                            </p:stCondLst>
+                            <p:childTnLst>
+                              <p:par>
+                                <p:cTn id="5" presetID="2" presetClass="entr" presetSubtype="4" fill="hold" grpId="0" nodeType="afterEffect">
+                                  <p:stCondLst>
+                                    <p:cond delay="0"/>
+                                  </p:stCondLst>
+                                  <p:childTnLst>
+                                    <p:set>
+                                      <p:cBhvr>
+                                        <p:cTn id="6" dur="1" fill="hold">
+                                          <p:stCondLst>
+                                            <p:cond delay="0"/>
+                                          </p:stCondLst>
+                                        </p:cTn>
+                                        <p:tgtEl>
+                                          <p:spTgt spid="6"/>
+                                        </p:tgtEl>
+                                        <p:attrNameLst>
+                                          <p:attrName>style.visibility</p:attrName>
+                                        </p:attrNameLst>
+                                      </p:cBhvr>
+                                      <p:to>
+                                        <p:strVal val="visible"/>
+                                      </p:to>
+                                    </p:set>
+                                    <p:anim calcmode="lin" valueType="num">
+                                      <p:cBhvr additive="base">
+                                        <p:cTn id="7" dur="500" fill="hold"/>
+                                        <p:tgtEl>
+                                          <p:spTgt spid="6"/>
+                                        </p:tgtEl>
+                                        <p:attrNameLst>
+                                          <p:attrName>ppt_x</p:attrName>
+                                        </p:attrNameLst>
+                                      </p:cBhvr>
+                                      <p:tavLst>
+                                        <p:tav tm="0">
+                                          <p:val>
+                                            <p:strVal val="#ppt_x"/>
+                                          </p:val>
+                                        </p:tav>
+                                        <p:tav tm="100000">
+                                          <p:val>
+                                            <p:strVal val="#ppt_x"/>
+                                          </p:val>
+                                        </p:tav>
+                                      </p:tavLst>
+                                    </p:anim>
+                                    <p:anim calcmode="lin" valueType="num">
+                                      <p:cBhvr additive="base">
+                                        <p:cTn id="8" dur="500" fill="hold"/>
+                                        <p:tgtEl>
+                                          <p:spTgt spid="6"/>
+                                        </p:tgtEl>
+                                        <p:attrNameLst>
+                                          <p:attrName>ppt_y</p:attrName>
+                                        </p:attrNameLst>
+                                      </p:cBhvr>
+                                      <p:tavLst>
+                                        <p:tav tm="0">
+                                          <p:val>
+                                            <p:strVal val="1+#ppt_h/2"/>
+                                          </p:val>
+                                        </p:tav>
+                                        <p:tav tm="100000">
+                                          <p:val>
+                                            <p:strVal val="#ppt_y"/>
+                                          </p:val>
+                                        </p:tav>
+                                      </p:tavLst>
+                                    </p:anim>
+                                  </p:childTnLst>
+                                </p:cTn>
+                              </p:par>
+                            </p:childTnLst>
+                          </p:cTn>
+                        </p:par>
+                      </p:childTnLst>
+                    </p:cTn>
+                  </p:par>
+                </p:childTnLst>
+              </p:cTn>
+              <p:prevCondLst>
+                <p:cond evt="onPrev" delay="0">
+                  <p:tgtEl>
+                    <p:sldTgt/>
+                  </p:tgtEl>
+                </p:cond>
+              </p:prevCondLst>
+              <p:nextCondLst>
+                <p:cond evt="onNext" delay="0">
+                  <p:tgtEl>
+                    <p:sldTgt/>
+                  </p:tgtEl>
+                </p:cond>
+              </p:nextCondLst>
+            </p:seq>
+          </p:childTnLst>
+        </p:cTn>
+      </p:par>
+    </p:tnLst>
+    <p:bldLst>
+      <p:bldP spid="6" grpId="0"/>
+    </p:bldLst>
+  </p:timing>
+</p:sld>
+</file>
+
+<file path=ppt/slides/slide23.xml><?xml version="1.0" encoding="utf-8"?>
+<p:sld xmlns:a="http://schemas.openxmlformats.org/drawingml/2006/main" xmlns:r="http://schemas.openxmlformats.org/officeDocument/2006/relationships" xmlns:p="http://schemas.openxmlformats.org/presentationml/2006/main">
+  <p:cSld>
+    <p:spTree>
+      <p:nvGrpSpPr>
+        <p:cNvPr id="1" name=""/>
+        <p:cNvGrpSpPr/>
+        <p:nvPr/>
+      </p:nvGrpSpPr>
+      <p:grpSpPr>
+        <a:xfrm>
+          <a:off x="0" y="0"/>
+          <a:ext cx="0" cy="0"/>
+          <a:chOff x="0" y="0"/>
+          <a:chExt cx="0" cy="0"/>
+        </a:xfrm>
+      </p:grpSpPr>
+      <p:sp>
+        <p:nvSpPr>
+          <p:cNvPr id="3" name="内容占位符 2"/>
+          <p:cNvSpPr>
+            <a:spLocks noGrp="1"/>
+          </p:cNvSpPr>
+          <p:nvPr>
+            <p:ph sz="quarter" idx="11"/>
+          </p:nvPr>
+        </p:nvSpPr>
+        <p:spPr>
+          <a:xfrm>
+            <a:off x="947204" y="308698"/>
+            <a:ext cx="8191557" cy="490476"/>
+          </a:xfrm>
+        </p:spPr>
+        <p:txBody>
+          <a:bodyPr/>
+          <a:p>
+            <a:r>
+              <a:rPr kumimoji="0" lang="zh-CN" altLang="en-US" b="0" dirty="0">
+                <a:solidFill>
+                  <a:srgbClr val="C00000"/>
+                </a:solidFill>
+                <a:sym typeface="+mn-ea"/>
+              </a:rPr>
+              <a:t>模拟类</a:t>
+            </a:r>
+            <a:r>
+              <a:rPr kumimoji="0" lang="en-US" altLang="zh-CN" b="0" dirty="0">
+                <a:solidFill>
+                  <a:srgbClr val="C00000"/>
+                </a:solidFill>
+                <a:sym typeface="+mn-ea"/>
+              </a:rPr>
+              <a:t>-</a:t>
+            </a:r>
+            <a:r>
+              <a:rPr kumimoji="0" lang="zh-CN" altLang="en-US" b="0" dirty="0">
+                <a:solidFill>
+                  <a:srgbClr val="C00000"/>
+                </a:solidFill>
+                <a:sym typeface="+mn-ea"/>
+              </a:rPr>
+              <a:t>类继承的形式 二 （避免原型共享）</a:t>
+            </a:r>
+            <a:endParaRPr kumimoji="0" lang="en-US" altLang="zh-CN" b="0" dirty="0" smtClean="0">
+              <a:solidFill>
+                <a:srgbClr val="C00000"/>
+              </a:solidFill>
+              <a:latin typeface="微软雅黑" panose="020B0503020204020204" pitchFamily="34" charset="-122"/>
+              <a:ea typeface="微软雅黑" panose="020B0503020204020204" pitchFamily="34" charset="-122"/>
+              <a:sym typeface="+mn-ea"/>
+            </a:endParaRPr>
+          </a:p>
+          <a:p>
+            <a:endParaRPr kumimoji="0" lang="zh-CN" altLang="en-US" b="0" dirty="0">
+              <a:solidFill>
+                <a:srgbClr val="C00000"/>
+              </a:solidFill>
+            </a:endParaRPr>
+          </a:p>
+          <a:p>
+            <a:endParaRPr lang="zh-CN" altLang="en-US" dirty="0"/>
+          </a:p>
+        </p:txBody>
+      </p:sp>
+      <p:pic>
+        <p:nvPicPr>
+          <p:cNvPr id="4" name="图片 3"/>
+          <p:cNvPicPr>
+            <a:picLocks noChangeAspect="1"/>
+          </p:cNvPicPr>
+          <p:nvPr/>
+        </p:nvPicPr>
+        <p:blipFill>
+          <a:blip r:embed="rId1"/>
+          <a:stretch>
+            <a:fillRect/>
+          </a:stretch>
+        </p:blipFill>
+        <p:spPr>
+          <a:xfrm>
+            <a:off x="1020445" y="966470"/>
+            <a:ext cx="8477250" cy="4948555"/>
+          </a:xfrm>
+          <a:prstGeom prst="rect">
+            <a:avLst/>
+          </a:prstGeom>
+        </p:spPr>
+      </p:pic>
+    </p:spTree>
+  </p:cSld>
+  <p:clrMapOvr>
+    <a:masterClrMapping/>
+  </p:clrMapOvr>
+  <p:timing>
+    <p:tnLst>
+      <p:par>
+        <p:cTn id="1" dur="indefinite" restart="never" nodeType="tmRoot"/>
+      </p:par>
+    </p:tnLst>
+  </p:timing>
+</p:sld>
+</file>
+
+<file path=ppt/slides/slide24.xml><?xml version="1.0" encoding="utf-8"?>
+<p:sld xmlns:a="http://schemas.openxmlformats.org/drawingml/2006/main" xmlns:r="http://schemas.openxmlformats.org/officeDocument/2006/relationships" xmlns:p="http://schemas.openxmlformats.org/presentationml/2006/main">
+  <p:cSld>
+    <p:spTree>
+      <p:nvGrpSpPr>
+        <p:cNvPr id="1" name=""/>
+        <p:cNvGrpSpPr/>
+        <p:nvPr/>
+      </p:nvGrpSpPr>
+      <p:grpSpPr>
+        <a:xfrm>
+          <a:off x="0" y="0"/>
+          <a:ext cx="0" cy="0"/>
+          <a:chOff x="0" y="0"/>
+          <a:chExt cx="0" cy="0"/>
+        </a:xfrm>
+      </p:grpSpPr>
+      <p:sp>
+        <p:nvSpPr>
+          <p:cNvPr id="5123" name="AutoShape 6"/>
+          <p:cNvSpPr>
+            <a:spLocks noChangeArrowheads="1"/>
+          </p:cNvSpPr>
+          <p:nvPr/>
+        </p:nvSpPr>
+        <p:spPr bwMode="auto">
+          <a:xfrm>
+            <a:off x="2566988" y="1339851"/>
+            <a:ext cx="6711950" cy="4214813"/>
+          </a:xfrm>
+          <a:prstGeom prst="roundRect">
+            <a:avLst>
+              <a:gd name="adj" fmla="val 16667"/>
+            </a:avLst>
+          </a:prstGeom>
+          <a:noFill/>
+          <a:ln w="28575">
+            <a:solidFill>
+              <a:srgbClr val="C0C0C0"/>
+            </a:solidFill>
+            <a:prstDash val="sysDot"/>
+            <a:round/>
+          </a:ln>
+          <a:extLst>
+            <a:ext uri="{909E8E84-426E-40DD-AFC4-6F175D3DCCD1}">
+              <a14:hiddenFill xmlns:a14="http://schemas.microsoft.com/office/drawing/2010/main">
+                <a:solidFill>
+                  <a:srgbClr val="FFFFFF"/>
+                </a:solidFill>
+              </a14:hiddenFill>
+            </a:ext>
+          </a:extLst>
+        </p:spPr>
+        <p:txBody>
+          <a:bodyPr wrap="none" anchor="ctr"/>
+          <a:lstStyle>
+            <a:lvl1pPr marL="457200" indent="-457200">
+              <a:defRPr sz="3200">
+                <a:solidFill>
+                  <a:schemeClr val="tx1"/>
+                </a:solidFill>
+                <a:latin typeface="Arial" panose="020B0604020202020204" pitchFamily="34" charset="0"/>
+                <a:ea typeface="微软雅黑" panose="020B0503020204020204" pitchFamily="34" charset="-122"/>
+              </a:defRPr>
+            </a:lvl1pPr>
+            <a:lvl2pPr marL="742950" indent="-285750">
+              <a:defRPr sz="3200">
+                <a:solidFill>
+                  <a:schemeClr val="tx1"/>
+                </a:solidFill>
+                <a:latin typeface="Arial" panose="020B0604020202020204" pitchFamily="34" charset="0"/>
+                <a:ea typeface="微软雅黑" panose="020B0503020204020204" pitchFamily="34" charset="-122"/>
+              </a:defRPr>
+            </a:lvl2pPr>
+            <a:lvl3pPr marL="1143000" indent="-228600">
+              <a:defRPr sz="3200">
+                <a:solidFill>
+                  <a:schemeClr val="tx1"/>
+                </a:solidFill>
+                <a:latin typeface="Arial" panose="020B0604020202020204" pitchFamily="34" charset="0"/>
+                <a:ea typeface="微软雅黑" panose="020B0503020204020204" pitchFamily="34" charset="-122"/>
+              </a:defRPr>
+            </a:lvl3pPr>
+            <a:lvl4pPr marL="1600200" indent="-228600">
+              <a:defRPr sz="3200">
+                <a:solidFill>
+                  <a:schemeClr val="tx1"/>
+                </a:solidFill>
+                <a:latin typeface="Arial" panose="020B0604020202020204" pitchFamily="34" charset="0"/>
+                <a:ea typeface="微软雅黑" panose="020B0503020204020204" pitchFamily="34" charset="-122"/>
+              </a:defRPr>
+            </a:lvl4pPr>
+            <a:lvl5pPr marL="2057400" indent="-228600">
+              <a:defRPr sz="3200">
+                <a:solidFill>
+                  <a:schemeClr val="tx1"/>
+                </a:solidFill>
+                <a:latin typeface="Arial" panose="020B0604020202020204" pitchFamily="34" charset="0"/>
+                <a:ea typeface="微软雅黑" panose="020B0503020204020204" pitchFamily="34" charset="-122"/>
+              </a:defRPr>
+            </a:lvl5pPr>
+            <a:lvl6pPr marL="2514600" indent="-228600" eaLnBrk="0" fontAlgn="base" hangingPunct="0">
+              <a:spcBef>
+                <a:spcPct val="0"/>
+              </a:spcBef>
+              <a:spcAft>
+                <a:spcPct val="0"/>
+              </a:spcAft>
+              <a:defRPr sz="3200">
+                <a:solidFill>
+                  <a:schemeClr val="tx1"/>
+                </a:solidFill>
+                <a:latin typeface="Arial" panose="020B0604020202020204" pitchFamily="34" charset="0"/>
+                <a:ea typeface="微软雅黑" panose="020B0503020204020204" pitchFamily="34" charset="-122"/>
+              </a:defRPr>
+            </a:lvl6pPr>
+            <a:lvl7pPr marL="2971800" indent="-228600" eaLnBrk="0" fontAlgn="base" hangingPunct="0">
+              <a:spcBef>
+                <a:spcPct val="0"/>
+              </a:spcBef>
+              <a:spcAft>
+                <a:spcPct val="0"/>
+              </a:spcAft>
+              <a:defRPr sz="3200">
+                <a:solidFill>
+                  <a:schemeClr val="tx1"/>
+                </a:solidFill>
+                <a:latin typeface="Arial" panose="020B0604020202020204" pitchFamily="34" charset="0"/>
+                <a:ea typeface="微软雅黑" panose="020B0503020204020204" pitchFamily="34" charset="-122"/>
+              </a:defRPr>
+            </a:lvl7pPr>
+            <a:lvl8pPr marL="3429000" indent="-228600" eaLnBrk="0" fontAlgn="base" hangingPunct="0">
+              <a:spcBef>
+                <a:spcPct val="0"/>
+              </a:spcBef>
+              <a:spcAft>
+                <a:spcPct val="0"/>
+              </a:spcAft>
+              <a:defRPr sz="3200">
+                <a:solidFill>
+                  <a:schemeClr val="tx1"/>
+                </a:solidFill>
+                <a:latin typeface="Arial" panose="020B0604020202020204" pitchFamily="34" charset="0"/>
+                <a:ea typeface="微软雅黑" panose="020B0503020204020204" pitchFamily="34" charset="-122"/>
+              </a:defRPr>
+            </a:lvl8pPr>
+            <a:lvl9pPr marL="3886200" indent="-228600" eaLnBrk="0" fontAlgn="base" hangingPunct="0">
+              <a:spcBef>
+                <a:spcPct val="0"/>
+              </a:spcBef>
+              <a:spcAft>
+                <a:spcPct val="0"/>
+              </a:spcAft>
+              <a:defRPr sz="3200">
+                <a:solidFill>
+                  <a:schemeClr val="tx1"/>
+                </a:solidFill>
+                <a:latin typeface="Arial" panose="020B0604020202020204" pitchFamily="34" charset="0"/>
+                <a:ea typeface="微软雅黑" panose="020B0503020204020204" pitchFamily="34" charset="-122"/>
+              </a:defRPr>
+            </a:lvl9pPr>
+          </a:lstStyle>
+          <a:p>
+            <a:pPr algn="l">
+              <a:lnSpc>
+                <a:spcPct val="150000"/>
+              </a:lnSpc>
+              <a:spcBef>
+                <a:spcPts val="1200"/>
+              </a:spcBef>
+              <a:spcAft>
+                <a:spcPts val="1200"/>
+              </a:spcAft>
+              <a:buClr>
+                <a:srgbClr val="92D050"/>
+              </a:buClr>
+              <a:buFont typeface="Wingdings" panose="05000000000000000000" pitchFamily="2" charset="2"/>
+              <a:buChar char="Ø"/>
+            </a:pPr>
+            <a:r>
+              <a:rPr lang="en-US" altLang="zh-CN" sz="2800" b="1">
+                <a:solidFill>
+                  <a:schemeClr val="tx1"/>
+                </a:solidFill>
+                <a:sym typeface="+mn-ea"/>
+              </a:rPr>
+              <a:t>JS</a:t>
+            </a:r>
+            <a:r>
+              <a:rPr lang="zh-CN" altLang="en-US" sz="2800" b="1">
+                <a:solidFill>
+                  <a:schemeClr val="tx1"/>
+                </a:solidFill>
+                <a:sym typeface="+mn-ea"/>
+              </a:rPr>
+              <a:t>对象</a:t>
+            </a:r>
+            <a:r>
+              <a:rPr lang="en-US" altLang="zh-CN" sz="2800" b="1">
+                <a:solidFill>
+                  <a:schemeClr val="tx1"/>
+                </a:solidFill>
+                <a:sym typeface="+mn-ea"/>
+              </a:rPr>
+              <a:t>-</a:t>
+            </a:r>
+            <a:r>
+              <a:rPr lang="zh-CN" altLang="en-US" sz="2800" b="1">
+                <a:solidFill>
+                  <a:schemeClr val="tx1"/>
+                </a:solidFill>
+                <a:sym typeface="+mn-ea"/>
+              </a:rPr>
+              <a:t>对象原型继承</a:t>
+            </a:r>
+            <a:endParaRPr lang="zh-CN" altLang="en-US" sz="2800" b="1">
+              <a:solidFill>
+                <a:schemeClr val="tx1"/>
+              </a:solidFill>
+              <a:sym typeface="+mn-ea"/>
+            </a:endParaRPr>
+          </a:p>
+          <a:p>
+            <a:pPr algn="l">
+              <a:lnSpc>
+                <a:spcPct val="150000"/>
+              </a:lnSpc>
+              <a:spcBef>
+                <a:spcPts val="1200"/>
+              </a:spcBef>
+              <a:spcAft>
+                <a:spcPts val="1200"/>
+              </a:spcAft>
+              <a:buClr>
+                <a:srgbClr val="92D050"/>
+              </a:buClr>
+              <a:buFont typeface="Wingdings" panose="05000000000000000000" pitchFamily="2" charset="2"/>
+              <a:buChar char="Ø"/>
+            </a:pPr>
+            <a:r>
+              <a:rPr lang="zh-CN" altLang="en-US" sz="2800" b="1">
+                <a:solidFill>
+                  <a:schemeClr val="accent3"/>
+                </a:solidFill>
+                <a:sym typeface="+mn-ea"/>
+              </a:rPr>
+              <a:t>通过构造函数模拟类</a:t>
+            </a:r>
+            <a:r>
+              <a:rPr lang="en-US" altLang="zh-CN" sz="2800" b="1">
+                <a:solidFill>
+                  <a:schemeClr val="accent3"/>
+                </a:solidFill>
+                <a:sym typeface="+mn-ea"/>
+              </a:rPr>
+              <a:t>-</a:t>
+            </a:r>
+            <a:r>
+              <a:rPr lang="zh-CN" altLang="en-US" sz="2800" b="1">
+                <a:solidFill>
+                  <a:schemeClr val="accent3"/>
+                </a:solidFill>
+                <a:sym typeface="+mn-ea"/>
+              </a:rPr>
+              <a:t>类的继承</a:t>
+            </a:r>
+            <a:endParaRPr lang="zh-CN" altLang="en-US" sz="2800" b="1">
+              <a:solidFill>
+                <a:schemeClr val="accent3"/>
+              </a:solidFill>
+              <a:sym typeface="+mn-ea"/>
+            </a:endParaRPr>
+          </a:p>
+          <a:p>
+            <a:pPr algn="l">
+              <a:lnSpc>
+                <a:spcPct val="150000"/>
+              </a:lnSpc>
+              <a:spcBef>
+                <a:spcPts val="1200"/>
+              </a:spcBef>
+              <a:spcAft>
+                <a:spcPts val="1200"/>
+              </a:spcAft>
+              <a:buClr>
+                <a:srgbClr val="92D050"/>
+              </a:buClr>
+              <a:buFont typeface="Wingdings" panose="05000000000000000000" pitchFamily="2" charset="2"/>
+              <a:buChar char="Ø"/>
+            </a:pPr>
+            <a:r>
+              <a:rPr lang="en-US" altLang="zh-CN" sz="2800" b="1">
+                <a:solidFill>
+                  <a:schemeClr val="tx1"/>
+                </a:solidFill>
+                <a:sym typeface="+mn-ea"/>
+              </a:rPr>
+              <a:t>JS</a:t>
+            </a:r>
+            <a:r>
+              <a:rPr lang="zh-CN" altLang="en-US" sz="2800" b="1">
+                <a:solidFill>
+                  <a:schemeClr val="tx1"/>
+                </a:solidFill>
+                <a:sym typeface="+mn-ea"/>
+              </a:rPr>
+              <a:t>继承补充部分</a:t>
+            </a:r>
+            <a:endParaRPr lang="zh-CN" altLang="en-US" sz="2800" b="1">
+              <a:solidFill>
+                <a:schemeClr val="tx1"/>
+              </a:solidFill>
+              <a:sym typeface="+mn-ea"/>
+            </a:endParaRPr>
+          </a:p>
+        </p:txBody>
+      </p:sp>
+      <p:sp>
+        <p:nvSpPr>
+          <p:cNvPr id="4" name="内容占位符 3"/>
+          <p:cNvSpPr txBox="1"/>
+          <p:nvPr/>
+        </p:nvSpPr>
+        <p:spPr>
+          <a:xfrm>
+            <a:off x="981657" y="236943"/>
+            <a:ext cx="8191557" cy="490476"/>
+          </a:xfrm>
+          <a:prstGeom prst="rect">
+            <a:avLst/>
+          </a:prstGeom>
+        </p:spPr>
+        <p:txBody>
+          <a:bodyPr/>
+          <a:lstStyle>
+            <a:lvl1pPr marL="167005" indent="-167005" algn="l" defTabSz="0" rtl="0" eaLnBrk="0" fontAlgn="base" hangingPunct="0">
+              <a:spcBef>
+                <a:spcPct val="0"/>
+              </a:spcBef>
+              <a:spcAft>
+                <a:spcPct val="15000"/>
+              </a:spcAft>
+              <a:buClr>
+                <a:schemeClr val="tx2"/>
+              </a:buClr>
+              <a:buFont typeface="Arial" panose="020B0604020202020204" pitchFamily="34" charset="0"/>
+              <a:buChar char="•"/>
+              <a:defRPr kumimoji="1" sz="1600">
+                <a:solidFill>
+                  <a:srgbClr val="006F53"/>
+                </a:solidFill>
+                <a:latin typeface="微软雅黑" panose="020B0503020204020204" pitchFamily="34" charset="-122"/>
+                <a:ea typeface="微软雅黑" panose="020B0503020204020204" pitchFamily="34" charset="-122"/>
+                <a:cs typeface="微软雅黑" panose="020B0503020204020204" pitchFamily="34" charset="-122"/>
+              </a:defRPr>
+            </a:lvl1pPr>
+            <a:lvl2pPr marL="398780" indent="-230505" algn="l" defTabSz="0" rtl="0" eaLnBrk="0" fontAlgn="base" hangingPunct="0">
+              <a:spcBef>
+                <a:spcPct val="0"/>
+              </a:spcBef>
+              <a:spcAft>
+                <a:spcPct val="15000"/>
+              </a:spcAft>
+              <a:buClr>
+                <a:schemeClr val="tx2"/>
+              </a:buClr>
+              <a:buFont typeface="Arial" panose="020B0604020202020204" pitchFamily="34" charset="0"/>
+              <a:buChar char="–"/>
+              <a:defRPr kumimoji="1" sz="2800">
+                <a:solidFill>
+                  <a:schemeClr val="bg2"/>
+                </a:solidFill>
+                <a:latin typeface="微软雅黑" panose="020B0503020204020204" pitchFamily="34" charset="-122"/>
+                <a:ea typeface="微软雅黑" panose="020B0503020204020204" pitchFamily="34" charset="-122"/>
+                <a:cs typeface="微软雅黑" panose="020B0503020204020204" pitchFamily="34" charset="-122"/>
+              </a:defRPr>
+            </a:lvl2pPr>
+            <a:lvl3pPr marL="400050" indent="182880" algn="l" defTabSz="0" rtl="0" eaLnBrk="0" fontAlgn="base" hangingPunct="0">
+              <a:spcBef>
+                <a:spcPct val="0"/>
+              </a:spcBef>
+              <a:spcAft>
+                <a:spcPct val="15000"/>
+              </a:spcAft>
+              <a:buClr>
+                <a:schemeClr val="tx2"/>
+              </a:buClr>
+              <a:buFont typeface="Arial" panose="020B0604020202020204" pitchFamily="34" charset="0"/>
+              <a:buChar char="•"/>
+              <a:defRPr kumimoji="1" sz="1600">
+                <a:solidFill>
+                  <a:schemeClr val="bg2"/>
+                </a:solidFill>
+                <a:latin typeface="微软雅黑" panose="020B0503020204020204" pitchFamily="34" charset="-122"/>
+                <a:ea typeface="微软雅黑" panose="020B0503020204020204" pitchFamily="34" charset="-122"/>
+                <a:cs typeface="微软雅黑" panose="020B0503020204020204" pitchFamily="34" charset="-122"/>
+              </a:defRPr>
+            </a:lvl3pPr>
+            <a:lvl4pPr marL="825500" indent="-241300" algn="l" defTabSz="0" rtl="0" eaLnBrk="0" fontAlgn="base" hangingPunct="0">
+              <a:spcBef>
+                <a:spcPct val="0"/>
+              </a:spcBef>
+              <a:spcAft>
+                <a:spcPct val="15000"/>
+              </a:spcAft>
+              <a:buClr>
+                <a:schemeClr val="tx2"/>
+              </a:buClr>
+              <a:buFont typeface="Arial" panose="020B0604020202020204" pitchFamily="34" charset="0"/>
+              <a:buChar char="–"/>
+              <a:defRPr kumimoji="1" sz="1600">
+                <a:solidFill>
+                  <a:schemeClr val="bg2"/>
+                </a:solidFill>
+                <a:latin typeface="微软雅黑" panose="020B0503020204020204" pitchFamily="34" charset="-122"/>
+                <a:ea typeface="微软雅黑" panose="020B0503020204020204" pitchFamily="34" charset="-122"/>
+                <a:cs typeface="微软雅黑" panose="020B0503020204020204" pitchFamily="34" charset="-122"/>
+              </a:defRPr>
+            </a:lvl4pPr>
+            <a:lvl5pPr marL="2057400" indent="-228600" algn="l" defTabSz="0" rtl="0" eaLnBrk="0" fontAlgn="base" hangingPunct="0">
+              <a:spcBef>
+                <a:spcPct val="0"/>
+              </a:spcBef>
+              <a:spcAft>
+                <a:spcPct val="25000"/>
+              </a:spcAft>
+              <a:buClr>
+                <a:schemeClr val="tx2"/>
+              </a:buClr>
+              <a:buFont typeface="Arial" panose="020B0604020202020204" pitchFamily="34" charset="0"/>
+              <a:buChar char="–"/>
+              <a:defRPr kumimoji="1" sz="2000">
+                <a:solidFill>
+                  <a:schemeClr val="tx1"/>
+                </a:solidFill>
+                <a:latin typeface="+mn-lt"/>
+                <a:ea typeface="微软雅黑" panose="020B0503020204020204" pitchFamily="34" charset="-122"/>
+                <a:cs typeface="微软雅黑" panose="020B0503020204020204" pitchFamily="34" charset="-122"/>
+              </a:defRPr>
+            </a:lvl5pPr>
+            <a:lvl6pPr marL="2514600" indent="-228600" algn="l" defTabSz="0" rtl="0" eaLnBrk="0" fontAlgn="base" hangingPunct="0">
+              <a:spcBef>
+                <a:spcPct val="0"/>
+              </a:spcBef>
+              <a:spcAft>
+                <a:spcPct val="25000"/>
+              </a:spcAft>
+              <a:buClr>
+                <a:schemeClr val="tx2"/>
+              </a:buClr>
+              <a:buFont typeface="Arial" panose="020B0604020202020204" pitchFamily="34" charset="0"/>
+              <a:buChar char="–"/>
+              <a:defRPr>
+                <a:solidFill>
+                  <a:schemeClr val="tx1"/>
+                </a:solidFill>
+                <a:latin typeface="+mn-lt"/>
+              </a:defRPr>
+            </a:lvl6pPr>
+            <a:lvl7pPr marL="2971800" indent="-228600" algn="l" defTabSz="0" rtl="0" eaLnBrk="0" fontAlgn="base" hangingPunct="0">
+              <a:spcBef>
+                <a:spcPct val="0"/>
+              </a:spcBef>
+              <a:spcAft>
+                <a:spcPct val="25000"/>
+              </a:spcAft>
+              <a:buClr>
+                <a:schemeClr val="tx2"/>
+              </a:buClr>
+              <a:buFont typeface="Arial" panose="020B0604020202020204" pitchFamily="34" charset="0"/>
+              <a:buChar char="–"/>
+              <a:defRPr>
+                <a:solidFill>
+                  <a:schemeClr val="tx1"/>
+                </a:solidFill>
+                <a:latin typeface="+mn-lt"/>
+              </a:defRPr>
+            </a:lvl7pPr>
+            <a:lvl8pPr marL="3429000" indent="-228600" algn="l" defTabSz="0" rtl="0" eaLnBrk="0" fontAlgn="base" hangingPunct="0">
+              <a:spcBef>
+                <a:spcPct val="0"/>
+              </a:spcBef>
+              <a:spcAft>
+                <a:spcPct val="25000"/>
+              </a:spcAft>
+              <a:buClr>
+                <a:schemeClr val="tx2"/>
+              </a:buClr>
+              <a:buFont typeface="Arial" panose="020B0604020202020204" pitchFamily="34" charset="0"/>
+              <a:buChar char="–"/>
+              <a:defRPr>
+                <a:solidFill>
+                  <a:schemeClr val="tx1"/>
+                </a:solidFill>
+                <a:latin typeface="+mn-lt"/>
+              </a:defRPr>
+            </a:lvl8pPr>
+            <a:lvl9pPr marL="3886200" indent="-228600" algn="l" defTabSz="0" rtl="0" eaLnBrk="0" fontAlgn="base" hangingPunct="0">
+              <a:spcBef>
+                <a:spcPct val="0"/>
+              </a:spcBef>
+              <a:spcAft>
+                <a:spcPct val="25000"/>
+              </a:spcAft>
+              <a:buClr>
+                <a:schemeClr val="tx2"/>
+              </a:buClr>
+              <a:buFont typeface="Arial" panose="020B0604020202020204" pitchFamily="34" charset="0"/>
+              <a:buChar char="–"/>
+              <a:defRPr>
+                <a:solidFill>
+                  <a:schemeClr val="tx1"/>
+                </a:solidFill>
+                <a:latin typeface="+mn-lt"/>
+              </a:defRPr>
+            </a:lvl9pPr>
+          </a:lstStyle>
+          <a:p>
+            <a:pPr marL="0" indent="0">
+              <a:buNone/>
+            </a:pPr>
+            <a:r>
+              <a:rPr lang="zh-CN" altLang="en-US" sz="3200" dirty="0" smtClean="0">
+                <a:solidFill>
+                  <a:srgbClr val="C00000"/>
+                </a:solidFill>
+                <a:cs typeface="+mn-cs"/>
+                <a:sym typeface="+mn-ea"/>
+              </a:rPr>
+              <a:t>内容提纲</a:t>
+            </a:r>
+            <a:endParaRPr lang="zh-CN" altLang="en-US" kern="0" dirty="0"/>
+          </a:p>
+        </p:txBody>
+      </p:sp>
+    </p:spTree>
+  </p:cSld>
+  <p:clrMapOvr>
+    <a:masterClrMapping/>
+  </p:clrMapOvr>
+  <p:timing>
+    <p:tnLst>
+      <p:par>
+        <p:cTn id="1" dur="indefinite" restart="never" nodeType="tmRoot"/>
+      </p:par>
+    </p:tnLst>
+  </p:timing>
+</p:sld>
+</file>
+
+<file path=ppt/slides/slide25.xml><?xml version="1.0" encoding="utf-8"?>
 <p:sld xmlns:a="http://schemas.openxmlformats.org/drawingml/2006/main" xmlns:r="http://schemas.openxmlformats.org/officeDocument/2006/relationships" xmlns:p="http://schemas.openxmlformats.org/presentationml/2006/main">
   <p:cSld>
     <p:spTree>
@@ -14496,7 +17425,371 @@
         </p:nvSpPr>
         <p:spPr>
           <a:xfrm>
-            <a:off x="1143000" y="855345"/>
+            <a:off x="927735" y="855345"/>
+            <a:ext cx="9776460" cy="4918710"/>
+          </a:xfrm>
+        </p:spPr>
+        <p:txBody>
+          <a:bodyPr/>
+          <a:lstStyle/>
+          <a:p>
+            <a:pPr marL="0" indent="0">
+              <a:lnSpc>
+                <a:spcPct val="160000"/>
+              </a:lnSpc>
+              <a:buNone/>
+            </a:pPr>
+            <a:r>
+              <a:rPr lang="en-US" altLang="zh-CN" sz="1800" dirty="0">
+                <a:solidFill>
+                  <a:schemeClr val="tx1"/>
+                </a:solidFill>
+                <a:sym typeface="+mn-ea"/>
+              </a:rPr>
+              <a:t>- 原型对象它将自身的属性共享给新对象</a:t>
+            </a:r>
+            <a:r>
+              <a:rPr lang="zh-CN" altLang="en-US" sz="1800" dirty="0">
+                <a:solidFill>
+                  <a:schemeClr val="tx1"/>
+                </a:solidFill>
+                <a:sym typeface="+mn-ea"/>
+              </a:rPr>
+              <a:t>（</a:t>
+            </a:r>
+            <a:r>
+              <a:rPr lang="en-US" altLang="zh-CN" sz="1800" dirty="0">
+                <a:solidFill>
+                  <a:srgbClr val="FF0000"/>
+                </a:solidFill>
+                <a:sym typeface="+mn-ea"/>
+              </a:rPr>
+              <a:t>原型对象</a:t>
+            </a:r>
+            <a:r>
+              <a:rPr lang="en-US" altLang="zh-CN" sz="1800" dirty="0">
+                <a:solidFill>
+                  <a:schemeClr val="tx1"/>
+                </a:solidFill>
+                <a:sym typeface="+mn-ea"/>
+              </a:rPr>
+              <a:t>是原型语言的核心</a:t>
+            </a:r>
+            <a:r>
+              <a:rPr lang="zh-CN" altLang="en-US" sz="1800" dirty="0">
+                <a:solidFill>
+                  <a:schemeClr val="tx1"/>
+                </a:solidFill>
+                <a:sym typeface="+mn-ea"/>
+              </a:rPr>
+              <a:t>）</a:t>
+            </a:r>
+            <a:br>
+              <a:rPr lang="en-US" altLang="zh-CN" sz="1800" dirty="0">
+                <a:solidFill>
+                  <a:schemeClr val="tx1"/>
+                </a:solidFill>
+                <a:sym typeface="+mn-ea"/>
+              </a:rPr>
+            </a:br>
+            <a:r>
+              <a:rPr lang="en-US" altLang="zh-CN" sz="1800" dirty="0">
+                <a:solidFill>
+                  <a:schemeClr val="tx1"/>
+                </a:solidFill>
+                <a:sym typeface="+mn-ea"/>
+              </a:rPr>
+              <a:t>- 一个对象不但可以享有自己创建时和运行时定义的属性，而且可以享有原型对象的属性</a:t>
+            </a:r>
+            <a:br>
+              <a:rPr lang="en-US" altLang="zh-CN" sz="1800" dirty="0">
+                <a:solidFill>
+                  <a:schemeClr val="tx1"/>
+                </a:solidFill>
+                <a:sym typeface="+mn-ea"/>
+              </a:rPr>
+            </a:br>
+            <a:r>
+              <a:rPr lang="en-US" altLang="zh-CN" sz="1800" dirty="0">
+                <a:solidFill>
+                  <a:schemeClr val="tx1"/>
+                </a:solidFill>
+                <a:sym typeface="+mn-ea"/>
+              </a:rPr>
+              <a:t>- 所有的对象都有原型，原型本身也是对象，</a:t>
+            </a:r>
+            <a:r>
+              <a:rPr lang="zh-CN" altLang="en-US" sz="1800" dirty="0">
+                <a:solidFill>
+                  <a:schemeClr val="tx1"/>
+                </a:solidFill>
+                <a:sym typeface="+mn-ea"/>
+              </a:rPr>
+              <a:t>形成的链式结构即为</a:t>
+            </a:r>
+            <a:r>
+              <a:rPr lang="zh-CN" altLang="en-US" sz="1800" dirty="0">
+                <a:solidFill>
+                  <a:srgbClr val="FF0000"/>
+                </a:solidFill>
+                <a:sym typeface="+mn-ea"/>
+              </a:rPr>
+              <a:t>原型链</a:t>
+            </a:r>
+            <a:br>
+              <a:rPr lang="zh-CN" altLang="en-US" sz="1800" dirty="0">
+                <a:solidFill>
+                  <a:srgbClr val="FF0000"/>
+                </a:solidFill>
+                <a:sym typeface="+mn-ea"/>
+              </a:rPr>
+            </a:br>
+            <a:r>
+              <a:rPr lang="en-US" altLang="zh-CN" sz="1800" dirty="0">
+                <a:solidFill>
+                  <a:schemeClr val="tx1"/>
+                </a:solidFill>
+                <a:sym typeface="+mn-ea"/>
+              </a:rPr>
+              <a:t>- 一个对象的真正原型是被对象内部的[[Prototype]]属性(property)所持有</a:t>
+            </a:r>
+            <a:br>
+              <a:rPr lang="en-US" altLang="zh-CN" sz="1800" dirty="0">
+                <a:solidFill>
+                  <a:schemeClr val="tx1"/>
+                </a:solidFill>
+                <a:sym typeface="+mn-ea"/>
+              </a:rPr>
+            </a:br>
+            <a:r>
+              <a:rPr lang="en-US" altLang="zh-CN" sz="1800" dirty="0">
+                <a:solidFill>
+                  <a:schemeClr val="tx1"/>
+                </a:solidFill>
+                <a:sym typeface="+mn-ea"/>
+              </a:rPr>
+              <a:t>- </a:t>
+            </a:r>
+            <a:r>
+              <a:rPr lang="zh-CN" altLang="en-US" sz="1800" dirty="0">
+                <a:solidFill>
+                  <a:schemeClr val="tx1"/>
+                </a:solidFill>
+                <a:sym typeface="+mn-ea"/>
+              </a:rPr>
+              <a:t>多态：</a:t>
+            </a:r>
+            <a:r>
+              <a:rPr lang="en-US" altLang="zh-CN" sz="1800" dirty="0">
+                <a:solidFill>
+                  <a:schemeClr val="tx1"/>
+                </a:solidFill>
+                <a:sym typeface="+mn-ea"/>
+              </a:rPr>
+              <a:t>for in </a:t>
+            </a:r>
+            <a:r>
+              <a:rPr lang="zh-CN" altLang="en-US" sz="1800" dirty="0">
+                <a:solidFill>
+                  <a:schemeClr val="tx1"/>
+                </a:solidFill>
+                <a:sym typeface="+mn-ea"/>
+              </a:rPr>
+              <a:t>遍历 结合</a:t>
+            </a:r>
+            <a:r>
+              <a:rPr lang="en-US" altLang="zh-CN" sz="1800" dirty="0">
+                <a:solidFill>
+                  <a:schemeClr val="tx1"/>
+                </a:solidFill>
+                <a:sym typeface="+mn-ea"/>
+              </a:rPr>
+              <a:t>Object.hasOwnProperty</a:t>
+            </a:r>
+            <a:br>
+              <a:rPr lang="en-US" altLang="zh-CN" sz="1800" dirty="0">
+                <a:solidFill>
+                  <a:schemeClr val="tx1"/>
+                </a:solidFill>
+                <a:sym typeface="+mn-ea"/>
+              </a:rPr>
+            </a:br>
+            <a:br>
+              <a:rPr lang="en-US" altLang="zh-CN" sz="1800" dirty="0">
+                <a:solidFill>
+                  <a:schemeClr val="tx1"/>
+                </a:solidFill>
+                <a:sym typeface="+mn-ea"/>
+              </a:rPr>
+            </a:br>
+            <a:r>
+              <a:rPr lang="en-US" altLang="zh-CN" sz="1800" dirty="0">
+                <a:solidFill>
+                  <a:schemeClr val="accent3"/>
+                </a:solidFill>
+                <a:sym typeface="+mn-ea"/>
+              </a:rPr>
+              <a:t>- </a:t>
+            </a:r>
+            <a:r>
+              <a:rPr lang="zh-CN" altLang="en-US" sz="1800" dirty="0">
+                <a:solidFill>
+                  <a:schemeClr val="accent3"/>
+                </a:solidFill>
+                <a:sym typeface="+mn-ea"/>
+              </a:rPr>
+              <a:t>再论</a:t>
+            </a:r>
+            <a:r>
+              <a:rPr lang="en-US" altLang="zh-CN" sz="1800" dirty="0">
+                <a:solidFill>
+                  <a:schemeClr val="accent3"/>
+                </a:solidFill>
+                <a:sym typeface="+mn-ea"/>
+              </a:rPr>
+              <a:t>constructor</a:t>
+            </a:r>
+            <a:br>
+              <a:rPr lang="en-US" altLang="zh-CN" sz="1800" dirty="0">
+                <a:solidFill>
+                  <a:schemeClr val="accent3"/>
+                </a:solidFill>
+                <a:sym typeface="+mn-ea"/>
+              </a:rPr>
+            </a:br>
+            <a:r>
+              <a:rPr lang="en-US" altLang="zh-CN" sz="1800" dirty="0">
+                <a:solidFill>
+                  <a:schemeClr val="accent3"/>
+                </a:solidFill>
+                <a:sym typeface="+mn-ea"/>
+              </a:rPr>
+              <a:t>- </a:t>
+            </a:r>
+            <a:r>
+              <a:rPr lang="zh-CN" altLang="en-US" sz="1800" dirty="0">
+                <a:solidFill>
+                  <a:schemeClr val="accent3"/>
+                </a:solidFill>
+                <a:sym typeface="+mn-ea"/>
+              </a:rPr>
+              <a:t>再论</a:t>
+            </a:r>
+            <a:r>
+              <a:rPr lang="en-US" altLang="zh-CN" sz="1800" dirty="0">
+                <a:solidFill>
+                  <a:schemeClr val="accent3"/>
+                </a:solidFill>
+                <a:sym typeface="+mn-ea"/>
+              </a:rPr>
+              <a:t>instanceOf</a:t>
+            </a:r>
+            <a:endParaRPr lang="en-US" altLang="zh-CN" sz="1800" dirty="0">
+              <a:solidFill>
+                <a:schemeClr val="accent3"/>
+              </a:solidFill>
+              <a:sym typeface="+mn-ea"/>
+            </a:endParaRPr>
+          </a:p>
+          <a:p>
+            <a:pPr marL="0" indent="0">
+              <a:lnSpc>
+                <a:spcPct val="160000"/>
+              </a:lnSpc>
+              <a:buNone/>
+            </a:pPr>
+            <a:endParaRPr lang="en-US" altLang="zh-CN" sz="1800" dirty="0">
+              <a:solidFill>
+                <a:schemeClr val="tx1"/>
+              </a:solidFill>
+              <a:sym typeface="+mn-ea"/>
+            </a:endParaRPr>
+          </a:p>
+        </p:txBody>
+      </p:sp>
+      <p:sp>
+        <p:nvSpPr>
+          <p:cNvPr id="3" name="内容占位符 2"/>
+          <p:cNvSpPr>
+            <a:spLocks noGrp="1"/>
+          </p:cNvSpPr>
+          <p:nvPr>
+            <p:ph sz="quarter" idx="11"/>
+          </p:nvPr>
+        </p:nvSpPr>
+        <p:spPr/>
+        <p:txBody>
+          <a:bodyPr/>
+          <a:lstStyle/>
+          <a:p>
+            <a:r>
+              <a:rPr lang="en-US" dirty="0"/>
+              <a:t>JavaScript</a:t>
+            </a:r>
+            <a:r>
+              <a:rPr lang="zh-CN" altLang="en-US" dirty="0"/>
+              <a:t>的继承方式</a:t>
+            </a:r>
+            <a:r>
+              <a:rPr lang="en-US" altLang="zh-CN" dirty="0"/>
+              <a:t>-</a:t>
+            </a:r>
+            <a:r>
+              <a:rPr lang="zh-CN" altLang="en-US" dirty="0"/>
+              <a:t>原型链</a:t>
+            </a:r>
+            <a:endParaRPr lang="zh-CN" altLang="en-US" dirty="0"/>
+          </a:p>
+          <a:p>
+            <a:endParaRPr lang="zh-CN" altLang="en-US" dirty="0"/>
+          </a:p>
+        </p:txBody>
+      </p:sp>
+    </p:spTree>
+  </p:cSld>
+  <p:clrMapOvr>
+    <a:masterClrMapping/>
+  </p:clrMapOvr>
+  <p:timing>
+    <p:tnLst>
+      <p:par>
+        <p:cTn id="1" dur="indefinite" restart="never" nodeType="tmRoot"/>
+      </p:par>
+    </p:tnLst>
+  </p:timing>
+</p:sld>
+</file>
+
+<file path=ppt/slides/slide26.xml><?xml version="1.0" encoding="utf-8"?>
+<p:sld xmlns:a="http://schemas.openxmlformats.org/drawingml/2006/main" xmlns:r="http://schemas.openxmlformats.org/officeDocument/2006/relationships" xmlns:p="http://schemas.openxmlformats.org/presentationml/2006/main">
+  <p:cSld>
+    <p:spTree>
+      <p:nvGrpSpPr>
+        <p:cNvPr id="1" name=""/>
+        <p:cNvGrpSpPr/>
+        <p:nvPr/>
+      </p:nvGrpSpPr>
+      <p:grpSpPr>
+        <a:xfrm>
+          <a:off x="0" y="0"/>
+          <a:ext cx="0" cy="0"/>
+          <a:chOff x="0" y="0"/>
+          <a:chExt cx="0" cy="0"/>
+        </a:xfrm>
+      </p:grpSpPr>
+      <p:sp>
+        <p:nvSpPr>
+          <p:cNvPr id="2" name="内容占位符 1"/>
+          <p:cNvSpPr>
+            <a:spLocks noGrp="1"/>
+          </p:cNvSpPr>
+          <p:nvPr>
+            <p:ph sz="quarter" idx="10"/>
+          </p:nvPr>
+        </p:nvSpPr>
+        <p:spPr>
+          <a:xfrm>
+            <a:off x="999490" y="855345"/>
             <a:ext cx="9776460" cy="4918710"/>
           </a:xfrm>
         </p:spPr>
@@ -14648,7 +17941,7 @@
 </p:sld>
 </file>
 
-<file path=ppt/slides/slide22.xml><?xml version="1.0" encoding="utf-8"?>
+<file path=ppt/slides/slide27.xml><?xml version="1.0" encoding="utf-8"?>
 <p:sld xmlns:a="http://schemas.openxmlformats.org/drawingml/2006/main" xmlns:r="http://schemas.openxmlformats.org/officeDocument/2006/relationships" xmlns:p="http://schemas.openxmlformats.org/presentationml/2006/main">
   <p:cSld>
     <p:spTree>
@@ -14677,7 +17970,7 @@
         </p:nvSpPr>
         <p:spPr>
           <a:xfrm>
-            <a:off x="1143000" y="855345"/>
+            <a:off x="927735" y="855345"/>
             <a:ext cx="9776460" cy="4918710"/>
           </a:xfrm>
         </p:spPr>
@@ -14785,111 +18078,6 @@
           <a:xfrm>
             <a:off x="1366520" y="2227580"/>
             <a:ext cx="6215380" cy="3810000"/>
-          </a:xfrm>
-          <a:prstGeom prst="rect">
-            <a:avLst/>
-          </a:prstGeom>
-        </p:spPr>
-      </p:pic>
-    </p:spTree>
-  </p:cSld>
-  <p:clrMapOvr>
-    <a:masterClrMapping/>
-  </p:clrMapOvr>
-  <p:timing>
-    <p:tnLst>
-      <p:par>
-        <p:cTn id="1" dur="indefinite" restart="never" nodeType="tmRoot"/>
-      </p:par>
-    </p:tnLst>
-  </p:timing>
-</p:sld>
-</file>
-
-<file path=ppt/slides/slide23.xml><?xml version="1.0" encoding="utf-8"?>
-<p:sld xmlns:a="http://schemas.openxmlformats.org/drawingml/2006/main" xmlns:r="http://schemas.openxmlformats.org/officeDocument/2006/relationships" xmlns:p="http://schemas.openxmlformats.org/presentationml/2006/main">
-  <p:cSld>
-    <p:spTree>
-      <p:nvGrpSpPr>
-        <p:cNvPr id="1" name=""/>
-        <p:cNvGrpSpPr/>
-        <p:nvPr/>
-      </p:nvGrpSpPr>
-      <p:grpSpPr>
-        <a:xfrm>
-          <a:off x="0" y="0"/>
-          <a:ext cx="0" cy="0"/>
-          <a:chOff x="0" y="0"/>
-          <a:chExt cx="0" cy="0"/>
-        </a:xfrm>
-      </p:grpSpPr>
-      <p:sp>
-        <p:nvSpPr>
-          <p:cNvPr id="3" name="内容占位符 2"/>
-          <p:cNvSpPr>
-            <a:spLocks noGrp="1"/>
-          </p:cNvSpPr>
-          <p:nvPr>
-            <p:ph sz="quarter" idx="11"/>
-          </p:nvPr>
-        </p:nvSpPr>
-        <p:spPr>
-          <a:xfrm>
-            <a:off x="947204" y="308698"/>
-            <a:ext cx="8191557" cy="490476"/>
-          </a:xfrm>
-        </p:spPr>
-        <p:txBody>
-          <a:bodyPr/>
-          <a:p>
-            <a:r>
-              <a:rPr kumimoji="0" lang="zh-CN" altLang="en-US" b="0" dirty="0">
-                <a:solidFill>
-                  <a:srgbClr val="C00000"/>
-                </a:solidFill>
-                <a:sym typeface="+mn-ea"/>
-              </a:rPr>
-              <a:t>原型继承完整方案</a:t>
-            </a:r>
-            <a:endParaRPr kumimoji="0" lang="zh-CN" altLang="en-US" dirty="0" smtClean="0">
-              <a:solidFill>
-                <a:schemeClr val="tx1"/>
-              </a:solidFill>
-              <a:latin typeface="微软雅黑" panose="020B0503020204020204" pitchFamily="34" charset="-122"/>
-              <a:ea typeface="微软雅黑" panose="020B0503020204020204" pitchFamily="34" charset="-122"/>
-              <a:sym typeface="+mn-ea"/>
-            </a:endParaRPr>
-          </a:p>
-          <a:p>
-            <a:endParaRPr kumimoji="0" lang="zh-CN" altLang="en-US" b="0" dirty="0">
-              <a:solidFill>
-                <a:srgbClr val="C00000"/>
-              </a:solidFill>
-            </a:endParaRPr>
-          </a:p>
-          <a:p>
-            <a:endParaRPr lang="zh-CN" altLang="en-US" dirty="0"/>
-          </a:p>
-        </p:txBody>
-      </p:sp>
-      <p:pic>
-        <p:nvPicPr>
-          <p:cNvPr id="2" name="图片 1"/>
-          <p:cNvPicPr>
-            <a:picLocks noChangeAspect="1"/>
-          </p:cNvPicPr>
-          <p:nvPr/>
-        </p:nvPicPr>
-        <p:blipFill>
-          <a:blip r:embed="rId1"/>
-          <a:stretch>
-            <a:fillRect/>
-          </a:stretch>
-        </p:blipFill>
-        <p:spPr>
-          <a:xfrm>
-            <a:off x="947420" y="923925"/>
-            <a:ext cx="10888345" cy="5010150"/>
           </a:xfrm>
           <a:prstGeom prst="rect">
             <a:avLst/>
@@ -16591,43 +19779,7 @@
                 </a:solidFill>
                 <a:sym typeface="+mn-ea"/>
               </a:rPr>
-              <a:t>的继承，而非</a:t>
-            </a:r>
-            <a:r>
-              <a:rPr lang="zh-CN" altLang="en-US" sz="2000" dirty="0">
-                <a:solidFill>
-                  <a:srgbClr val="FF0000"/>
-                </a:solidFill>
-                <a:sym typeface="+mn-ea"/>
-              </a:rPr>
-              <a:t>类</a:t>
-            </a:r>
-            <a:r>
-              <a:rPr lang="en-US" altLang="zh-CN" sz="2000" dirty="0">
-                <a:solidFill>
-                  <a:srgbClr val="FF0000"/>
-                </a:solidFill>
-                <a:sym typeface="+mn-ea"/>
-              </a:rPr>
-              <a:t>-</a:t>
-            </a:r>
-            <a:r>
-              <a:rPr lang="zh-CN" altLang="en-US" sz="2000" dirty="0">
-                <a:solidFill>
-                  <a:srgbClr val="FF0000"/>
-                </a:solidFill>
-                <a:sym typeface="+mn-ea"/>
-              </a:rPr>
-              <a:t>类</a:t>
-            </a:r>
-            <a:r>
-              <a:rPr lang="zh-CN" altLang="en-US" sz="2000" dirty="0">
-                <a:solidFill>
-                  <a:schemeClr val="tx1"/>
-                </a:solidFill>
-                <a:sym typeface="+mn-ea"/>
-              </a:rPr>
-              <a:t>继承</a:t>
+              <a:t>的继承</a:t>
             </a:r>
             <a:br>
               <a:rPr lang="zh-CN" altLang="en-US" sz="2000" dirty="0">
@@ -21131,13 +24283,7 @@
               <a:rPr lang="zh-CN" altLang="en-US" dirty="0" smtClean="0">
                 <a:sym typeface="+mn-ea"/>
               </a:rPr>
-              <a:t>自有属性和继承</a:t>
-            </a:r>
-            <a:r>
-              <a:rPr lang="zh-CN" altLang="en-US" dirty="0" smtClean="0">
-                <a:sym typeface="+mn-ea"/>
-              </a:rPr>
-              <a:t>属性的操作</a:t>
+              <a:t>自有属性和继承属性的操作</a:t>
             </a:r>
             <a:endParaRPr kumimoji="0" lang="zh-CN" altLang="en-US" dirty="0"/>
           </a:p>

--- a/课程PPT/07.JavaScript面向对象编程 一.pptx
+++ b/课程PPT/07.JavaScript面向对象编程 一.pptx
@@ -13694,14 +13694,7 @@
                 <a:latin typeface="+mj-ea"/>
                 <a:ea typeface="+mj-ea"/>
               </a:rPr>
-              <a:t>的</a:t>
-            </a:r>
-            <a:r>
-              <a:rPr lang="zh-CN" altLang="en-US">
-                <a:latin typeface="+mj-ea"/>
-                <a:ea typeface="+mj-ea"/>
-              </a:rPr>
-              <a:t>继承方式</a:t>
+              <a:t>的继承方式</a:t>
             </a:r>
             <a:endParaRPr lang="zh-CN" altLang="en-US" dirty="0">
               <a:latin typeface="+mj-ea"/>
@@ -13939,25 +13932,7 @@
                 </a:solidFill>
                 <a:sym typeface="+mn-ea"/>
               </a:rPr>
-              <a:t>对象</a:t>
-            </a:r>
-            <a:r>
-              <a:rPr lang="zh-CN" altLang="en-US" sz="2800" b="1">
-                <a:solidFill>
-                  <a:srgbClr val="FF0000"/>
-                </a:solidFill>
-                <a:sym typeface="+mn-ea"/>
-              </a:rPr>
-              <a:t>原型</a:t>
-            </a:r>
-            <a:r>
-              <a:rPr lang="zh-CN" altLang="en-US" sz="2800" b="1">
-                <a:solidFill>
-                  <a:srgbClr val="FF0000"/>
-                </a:solidFill>
-                <a:sym typeface="+mn-ea"/>
-              </a:rPr>
-              <a:t>继承</a:t>
+              <a:t>对象原型继承</a:t>
             </a:r>
             <a:endParaRPr lang="zh-CN" altLang="en-US" sz="2800" b="1">
               <a:solidFill>
@@ -14008,25 +13983,7 @@
                 </a:solidFill>
                 <a:sym typeface="+mn-ea"/>
               </a:rPr>
-              <a:t>类</a:t>
-            </a:r>
-            <a:r>
-              <a:rPr lang="zh-CN" altLang="en-US" sz="2800" b="1">
-                <a:solidFill>
-                  <a:schemeClr val="tx1"/>
-                </a:solidFill>
-                <a:sym typeface="+mn-ea"/>
-              </a:rPr>
-              <a:t>的</a:t>
-            </a:r>
-            <a:r>
-              <a:rPr lang="zh-CN" altLang="en-US" sz="2800" b="1">
-                <a:solidFill>
-                  <a:schemeClr val="tx1"/>
-                </a:solidFill>
-                <a:sym typeface="+mn-ea"/>
-              </a:rPr>
-              <a:t>继承</a:t>
+              <a:t>类的继承</a:t>
             </a:r>
             <a:endParaRPr lang="zh-CN" altLang="en-US" sz="2800" b="1">
               <a:solidFill>
@@ -14068,16 +14025,7 @@
                 </a:solidFill>
                 <a:sym typeface="+mn-ea"/>
               </a:rPr>
-              <a:t>继承</a:t>
-            </a:r>
-            <a:r>
-              <a:rPr lang="zh-CN" altLang="en-US" sz="2800" b="1">
-                <a:solidFill>
-                  <a:schemeClr val="tx1"/>
-                </a:solidFill>
-                <a:sym typeface="+mn-ea"/>
-              </a:rPr>
-              <a:t>补充部分</a:t>
+              <a:t>继承补充部分</a:t>
             </a:r>
             <a:endParaRPr lang="zh-CN" altLang="en-US" sz="2800" b="1">
               <a:solidFill>
@@ -14438,7 +14386,7 @@
                   <a:schemeClr val="tx1"/>
                 </a:solidFill>
               </a:rPr>
-              <a:t>每个对象都有一个原型对象，最原始的原型是</a:t>
+              <a:t>每个对象都有一个原型对象，可动态的指定原型，来改变继承关系，最原始的原型是</a:t>
             </a:r>
             <a:r>
               <a:rPr lang="en-US" altLang="zh-CN" sz="2000" dirty="0">
@@ -14470,7 +14418,7 @@
                 </a:solidFill>
                 <a:sym typeface="+mn-ea"/>
               </a:rPr>
-              <a:t>多个对象继承与一个原型时，存在</a:t>
+              <a:t>多个对象继承于一个原型时，存在</a:t>
             </a:r>
             <a:r>
               <a:rPr lang="zh-CN" sz="2000" dirty="0">
@@ -14488,7 +14436,7 @@
                 </a:solidFill>
                 <a:sym typeface="+mn-ea"/>
               </a:rPr>
-              <a:t>问题</a:t>
+              <a:t>（节省内存，但也带来了共享问题）</a:t>
             </a:r>
             <a:endParaRPr lang="zh-CN" altLang="en-US" sz="2000" dirty="0">
               <a:solidFill>
@@ -14632,6 +14580,68 @@
           </a:prstGeom>
         </p:spPr>
       </p:pic>
+      <p:sp>
+        <p:nvSpPr>
+          <p:cNvPr id="5" name="文本框 4"/>
+          <p:cNvSpPr txBox="1"/>
+          <p:nvPr/>
+        </p:nvSpPr>
+        <p:spPr>
+          <a:xfrm>
+            <a:off x="6499860" y="4800600"/>
+            <a:ext cx="4414520" cy="768350"/>
+          </a:xfrm>
+          <a:prstGeom prst="rect">
+            <a:avLst/>
+          </a:prstGeom>
+          <a:noFill/>
+        </p:spPr>
+        <p:txBody>
+          <a:bodyPr wrap="square" rtlCol="0">
+            <a:spAutoFit/>
+          </a:bodyPr>
+          <a:p>
+            <a:pPr algn="l"/>
+            <a:r>
+              <a:rPr lang="zh-CN" altLang="en-US" sz="2200">
+                <a:solidFill>
+                  <a:srgbClr val="FF0000"/>
+                </a:solidFill>
+                <a:latin typeface="+mn-ea"/>
+                <a:ea typeface="+mn-ea"/>
+              </a:rPr>
+              <a:t>思考：若写为</a:t>
+            </a:r>
+            <a:r>
+              <a:rPr lang="en-US" altLang="zh-CN" sz="2200">
+                <a:solidFill>
+                  <a:srgbClr val="FF0000"/>
+                </a:solidFill>
+                <a:latin typeface="+mn-ea"/>
+                <a:ea typeface="+mn-ea"/>
+              </a:rPr>
+              <a:t>subObj_First.x = 5;</a:t>
+            </a:r>
+            <a:r>
+              <a:rPr lang="zh-CN" altLang="en-US" sz="2200">
+                <a:solidFill>
+                  <a:srgbClr val="FF0000"/>
+                </a:solidFill>
+                <a:latin typeface="+mn-ea"/>
+                <a:ea typeface="+mn-ea"/>
+              </a:rPr>
+              <a:t>结果又是如何？</a:t>
+            </a:r>
+            <a:endParaRPr lang="zh-CN" altLang="en-US" sz="2200">
+              <a:solidFill>
+                <a:srgbClr val="FF0000"/>
+              </a:solidFill>
+              <a:latin typeface="+mn-ea"/>
+              <a:ea typeface="+mn-ea"/>
+            </a:endParaRPr>
+          </a:p>
+        </p:txBody>
+      </p:sp>
     </p:spTree>
   </p:cSld>
   <p:clrMapOvr>
@@ -14827,6 +14837,88 @@
                             </p:childTnLst>
                           </p:cTn>
                         </p:par>
+                        <p:par>
+                          <p:cTn id="14" fill="hold">
+                            <p:stCondLst>
+                              <p:cond delay="1000"/>
+                            </p:stCondLst>
+                            <p:childTnLst>
+                              <p:par>
+                                <p:cTn id="15" presetID="2" presetClass="entr" presetSubtype="4" fill="hold" grpId="0" nodeType="afterEffect">
+                                  <p:stCondLst>
+                                    <p:cond delay="0"/>
+                                  </p:stCondLst>
+                                  <p:childTnLst>
+                                    <p:set>
+                                      <p:cBhvr>
+                                        <p:cTn id="16" dur="1" fill="hold">
+                                          <p:stCondLst>
+                                            <p:cond delay="0"/>
+                                          </p:stCondLst>
+                                        </p:cTn>
+                                        <p:tgtEl>
+                                          <p:spTgt spid="5"/>
+                                        </p:tgtEl>
+                                        <p:attrNameLst>
+                                          <p:attrName>style.visibility</p:attrName>
+                                        </p:attrNameLst>
+                                      </p:cBhvr>
+                                      <p:to>
+                                        <p:strVal val="visible"/>
+                                      </p:to>
+                                    </p:set>
+                                    <p:anim calcmode="lin" valueType="num">
+                                      <p:cBhvr additive="base">
+                                        <p:cTn id="17" dur="500" fill="hold"/>
+                                        <p:tgtEl>
+                                          <p:spTgt spid="5"/>
+                                        </p:tgtEl>
+                                        <p:attrNameLst>
+                                          <p:attrName>ppt_x</p:attrName>
+                                        </p:attrNameLst>
+                                      </p:cBhvr>
+                                      <p:tavLst>
+                                        <p:tav tm="0">
+                                          <p:val>
+                                            <p:strVal val="#ppt_x"/>
+                                          </p:val>
+                                        </p:tav>
+                                        <p:tav tm="100000">
+                                          <p:val>
+                                            <p:strVal val="#ppt_x"/>
+                                          </p:val>
+                                        </p:tav>
+                                      </p:tavLst>
+                                    </p:anim>
+                                    <p:anim calcmode="lin" valueType="num">
+                                      <p:cBhvr additive="base">
+                                        <p:cTn id="18" dur="500" fill="hold"/>
+                                        <p:tgtEl>
+                                          <p:spTgt spid="5"/>
+                                        </p:tgtEl>
+                                        <p:attrNameLst>
+                                          <p:attrName>ppt_y</p:attrName>
+                                        </p:attrNameLst>
+                                      </p:cBhvr>
+                                      <p:tavLst>
+                                        <p:tav tm="0">
+                                          <p:val>
+                                            <p:strVal val="1+#ppt_h/2"/>
+                                          </p:val>
+                                        </p:tav>
+                                        <p:tav tm="100000">
+                                          <p:val>
+                                            <p:strVal val="#ppt_y"/>
+                                          </p:val>
+                                        </p:tav>
+                                      </p:tavLst>
+                                    </p:anim>
+                                  </p:childTnLst>
+                                </p:cTn>
+                              </p:par>
+                            </p:childTnLst>
+                          </p:cTn>
+                        </p:par>
                       </p:childTnLst>
                     </p:cTn>
                   </p:par>
@@ -14853,6 +14945,7 @@
     </p:tnLst>
     <p:bldLst>
       <p:bldP spid="6" grpId="0"/>
+      <p:bldP spid="5" grpId="0"/>
     </p:bldLst>
   </p:timing>
 </p:sld>
@@ -15467,8 +15560,8 @@
         </p:nvSpPr>
         <p:spPr>
           <a:xfrm>
-            <a:off x="7087870" y="3766820"/>
-            <a:ext cx="3272155" cy="429895"/>
+            <a:off x="6813550" y="3007360"/>
+            <a:ext cx="4989195" cy="1445260"/>
           </a:xfrm>
           <a:prstGeom prst="rect">
             <a:avLst/>
@@ -15491,7 +15584,136 @@
               </a:rPr>
               <a:t>思考这种方式有什么弊端</a:t>
             </a:r>
-            <a:endParaRPr lang="zh-CN" sz="2200">
+            <a:br>
+              <a:rPr lang="zh-CN" sz="2200">
+                <a:solidFill>
+                  <a:srgbClr val="FF0000"/>
+                </a:solidFill>
+                <a:latin typeface="+mn-ea"/>
+                <a:ea typeface="+mn-ea"/>
+              </a:rPr>
+            </a:br>
+            <a:r>
+              <a:rPr lang="zh-CN" sz="2200">
+                <a:solidFill>
+                  <a:srgbClr val="FF0000"/>
+                </a:solidFill>
+                <a:latin typeface="+mn-ea"/>
+                <a:ea typeface="+mn-ea"/>
+              </a:rPr>
+              <a:t>注意：如果写</a:t>
+            </a:r>
+            <a:r>
+              <a:rPr lang="en-US" altLang="zh-CN" sz="2200">
+                <a:solidFill>
+                  <a:srgbClr val="FF0000"/>
+                </a:solidFill>
+                <a:latin typeface="+mn-ea"/>
+                <a:ea typeface="+mn-ea"/>
+              </a:rPr>
+              <a:t>s1.name =”Jack”</a:t>
+            </a:r>
+            <a:r>
+              <a:rPr lang="zh-CN" altLang="en-US" sz="2200">
+                <a:solidFill>
+                  <a:srgbClr val="FF0000"/>
+                </a:solidFill>
+                <a:latin typeface="+mn-ea"/>
+                <a:ea typeface="+mn-ea"/>
+              </a:rPr>
+              <a:t>则相当于给</a:t>
+            </a:r>
+            <a:r>
+              <a:rPr lang="en-US" altLang="zh-CN" sz="2200">
+                <a:solidFill>
+                  <a:srgbClr val="FF0000"/>
+                </a:solidFill>
+                <a:latin typeface="+mn-ea"/>
+                <a:ea typeface="+mn-ea"/>
+              </a:rPr>
+              <a:t>s1</a:t>
+            </a:r>
+            <a:r>
+              <a:rPr lang="zh-CN" altLang="en-US" sz="2200">
+                <a:solidFill>
+                  <a:srgbClr val="FF0000"/>
+                </a:solidFill>
+                <a:latin typeface="+mn-ea"/>
+                <a:ea typeface="+mn-ea"/>
+              </a:rPr>
+              <a:t>自身新添加了</a:t>
+            </a:r>
+            <a:r>
+              <a:rPr lang="en-US" altLang="zh-CN" sz="2200">
+                <a:solidFill>
+                  <a:srgbClr val="FF0000"/>
+                </a:solidFill>
+                <a:latin typeface="+mn-ea"/>
+                <a:ea typeface="+mn-ea"/>
+              </a:rPr>
+              <a:t>name</a:t>
+            </a:r>
+            <a:r>
+              <a:rPr lang="zh-CN" altLang="en-US" sz="2200">
+                <a:solidFill>
+                  <a:srgbClr val="FF0000"/>
+                </a:solidFill>
+                <a:latin typeface="+mn-ea"/>
+                <a:ea typeface="+mn-ea"/>
+              </a:rPr>
+              <a:t>属性，与</a:t>
+            </a:r>
+            <a:r>
+              <a:rPr lang="en-US" altLang="zh-CN" sz="2200">
+                <a:solidFill>
+                  <a:srgbClr val="FF0000"/>
+                </a:solidFill>
+                <a:latin typeface="+mn-ea"/>
+                <a:ea typeface="+mn-ea"/>
+              </a:rPr>
+              <a:t>s1</a:t>
+            </a:r>
+            <a:r>
+              <a:rPr lang="zh-CN" altLang="en-US" sz="2200">
+                <a:solidFill>
+                  <a:srgbClr val="FF0000"/>
+                </a:solidFill>
+                <a:latin typeface="+mn-ea"/>
+                <a:ea typeface="+mn-ea"/>
+              </a:rPr>
+              <a:t>原型的</a:t>
+            </a:r>
+            <a:r>
+              <a:rPr lang="en-US" altLang="zh-CN" sz="2200">
+                <a:solidFill>
+                  <a:srgbClr val="FF0000"/>
+                </a:solidFill>
+                <a:latin typeface="+mn-ea"/>
+                <a:ea typeface="+mn-ea"/>
+              </a:rPr>
+              <a:t>name</a:t>
+            </a:r>
+            <a:r>
+              <a:rPr lang="zh-CN" altLang="en-US" sz="2200">
+                <a:solidFill>
+                  <a:srgbClr val="FF0000"/>
+                </a:solidFill>
+                <a:latin typeface="+mn-ea"/>
+                <a:ea typeface="+mn-ea"/>
+              </a:rPr>
+              <a:t>不是同一个</a:t>
+            </a:r>
+            <a:r>
+              <a:rPr lang="en-US" altLang="zh-CN" sz="2200">
+                <a:solidFill>
+                  <a:srgbClr val="FF0000"/>
+                </a:solidFill>
+                <a:latin typeface="+mn-ea"/>
+                <a:ea typeface="+mn-ea"/>
+              </a:rPr>
+              <a:t> </a:t>
+            </a:r>
+            <a:endParaRPr lang="en-US" altLang="zh-CN" sz="2200">
               <a:solidFill>
                 <a:srgbClr val="FF0000"/>
               </a:solidFill>
@@ -16421,25 +16643,7 @@
                 </a:solidFill>
                 <a:sym typeface="+mn-ea"/>
               </a:rPr>
-              <a:t>类继承的形式 一 （</a:t>
-            </a:r>
-            <a:r>
-              <a:rPr kumimoji="0" lang="zh-CN" altLang="en-US" b="0" dirty="0">
-                <a:solidFill>
-                  <a:srgbClr val="C00000"/>
-                </a:solidFill>
-                <a:sym typeface="+mn-ea"/>
-              </a:rPr>
-              <a:t>避免原型共享</a:t>
-            </a:r>
-            <a:r>
-              <a:rPr kumimoji="0" lang="zh-CN" altLang="en-US" b="0" dirty="0">
-                <a:solidFill>
-                  <a:srgbClr val="C00000"/>
-                </a:solidFill>
-                <a:sym typeface="+mn-ea"/>
-              </a:rPr>
-              <a:t>）</a:t>
+              <a:t>类继承的形式 一 （避免原型共享）</a:t>
             </a:r>
             <a:endParaRPr kumimoji="0" lang="en-US" altLang="zh-CN" b="0" dirty="0" smtClean="0">
               <a:solidFill>
@@ -16494,8 +16698,8 @@
         </p:nvSpPr>
         <p:spPr>
           <a:xfrm>
-            <a:off x="6560185" y="5257165"/>
-            <a:ext cx="5300980" cy="1106805"/>
+            <a:off x="6195060" y="2745740"/>
+            <a:ext cx="5666105" cy="1783715"/>
           </a:xfrm>
           <a:prstGeom prst="rect">
             <a:avLst/>
@@ -16577,6 +16781,67 @@
                 <a:ea typeface="+mn-ea"/>
               </a:rPr>
               <a:t>还是实例化的对象上？</a:t>
+            </a:r>
+            <a:endParaRPr lang="zh-CN" altLang="en-US" sz="2200">
+              <a:solidFill>
+                <a:srgbClr val="FF0000"/>
+              </a:solidFill>
+              <a:latin typeface="+mn-ea"/>
+              <a:ea typeface="+mn-ea"/>
+            </a:endParaRPr>
+          </a:p>
+          <a:p>
+            <a:pPr algn="l"/>
+            <a:r>
+              <a:rPr lang="zh-CN" altLang="en-US" sz="2200">
+                <a:latin typeface="+mn-ea"/>
+                <a:ea typeface="+mn-ea"/>
+                <a:sym typeface="+mn-ea"/>
+              </a:rPr>
+              <a:t>推荐：将</a:t>
+            </a:r>
+            <a:r>
+              <a:rPr lang="zh-CN" altLang="en-US" sz="2200">
+                <a:solidFill>
+                  <a:schemeClr val="accent3"/>
+                </a:solidFill>
+                <a:latin typeface="+mn-ea"/>
+                <a:ea typeface="+mn-ea"/>
+                <a:sym typeface="+mn-ea"/>
+              </a:rPr>
+              <a:t>方法</a:t>
+            </a:r>
+            <a:r>
+              <a:rPr lang="zh-CN" altLang="en-US" sz="2200">
+                <a:latin typeface="+mn-ea"/>
+                <a:ea typeface="+mn-ea"/>
+                <a:sym typeface="+mn-ea"/>
+              </a:rPr>
+              <a:t>添加到对象的原型上（即构造函数的</a:t>
+            </a:r>
+            <a:r>
+              <a:rPr lang="en-US" altLang="zh-CN" sz="2200">
+                <a:latin typeface="+mn-ea"/>
+                <a:ea typeface="+mn-ea"/>
+                <a:sym typeface="+mn-ea"/>
+              </a:rPr>
+              <a:t>prototype</a:t>
+            </a:r>
+            <a:r>
+              <a:rPr lang="zh-CN" altLang="en-US" sz="2200">
+                <a:latin typeface="+mn-ea"/>
+                <a:ea typeface="+mn-ea"/>
+                <a:sym typeface="+mn-ea"/>
+              </a:rPr>
+              <a:t>上</a:t>
+            </a:r>
+            <a:r>
+              <a:rPr lang="zh-CN" altLang="en-US" sz="2200">
+                <a:latin typeface="+mn-ea"/>
+                <a:ea typeface="+mn-ea"/>
+                <a:sym typeface="+mn-ea"/>
+              </a:rPr>
+              <a:t>）便于共享，节省内存</a:t>
             </a:r>
             <a:endParaRPr lang="zh-CN" altLang="en-US" sz="2200">
               <a:solidFill>
@@ -17088,7 +17353,7 @@
             <a:r>
               <a:rPr lang="zh-CN" altLang="en-US" sz="2800" b="1">
                 <a:solidFill>
-                  <a:schemeClr val="accent3"/>
+                  <a:schemeClr val="tx1"/>
                 </a:solidFill>
                 <a:sym typeface="+mn-ea"/>
               </a:rPr>
@@ -17097,7 +17362,7 @@
             <a:r>
               <a:rPr lang="en-US" altLang="zh-CN" sz="2800" b="1">
                 <a:solidFill>
-                  <a:schemeClr val="accent3"/>
+                  <a:schemeClr val="tx1"/>
                 </a:solidFill>
                 <a:sym typeface="+mn-ea"/>
               </a:rPr>
@@ -17106,7 +17371,7 @@
             <a:r>
               <a:rPr lang="zh-CN" altLang="en-US" sz="2800" b="1">
                 <a:solidFill>
-                  <a:schemeClr val="accent3"/>
+                  <a:schemeClr val="tx1"/>
                 </a:solidFill>
                 <a:sym typeface="+mn-ea"/>
               </a:rPr>
@@ -17114,7 +17379,7 @@
             </a:r>
             <a:endParaRPr lang="zh-CN" altLang="en-US" sz="2800" b="1">
               <a:solidFill>
-                <a:schemeClr val="accent3"/>
+                <a:schemeClr val="tx1"/>
               </a:solidFill>
               <a:sym typeface="+mn-ea"/>
             </a:endParaRPr>
@@ -17139,7 +17404,7 @@
             <a:r>
               <a:rPr lang="en-US" altLang="zh-CN" sz="2800" b="1">
                 <a:solidFill>
-                  <a:schemeClr val="tx1"/>
+                  <a:srgbClr val="FF0000"/>
                 </a:solidFill>
                 <a:sym typeface="+mn-ea"/>
               </a:rPr>
@@ -17148,7 +17413,7 @@
             <a:r>
               <a:rPr lang="zh-CN" altLang="en-US" sz="2800" b="1">
                 <a:solidFill>
-                  <a:schemeClr val="tx1"/>
+                  <a:srgbClr val="FF0000"/>
                 </a:solidFill>
                 <a:sym typeface="+mn-ea"/>
               </a:rPr>
@@ -17156,7 +17421,7 @@
             </a:r>
             <a:endParaRPr lang="zh-CN" altLang="en-US" sz="2800" b="1">
               <a:solidFill>
-                <a:schemeClr val="tx1"/>
+                <a:srgbClr val="FF0000"/>
               </a:solidFill>
               <a:sym typeface="+mn-ea"/>
             </a:endParaRPr>
@@ -17649,6 +17914,15 @@
               </a:rPr>
               <a:t>constructor</a:t>
             </a:r>
+            <a:r>
+              <a:rPr lang="zh-CN" altLang="en-US" sz="1800" dirty="0">
+                <a:solidFill>
+                  <a:schemeClr val="accent3"/>
+                </a:solidFill>
+                <a:sym typeface="+mn-ea"/>
+              </a:rPr>
+              <a:t>，对象原型的属性，指向对象的构造器；</a:t>
+            </a:r>
             <a:br>
               <a:rPr lang="en-US" altLang="zh-CN" sz="1800" dirty="0">
                 <a:solidFill>
@@ -17684,7 +17958,33 @@
               </a:rPr>
               <a:t>instanceOf</a:t>
             </a:r>
-            <a:endParaRPr lang="en-US" altLang="zh-CN" sz="1800" dirty="0">
+            <a:br>
+              <a:rPr lang="en-US" altLang="zh-CN" sz="1800" dirty="0">
+                <a:solidFill>
+                  <a:schemeClr val="accent3"/>
+                </a:solidFill>
+                <a:sym typeface="+mn-ea"/>
+              </a:rPr>
+            </a:br>
+            <a:r>
+              <a:rPr lang="en-US" altLang="zh-CN" sz="1800" dirty="0">
+                <a:solidFill>
+                  <a:schemeClr val="accent3"/>
+                </a:solidFill>
+                <a:sym typeface="+mn-ea"/>
+              </a:rPr>
+              <a:t>- </a:t>
+            </a:r>
+            <a:r>
+              <a:rPr lang="zh-CN" altLang="en-US" sz="1800" dirty="0">
+                <a:solidFill>
+                  <a:schemeClr val="accent3"/>
+                </a:solidFill>
+                <a:sym typeface="+mn-ea"/>
+              </a:rPr>
+              <a:t>静态属性和原型属性（都可以属性共享，使用形式有什么不同，区别在哪里？）</a:t>
+            </a:r>
+            <a:endParaRPr lang="zh-CN" altLang="en-US" sz="1800" dirty="0">
               <a:solidFill>
                 <a:schemeClr val="accent3"/>
               </a:solidFill>
@@ -19779,7 +20079,7 @@
                 </a:solidFill>
                 <a:sym typeface="+mn-ea"/>
               </a:rPr>
-              <a:t>的继承</a:t>
+              <a:t>的继承，为面向对象提供了动态继承的功能</a:t>
             </a:r>
             <a:br>
               <a:rPr lang="zh-CN" altLang="en-US" sz="2000" dirty="0">

--- a/课程PPT/07.JavaScript面向对象编程 一.pptx
+++ b/课程PPT/07.JavaScript面向对象编程 一.pptx
@@ -33,8 +33,10 @@
     <p:sldId id="1273" r:id="rId26"/>
     <p:sldId id="1278" r:id="rId27"/>
     <p:sldId id="1203" r:id="rId28"/>
-    <p:sldId id="1197" r:id="rId29"/>
+    <p:sldId id="1285" r:id="rId29"/>
     <p:sldId id="1198" r:id="rId30"/>
+    <p:sldId id="1287" r:id="rId31"/>
+    <p:sldId id="1286" r:id="rId32"/>
   </p:sldIdLst>
   <p:sldSz cx="12192000" cy="6858000"/>
   <p:notesSz cx="6797675" cy="9928225"/>
@@ -1966,6 +1968,74 @@
 </file>
 
 <file path=ppt/notesSlides/notesSlide21.xml><?xml version="1.0" encoding="utf-8"?>
+<p:notes xmlns:a="http://schemas.openxmlformats.org/drawingml/2006/main" xmlns:r="http://schemas.openxmlformats.org/officeDocument/2006/relationships" xmlns:p="http://schemas.openxmlformats.org/presentationml/2006/main">
+  <p:cSld>
+    <p:spTree>
+      <p:nvGrpSpPr>
+        <p:cNvPr id="1" name=""/>
+        <p:cNvGrpSpPr/>
+        <p:nvPr/>
+      </p:nvGrpSpPr>
+      <p:grpSpPr/>
+      <p:sp>
+        <p:nvSpPr>
+          <p:cNvPr id="2" name="幻灯片图像占位符 1"/>
+          <p:cNvSpPr/>
+          <p:nvPr>
+            <p:ph type="sldImg" idx="2"/>
+          </p:nvPr>
+        </p:nvSpPr>
+        <p:spPr/>
+      </p:sp>
+      <p:sp>
+        <p:nvSpPr>
+          <p:cNvPr id="3" name="文本占位符 2"/>
+          <p:cNvSpPr/>
+          <p:nvPr>
+            <p:ph type="body" idx="3"/>
+          </p:nvPr>
+        </p:nvSpPr>
+        <p:spPr/>
+        <p:txBody>
+          <a:bodyPr/>
+          <a:p>
+            <a:r>
+              <a:rPr lang="zh-CN" altLang="en-US"/>
+              <a:t> 继承是OO语言中一个重要的特性和概念。许多的OO语言中都支持两种继承方式：接口继承和实现继承。</a:t>
+            </a:r>
+            <a:endParaRPr lang="zh-CN" altLang="en-US"/>
+          </a:p>
+          <a:p>
+            <a:endParaRPr lang="zh-CN" altLang="en-US"/>
+          </a:p>
+          <a:p>
+            <a:r>
+              <a:rPr lang="zh-CN" altLang="en-US"/>
+              <a:t>ECMAScript只支持实现继承，其实现继承主要是靠原型链来实现。在PHP语言中，是使用extend来实现继承。那么我们就先来讲讲原型链。</a:t>
+            </a:r>
+            <a:endParaRPr lang="zh-CN" altLang="en-US"/>
+          </a:p>
+          <a:p>
+            <a:endParaRPr lang="zh-CN" altLang="en-US"/>
+          </a:p>
+          <a:p>
+            <a:r>
+              <a:rPr lang="zh-CN" altLang="en-US"/>
+              <a:t>原型链的基本思想是利用原型让一个引用类型继承另一个引用类型的属性和方法</a:t>
+            </a:r>
+            <a:endParaRPr lang="zh-CN" altLang="en-US"/>
+          </a:p>
+        </p:txBody>
+      </p:sp>
+    </p:spTree>
+  </p:cSld>
+  <p:clrMapOvr>
+    <a:masterClrMapping/>
+  </p:clrMapOvr>
+</p:notes>
+</file>
+
+<file path=ppt/notesSlides/notesSlide22.xml><?xml version="1.0" encoding="utf-8"?>
 <p:notes xmlns:a="http://schemas.openxmlformats.org/drawingml/2006/main" xmlns:r="http://schemas.openxmlformats.org/officeDocument/2006/relationships" xmlns:p="http://schemas.openxmlformats.org/presentationml/2006/main">
   <p:cSld>
     <p:spTree>
@@ -14299,7 +14369,7 @@
         <p:spPr>
           <a:xfrm>
             <a:off x="927735" y="783590"/>
-            <a:ext cx="10396220" cy="5253990"/>
+            <a:ext cx="10721975" cy="5253990"/>
           </a:xfrm>
         </p:spPr>
         <p:txBody>
@@ -14436,7 +14506,7 @@
                 </a:solidFill>
                 <a:sym typeface="+mn-ea"/>
               </a:rPr>
-              <a:t>（节省内存，但也带来了共享问题）</a:t>
+              <a:t>（节省内存如共享方法，但也带来了共享问题）</a:t>
             </a:r>
             <a:endParaRPr lang="zh-CN" altLang="en-US" sz="2000" dirty="0">
               <a:solidFill>
@@ -14544,7 +14614,7 @@
                 <a:latin typeface="+mn-ea"/>
                 <a:ea typeface="+mn-ea"/>
               </a:rPr>
-              <a:t>demo</a:t>
+              <a:t>demo07</a:t>
             </a:r>
             <a:endParaRPr lang="zh-CN" altLang="en-US" sz="2200">
               <a:solidFill>
@@ -14588,8 +14658,8 @@
         </p:nvSpPr>
         <p:spPr>
           <a:xfrm>
-            <a:off x="6499860" y="4800600"/>
-            <a:ext cx="4414520" cy="768350"/>
+            <a:off x="6499860" y="4657090"/>
+            <a:ext cx="4947920" cy="768350"/>
           </a:xfrm>
           <a:prstGeom prst="rect">
             <a:avLst/>
@@ -14610,7 +14680,7 @@
                 <a:latin typeface="+mn-ea"/>
                 <a:ea typeface="+mn-ea"/>
               </a:rPr>
-              <a:t>思考：若写为</a:t>
+              <a:t>思考：若此行写为</a:t>
             </a:r>
             <a:r>
               <a:rPr lang="en-US" altLang="zh-CN" sz="2200">
@@ -15540,7 +15610,7 @@
                 <a:latin typeface="+mn-ea"/>
                 <a:ea typeface="+mn-ea"/>
               </a:rPr>
-              <a:t>demo</a:t>
+              <a:t>demo08</a:t>
             </a:r>
             <a:endParaRPr lang="zh-CN" altLang="en-US" sz="2200">
               <a:solidFill>
@@ -16833,15 +16903,59 @@
                 <a:ea typeface="+mn-ea"/>
                 <a:sym typeface="+mn-ea"/>
               </a:rPr>
-              <a:t>上</a:t>
-            </a:r>
+              <a:t>上）便于共享，节省内存</a:t>
+            </a:r>
+            <a:endParaRPr lang="zh-CN" altLang="en-US" sz="2200">
+              <a:solidFill>
+                <a:srgbClr val="FF0000"/>
+              </a:solidFill>
+              <a:latin typeface="+mn-ea"/>
+              <a:ea typeface="+mn-ea"/>
+            </a:endParaRPr>
+          </a:p>
+        </p:txBody>
+      </p:sp>
+      <p:sp>
+        <p:nvSpPr>
+          <p:cNvPr id="2" name="文本框 1"/>
+          <p:cNvSpPr txBox="1"/>
+          <p:nvPr/>
+        </p:nvSpPr>
+        <p:spPr>
+          <a:xfrm>
+            <a:off x="6229350" y="6036945"/>
+            <a:ext cx="5420360" cy="429895"/>
+          </a:xfrm>
+          <a:prstGeom prst="rect">
+            <a:avLst/>
+          </a:prstGeom>
+          <a:noFill/>
+        </p:spPr>
+        <p:txBody>
+          <a:bodyPr wrap="square" rtlCol="0">
+            <a:spAutoFit/>
+          </a:bodyPr>
+          <a:p>
+            <a:pPr algn="l"/>
             <a:r>
               <a:rPr lang="zh-CN" altLang="en-US" sz="2200">
+                <a:solidFill>
+                  <a:srgbClr val="FF0000"/>
+                </a:solidFill>
                 <a:latin typeface="+mn-ea"/>
                 <a:ea typeface="+mn-ea"/>
-                <a:sym typeface="+mn-ea"/>
-              </a:rPr>
-              <a:t>）便于共享，节省内存</a:t>
+              </a:rPr>
+              <a:t>参见实例</a:t>
+            </a:r>
+            <a:r>
+              <a:rPr lang="en-US" altLang="zh-CN" sz="2200">
+                <a:solidFill>
+                  <a:srgbClr val="FF0000"/>
+                </a:solidFill>
+                <a:latin typeface="+mn-ea"/>
+                <a:ea typeface="+mn-ea"/>
+              </a:rPr>
+              <a:t>demo09 Part1</a:t>
             </a:r>
             <a:endParaRPr lang="zh-CN" altLang="en-US" sz="2200">
               <a:solidFill>
@@ -16865,6 +16979,1333 @@
           <p:childTnLst>
             <p:seq concurrent="1" nextAc="seek">
               <p:cTn id="2" dur="indefinite" fill="hold" nodeType="mainSeq">
+                <p:childTnLst>
+                  <p:par>
+                    <p:cTn id="3" fill="hold">
+                      <p:stCondLst>
+                        <p:cond delay="indefinite"/>
+                        <p:cond evt="onBegin" delay="0">
+                          <p:tn val="2"/>
+                        </p:cond>
+                      </p:stCondLst>
+                      <p:childTnLst>
+                        <p:par>
+                          <p:cTn id="4" fill="hold">
+                            <p:stCondLst>
+                              <p:cond delay="0"/>
+                            </p:stCondLst>
+                            <p:childTnLst>
+                              <p:par>
+                                <p:cTn id="5" presetID="2" presetClass="entr" presetSubtype="4" fill="hold" grpId="0" nodeType="afterEffect">
+                                  <p:stCondLst>
+                                    <p:cond delay="0"/>
+                                  </p:stCondLst>
+                                  <p:childTnLst>
+                                    <p:set>
+                                      <p:cBhvr>
+                                        <p:cTn id="6" dur="1" fill="hold">
+                                          <p:stCondLst>
+                                            <p:cond delay="0"/>
+                                          </p:stCondLst>
+                                        </p:cTn>
+                                        <p:tgtEl>
+                                          <p:spTgt spid="6"/>
+                                        </p:tgtEl>
+                                        <p:attrNameLst>
+                                          <p:attrName>style.visibility</p:attrName>
+                                        </p:attrNameLst>
+                                      </p:cBhvr>
+                                      <p:to>
+                                        <p:strVal val="visible"/>
+                                      </p:to>
+                                    </p:set>
+                                    <p:anim calcmode="lin" valueType="num">
+                                      <p:cBhvr additive="base">
+                                        <p:cTn id="7" dur="500" fill="hold"/>
+                                        <p:tgtEl>
+                                          <p:spTgt spid="6"/>
+                                        </p:tgtEl>
+                                        <p:attrNameLst>
+                                          <p:attrName>ppt_x</p:attrName>
+                                        </p:attrNameLst>
+                                      </p:cBhvr>
+                                      <p:tavLst>
+                                        <p:tav tm="0">
+                                          <p:val>
+                                            <p:strVal val="#ppt_x"/>
+                                          </p:val>
+                                        </p:tav>
+                                        <p:tav tm="100000">
+                                          <p:val>
+                                            <p:strVal val="#ppt_x"/>
+                                          </p:val>
+                                        </p:tav>
+                                      </p:tavLst>
+                                    </p:anim>
+                                    <p:anim calcmode="lin" valueType="num">
+                                      <p:cBhvr additive="base">
+                                        <p:cTn id="8" dur="500" fill="hold"/>
+                                        <p:tgtEl>
+                                          <p:spTgt spid="6"/>
+                                        </p:tgtEl>
+                                        <p:attrNameLst>
+                                          <p:attrName>ppt_y</p:attrName>
+                                        </p:attrNameLst>
+                                      </p:cBhvr>
+                                      <p:tavLst>
+                                        <p:tav tm="0">
+                                          <p:val>
+                                            <p:strVal val="1+#ppt_h/2"/>
+                                          </p:val>
+                                        </p:tav>
+                                        <p:tav tm="100000">
+                                          <p:val>
+                                            <p:strVal val="#ppt_y"/>
+                                          </p:val>
+                                        </p:tav>
+                                      </p:tavLst>
+                                    </p:anim>
+                                  </p:childTnLst>
+                                </p:cTn>
+                              </p:par>
+                            </p:childTnLst>
+                          </p:cTn>
+                        </p:par>
+                        <p:par>
+                          <p:cTn id="9" fill="hold">
+                            <p:stCondLst>
+                              <p:cond delay="500"/>
+                            </p:stCondLst>
+                            <p:childTnLst>
+                              <p:par>
+                                <p:cTn id="10" presetID="2" presetClass="entr" presetSubtype="4" fill="hold" grpId="0" nodeType="afterEffect">
+                                  <p:stCondLst>
+                                    <p:cond delay="0"/>
+                                  </p:stCondLst>
+                                  <p:childTnLst>
+                                    <p:set>
+                                      <p:cBhvr>
+                                        <p:cTn id="11" dur="1" fill="hold">
+                                          <p:stCondLst>
+                                            <p:cond delay="0"/>
+                                          </p:stCondLst>
+                                        </p:cTn>
+                                        <p:tgtEl>
+                                          <p:spTgt spid="2"/>
+                                        </p:tgtEl>
+                                        <p:attrNameLst>
+                                          <p:attrName>style.visibility</p:attrName>
+                                        </p:attrNameLst>
+                                      </p:cBhvr>
+                                      <p:to>
+                                        <p:strVal val="visible"/>
+                                      </p:to>
+                                    </p:set>
+                                    <p:anim calcmode="lin" valueType="num">
+                                      <p:cBhvr additive="base">
+                                        <p:cTn id="12" dur="500" fill="hold"/>
+                                        <p:tgtEl>
+                                          <p:spTgt spid="2"/>
+                                        </p:tgtEl>
+                                        <p:attrNameLst>
+                                          <p:attrName>ppt_x</p:attrName>
+                                        </p:attrNameLst>
+                                      </p:cBhvr>
+                                      <p:tavLst>
+                                        <p:tav tm="0">
+                                          <p:val>
+                                            <p:strVal val="#ppt_x"/>
+                                          </p:val>
+                                        </p:tav>
+                                        <p:tav tm="100000">
+                                          <p:val>
+                                            <p:strVal val="#ppt_x"/>
+                                          </p:val>
+                                        </p:tav>
+                                      </p:tavLst>
+                                    </p:anim>
+                                    <p:anim calcmode="lin" valueType="num">
+                                      <p:cBhvr additive="base">
+                                        <p:cTn id="13" dur="500" fill="hold"/>
+                                        <p:tgtEl>
+                                          <p:spTgt spid="2"/>
+                                        </p:tgtEl>
+                                        <p:attrNameLst>
+                                          <p:attrName>ppt_y</p:attrName>
+                                        </p:attrNameLst>
+                                      </p:cBhvr>
+                                      <p:tavLst>
+                                        <p:tav tm="0">
+                                          <p:val>
+                                            <p:strVal val="1+#ppt_h/2"/>
+                                          </p:val>
+                                        </p:tav>
+                                        <p:tav tm="100000">
+                                          <p:val>
+                                            <p:strVal val="#ppt_y"/>
+                                          </p:val>
+                                        </p:tav>
+                                      </p:tavLst>
+                                    </p:anim>
+                                  </p:childTnLst>
+                                </p:cTn>
+                              </p:par>
+                            </p:childTnLst>
+                          </p:cTn>
+                        </p:par>
+                      </p:childTnLst>
+                    </p:cTn>
+                  </p:par>
+                </p:childTnLst>
+              </p:cTn>
+              <p:prevCondLst>
+                <p:cond evt="onPrev" delay="0">
+                  <p:tgtEl>
+                    <p:sldTgt/>
+                  </p:tgtEl>
+                </p:cond>
+              </p:prevCondLst>
+              <p:nextCondLst>
+                <p:cond evt="onNext" delay="0">
+                  <p:tgtEl>
+                    <p:sldTgt/>
+                  </p:tgtEl>
+                </p:cond>
+              </p:nextCondLst>
+            </p:seq>
+          </p:childTnLst>
+        </p:cTn>
+      </p:par>
+    </p:tnLst>
+    <p:bldLst>
+      <p:bldP spid="6" grpId="0"/>
+      <p:bldP spid="2" grpId="0"/>
+    </p:bldLst>
+  </p:timing>
+</p:sld>
+</file>
+
+<file path=ppt/slides/slide23.xml><?xml version="1.0" encoding="utf-8"?>
+<p:sld xmlns:a="http://schemas.openxmlformats.org/drawingml/2006/main" xmlns:r="http://schemas.openxmlformats.org/officeDocument/2006/relationships" xmlns:p="http://schemas.openxmlformats.org/presentationml/2006/main">
+  <p:cSld>
+    <p:spTree>
+      <p:nvGrpSpPr>
+        <p:cNvPr id="1" name=""/>
+        <p:cNvGrpSpPr/>
+        <p:nvPr/>
+      </p:nvGrpSpPr>
+      <p:grpSpPr>
+        <a:xfrm>
+          <a:off x="0" y="0"/>
+          <a:ext cx="0" cy="0"/>
+          <a:chOff x="0" y="0"/>
+          <a:chExt cx="0" cy="0"/>
+        </a:xfrm>
+      </p:grpSpPr>
+      <p:sp>
+        <p:nvSpPr>
+          <p:cNvPr id="3" name="内容占位符 2"/>
+          <p:cNvSpPr>
+            <a:spLocks noGrp="1"/>
+          </p:cNvSpPr>
+          <p:nvPr>
+            <p:ph sz="quarter" idx="11"/>
+          </p:nvPr>
+        </p:nvSpPr>
+        <p:spPr>
+          <a:xfrm>
+            <a:off x="947204" y="308698"/>
+            <a:ext cx="8191557" cy="490476"/>
+          </a:xfrm>
+        </p:spPr>
+        <p:txBody>
+          <a:bodyPr/>
+          <a:p>
+            <a:r>
+              <a:rPr kumimoji="0" lang="zh-CN" altLang="en-US" b="0" dirty="0">
+                <a:solidFill>
+                  <a:srgbClr val="C00000"/>
+                </a:solidFill>
+                <a:sym typeface="+mn-ea"/>
+              </a:rPr>
+              <a:t>模拟类</a:t>
+            </a:r>
+            <a:r>
+              <a:rPr kumimoji="0" lang="en-US" altLang="zh-CN" b="0" dirty="0">
+                <a:solidFill>
+                  <a:srgbClr val="C00000"/>
+                </a:solidFill>
+                <a:sym typeface="+mn-ea"/>
+              </a:rPr>
+              <a:t>-</a:t>
+            </a:r>
+            <a:r>
+              <a:rPr kumimoji="0" lang="zh-CN" altLang="en-US" b="0" dirty="0">
+                <a:solidFill>
+                  <a:srgbClr val="C00000"/>
+                </a:solidFill>
+                <a:sym typeface="+mn-ea"/>
+              </a:rPr>
+              <a:t>类继承的形式 二 （避免原型共享）</a:t>
+            </a:r>
+            <a:endParaRPr kumimoji="0" lang="en-US" altLang="zh-CN" b="0" dirty="0" smtClean="0">
+              <a:solidFill>
+                <a:srgbClr val="C00000"/>
+              </a:solidFill>
+              <a:latin typeface="微软雅黑" panose="020B0503020204020204" pitchFamily="34" charset="-122"/>
+              <a:ea typeface="微软雅黑" panose="020B0503020204020204" pitchFamily="34" charset="-122"/>
+              <a:sym typeface="+mn-ea"/>
+            </a:endParaRPr>
+          </a:p>
+          <a:p>
+            <a:endParaRPr kumimoji="0" lang="zh-CN" altLang="en-US" b="0" dirty="0">
+              <a:solidFill>
+                <a:srgbClr val="C00000"/>
+              </a:solidFill>
+            </a:endParaRPr>
+          </a:p>
+          <a:p>
+            <a:endParaRPr lang="zh-CN" altLang="en-US" dirty="0"/>
+          </a:p>
+        </p:txBody>
+      </p:sp>
+      <p:pic>
+        <p:nvPicPr>
+          <p:cNvPr id="4" name="图片 3"/>
+          <p:cNvPicPr>
+            <a:picLocks noChangeAspect="1"/>
+          </p:cNvPicPr>
+          <p:nvPr/>
+        </p:nvPicPr>
+        <p:blipFill>
+          <a:blip r:embed="rId1"/>
+          <a:stretch>
+            <a:fillRect/>
+          </a:stretch>
+        </p:blipFill>
+        <p:spPr>
+          <a:xfrm>
+            <a:off x="1020445" y="966470"/>
+            <a:ext cx="8477250" cy="4948555"/>
+          </a:xfrm>
+          <a:prstGeom prst="rect">
+            <a:avLst/>
+          </a:prstGeom>
+        </p:spPr>
+      </p:pic>
+      <p:sp>
+        <p:nvSpPr>
+          <p:cNvPr id="2" name="文本框 1"/>
+          <p:cNvSpPr txBox="1"/>
+          <p:nvPr/>
+        </p:nvSpPr>
+        <p:spPr>
+          <a:xfrm>
+            <a:off x="6229350" y="6036945"/>
+            <a:ext cx="5420360" cy="429895"/>
+          </a:xfrm>
+          <a:prstGeom prst="rect">
+            <a:avLst/>
+          </a:prstGeom>
+          <a:noFill/>
+        </p:spPr>
+        <p:txBody>
+          <a:bodyPr wrap="square" rtlCol="0">
+            <a:spAutoFit/>
+          </a:bodyPr>
+          <a:p>
+            <a:pPr algn="l"/>
+            <a:r>
+              <a:rPr lang="zh-CN" altLang="en-US" sz="2200">
+                <a:solidFill>
+                  <a:srgbClr val="FF0000"/>
+                </a:solidFill>
+                <a:latin typeface="+mn-ea"/>
+                <a:ea typeface="+mn-ea"/>
+              </a:rPr>
+              <a:t>参见实例</a:t>
+            </a:r>
+            <a:r>
+              <a:rPr lang="en-US" altLang="zh-CN" sz="2200">
+                <a:solidFill>
+                  <a:srgbClr val="FF0000"/>
+                </a:solidFill>
+                <a:latin typeface="+mn-ea"/>
+                <a:ea typeface="+mn-ea"/>
+              </a:rPr>
+              <a:t>demo09 Part2</a:t>
+            </a:r>
+            <a:endParaRPr lang="zh-CN" altLang="en-US" sz="2200">
+              <a:solidFill>
+                <a:srgbClr val="FF0000"/>
+              </a:solidFill>
+              <a:latin typeface="+mn-ea"/>
+              <a:ea typeface="+mn-ea"/>
+            </a:endParaRPr>
+          </a:p>
+        </p:txBody>
+      </p:sp>
+    </p:spTree>
+  </p:cSld>
+  <p:clrMapOvr>
+    <a:masterClrMapping/>
+  </p:clrMapOvr>
+  <p:timing>
+    <p:tnLst>
+      <p:par>
+        <p:cTn id="1" dur="indefinite" restart="never" fill="hold" nodeType="tmRoot">
+          <p:childTnLst>
+            <p:seq concurrent="1" nextAc="seek">
+              <p:cTn id="2" dur="indefinite" fill="hold" nodeType="mainSeq">
+                <p:childTnLst>
+                  <p:par>
+                    <p:cTn id="3" fill="hold">
+                      <p:stCondLst>
+                        <p:cond delay="indefinite"/>
+                        <p:cond evt="onBegin" delay="0">
+                          <p:tn val="2"/>
+                        </p:cond>
+                      </p:stCondLst>
+                      <p:childTnLst>
+                        <p:par>
+                          <p:cTn id="4" fill="hold">
+                            <p:stCondLst>
+                              <p:cond delay="0"/>
+                            </p:stCondLst>
+                            <p:childTnLst>
+                              <p:par>
+                                <p:cTn id="5" presetID="2" presetClass="entr" presetSubtype="4" fill="hold" grpId="0" nodeType="afterEffect">
+                                  <p:stCondLst>
+                                    <p:cond delay="0"/>
+                                  </p:stCondLst>
+                                  <p:childTnLst>
+                                    <p:set>
+                                      <p:cBhvr>
+                                        <p:cTn id="6" dur="1" fill="hold">
+                                          <p:stCondLst>
+                                            <p:cond delay="0"/>
+                                          </p:stCondLst>
+                                        </p:cTn>
+                                        <p:tgtEl>
+                                          <p:spTgt spid="2"/>
+                                        </p:tgtEl>
+                                        <p:attrNameLst>
+                                          <p:attrName>style.visibility</p:attrName>
+                                        </p:attrNameLst>
+                                      </p:cBhvr>
+                                      <p:to>
+                                        <p:strVal val="visible"/>
+                                      </p:to>
+                                    </p:set>
+                                    <p:anim calcmode="lin" valueType="num">
+                                      <p:cBhvr additive="base">
+                                        <p:cTn id="7" dur="500" fill="hold"/>
+                                        <p:tgtEl>
+                                          <p:spTgt spid="2"/>
+                                        </p:tgtEl>
+                                        <p:attrNameLst>
+                                          <p:attrName>ppt_x</p:attrName>
+                                        </p:attrNameLst>
+                                      </p:cBhvr>
+                                      <p:tavLst>
+                                        <p:tav tm="0">
+                                          <p:val>
+                                            <p:strVal val="#ppt_x"/>
+                                          </p:val>
+                                        </p:tav>
+                                        <p:tav tm="100000">
+                                          <p:val>
+                                            <p:strVal val="#ppt_x"/>
+                                          </p:val>
+                                        </p:tav>
+                                      </p:tavLst>
+                                    </p:anim>
+                                    <p:anim calcmode="lin" valueType="num">
+                                      <p:cBhvr additive="base">
+                                        <p:cTn id="8" dur="500" fill="hold"/>
+                                        <p:tgtEl>
+                                          <p:spTgt spid="2"/>
+                                        </p:tgtEl>
+                                        <p:attrNameLst>
+                                          <p:attrName>ppt_y</p:attrName>
+                                        </p:attrNameLst>
+                                      </p:cBhvr>
+                                      <p:tavLst>
+                                        <p:tav tm="0">
+                                          <p:val>
+                                            <p:strVal val="1+#ppt_h/2"/>
+                                          </p:val>
+                                        </p:tav>
+                                        <p:tav tm="100000">
+                                          <p:val>
+                                            <p:strVal val="#ppt_y"/>
+                                          </p:val>
+                                        </p:tav>
+                                      </p:tavLst>
+                                    </p:anim>
+                                  </p:childTnLst>
+                                </p:cTn>
+                              </p:par>
+                            </p:childTnLst>
+                          </p:cTn>
+                        </p:par>
+                      </p:childTnLst>
+                    </p:cTn>
+                  </p:par>
+                </p:childTnLst>
+              </p:cTn>
+              <p:prevCondLst>
+                <p:cond evt="onPrev" delay="0">
+                  <p:tgtEl>
+                    <p:sldTgt/>
+                  </p:tgtEl>
+                </p:cond>
+              </p:prevCondLst>
+              <p:nextCondLst>
+                <p:cond evt="onNext" delay="0">
+                  <p:tgtEl>
+                    <p:sldTgt/>
+                  </p:tgtEl>
+                </p:cond>
+              </p:nextCondLst>
+            </p:seq>
+          </p:childTnLst>
+        </p:cTn>
+      </p:par>
+    </p:tnLst>
+    <p:bldLst>
+      <p:bldP spid="2" grpId="0"/>
+    </p:bldLst>
+  </p:timing>
+</p:sld>
+</file>
+
+<file path=ppt/slides/slide24.xml><?xml version="1.0" encoding="utf-8"?>
+<p:sld xmlns:a="http://schemas.openxmlformats.org/drawingml/2006/main" xmlns:r="http://schemas.openxmlformats.org/officeDocument/2006/relationships" xmlns:p="http://schemas.openxmlformats.org/presentationml/2006/main">
+  <p:cSld>
+    <p:spTree>
+      <p:nvGrpSpPr>
+        <p:cNvPr id="1" name=""/>
+        <p:cNvGrpSpPr/>
+        <p:nvPr/>
+      </p:nvGrpSpPr>
+      <p:grpSpPr>
+        <a:xfrm>
+          <a:off x="0" y="0"/>
+          <a:ext cx="0" cy="0"/>
+          <a:chOff x="0" y="0"/>
+          <a:chExt cx="0" cy="0"/>
+        </a:xfrm>
+      </p:grpSpPr>
+      <p:sp>
+        <p:nvSpPr>
+          <p:cNvPr id="5123" name="AutoShape 6"/>
+          <p:cNvSpPr>
+            <a:spLocks noChangeArrowheads="1"/>
+          </p:cNvSpPr>
+          <p:nvPr/>
+        </p:nvSpPr>
+        <p:spPr bwMode="auto">
+          <a:xfrm>
+            <a:off x="2566988" y="1339851"/>
+            <a:ext cx="6711950" cy="4214813"/>
+          </a:xfrm>
+          <a:prstGeom prst="roundRect">
+            <a:avLst>
+              <a:gd name="adj" fmla="val 16667"/>
+            </a:avLst>
+          </a:prstGeom>
+          <a:noFill/>
+          <a:ln w="28575">
+            <a:solidFill>
+              <a:srgbClr val="C0C0C0"/>
+            </a:solidFill>
+            <a:prstDash val="sysDot"/>
+            <a:round/>
+          </a:ln>
+          <a:extLst>
+            <a:ext uri="{909E8E84-426E-40DD-AFC4-6F175D3DCCD1}">
+              <a14:hiddenFill xmlns:a14="http://schemas.microsoft.com/office/drawing/2010/main">
+                <a:solidFill>
+                  <a:srgbClr val="FFFFFF"/>
+                </a:solidFill>
+              </a14:hiddenFill>
+            </a:ext>
+          </a:extLst>
+        </p:spPr>
+        <p:txBody>
+          <a:bodyPr wrap="none" anchor="ctr"/>
+          <a:lstStyle>
+            <a:lvl1pPr marL="457200" indent="-457200">
+              <a:defRPr sz="3200">
+                <a:solidFill>
+                  <a:schemeClr val="tx1"/>
+                </a:solidFill>
+                <a:latin typeface="Arial" panose="020B0604020202020204" pitchFamily="34" charset="0"/>
+                <a:ea typeface="微软雅黑" panose="020B0503020204020204" pitchFamily="34" charset="-122"/>
+              </a:defRPr>
+            </a:lvl1pPr>
+            <a:lvl2pPr marL="742950" indent="-285750">
+              <a:defRPr sz="3200">
+                <a:solidFill>
+                  <a:schemeClr val="tx1"/>
+                </a:solidFill>
+                <a:latin typeface="Arial" panose="020B0604020202020204" pitchFamily="34" charset="0"/>
+                <a:ea typeface="微软雅黑" panose="020B0503020204020204" pitchFamily="34" charset="-122"/>
+              </a:defRPr>
+            </a:lvl2pPr>
+            <a:lvl3pPr marL="1143000" indent="-228600">
+              <a:defRPr sz="3200">
+                <a:solidFill>
+                  <a:schemeClr val="tx1"/>
+                </a:solidFill>
+                <a:latin typeface="Arial" panose="020B0604020202020204" pitchFamily="34" charset="0"/>
+                <a:ea typeface="微软雅黑" panose="020B0503020204020204" pitchFamily="34" charset="-122"/>
+              </a:defRPr>
+            </a:lvl3pPr>
+            <a:lvl4pPr marL="1600200" indent="-228600">
+              <a:defRPr sz="3200">
+                <a:solidFill>
+                  <a:schemeClr val="tx1"/>
+                </a:solidFill>
+                <a:latin typeface="Arial" panose="020B0604020202020204" pitchFamily="34" charset="0"/>
+                <a:ea typeface="微软雅黑" panose="020B0503020204020204" pitchFamily="34" charset="-122"/>
+              </a:defRPr>
+            </a:lvl4pPr>
+            <a:lvl5pPr marL="2057400" indent="-228600">
+              <a:defRPr sz="3200">
+                <a:solidFill>
+                  <a:schemeClr val="tx1"/>
+                </a:solidFill>
+                <a:latin typeface="Arial" panose="020B0604020202020204" pitchFamily="34" charset="0"/>
+                <a:ea typeface="微软雅黑" panose="020B0503020204020204" pitchFamily="34" charset="-122"/>
+              </a:defRPr>
+            </a:lvl5pPr>
+            <a:lvl6pPr marL="2514600" indent="-228600" eaLnBrk="0" fontAlgn="base" hangingPunct="0">
+              <a:spcBef>
+                <a:spcPct val="0"/>
+              </a:spcBef>
+              <a:spcAft>
+                <a:spcPct val="0"/>
+              </a:spcAft>
+              <a:defRPr sz="3200">
+                <a:solidFill>
+                  <a:schemeClr val="tx1"/>
+                </a:solidFill>
+                <a:latin typeface="Arial" panose="020B0604020202020204" pitchFamily="34" charset="0"/>
+                <a:ea typeface="微软雅黑" panose="020B0503020204020204" pitchFamily="34" charset="-122"/>
+              </a:defRPr>
+            </a:lvl6pPr>
+            <a:lvl7pPr marL="2971800" indent="-228600" eaLnBrk="0" fontAlgn="base" hangingPunct="0">
+              <a:spcBef>
+                <a:spcPct val="0"/>
+              </a:spcBef>
+              <a:spcAft>
+                <a:spcPct val="0"/>
+              </a:spcAft>
+              <a:defRPr sz="3200">
+                <a:solidFill>
+                  <a:schemeClr val="tx1"/>
+                </a:solidFill>
+                <a:latin typeface="Arial" panose="020B0604020202020204" pitchFamily="34" charset="0"/>
+                <a:ea typeface="微软雅黑" panose="020B0503020204020204" pitchFamily="34" charset="-122"/>
+              </a:defRPr>
+            </a:lvl7pPr>
+            <a:lvl8pPr marL="3429000" indent="-228600" eaLnBrk="0" fontAlgn="base" hangingPunct="0">
+              <a:spcBef>
+                <a:spcPct val="0"/>
+              </a:spcBef>
+              <a:spcAft>
+                <a:spcPct val="0"/>
+              </a:spcAft>
+              <a:defRPr sz="3200">
+                <a:solidFill>
+                  <a:schemeClr val="tx1"/>
+                </a:solidFill>
+                <a:latin typeface="Arial" panose="020B0604020202020204" pitchFamily="34" charset="0"/>
+                <a:ea typeface="微软雅黑" panose="020B0503020204020204" pitchFamily="34" charset="-122"/>
+              </a:defRPr>
+            </a:lvl8pPr>
+            <a:lvl9pPr marL="3886200" indent="-228600" eaLnBrk="0" fontAlgn="base" hangingPunct="0">
+              <a:spcBef>
+                <a:spcPct val="0"/>
+              </a:spcBef>
+              <a:spcAft>
+                <a:spcPct val="0"/>
+              </a:spcAft>
+              <a:defRPr sz="3200">
+                <a:solidFill>
+                  <a:schemeClr val="tx1"/>
+                </a:solidFill>
+                <a:latin typeface="Arial" panose="020B0604020202020204" pitchFamily="34" charset="0"/>
+                <a:ea typeface="微软雅黑" panose="020B0503020204020204" pitchFamily="34" charset="-122"/>
+              </a:defRPr>
+            </a:lvl9pPr>
+          </a:lstStyle>
+          <a:p>
+            <a:pPr algn="l">
+              <a:lnSpc>
+                <a:spcPct val="150000"/>
+              </a:lnSpc>
+              <a:spcBef>
+                <a:spcPts val="1200"/>
+              </a:spcBef>
+              <a:spcAft>
+                <a:spcPts val="1200"/>
+              </a:spcAft>
+              <a:buClr>
+                <a:srgbClr val="92D050"/>
+              </a:buClr>
+              <a:buFont typeface="Wingdings" panose="05000000000000000000" pitchFamily="2" charset="2"/>
+              <a:buChar char="Ø"/>
+            </a:pPr>
+            <a:r>
+              <a:rPr lang="en-US" altLang="zh-CN" sz="2800" b="1">
+                <a:solidFill>
+                  <a:schemeClr val="tx1"/>
+                </a:solidFill>
+                <a:sym typeface="+mn-ea"/>
+              </a:rPr>
+              <a:t>JS</a:t>
+            </a:r>
+            <a:r>
+              <a:rPr lang="zh-CN" altLang="en-US" sz="2800" b="1">
+                <a:solidFill>
+                  <a:schemeClr val="tx1"/>
+                </a:solidFill>
+                <a:sym typeface="+mn-ea"/>
+              </a:rPr>
+              <a:t>对象</a:t>
+            </a:r>
+            <a:r>
+              <a:rPr lang="en-US" altLang="zh-CN" sz="2800" b="1">
+                <a:solidFill>
+                  <a:schemeClr val="tx1"/>
+                </a:solidFill>
+                <a:sym typeface="+mn-ea"/>
+              </a:rPr>
+              <a:t>-</a:t>
+            </a:r>
+            <a:r>
+              <a:rPr lang="zh-CN" altLang="en-US" sz="2800" b="1">
+                <a:solidFill>
+                  <a:schemeClr val="tx1"/>
+                </a:solidFill>
+                <a:sym typeface="+mn-ea"/>
+              </a:rPr>
+              <a:t>对象原型继承</a:t>
+            </a:r>
+            <a:endParaRPr lang="zh-CN" altLang="en-US" sz="2800" b="1">
+              <a:solidFill>
+                <a:schemeClr val="tx1"/>
+              </a:solidFill>
+              <a:sym typeface="+mn-ea"/>
+            </a:endParaRPr>
+          </a:p>
+          <a:p>
+            <a:pPr algn="l">
+              <a:lnSpc>
+                <a:spcPct val="150000"/>
+              </a:lnSpc>
+              <a:spcBef>
+                <a:spcPts val="1200"/>
+              </a:spcBef>
+              <a:spcAft>
+                <a:spcPts val="1200"/>
+              </a:spcAft>
+              <a:buClr>
+                <a:srgbClr val="92D050"/>
+              </a:buClr>
+              <a:buFont typeface="Wingdings" panose="05000000000000000000" pitchFamily="2" charset="2"/>
+              <a:buChar char="Ø"/>
+            </a:pPr>
+            <a:r>
+              <a:rPr lang="zh-CN" altLang="en-US" sz="2800" b="1">
+                <a:solidFill>
+                  <a:schemeClr val="tx1"/>
+                </a:solidFill>
+                <a:sym typeface="+mn-ea"/>
+              </a:rPr>
+              <a:t>通过构造函数模拟类</a:t>
+            </a:r>
+            <a:r>
+              <a:rPr lang="en-US" altLang="zh-CN" sz="2800" b="1">
+                <a:solidFill>
+                  <a:schemeClr val="tx1"/>
+                </a:solidFill>
+                <a:sym typeface="+mn-ea"/>
+              </a:rPr>
+              <a:t>-</a:t>
+            </a:r>
+            <a:r>
+              <a:rPr lang="zh-CN" altLang="en-US" sz="2800" b="1">
+                <a:solidFill>
+                  <a:schemeClr val="tx1"/>
+                </a:solidFill>
+                <a:sym typeface="+mn-ea"/>
+              </a:rPr>
+              <a:t>类的继承</a:t>
+            </a:r>
+            <a:endParaRPr lang="zh-CN" altLang="en-US" sz="2800" b="1">
+              <a:solidFill>
+                <a:schemeClr val="tx1"/>
+              </a:solidFill>
+              <a:sym typeface="+mn-ea"/>
+            </a:endParaRPr>
+          </a:p>
+          <a:p>
+            <a:pPr algn="l">
+              <a:lnSpc>
+                <a:spcPct val="150000"/>
+              </a:lnSpc>
+              <a:spcBef>
+                <a:spcPts val="1200"/>
+              </a:spcBef>
+              <a:spcAft>
+                <a:spcPts val="1200"/>
+              </a:spcAft>
+              <a:buClr>
+                <a:srgbClr val="92D050"/>
+              </a:buClr>
+              <a:buFont typeface="Wingdings" panose="05000000000000000000" pitchFamily="2" charset="2"/>
+              <a:buChar char="Ø"/>
+            </a:pPr>
+            <a:r>
+              <a:rPr lang="en-US" altLang="zh-CN" sz="2800" b="1">
+                <a:solidFill>
+                  <a:srgbClr val="FF0000"/>
+                </a:solidFill>
+                <a:sym typeface="+mn-ea"/>
+              </a:rPr>
+              <a:t>JS</a:t>
+            </a:r>
+            <a:r>
+              <a:rPr lang="zh-CN" altLang="en-US" sz="2800" b="1">
+                <a:solidFill>
+                  <a:srgbClr val="FF0000"/>
+                </a:solidFill>
+                <a:sym typeface="+mn-ea"/>
+              </a:rPr>
+              <a:t>继承补充部分</a:t>
+            </a:r>
+            <a:endParaRPr lang="zh-CN" altLang="en-US" sz="2800" b="1">
+              <a:solidFill>
+                <a:srgbClr val="FF0000"/>
+              </a:solidFill>
+              <a:sym typeface="+mn-ea"/>
+            </a:endParaRPr>
+          </a:p>
+        </p:txBody>
+      </p:sp>
+      <p:sp>
+        <p:nvSpPr>
+          <p:cNvPr id="4" name="内容占位符 3"/>
+          <p:cNvSpPr txBox="1"/>
+          <p:nvPr/>
+        </p:nvSpPr>
+        <p:spPr>
+          <a:xfrm>
+            <a:off x="981657" y="236943"/>
+            <a:ext cx="8191557" cy="490476"/>
+          </a:xfrm>
+          <a:prstGeom prst="rect">
+            <a:avLst/>
+          </a:prstGeom>
+        </p:spPr>
+        <p:txBody>
+          <a:bodyPr/>
+          <a:lstStyle>
+            <a:lvl1pPr marL="167005" indent="-167005" algn="l" defTabSz="0" rtl="0" eaLnBrk="0" fontAlgn="base" hangingPunct="0">
+              <a:spcBef>
+                <a:spcPct val="0"/>
+              </a:spcBef>
+              <a:spcAft>
+                <a:spcPct val="15000"/>
+              </a:spcAft>
+              <a:buClr>
+                <a:schemeClr val="tx2"/>
+              </a:buClr>
+              <a:buFont typeface="Arial" panose="020B0604020202020204" pitchFamily="34" charset="0"/>
+              <a:buChar char="•"/>
+              <a:defRPr kumimoji="1" sz="1600">
+                <a:solidFill>
+                  <a:srgbClr val="006F53"/>
+                </a:solidFill>
+                <a:latin typeface="微软雅黑" panose="020B0503020204020204" pitchFamily="34" charset="-122"/>
+                <a:ea typeface="微软雅黑" panose="020B0503020204020204" pitchFamily="34" charset="-122"/>
+                <a:cs typeface="微软雅黑" panose="020B0503020204020204" pitchFamily="34" charset="-122"/>
+              </a:defRPr>
+            </a:lvl1pPr>
+            <a:lvl2pPr marL="398780" indent="-230505" algn="l" defTabSz="0" rtl="0" eaLnBrk="0" fontAlgn="base" hangingPunct="0">
+              <a:spcBef>
+                <a:spcPct val="0"/>
+              </a:spcBef>
+              <a:spcAft>
+                <a:spcPct val="15000"/>
+              </a:spcAft>
+              <a:buClr>
+                <a:schemeClr val="tx2"/>
+              </a:buClr>
+              <a:buFont typeface="Arial" panose="020B0604020202020204" pitchFamily="34" charset="0"/>
+              <a:buChar char="–"/>
+              <a:defRPr kumimoji="1" sz="2800">
+                <a:solidFill>
+                  <a:schemeClr val="bg2"/>
+                </a:solidFill>
+                <a:latin typeface="微软雅黑" panose="020B0503020204020204" pitchFamily="34" charset="-122"/>
+                <a:ea typeface="微软雅黑" panose="020B0503020204020204" pitchFamily="34" charset="-122"/>
+                <a:cs typeface="微软雅黑" panose="020B0503020204020204" pitchFamily="34" charset="-122"/>
+              </a:defRPr>
+            </a:lvl2pPr>
+            <a:lvl3pPr marL="400050" indent="182880" algn="l" defTabSz="0" rtl="0" eaLnBrk="0" fontAlgn="base" hangingPunct="0">
+              <a:spcBef>
+                <a:spcPct val="0"/>
+              </a:spcBef>
+              <a:spcAft>
+                <a:spcPct val="15000"/>
+              </a:spcAft>
+              <a:buClr>
+                <a:schemeClr val="tx2"/>
+              </a:buClr>
+              <a:buFont typeface="Arial" panose="020B0604020202020204" pitchFamily="34" charset="0"/>
+              <a:buChar char="•"/>
+              <a:defRPr kumimoji="1" sz="1600">
+                <a:solidFill>
+                  <a:schemeClr val="bg2"/>
+                </a:solidFill>
+                <a:latin typeface="微软雅黑" panose="020B0503020204020204" pitchFamily="34" charset="-122"/>
+                <a:ea typeface="微软雅黑" panose="020B0503020204020204" pitchFamily="34" charset="-122"/>
+                <a:cs typeface="微软雅黑" panose="020B0503020204020204" pitchFamily="34" charset="-122"/>
+              </a:defRPr>
+            </a:lvl3pPr>
+            <a:lvl4pPr marL="825500" indent="-241300" algn="l" defTabSz="0" rtl="0" eaLnBrk="0" fontAlgn="base" hangingPunct="0">
+              <a:spcBef>
+                <a:spcPct val="0"/>
+              </a:spcBef>
+              <a:spcAft>
+                <a:spcPct val="15000"/>
+              </a:spcAft>
+              <a:buClr>
+                <a:schemeClr val="tx2"/>
+              </a:buClr>
+              <a:buFont typeface="Arial" panose="020B0604020202020204" pitchFamily="34" charset="0"/>
+              <a:buChar char="–"/>
+              <a:defRPr kumimoji="1" sz="1600">
+                <a:solidFill>
+                  <a:schemeClr val="bg2"/>
+                </a:solidFill>
+                <a:latin typeface="微软雅黑" panose="020B0503020204020204" pitchFamily="34" charset="-122"/>
+                <a:ea typeface="微软雅黑" panose="020B0503020204020204" pitchFamily="34" charset="-122"/>
+                <a:cs typeface="微软雅黑" panose="020B0503020204020204" pitchFamily="34" charset="-122"/>
+              </a:defRPr>
+            </a:lvl4pPr>
+            <a:lvl5pPr marL="2057400" indent="-228600" algn="l" defTabSz="0" rtl="0" eaLnBrk="0" fontAlgn="base" hangingPunct="0">
+              <a:spcBef>
+                <a:spcPct val="0"/>
+              </a:spcBef>
+              <a:spcAft>
+                <a:spcPct val="25000"/>
+              </a:spcAft>
+              <a:buClr>
+                <a:schemeClr val="tx2"/>
+              </a:buClr>
+              <a:buFont typeface="Arial" panose="020B0604020202020204" pitchFamily="34" charset="0"/>
+              <a:buChar char="–"/>
+              <a:defRPr kumimoji="1" sz="2000">
+                <a:solidFill>
+                  <a:schemeClr val="tx1"/>
+                </a:solidFill>
+                <a:latin typeface="+mn-lt"/>
+                <a:ea typeface="微软雅黑" panose="020B0503020204020204" pitchFamily="34" charset="-122"/>
+                <a:cs typeface="微软雅黑" panose="020B0503020204020204" pitchFamily="34" charset="-122"/>
+              </a:defRPr>
+            </a:lvl5pPr>
+            <a:lvl6pPr marL="2514600" indent="-228600" algn="l" defTabSz="0" rtl="0" eaLnBrk="0" fontAlgn="base" hangingPunct="0">
+              <a:spcBef>
+                <a:spcPct val="0"/>
+              </a:spcBef>
+              <a:spcAft>
+                <a:spcPct val="25000"/>
+              </a:spcAft>
+              <a:buClr>
+                <a:schemeClr val="tx2"/>
+              </a:buClr>
+              <a:buFont typeface="Arial" panose="020B0604020202020204" pitchFamily="34" charset="0"/>
+              <a:buChar char="–"/>
+              <a:defRPr>
+                <a:solidFill>
+                  <a:schemeClr val="tx1"/>
+                </a:solidFill>
+                <a:latin typeface="+mn-lt"/>
+              </a:defRPr>
+            </a:lvl6pPr>
+            <a:lvl7pPr marL="2971800" indent="-228600" algn="l" defTabSz="0" rtl="0" eaLnBrk="0" fontAlgn="base" hangingPunct="0">
+              <a:spcBef>
+                <a:spcPct val="0"/>
+              </a:spcBef>
+              <a:spcAft>
+                <a:spcPct val="25000"/>
+              </a:spcAft>
+              <a:buClr>
+                <a:schemeClr val="tx2"/>
+              </a:buClr>
+              <a:buFont typeface="Arial" panose="020B0604020202020204" pitchFamily="34" charset="0"/>
+              <a:buChar char="–"/>
+              <a:defRPr>
+                <a:solidFill>
+                  <a:schemeClr val="tx1"/>
+                </a:solidFill>
+                <a:latin typeface="+mn-lt"/>
+              </a:defRPr>
+            </a:lvl7pPr>
+            <a:lvl8pPr marL="3429000" indent="-228600" algn="l" defTabSz="0" rtl="0" eaLnBrk="0" fontAlgn="base" hangingPunct="0">
+              <a:spcBef>
+                <a:spcPct val="0"/>
+              </a:spcBef>
+              <a:spcAft>
+                <a:spcPct val="25000"/>
+              </a:spcAft>
+              <a:buClr>
+                <a:schemeClr val="tx2"/>
+              </a:buClr>
+              <a:buFont typeface="Arial" panose="020B0604020202020204" pitchFamily="34" charset="0"/>
+              <a:buChar char="–"/>
+              <a:defRPr>
+                <a:solidFill>
+                  <a:schemeClr val="tx1"/>
+                </a:solidFill>
+                <a:latin typeface="+mn-lt"/>
+              </a:defRPr>
+            </a:lvl8pPr>
+            <a:lvl9pPr marL="3886200" indent="-228600" algn="l" defTabSz="0" rtl="0" eaLnBrk="0" fontAlgn="base" hangingPunct="0">
+              <a:spcBef>
+                <a:spcPct val="0"/>
+              </a:spcBef>
+              <a:spcAft>
+                <a:spcPct val="25000"/>
+              </a:spcAft>
+              <a:buClr>
+                <a:schemeClr val="tx2"/>
+              </a:buClr>
+              <a:buFont typeface="Arial" panose="020B0604020202020204" pitchFamily="34" charset="0"/>
+              <a:buChar char="–"/>
+              <a:defRPr>
+                <a:solidFill>
+                  <a:schemeClr val="tx1"/>
+                </a:solidFill>
+                <a:latin typeface="+mn-lt"/>
+              </a:defRPr>
+            </a:lvl9pPr>
+          </a:lstStyle>
+          <a:p>
+            <a:pPr marL="0" indent="0">
+              <a:buNone/>
+            </a:pPr>
+            <a:r>
+              <a:rPr lang="zh-CN" altLang="en-US" sz="3200" dirty="0" smtClean="0">
+                <a:solidFill>
+                  <a:srgbClr val="C00000"/>
+                </a:solidFill>
+                <a:cs typeface="+mn-cs"/>
+                <a:sym typeface="+mn-ea"/>
+              </a:rPr>
+              <a:t>内容提纲</a:t>
+            </a:r>
+            <a:endParaRPr lang="zh-CN" altLang="en-US" kern="0" dirty="0"/>
+          </a:p>
+        </p:txBody>
+      </p:sp>
+    </p:spTree>
+  </p:cSld>
+  <p:clrMapOvr>
+    <a:masterClrMapping/>
+  </p:clrMapOvr>
+  <p:timing>
+    <p:tnLst>
+      <p:par>
+        <p:cTn id="1" dur="indefinite" restart="never" nodeType="tmRoot"/>
+      </p:par>
+    </p:tnLst>
+  </p:timing>
+</p:sld>
+</file>
+
+<file path=ppt/slides/slide25.xml><?xml version="1.0" encoding="utf-8"?>
+<p:sld xmlns:a="http://schemas.openxmlformats.org/drawingml/2006/main" xmlns:r="http://schemas.openxmlformats.org/officeDocument/2006/relationships" xmlns:p="http://schemas.openxmlformats.org/presentationml/2006/main">
+  <p:cSld>
+    <p:spTree>
+      <p:nvGrpSpPr>
+        <p:cNvPr id="1" name=""/>
+        <p:cNvGrpSpPr/>
+        <p:nvPr/>
+      </p:nvGrpSpPr>
+      <p:grpSpPr>
+        <a:xfrm>
+          <a:off x="0" y="0"/>
+          <a:ext cx="0" cy="0"/>
+          <a:chOff x="0" y="0"/>
+          <a:chExt cx="0" cy="0"/>
+        </a:xfrm>
+      </p:grpSpPr>
+      <p:sp>
+        <p:nvSpPr>
+          <p:cNvPr id="2" name="内容占位符 1"/>
+          <p:cNvSpPr>
+            <a:spLocks noGrp="1"/>
+          </p:cNvSpPr>
+          <p:nvPr>
+            <p:ph sz="quarter" idx="10"/>
+          </p:nvPr>
+        </p:nvSpPr>
+        <p:spPr>
+          <a:xfrm>
+            <a:off x="927735" y="783590"/>
+            <a:ext cx="9776460" cy="4918710"/>
+          </a:xfrm>
+        </p:spPr>
+        <p:txBody>
+          <a:bodyPr/>
+          <a:lstStyle/>
+          <a:p>
+            <a:pPr>
+              <a:lnSpc>
+                <a:spcPct val="160000"/>
+              </a:lnSpc>
+            </a:pPr>
+            <a:r>
+              <a:rPr lang="zh-CN" altLang="en-US" sz="3200" dirty="0">
+                <a:solidFill>
+                  <a:schemeClr val="tx1"/>
+                </a:solidFill>
+                <a:sym typeface="+mn-ea"/>
+              </a:rPr>
+              <a:t>静态方法与原型方法的区别</a:t>
+            </a:r>
+            <a:br>
+              <a:rPr kumimoji="0" lang="en-US" altLang="zh-CN" sz="1800" dirty="0" smtClean="0">
+                <a:solidFill>
+                  <a:schemeClr val="tx1"/>
+                </a:solidFill>
+                <a:sym typeface="+mn-ea"/>
+              </a:rPr>
+            </a:br>
+            <a:r>
+              <a:rPr kumimoji="0" lang="en-US" altLang="zh-CN" sz="1800" dirty="0" smtClean="0">
+                <a:solidFill>
+                  <a:schemeClr val="tx1"/>
+                </a:solidFill>
+                <a:sym typeface="+mn-ea"/>
+              </a:rPr>
+              <a:t>- </a:t>
+            </a:r>
+            <a:r>
+              <a:rPr lang="zh-CN" altLang="en-US" sz="1800" dirty="0">
+                <a:solidFill>
+                  <a:schemeClr val="tx1"/>
+                </a:solidFill>
+                <a:sym typeface="+mn-ea"/>
+              </a:rPr>
+              <a:t>都可以属性共享，使用形式有什么不同，区别在哪里？</a:t>
+            </a:r>
+            <a:br>
+              <a:rPr lang="zh-CN" altLang="en-US" sz="1800" dirty="0">
+                <a:solidFill>
+                  <a:schemeClr val="tx1"/>
+                </a:solidFill>
+                <a:sym typeface="+mn-ea"/>
+              </a:rPr>
+            </a:br>
+            <a:r>
+              <a:rPr lang="en-US" altLang="zh-CN" sz="1800" dirty="0">
+                <a:solidFill>
+                  <a:schemeClr val="tx1"/>
+                </a:solidFill>
+                <a:sym typeface="+mn-ea"/>
+              </a:rPr>
+              <a:t>- </a:t>
+            </a:r>
+            <a:r>
+              <a:rPr lang="zh-CN" altLang="en-US" sz="1800" dirty="0">
+                <a:solidFill>
+                  <a:schemeClr val="tx1"/>
+                </a:solidFill>
+                <a:sym typeface="+mn-ea"/>
+              </a:rPr>
+              <a:t>静态方法是构造器函数对象的自有属性</a:t>
+            </a:r>
+            <a:br>
+              <a:rPr lang="zh-CN" altLang="en-US" sz="1800" dirty="0">
+                <a:solidFill>
+                  <a:schemeClr val="accent3"/>
+                </a:solidFill>
+                <a:sym typeface="+mn-ea"/>
+              </a:rPr>
+            </a:br>
+            <a:r>
+              <a:rPr lang="en-US" altLang="zh-CN" sz="1800" dirty="0">
+                <a:solidFill>
+                  <a:schemeClr val="tx1"/>
+                </a:solidFill>
+                <a:sym typeface="+mn-ea"/>
+              </a:rPr>
+              <a:t>- </a:t>
+            </a:r>
+            <a:r>
+              <a:rPr lang="zh-CN" altLang="en-US" sz="1800" dirty="0">
+                <a:solidFill>
+                  <a:schemeClr val="tx1"/>
+                </a:solidFill>
+                <a:sym typeface="+mn-ea"/>
+              </a:rPr>
+              <a:t>思考</a:t>
+            </a:r>
+            <a:r>
+              <a:rPr kumimoji="0" lang="en-US" altLang="zh-CN" sz="1800" dirty="0" smtClean="0">
+                <a:solidFill>
+                  <a:schemeClr val="tx1"/>
+                </a:solidFill>
+                <a:sym typeface="+mn-ea"/>
+              </a:rPr>
+              <a:t>Object.getPrototypeOf(...)</a:t>
+            </a:r>
+            <a:r>
+              <a:rPr kumimoji="0" lang="zh-CN" altLang="en-US" sz="1800" dirty="0" smtClean="0">
+                <a:solidFill>
+                  <a:schemeClr val="tx1"/>
+                </a:solidFill>
+                <a:sym typeface="+mn-ea"/>
+              </a:rPr>
+              <a:t>与</a:t>
+            </a:r>
+            <a:r>
+              <a:rPr kumimoji="0" lang="en-US" altLang="zh-CN" sz="1800" dirty="0" smtClean="0">
+                <a:solidFill>
+                  <a:schemeClr val="tx1"/>
+                </a:solidFill>
+                <a:sym typeface="+mn-ea"/>
+              </a:rPr>
+              <a:t>Object.prototype.isPrototypeOf(...)</a:t>
+            </a:r>
+            <a:br>
+              <a:rPr lang="en-US" altLang="zh-CN" sz="1800" dirty="0">
+                <a:solidFill>
+                  <a:schemeClr val="tx1"/>
+                </a:solidFill>
+                <a:sym typeface="+mn-ea"/>
+              </a:rPr>
+            </a:br>
+            <a:endParaRPr lang="zh-CN" altLang="en-US" sz="1800" dirty="0">
+              <a:solidFill>
+                <a:schemeClr val="accent3"/>
+              </a:solidFill>
+              <a:sym typeface="+mn-ea"/>
+            </a:endParaRPr>
+          </a:p>
+          <a:p>
+            <a:pPr marL="0" indent="0">
+              <a:lnSpc>
+                <a:spcPct val="160000"/>
+              </a:lnSpc>
+              <a:buNone/>
+            </a:pPr>
+            <a:endParaRPr lang="en-US" altLang="zh-CN" sz="1800" dirty="0">
+              <a:solidFill>
+                <a:schemeClr val="tx1"/>
+              </a:solidFill>
+              <a:sym typeface="+mn-ea"/>
+            </a:endParaRPr>
+          </a:p>
+        </p:txBody>
+      </p:sp>
+      <p:sp>
+        <p:nvSpPr>
+          <p:cNvPr id="3" name="内容占位符 2"/>
+          <p:cNvSpPr>
+            <a:spLocks noGrp="1"/>
+          </p:cNvSpPr>
+          <p:nvPr>
+            <p:ph sz="quarter" idx="11"/>
+          </p:nvPr>
+        </p:nvSpPr>
+        <p:spPr/>
+        <p:txBody>
+          <a:bodyPr/>
+          <a:lstStyle/>
+          <a:p>
+            <a:r>
+              <a:rPr lang="zh-CN" altLang="en-US" dirty="0">
+                <a:sym typeface="+mn-ea"/>
+              </a:rPr>
+              <a:t>JS继承补充部分</a:t>
+            </a:r>
+            <a:endParaRPr lang="zh-CN" altLang="en-US" dirty="0"/>
+          </a:p>
+        </p:txBody>
+      </p:sp>
+      <p:sp>
+        <p:nvSpPr>
+          <p:cNvPr id="6" name="文本框 5"/>
+          <p:cNvSpPr txBox="1"/>
+          <p:nvPr/>
+        </p:nvSpPr>
+        <p:spPr>
+          <a:xfrm>
+            <a:off x="6229350" y="6036945"/>
+            <a:ext cx="5420360" cy="429895"/>
+          </a:xfrm>
+          <a:prstGeom prst="rect">
+            <a:avLst/>
+          </a:prstGeom>
+          <a:noFill/>
+        </p:spPr>
+        <p:txBody>
+          <a:bodyPr wrap="square" rtlCol="0">
+            <a:spAutoFit/>
+          </a:bodyPr>
+          <a:p>
+            <a:pPr algn="l"/>
+            <a:r>
+              <a:rPr lang="zh-CN" altLang="en-US" sz="2200">
+                <a:solidFill>
+                  <a:srgbClr val="FF0000"/>
+                </a:solidFill>
+                <a:latin typeface="+mn-ea"/>
+                <a:ea typeface="+mn-ea"/>
+              </a:rPr>
+              <a:t>参见实例</a:t>
+            </a:r>
+            <a:r>
+              <a:rPr lang="en-US" altLang="zh-CN" sz="2200">
+                <a:solidFill>
+                  <a:srgbClr val="FF0000"/>
+                </a:solidFill>
+                <a:latin typeface="+mn-ea"/>
+                <a:ea typeface="+mn-ea"/>
+              </a:rPr>
+              <a:t>demo10</a:t>
+            </a:r>
+            <a:endParaRPr lang="zh-CN" altLang="en-US" sz="2200">
+              <a:solidFill>
+                <a:srgbClr val="FF0000"/>
+              </a:solidFill>
+              <a:latin typeface="+mn-ea"/>
+              <a:ea typeface="+mn-ea"/>
+            </a:endParaRPr>
+          </a:p>
+        </p:txBody>
+      </p:sp>
+    </p:spTree>
+  </p:cSld>
+  <p:clrMapOvr>
+    <a:masterClrMapping/>
+  </p:clrMapOvr>
+  <p:timing>
+    <p:tnLst>
+      <p:par>
+        <p:cTn id="1" dur="indefinite" restart="never" nodeType="tmRoot">
+          <p:childTnLst>
+            <p:seq concurrent="1" nextAc="seek">
+              <p:cTn id="2" dur="indefinite" nodeType="mainSeq">
                 <p:childTnLst>
                   <p:par>
                     <p:cTn id="3" fill="hold">
@@ -16988,1078 +18429,6 @@
 </p:sld>
 </file>
 
-<file path=ppt/slides/slide23.xml><?xml version="1.0" encoding="utf-8"?>
-<p:sld xmlns:a="http://schemas.openxmlformats.org/drawingml/2006/main" xmlns:r="http://schemas.openxmlformats.org/officeDocument/2006/relationships" xmlns:p="http://schemas.openxmlformats.org/presentationml/2006/main">
-  <p:cSld>
-    <p:spTree>
-      <p:nvGrpSpPr>
-        <p:cNvPr id="1" name=""/>
-        <p:cNvGrpSpPr/>
-        <p:nvPr/>
-      </p:nvGrpSpPr>
-      <p:grpSpPr>
-        <a:xfrm>
-          <a:off x="0" y="0"/>
-          <a:ext cx="0" cy="0"/>
-          <a:chOff x="0" y="0"/>
-          <a:chExt cx="0" cy="0"/>
-        </a:xfrm>
-      </p:grpSpPr>
-      <p:sp>
-        <p:nvSpPr>
-          <p:cNvPr id="3" name="内容占位符 2"/>
-          <p:cNvSpPr>
-            <a:spLocks noGrp="1"/>
-          </p:cNvSpPr>
-          <p:nvPr>
-            <p:ph sz="quarter" idx="11"/>
-          </p:nvPr>
-        </p:nvSpPr>
-        <p:spPr>
-          <a:xfrm>
-            <a:off x="947204" y="308698"/>
-            <a:ext cx="8191557" cy="490476"/>
-          </a:xfrm>
-        </p:spPr>
-        <p:txBody>
-          <a:bodyPr/>
-          <a:p>
-            <a:r>
-              <a:rPr kumimoji="0" lang="zh-CN" altLang="en-US" b="0" dirty="0">
-                <a:solidFill>
-                  <a:srgbClr val="C00000"/>
-                </a:solidFill>
-                <a:sym typeface="+mn-ea"/>
-              </a:rPr>
-              <a:t>模拟类</a:t>
-            </a:r>
-            <a:r>
-              <a:rPr kumimoji="0" lang="en-US" altLang="zh-CN" b="0" dirty="0">
-                <a:solidFill>
-                  <a:srgbClr val="C00000"/>
-                </a:solidFill>
-                <a:sym typeface="+mn-ea"/>
-              </a:rPr>
-              <a:t>-</a:t>
-            </a:r>
-            <a:r>
-              <a:rPr kumimoji="0" lang="zh-CN" altLang="en-US" b="0" dirty="0">
-                <a:solidFill>
-                  <a:srgbClr val="C00000"/>
-                </a:solidFill>
-                <a:sym typeface="+mn-ea"/>
-              </a:rPr>
-              <a:t>类继承的形式 二 （避免原型共享）</a:t>
-            </a:r>
-            <a:endParaRPr kumimoji="0" lang="en-US" altLang="zh-CN" b="0" dirty="0" smtClean="0">
-              <a:solidFill>
-                <a:srgbClr val="C00000"/>
-              </a:solidFill>
-              <a:latin typeface="微软雅黑" panose="020B0503020204020204" pitchFamily="34" charset="-122"/>
-              <a:ea typeface="微软雅黑" panose="020B0503020204020204" pitchFamily="34" charset="-122"/>
-              <a:sym typeface="+mn-ea"/>
-            </a:endParaRPr>
-          </a:p>
-          <a:p>
-            <a:endParaRPr kumimoji="0" lang="zh-CN" altLang="en-US" b="0" dirty="0">
-              <a:solidFill>
-                <a:srgbClr val="C00000"/>
-              </a:solidFill>
-            </a:endParaRPr>
-          </a:p>
-          <a:p>
-            <a:endParaRPr lang="zh-CN" altLang="en-US" dirty="0"/>
-          </a:p>
-        </p:txBody>
-      </p:sp>
-      <p:pic>
-        <p:nvPicPr>
-          <p:cNvPr id="4" name="图片 3"/>
-          <p:cNvPicPr>
-            <a:picLocks noChangeAspect="1"/>
-          </p:cNvPicPr>
-          <p:nvPr/>
-        </p:nvPicPr>
-        <p:blipFill>
-          <a:blip r:embed="rId1"/>
-          <a:stretch>
-            <a:fillRect/>
-          </a:stretch>
-        </p:blipFill>
-        <p:spPr>
-          <a:xfrm>
-            <a:off x="1020445" y="966470"/>
-            <a:ext cx="8477250" cy="4948555"/>
-          </a:xfrm>
-          <a:prstGeom prst="rect">
-            <a:avLst/>
-          </a:prstGeom>
-        </p:spPr>
-      </p:pic>
-    </p:spTree>
-  </p:cSld>
-  <p:clrMapOvr>
-    <a:masterClrMapping/>
-  </p:clrMapOvr>
-  <p:timing>
-    <p:tnLst>
-      <p:par>
-        <p:cTn id="1" dur="indefinite" restart="never" nodeType="tmRoot"/>
-      </p:par>
-    </p:tnLst>
-  </p:timing>
-</p:sld>
-</file>
-
-<file path=ppt/slides/slide24.xml><?xml version="1.0" encoding="utf-8"?>
-<p:sld xmlns:a="http://schemas.openxmlformats.org/drawingml/2006/main" xmlns:r="http://schemas.openxmlformats.org/officeDocument/2006/relationships" xmlns:p="http://schemas.openxmlformats.org/presentationml/2006/main">
-  <p:cSld>
-    <p:spTree>
-      <p:nvGrpSpPr>
-        <p:cNvPr id="1" name=""/>
-        <p:cNvGrpSpPr/>
-        <p:nvPr/>
-      </p:nvGrpSpPr>
-      <p:grpSpPr>
-        <a:xfrm>
-          <a:off x="0" y="0"/>
-          <a:ext cx="0" cy="0"/>
-          <a:chOff x="0" y="0"/>
-          <a:chExt cx="0" cy="0"/>
-        </a:xfrm>
-      </p:grpSpPr>
-      <p:sp>
-        <p:nvSpPr>
-          <p:cNvPr id="5123" name="AutoShape 6"/>
-          <p:cNvSpPr>
-            <a:spLocks noChangeArrowheads="1"/>
-          </p:cNvSpPr>
-          <p:nvPr/>
-        </p:nvSpPr>
-        <p:spPr bwMode="auto">
-          <a:xfrm>
-            <a:off x="2566988" y="1339851"/>
-            <a:ext cx="6711950" cy="4214813"/>
-          </a:xfrm>
-          <a:prstGeom prst="roundRect">
-            <a:avLst>
-              <a:gd name="adj" fmla="val 16667"/>
-            </a:avLst>
-          </a:prstGeom>
-          <a:noFill/>
-          <a:ln w="28575">
-            <a:solidFill>
-              <a:srgbClr val="C0C0C0"/>
-            </a:solidFill>
-            <a:prstDash val="sysDot"/>
-            <a:round/>
-          </a:ln>
-          <a:extLst>
-            <a:ext uri="{909E8E84-426E-40DD-AFC4-6F175D3DCCD1}">
-              <a14:hiddenFill xmlns:a14="http://schemas.microsoft.com/office/drawing/2010/main">
-                <a:solidFill>
-                  <a:srgbClr val="FFFFFF"/>
-                </a:solidFill>
-              </a14:hiddenFill>
-            </a:ext>
-          </a:extLst>
-        </p:spPr>
-        <p:txBody>
-          <a:bodyPr wrap="none" anchor="ctr"/>
-          <a:lstStyle>
-            <a:lvl1pPr marL="457200" indent="-457200">
-              <a:defRPr sz="3200">
-                <a:solidFill>
-                  <a:schemeClr val="tx1"/>
-                </a:solidFill>
-                <a:latin typeface="Arial" panose="020B0604020202020204" pitchFamily="34" charset="0"/>
-                <a:ea typeface="微软雅黑" panose="020B0503020204020204" pitchFamily="34" charset="-122"/>
-              </a:defRPr>
-            </a:lvl1pPr>
-            <a:lvl2pPr marL="742950" indent="-285750">
-              <a:defRPr sz="3200">
-                <a:solidFill>
-                  <a:schemeClr val="tx1"/>
-                </a:solidFill>
-                <a:latin typeface="Arial" panose="020B0604020202020204" pitchFamily="34" charset="0"/>
-                <a:ea typeface="微软雅黑" panose="020B0503020204020204" pitchFamily="34" charset="-122"/>
-              </a:defRPr>
-            </a:lvl2pPr>
-            <a:lvl3pPr marL="1143000" indent="-228600">
-              <a:defRPr sz="3200">
-                <a:solidFill>
-                  <a:schemeClr val="tx1"/>
-                </a:solidFill>
-                <a:latin typeface="Arial" panose="020B0604020202020204" pitchFamily="34" charset="0"/>
-                <a:ea typeface="微软雅黑" panose="020B0503020204020204" pitchFamily="34" charset="-122"/>
-              </a:defRPr>
-            </a:lvl3pPr>
-            <a:lvl4pPr marL="1600200" indent="-228600">
-              <a:defRPr sz="3200">
-                <a:solidFill>
-                  <a:schemeClr val="tx1"/>
-                </a:solidFill>
-                <a:latin typeface="Arial" panose="020B0604020202020204" pitchFamily="34" charset="0"/>
-                <a:ea typeface="微软雅黑" panose="020B0503020204020204" pitchFamily="34" charset="-122"/>
-              </a:defRPr>
-            </a:lvl4pPr>
-            <a:lvl5pPr marL="2057400" indent="-228600">
-              <a:defRPr sz="3200">
-                <a:solidFill>
-                  <a:schemeClr val="tx1"/>
-                </a:solidFill>
-                <a:latin typeface="Arial" panose="020B0604020202020204" pitchFamily="34" charset="0"/>
-                <a:ea typeface="微软雅黑" panose="020B0503020204020204" pitchFamily="34" charset="-122"/>
-              </a:defRPr>
-            </a:lvl5pPr>
-            <a:lvl6pPr marL="2514600" indent="-228600" eaLnBrk="0" fontAlgn="base" hangingPunct="0">
-              <a:spcBef>
-                <a:spcPct val="0"/>
-              </a:spcBef>
-              <a:spcAft>
-                <a:spcPct val="0"/>
-              </a:spcAft>
-              <a:defRPr sz="3200">
-                <a:solidFill>
-                  <a:schemeClr val="tx1"/>
-                </a:solidFill>
-                <a:latin typeface="Arial" panose="020B0604020202020204" pitchFamily="34" charset="0"/>
-                <a:ea typeface="微软雅黑" panose="020B0503020204020204" pitchFamily="34" charset="-122"/>
-              </a:defRPr>
-            </a:lvl6pPr>
-            <a:lvl7pPr marL="2971800" indent="-228600" eaLnBrk="0" fontAlgn="base" hangingPunct="0">
-              <a:spcBef>
-                <a:spcPct val="0"/>
-              </a:spcBef>
-              <a:spcAft>
-                <a:spcPct val="0"/>
-              </a:spcAft>
-              <a:defRPr sz="3200">
-                <a:solidFill>
-                  <a:schemeClr val="tx1"/>
-                </a:solidFill>
-                <a:latin typeface="Arial" panose="020B0604020202020204" pitchFamily="34" charset="0"/>
-                <a:ea typeface="微软雅黑" panose="020B0503020204020204" pitchFamily="34" charset="-122"/>
-              </a:defRPr>
-            </a:lvl7pPr>
-            <a:lvl8pPr marL="3429000" indent="-228600" eaLnBrk="0" fontAlgn="base" hangingPunct="0">
-              <a:spcBef>
-                <a:spcPct val="0"/>
-              </a:spcBef>
-              <a:spcAft>
-                <a:spcPct val="0"/>
-              </a:spcAft>
-              <a:defRPr sz="3200">
-                <a:solidFill>
-                  <a:schemeClr val="tx1"/>
-                </a:solidFill>
-                <a:latin typeface="Arial" panose="020B0604020202020204" pitchFamily="34" charset="0"/>
-                <a:ea typeface="微软雅黑" panose="020B0503020204020204" pitchFamily="34" charset="-122"/>
-              </a:defRPr>
-            </a:lvl8pPr>
-            <a:lvl9pPr marL="3886200" indent="-228600" eaLnBrk="0" fontAlgn="base" hangingPunct="0">
-              <a:spcBef>
-                <a:spcPct val="0"/>
-              </a:spcBef>
-              <a:spcAft>
-                <a:spcPct val="0"/>
-              </a:spcAft>
-              <a:defRPr sz="3200">
-                <a:solidFill>
-                  <a:schemeClr val="tx1"/>
-                </a:solidFill>
-                <a:latin typeface="Arial" panose="020B0604020202020204" pitchFamily="34" charset="0"/>
-                <a:ea typeface="微软雅黑" panose="020B0503020204020204" pitchFamily="34" charset="-122"/>
-              </a:defRPr>
-            </a:lvl9pPr>
-          </a:lstStyle>
-          <a:p>
-            <a:pPr algn="l">
-              <a:lnSpc>
-                <a:spcPct val="150000"/>
-              </a:lnSpc>
-              <a:spcBef>
-                <a:spcPts val="1200"/>
-              </a:spcBef>
-              <a:spcAft>
-                <a:spcPts val="1200"/>
-              </a:spcAft>
-              <a:buClr>
-                <a:srgbClr val="92D050"/>
-              </a:buClr>
-              <a:buFont typeface="Wingdings" panose="05000000000000000000" pitchFamily="2" charset="2"/>
-              <a:buChar char="Ø"/>
-            </a:pPr>
-            <a:r>
-              <a:rPr lang="en-US" altLang="zh-CN" sz="2800" b="1">
-                <a:solidFill>
-                  <a:schemeClr val="tx1"/>
-                </a:solidFill>
-                <a:sym typeface="+mn-ea"/>
-              </a:rPr>
-              <a:t>JS</a:t>
-            </a:r>
-            <a:r>
-              <a:rPr lang="zh-CN" altLang="en-US" sz="2800" b="1">
-                <a:solidFill>
-                  <a:schemeClr val="tx1"/>
-                </a:solidFill>
-                <a:sym typeface="+mn-ea"/>
-              </a:rPr>
-              <a:t>对象</a:t>
-            </a:r>
-            <a:r>
-              <a:rPr lang="en-US" altLang="zh-CN" sz="2800" b="1">
-                <a:solidFill>
-                  <a:schemeClr val="tx1"/>
-                </a:solidFill>
-                <a:sym typeface="+mn-ea"/>
-              </a:rPr>
-              <a:t>-</a:t>
-            </a:r>
-            <a:r>
-              <a:rPr lang="zh-CN" altLang="en-US" sz="2800" b="1">
-                <a:solidFill>
-                  <a:schemeClr val="tx1"/>
-                </a:solidFill>
-                <a:sym typeface="+mn-ea"/>
-              </a:rPr>
-              <a:t>对象原型继承</a:t>
-            </a:r>
-            <a:endParaRPr lang="zh-CN" altLang="en-US" sz="2800" b="1">
-              <a:solidFill>
-                <a:schemeClr val="tx1"/>
-              </a:solidFill>
-              <a:sym typeface="+mn-ea"/>
-            </a:endParaRPr>
-          </a:p>
-          <a:p>
-            <a:pPr algn="l">
-              <a:lnSpc>
-                <a:spcPct val="150000"/>
-              </a:lnSpc>
-              <a:spcBef>
-                <a:spcPts val="1200"/>
-              </a:spcBef>
-              <a:spcAft>
-                <a:spcPts val="1200"/>
-              </a:spcAft>
-              <a:buClr>
-                <a:srgbClr val="92D050"/>
-              </a:buClr>
-              <a:buFont typeface="Wingdings" panose="05000000000000000000" pitchFamily="2" charset="2"/>
-              <a:buChar char="Ø"/>
-            </a:pPr>
-            <a:r>
-              <a:rPr lang="zh-CN" altLang="en-US" sz="2800" b="1">
-                <a:solidFill>
-                  <a:schemeClr val="tx1"/>
-                </a:solidFill>
-                <a:sym typeface="+mn-ea"/>
-              </a:rPr>
-              <a:t>通过构造函数模拟类</a:t>
-            </a:r>
-            <a:r>
-              <a:rPr lang="en-US" altLang="zh-CN" sz="2800" b="1">
-                <a:solidFill>
-                  <a:schemeClr val="tx1"/>
-                </a:solidFill>
-                <a:sym typeface="+mn-ea"/>
-              </a:rPr>
-              <a:t>-</a:t>
-            </a:r>
-            <a:r>
-              <a:rPr lang="zh-CN" altLang="en-US" sz="2800" b="1">
-                <a:solidFill>
-                  <a:schemeClr val="tx1"/>
-                </a:solidFill>
-                <a:sym typeface="+mn-ea"/>
-              </a:rPr>
-              <a:t>类的继承</a:t>
-            </a:r>
-            <a:endParaRPr lang="zh-CN" altLang="en-US" sz="2800" b="1">
-              <a:solidFill>
-                <a:schemeClr val="tx1"/>
-              </a:solidFill>
-              <a:sym typeface="+mn-ea"/>
-            </a:endParaRPr>
-          </a:p>
-          <a:p>
-            <a:pPr algn="l">
-              <a:lnSpc>
-                <a:spcPct val="150000"/>
-              </a:lnSpc>
-              <a:spcBef>
-                <a:spcPts val="1200"/>
-              </a:spcBef>
-              <a:spcAft>
-                <a:spcPts val="1200"/>
-              </a:spcAft>
-              <a:buClr>
-                <a:srgbClr val="92D050"/>
-              </a:buClr>
-              <a:buFont typeface="Wingdings" panose="05000000000000000000" pitchFamily="2" charset="2"/>
-              <a:buChar char="Ø"/>
-            </a:pPr>
-            <a:r>
-              <a:rPr lang="en-US" altLang="zh-CN" sz="2800" b="1">
-                <a:solidFill>
-                  <a:srgbClr val="FF0000"/>
-                </a:solidFill>
-                <a:sym typeface="+mn-ea"/>
-              </a:rPr>
-              <a:t>JS</a:t>
-            </a:r>
-            <a:r>
-              <a:rPr lang="zh-CN" altLang="en-US" sz="2800" b="1">
-                <a:solidFill>
-                  <a:srgbClr val="FF0000"/>
-                </a:solidFill>
-                <a:sym typeface="+mn-ea"/>
-              </a:rPr>
-              <a:t>继承补充部分</a:t>
-            </a:r>
-            <a:endParaRPr lang="zh-CN" altLang="en-US" sz="2800" b="1">
-              <a:solidFill>
-                <a:srgbClr val="FF0000"/>
-              </a:solidFill>
-              <a:sym typeface="+mn-ea"/>
-            </a:endParaRPr>
-          </a:p>
-        </p:txBody>
-      </p:sp>
-      <p:sp>
-        <p:nvSpPr>
-          <p:cNvPr id="4" name="内容占位符 3"/>
-          <p:cNvSpPr txBox="1"/>
-          <p:nvPr/>
-        </p:nvSpPr>
-        <p:spPr>
-          <a:xfrm>
-            <a:off x="981657" y="236943"/>
-            <a:ext cx="8191557" cy="490476"/>
-          </a:xfrm>
-          <a:prstGeom prst="rect">
-            <a:avLst/>
-          </a:prstGeom>
-        </p:spPr>
-        <p:txBody>
-          <a:bodyPr/>
-          <a:lstStyle>
-            <a:lvl1pPr marL="167005" indent="-167005" algn="l" defTabSz="0" rtl="0" eaLnBrk="0" fontAlgn="base" hangingPunct="0">
-              <a:spcBef>
-                <a:spcPct val="0"/>
-              </a:spcBef>
-              <a:spcAft>
-                <a:spcPct val="15000"/>
-              </a:spcAft>
-              <a:buClr>
-                <a:schemeClr val="tx2"/>
-              </a:buClr>
-              <a:buFont typeface="Arial" panose="020B0604020202020204" pitchFamily="34" charset="0"/>
-              <a:buChar char="•"/>
-              <a:defRPr kumimoji="1" sz="1600">
-                <a:solidFill>
-                  <a:srgbClr val="006F53"/>
-                </a:solidFill>
-                <a:latin typeface="微软雅黑" panose="020B0503020204020204" pitchFamily="34" charset="-122"/>
-                <a:ea typeface="微软雅黑" panose="020B0503020204020204" pitchFamily="34" charset="-122"/>
-                <a:cs typeface="微软雅黑" panose="020B0503020204020204" pitchFamily="34" charset="-122"/>
-              </a:defRPr>
-            </a:lvl1pPr>
-            <a:lvl2pPr marL="398780" indent="-230505" algn="l" defTabSz="0" rtl="0" eaLnBrk="0" fontAlgn="base" hangingPunct="0">
-              <a:spcBef>
-                <a:spcPct val="0"/>
-              </a:spcBef>
-              <a:spcAft>
-                <a:spcPct val="15000"/>
-              </a:spcAft>
-              <a:buClr>
-                <a:schemeClr val="tx2"/>
-              </a:buClr>
-              <a:buFont typeface="Arial" panose="020B0604020202020204" pitchFamily="34" charset="0"/>
-              <a:buChar char="–"/>
-              <a:defRPr kumimoji="1" sz="2800">
-                <a:solidFill>
-                  <a:schemeClr val="bg2"/>
-                </a:solidFill>
-                <a:latin typeface="微软雅黑" panose="020B0503020204020204" pitchFamily="34" charset="-122"/>
-                <a:ea typeface="微软雅黑" panose="020B0503020204020204" pitchFamily="34" charset="-122"/>
-                <a:cs typeface="微软雅黑" panose="020B0503020204020204" pitchFamily="34" charset="-122"/>
-              </a:defRPr>
-            </a:lvl2pPr>
-            <a:lvl3pPr marL="400050" indent="182880" algn="l" defTabSz="0" rtl="0" eaLnBrk="0" fontAlgn="base" hangingPunct="0">
-              <a:spcBef>
-                <a:spcPct val="0"/>
-              </a:spcBef>
-              <a:spcAft>
-                <a:spcPct val="15000"/>
-              </a:spcAft>
-              <a:buClr>
-                <a:schemeClr val="tx2"/>
-              </a:buClr>
-              <a:buFont typeface="Arial" panose="020B0604020202020204" pitchFamily="34" charset="0"/>
-              <a:buChar char="•"/>
-              <a:defRPr kumimoji="1" sz="1600">
-                <a:solidFill>
-                  <a:schemeClr val="bg2"/>
-                </a:solidFill>
-                <a:latin typeface="微软雅黑" panose="020B0503020204020204" pitchFamily="34" charset="-122"/>
-                <a:ea typeface="微软雅黑" panose="020B0503020204020204" pitchFamily="34" charset="-122"/>
-                <a:cs typeface="微软雅黑" panose="020B0503020204020204" pitchFamily="34" charset="-122"/>
-              </a:defRPr>
-            </a:lvl3pPr>
-            <a:lvl4pPr marL="825500" indent="-241300" algn="l" defTabSz="0" rtl="0" eaLnBrk="0" fontAlgn="base" hangingPunct="0">
-              <a:spcBef>
-                <a:spcPct val="0"/>
-              </a:spcBef>
-              <a:spcAft>
-                <a:spcPct val="15000"/>
-              </a:spcAft>
-              <a:buClr>
-                <a:schemeClr val="tx2"/>
-              </a:buClr>
-              <a:buFont typeface="Arial" panose="020B0604020202020204" pitchFamily="34" charset="0"/>
-              <a:buChar char="–"/>
-              <a:defRPr kumimoji="1" sz="1600">
-                <a:solidFill>
-                  <a:schemeClr val="bg2"/>
-                </a:solidFill>
-                <a:latin typeface="微软雅黑" panose="020B0503020204020204" pitchFamily="34" charset="-122"/>
-                <a:ea typeface="微软雅黑" panose="020B0503020204020204" pitchFamily="34" charset="-122"/>
-                <a:cs typeface="微软雅黑" panose="020B0503020204020204" pitchFamily="34" charset="-122"/>
-              </a:defRPr>
-            </a:lvl4pPr>
-            <a:lvl5pPr marL="2057400" indent="-228600" algn="l" defTabSz="0" rtl="0" eaLnBrk="0" fontAlgn="base" hangingPunct="0">
-              <a:spcBef>
-                <a:spcPct val="0"/>
-              </a:spcBef>
-              <a:spcAft>
-                <a:spcPct val="25000"/>
-              </a:spcAft>
-              <a:buClr>
-                <a:schemeClr val="tx2"/>
-              </a:buClr>
-              <a:buFont typeface="Arial" panose="020B0604020202020204" pitchFamily="34" charset="0"/>
-              <a:buChar char="–"/>
-              <a:defRPr kumimoji="1" sz="2000">
-                <a:solidFill>
-                  <a:schemeClr val="tx1"/>
-                </a:solidFill>
-                <a:latin typeface="+mn-lt"/>
-                <a:ea typeface="微软雅黑" panose="020B0503020204020204" pitchFamily="34" charset="-122"/>
-                <a:cs typeface="微软雅黑" panose="020B0503020204020204" pitchFamily="34" charset="-122"/>
-              </a:defRPr>
-            </a:lvl5pPr>
-            <a:lvl6pPr marL="2514600" indent="-228600" algn="l" defTabSz="0" rtl="0" eaLnBrk="0" fontAlgn="base" hangingPunct="0">
-              <a:spcBef>
-                <a:spcPct val="0"/>
-              </a:spcBef>
-              <a:spcAft>
-                <a:spcPct val="25000"/>
-              </a:spcAft>
-              <a:buClr>
-                <a:schemeClr val="tx2"/>
-              </a:buClr>
-              <a:buFont typeface="Arial" panose="020B0604020202020204" pitchFamily="34" charset="0"/>
-              <a:buChar char="–"/>
-              <a:defRPr>
-                <a:solidFill>
-                  <a:schemeClr val="tx1"/>
-                </a:solidFill>
-                <a:latin typeface="+mn-lt"/>
-              </a:defRPr>
-            </a:lvl6pPr>
-            <a:lvl7pPr marL="2971800" indent="-228600" algn="l" defTabSz="0" rtl="0" eaLnBrk="0" fontAlgn="base" hangingPunct="0">
-              <a:spcBef>
-                <a:spcPct val="0"/>
-              </a:spcBef>
-              <a:spcAft>
-                <a:spcPct val="25000"/>
-              </a:spcAft>
-              <a:buClr>
-                <a:schemeClr val="tx2"/>
-              </a:buClr>
-              <a:buFont typeface="Arial" panose="020B0604020202020204" pitchFamily="34" charset="0"/>
-              <a:buChar char="–"/>
-              <a:defRPr>
-                <a:solidFill>
-                  <a:schemeClr val="tx1"/>
-                </a:solidFill>
-                <a:latin typeface="+mn-lt"/>
-              </a:defRPr>
-            </a:lvl7pPr>
-            <a:lvl8pPr marL="3429000" indent="-228600" algn="l" defTabSz="0" rtl="0" eaLnBrk="0" fontAlgn="base" hangingPunct="0">
-              <a:spcBef>
-                <a:spcPct val="0"/>
-              </a:spcBef>
-              <a:spcAft>
-                <a:spcPct val="25000"/>
-              </a:spcAft>
-              <a:buClr>
-                <a:schemeClr val="tx2"/>
-              </a:buClr>
-              <a:buFont typeface="Arial" panose="020B0604020202020204" pitchFamily="34" charset="0"/>
-              <a:buChar char="–"/>
-              <a:defRPr>
-                <a:solidFill>
-                  <a:schemeClr val="tx1"/>
-                </a:solidFill>
-                <a:latin typeface="+mn-lt"/>
-              </a:defRPr>
-            </a:lvl8pPr>
-            <a:lvl9pPr marL="3886200" indent="-228600" algn="l" defTabSz="0" rtl="0" eaLnBrk="0" fontAlgn="base" hangingPunct="0">
-              <a:spcBef>
-                <a:spcPct val="0"/>
-              </a:spcBef>
-              <a:spcAft>
-                <a:spcPct val="25000"/>
-              </a:spcAft>
-              <a:buClr>
-                <a:schemeClr val="tx2"/>
-              </a:buClr>
-              <a:buFont typeface="Arial" panose="020B0604020202020204" pitchFamily="34" charset="0"/>
-              <a:buChar char="–"/>
-              <a:defRPr>
-                <a:solidFill>
-                  <a:schemeClr val="tx1"/>
-                </a:solidFill>
-                <a:latin typeface="+mn-lt"/>
-              </a:defRPr>
-            </a:lvl9pPr>
-          </a:lstStyle>
-          <a:p>
-            <a:pPr marL="0" indent="0">
-              <a:buNone/>
-            </a:pPr>
-            <a:r>
-              <a:rPr lang="zh-CN" altLang="en-US" sz="3200" dirty="0" smtClean="0">
-                <a:solidFill>
-                  <a:srgbClr val="C00000"/>
-                </a:solidFill>
-                <a:cs typeface="+mn-cs"/>
-                <a:sym typeface="+mn-ea"/>
-              </a:rPr>
-              <a:t>内容提纲</a:t>
-            </a:r>
-            <a:endParaRPr lang="zh-CN" altLang="en-US" kern="0" dirty="0"/>
-          </a:p>
-        </p:txBody>
-      </p:sp>
-    </p:spTree>
-  </p:cSld>
-  <p:clrMapOvr>
-    <a:masterClrMapping/>
-  </p:clrMapOvr>
-  <p:timing>
-    <p:tnLst>
-      <p:par>
-        <p:cTn id="1" dur="indefinite" restart="never" nodeType="tmRoot"/>
-      </p:par>
-    </p:tnLst>
-  </p:timing>
-</p:sld>
-</file>
-
-<file path=ppt/slides/slide25.xml><?xml version="1.0" encoding="utf-8"?>
-<p:sld xmlns:a="http://schemas.openxmlformats.org/drawingml/2006/main" xmlns:r="http://schemas.openxmlformats.org/officeDocument/2006/relationships" xmlns:p="http://schemas.openxmlformats.org/presentationml/2006/main">
-  <p:cSld>
-    <p:spTree>
-      <p:nvGrpSpPr>
-        <p:cNvPr id="1" name=""/>
-        <p:cNvGrpSpPr/>
-        <p:nvPr/>
-      </p:nvGrpSpPr>
-      <p:grpSpPr>
-        <a:xfrm>
-          <a:off x="0" y="0"/>
-          <a:ext cx="0" cy="0"/>
-          <a:chOff x="0" y="0"/>
-          <a:chExt cx="0" cy="0"/>
-        </a:xfrm>
-      </p:grpSpPr>
-      <p:sp>
-        <p:nvSpPr>
-          <p:cNvPr id="2" name="内容占位符 1"/>
-          <p:cNvSpPr>
-            <a:spLocks noGrp="1"/>
-          </p:cNvSpPr>
-          <p:nvPr>
-            <p:ph sz="quarter" idx="10"/>
-          </p:nvPr>
-        </p:nvSpPr>
-        <p:spPr>
-          <a:xfrm>
-            <a:off x="927735" y="855345"/>
-            <a:ext cx="9776460" cy="4918710"/>
-          </a:xfrm>
-        </p:spPr>
-        <p:txBody>
-          <a:bodyPr/>
-          <a:lstStyle/>
-          <a:p>
-            <a:pPr marL="0" indent="0">
-              <a:lnSpc>
-                <a:spcPct val="160000"/>
-              </a:lnSpc>
-              <a:buNone/>
-            </a:pPr>
-            <a:r>
-              <a:rPr lang="en-US" altLang="zh-CN" sz="1800" dirty="0">
-                <a:solidFill>
-                  <a:schemeClr val="tx1"/>
-                </a:solidFill>
-                <a:sym typeface="+mn-ea"/>
-              </a:rPr>
-              <a:t>- 原型对象它将自身的属性共享给新对象</a:t>
-            </a:r>
-            <a:r>
-              <a:rPr lang="zh-CN" altLang="en-US" sz="1800" dirty="0">
-                <a:solidFill>
-                  <a:schemeClr val="tx1"/>
-                </a:solidFill>
-                <a:sym typeface="+mn-ea"/>
-              </a:rPr>
-              <a:t>（</a:t>
-            </a:r>
-            <a:r>
-              <a:rPr lang="en-US" altLang="zh-CN" sz="1800" dirty="0">
-                <a:solidFill>
-                  <a:srgbClr val="FF0000"/>
-                </a:solidFill>
-                <a:sym typeface="+mn-ea"/>
-              </a:rPr>
-              <a:t>原型对象</a:t>
-            </a:r>
-            <a:r>
-              <a:rPr lang="en-US" altLang="zh-CN" sz="1800" dirty="0">
-                <a:solidFill>
-                  <a:schemeClr val="tx1"/>
-                </a:solidFill>
-                <a:sym typeface="+mn-ea"/>
-              </a:rPr>
-              <a:t>是原型语言的核心</a:t>
-            </a:r>
-            <a:r>
-              <a:rPr lang="zh-CN" altLang="en-US" sz="1800" dirty="0">
-                <a:solidFill>
-                  <a:schemeClr val="tx1"/>
-                </a:solidFill>
-                <a:sym typeface="+mn-ea"/>
-              </a:rPr>
-              <a:t>）</a:t>
-            </a:r>
-            <a:br>
-              <a:rPr lang="en-US" altLang="zh-CN" sz="1800" dirty="0">
-                <a:solidFill>
-                  <a:schemeClr val="tx1"/>
-                </a:solidFill>
-                <a:sym typeface="+mn-ea"/>
-              </a:rPr>
-            </a:br>
-            <a:r>
-              <a:rPr lang="en-US" altLang="zh-CN" sz="1800" dirty="0">
-                <a:solidFill>
-                  <a:schemeClr val="tx1"/>
-                </a:solidFill>
-                <a:sym typeface="+mn-ea"/>
-              </a:rPr>
-              <a:t>- 一个对象不但可以享有自己创建时和运行时定义的属性，而且可以享有原型对象的属性</a:t>
-            </a:r>
-            <a:br>
-              <a:rPr lang="en-US" altLang="zh-CN" sz="1800" dirty="0">
-                <a:solidFill>
-                  <a:schemeClr val="tx1"/>
-                </a:solidFill>
-                <a:sym typeface="+mn-ea"/>
-              </a:rPr>
-            </a:br>
-            <a:r>
-              <a:rPr lang="en-US" altLang="zh-CN" sz="1800" dirty="0">
-                <a:solidFill>
-                  <a:schemeClr val="tx1"/>
-                </a:solidFill>
-                <a:sym typeface="+mn-ea"/>
-              </a:rPr>
-              <a:t>- 所有的对象都有原型，原型本身也是对象，</a:t>
-            </a:r>
-            <a:r>
-              <a:rPr lang="zh-CN" altLang="en-US" sz="1800" dirty="0">
-                <a:solidFill>
-                  <a:schemeClr val="tx1"/>
-                </a:solidFill>
-                <a:sym typeface="+mn-ea"/>
-              </a:rPr>
-              <a:t>形成的链式结构即为</a:t>
-            </a:r>
-            <a:r>
-              <a:rPr lang="zh-CN" altLang="en-US" sz="1800" dirty="0">
-                <a:solidFill>
-                  <a:srgbClr val="FF0000"/>
-                </a:solidFill>
-                <a:sym typeface="+mn-ea"/>
-              </a:rPr>
-              <a:t>原型链</a:t>
-            </a:r>
-            <a:br>
-              <a:rPr lang="zh-CN" altLang="en-US" sz="1800" dirty="0">
-                <a:solidFill>
-                  <a:srgbClr val="FF0000"/>
-                </a:solidFill>
-                <a:sym typeface="+mn-ea"/>
-              </a:rPr>
-            </a:br>
-            <a:r>
-              <a:rPr lang="en-US" altLang="zh-CN" sz="1800" dirty="0">
-                <a:solidFill>
-                  <a:schemeClr val="tx1"/>
-                </a:solidFill>
-                <a:sym typeface="+mn-ea"/>
-              </a:rPr>
-              <a:t>- 一个对象的真正原型是被对象内部的[[Prototype]]属性(property)所持有</a:t>
-            </a:r>
-            <a:br>
-              <a:rPr lang="en-US" altLang="zh-CN" sz="1800" dirty="0">
-                <a:solidFill>
-                  <a:schemeClr val="tx1"/>
-                </a:solidFill>
-                <a:sym typeface="+mn-ea"/>
-              </a:rPr>
-            </a:br>
-            <a:r>
-              <a:rPr lang="en-US" altLang="zh-CN" sz="1800" dirty="0">
-                <a:solidFill>
-                  <a:schemeClr val="tx1"/>
-                </a:solidFill>
-                <a:sym typeface="+mn-ea"/>
-              </a:rPr>
-              <a:t>- </a:t>
-            </a:r>
-            <a:r>
-              <a:rPr lang="zh-CN" altLang="en-US" sz="1800" dirty="0">
-                <a:solidFill>
-                  <a:schemeClr val="tx1"/>
-                </a:solidFill>
-                <a:sym typeface="+mn-ea"/>
-              </a:rPr>
-              <a:t>多态：</a:t>
-            </a:r>
-            <a:r>
-              <a:rPr lang="en-US" altLang="zh-CN" sz="1800" dirty="0">
-                <a:solidFill>
-                  <a:schemeClr val="tx1"/>
-                </a:solidFill>
-                <a:sym typeface="+mn-ea"/>
-              </a:rPr>
-              <a:t>for in </a:t>
-            </a:r>
-            <a:r>
-              <a:rPr lang="zh-CN" altLang="en-US" sz="1800" dirty="0">
-                <a:solidFill>
-                  <a:schemeClr val="tx1"/>
-                </a:solidFill>
-                <a:sym typeface="+mn-ea"/>
-              </a:rPr>
-              <a:t>遍历 结合</a:t>
-            </a:r>
-            <a:r>
-              <a:rPr lang="en-US" altLang="zh-CN" sz="1800" dirty="0">
-                <a:solidFill>
-                  <a:schemeClr val="tx1"/>
-                </a:solidFill>
-                <a:sym typeface="+mn-ea"/>
-              </a:rPr>
-              <a:t>Object.hasOwnProperty</a:t>
-            </a:r>
-            <a:br>
-              <a:rPr lang="en-US" altLang="zh-CN" sz="1800" dirty="0">
-                <a:solidFill>
-                  <a:schemeClr val="tx1"/>
-                </a:solidFill>
-                <a:sym typeface="+mn-ea"/>
-              </a:rPr>
-            </a:br>
-            <a:br>
-              <a:rPr lang="en-US" altLang="zh-CN" sz="1800" dirty="0">
-                <a:solidFill>
-                  <a:schemeClr val="tx1"/>
-                </a:solidFill>
-                <a:sym typeface="+mn-ea"/>
-              </a:rPr>
-            </a:br>
-            <a:r>
-              <a:rPr lang="en-US" altLang="zh-CN" sz="1800" dirty="0">
-                <a:solidFill>
-                  <a:schemeClr val="accent3"/>
-                </a:solidFill>
-                <a:sym typeface="+mn-ea"/>
-              </a:rPr>
-              <a:t>- </a:t>
-            </a:r>
-            <a:r>
-              <a:rPr lang="zh-CN" altLang="en-US" sz="1800" dirty="0">
-                <a:solidFill>
-                  <a:schemeClr val="accent3"/>
-                </a:solidFill>
-                <a:sym typeface="+mn-ea"/>
-              </a:rPr>
-              <a:t>再论</a:t>
-            </a:r>
-            <a:r>
-              <a:rPr lang="en-US" altLang="zh-CN" sz="1800" dirty="0">
-                <a:solidFill>
-                  <a:schemeClr val="accent3"/>
-                </a:solidFill>
-                <a:sym typeface="+mn-ea"/>
-              </a:rPr>
-              <a:t>constructor</a:t>
-            </a:r>
-            <a:r>
-              <a:rPr lang="zh-CN" altLang="en-US" sz="1800" dirty="0">
-                <a:solidFill>
-                  <a:schemeClr val="accent3"/>
-                </a:solidFill>
-                <a:sym typeface="+mn-ea"/>
-              </a:rPr>
-              <a:t>，对象原型的属性，指向对象的构造器；</a:t>
-            </a:r>
-            <a:br>
-              <a:rPr lang="en-US" altLang="zh-CN" sz="1800" dirty="0">
-                <a:solidFill>
-                  <a:schemeClr val="accent3"/>
-                </a:solidFill>
-                <a:sym typeface="+mn-ea"/>
-              </a:rPr>
-            </a:br>
-            <a:r>
-              <a:rPr lang="en-US" altLang="zh-CN" sz="1800" dirty="0">
-                <a:solidFill>
-                  <a:schemeClr val="accent3"/>
-                </a:solidFill>
-                <a:sym typeface="+mn-ea"/>
-              </a:rPr>
-              <a:t>- </a:t>
-            </a:r>
-            <a:r>
-              <a:rPr lang="zh-CN" altLang="en-US" sz="1800" dirty="0">
-                <a:solidFill>
-                  <a:schemeClr val="accent3"/>
-                </a:solidFill>
-                <a:sym typeface="+mn-ea"/>
-              </a:rPr>
-              <a:t>再论</a:t>
-            </a:r>
-            <a:r>
-              <a:rPr lang="en-US" altLang="zh-CN" sz="1800" dirty="0">
-                <a:solidFill>
-                  <a:schemeClr val="accent3"/>
-                </a:solidFill>
-                <a:sym typeface="+mn-ea"/>
-              </a:rPr>
-              <a:t>instanceOf</a:t>
-            </a:r>
-            <a:br>
-              <a:rPr lang="en-US" altLang="zh-CN" sz="1800" dirty="0">
-                <a:solidFill>
-                  <a:schemeClr val="accent3"/>
-                </a:solidFill>
-                <a:sym typeface="+mn-ea"/>
-              </a:rPr>
-            </a:br>
-            <a:r>
-              <a:rPr lang="en-US" altLang="zh-CN" sz="1800" dirty="0">
-                <a:solidFill>
-                  <a:schemeClr val="accent3"/>
-                </a:solidFill>
-                <a:sym typeface="+mn-ea"/>
-              </a:rPr>
-              <a:t>- </a:t>
-            </a:r>
-            <a:r>
-              <a:rPr lang="zh-CN" altLang="en-US" sz="1800" dirty="0">
-                <a:solidFill>
-                  <a:schemeClr val="accent3"/>
-                </a:solidFill>
-                <a:sym typeface="+mn-ea"/>
-              </a:rPr>
-              <a:t>静态属性和原型属性（都可以属性共享，使用形式有什么不同，区别在哪里？）</a:t>
-            </a:r>
-            <a:endParaRPr lang="zh-CN" altLang="en-US" sz="1800" dirty="0">
-              <a:solidFill>
-                <a:schemeClr val="accent3"/>
-              </a:solidFill>
-              <a:sym typeface="+mn-ea"/>
-            </a:endParaRPr>
-          </a:p>
-          <a:p>
-            <a:pPr marL="0" indent="0">
-              <a:lnSpc>
-                <a:spcPct val="160000"/>
-              </a:lnSpc>
-              <a:buNone/>
-            </a:pPr>
-            <a:endParaRPr lang="en-US" altLang="zh-CN" sz="1800" dirty="0">
-              <a:solidFill>
-                <a:schemeClr val="tx1"/>
-              </a:solidFill>
-              <a:sym typeface="+mn-ea"/>
-            </a:endParaRPr>
-          </a:p>
-        </p:txBody>
-      </p:sp>
-      <p:sp>
-        <p:nvSpPr>
-          <p:cNvPr id="3" name="内容占位符 2"/>
-          <p:cNvSpPr>
-            <a:spLocks noGrp="1"/>
-          </p:cNvSpPr>
-          <p:nvPr>
-            <p:ph sz="quarter" idx="11"/>
-          </p:nvPr>
-        </p:nvSpPr>
-        <p:spPr/>
-        <p:txBody>
-          <a:bodyPr/>
-          <a:lstStyle/>
-          <a:p>
-            <a:r>
-              <a:rPr lang="en-US" dirty="0"/>
-              <a:t>JavaScript</a:t>
-            </a:r>
-            <a:r>
-              <a:rPr lang="zh-CN" altLang="en-US" dirty="0"/>
-              <a:t>的继承方式</a:t>
-            </a:r>
-            <a:r>
-              <a:rPr lang="en-US" altLang="zh-CN" dirty="0"/>
-              <a:t>-</a:t>
-            </a:r>
-            <a:r>
-              <a:rPr lang="zh-CN" altLang="en-US" dirty="0"/>
-              <a:t>原型链</a:t>
-            </a:r>
-            <a:endParaRPr lang="zh-CN" altLang="en-US" dirty="0"/>
-          </a:p>
-          <a:p>
-            <a:endParaRPr lang="zh-CN" altLang="en-US" dirty="0"/>
-          </a:p>
-        </p:txBody>
-      </p:sp>
-    </p:spTree>
-  </p:cSld>
-  <p:clrMapOvr>
-    <a:masterClrMapping/>
-  </p:clrMapOvr>
-  <p:timing>
-    <p:tnLst>
-      <p:par>
-        <p:cTn id="1" dur="indefinite" restart="never" nodeType="tmRoot"/>
-      </p:par>
-    </p:tnLst>
-  </p:timing>
-</p:sld>
-</file>
-
 <file path=ppt/slides/slide26.xml><?xml version="1.0" encoding="utf-8"?>
 <p:sld xmlns:a="http://schemas.openxmlformats.org/drawingml/2006/main" xmlns:r="http://schemas.openxmlformats.org/officeDocument/2006/relationships" xmlns:p="http://schemas.openxmlformats.org/presentationml/2006/main">
   <p:cSld>
@@ -18089,7 +18458,7 @@
         </p:nvSpPr>
         <p:spPr>
           <a:xfrm>
-            <a:off x="999490" y="855345"/>
+            <a:off x="927735" y="783590"/>
             <a:ext cx="9776460" cy="4918710"/>
           </a:xfrm>
         </p:spPr>
@@ -18097,68 +18466,202 @@
           <a:bodyPr/>
           <a:lstStyle/>
           <a:p>
+            <a:pPr algn="l">
+              <a:lnSpc>
+                <a:spcPct val="160000"/>
+              </a:lnSpc>
+            </a:pPr>
+            <a:r>
+              <a:rPr lang="zh-CN" altLang="en-US" sz="3200" dirty="0">
+                <a:solidFill>
+                  <a:schemeClr val="tx1"/>
+                </a:solidFill>
+                <a:sym typeface="+mn-ea"/>
+              </a:rPr>
+              <a:t>对象原型的</a:t>
+            </a:r>
+            <a:r>
+              <a:rPr lang="en-US" altLang="zh-CN" sz="3200" dirty="0">
+                <a:solidFill>
+                  <a:schemeClr val="tx1"/>
+                </a:solidFill>
+                <a:sym typeface="+mn-ea"/>
+              </a:rPr>
+              <a:t>constructor</a:t>
+            </a:r>
+            <a:r>
+              <a:rPr lang="zh-CN" altLang="en-US" sz="3200" dirty="0">
+                <a:solidFill>
+                  <a:schemeClr val="tx1"/>
+                </a:solidFill>
+                <a:sym typeface="+mn-ea"/>
+              </a:rPr>
+              <a:t>属性</a:t>
+            </a:r>
+            <a:br>
+              <a:rPr lang="en-US" altLang="zh-CN" sz="1800" dirty="0">
+                <a:solidFill>
+                  <a:schemeClr val="tx1"/>
+                </a:solidFill>
+                <a:sym typeface="+mn-ea"/>
+              </a:rPr>
+            </a:br>
+            <a:r>
+              <a:rPr lang="en-US" altLang="zh-CN" sz="1800" dirty="0">
+                <a:solidFill>
+                  <a:schemeClr val="tx1"/>
+                </a:solidFill>
+                <a:sym typeface="+mn-ea"/>
+              </a:rPr>
+              <a:t>- </a:t>
+            </a:r>
+            <a:r>
+              <a:rPr lang="zh-CN" altLang="en-US" sz="1800" dirty="0">
+                <a:solidFill>
+                  <a:schemeClr val="tx1"/>
+                </a:solidFill>
+                <a:sym typeface="+mn-ea"/>
+              </a:rPr>
+              <a:t>因为对象实例从原型中继承了</a:t>
+            </a:r>
+            <a:r>
+              <a:rPr lang="en-US" altLang="zh-CN" sz="1800" dirty="0">
+                <a:solidFill>
+                  <a:schemeClr val="tx1"/>
+                </a:solidFill>
+                <a:sym typeface="+mn-ea"/>
+              </a:rPr>
+              <a:t>constructor</a:t>
+            </a:r>
+            <a:r>
+              <a:rPr lang="zh-CN" altLang="en-US" sz="1800" dirty="0">
+                <a:solidFill>
+                  <a:schemeClr val="tx1"/>
+                </a:solidFill>
+                <a:sym typeface="+mn-ea"/>
+              </a:rPr>
+              <a:t>，所以可以通过</a:t>
+            </a:r>
+            <a:r>
+              <a:rPr lang="en-US" altLang="zh-CN" sz="1800" dirty="0">
+                <a:solidFill>
+                  <a:schemeClr val="tx1"/>
+                </a:solidFill>
+                <a:sym typeface="+mn-ea"/>
+              </a:rPr>
+              <a:t>constructor</a:t>
+            </a:r>
+            <a:r>
+              <a:rPr lang="zh-CN" altLang="en-US" sz="1800" dirty="0">
+                <a:solidFill>
+                  <a:schemeClr val="tx1"/>
+                </a:solidFill>
+                <a:sym typeface="+mn-ea"/>
+              </a:rPr>
+              <a:t>得到实例的构造函数</a:t>
+            </a:r>
+            <a:br>
+              <a:rPr lang="en-US" altLang="zh-CN" sz="1800" dirty="0">
+                <a:solidFill>
+                  <a:schemeClr val="accent3"/>
+                </a:solidFill>
+                <a:sym typeface="+mn-ea"/>
+              </a:rPr>
+            </a:br>
+            <a:r>
+              <a:rPr lang="en-US" altLang="zh-CN" sz="1800" dirty="0">
+                <a:solidFill>
+                  <a:schemeClr val="tx1"/>
+                </a:solidFill>
+                <a:sym typeface="+mn-ea"/>
+              </a:rPr>
+              <a:t>- </a:t>
+            </a:r>
+            <a:r>
+              <a:rPr lang="en-US" sz="1800" dirty="0">
+                <a:solidFill>
+                  <a:schemeClr val="tx1"/>
+                </a:solidFill>
+                <a:sym typeface="+mn-ea"/>
+              </a:rPr>
+              <a:t>constructor</a:t>
+            </a:r>
+            <a:r>
+              <a:rPr lang="zh-CN" altLang="en-US" sz="1800" dirty="0">
+                <a:solidFill>
+                  <a:schemeClr val="tx1"/>
+                </a:solidFill>
+                <a:sym typeface="+mn-ea"/>
+              </a:rPr>
+              <a:t>可用于切换构造函数</a:t>
+            </a:r>
+            <a:br>
+              <a:rPr lang="zh-CN" altLang="en-US" sz="1800" dirty="0">
+                <a:solidFill>
+                  <a:schemeClr val="tx1"/>
+                </a:solidFill>
+                <a:sym typeface="+mn-ea"/>
+              </a:rPr>
+            </a:br>
+            <a:r>
+              <a:rPr lang="en-US" altLang="zh-CN" sz="1800" dirty="0">
+                <a:solidFill>
+                  <a:schemeClr val="tx1"/>
+                </a:solidFill>
+                <a:sym typeface="+mn-ea"/>
+              </a:rPr>
+              <a:t>- </a:t>
+            </a:r>
+            <a:r>
+              <a:rPr lang="zh-CN" altLang="en-US" sz="1800" dirty="0">
+                <a:solidFill>
+                  <a:schemeClr val="tx1"/>
+                </a:solidFill>
+                <a:sym typeface="+mn-ea"/>
+              </a:rPr>
+              <a:t>确定对象的构造函数名</a:t>
+            </a:r>
+            <a:br>
+              <a:rPr lang="zh-CN" altLang="en-US" sz="1800" dirty="0">
+                <a:solidFill>
+                  <a:schemeClr val="tx1"/>
+                </a:solidFill>
+                <a:sym typeface="+mn-ea"/>
+              </a:rPr>
+            </a:br>
+            <a:r>
+              <a:rPr lang="en-US" altLang="zh-CN" sz="1800" dirty="0">
+                <a:solidFill>
+                  <a:schemeClr val="tx1"/>
+                </a:solidFill>
+                <a:sym typeface="+mn-ea"/>
+              </a:rPr>
+              <a:t>- </a:t>
+            </a:r>
+            <a:r>
+              <a:rPr lang="zh-CN" altLang="en-US" sz="1800" dirty="0">
+                <a:solidFill>
+                  <a:schemeClr val="tx1"/>
+                </a:solidFill>
+                <a:sym typeface="+mn-ea"/>
+              </a:rPr>
+              <a:t>创建相似对象</a:t>
+            </a:r>
+            <a:endParaRPr lang="zh-CN" altLang="en-US" sz="1800" dirty="0">
+              <a:solidFill>
+                <a:schemeClr val="tx1"/>
+              </a:solidFill>
+              <a:sym typeface="+mn-ea"/>
+            </a:endParaRPr>
+          </a:p>
+          <a:p>
             <a:pPr marL="0" indent="0">
               <a:lnSpc>
                 <a:spcPct val="160000"/>
               </a:lnSpc>
               <a:buNone/>
             </a:pPr>
-            <a:r>
-              <a:rPr lang="en-US" altLang="zh-CN" sz="1600" dirty="0">
-                <a:solidFill>
-                  <a:schemeClr val="tx1"/>
-                </a:solidFill>
-                <a:sym typeface="+mn-ea"/>
-              </a:rPr>
-              <a:t>每个函数function都有一个prototype，即原型。这里再加一句话——每个对象都有一个__proto__，可成为隐式原型。</a:t>
-            </a:r>
-            <a:endParaRPr lang="en-US" altLang="zh-CN" sz="1600" dirty="0">
-              <a:solidFill>
-                <a:schemeClr val="tx1"/>
-              </a:solidFill>
-              <a:sym typeface="+mn-ea"/>
-            </a:endParaRPr>
-          </a:p>
-          <a:p>
-            <a:pPr marL="0" indent="0">
-              <a:lnSpc>
-                <a:spcPct val="160000"/>
-              </a:lnSpc>
-              <a:buNone/>
-            </a:pPr>
-            <a:r>
-              <a:rPr lang="en-US" altLang="zh-CN" sz="1600" dirty="0">
-                <a:solidFill>
-                  <a:schemeClr val="tx1"/>
-                </a:solidFill>
-                <a:sym typeface="+mn-ea"/>
-              </a:rPr>
-              <a:t>这个__proto__是一个隐藏的属性，javascript不希望开发者用到这个属性值，有的低版本浏览器甚至不支持这个属性值。所以你在Visual Studio 2012这样很高级很智能的编辑器中，都不会有__proto__的智能提示，但是你不用管它，直接写出来就是</a:t>
-            </a:r>
-            <a:endParaRPr lang="en-US" altLang="zh-CN" sz="1600" dirty="0">
-              <a:solidFill>
-                <a:schemeClr val="tx1"/>
-              </a:solidFill>
-              <a:sym typeface="+mn-ea"/>
-            </a:endParaRPr>
-          </a:p>
-          <a:p>
-            <a:pPr marL="0" indent="0">
-              <a:lnSpc>
-                <a:spcPct val="160000"/>
-              </a:lnSpc>
-              <a:buNone/>
-            </a:pPr>
-            <a:r>
-              <a:rPr lang="en-US" altLang="zh-CN" sz="1600" dirty="0">
-                <a:solidFill>
-                  <a:schemeClr val="tx1"/>
-                </a:solidFill>
-                <a:sym typeface="+mn-ea"/>
-              </a:rPr>
-              <a:t>obj.__proto__和Object.prototype的属性一样</a:t>
-            </a:r>
-            <a:endParaRPr lang="en-US" altLang="zh-CN" sz="1600" dirty="0">
+            <a:endParaRPr lang="en-US" altLang="zh-CN" sz="1800" dirty="0">
               <a:solidFill>
                 <a:schemeClr val="tx1"/>
               </a:solidFill>
@@ -18183,49 +18686,67 @@
           <a:lstStyle/>
           <a:p>
             <a:r>
-              <a:rPr lang="en-US" dirty="0"/>
-              <a:t>JavaScript</a:t>
-            </a:r>
-            <a:r>
-              <a:rPr lang="zh-CN" altLang="en-US" dirty="0"/>
-              <a:t>的继承方式</a:t>
-            </a:r>
-            <a:r>
-              <a:rPr lang="en-US" altLang="zh-CN" dirty="0"/>
-              <a:t>-</a:t>
-            </a:r>
-            <a:r>
-              <a:rPr lang="zh-CN" altLang="en-US" dirty="0"/>
-              <a:t>原型链</a:t>
+              <a:rPr lang="zh-CN" altLang="en-US" dirty="0">
+                <a:sym typeface="+mn-ea"/>
+              </a:rPr>
+              <a:t>JS继承补充部分</a:t>
             </a:r>
             <a:endParaRPr lang="zh-CN" altLang="en-US" dirty="0"/>
           </a:p>
         </p:txBody>
       </p:sp>
-      <p:pic>
-        <p:nvPicPr>
-          <p:cNvPr id="4" name="图片 3"/>
-          <p:cNvPicPr>
-            <a:picLocks noChangeAspect="1"/>
-          </p:cNvPicPr>
+      <p:sp>
+        <p:nvSpPr>
+          <p:cNvPr id="6" name="文本框 5"/>
+          <p:cNvSpPr txBox="1"/>
           <p:nvPr/>
-        </p:nvPicPr>
-        <p:blipFill>
-          <a:blip r:embed="rId1"/>
-          <a:stretch>
-            <a:fillRect/>
-          </a:stretch>
-        </p:blipFill>
+        </p:nvSpPr>
         <p:spPr>
           <a:xfrm>
-            <a:off x="1294130" y="3588385"/>
-            <a:ext cx="5243195" cy="1748155"/>
+            <a:off x="6229350" y="6036945"/>
+            <a:ext cx="5420360" cy="429895"/>
           </a:xfrm>
           <a:prstGeom prst="rect">
             <a:avLst/>
           </a:prstGeom>
+          <a:noFill/>
         </p:spPr>
-      </p:pic>
+        <p:txBody>
+          <a:bodyPr wrap="square" rtlCol="0">
+            <a:spAutoFit/>
+          </a:bodyPr>
+          <a:p>
+            <a:pPr algn="l"/>
+            <a:r>
+              <a:rPr lang="zh-CN" altLang="en-US" sz="2200">
+                <a:solidFill>
+                  <a:srgbClr val="FF0000"/>
+                </a:solidFill>
+                <a:latin typeface="+mn-ea"/>
+                <a:ea typeface="+mn-ea"/>
+              </a:rPr>
+              <a:t>参见实例</a:t>
+            </a:r>
+            <a:r>
+              <a:rPr lang="en-US" altLang="zh-CN" sz="2200">
+                <a:solidFill>
+                  <a:srgbClr val="FF0000"/>
+                </a:solidFill>
+                <a:latin typeface="+mn-ea"/>
+                <a:ea typeface="+mn-ea"/>
+              </a:rPr>
+              <a:t>demo11</a:t>
+            </a:r>
+            <a:endParaRPr lang="zh-CN" altLang="en-US" sz="2200">
+              <a:solidFill>
+                <a:srgbClr val="FF0000"/>
+              </a:solidFill>
+              <a:latin typeface="+mn-ea"/>
+              <a:ea typeface="+mn-ea"/>
+            </a:endParaRPr>
+          </a:p>
+        </p:txBody>
+      </p:sp>
     </p:spTree>
   </p:cSld>
   <p:clrMapOvr>
@@ -18234,9 +18755,129 @@
   <p:timing>
     <p:tnLst>
       <p:par>
-        <p:cTn id="1" dur="indefinite" restart="never" nodeType="tmRoot"/>
+        <p:cTn id="1" dur="indefinite" restart="never" nodeType="tmRoot">
+          <p:childTnLst>
+            <p:seq concurrent="1" nextAc="seek">
+              <p:cTn id="2" dur="indefinite" nodeType="mainSeq">
+                <p:childTnLst>
+                  <p:par>
+                    <p:cTn id="3" fill="hold">
+                      <p:stCondLst>
+                        <p:cond delay="indefinite"/>
+                        <p:cond evt="onBegin" delay="0">
+                          <p:tn val="2"/>
+                        </p:cond>
+                      </p:stCondLst>
+                      <p:childTnLst>
+                        <p:par>
+                          <p:cTn id="4" fill="hold">
+                            <p:stCondLst>
+                              <p:cond delay="0"/>
+                            </p:stCondLst>
+                            <p:childTnLst>
+                              <p:par>
+                                <p:cTn id="5" presetID="2" presetClass="entr" presetSubtype="4" fill="hold" grpId="0" nodeType="afterEffect">
+                                  <p:stCondLst>
+                                    <p:cond delay="0"/>
+                                  </p:stCondLst>
+                                  <p:childTnLst>
+                                    <p:set>
+                                      <p:cBhvr>
+                                        <p:cTn id="6" dur="1" fill="hold">
+                                          <p:stCondLst>
+                                            <p:cond delay="0"/>
+                                          </p:stCondLst>
+                                        </p:cTn>
+                                        <p:tgtEl>
+                                          <p:spTgt spid="6"/>
+                                        </p:tgtEl>
+                                        <p:attrNameLst>
+                                          <p:attrName>style.visibility</p:attrName>
+                                        </p:attrNameLst>
+                                      </p:cBhvr>
+                                      <p:to>
+                                        <p:strVal val="visible"/>
+                                      </p:to>
+                                    </p:set>
+                                    <p:anim calcmode="lin" valueType="num">
+                                      <p:cBhvr additive="base">
+                                        <p:cTn id="7" dur="500" fill="hold"/>
+                                        <p:tgtEl>
+                                          <p:spTgt spid="6"/>
+                                        </p:tgtEl>
+                                        <p:attrNameLst>
+                                          <p:attrName>ppt_x</p:attrName>
+                                        </p:attrNameLst>
+                                      </p:cBhvr>
+                                      <p:tavLst>
+                                        <p:tav tm="0">
+                                          <p:val>
+                                            <p:strVal val="#ppt_x"/>
+                                          </p:val>
+                                        </p:tav>
+                                        <p:tav tm="100000">
+                                          <p:val>
+                                            <p:strVal val="#ppt_x"/>
+                                          </p:val>
+                                        </p:tav>
+                                      </p:tavLst>
+                                    </p:anim>
+                                    <p:anim calcmode="lin" valueType="num">
+                                      <p:cBhvr additive="base">
+                                        <p:cTn id="8" dur="500" fill="hold"/>
+                                        <p:tgtEl>
+                                          <p:spTgt spid="6"/>
+                                        </p:tgtEl>
+                                        <p:attrNameLst>
+                                          <p:attrName>ppt_y</p:attrName>
+                                        </p:attrNameLst>
+                                      </p:cBhvr>
+                                      <p:tavLst>
+                                        <p:tav tm="0">
+                                          <p:val>
+                                            <p:strVal val="1+#ppt_h/2"/>
+                                          </p:val>
+                                        </p:tav>
+                                        <p:tav tm="100000">
+                                          <p:val>
+                                            <p:strVal val="#ppt_y"/>
+                                          </p:val>
+                                        </p:tav>
+                                      </p:tavLst>
+                                    </p:anim>
+                                  </p:childTnLst>
+                                </p:cTn>
+                              </p:par>
+                            </p:childTnLst>
+                          </p:cTn>
+                        </p:par>
+                      </p:childTnLst>
+                    </p:cTn>
+                  </p:par>
+                </p:childTnLst>
+              </p:cTn>
+              <p:prevCondLst>
+                <p:cond evt="onPrev" delay="0">
+                  <p:tgtEl>
+                    <p:sldTgt/>
+                  </p:tgtEl>
+                </p:cond>
+              </p:prevCondLst>
+              <p:nextCondLst>
+                <p:cond evt="onNext" delay="0">
+                  <p:tgtEl>
+                    <p:sldTgt/>
+                  </p:tgtEl>
+                </p:cond>
+              </p:nextCondLst>
+            </p:seq>
+          </p:childTnLst>
+        </p:cTn>
       </p:par>
     </p:tnLst>
+    <p:bldLst>
+      <p:bldP spid="6" grpId="0"/>
+    </p:bldLst>
   </p:timing>
 </p:sld>
 </file>
@@ -18284,38 +18925,6 @@
               </a:lnSpc>
               <a:buNone/>
             </a:pPr>
-            <a:r>
-              <a:rPr lang="en-US" altLang="zh-CN" sz="1600" dirty="0">
-                <a:solidFill>
-                  <a:schemeClr val="tx1"/>
-                </a:solidFill>
-                <a:sym typeface="+mn-ea"/>
-              </a:rPr>
-              <a:t>在说明“Object prototype”之前，先说一下自定义函数的prototype。自定义函数的prototype本质上就是和 var obj = {} 是一样的，都是被Object创建，所以它的__proto__指向的就是Object.prototype。</a:t>
-            </a:r>
-            <a:endParaRPr lang="en-US" altLang="zh-CN" sz="1600" dirty="0">
-              <a:solidFill>
-                <a:schemeClr val="tx1"/>
-              </a:solidFill>
-              <a:sym typeface="+mn-ea"/>
-            </a:endParaRPr>
-          </a:p>
-          <a:p>
-            <a:pPr marL="0" indent="0">
-              <a:lnSpc>
-                <a:spcPct val="160000"/>
-              </a:lnSpc>
-              <a:buNone/>
-            </a:pPr>
-            <a:r>
-              <a:rPr lang="en-US" altLang="zh-CN" sz="1600" dirty="0">
-                <a:solidFill>
-                  <a:schemeClr val="tx1"/>
-                </a:solidFill>
-                <a:sym typeface="+mn-ea"/>
-              </a:rPr>
-              <a:t>但是Object.prototype确实一个特例——它的__proto__指向的是null，切记切记！</a:t>
-            </a:r>
             <a:endParaRPr lang="en-US" altLang="zh-CN" sz="1600" dirty="0">
               <a:solidFill>
                 <a:schemeClr val="tx1"/>
@@ -18341,22 +18950,10 @@
           <a:lstStyle/>
           <a:p>
             <a:r>
-              <a:rPr lang="en-US" dirty="0"/>
-              <a:t>JavaScript</a:t>
-            </a:r>
-            <a:r>
               <a:rPr lang="zh-CN" altLang="en-US" dirty="0"/>
-              <a:t>的继承方式</a:t>
-            </a:r>
-            <a:r>
-              <a:rPr lang="en-US" altLang="zh-CN" dirty="0"/>
-              <a:t>-</a:t>
-            </a:r>
-            <a:r>
-              <a:rPr lang="zh-CN" altLang="en-US" dirty="0"/>
-              <a:t>原型链</a:t>
-            </a:r>
-            <a:endParaRPr lang="zh-CN" altLang="en-US" dirty="0"/>
+              <a:t>原型链图解</a:t>
+            </a:r>
+            <a:endParaRPr lang="en-US" altLang="zh-CN" dirty="0"/>
           </a:p>
         </p:txBody>
       </p:sp>
@@ -18376,12 +18973,297 @@
         </p:blipFill>
         <p:spPr>
           <a:xfrm>
-            <a:off x="1366520" y="2227580"/>
-            <a:ext cx="6215380" cy="3810000"/>
+            <a:off x="927735" y="998855"/>
+            <a:ext cx="8023860" cy="4918710"/>
           </a:xfrm>
           <a:prstGeom prst="rect">
             <a:avLst/>
           </a:prstGeom>
+        </p:spPr>
+      </p:pic>
+    </p:spTree>
+  </p:cSld>
+  <p:clrMapOvr>
+    <a:masterClrMapping/>
+  </p:clrMapOvr>
+  <p:timing>
+    <p:tnLst>
+      <p:par>
+        <p:cTn id="1" dur="indefinite" restart="never" nodeType="tmRoot"/>
+      </p:par>
+    </p:tnLst>
+  </p:timing>
+</p:sld>
+</file>
+
+<file path=ppt/slides/slide28.xml><?xml version="1.0" encoding="utf-8"?>
+<p:sld xmlns:a="http://schemas.openxmlformats.org/drawingml/2006/main" xmlns:r="http://schemas.openxmlformats.org/officeDocument/2006/relationships" xmlns:p="http://schemas.openxmlformats.org/presentationml/2006/main">
+  <p:cSld>
+    <p:spTree>
+      <p:nvGrpSpPr>
+        <p:cNvPr id="1" name=""/>
+        <p:cNvGrpSpPr/>
+        <p:nvPr/>
+      </p:nvGrpSpPr>
+      <p:grpSpPr>
+        <a:xfrm>
+          <a:off x="0" y="0"/>
+          <a:ext cx="0" cy="0"/>
+          <a:chOff x="0" y="0"/>
+          <a:chExt cx="0" cy="0"/>
+        </a:xfrm>
+      </p:grpSpPr>
+      <p:sp>
+        <p:nvSpPr>
+          <p:cNvPr id="3" name="内容占位符 2"/>
+          <p:cNvSpPr>
+            <a:spLocks noGrp="1"/>
+          </p:cNvSpPr>
+          <p:nvPr>
+            <p:ph sz="quarter" idx="11"/>
+          </p:nvPr>
+        </p:nvSpPr>
+        <p:spPr/>
+        <p:txBody>
+          <a:bodyPr/>
+          <a:lstStyle/>
+          <a:p>
+            <a:r>
+              <a:rPr lang="zh-CN" altLang="en-US" dirty="0"/>
+              <a:t>原型链图解</a:t>
+            </a:r>
+            <a:endParaRPr lang="en-US" altLang="zh-CN" dirty="0"/>
+          </a:p>
+        </p:txBody>
+      </p:sp>
+      <p:pic>
+        <p:nvPicPr>
+          <p:cNvPr id="4" name="内容占位符 3"/>
+          <p:cNvPicPr>
+            <a:picLocks noChangeAspect="1"/>
+          </p:cNvPicPr>
+          <p:nvPr>
+            <p:ph sz="quarter" idx="10"/>
+          </p:nvPr>
+        </p:nvPicPr>
+        <p:blipFill>
+          <a:blip r:embed="rId1"/>
+          <a:stretch>
+            <a:fillRect/>
+          </a:stretch>
+        </p:blipFill>
+        <p:spPr>
+          <a:xfrm>
+            <a:off x="981710" y="819150"/>
+            <a:ext cx="7990205" cy="6005195"/>
+          </a:xfrm>
+          <a:prstGeom prst="rect">
+            <a:avLst/>
+          </a:prstGeom>
+        </p:spPr>
+      </p:pic>
+    </p:spTree>
+  </p:cSld>
+  <p:clrMapOvr>
+    <a:masterClrMapping/>
+  </p:clrMapOvr>
+  <p:timing>
+    <p:tnLst>
+      <p:par>
+        <p:cTn id="1" dur="indefinite" restart="never" nodeType="tmRoot"/>
+      </p:par>
+    </p:tnLst>
+  </p:timing>
+</p:sld>
+</file>
+
+<file path=ppt/slides/slide29.xml><?xml version="1.0" encoding="utf-8"?>
+<p:sld xmlns:a="http://schemas.openxmlformats.org/drawingml/2006/main" xmlns:r="http://schemas.openxmlformats.org/officeDocument/2006/relationships" xmlns:p="http://schemas.openxmlformats.org/presentationml/2006/main">
+  <p:cSld>
+    <p:spTree>
+      <p:nvGrpSpPr>
+        <p:cNvPr id="1" name=""/>
+        <p:cNvGrpSpPr/>
+        <p:nvPr/>
+      </p:nvGrpSpPr>
+      <p:grpSpPr>
+        <a:xfrm>
+          <a:off x="0" y="0"/>
+          <a:ext cx="0" cy="0"/>
+          <a:chOff x="0" y="0"/>
+          <a:chExt cx="0" cy="0"/>
+        </a:xfrm>
+      </p:grpSpPr>
+      <p:pic>
+        <p:nvPicPr>
+          <p:cNvPr id="38914" name="Picture 5"/>
+          <p:cNvPicPr>
+            <a:picLocks noChangeAspect="1" noChangeArrowheads="1"/>
+          </p:cNvPicPr>
+          <p:nvPr/>
+        </p:nvPicPr>
+        <p:blipFill>
+          <a:blip r:embed="rId1">
+            <a:extLst>
+              <a:ext uri="{28A0092B-C50C-407E-A947-70E740481C1C}">
+                <a14:useLocalDpi xmlns:a14="http://schemas.microsoft.com/office/drawing/2010/main" val="0"/>
+              </a:ext>
+            </a:extLst>
+          </a:blip>
+          <a:srcRect/>
+          <a:stretch>
+            <a:fillRect/>
+          </a:stretch>
+        </p:blipFill>
+        <p:spPr bwMode="auto">
+          <a:xfrm>
+            <a:off x="0" y="0"/>
+            <a:ext cx="12192000" cy="6858000"/>
+          </a:xfrm>
+          <a:prstGeom prst="rect">
+            <a:avLst/>
+          </a:prstGeom>
+          <a:noFill/>
+          <a:ln>
+            <a:noFill/>
+          </a:ln>
+          <a:extLst>
+            <a:ext uri="{909E8E84-426E-40DD-AFC4-6F175D3DCCD1}">
+              <a14:hiddenFill xmlns:a14="http://schemas.microsoft.com/office/drawing/2010/main">
+                <a:solidFill>
+                  <a:srgbClr val="FFFFFF"/>
+                </a:solidFill>
+              </a14:hiddenFill>
+            </a:ext>
+            <a:ext uri="{91240B29-F687-4F45-9708-019B960494DF}">
+              <a14:hiddenLine xmlns:a14="http://schemas.microsoft.com/office/drawing/2010/main" w="9525">
+                <a:solidFill>
+                  <a:srgbClr val="000000"/>
+                </a:solidFill>
+                <a:miter lim="800000"/>
+                <a:headEnd/>
+                <a:tailEnd/>
+              </a14:hiddenLine>
+            </a:ext>
+          </a:extLst>
+        </p:spPr>
+      </p:pic>
+      <p:sp>
+        <p:nvSpPr>
+          <p:cNvPr id="38915" name="Rectangle 6"/>
+          <p:cNvSpPr>
+            <a:spLocks noGrp="1" noChangeArrowheads="1"/>
+          </p:cNvSpPr>
+          <p:nvPr>
+            <p:ph type="ctrTitle" idx="4294967295"/>
+          </p:nvPr>
+        </p:nvSpPr>
+        <p:spPr bwMode="auto">
+          <a:xfrm>
+            <a:off x="2547041" y="3068835"/>
+            <a:ext cx="7097918" cy="1285875"/>
+          </a:xfrm>
+          <a:prstGeom prst="rect">
+            <a:avLst/>
+          </a:prstGeom>
+          <a:noFill/>
+          <a:extLst>
+            <a:ext uri="{909E8E84-426E-40DD-AFC4-6F175D3DCCD1}">
+              <a14:hiddenFill xmlns:a14="http://schemas.microsoft.com/office/drawing/2010/main">
+                <a:solidFill>
+                  <a:srgbClr val="FFFFFF"/>
+                </a:solidFill>
+              </a14:hiddenFill>
+            </a:ext>
+            <a:ext uri="{91240B29-F687-4F45-9708-019B960494DF}">
+              <a14:hiddenLine xmlns:a14="http://schemas.microsoft.com/office/drawing/2010/main" w="9525">
+                <a:solidFill>
+                  <a:srgbClr val="000000"/>
+                </a:solidFill>
+                <a:miter lim="800000"/>
+                <a:headEnd/>
+                <a:tailEnd/>
+              </a14:hiddenLine>
+            </a:ext>
+          </a:extLst>
+        </p:spPr>
+        <p:txBody>
+          <a:bodyPr anchor="b"/>
+          <a:lstStyle/>
+          <a:p>
+            <a:pPr algn="ctr" eaLnBrk="1" hangingPunct="1"/>
+            <a:r>
+              <a:rPr kumimoji="0" lang="en-US" altLang="zh-CN" sz="5400" dirty="0"/>
+              <a:t>Thank </a:t>
+            </a:r>
+            <a:r>
+              <a:rPr kumimoji="0" lang="en-US" altLang="zh-CN" sz="5400" dirty="0">
+                <a:solidFill>
+                  <a:srgbClr val="FF0000"/>
+                </a:solidFill>
+              </a:rPr>
+              <a:t>You</a:t>
+            </a:r>
+            <a:r>
+              <a:rPr kumimoji="0" lang="zh-CN" altLang="en-US" sz="5400" dirty="0"/>
+              <a:t>！</a:t>
+            </a:r>
+            <a:endParaRPr kumimoji="0" lang="zh-CN" altLang="zh-CN" sz="5400" dirty="0"/>
+          </a:p>
+        </p:txBody>
+      </p:sp>
+      <p:pic>
+        <p:nvPicPr>
+          <p:cNvPr id="38916" name="图片 3" descr="软院logo横版.png"/>
+          <p:cNvPicPr>
+            <a:picLocks noChangeAspect="1"/>
+          </p:cNvPicPr>
+          <p:nvPr/>
+        </p:nvPicPr>
+        <p:blipFill>
+          <a:blip r:embed="rId2">
+            <a:extLst>
+              <a:ext uri="{28A0092B-C50C-407E-A947-70E740481C1C}">
+                <a14:useLocalDpi xmlns:a14="http://schemas.microsoft.com/office/drawing/2010/main" val="0"/>
+              </a:ext>
+            </a:extLst>
+          </a:blip>
+          <a:srcRect/>
+          <a:stretch>
+            <a:fillRect/>
+          </a:stretch>
+        </p:blipFill>
+        <p:spPr bwMode="auto">
+          <a:xfrm>
+            <a:off x="2062164" y="5927725"/>
+            <a:ext cx="3381375" cy="527050"/>
+          </a:xfrm>
+          <a:prstGeom prst="rect">
+            <a:avLst/>
+          </a:prstGeom>
+          <a:noFill/>
+          <a:ln>
+            <a:noFill/>
+          </a:ln>
+          <a:extLst>
+            <a:ext uri="{909E8E84-426E-40DD-AFC4-6F175D3DCCD1}">
+              <a14:hiddenFill xmlns:a14="http://schemas.microsoft.com/office/drawing/2010/main">
+                <a:solidFill>
+                  <a:srgbClr val="FFFFFF"/>
+                </a:solidFill>
+              </a14:hiddenFill>
+            </a:ext>
+            <a:ext uri="{91240B29-F687-4F45-9708-019B960494DF}">
+              <a14:hiddenLine xmlns:a14="http://schemas.microsoft.com/office/drawing/2010/main" w="9525">
+                <a:solidFill>
+                  <a:srgbClr val="000000"/>
+                </a:solidFill>
+                <a:miter lim="800000"/>
+                <a:headEnd/>
+                <a:tailEnd/>
+              </a14:hiddenLine>
+            </a:ext>
+          </a:extLst>
         </p:spPr>
       </p:pic>
     </p:spTree>

--- a/课程PPT/07.JavaScript面向对象编程 一.pptx
+++ b/课程PPT/07.JavaScript面向对象编程 一.pptx
@@ -1741,7 +1741,7 @@
           <a:p>
             <a:r>
               <a:rPr lang="zh-CN" altLang="en-US"/>
-              <a:t>ECMAScript只支持实现继承，其实现继承主要是靠原型链来实现。在PHP语言中，是使用extend来实现继承。那么我们就先来讲讲原型链。</a:t>
+              <a:t>ECMAScript支持实现继承，其实现继承主要是靠原型链来实现。在PHP语言中，是使用extend来实现继承。那么我们就先来讲讲原型链。</a:t>
             </a:r>
             <a:endParaRPr lang="zh-CN" altLang="en-US"/>
           </a:p>
@@ -1943,7 +1943,7 @@
           <a:p>
             <a:r>
               <a:rPr lang="zh-CN" altLang="en-US"/>
-              <a:t>ECMAScript只支持实现继承，其实现继承主要是靠原型链来实现。在PHP语言中，是使用extend来实现继承。那么我们就先来讲讲原型链。</a:t>
+              <a:t>ECMAScript支持实现继承，其实现继承主要是靠原型链来实现。在PHP语言中，是使用extend来实现继承。那么我们就先来讲讲原型链。</a:t>
             </a:r>
             <a:endParaRPr lang="zh-CN" altLang="en-US"/>
           </a:p>
@@ -2011,7 +2011,7 @@
           <a:p>
             <a:r>
               <a:rPr lang="zh-CN" altLang="en-US"/>
-              <a:t>ECMAScript只支持实现继承，其实现继承主要是靠原型链来实现。在PHP语言中，是使用extend来实现继承。那么我们就先来讲讲原型链。</a:t>
+              <a:t>ECMAScript支持实现继承，其实现继承主要是靠原型链来实现。在PHP语言中，是使用extend来实现继承。那么我们就先来讲讲原型链。</a:t>
             </a:r>
             <a:endParaRPr lang="zh-CN" altLang="en-US"/>
           </a:p>
@@ -2079,7 +2079,7 @@
           <a:p>
             <a:r>
               <a:rPr lang="zh-CN" altLang="en-US"/>
-              <a:t>ECMAScript只支持实现继承，其实现继承主要是靠原型链来实现。在PHP语言中，是使用extend来实现继承。那么我们就先来讲讲原型链。</a:t>
+              <a:t>ECMAScript支持实现继承，其实现继承主要是靠原型链来实现。在PHP语言中，是使用extend来实现继承。那么我们就先来讲讲原型链。</a:t>
             </a:r>
             <a:endParaRPr lang="zh-CN" altLang="en-US"/>
           </a:p>
@@ -19054,7 +19054,7 @@
         </p:blipFill>
         <p:spPr>
           <a:xfrm>
-            <a:off x="981710" y="819150"/>
+            <a:off x="694690" y="819150"/>
             <a:ext cx="7990205" cy="6005195"/>
           </a:xfrm>
           <a:prstGeom prst="rect">
@@ -20961,7 +20961,7 @@
                 </a:solidFill>
                 <a:sym typeface="+mn-ea"/>
               </a:rPr>
-              <a:t>的继承，为面向对象提供了动态继承的功能</a:t>
+              <a:t>的原型继承，为面向对象提供了动态继承的功能</a:t>
             </a:r>
             <a:br>
               <a:rPr lang="zh-CN" altLang="en-US" sz="2000" dirty="0">

--- a/课程PPT/07.JavaScript面向对象编程 一.pptx
+++ b/课程PPT/07.JavaScript面向对象编程 一.pptx
@@ -14825,27 +14825,36 @@
                             </p:childTnLst>
                           </p:cTn>
                         </p:par>
+                      </p:childTnLst>
+                    </p:cTn>
+                  </p:par>
+                  <p:par>
+                    <p:cTn id="9" fill="hold">
+                      <p:stCondLst>
+                        <p:cond delay="indefinite"/>
+                      </p:stCondLst>
+                      <p:childTnLst>
                         <p:par>
-                          <p:cTn id="9" fill="hold">
+                          <p:cTn id="10" fill="hold">
                             <p:stCondLst>
-                              <p:cond delay="500"/>
+                              <p:cond delay="0"/>
                             </p:stCondLst>
                             <p:childTnLst>
                               <p:par>
-                                <p:cTn id="10" presetID="2" presetClass="entr" presetSubtype="4" fill="hold" grpId="0" nodeType="afterEffect">
+                                <p:cTn id="11" presetID="2" presetClass="entr" presetSubtype="4" fill="hold" nodeType="clickEffect">
                                   <p:stCondLst>
                                     <p:cond delay="0"/>
                                   </p:stCondLst>
                                   <p:childTnLst>
                                     <p:set>
                                       <p:cBhvr>
-                                        <p:cTn id="11" dur="1" fill="hold">
+                                        <p:cTn id="12" dur="1" fill="hold">
                                           <p:stCondLst>
                                             <p:cond delay="0"/>
                                           </p:stCondLst>
                                         </p:cTn>
                                         <p:tgtEl>
-                                          <p:spTgt spid="6"/>
+                                          <p:spTgt spid="4"/>
                                         </p:tgtEl>
                                         <p:attrNameLst>
                                           <p:attrName>style.visibility</p:attrName>
@@ -14857,9 +14866,9 @@
                                     </p:set>
                                     <p:anim calcmode="lin" valueType="num">
                                       <p:cBhvr additive="base">
-                                        <p:cTn id="12" dur="500" fill="hold"/>
+                                        <p:cTn id="13" dur="500" fill="hold"/>
                                         <p:tgtEl>
-                                          <p:spTgt spid="6"/>
+                                          <p:spTgt spid="4"/>
                                         </p:tgtEl>
                                         <p:attrNameLst>
                                           <p:attrName>ppt_x</p:attrName>
@@ -14880,9 +14889,9 @@
                                     </p:anim>
                                     <p:anim calcmode="lin" valueType="num">
                                       <p:cBhvr additive="base">
-                                        <p:cTn id="13" dur="500" fill="hold"/>
+                                        <p:cTn id="14" dur="500" fill="hold"/>
                                         <p:tgtEl>
-                                          <p:spTgt spid="6"/>
+                                          <p:spTgt spid="4"/>
                                         </p:tgtEl>
                                         <p:attrNameLst>
                                           <p:attrName>ppt_y</p:attrName>
@@ -14908,20 +14917,20 @@
                           </p:cTn>
                         </p:par>
                         <p:par>
-                          <p:cTn id="14" fill="hold">
+                          <p:cTn id="15" fill="hold">
                             <p:stCondLst>
-                              <p:cond delay="1000"/>
+                              <p:cond delay="500"/>
                             </p:stCondLst>
                             <p:childTnLst>
                               <p:par>
-                                <p:cTn id="15" presetID="2" presetClass="entr" presetSubtype="4" fill="hold" grpId="0" nodeType="afterEffect">
+                                <p:cTn id="16" presetID="2" presetClass="entr" presetSubtype="4" fill="hold" grpId="0" nodeType="afterEffect">
                                   <p:stCondLst>
                                     <p:cond delay="0"/>
                                   </p:stCondLst>
                                   <p:childTnLst>
                                     <p:set>
                                       <p:cBhvr>
-                                        <p:cTn id="16" dur="1" fill="hold">
+                                        <p:cTn id="17" dur="1" fill="hold">
                                           <p:stCondLst>
                                             <p:cond delay="0"/>
                                           </p:stCondLst>
@@ -14939,7 +14948,7 @@
                                     </p:set>
                                     <p:anim calcmode="lin" valueType="num">
                                       <p:cBhvr additive="base">
-                                        <p:cTn id="17" dur="500" fill="hold"/>
+                                        <p:cTn id="18" dur="500" fill="hold"/>
                                         <p:tgtEl>
                                           <p:spTgt spid="5"/>
                                         </p:tgtEl>
@@ -14962,9 +14971,91 @@
                                     </p:anim>
                                     <p:anim calcmode="lin" valueType="num">
                                       <p:cBhvr additive="base">
-                                        <p:cTn id="18" dur="500" fill="hold"/>
+                                        <p:cTn id="19" dur="500" fill="hold"/>
                                         <p:tgtEl>
                                           <p:spTgt spid="5"/>
+                                        </p:tgtEl>
+                                        <p:attrNameLst>
+                                          <p:attrName>ppt_y</p:attrName>
+                                        </p:attrNameLst>
+                                      </p:cBhvr>
+                                      <p:tavLst>
+                                        <p:tav tm="0">
+                                          <p:val>
+                                            <p:strVal val="1+#ppt_h/2"/>
+                                          </p:val>
+                                        </p:tav>
+                                        <p:tav tm="100000">
+                                          <p:val>
+                                            <p:strVal val="#ppt_y"/>
+                                          </p:val>
+                                        </p:tav>
+                                      </p:tavLst>
+                                    </p:anim>
+                                  </p:childTnLst>
+                                </p:cTn>
+                              </p:par>
+                            </p:childTnLst>
+                          </p:cTn>
+                        </p:par>
+                        <p:par>
+                          <p:cTn id="20" fill="hold">
+                            <p:stCondLst>
+                              <p:cond delay="1000"/>
+                            </p:stCondLst>
+                            <p:childTnLst>
+                              <p:par>
+                                <p:cTn id="21" presetID="2" presetClass="entr" presetSubtype="4" fill="hold" grpId="0" nodeType="afterEffect">
+                                  <p:stCondLst>
+                                    <p:cond delay="0"/>
+                                  </p:stCondLst>
+                                  <p:childTnLst>
+                                    <p:set>
+                                      <p:cBhvr>
+                                        <p:cTn id="22" dur="1" fill="hold">
+                                          <p:stCondLst>
+                                            <p:cond delay="0"/>
+                                          </p:stCondLst>
+                                        </p:cTn>
+                                        <p:tgtEl>
+                                          <p:spTgt spid="6"/>
+                                        </p:tgtEl>
+                                        <p:attrNameLst>
+                                          <p:attrName>style.visibility</p:attrName>
+                                        </p:attrNameLst>
+                                      </p:cBhvr>
+                                      <p:to>
+                                        <p:strVal val="visible"/>
+                                      </p:to>
+                                    </p:set>
+                                    <p:anim calcmode="lin" valueType="num">
+                                      <p:cBhvr additive="base">
+                                        <p:cTn id="23" dur="500" fill="hold"/>
+                                        <p:tgtEl>
+                                          <p:spTgt spid="6"/>
+                                        </p:tgtEl>
+                                        <p:attrNameLst>
+                                          <p:attrName>ppt_x</p:attrName>
+                                        </p:attrNameLst>
+                                      </p:cBhvr>
+                                      <p:tavLst>
+                                        <p:tav tm="0">
+                                          <p:val>
+                                            <p:strVal val="#ppt_x"/>
+                                          </p:val>
+                                        </p:tav>
+                                        <p:tav tm="100000">
+                                          <p:val>
+                                            <p:strVal val="#ppt_x"/>
+                                          </p:val>
+                                        </p:tav>
+                                      </p:tavLst>
+                                    </p:anim>
+                                    <p:anim calcmode="lin" valueType="num">
+                                      <p:cBhvr additive="base">
+                                        <p:cTn id="24" dur="500" fill="hold"/>
+                                        <p:tgtEl>
+                                          <p:spTgt spid="6"/>
                                         </p:tgtEl>
                                         <p:attrNameLst>
                                           <p:attrName>ppt_y</p:attrName>
@@ -15882,6 +15973,1259 @@
                                               <p:pRg st="0" end="0"/>
                                             </p:txEl>
                                           </p:spTgt>
+                                        </p:tgtEl>
+                                        <p:attrNameLst>
+                                          <p:attrName>ppt_y</p:attrName>
+                                        </p:attrNameLst>
+                                      </p:cBhvr>
+                                      <p:tavLst>
+                                        <p:tav tm="0">
+                                          <p:val>
+                                            <p:strVal val="1+#ppt_h/2"/>
+                                          </p:val>
+                                        </p:tav>
+                                        <p:tav tm="100000">
+                                          <p:val>
+                                            <p:strVal val="#ppt_y"/>
+                                          </p:val>
+                                        </p:tav>
+                                      </p:tavLst>
+                                    </p:anim>
+                                  </p:childTnLst>
+                                </p:cTn>
+                              </p:par>
+                            </p:childTnLst>
+                          </p:cTn>
+                        </p:par>
+                      </p:childTnLst>
+                    </p:cTn>
+                  </p:par>
+                  <p:par>
+                    <p:cTn id="9" fill="hold">
+                      <p:stCondLst>
+                        <p:cond delay="indefinite"/>
+                      </p:stCondLst>
+                      <p:childTnLst>
+                        <p:par>
+                          <p:cTn id="10" fill="hold">
+                            <p:stCondLst>
+                              <p:cond delay="0"/>
+                            </p:stCondLst>
+                            <p:childTnLst>
+                              <p:par>
+                                <p:cTn id="11" presetID="2" presetClass="entr" presetSubtype="4" fill="hold" nodeType="clickEffect">
+                                  <p:stCondLst>
+                                    <p:cond delay="0"/>
+                                  </p:stCondLst>
+                                  <p:childTnLst>
+                                    <p:set>
+                                      <p:cBhvr>
+                                        <p:cTn id="12" dur="1" fill="hold">
+                                          <p:stCondLst>
+                                            <p:cond delay="0"/>
+                                          </p:stCondLst>
+                                        </p:cTn>
+                                        <p:tgtEl>
+                                          <p:spTgt spid="5"/>
+                                        </p:tgtEl>
+                                        <p:attrNameLst>
+                                          <p:attrName>style.visibility</p:attrName>
+                                        </p:attrNameLst>
+                                      </p:cBhvr>
+                                      <p:to>
+                                        <p:strVal val="visible"/>
+                                      </p:to>
+                                    </p:set>
+                                    <p:anim calcmode="lin" valueType="num">
+                                      <p:cBhvr additive="base">
+                                        <p:cTn id="13" dur="500" fill="hold"/>
+                                        <p:tgtEl>
+                                          <p:spTgt spid="5"/>
+                                        </p:tgtEl>
+                                        <p:attrNameLst>
+                                          <p:attrName>ppt_x</p:attrName>
+                                        </p:attrNameLst>
+                                      </p:cBhvr>
+                                      <p:tavLst>
+                                        <p:tav tm="0">
+                                          <p:val>
+                                            <p:strVal val="#ppt_x"/>
+                                          </p:val>
+                                        </p:tav>
+                                        <p:tav tm="100000">
+                                          <p:val>
+                                            <p:strVal val="#ppt_x"/>
+                                          </p:val>
+                                        </p:tav>
+                                      </p:tavLst>
+                                    </p:anim>
+                                    <p:anim calcmode="lin" valueType="num">
+                                      <p:cBhvr additive="base">
+                                        <p:cTn id="14" dur="500" fill="hold"/>
+                                        <p:tgtEl>
+                                          <p:spTgt spid="5"/>
+                                        </p:tgtEl>
+                                        <p:attrNameLst>
+                                          <p:attrName>ppt_y</p:attrName>
+                                        </p:attrNameLst>
+                                      </p:cBhvr>
+                                      <p:tavLst>
+                                        <p:tav tm="0">
+                                          <p:val>
+                                            <p:strVal val="1+#ppt_h/2"/>
+                                          </p:val>
+                                        </p:tav>
+                                        <p:tav tm="100000">
+                                          <p:val>
+                                            <p:strVal val="#ppt_y"/>
+                                          </p:val>
+                                        </p:tav>
+                                      </p:tavLst>
+                                    </p:anim>
+                                  </p:childTnLst>
+                                </p:cTn>
+                              </p:par>
+                            </p:childTnLst>
+                          </p:cTn>
+                        </p:par>
+                        <p:par>
+                          <p:cTn id="15" fill="hold">
+                            <p:stCondLst>
+                              <p:cond delay="500"/>
+                            </p:stCondLst>
+                            <p:childTnLst>
+                              <p:par>
+                                <p:cTn id="16" presetID="2" presetClass="entr" presetSubtype="4" fill="hold" grpId="0" nodeType="afterEffect">
+                                  <p:stCondLst>
+                                    <p:cond delay="0"/>
+                                  </p:stCondLst>
+                                  <p:childTnLst>
+                                    <p:set>
+                                      <p:cBhvr>
+                                        <p:cTn id="17" dur="1" fill="hold">
+                                          <p:stCondLst>
+                                            <p:cond delay="0"/>
+                                          </p:stCondLst>
+                                        </p:cTn>
+                                        <p:tgtEl>
+                                          <p:spTgt spid="7"/>
+                                        </p:tgtEl>
+                                        <p:attrNameLst>
+                                          <p:attrName>style.visibility</p:attrName>
+                                        </p:attrNameLst>
+                                      </p:cBhvr>
+                                      <p:to>
+                                        <p:strVal val="visible"/>
+                                      </p:to>
+                                    </p:set>
+                                    <p:anim calcmode="lin" valueType="num">
+                                      <p:cBhvr additive="base">
+                                        <p:cTn id="18" dur="500" fill="hold"/>
+                                        <p:tgtEl>
+                                          <p:spTgt spid="7"/>
+                                        </p:tgtEl>
+                                        <p:attrNameLst>
+                                          <p:attrName>ppt_x</p:attrName>
+                                        </p:attrNameLst>
+                                      </p:cBhvr>
+                                      <p:tavLst>
+                                        <p:tav tm="0">
+                                          <p:val>
+                                            <p:strVal val="#ppt_x"/>
+                                          </p:val>
+                                        </p:tav>
+                                        <p:tav tm="100000">
+                                          <p:val>
+                                            <p:strVal val="#ppt_x"/>
+                                          </p:val>
+                                        </p:tav>
+                                      </p:tavLst>
+                                    </p:anim>
+                                    <p:anim calcmode="lin" valueType="num">
+                                      <p:cBhvr additive="base">
+                                        <p:cTn id="19" dur="500" fill="hold"/>
+                                        <p:tgtEl>
+                                          <p:spTgt spid="7"/>
+                                        </p:tgtEl>
+                                        <p:attrNameLst>
+                                          <p:attrName>ppt_y</p:attrName>
+                                        </p:attrNameLst>
+                                      </p:cBhvr>
+                                      <p:tavLst>
+                                        <p:tav tm="0">
+                                          <p:val>
+                                            <p:strVal val="1+#ppt_h/2"/>
+                                          </p:val>
+                                        </p:tav>
+                                        <p:tav tm="100000">
+                                          <p:val>
+                                            <p:strVal val="#ppt_y"/>
+                                          </p:val>
+                                        </p:tav>
+                                      </p:tavLst>
+                                    </p:anim>
+                                  </p:childTnLst>
+                                </p:cTn>
+                              </p:par>
+                            </p:childTnLst>
+                          </p:cTn>
+                        </p:par>
+                        <p:par>
+                          <p:cTn id="20" fill="hold">
+                            <p:stCondLst>
+                              <p:cond delay="1000"/>
+                            </p:stCondLst>
+                            <p:childTnLst>
+                              <p:par>
+                                <p:cTn id="21" presetID="2" presetClass="entr" presetSubtype="4" fill="hold" grpId="0" nodeType="afterEffect">
+                                  <p:stCondLst>
+                                    <p:cond delay="0"/>
+                                  </p:stCondLst>
+                                  <p:childTnLst>
+                                    <p:set>
+                                      <p:cBhvr>
+                                        <p:cTn id="22" dur="1" fill="hold">
+                                          <p:stCondLst>
+                                            <p:cond delay="0"/>
+                                          </p:stCondLst>
+                                        </p:cTn>
+                                        <p:tgtEl>
+                                          <p:spTgt spid="6"/>
+                                        </p:tgtEl>
+                                        <p:attrNameLst>
+                                          <p:attrName>style.visibility</p:attrName>
+                                        </p:attrNameLst>
+                                      </p:cBhvr>
+                                      <p:to>
+                                        <p:strVal val="visible"/>
+                                      </p:to>
+                                    </p:set>
+                                    <p:anim calcmode="lin" valueType="num">
+                                      <p:cBhvr additive="base">
+                                        <p:cTn id="23" dur="500" fill="hold"/>
+                                        <p:tgtEl>
+                                          <p:spTgt spid="6"/>
+                                        </p:tgtEl>
+                                        <p:attrNameLst>
+                                          <p:attrName>ppt_x</p:attrName>
+                                        </p:attrNameLst>
+                                      </p:cBhvr>
+                                      <p:tavLst>
+                                        <p:tav tm="0">
+                                          <p:val>
+                                            <p:strVal val="#ppt_x"/>
+                                          </p:val>
+                                        </p:tav>
+                                        <p:tav tm="100000">
+                                          <p:val>
+                                            <p:strVal val="#ppt_x"/>
+                                          </p:val>
+                                        </p:tav>
+                                      </p:tavLst>
+                                    </p:anim>
+                                    <p:anim calcmode="lin" valueType="num">
+                                      <p:cBhvr additive="base">
+                                        <p:cTn id="24" dur="500" fill="hold"/>
+                                        <p:tgtEl>
+                                          <p:spTgt spid="6"/>
+                                        </p:tgtEl>
+                                        <p:attrNameLst>
+                                          <p:attrName>ppt_y</p:attrName>
+                                        </p:attrNameLst>
+                                      </p:cBhvr>
+                                      <p:tavLst>
+                                        <p:tav tm="0">
+                                          <p:val>
+                                            <p:strVal val="1+#ppt_h/2"/>
+                                          </p:val>
+                                        </p:tav>
+                                        <p:tav tm="100000">
+                                          <p:val>
+                                            <p:strVal val="#ppt_y"/>
+                                          </p:val>
+                                        </p:tav>
+                                      </p:tavLst>
+                                    </p:anim>
+                                  </p:childTnLst>
+                                </p:cTn>
+                              </p:par>
+                            </p:childTnLst>
+                          </p:cTn>
+                        </p:par>
+                      </p:childTnLst>
+                    </p:cTn>
+                  </p:par>
+                </p:childTnLst>
+              </p:cTn>
+              <p:prevCondLst>
+                <p:cond evt="onPrev" delay="0">
+                  <p:tgtEl>
+                    <p:sldTgt/>
+                  </p:tgtEl>
+                </p:cond>
+              </p:prevCondLst>
+              <p:nextCondLst>
+                <p:cond evt="onNext" delay="0">
+                  <p:tgtEl>
+                    <p:sldTgt/>
+                  </p:tgtEl>
+                </p:cond>
+              </p:nextCondLst>
+            </p:seq>
+          </p:childTnLst>
+        </p:cTn>
+      </p:par>
+    </p:tnLst>
+    <p:bldLst>
+      <p:bldP spid="6" grpId="0"/>
+      <p:bldP spid="7" grpId="0"/>
+    </p:bldLst>
+  </p:timing>
+</p:sld>
+</file>
+
+<file path=ppt/slides/slide21.xml><?xml version="1.0" encoding="utf-8"?>
+<p:sld xmlns:a="http://schemas.openxmlformats.org/drawingml/2006/main" xmlns:r="http://schemas.openxmlformats.org/officeDocument/2006/relationships" xmlns:p="http://schemas.openxmlformats.org/presentationml/2006/main">
+  <p:cSld>
+    <p:spTree>
+      <p:nvGrpSpPr>
+        <p:cNvPr id="1" name=""/>
+        <p:cNvGrpSpPr/>
+        <p:nvPr/>
+      </p:nvGrpSpPr>
+      <p:grpSpPr>
+        <a:xfrm>
+          <a:off x="0" y="0"/>
+          <a:ext cx="0" cy="0"/>
+          <a:chOff x="0" y="0"/>
+          <a:chExt cx="0" cy="0"/>
+        </a:xfrm>
+      </p:grpSpPr>
+      <p:sp>
+        <p:nvSpPr>
+          <p:cNvPr id="5123" name="AutoShape 6"/>
+          <p:cNvSpPr>
+            <a:spLocks noChangeArrowheads="1"/>
+          </p:cNvSpPr>
+          <p:nvPr/>
+        </p:nvSpPr>
+        <p:spPr bwMode="auto">
+          <a:xfrm>
+            <a:off x="2566988" y="1339851"/>
+            <a:ext cx="6711950" cy="4214813"/>
+          </a:xfrm>
+          <a:prstGeom prst="roundRect">
+            <a:avLst>
+              <a:gd name="adj" fmla="val 16667"/>
+            </a:avLst>
+          </a:prstGeom>
+          <a:noFill/>
+          <a:ln w="28575">
+            <a:solidFill>
+              <a:srgbClr val="C0C0C0"/>
+            </a:solidFill>
+            <a:prstDash val="sysDot"/>
+            <a:round/>
+          </a:ln>
+          <a:extLst>
+            <a:ext uri="{909E8E84-426E-40DD-AFC4-6F175D3DCCD1}">
+              <a14:hiddenFill xmlns:a14="http://schemas.microsoft.com/office/drawing/2010/main">
+                <a:solidFill>
+                  <a:srgbClr val="FFFFFF"/>
+                </a:solidFill>
+              </a14:hiddenFill>
+            </a:ext>
+          </a:extLst>
+        </p:spPr>
+        <p:txBody>
+          <a:bodyPr wrap="none" anchor="ctr"/>
+          <a:lstStyle>
+            <a:lvl1pPr marL="457200" indent="-457200">
+              <a:defRPr sz="3200">
+                <a:solidFill>
+                  <a:schemeClr val="tx1"/>
+                </a:solidFill>
+                <a:latin typeface="Arial" panose="020B0604020202020204" pitchFamily="34" charset="0"/>
+                <a:ea typeface="微软雅黑" panose="020B0503020204020204" pitchFamily="34" charset="-122"/>
+              </a:defRPr>
+            </a:lvl1pPr>
+            <a:lvl2pPr marL="742950" indent="-285750">
+              <a:defRPr sz="3200">
+                <a:solidFill>
+                  <a:schemeClr val="tx1"/>
+                </a:solidFill>
+                <a:latin typeface="Arial" panose="020B0604020202020204" pitchFamily="34" charset="0"/>
+                <a:ea typeface="微软雅黑" panose="020B0503020204020204" pitchFamily="34" charset="-122"/>
+              </a:defRPr>
+            </a:lvl2pPr>
+            <a:lvl3pPr marL="1143000" indent="-228600">
+              <a:defRPr sz="3200">
+                <a:solidFill>
+                  <a:schemeClr val="tx1"/>
+                </a:solidFill>
+                <a:latin typeface="Arial" panose="020B0604020202020204" pitchFamily="34" charset="0"/>
+                <a:ea typeface="微软雅黑" panose="020B0503020204020204" pitchFamily="34" charset="-122"/>
+              </a:defRPr>
+            </a:lvl3pPr>
+            <a:lvl4pPr marL="1600200" indent="-228600">
+              <a:defRPr sz="3200">
+                <a:solidFill>
+                  <a:schemeClr val="tx1"/>
+                </a:solidFill>
+                <a:latin typeface="Arial" panose="020B0604020202020204" pitchFamily="34" charset="0"/>
+                <a:ea typeface="微软雅黑" panose="020B0503020204020204" pitchFamily="34" charset="-122"/>
+              </a:defRPr>
+            </a:lvl4pPr>
+            <a:lvl5pPr marL="2057400" indent="-228600">
+              <a:defRPr sz="3200">
+                <a:solidFill>
+                  <a:schemeClr val="tx1"/>
+                </a:solidFill>
+                <a:latin typeface="Arial" panose="020B0604020202020204" pitchFamily="34" charset="0"/>
+                <a:ea typeface="微软雅黑" panose="020B0503020204020204" pitchFamily="34" charset="-122"/>
+              </a:defRPr>
+            </a:lvl5pPr>
+            <a:lvl6pPr marL="2514600" indent="-228600" eaLnBrk="0" fontAlgn="base" hangingPunct="0">
+              <a:spcBef>
+                <a:spcPct val="0"/>
+              </a:spcBef>
+              <a:spcAft>
+                <a:spcPct val="0"/>
+              </a:spcAft>
+              <a:defRPr sz="3200">
+                <a:solidFill>
+                  <a:schemeClr val="tx1"/>
+                </a:solidFill>
+                <a:latin typeface="Arial" panose="020B0604020202020204" pitchFamily="34" charset="0"/>
+                <a:ea typeface="微软雅黑" panose="020B0503020204020204" pitchFamily="34" charset="-122"/>
+              </a:defRPr>
+            </a:lvl6pPr>
+            <a:lvl7pPr marL="2971800" indent="-228600" eaLnBrk="0" fontAlgn="base" hangingPunct="0">
+              <a:spcBef>
+                <a:spcPct val="0"/>
+              </a:spcBef>
+              <a:spcAft>
+                <a:spcPct val="0"/>
+              </a:spcAft>
+              <a:defRPr sz="3200">
+                <a:solidFill>
+                  <a:schemeClr val="tx1"/>
+                </a:solidFill>
+                <a:latin typeface="Arial" panose="020B0604020202020204" pitchFamily="34" charset="0"/>
+                <a:ea typeface="微软雅黑" panose="020B0503020204020204" pitchFamily="34" charset="-122"/>
+              </a:defRPr>
+            </a:lvl7pPr>
+            <a:lvl8pPr marL="3429000" indent="-228600" eaLnBrk="0" fontAlgn="base" hangingPunct="0">
+              <a:spcBef>
+                <a:spcPct val="0"/>
+              </a:spcBef>
+              <a:spcAft>
+                <a:spcPct val="0"/>
+              </a:spcAft>
+              <a:defRPr sz="3200">
+                <a:solidFill>
+                  <a:schemeClr val="tx1"/>
+                </a:solidFill>
+                <a:latin typeface="Arial" panose="020B0604020202020204" pitchFamily="34" charset="0"/>
+                <a:ea typeface="微软雅黑" panose="020B0503020204020204" pitchFamily="34" charset="-122"/>
+              </a:defRPr>
+            </a:lvl8pPr>
+            <a:lvl9pPr marL="3886200" indent="-228600" eaLnBrk="0" fontAlgn="base" hangingPunct="0">
+              <a:spcBef>
+                <a:spcPct val="0"/>
+              </a:spcBef>
+              <a:spcAft>
+                <a:spcPct val="0"/>
+              </a:spcAft>
+              <a:defRPr sz="3200">
+                <a:solidFill>
+                  <a:schemeClr val="tx1"/>
+                </a:solidFill>
+                <a:latin typeface="Arial" panose="020B0604020202020204" pitchFamily="34" charset="0"/>
+                <a:ea typeface="微软雅黑" panose="020B0503020204020204" pitchFamily="34" charset="-122"/>
+              </a:defRPr>
+            </a:lvl9pPr>
+          </a:lstStyle>
+          <a:p>
+            <a:pPr algn="l">
+              <a:lnSpc>
+                <a:spcPct val="150000"/>
+              </a:lnSpc>
+              <a:spcBef>
+                <a:spcPts val="1200"/>
+              </a:spcBef>
+              <a:spcAft>
+                <a:spcPts val="1200"/>
+              </a:spcAft>
+              <a:buClr>
+                <a:srgbClr val="92D050"/>
+              </a:buClr>
+              <a:buFont typeface="Wingdings" panose="05000000000000000000" pitchFamily="2" charset="2"/>
+              <a:buChar char="Ø"/>
+            </a:pPr>
+            <a:r>
+              <a:rPr lang="en-US" altLang="zh-CN" sz="2800" b="1">
+                <a:solidFill>
+                  <a:schemeClr val="tx1"/>
+                </a:solidFill>
+                <a:sym typeface="+mn-ea"/>
+              </a:rPr>
+              <a:t>JS</a:t>
+            </a:r>
+            <a:r>
+              <a:rPr lang="zh-CN" altLang="en-US" sz="2800" b="1">
+                <a:solidFill>
+                  <a:schemeClr val="tx1"/>
+                </a:solidFill>
+                <a:sym typeface="+mn-ea"/>
+              </a:rPr>
+              <a:t>对象</a:t>
+            </a:r>
+            <a:r>
+              <a:rPr lang="en-US" altLang="zh-CN" sz="2800" b="1">
+                <a:solidFill>
+                  <a:schemeClr val="tx1"/>
+                </a:solidFill>
+                <a:sym typeface="+mn-ea"/>
+              </a:rPr>
+              <a:t>-</a:t>
+            </a:r>
+            <a:r>
+              <a:rPr lang="zh-CN" altLang="en-US" sz="2800" b="1">
+                <a:solidFill>
+                  <a:schemeClr val="tx1"/>
+                </a:solidFill>
+                <a:sym typeface="+mn-ea"/>
+              </a:rPr>
+              <a:t>对象原型继承</a:t>
+            </a:r>
+            <a:endParaRPr lang="zh-CN" altLang="en-US" sz="2800" b="1">
+              <a:solidFill>
+                <a:schemeClr val="tx1"/>
+              </a:solidFill>
+              <a:sym typeface="+mn-ea"/>
+            </a:endParaRPr>
+          </a:p>
+          <a:p>
+            <a:pPr algn="l">
+              <a:lnSpc>
+                <a:spcPct val="150000"/>
+              </a:lnSpc>
+              <a:spcBef>
+                <a:spcPts val="1200"/>
+              </a:spcBef>
+              <a:spcAft>
+                <a:spcPts val="1200"/>
+              </a:spcAft>
+              <a:buClr>
+                <a:srgbClr val="92D050"/>
+              </a:buClr>
+              <a:buFont typeface="Wingdings" panose="05000000000000000000" pitchFamily="2" charset="2"/>
+              <a:buChar char="Ø"/>
+            </a:pPr>
+            <a:r>
+              <a:rPr lang="zh-CN" altLang="en-US" sz="2800" b="1">
+                <a:solidFill>
+                  <a:schemeClr val="accent3"/>
+                </a:solidFill>
+                <a:sym typeface="+mn-ea"/>
+              </a:rPr>
+              <a:t>通过构造函数模拟类</a:t>
+            </a:r>
+            <a:r>
+              <a:rPr lang="en-US" altLang="zh-CN" sz="2800" b="1">
+                <a:solidFill>
+                  <a:schemeClr val="accent3"/>
+                </a:solidFill>
+                <a:sym typeface="+mn-ea"/>
+              </a:rPr>
+              <a:t>-</a:t>
+            </a:r>
+            <a:r>
+              <a:rPr lang="zh-CN" altLang="en-US" sz="2800" b="1">
+                <a:solidFill>
+                  <a:schemeClr val="accent3"/>
+                </a:solidFill>
+                <a:sym typeface="+mn-ea"/>
+              </a:rPr>
+              <a:t>类的继承</a:t>
+            </a:r>
+            <a:endParaRPr lang="zh-CN" altLang="en-US" sz="2800" b="1">
+              <a:solidFill>
+                <a:schemeClr val="accent3"/>
+              </a:solidFill>
+              <a:sym typeface="+mn-ea"/>
+            </a:endParaRPr>
+          </a:p>
+          <a:p>
+            <a:pPr algn="l">
+              <a:lnSpc>
+                <a:spcPct val="150000"/>
+              </a:lnSpc>
+              <a:spcBef>
+                <a:spcPts val="1200"/>
+              </a:spcBef>
+              <a:spcAft>
+                <a:spcPts val="1200"/>
+              </a:spcAft>
+              <a:buClr>
+                <a:srgbClr val="92D050"/>
+              </a:buClr>
+              <a:buFont typeface="Wingdings" panose="05000000000000000000" pitchFamily="2" charset="2"/>
+              <a:buChar char="Ø"/>
+            </a:pPr>
+            <a:r>
+              <a:rPr lang="en-US" altLang="zh-CN" sz="2800" b="1">
+                <a:solidFill>
+                  <a:schemeClr val="tx1"/>
+                </a:solidFill>
+                <a:sym typeface="+mn-ea"/>
+              </a:rPr>
+              <a:t>JS</a:t>
+            </a:r>
+            <a:r>
+              <a:rPr lang="zh-CN" altLang="en-US" sz="2800" b="1">
+                <a:solidFill>
+                  <a:schemeClr val="tx1"/>
+                </a:solidFill>
+                <a:sym typeface="+mn-ea"/>
+              </a:rPr>
+              <a:t>继承补充部分</a:t>
+            </a:r>
+            <a:endParaRPr lang="zh-CN" altLang="en-US" sz="2800" b="1">
+              <a:solidFill>
+                <a:schemeClr val="tx1"/>
+              </a:solidFill>
+              <a:sym typeface="+mn-ea"/>
+            </a:endParaRPr>
+          </a:p>
+        </p:txBody>
+      </p:sp>
+      <p:sp>
+        <p:nvSpPr>
+          <p:cNvPr id="4" name="内容占位符 3"/>
+          <p:cNvSpPr txBox="1"/>
+          <p:nvPr/>
+        </p:nvSpPr>
+        <p:spPr>
+          <a:xfrm>
+            <a:off x="981657" y="236943"/>
+            <a:ext cx="8191557" cy="490476"/>
+          </a:xfrm>
+          <a:prstGeom prst="rect">
+            <a:avLst/>
+          </a:prstGeom>
+        </p:spPr>
+        <p:txBody>
+          <a:bodyPr/>
+          <a:lstStyle>
+            <a:lvl1pPr marL="167005" indent="-167005" algn="l" defTabSz="0" rtl="0" eaLnBrk="0" fontAlgn="base" hangingPunct="0">
+              <a:spcBef>
+                <a:spcPct val="0"/>
+              </a:spcBef>
+              <a:spcAft>
+                <a:spcPct val="15000"/>
+              </a:spcAft>
+              <a:buClr>
+                <a:schemeClr val="tx2"/>
+              </a:buClr>
+              <a:buFont typeface="Arial" panose="020B0604020202020204" pitchFamily="34" charset="0"/>
+              <a:buChar char="•"/>
+              <a:defRPr kumimoji="1" sz="1600">
+                <a:solidFill>
+                  <a:srgbClr val="006F53"/>
+                </a:solidFill>
+                <a:latin typeface="微软雅黑" panose="020B0503020204020204" pitchFamily="34" charset="-122"/>
+                <a:ea typeface="微软雅黑" panose="020B0503020204020204" pitchFamily="34" charset="-122"/>
+                <a:cs typeface="微软雅黑" panose="020B0503020204020204" pitchFamily="34" charset="-122"/>
+              </a:defRPr>
+            </a:lvl1pPr>
+            <a:lvl2pPr marL="398780" indent="-230505" algn="l" defTabSz="0" rtl="0" eaLnBrk="0" fontAlgn="base" hangingPunct="0">
+              <a:spcBef>
+                <a:spcPct val="0"/>
+              </a:spcBef>
+              <a:spcAft>
+                <a:spcPct val="15000"/>
+              </a:spcAft>
+              <a:buClr>
+                <a:schemeClr val="tx2"/>
+              </a:buClr>
+              <a:buFont typeface="Arial" panose="020B0604020202020204" pitchFamily="34" charset="0"/>
+              <a:buChar char="–"/>
+              <a:defRPr kumimoji="1" sz="2800">
+                <a:solidFill>
+                  <a:schemeClr val="bg2"/>
+                </a:solidFill>
+                <a:latin typeface="微软雅黑" panose="020B0503020204020204" pitchFamily="34" charset="-122"/>
+                <a:ea typeface="微软雅黑" panose="020B0503020204020204" pitchFamily="34" charset="-122"/>
+                <a:cs typeface="微软雅黑" panose="020B0503020204020204" pitchFamily="34" charset="-122"/>
+              </a:defRPr>
+            </a:lvl2pPr>
+            <a:lvl3pPr marL="400050" indent="182880" algn="l" defTabSz="0" rtl="0" eaLnBrk="0" fontAlgn="base" hangingPunct="0">
+              <a:spcBef>
+                <a:spcPct val="0"/>
+              </a:spcBef>
+              <a:spcAft>
+                <a:spcPct val="15000"/>
+              </a:spcAft>
+              <a:buClr>
+                <a:schemeClr val="tx2"/>
+              </a:buClr>
+              <a:buFont typeface="Arial" panose="020B0604020202020204" pitchFamily="34" charset="0"/>
+              <a:buChar char="•"/>
+              <a:defRPr kumimoji="1" sz="1600">
+                <a:solidFill>
+                  <a:schemeClr val="bg2"/>
+                </a:solidFill>
+                <a:latin typeface="微软雅黑" panose="020B0503020204020204" pitchFamily="34" charset="-122"/>
+                <a:ea typeface="微软雅黑" panose="020B0503020204020204" pitchFamily="34" charset="-122"/>
+                <a:cs typeface="微软雅黑" panose="020B0503020204020204" pitchFamily="34" charset="-122"/>
+              </a:defRPr>
+            </a:lvl3pPr>
+            <a:lvl4pPr marL="825500" indent="-241300" algn="l" defTabSz="0" rtl="0" eaLnBrk="0" fontAlgn="base" hangingPunct="0">
+              <a:spcBef>
+                <a:spcPct val="0"/>
+              </a:spcBef>
+              <a:spcAft>
+                <a:spcPct val="15000"/>
+              </a:spcAft>
+              <a:buClr>
+                <a:schemeClr val="tx2"/>
+              </a:buClr>
+              <a:buFont typeface="Arial" panose="020B0604020202020204" pitchFamily="34" charset="0"/>
+              <a:buChar char="–"/>
+              <a:defRPr kumimoji="1" sz="1600">
+                <a:solidFill>
+                  <a:schemeClr val="bg2"/>
+                </a:solidFill>
+                <a:latin typeface="微软雅黑" panose="020B0503020204020204" pitchFamily="34" charset="-122"/>
+                <a:ea typeface="微软雅黑" panose="020B0503020204020204" pitchFamily="34" charset="-122"/>
+                <a:cs typeface="微软雅黑" panose="020B0503020204020204" pitchFamily="34" charset="-122"/>
+              </a:defRPr>
+            </a:lvl4pPr>
+            <a:lvl5pPr marL="2057400" indent="-228600" algn="l" defTabSz="0" rtl="0" eaLnBrk="0" fontAlgn="base" hangingPunct="0">
+              <a:spcBef>
+                <a:spcPct val="0"/>
+              </a:spcBef>
+              <a:spcAft>
+                <a:spcPct val="25000"/>
+              </a:spcAft>
+              <a:buClr>
+                <a:schemeClr val="tx2"/>
+              </a:buClr>
+              <a:buFont typeface="Arial" panose="020B0604020202020204" pitchFamily="34" charset="0"/>
+              <a:buChar char="–"/>
+              <a:defRPr kumimoji="1" sz="2000">
+                <a:solidFill>
+                  <a:schemeClr val="tx1"/>
+                </a:solidFill>
+                <a:latin typeface="+mn-lt"/>
+                <a:ea typeface="微软雅黑" panose="020B0503020204020204" pitchFamily="34" charset="-122"/>
+                <a:cs typeface="微软雅黑" panose="020B0503020204020204" pitchFamily="34" charset="-122"/>
+              </a:defRPr>
+            </a:lvl5pPr>
+            <a:lvl6pPr marL="2514600" indent="-228600" algn="l" defTabSz="0" rtl="0" eaLnBrk="0" fontAlgn="base" hangingPunct="0">
+              <a:spcBef>
+                <a:spcPct val="0"/>
+              </a:spcBef>
+              <a:spcAft>
+                <a:spcPct val="25000"/>
+              </a:spcAft>
+              <a:buClr>
+                <a:schemeClr val="tx2"/>
+              </a:buClr>
+              <a:buFont typeface="Arial" panose="020B0604020202020204" pitchFamily="34" charset="0"/>
+              <a:buChar char="–"/>
+              <a:defRPr>
+                <a:solidFill>
+                  <a:schemeClr val="tx1"/>
+                </a:solidFill>
+                <a:latin typeface="+mn-lt"/>
+              </a:defRPr>
+            </a:lvl6pPr>
+            <a:lvl7pPr marL="2971800" indent="-228600" algn="l" defTabSz="0" rtl="0" eaLnBrk="0" fontAlgn="base" hangingPunct="0">
+              <a:spcBef>
+                <a:spcPct val="0"/>
+              </a:spcBef>
+              <a:spcAft>
+                <a:spcPct val="25000"/>
+              </a:spcAft>
+              <a:buClr>
+                <a:schemeClr val="tx2"/>
+              </a:buClr>
+              <a:buFont typeface="Arial" panose="020B0604020202020204" pitchFamily="34" charset="0"/>
+              <a:buChar char="–"/>
+              <a:defRPr>
+                <a:solidFill>
+                  <a:schemeClr val="tx1"/>
+                </a:solidFill>
+                <a:latin typeface="+mn-lt"/>
+              </a:defRPr>
+            </a:lvl7pPr>
+            <a:lvl8pPr marL="3429000" indent="-228600" algn="l" defTabSz="0" rtl="0" eaLnBrk="0" fontAlgn="base" hangingPunct="0">
+              <a:spcBef>
+                <a:spcPct val="0"/>
+              </a:spcBef>
+              <a:spcAft>
+                <a:spcPct val="25000"/>
+              </a:spcAft>
+              <a:buClr>
+                <a:schemeClr val="tx2"/>
+              </a:buClr>
+              <a:buFont typeface="Arial" panose="020B0604020202020204" pitchFamily="34" charset="0"/>
+              <a:buChar char="–"/>
+              <a:defRPr>
+                <a:solidFill>
+                  <a:schemeClr val="tx1"/>
+                </a:solidFill>
+                <a:latin typeface="+mn-lt"/>
+              </a:defRPr>
+            </a:lvl8pPr>
+            <a:lvl9pPr marL="3886200" indent="-228600" algn="l" defTabSz="0" rtl="0" eaLnBrk="0" fontAlgn="base" hangingPunct="0">
+              <a:spcBef>
+                <a:spcPct val="0"/>
+              </a:spcBef>
+              <a:spcAft>
+                <a:spcPct val="25000"/>
+              </a:spcAft>
+              <a:buClr>
+                <a:schemeClr val="tx2"/>
+              </a:buClr>
+              <a:buFont typeface="Arial" panose="020B0604020202020204" pitchFamily="34" charset="0"/>
+              <a:buChar char="–"/>
+              <a:defRPr>
+                <a:solidFill>
+                  <a:schemeClr val="tx1"/>
+                </a:solidFill>
+                <a:latin typeface="+mn-lt"/>
+              </a:defRPr>
+            </a:lvl9pPr>
+          </a:lstStyle>
+          <a:p>
+            <a:pPr marL="0" indent="0">
+              <a:buNone/>
+            </a:pPr>
+            <a:r>
+              <a:rPr lang="zh-CN" altLang="en-US" sz="3200" dirty="0" smtClean="0">
+                <a:solidFill>
+                  <a:srgbClr val="C00000"/>
+                </a:solidFill>
+                <a:cs typeface="+mn-cs"/>
+                <a:sym typeface="+mn-ea"/>
+              </a:rPr>
+              <a:t>内容提纲</a:t>
+            </a:r>
+            <a:endParaRPr lang="zh-CN" altLang="en-US" kern="0" dirty="0"/>
+          </a:p>
+        </p:txBody>
+      </p:sp>
+    </p:spTree>
+  </p:cSld>
+  <p:clrMapOvr>
+    <a:masterClrMapping/>
+  </p:clrMapOvr>
+  <p:timing>
+    <p:tnLst>
+      <p:par>
+        <p:cTn id="1" dur="indefinite" restart="never" nodeType="tmRoot"/>
+      </p:par>
+    </p:tnLst>
+  </p:timing>
+</p:sld>
+</file>
+
+<file path=ppt/slides/slide22.xml><?xml version="1.0" encoding="utf-8"?>
+<p:sld xmlns:a="http://schemas.openxmlformats.org/drawingml/2006/main" xmlns:r="http://schemas.openxmlformats.org/officeDocument/2006/relationships" xmlns:p="http://schemas.openxmlformats.org/presentationml/2006/main">
+  <p:cSld>
+    <p:spTree>
+      <p:nvGrpSpPr>
+        <p:cNvPr id="1" name=""/>
+        <p:cNvGrpSpPr/>
+        <p:nvPr/>
+      </p:nvGrpSpPr>
+      <p:grpSpPr>
+        <a:xfrm>
+          <a:off x="0" y="0"/>
+          <a:ext cx="0" cy="0"/>
+          <a:chOff x="0" y="0"/>
+          <a:chExt cx="0" cy="0"/>
+        </a:xfrm>
+      </p:grpSpPr>
+      <p:sp>
+        <p:nvSpPr>
+          <p:cNvPr id="3" name="内容占位符 2"/>
+          <p:cNvSpPr>
+            <a:spLocks noGrp="1"/>
+          </p:cNvSpPr>
+          <p:nvPr>
+            <p:ph sz="quarter" idx="11"/>
+          </p:nvPr>
+        </p:nvSpPr>
+        <p:spPr>
+          <a:xfrm>
+            <a:off x="947204" y="308698"/>
+            <a:ext cx="8191557" cy="490476"/>
+          </a:xfrm>
+        </p:spPr>
+        <p:txBody>
+          <a:bodyPr/>
+          <a:p>
+            <a:r>
+              <a:rPr kumimoji="0" lang="zh-CN" altLang="en-US" b="0" dirty="0">
+                <a:solidFill>
+                  <a:srgbClr val="C00000"/>
+                </a:solidFill>
+                <a:sym typeface="+mn-ea"/>
+              </a:rPr>
+              <a:t>模拟类</a:t>
+            </a:r>
+            <a:r>
+              <a:rPr kumimoji="0" lang="en-US" altLang="zh-CN" b="0" dirty="0">
+                <a:solidFill>
+                  <a:srgbClr val="C00000"/>
+                </a:solidFill>
+                <a:sym typeface="+mn-ea"/>
+              </a:rPr>
+              <a:t>-</a:t>
+            </a:r>
+            <a:r>
+              <a:rPr kumimoji="0" lang="zh-CN" altLang="en-US" b="0" dirty="0">
+                <a:solidFill>
+                  <a:srgbClr val="C00000"/>
+                </a:solidFill>
+                <a:sym typeface="+mn-ea"/>
+              </a:rPr>
+              <a:t>类继承的形式 一 （避免原型共享）</a:t>
+            </a:r>
+            <a:endParaRPr kumimoji="0" lang="en-US" altLang="zh-CN" b="0" dirty="0" smtClean="0">
+              <a:solidFill>
+                <a:srgbClr val="C00000"/>
+              </a:solidFill>
+              <a:latin typeface="微软雅黑" panose="020B0503020204020204" pitchFamily="34" charset="-122"/>
+              <a:ea typeface="微软雅黑" panose="020B0503020204020204" pitchFamily="34" charset="-122"/>
+              <a:sym typeface="+mn-ea"/>
+            </a:endParaRPr>
+          </a:p>
+          <a:p>
+            <a:endParaRPr kumimoji="0" lang="zh-CN" altLang="en-US" b="0" dirty="0">
+              <a:solidFill>
+                <a:srgbClr val="C00000"/>
+              </a:solidFill>
+            </a:endParaRPr>
+          </a:p>
+          <a:p>
+            <a:endParaRPr lang="zh-CN" altLang="en-US" dirty="0"/>
+          </a:p>
+        </p:txBody>
+      </p:sp>
+      <p:pic>
+        <p:nvPicPr>
+          <p:cNvPr id="5" name="图片 4"/>
+          <p:cNvPicPr>
+            <a:picLocks noChangeAspect="1"/>
+          </p:cNvPicPr>
+          <p:nvPr/>
+        </p:nvPicPr>
+        <p:blipFill>
+          <a:blip r:embed="rId1"/>
+          <a:stretch>
+            <a:fillRect/>
+          </a:stretch>
+        </p:blipFill>
+        <p:spPr>
+          <a:xfrm>
+            <a:off x="1030605" y="1008380"/>
+            <a:ext cx="8025130" cy="4841875"/>
+          </a:xfrm>
+          <a:prstGeom prst="rect">
+            <a:avLst/>
+          </a:prstGeom>
+        </p:spPr>
+      </p:pic>
+      <p:sp>
+        <p:nvSpPr>
+          <p:cNvPr id="6" name="文本框 5"/>
+          <p:cNvSpPr txBox="1"/>
+          <p:nvPr/>
+        </p:nvSpPr>
+        <p:spPr>
+          <a:xfrm>
+            <a:off x="6195060" y="2745740"/>
+            <a:ext cx="5666105" cy="1783715"/>
+          </a:xfrm>
+          <a:prstGeom prst="rect">
+            <a:avLst/>
+          </a:prstGeom>
+          <a:noFill/>
+        </p:spPr>
+        <p:txBody>
+          <a:bodyPr wrap="square" rtlCol="0">
+            <a:spAutoFit/>
+          </a:bodyPr>
+          <a:p>
+            <a:pPr algn="l"/>
+            <a:r>
+              <a:rPr lang="zh-CN" altLang="en-US" sz="2200">
+                <a:solidFill>
+                  <a:srgbClr val="FF0000"/>
+                </a:solidFill>
+                <a:latin typeface="+mn-ea"/>
+                <a:ea typeface="+mn-ea"/>
+              </a:rPr>
+              <a:t>思考：</a:t>
+            </a:r>
+            <a:r>
+              <a:rPr lang="en-US" altLang="zh-CN" sz="2200">
+                <a:solidFill>
+                  <a:srgbClr val="FF0000"/>
+                </a:solidFill>
+                <a:latin typeface="+mn-ea"/>
+                <a:ea typeface="+mn-ea"/>
+              </a:rPr>
+              <a:t>name</a:t>
+            </a:r>
+            <a:r>
+              <a:rPr lang="zh-CN" altLang="en-US" sz="2200">
+                <a:solidFill>
+                  <a:srgbClr val="FF0000"/>
+                </a:solidFill>
+                <a:latin typeface="+mn-ea"/>
+                <a:ea typeface="+mn-ea"/>
+              </a:rPr>
+              <a:t>属性添加到哪个对象上了？</a:t>
+            </a:r>
+            <a:r>
+              <a:rPr lang="en-US" altLang="zh-CN" sz="2200">
+                <a:solidFill>
+                  <a:srgbClr val="FF0000"/>
+                </a:solidFill>
+                <a:latin typeface="+mn-ea"/>
+                <a:ea typeface="+mn-ea"/>
+              </a:rPr>
+              <a:t>Person.prototype</a:t>
+            </a:r>
+            <a:r>
+              <a:rPr lang="zh-CN" altLang="en-US" sz="2200">
+                <a:solidFill>
+                  <a:srgbClr val="FF0000"/>
+                </a:solidFill>
+                <a:latin typeface="+mn-ea"/>
+                <a:ea typeface="+mn-ea"/>
+              </a:rPr>
+              <a:t>、</a:t>
+            </a:r>
+            <a:r>
+              <a:rPr lang="en-US" altLang="zh-CN" sz="2200">
+                <a:solidFill>
+                  <a:srgbClr val="FF0000"/>
+                </a:solidFill>
+                <a:latin typeface="+mn-ea"/>
+                <a:ea typeface="+mn-ea"/>
+              </a:rPr>
+              <a:t>Student.prototype</a:t>
+            </a:r>
+            <a:r>
+              <a:rPr lang="zh-CN" altLang="en-US" sz="2200">
+                <a:solidFill>
+                  <a:srgbClr val="FF0000"/>
+                </a:solidFill>
+                <a:latin typeface="+mn-ea"/>
+                <a:ea typeface="+mn-ea"/>
+              </a:rPr>
+              <a:t>还是实例化的对象上？</a:t>
+            </a:r>
+            <a:endParaRPr lang="zh-CN" altLang="en-US" sz="2200">
+              <a:solidFill>
+                <a:srgbClr val="FF0000"/>
+              </a:solidFill>
+              <a:latin typeface="+mn-ea"/>
+              <a:ea typeface="+mn-ea"/>
+            </a:endParaRPr>
+          </a:p>
+          <a:p>
+            <a:pPr algn="l"/>
+            <a:r>
+              <a:rPr lang="zh-CN" altLang="en-US" sz="2200">
+                <a:latin typeface="+mn-ea"/>
+                <a:ea typeface="+mn-ea"/>
+                <a:sym typeface="+mn-ea"/>
+              </a:rPr>
+              <a:t>推荐：将</a:t>
+            </a:r>
+            <a:r>
+              <a:rPr lang="zh-CN" altLang="en-US" sz="2200">
+                <a:solidFill>
+                  <a:schemeClr val="accent3"/>
+                </a:solidFill>
+                <a:latin typeface="+mn-ea"/>
+                <a:ea typeface="+mn-ea"/>
+                <a:sym typeface="+mn-ea"/>
+              </a:rPr>
+              <a:t>方法</a:t>
+            </a:r>
+            <a:r>
+              <a:rPr lang="zh-CN" altLang="en-US" sz="2200">
+                <a:latin typeface="+mn-ea"/>
+                <a:ea typeface="+mn-ea"/>
+                <a:sym typeface="+mn-ea"/>
+              </a:rPr>
+              <a:t>添加到对象的原型上（即构造函数的</a:t>
+            </a:r>
+            <a:r>
+              <a:rPr lang="en-US" altLang="zh-CN" sz="2200">
+                <a:latin typeface="+mn-ea"/>
+                <a:ea typeface="+mn-ea"/>
+                <a:sym typeface="+mn-ea"/>
+              </a:rPr>
+              <a:t>prototype</a:t>
+            </a:r>
+            <a:r>
+              <a:rPr lang="zh-CN" altLang="en-US" sz="2200">
+                <a:latin typeface="+mn-ea"/>
+                <a:ea typeface="+mn-ea"/>
+                <a:sym typeface="+mn-ea"/>
+              </a:rPr>
+              <a:t>上）便于共享，节省内存</a:t>
+            </a:r>
+            <a:endParaRPr lang="zh-CN" altLang="en-US" sz="2200">
+              <a:solidFill>
+                <a:srgbClr val="FF0000"/>
+              </a:solidFill>
+              <a:latin typeface="+mn-ea"/>
+              <a:ea typeface="+mn-ea"/>
+            </a:endParaRPr>
+          </a:p>
+        </p:txBody>
+      </p:sp>
+      <p:sp>
+        <p:nvSpPr>
+          <p:cNvPr id="2" name="文本框 1"/>
+          <p:cNvSpPr txBox="1"/>
+          <p:nvPr/>
+        </p:nvSpPr>
+        <p:spPr>
+          <a:xfrm>
+            <a:off x="6229350" y="6036945"/>
+            <a:ext cx="5420360" cy="429895"/>
+          </a:xfrm>
+          <a:prstGeom prst="rect">
+            <a:avLst/>
+          </a:prstGeom>
+          <a:noFill/>
+        </p:spPr>
+        <p:txBody>
+          <a:bodyPr wrap="square" rtlCol="0">
+            <a:spAutoFit/>
+          </a:bodyPr>
+          <a:p>
+            <a:pPr algn="l"/>
+            <a:r>
+              <a:rPr lang="zh-CN" altLang="en-US" sz="2200">
+                <a:solidFill>
+                  <a:srgbClr val="FF0000"/>
+                </a:solidFill>
+                <a:latin typeface="+mn-ea"/>
+                <a:ea typeface="+mn-ea"/>
+              </a:rPr>
+              <a:t>参见实例</a:t>
+            </a:r>
+            <a:r>
+              <a:rPr lang="en-US" altLang="zh-CN" sz="2200">
+                <a:solidFill>
+                  <a:srgbClr val="FF0000"/>
+                </a:solidFill>
+                <a:latin typeface="+mn-ea"/>
+                <a:ea typeface="+mn-ea"/>
+              </a:rPr>
+              <a:t>demo09 Part1</a:t>
+            </a:r>
+            <a:endParaRPr lang="zh-CN" altLang="en-US" sz="2200">
+              <a:solidFill>
+                <a:srgbClr val="FF0000"/>
+              </a:solidFill>
+              <a:latin typeface="+mn-ea"/>
+              <a:ea typeface="+mn-ea"/>
+            </a:endParaRPr>
+          </a:p>
+        </p:txBody>
+      </p:sp>
+    </p:spTree>
+  </p:cSld>
+  <p:clrMapOvr>
+    <a:masterClrMapping/>
+  </p:clrMapOvr>
+  <p:timing>
+    <p:tnLst>
+      <p:par>
+        <p:cTn id="1" dur="indefinite" restart="never" fill="hold" nodeType="tmRoot">
+          <p:childTnLst>
+            <p:seq concurrent="1" nextAc="seek">
+              <p:cTn id="2" dur="indefinite" fill="hold" nodeType="mainSeq">
+                <p:childTnLst>
+                  <p:par>
+                    <p:cTn id="3" fill="hold">
+                      <p:stCondLst>
+                        <p:cond delay="indefinite"/>
+                      </p:stCondLst>
+                      <p:childTnLst>
+                        <p:par>
+                          <p:cTn id="4" fill="hold">
+                            <p:stCondLst>
+                              <p:cond delay="0"/>
+                            </p:stCondLst>
+                            <p:childTnLst>
+                              <p:par>
+                                <p:cTn id="5" presetID="2" presetClass="entr" presetSubtype="4" fill="hold" nodeType="clickEffect">
+                                  <p:stCondLst>
+                                    <p:cond delay="0"/>
+                                  </p:stCondLst>
+                                  <p:childTnLst>
+                                    <p:set>
+                                      <p:cBhvr>
+                                        <p:cTn id="6" dur="1" fill="hold">
+                                          <p:stCondLst>
+                                            <p:cond delay="0"/>
+                                          </p:stCondLst>
+                                        </p:cTn>
+                                        <p:tgtEl>
+                                          <p:spTgt spid="5"/>
+                                        </p:tgtEl>
+                                        <p:attrNameLst>
+                                          <p:attrName>style.visibility</p:attrName>
+                                        </p:attrNameLst>
+                                      </p:cBhvr>
+                                      <p:to>
+                                        <p:strVal val="visible"/>
+                                      </p:to>
+                                    </p:set>
+                                    <p:anim calcmode="lin" valueType="num">
+                                      <p:cBhvr additive="base">
+                                        <p:cTn id="7" dur="500" fill="hold"/>
+                                        <p:tgtEl>
+                                          <p:spTgt spid="5"/>
+                                        </p:tgtEl>
+                                        <p:attrNameLst>
+                                          <p:attrName>ppt_x</p:attrName>
+                                        </p:attrNameLst>
+                                      </p:cBhvr>
+                                      <p:tavLst>
+                                        <p:tav tm="0">
+                                          <p:val>
+                                            <p:strVal val="#ppt_x"/>
+                                          </p:val>
+                                        </p:tav>
+                                        <p:tav tm="100000">
+                                          <p:val>
+                                            <p:strVal val="#ppt_x"/>
+                                          </p:val>
+                                        </p:tav>
+                                      </p:tavLst>
+                                    </p:anim>
+                                    <p:anim calcmode="lin" valueType="num">
+                                      <p:cBhvr additive="base">
+                                        <p:cTn id="8" dur="500" fill="hold"/>
+                                        <p:tgtEl>
+                                          <p:spTgt spid="5"/>
                                         </p:tgtEl>
                                         <p:attrNameLst>
                                           <p:attrName>ppt_y</p:attrName>
@@ -16008,7 +17352,7 @@
                                           </p:stCondLst>
                                         </p:cTn>
                                         <p:tgtEl>
-                                          <p:spTgt spid="7"/>
+                                          <p:spTgt spid="2"/>
                                         </p:tgtEl>
                                         <p:attrNameLst>
                                           <p:attrName>style.visibility</p:attrName>
@@ -16021,1089 +17365,6 @@
                                     <p:anim calcmode="lin" valueType="num">
                                       <p:cBhvr additive="base">
                                         <p:cTn id="17" dur="500" fill="hold"/>
-                                        <p:tgtEl>
-                                          <p:spTgt spid="7"/>
-                                        </p:tgtEl>
-                                        <p:attrNameLst>
-                                          <p:attrName>ppt_x</p:attrName>
-                                        </p:attrNameLst>
-                                      </p:cBhvr>
-                                      <p:tavLst>
-                                        <p:tav tm="0">
-                                          <p:val>
-                                            <p:strVal val="#ppt_x"/>
-                                          </p:val>
-                                        </p:tav>
-                                        <p:tav tm="100000">
-                                          <p:val>
-                                            <p:strVal val="#ppt_x"/>
-                                          </p:val>
-                                        </p:tav>
-                                      </p:tavLst>
-                                    </p:anim>
-                                    <p:anim calcmode="lin" valueType="num">
-                                      <p:cBhvr additive="base">
-                                        <p:cTn id="18" dur="500" fill="hold"/>
-                                        <p:tgtEl>
-                                          <p:spTgt spid="7"/>
-                                        </p:tgtEl>
-                                        <p:attrNameLst>
-                                          <p:attrName>ppt_y</p:attrName>
-                                        </p:attrNameLst>
-                                      </p:cBhvr>
-                                      <p:tavLst>
-                                        <p:tav tm="0">
-                                          <p:val>
-                                            <p:strVal val="1+#ppt_h/2"/>
-                                          </p:val>
-                                        </p:tav>
-                                        <p:tav tm="100000">
-                                          <p:val>
-                                            <p:strVal val="#ppt_y"/>
-                                          </p:val>
-                                        </p:tav>
-                                      </p:tavLst>
-                                    </p:anim>
-                                  </p:childTnLst>
-                                </p:cTn>
-                              </p:par>
-                            </p:childTnLst>
-                          </p:cTn>
-                        </p:par>
-                      </p:childTnLst>
-                    </p:cTn>
-                  </p:par>
-                </p:childTnLst>
-              </p:cTn>
-              <p:prevCondLst>
-                <p:cond evt="onPrev" delay="0">
-                  <p:tgtEl>
-                    <p:sldTgt/>
-                  </p:tgtEl>
-                </p:cond>
-              </p:prevCondLst>
-              <p:nextCondLst>
-                <p:cond evt="onNext" delay="0">
-                  <p:tgtEl>
-                    <p:sldTgt/>
-                  </p:tgtEl>
-                </p:cond>
-              </p:nextCondLst>
-            </p:seq>
-          </p:childTnLst>
-        </p:cTn>
-      </p:par>
-    </p:tnLst>
-    <p:bldLst>
-      <p:bldP spid="6" grpId="0"/>
-      <p:bldP spid="7" grpId="0"/>
-    </p:bldLst>
-  </p:timing>
-</p:sld>
-</file>
-
-<file path=ppt/slides/slide21.xml><?xml version="1.0" encoding="utf-8"?>
-<p:sld xmlns:a="http://schemas.openxmlformats.org/drawingml/2006/main" xmlns:r="http://schemas.openxmlformats.org/officeDocument/2006/relationships" xmlns:p="http://schemas.openxmlformats.org/presentationml/2006/main">
-  <p:cSld>
-    <p:spTree>
-      <p:nvGrpSpPr>
-        <p:cNvPr id="1" name=""/>
-        <p:cNvGrpSpPr/>
-        <p:nvPr/>
-      </p:nvGrpSpPr>
-      <p:grpSpPr>
-        <a:xfrm>
-          <a:off x="0" y="0"/>
-          <a:ext cx="0" cy="0"/>
-          <a:chOff x="0" y="0"/>
-          <a:chExt cx="0" cy="0"/>
-        </a:xfrm>
-      </p:grpSpPr>
-      <p:sp>
-        <p:nvSpPr>
-          <p:cNvPr id="5123" name="AutoShape 6"/>
-          <p:cNvSpPr>
-            <a:spLocks noChangeArrowheads="1"/>
-          </p:cNvSpPr>
-          <p:nvPr/>
-        </p:nvSpPr>
-        <p:spPr bwMode="auto">
-          <a:xfrm>
-            <a:off x="2566988" y="1339851"/>
-            <a:ext cx="6711950" cy="4214813"/>
-          </a:xfrm>
-          <a:prstGeom prst="roundRect">
-            <a:avLst>
-              <a:gd name="adj" fmla="val 16667"/>
-            </a:avLst>
-          </a:prstGeom>
-          <a:noFill/>
-          <a:ln w="28575">
-            <a:solidFill>
-              <a:srgbClr val="C0C0C0"/>
-            </a:solidFill>
-            <a:prstDash val="sysDot"/>
-            <a:round/>
-          </a:ln>
-          <a:extLst>
-            <a:ext uri="{909E8E84-426E-40DD-AFC4-6F175D3DCCD1}">
-              <a14:hiddenFill xmlns:a14="http://schemas.microsoft.com/office/drawing/2010/main">
-                <a:solidFill>
-                  <a:srgbClr val="FFFFFF"/>
-                </a:solidFill>
-              </a14:hiddenFill>
-            </a:ext>
-          </a:extLst>
-        </p:spPr>
-        <p:txBody>
-          <a:bodyPr wrap="none" anchor="ctr"/>
-          <a:lstStyle>
-            <a:lvl1pPr marL="457200" indent="-457200">
-              <a:defRPr sz="3200">
-                <a:solidFill>
-                  <a:schemeClr val="tx1"/>
-                </a:solidFill>
-                <a:latin typeface="Arial" panose="020B0604020202020204" pitchFamily="34" charset="0"/>
-                <a:ea typeface="微软雅黑" panose="020B0503020204020204" pitchFamily="34" charset="-122"/>
-              </a:defRPr>
-            </a:lvl1pPr>
-            <a:lvl2pPr marL="742950" indent="-285750">
-              <a:defRPr sz="3200">
-                <a:solidFill>
-                  <a:schemeClr val="tx1"/>
-                </a:solidFill>
-                <a:latin typeface="Arial" panose="020B0604020202020204" pitchFamily="34" charset="0"/>
-                <a:ea typeface="微软雅黑" panose="020B0503020204020204" pitchFamily="34" charset="-122"/>
-              </a:defRPr>
-            </a:lvl2pPr>
-            <a:lvl3pPr marL="1143000" indent="-228600">
-              <a:defRPr sz="3200">
-                <a:solidFill>
-                  <a:schemeClr val="tx1"/>
-                </a:solidFill>
-                <a:latin typeface="Arial" panose="020B0604020202020204" pitchFamily="34" charset="0"/>
-                <a:ea typeface="微软雅黑" panose="020B0503020204020204" pitchFamily="34" charset="-122"/>
-              </a:defRPr>
-            </a:lvl3pPr>
-            <a:lvl4pPr marL="1600200" indent="-228600">
-              <a:defRPr sz="3200">
-                <a:solidFill>
-                  <a:schemeClr val="tx1"/>
-                </a:solidFill>
-                <a:latin typeface="Arial" panose="020B0604020202020204" pitchFamily="34" charset="0"/>
-                <a:ea typeface="微软雅黑" panose="020B0503020204020204" pitchFamily="34" charset="-122"/>
-              </a:defRPr>
-            </a:lvl4pPr>
-            <a:lvl5pPr marL="2057400" indent="-228600">
-              <a:defRPr sz="3200">
-                <a:solidFill>
-                  <a:schemeClr val="tx1"/>
-                </a:solidFill>
-                <a:latin typeface="Arial" panose="020B0604020202020204" pitchFamily="34" charset="0"/>
-                <a:ea typeface="微软雅黑" panose="020B0503020204020204" pitchFamily="34" charset="-122"/>
-              </a:defRPr>
-            </a:lvl5pPr>
-            <a:lvl6pPr marL="2514600" indent="-228600" eaLnBrk="0" fontAlgn="base" hangingPunct="0">
-              <a:spcBef>
-                <a:spcPct val="0"/>
-              </a:spcBef>
-              <a:spcAft>
-                <a:spcPct val="0"/>
-              </a:spcAft>
-              <a:defRPr sz="3200">
-                <a:solidFill>
-                  <a:schemeClr val="tx1"/>
-                </a:solidFill>
-                <a:latin typeface="Arial" panose="020B0604020202020204" pitchFamily="34" charset="0"/>
-                <a:ea typeface="微软雅黑" panose="020B0503020204020204" pitchFamily="34" charset="-122"/>
-              </a:defRPr>
-            </a:lvl6pPr>
-            <a:lvl7pPr marL="2971800" indent="-228600" eaLnBrk="0" fontAlgn="base" hangingPunct="0">
-              <a:spcBef>
-                <a:spcPct val="0"/>
-              </a:spcBef>
-              <a:spcAft>
-                <a:spcPct val="0"/>
-              </a:spcAft>
-              <a:defRPr sz="3200">
-                <a:solidFill>
-                  <a:schemeClr val="tx1"/>
-                </a:solidFill>
-                <a:latin typeface="Arial" panose="020B0604020202020204" pitchFamily="34" charset="0"/>
-                <a:ea typeface="微软雅黑" panose="020B0503020204020204" pitchFamily="34" charset="-122"/>
-              </a:defRPr>
-            </a:lvl7pPr>
-            <a:lvl8pPr marL="3429000" indent="-228600" eaLnBrk="0" fontAlgn="base" hangingPunct="0">
-              <a:spcBef>
-                <a:spcPct val="0"/>
-              </a:spcBef>
-              <a:spcAft>
-                <a:spcPct val="0"/>
-              </a:spcAft>
-              <a:defRPr sz="3200">
-                <a:solidFill>
-                  <a:schemeClr val="tx1"/>
-                </a:solidFill>
-                <a:latin typeface="Arial" panose="020B0604020202020204" pitchFamily="34" charset="0"/>
-                <a:ea typeface="微软雅黑" panose="020B0503020204020204" pitchFamily="34" charset="-122"/>
-              </a:defRPr>
-            </a:lvl8pPr>
-            <a:lvl9pPr marL="3886200" indent="-228600" eaLnBrk="0" fontAlgn="base" hangingPunct="0">
-              <a:spcBef>
-                <a:spcPct val="0"/>
-              </a:spcBef>
-              <a:spcAft>
-                <a:spcPct val="0"/>
-              </a:spcAft>
-              <a:defRPr sz="3200">
-                <a:solidFill>
-                  <a:schemeClr val="tx1"/>
-                </a:solidFill>
-                <a:latin typeface="Arial" panose="020B0604020202020204" pitchFamily="34" charset="0"/>
-                <a:ea typeface="微软雅黑" panose="020B0503020204020204" pitchFamily="34" charset="-122"/>
-              </a:defRPr>
-            </a:lvl9pPr>
-          </a:lstStyle>
-          <a:p>
-            <a:pPr algn="l">
-              <a:lnSpc>
-                <a:spcPct val="150000"/>
-              </a:lnSpc>
-              <a:spcBef>
-                <a:spcPts val="1200"/>
-              </a:spcBef>
-              <a:spcAft>
-                <a:spcPts val="1200"/>
-              </a:spcAft>
-              <a:buClr>
-                <a:srgbClr val="92D050"/>
-              </a:buClr>
-              <a:buFont typeface="Wingdings" panose="05000000000000000000" pitchFamily="2" charset="2"/>
-              <a:buChar char="Ø"/>
-            </a:pPr>
-            <a:r>
-              <a:rPr lang="en-US" altLang="zh-CN" sz="2800" b="1">
-                <a:solidFill>
-                  <a:schemeClr val="tx1"/>
-                </a:solidFill>
-                <a:sym typeface="+mn-ea"/>
-              </a:rPr>
-              <a:t>JS</a:t>
-            </a:r>
-            <a:r>
-              <a:rPr lang="zh-CN" altLang="en-US" sz="2800" b="1">
-                <a:solidFill>
-                  <a:schemeClr val="tx1"/>
-                </a:solidFill>
-                <a:sym typeface="+mn-ea"/>
-              </a:rPr>
-              <a:t>对象</a:t>
-            </a:r>
-            <a:r>
-              <a:rPr lang="en-US" altLang="zh-CN" sz="2800" b="1">
-                <a:solidFill>
-                  <a:schemeClr val="tx1"/>
-                </a:solidFill>
-                <a:sym typeface="+mn-ea"/>
-              </a:rPr>
-              <a:t>-</a:t>
-            </a:r>
-            <a:r>
-              <a:rPr lang="zh-CN" altLang="en-US" sz="2800" b="1">
-                <a:solidFill>
-                  <a:schemeClr val="tx1"/>
-                </a:solidFill>
-                <a:sym typeface="+mn-ea"/>
-              </a:rPr>
-              <a:t>对象原型继承</a:t>
-            </a:r>
-            <a:endParaRPr lang="zh-CN" altLang="en-US" sz="2800" b="1">
-              <a:solidFill>
-                <a:schemeClr val="tx1"/>
-              </a:solidFill>
-              <a:sym typeface="+mn-ea"/>
-            </a:endParaRPr>
-          </a:p>
-          <a:p>
-            <a:pPr algn="l">
-              <a:lnSpc>
-                <a:spcPct val="150000"/>
-              </a:lnSpc>
-              <a:spcBef>
-                <a:spcPts val="1200"/>
-              </a:spcBef>
-              <a:spcAft>
-                <a:spcPts val="1200"/>
-              </a:spcAft>
-              <a:buClr>
-                <a:srgbClr val="92D050"/>
-              </a:buClr>
-              <a:buFont typeface="Wingdings" panose="05000000000000000000" pitchFamily="2" charset="2"/>
-              <a:buChar char="Ø"/>
-            </a:pPr>
-            <a:r>
-              <a:rPr lang="zh-CN" altLang="en-US" sz="2800" b="1">
-                <a:solidFill>
-                  <a:schemeClr val="accent3"/>
-                </a:solidFill>
-                <a:sym typeface="+mn-ea"/>
-              </a:rPr>
-              <a:t>通过构造函数模拟类</a:t>
-            </a:r>
-            <a:r>
-              <a:rPr lang="en-US" altLang="zh-CN" sz="2800" b="1">
-                <a:solidFill>
-                  <a:schemeClr val="accent3"/>
-                </a:solidFill>
-                <a:sym typeface="+mn-ea"/>
-              </a:rPr>
-              <a:t>-</a:t>
-            </a:r>
-            <a:r>
-              <a:rPr lang="zh-CN" altLang="en-US" sz="2800" b="1">
-                <a:solidFill>
-                  <a:schemeClr val="accent3"/>
-                </a:solidFill>
-                <a:sym typeface="+mn-ea"/>
-              </a:rPr>
-              <a:t>类的继承</a:t>
-            </a:r>
-            <a:endParaRPr lang="zh-CN" altLang="en-US" sz="2800" b="1">
-              <a:solidFill>
-                <a:schemeClr val="accent3"/>
-              </a:solidFill>
-              <a:sym typeface="+mn-ea"/>
-            </a:endParaRPr>
-          </a:p>
-          <a:p>
-            <a:pPr algn="l">
-              <a:lnSpc>
-                <a:spcPct val="150000"/>
-              </a:lnSpc>
-              <a:spcBef>
-                <a:spcPts val="1200"/>
-              </a:spcBef>
-              <a:spcAft>
-                <a:spcPts val="1200"/>
-              </a:spcAft>
-              <a:buClr>
-                <a:srgbClr val="92D050"/>
-              </a:buClr>
-              <a:buFont typeface="Wingdings" panose="05000000000000000000" pitchFamily="2" charset="2"/>
-              <a:buChar char="Ø"/>
-            </a:pPr>
-            <a:r>
-              <a:rPr lang="en-US" altLang="zh-CN" sz="2800" b="1">
-                <a:solidFill>
-                  <a:schemeClr val="tx1"/>
-                </a:solidFill>
-                <a:sym typeface="+mn-ea"/>
-              </a:rPr>
-              <a:t>JS</a:t>
-            </a:r>
-            <a:r>
-              <a:rPr lang="zh-CN" altLang="en-US" sz="2800" b="1">
-                <a:solidFill>
-                  <a:schemeClr val="tx1"/>
-                </a:solidFill>
-                <a:sym typeface="+mn-ea"/>
-              </a:rPr>
-              <a:t>继承补充部分</a:t>
-            </a:r>
-            <a:endParaRPr lang="zh-CN" altLang="en-US" sz="2800" b="1">
-              <a:solidFill>
-                <a:schemeClr val="tx1"/>
-              </a:solidFill>
-              <a:sym typeface="+mn-ea"/>
-            </a:endParaRPr>
-          </a:p>
-        </p:txBody>
-      </p:sp>
-      <p:sp>
-        <p:nvSpPr>
-          <p:cNvPr id="4" name="内容占位符 3"/>
-          <p:cNvSpPr txBox="1"/>
-          <p:nvPr/>
-        </p:nvSpPr>
-        <p:spPr>
-          <a:xfrm>
-            <a:off x="981657" y="236943"/>
-            <a:ext cx="8191557" cy="490476"/>
-          </a:xfrm>
-          <a:prstGeom prst="rect">
-            <a:avLst/>
-          </a:prstGeom>
-        </p:spPr>
-        <p:txBody>
-          <a:bodyPr/>
-          <a:lstStyle>
-            <a:lvl1pPr marL="167005" indent="-167005" algn="l" defTabSz="0" rtl="0" eaLnBrk="0" fontAlgn="base" hangingPunct="0">
-              <a:spcBef>
-                <a:spcPct val="0"/>
-              </a:spcBef>
-              <a:spcAft>
-                <a:spcPct val="15000"/>
-              </a:spcAft>
-              <a:buClr>
-                <a:schemeClr val="tx2"/>
-              </a:buClr>
-              <a:buFont typeface="Arial" panose="020B0604020202020204" pitchFamily="34" charset="0"/>
-              <a:buChar char="•"/>
-              <a:defRPr kumimoji="1" sz="1600">
-                <a:solidFill>
-                  <a:srgbClr val="006F53"/>
-                </a:solidFill>
-                <a:latin typeface="微软雅黑" panose="020B0503020204020204" pitchFamily="34" charset="-122"/>
-                <a:ea typeface="微软雅黑" panose="020B0503020204020204" pitchFamily="34" charset="-122"/>
-                <a:cs typeface="微软雅黑" panose="020B0503020204020204" pitchFamily="34" charset="-122"/>
-              </a:defRPr>
-            </a:lvl1pPr>
-            <a:lvl2pPr marL="398780" indent="-230505" algn="l" defTabSz="0" rtl="0" eaLnBrk="0" fontAlgn="base" hangingPunct="0">
-              <a:spcBef>
-                <a:spcPct val="0"/>
-              </a:spcBef>
-              <a:spcAft>
-                <a:spcPct val="15000"/>
-              </a:spcAft>
-              <a:buClr>
-                <a:schemeClr val="tx2"/>
-              </a:buClr>
-              <a:buFont typeface="Arial" panose="020B0604020202020204" pitchFamily="34" charset="0"/>
-              <a:buChar char="–"/>
-              <a:defRPr kumimoji="1" sz="2800">
-                <a:solidFill>
-                  <a:schemeClr val="bg2"/>
-                </a:solidFill>
-                <a:latin typeface="微软雅黑" panose="020B0503020204020204" pitchFamily="34" charset="-122"/>
-                <a:ea typeface="微软雅黑" panose="020B0503020204020204" pitchFamily="34" charset="-122"/>
-                <a:cs typeface="微软雅黑" panose="020B0503020204020204" pitchFamily="34" charset="-122"/>
-              </a:defRPr>
-            </a:lvl2pPr>
-            <a:lvl3pPr marL="400050" indent="182880" algn="l" defTabSz="0" rtl="0" eaLnBrk="0" fontAlgn="base" hangingPunct="0">
-              <a:spcBef>
-                <a:spcPct val="0"/>
-              </a:spcBef>
-              <a:spcAft>
-                <a:spcPct val="15000"/>
-              </a:spcAft>
-              <a:buClr>
-                <a:schemeClr val="tx2"/>
-              </a:buClr>
-              <a:buFont typeface="Arial" panose="020B0604020202020204" pitchFamily="34" charset="0"/>
-              <a:buChar char="•"/>
-              <a:defRPr kumimoji="1" sz="1600">
-                <a:solidFill>
-                  <a:schemeClr val="bg2"/>
-                </a:solidFill>
-                <a:latin typeface="微软雅黑" panose="020B0503020204020204" pitchFamily="34" charset="-122"/>
-                <a:ea typeface="微软雅黑" panose="020B0503020204020204" pitchFamily="34" charset="-122"/>
-                <a:cs typeface="微软雅黑" panose="020B0503020204020204" pitchFamily="34" charset="-122"/>
-              </a:defRPr>
-            </a:lvl3pPr>
-            <a:lvl4pPr marL="825500" indent="-241300" algn="l" defTabSz="0" rtl="0" eaLnBrk="0" fontAlgn="base" hangingPunct="0">
-              <a:spcBef>
-                <a:spcPct val="0"/>
-              </a:spcBef>
-              <a:spcAft>
-                <a:spcPct val="15000"/>
-              </a:spcAft>
-              <a:buClr>
-                <a:schemeClr val="tx2"/>
-              </a:buClr>
-              <a:buFont typeface="Arial" panose="020B0604020202020204" pitchFamily="34" charset="0"/>
-              <a:buChar char="–"/>
-              <a:defRPr kumimoji="1" sz="1600">
-                <a:solidFill>
-                  <a:schemeClr val="bg2"/>
-                </a:solidFill>
-                <a:latin typeface="微软雅黑" panose="020B0503020204020204" pitchFamily="34" charset="-122"/>
-                <a:ea typeface="微软雅黑" panose="020B0503020204020204" pitchFamily="34" charset="-122"/>
-                <a:cs typeface="微软雅黑" panose="020B0503020204020204" pitchFamily="34" charset="-122"/>
-              </a:defRPr>
-            </a:lvl4pPr>
-            <a:lvl5pPr marL="2057400" indent="-228600" algn="l" defTabSz="0" rtl="0" eaLnBrk="0" fontAlgn="base" hangingPunct="0">
-              <a:spcBef>
-                <a:spcPct val="0"/>
-              </a:spcBef>
-              <a:spcAft>
-                <a:spcPct val="25000"/>
-              </a:spcAft>
-              <a:buClr>
-                <a:schemeClr val="tx2"/>
-              </a:buClr>
-              <a:buFont typeface="Arial" panose="020B0604020202020204" pitchFamily="34" charset="0"/>
-              <a:buChar char="–"/>
-              <a:defRPr kumimoji="1" sz="2000">
-                <a:solidFill>
-                  <a:schemeClr val="tx1"/>
-                </a:solidFill>
-                <a:latin typeface="+mn-lt"/>
-                <a:ea typeface="微软雅黑" panose="020B0503020204020204" pitchFamily="34" charset="-122"/>
-                <a:cs typeface="微软雅黑" panose="020B0503020204020204" pitchFamily="34" charset="-122"/>
-              </a:defRPr>
-            </a:lvl5pPr>
-            <a:lvl6pPr marL="2514600" indent="-228600" algn="l" defTabSz="0" rtl="0" eaLnBrk="0" fontAlgn="base" hangingPunct="0">
-              <a:spcBef>
-                <a:spcPct val="0"/>
-              </a:spcBef>
-              <a:spcAft>
-                <a:spcPct val="25000"/>
-              </a:spcAft>
-              <a:buClr>
-                <a:schemeClr val="tx2"/>
-              </a:buClr>
-              <a:buFont typeface="Arial" panose="020B0604020202020204" pitchFamily="34" charset="0"/>
-              <a:buChar char="–"/>
-              <a:defRPr>
-                <a:solidFill>
-                  <a:schemeClr val="tx1"/>
-                </a:solidFill>
-                <a:latin typeface="+mn-lt"/>
-              </a:defRPr>
-            </a:lvl6pPr>
-            <a:lvl7pPr marL="2971800" indent="-228600" algn="l" defTabSz="0" rtl="0" eaLnBrk="0" fontAlgn="base" hangingPunct="0">
-              <a:spcBef>
-                <a:spcPct val="0"/>
-              </a:spcBef>
-              <a:spcAft>
-                <a:spcPct val="25000"/>
-              </a:spcAft>
-              <a:buClr>
-                <a:schemeClr val="tx2"/>
-              </a:buClr>
-              <a:buFont typeface="Arial" panose="020B0604020202020204" pitchFamily="34" charset="0"/>
-              <a:buChar char="–"/>
-              <a:defRPr>
-                <a:solidFill>
-                  <a:schemeClr val="tx1"/>
-                </a:solidFill>
-                <a:latin typeface="+mn-lt"/>
-              </a:defRPr>
-            </a:lvl7pPr>
-            <a:lvl8pPr marL="3429000" indent="-228600" algn="l" defTabSz="0" rtl="0" eaLnBrk="0" fontAlgn="base" hangingPunct="0">
-              <a:spcBef>
-                <a:spcPct val="0"/>
-              </a:spcBef>
-              <a:spcAft>
-                <a:spcPct val="25000"/>
-              </a:spcAft>
-              <a:buClr>
-                <a:schemeClr val="tx2"/>
-              </a:buClr>
-              <a:buFont typeface="Arial" panose="020B0604020202020204" pitchFamily="34" charset="0"/>
-              <a:buChar char="–"/>
-              <a:defRPr>
-                <a:solidFill>
-                  <a:schemeClr val="tx1"/>
-                </a:solidFill>
-                <a:latin typeface="+mn-lt"/>
-              </a:defRPr>
-            </a:lvl8pPr>
-            <a:lvl9pPr marL="3886200" indent="-228600" algn="l" defTabSz="0" rtl="0" eaLnBrk="0" fontAlgn="base" hangingPunct="0">
-              <a:spcBef>
-                <a:spcPct val="0"/>
-              </a:spcBef>
-              <a:spcAft>
-                <a:spcPct val="25000"/>
-              </a:spcAft>
-              <a:buClr>
-                <a:schemeClr val="tx2"/>
-              </a:buClr>
-              <a:buFont typeface="Arial" panose="020B0604020202020204" pitchFamily="34" charset="0"/>
-              <a:buChar char="–"/>
-              <a:defRPr>
-                <a:solidFill>
-                  <a:schemeClr val="tx1"/>
-                </a:solidFill>
-                <a:latin typeface="+mn-lt"/>
-              </a:defRPr>
-            </a:lvl9pPr>
-          </a:lstStyle>
-          <a:p>
-            <a:pPr marL="0" indent="0">
-              <a:buNone/>
-            </a:pPr>
-            <a:r>
-              <a:rPr lang="zh-CN" altLang="en-US" sz="3200" dirty="0" smtClean="0">
-                <a:solidFill>
-                  <a:srgbClr val="C00000"/>
-                </a:solidFill>
-                <a:cs typeface="+mn-cs"/>
-                <a:sym typeface="+mn-ea"/>
-              </a:rPr>
-              <a:t>内容提纲</a:t>
-            </a:r>
-            <a:endParaRPr lang="zh-CN" altLang="en-US" kern="0" dirty="0"/>
-          </a:p>
-        </p:txBody>
-      </p:sp>
-    </p:spTree>
-  </p:cSld>
-  <p:clrMapOvr>
-    <a:masterClrMapping/>
-  </p:clrMapOvr>
-  <p:timing>
-    <p:tnLst>
-      <p:par>
-        <p:cTn id="1" dur="indefinite" restart="never" nodeType="tmRoot"/>
-      </p:par>
-    </p:tnLst>
-  </p:timing>
-</p:sld>
-</file>
-
-<file path=ppt/slides/slide22.xml><?xml version="1.0" encoding="utf-8"?>
-<p:sld xmlns:a="http://schemas.openxmlformats.org/drawingml/2006/main" xmlns:r="http://schemas.openxmlformats.org/officeDocument/2006/relationships" xmlns:p="http://schemas.openxmlformats.org/presentationml/2006/main">
-  <p:cSld>
-    <p:spTree>
-      <p:nvGrpSpPr>
-        <p:cNvPr id="1" name=""/>
-        <p:cNvGrpSpPr/>
-        <p:nvPr/>
-      </p:nvGrpSpPr>
-      <p:grpSpPr>
-        <a:xfrm>
-          <a:off x="0" y="0"/>
-          <a:ext cx="0" cy="0"/>
-          <a:chOff x="0" y="0"/>
-          <a:chExt cx="0" cy="0"/>
-        </a:xfrm>
-      </p:grpSpPr>
-      <p:sp>
-        <p:nvSpPr>
-          <p:cNvPr id="3" name="内容占位符 2"/>
-          <p:cNvSpPr>
-            <a:spLocks noGrp="1"/>
-          </p:cNvSpPr>
-          <p:nvPr>
-            <p:ph sz="quarter" idx="11"/>
-          </p:nvPr>
-        </p:nvSpPr>
-        <p:spPr>
-          <a:xfrm>
-            <a:off x="947204" y="308698"/>
-            <a:ext cx="8191557" cy="490476"/>
-          </a:xfrm>
-        </p:spPr>
-        <p:txBody>
-          <a:bodyPr/>
-          <a:p>
-            <a:r>
-              <a:rPr kumimoji="0" lang="zh-CN" altLang="en-US" b="0" dirty="0">
-                <a:solidFill>
-                  <a:srgbClr val="C00000"/>
-                </a:solidFill>
-                <a:sym typeface="+mn-ea"/>
-              </a:rPr>
-              <a:t>模拟类</a:t>
-            </a:r>
-            <a:r>
-              <a:rPr kumimoji="0" lang="en-US" altLang="zh-CN" b="0" dirty="0">
-                <a:solidFill>
-                  <a:srgbClr val="C00000"/>
-                </a:solidFill>
-                <a:sym typeface="+mn-ea"/>
-              </a:rPr>
-              <a:t>-</a:t>
-            </a:r>
-            <a:r>
-              <a:rPr kumimoji="0" lang="zh-CN" altLang="en-US" b="0" dirty="0">
-                <a:solidFill>
-                  <a:srgbClr val="C00000"/>
-                </a:solidFill>
-                <a:sym typeface="+mn-ea"/>
-              </a:rPr>
-              <a:t>类继承的形式 一 （避免原型共享）</a:t>
-            </a:r>
-            <a:endParaRPr kumimoji="0" lang="en-US" altLang="zh-CN" b="0" dirty="0" smtClean="0">
-              <a:solidFill>
-                <a:srgbClr val="C00000"/>
-              </a:solidFill>
-              <a:latin typeface="微软雅黑" panose="020B0503020204020204" pitchFamily="34" charset="-122"/>
-              <a:ea typeface="微软雅黑" panose="020B0503020204020204" pitchFamily="34" charset="-122"/>
-              <a:sym typeface="+mn-ea"/>
-            </a:endParaRPr>
-          </a:p>
-          <a:p>
-            <a:endParaRPr kumimoji="0" lang="zh-CN" altLang="en-US" b="0" dirty="0">
-              <a:solidFill>
-                <a:srgbClr val="C00000"/>
-              </a:solidFill>
-            </a:endParaRPr>
-          </a:p>
-          <a:p>
-            <a:endParaRPr lang="zh-CN" altLang="en-US" dirty="0"/>
-          </a:p>
-        </p:txBody>
-      </p:sp>
-      <p:pic>
-        <p:nvPicPr>
-          <p:cNvPr id="5" name="图片 4"/>
-          <p:cNvPicPr>
-            <a:picLocks noChangeAspect="1"/>
-          </p:cNvPicPr>
-          <p:nvPr/>
-        </p:nvPicPr>
-        <p:blipFill>
-          <a:blip r:embed="rId1"/>
-          <a:stretch>
-            <a:fillRect/>
-          </a:stretch>
-        </p:blipFill>
-        <p:spPr>
-          <a:xfrm>
-            <a:off x="1019175" y="1053465"/>
-            <a:ext cx="8025130" cy="4841875"/>
-          </a:xfrm>
-          <a:prstGeom prst="rect">
-            <a:avLst/>
-          </a:prstGeom>
-        </p:spPr>
-      </p:pic>
-      <p:sp>
-        <p:nvSpPr>
-          <p:cNvPr id="6" name="文本框 5"/>
-          <p:cNvSpPr txBox="1"/>
-          <p:nvPr/>
-        </p:nvSpPr>
-        <p:spPr>
-          <a:xfrm>
-            <a:off x="6195060" y="2745740"/>
-            <a:ext cx="5666105" cy="1783715"/>
-          </a:xfrm>
-          <a:prstGeom prst="rect">
-            <a:avLst/>
-          </a:prstGeom>
-          <a:noFill/>
-        </p:spPr>
-        <p:txBody>
-          <a:bodyPr wrap="square" rtlCol="0">
-            <a:spAutoFit/>
-          </a:bodyPr>
-          <a:p>
-            <a:pPr algn="l"/>
-            <a:r>
-              <a:rPr lang="zh-CN" altLang="en-US" sz="2200">
-                <a:solidFill>
-                  <a:srgbClr val="FF0000"/>
-                </a:solidFill>
-                <a:latin typeface="+mn-ea"/>
-                <a:ea typeface="+mn-ea"/>
-              </a:rPr>
-              <a:t>思考：</a:t>
-            </a:r>
-            <a:r>
-              <a:rPr lang="en-US" altLang="zh-CN" sz="2200">
-                <a:solidFill>
-                  <a:srgbClr val="FF0000"/>
-                </a:solidFill>
-                <a:latin typeface="+mn-ea"/>
-                <a:ea typeface="+mn-ea"/>
-              </a:rPr>
-              <a:t>name</a:t>
-            </a:r>
-            <a:r>
-              <a:rPr lang="zh-CN" altLang="en-US" sz="2200">
-                <a:solidFill>
-                  <a:srgbClr val="FF0000"/>
-                </a:solidFill>
-                <a:latin typeface="+mn-ea"/>
-                <a:ea typeface="+mn-ea"/>
-              </a:rPr>
-              <a:t>属性添加到哪个对象上了？</a:t>
-            </a:r>
-            <a:r>
-              <a:rPr lang="en-US" altLang="zh-CN" sz="2200">
-                <a:solidFill>
-                  <a:srgbClr val="FF0000"/>
-                </a:solidFill>
-                <a:latin typeface="+mn-ea"/>
-                <a:ea typeface="+mn-ea"/>
-              </a:rPr>
-              <a:t>Person.prototype</a:t>
-            </a:r>
-            <a:r>
-              <a:rPr lang="zh-CN" altLang="en-US" sz="2200">
-                <a:solidFill>
-                  <a:srgbClr val="FF0000"/>
-                </a:solidFill>
-                <a:latin typeface="+mn-ea"/>
-                <a:ea typeface="+mn-ea"/>
-              </a:rPr>
-              <a:t>、</a:t>
-            </a:r>
-            <a:r>
-              <a:rPr lang="en-US" altLang="zh-CN" sz="2200">
-                <a:solidFill>
-                  <a:srgbClr val="FF0000"/>
-                </a:solidFill>
-                <a:latin typeface="+mn-ea"/>
-                <a:ea typeface="+mn-ea"/>
-              </a:rPr>
-              <a:t>Student.prototype</a:t>
-            </a:r>
-            <a:r>
-              <a:rPr lang="zh-CN" altLang="en-US" sz="2200">
-                <a:solidFill>
-                  <a:srgbClr val="FF0000"/>
-                </a:solidFill>
-                <a:latin typeface="+mn-ea"/>
-                <a:ea typeface="+mn-ea"/>
-              </a:rPr>
-              <a:t>还是实例化的对象上？</a:t>
-            </a:r>
-            <a:endParaRPr lang="zh-CN" altLang="en-US" sz="2200">
-              <a:solidFill>
-                <a:srgbClr val="FF0000"/>
-              </a:solidFill>
-              <a:latin typeface="+mn-ea"/>
-              <a:ea typeface="+mn-ea"/>
-            </a:endParaRPr>
-          </a:p>
-          <a:p>
-            <a:pPr algn="l"/>
-            <a:r>
-              <a:rPr lang="zh-CN" altLang="en-US" sz="2200">
-                <a:latin typeface="+mn-ea"/>
-                <a:ea typeface="+mn-ea"/>
-                <a:sym typeface="+mn-ea"/>
-              </a:rPr>
-              <a:t>推荐：将</a:t>
-            </a:r>
-            <a:r>
-              <a:rPr lang="zh-CN" altLang="en-US" sz="2200">
-                <a:solidFill>
-                  <a:schemeClr val="accent3"/>
-                </a:solidFill>
-                <a:latin typeface="+mn-ea"/>
-                <a:ea typeface="+mn-ea"/>
-                <a:sym typeface="+mn-ea"/>
-              </a:rPr>
-              <a:t>方法</a:t>
-            </a:r>
-            <a:r>
-              <a:rPr lang="zh-CN" altLang="en-US" sz="2200">
-                <a:latin typeface="+mn-ea"/>
-                <a:ea typeface="+mn-ea"/>
-                <a:sym typeface="+mn-ea"/>
-              </a:rPr>
-              <a:t>添加到对象的原型上（即构造函数的</a:t>
-            </a:r>
-            <a:r>
-              <a:rPr lang="en-US" altLang="zh-CN" sz="2200">
-                <a:latin typeface="+mn-ea"/>
-                <a:ea typeface="+mn-ea"/>
-                <a:sym typeface="+mn-ea"/>
-              </a:rPr>
-              <a:t>prototype</a:t>
-            </a:r>
-            <a:r>
-              <a:rPr lang="zh-CN" altLang="en-US" sz="2200">
-                <a:latin typeface="+mn-ea"/>
-                <a:ea typeface="+mn-ea"/>
-                <a:sym typeface="+mn-ea"/>
-              </a:rPr>
-              <a:t>上）便于共享，节省内存</a:t>
-            </a:r>
-            <a:endParaRPr lang="zh-CN" altLang="en-US" sz="2200">
-              <a:solidFill>
-                <a:srgbClr val="FF0000"/>
-              </a:solidFill>
-              <a:latin typeface="+mn-ea"/>
-              <a:ea typeface="+mn-ea"/>
-            </a:endParaRPr>
-          </a:p>
-        </p:txBody>
-      </p:sp>
-      <p:sp>
-        <p:nvSpPr>
-          <p:cNvPr id="2" name="文本框 1"/>
-          <p:cNvSpPr txBox="1"/>
-          <p:nvPr/>
-        </p:nvSpPr>
-        <p:spPr>
-          <a:xfrm>
-            <a:off x="6229350" y="6036945"/>
-            <a:ext cx="5420360" cy="429895"/>
-          </a:xfrm>
-          <a:prstGeom prst="rect">
-            <a:avLst/>
-          </a:prstGeom>
-          <a:noFill/>
-        </p:spPr>
-        <p:txBody>
-          <a:bodyPr wrap="square" rtlCol="0">
-            <a:spAutoFit/>
-          </a:bodyPr>
-          <a:p>
-            <a:pPr algn="l"/>
-            <a:r>
-              <a:rPr lang="zh-CN" altLang="en-US" sz="2200">
-                <a:solidFill>
-                  <a:srgbClr val="FF0000"/>
-                </a:solidFill>
-                <a:latin typeface="+mn-ea"/>
-                <a:ea typeface="+mn-ea"/>
-              </a:rPr>
-              <a:t>参见实例</a:t>
-            </a:r>
-            <a:r>
-              <a:rPr lang="en-US" altLang="zh-CN" sz="2200">
-                <a:solidFill>
-                  <a:srgbClr val="FF0000"/>
-                </a:solidFill>
-                <a:latin typeface="+mn-ea"/>
-                <a:ea typeface="+mn-ea"/>
-              </a:rPr>
-              <a:t>demo09 Part1</a:t>
-            </a:r>
-            <a:endParaRPr lang="zh-CN" altLang="en-US" sz="2200">
-              <a:solidFill>
-                <a:srgbClr val="FF0000"/>
-              </a:solidFill>
-              <a:latin typeface="+mn-ea"/>
-              <a:ea typeface="+mn-ea"/>
-            </a:endParaRPr>
-          </a:p>
-        </p:txBody>
-      </p:sp>
-    </p:spTree>
-  </p:cSld>
-  <p:clrMapOvr>
-    <a:masterClrMapping/>
-  </p:clrMapOvr>
-  <p:timing>
-    <p:tnLst>
-      <p:par>
-        <p:cTn id="1" dur="indefinite" restart="never" fill="hold" nodeType="tmRoot">
-          <p:childTnLst>
-            <p:seq concurrent="1" nextAc="seek">
-              <p:cTn id="2" dur="indefinite" fill="hold" nodeType="mainSeq">
-                <p:childTnLst>
-                  <p:par>
-                    <p:cTn id="3" fill="hold">
-                      <p:stCondLst>
-                        <p:cond delay="indefinite"/>
-                        <p:cond evt="onBegin" delay="0">
-                          <p:tn val="2"/>
-                        </p:cond>
-                      </p:stCondLst>
-                      <p:childTnLst>
-                        <p:par>
-                          <p:cTn id="4" fill="hold">
-                            <p:stCondLst>
-                              <p:cond delay="0"/>
-                            </p:stCondLst>
-                            <p:childTnLst>
-                              <p:par>
-                                <p:cTn id="5" presetID="2" presetClass="entr" presetSubtype="4" fill="hold" grpId="0" nodeType="afterEffect">
-                                  <p:stCondLst>
-                                    <p:cond delay="0"/>
-                                  </p:stCondLst>
-                                  <p:childTnLst>
-                                    <p:set>
-                                      <p:cBhvr>
-                                        <p:cTn id="6" dur="1" fill="hold">
-                                          <p:stCondLst>
-                                            <p:cond delay="0"/>
-                                          </p:stCondLst>
-                                        </p:cTn>
-                                        <p:tgtEl>
-                                          <p:spTgt spid="6"/>
-                                        </p:tgtEl>
-                                        <p:attrNameLst>
-                                          <p:attrName>style.visibility</p:attrName>
-                                        </p:attrNameLst>
-                                      </p:cBhvr>
-                                      <p:to>
-                                        <p:strVal val="visible"/>
-                                      </p:to>
-                                    </p:set>
-                                    <p:anim calcmode="lin" valueType="num">
-                                      <p:cBhvr additive="base">
-                                        <p:cTn id="7" dur="500" fill="hold"/>
-                                        <p:tgtEl>
-                                          <p:spTgt spid="6"/>
-                                        </p:tgtEl>
-                                        <p:attrNameLst>
-                                          <p:attrName>ppt_x</p:attrName>
-                                        </p:attrNameLst>
-                                      </p:cBhvr>
-                                      <p:tavLst>
-                                        <p:tav tm="0">
-                                          <p:val>
-                                            <p:strVal val="#ppt_x"/>
-                                          </p:val>
-                                        </p:tav>
-                                        <p:tav tm="100000">
-                                          <p:val>
-                                            <p:strVal val="#ppt_x"/>
-                                          </p:val>
-                                        </p:tav>
-                                      </p:tavLst>
-                                    </p:anim>
-                                    <p:anim calcmode="lin" valueType="num">
-                                      <p:cBhvr additive="base">
-                                        <p:cTn id="8" dur="500" fill="hold"/>
-                                        <p:tgtEl>
-                                          <p:spTgt spid="6"/>
-                                        </p:tgtEl>
-                                        <p:attrNameLst>
-                                          <p:attrName>ppt_y</p:attrName>
-                                        </p:attrNameLst>
-                                      </p:cBhvr>
-                                      <p:tavLst>
-                                        <p:tav tm="0">
-                                          <p:val>
-                                            <p:strVal val="1+#ppt_h/2"/>
-                                          </p:val>
-                                        </p:tav>
-                                        <p:tav tm="100000">
-                                          <p:val>
-                                            <p:strVal val="#ppt_y"/>
-                                          </p:val>
-                                        </p:tav>
-                                      </p:tavLst>
-                                    </p:anim>
-                                  </p:childTnLst>
-                                </p:cTn>
-                              </p:par>
-                            </p:childTnLst>
-                          </p:cTn>
-                        </p:par>
-                        <p:par>
-                          <p:cTn id="9" fill="hold">
-                            <p:stCondLst>
-                              <p:cond delay="500"/>
-                            </p:stCondLst>
-                            <p:childTnLst>
-                              <p:par>
-                                <p:cTn id="10" presetID="2" presetClass="entr" presetSubtype="4" fill="hold" grpId="0" nodeType="afterEffect">
-                                  <p:stCondLst>
-                                    <p:cond delay="0"/>
-                                  </p:stCondLst>
-                                  <p:childTnLst>
-                                    <p:set>
-                                      <p:cBhvr>
-                                        <p:cTn id="11" dur="1" fill="hold">
-                                          <p:stCondLst>
-                                            <p:cond delay="0"/>
-                                          </p:stCondLst>
-                                        </p:cTn>
-                                        <p:tgtEl>
-                                          <p:spTgt spid="2"/>
-                                        </p:tgtEl>
-                                        <p:attrNameLst>
-                                          <p:attrName>style.visibility</p:attrName>
-                                        </p:attrNameLst>
-                                      </p:cBhvr>
-                                      <p:to>
-                                        <p:strVal val="visible"/>
-                                      </p:to>
-                                    </p:set>
-                                    <p:anim calcmode="lin" valueType="num">
-                                      <p:cBhvr additive="base">
-                                        <p:cTn id="12" dur="500" fill="hold"/>
                                         <p:tgtEl>
                                           <p:spTgt spid="2"/>
                                         </p:tgtEl>
@@ -17126,7 +17387,7 @@
                                     </p:anim>
                                     <p:anim calcmode="lin" valueType="num">
                                       <p:cBhvr additive="base">
-                                        <p:cTn id="13" dur="500" fill="hold"/>
+                                        <p:cTn id="18" dur="500" fill="hold"/>
                                         <p:tgtEl>
                                           <p:spTgt spid="2"/>
                                         </p:tgtEl>
@@ -17425,6 +17686,97 @@
                                         <p:cTn id="8" dur="500" fill="hold"/>
                                         <p:tgtEl>
                                           <p:spTgt spid="2"/>
+                                        </p:tgtEl>
+                                        <p:attrNameLst>
+                                          <p:attrName>ppt_y</p:attrName>
+                                        </p:attrNameLst>
+                                      </p:cBhvr>
+                                      <p:tavLst>
+                                        <p:tav tm="0">
+                                          <p:val>
+                                            <p:strVal val="1+#ppt_h/2"/>
+                                          </p:val>
+                                        </p:tav>
+                                        <p:tav tm="100000">
+                                          <p:val>
+                                            <p:strVal val="#ppt_y"/>
+                                          </p:val>
+                                        </p:tav>
+                                      </p:tavLst>
+                                    </p:anim>
+                                  </p:childTnLst>
+                                </p:cTn>
+                              </p:par>
+                            </p:childTnLst>
+                          </p:cTn>
+                        </p:par>
+                      </p:childTnLst>
+                    </p:cTn>
+                  </p:par>
+                  <p:par>
+                    <p:cTn id="9" fill="hold">
+                      <p:stCondLst>
+                        <p:cond delay="indefinite"/>
+                      </p:stCondLst>
+                      <p:childTnLst>
+                        <p:par>
+                          <p:cTn id="10" fill="hold">
+                            <p:stCondLst>
+                              <p:cond delay="0"/>
+                            </p:stCondLst>
+                            <p:childTnLst>
+                              <p:par>
+                                <p:cTn id="11" presetID="2" presetClass="entr" presetSubtype="4" fill="hold" nodeType="clickEffect">
+                                  <p:stCondLst>
+                                    <p:cond delay="0"/>
+                                  </p:stCondLst>
+                                  <p:childTnLst>
+                                    <p:set>
+                                      <p:cBhvr>
+                                        <p:cTn id="12" dur="1" fill="hold">
+                                          <p:stCondLst>
+                                            <p:cond delay="0"/>
+                                          </p:stCondLst>
+                                        </p:cTn>
+                                        <p:tgtEl>
+                                          <p:spTgt spid="4"/>
+                                        </p:tgtEl>
+                                        <p:attrNameLst>
+                                          <p:attrName>style.visibility</p:attrName>
+                                        </p:attrNameLst>
+                                      </p:cBhvr>
+                                      <p:to>
+                                        <p:strVal val="visible"/>
+                                      </p:to>
+                                    </p:set>
+                                    <p:anim calcmode="lin" valueType="num">
+                                      <p:cBhvr additive="base">
+                                        <p:cTn id="13" dur="500" fill="hold"/>
+                                        <p:tgtEl>
+                                          <p:spTgt spid="4"/>
+                                        </p:tgtEl>
+                                        <p:attrNameLst>
+                                          <p:attrName>ppt_x</p:attrName>
+                                        </p:attrNameLst>
+                                      </p:cBhvr>
+                                      <p:tavLst>
+                                        <p:tav tm="0">
+                                          <p:val>
+                                            <p:strVal val="#ppt_x"/>
+                                          </p:val>
+                                        </p:tav>
+                                        <p:tav tm="100000">
+                                          <p:val>
+                                            <p:strVal val="#ppt_x"/>
+                                          </p:val>
+                                        </p:tav>
+                                      </p:tavLst>
+                                    </p:anim>
+                                    <p:anim calcmode="lin" valueType="num">
+                                      <p:cBhvr additive="base">
+                                        <p:cTn id="14" dur="500" fill="hold"/>
+                                        <p:tgtEl>
+                                          <p:spTgt spid="4"/>
                                         </p:tgtEl>
                                         <p:attrNameLst>
                                           <p:attrName>ppt_y</p:attrName>

--- a/课程PPT/07.JavaScript面向对象编程 一.pptx
+++ b/课程PPT/07.JavaScript面向对象编程 一.pptx
@@ -27,16 +27,20 @@
     <p:sldId id="1259" r:id="rId20"/>
     <p:sldId id="1267" r:id="rId21"/>
     <p:sldId id="1275" r:id="rId22"/>
-    <p:sldId id="1277" r:id="rId23"/>
-    <p:sldId id="1276" r:id="rId24"/>
-    <p:sldId id="1191" r:id="rId25"/>
-    <p:sldId id="1273" r:id="rId26"/>
-    <p:sldId id="1278" r:id="rId27"/>
-    <p:sldId id="1203" r:id="rId28"/>
-    <p:sldId id="1285" r:id="rId29"/>
-    <p:sldId id="1198" r:id="rId30"/>
-    <p:sldId id="1287" r:id="rId31"/>
-    <p:sldId id="1286" r:id="rId32"/>
+    <p:sldId id="1289" r:id="rId23"/>
+    <p:sldId id="1290" r:id="rId24"/>
+    <p:sldId id="1276" r:id="rId25"/>
+    <p:sldId id="1191" r:id="rId26"/>
+    <p:sldId id="1292" r:id="rId27"/>
+    <p:sldId id="1273" r:id="rId28"/>
+    <p:sldId id="1278" r:id="rId29"/>
+    <p:sldId id="1203" r:id="rId30"/>
+    <p:sldId id="1285" r:id="rId31"/>
+    <p:sldId id="1293" r:id="rId32"/>
+    <p:sldId id="1286" r:id="rId33"/>
+    <p:sldId id="1291" r:id="rId34"/>
+    <p:sldId id="1198" r:id="rId35"/>
+    <p:sldId id="1287" r:id="rId36"/>
   </p:sldIdLst>
   <p:sldSz cx="12192000" cy="6858000"/>
   <p:notesSz cx="6797675" cy="9928225"/>
@@ -1618,30 +1622,70 @@
         <p:cNvGrpSpPr/>
         <p:nvPr/>
       </p:nvGrpSpPr>
-      <p:grpSpPr/>
+      <p:grpSpPr>
+        <a:xfrm>
+          <a:off x="0" y="0"/>
+          <a:ext cx="0" cy="0"/>
+          <a:chOff x="0" y="0"/>
+          <a:chExt cx="0" cy="0"/>
+        </a:xfrm>
+      </p:grpSpPr>
       <p:sp>
         <p:nvSpPr>
           <p:cNvPr id="2" name="幻灯片图像占位符 1"/>
-          <p:cNvSpPr/>
+          <p:cNvSpPr>
+            <a:spLocks noGrp="1" noRot="1" noChangeAspect="1"/>
+          </p:cNvSpPr>
           <p:nvPr>
-            <p:ph type="sldImg" idx="2"/>
+            <p:ph type="sldImg"/>
           </p:nvPr>
         </p:nvSpPr>
         <p:spPr/>
       </p:sp>
       <p:sp>
         <p:nvSpPr>
-          <p:cNvPr id="3" name="文本占位符 2"/>
-          <p:cNvSpPr/>
+          <p:cNvPr id="3" name="备注占位符 2"/>
+          <p:cNvSpPr>
+            <a:spLocks noGrp="1"/>
+          </p:cNvSpPr>
           <p:nvPr>
-            <p:ph type="body" idx="3"/>
+            <p:ph type="body" idx="1"/>
           </p:nvPr>
         </p:nvSpPr>
         <p:spPr/>
         <p:txBody>
           <a:bodyPr/>
-          <a:p>
-            <a:endParaRPr lang="zh-CN" altLang="en-US"/>
+          <a:lstStyle/>
+          <a:p>
+            <a:endParaRPr lang="zh-CN" altLang="en-US" dirty="0" smtClean="0"/>
+          </a:p>
+          <a:p>
+            <a:endParaRPr lang="zh-CN" altLang="en-US" dirty="0"/>
+          </a:p>
+        </p:txBody>
+      </p:sp>
+      <p:sp>
+        <p:nvSpPr>
+          <p:cNvPr id="4" name="灯片编号占位符 3"/>
+          <p:cNvSpPr>
+            <a:spLocks noGrp="1"/>
+          </p:cNvSpPr>
+          <p:nvPr>
+            <p:ph type="sldNum" sz="quarter" idx="10"/>
+          </p:nvPr>
+        </p:nvSpPr>
+        <p:spPr/>
+        <p:txBody>
+          <a:bodyPr/>
+          <a:lstStyle/>
+          <a:p>
+            <a:pPr>
+              <a:defRPr/>
+            </a:pPr>
+            <a:fld id="{50FA7BE5-9B7D-4F20-881C-9A0B90E6FF72}" type="slidenum">
+              <a:rPr lang="zh-CN" altLang="zh-CN" smtClean="0"/>
+            </a:fld>
+            <a:endParaRPr lang="zh-CN" altLang="zh-CN"/>
           </a:p>
         </p:txBody>
       </p:sp>
@@ -1706,54 +1750,70 @@
         <p:cNvGrpSpPr/>
         <p:nvPr/>
       </p:nvGrpSpPr>
-      <p:grpSpPr/>
+      <p:grpSpPr>
+        <a:xfrm>
+          <a:off x="0" y="0"/>
+          <a:ext cx="0" cy="0"/>
+          <a:chOff x="0" y="0"/>
+          <a:chExt cx="0" cy="0"/>
+        </a:xfrm>
+      </p:grpSpPr>
       <p:sp>
         <p:nvSpPr>
           <p:cNvPr id="2" name="幻灯片图像占位符 1"/>
-          <p:cNvSpPr/>
+          <p:cNvSpPr>
+            <a:spLocks noGrp="1" noRot="1" noChangeAspect="1"/>
+          </p:cNvSpPr>
           <p:nvPr>
-            <p:ph type="sldImg" idx="2"/>
+            <p:ph type="sldImg"/>
           </p:nvPr>
         </p:nvSpPr>
         <p:spPr/>
       </p:sp>
       <p:sp>
         <p:nvSpPr>
-          <p:cNvPr id="3" name="文本占位符 2"/>
-          <p:cNvSpPr/>
+          <p:cNvPr id="3" name="备注占位符 2"/>
+          <p:cNvSpPr>
+            <a:spLocks noGrp="1"/>
+          </p:cNvSpPr>
           <p:nvPr>
-            <p:ph type="body" idx="3"/>
+            <p:ph type="body" idx="1"/>
           </p:nvPr>
         </p:nvSpPr>
         <p:spPr/>
         <p:txBody>
           <a:bodyPr/>
-          <a:p>
-            <a:r>
-              <a:rPr lang="zh-CN" altLang="en-US"/>
-              <a:t> 继承是OO语言中一个重要的特性和概念。许多的OO语言中都支持两种继承方式：接口继承和实现继承。</a:t>
-            </a:r>
-            <a:endParaRPr lang="zh-CN" altLang="en-US"/>
-          </a:p>
-          <a:p>
-            <a:endParaRPr lang="zh-CN" altLang="en-US"/>
-          </a:p>
-          <a:p>
-            <a:r>
-              <a:rPr lang="zh-CN" altLang="en-US"/>
-              <a:t>ECMAScript支持实现继承，其实现继承主要是靠原型链来实现。在PHP语言中，是使用extend来实现继承。那么我们就先来讲讲原型链。</a:t>
-            </a:r>
-            <a:endParaRPr lang="zh-CN" altLang="en-US"/>
-          </a:p>
-          <a:p>
-            <a:endParaRPr lang="zh-CN" altLang="en-US"/>
-          </a:p>
-          <a:p>
-            <a:r>
-              <a:rPr lang="zh-CN" altLang="en-US"/>
-              <a:t>原型链的基本思想是利用原型让一个引用类型继承另一个引用类型的属性和方法</a:t>
-            </a:r>
-            <a:endParaRPr lang="zh-CN" altLang="en-US"/>
+          <a:lstStyle/>
+          <a:p>
+            <a:endParaRPr lang="zh-CN" altLang="en-US" dirty="0" smtClean="0"/>
+          </a:p>
+          <a:p>
+            <a:endParaRPr lang="zh-CN" altLang="en-US" dirty="0"/>
+          </a:p>
+        </p:txBody>
+      </p:sp>
+      <p:sp>
+        <p:nvSpPr>
+          <p:cNvPr id="4" name="灯片编号占位符 3"/>
+          <p:cNvSpPr>
+            <a:spLocks noGrp="1"/>
+          </p:cNvSpPr>
+          <p:nvPr>
+            <p:ph type="sldNum" sz="quarter" idx="10"/>
+          </p:nvPr>
+        </p:nvSpPr>
+        <p:spPr/>
+        <p:txBody>
+          <a:bodyPr/>
+          <a:lstStyle/>
+          <a:p>
+            <a:pPr>
+              <a:defRPr/>
+            </a:pPr>
+            <a:fld id="{50FA7BE5-9B7D-4F20-881C-9A0B90E6FF72}" type="slidenum">
+              <a:rPr lang="zh-CN" altLang="zh-CN" smtClean="0"/>
+            </a:fld>
+            <a:endParaRPr lang="zh-CN" altLang="zh-CN"/>
           </a:p>
         </p:txBody>
       </p:sp>
@@ -1931,30 +1991,6 @@
         <p:txBody>
           <a:bodyPr/>
           <a:p>
-            <a:r>
-              <a:rPr lang="zh-CN" altLang="en-US"/>
-              <a:t> 继承是OO语言中一个重要的特性和概念。许多的OO语言中都支持两种继承方式：接口继承和实现继承。</a:t>
-            </a:r>
-            <a:endParaRPr lang="zh-CN" altLang="en-US"/>
-          </a:p>
-          <a:p>
-            <a:endParaRPr lang="zh-CN" altLang="en-US"/>
-          </a:p>
-          <a:p>
-            <a:r>
-              <a:rPr lang="zh-CN" altLang="en-US"/>
-              <a:t>ECMAScript支持实现继承，其实现继承主要是靠原型链来实现。在PHP语言中，是使用extend来实现继承。那么我们就先来讲讲原型链。</a:t>
-            </a:r>
-            <a:endParaRPr lang="zh-CN" altLang="en-US"/>
-          </a:p>
-          <a:p>
-            <a:endParaRPr lang="zh-CN" altLang="en-US"/>
-          </a:p>
-          <a:p>
-            <a:r>
-              <a:rPr lang="zh-CN" altLang="en-US"/>
-              <a:t>原型链的基本思想是利用原型让一个引用类型继承另一个引用类型的属性和方法</a:t>
-            </a:r>
             <a:endParaRPr lang="zh-CN" altLang="en-US"/>
           </a:p>
         </p:txBody>
@@ -1999,30 +2035,6 @@
         <p:txBody>
           <a:bodyPr/>
           <a:p>
-            <a:r>
-              <a:rPr lang="zh-CN" altLang="en-US"/>
-              <a:t> 继承是OO语言中一个重要的特性和概念。许多的OO语言中都支持两种继承方式：接口继承和实现继承。</a:t>
-            </a:r>
-            <a:endParaRPr lang="zh-CN" altLang="en-US"/>
-          </a:p>
-          <a:p>
-            <a:endParaRPr lang="zh-CN" altLang="en-US"/>
-          </a:p>
-          <a:p>
-            <a:r>
-              <a:rPr lang="zh-CN" altLang="en-US"/>
-              <a:t>ECMAScript支持实现继承，其实现继承主要是靠原型链来实现。在PHP语言中，是使用extend来实现继承。那么我们就先来讲讲原型链。</a:t>
-            </a:r>
-            <a:endParaRPr lang="zh-CN" altLang="en-US"/>
-          </a:p>
-          <a:p>
-            <a:endParaRPr lang="zh-CN" altLang="en-US"/>
-          </a:p>
-          <a:p>
-            <a:r>
-              <a:rPr lang="zh-CN" altLang="en-US"/>
-              <a:t>原型链的基本思想是利用原型让一个引用类型继承另一个引用类型的属性和方法</a:t>
-            </a:r>
             <a:endParaRPr lang="zh-CN" altLang="en-US"/>
           </a:p>
         </p:txBody>
@@ -2036,6 +2048,230 @@
 </file>
 
 <file path=ppt/notesSlides/notesSlide22.xml><?xml version="1.0" encoding="utf-8"?>
+<p:notes xmlns:a="http://schemas.openxmlformats.org/drawingml/2006/main" xmlns:r="http://schemas.openxmlformats.org/officeDocument/2006/relationships" xmlns:p="http://schemas.openxmlformats.org/presentationml/2006/main">
+  <p:cSld>
+    <p:spTree>
+      <p:nvGrpSpPr>
+        <p:cNvPr id="1" name=""/>
+        <p:cNvGrpSpPr/>
+        <p:nvPr/>
+      </p:nvGrpSpPr>
+      <p:grpSpPr/>
+      <p:sp>
+        <p:nvSpPr>
+          <p:cNvPr id="2" name="幻灯片图像占位符 1"/>
+          <p:cNvSpPr/>
+          <p:nvPr>
+            <p:ph type="sldImg" idx="2"/>
+          </p:nvPr>
+        </p:nvSpPr>
+        <p:spPr/>
+      </p:sp>
+      <p:sp>
+        <p:nvSpPr>
+          <p:cNvPr id="3" name="文本占位符 2"/>
+          <p:cNvSpPr/>
+          <p:nvPr>
+            <p:ph type="body" idx="3"/>
+          </p:nvPr>
+        </p:nvSpPr>
+        <p:spPr/>
+        <p:txBody>
+          <a:bodyPr/>
+          <a:p>
+            <a:endParaRPr lang="zh-CN" altLang="en-US"/>
+          </a:p>
+        </p:txBody>
+      </p:sp>
+    </p:spTree>
+  </p:cSld>
+  <p:clrMapOvr>
+    <a:masterClrMapping/>
+  </p:clrMapOvr>
+</p:notes>
+</file>
+
+<file path=ppt/notesSlides/notesSlide23.xml><?xml version="1.0" encoding="utf-8"?>
+<p:notes xmlns:a="http://schemas.openxmlformats.org/drawingml/2006/main" xmlns:r="http://schemas.openxmlformats.org/officeDocument/2006/relationships" xmlns:p="http://schemas.openxmlformats.org/presentationml/2006/main">
+  <p:cSld>
+    <p:spTree>
+      <p:nvGrpSpPr>
+        <p:cNvPr id="1" name=""/>
+        <p:cNvGrpSpPr/>
+        <p:nvPr/>
+      </p:nvGrpSpPr>
+      <p:grpSpPr/>
+      <p:sp>
+        <p:nvSpPr>
+          <p:cNvPr id="2" name="幻灯片图像占位符 1"/>
+          <p:cNvSpPr/>
+          <p:nvPr>
+            <p:ph type="sldImg" idx="2"/>
+          </p:nvPr>
+        </p:nvSpPr>
+        <p:spPr/>
+      </p:sp>
+      <p:sp>
+        <p:nvSpPr>
+          <p:cNvPr id="3" name="文本占位符 2"/>
+          <p:cNvSpPr/>
+          <p:nvPr>
+            <p:ph type="body" idx="3"/>
+          </p:nvPr>
+        </p:nvSpPr>
+        <p:spPr/>
+        <p:txBody>
+          <a:bodyPr/>
+          <a:p>
+            <a:endParaRPr lang="zh-CN" altLang="en-US"/>
+          </a:p>
+        </p:txBody>
+      </p:sp>
+    </p:spTree>
+  </p:cSld>
+  <p:clrMapOvr>
+    <a:masterClrMapping/>
+  </p:clrMapOvr>
+</p:notes>
+</file>
+
+<file path=ppt/notesSlides/notesSlide24.xml><?xml version="1.0" encoding="utf-8"?>
+<p:notes xmlns:a="http://schemas.openxmlformats.org/drawingml/2006/main" xmlns:r="http://schemas.openxmlformats.org/officeDocument/2006/relationships" xmlns:p="http://schemas.openxmlformats.org/presentationml/2006/main">
+  <p:cSld>
+    <p:spTree>
+      <p:nvGrpSpPr>
+        <p:cNvPr id="1" name=""/>
+        <p:cNvGrpSpPr/>
+        <p:nvPr/>
+      </p:nvGrpSpPr>
+      <p:grpSpPr/>
+      <p:sp>
+        <p:nvSpPr>
+          <p:cNvPr id="2" name="幻灯片图像占位符 1"/>
+          <p:cNvSpPr/>
+          <p:nvPr>
+            <p:ph type="sldImg" idx="2"/>
+          </p:nvPr>
+        </p:nvSpPr>
+        <p:spPr/>
+      </p:sp>
+      <p:sp>
+        <p:nvSpPr>
+          <p:cNvPr id="3" name="文本占位符 2"/>
+          <p:cNvSpPr/>
+          <p:nvPr>
+            <p:ph type="body" idx="3"/>
+          </p:nvPr>
+        </p:nvSpPr>
+        <p:spPr/>
+        <p:txBody>
+          <a:bodyPr/>
+          <a:p>
+            <a:r>
+              <a:rPr lang="zh-CN" altLang="en-US"/>
+              <a:t> 继承是OO语言中一个重要的特性和概念。许多的OO语言中都支持两种继承方式：接口继承和实现继承。</a:t>
+            </a:r>
+            <a:endParaRPr lang="zh-CN" altLang="en-US"/>
+          </a:p>
+          <a:p>
+            <a:endParaRPr lang="zh-CN" altLang="en-US"/>
+          </a:p>
+          <a:p>
+            <a:r>
+              <a:rPr lang="zh-CN" altLang="en-US"/>
+              <a:t>ECMAScript支持实现继承，其实现继承主要是靠原型链来实现。在PHP语言中，是使用extend来实现继承。那么我们就先来讲讲原型链。</a:t>
+            </a:r>
+            <a:endParaRPr lang="zh-CN" altLang="en-US"/>
+          </a:p>
+          <a:p>
+            <a:endParaRPr lang="zh-CN" altLang="en-US"/>
+          </a:p>
+          <a:p>
+            <a:r>
+              <a:rPr lang="zh-CN" altLang="en-US"/>
+              <a:t>原型链的基本思想是利用原型让一个引用类型继承另一个引用类型的属性和方法</a:t>
+            </a:r>
+            <a:endParaRPr lang="zh-CN" altLang="en-US"/>
+          </a:p>
+        </p:txBody>
+      </p:sp>
+    </p:spTree>
+  </p:cSld>
+  <p:clrMapOvr>
+    <a:masterClrMapping/>
+  </p:clrMapOvr>
+</p:notes>
+</file>
+
+<file path=ppt/notesSlides/notesSlide25.xml><?xml version="1.0" encoding="utf-8"?>
+<p:notes xmlns:a="http://schemas.openxmlformats.org/drawingml/2006/main" xmlns:r="http://schemas.openxmlformats.org/officeDocument/2006/relationships" xmlns:p="http://schemas.openxmlformats.org/presentationml/2006/main">
+  <p:cSld>
+    <p:spTree>
+      <p:nvGrpSpPr>
+        <p:cNvPr id="1" name=""/>
+        <p:cNvGrpSpPr/>
+        <p:nvPr/>
+      </p:nvGrpSpPr>
+      <p:grpSpPr/>
+      <p:sp>
+        <p:nvSpPr>
+          <p:cNvPr id="2" name="幻灯片图像占位符 1"/>
+          <p:cNvSpPr/>
+          <p:nvPr>
+            <p:ph type="sldImg" idx="2"/>
+          </p:nvPr>
+        </p:nvSpPr>
+        <p:spPr/>
+      </p:sp>
+      <p:sp>
+        <p:nvSpPr>
+          <p:cNvPr id="3" name="文本占位符 2"/>
+          <p:cNvSpPr/>
+          <p:nvPr>
+            <p:ph type="body" idx="3"/>
+          </p:nvPr>
+        </p:nvSpPr>
+        <p:spPr/>
+        <p:txBody>
+          <a:bodyPr/>
+          <a:p>
+            <a:r>
+              <a:rPr lang="zh-CN" altLang="en-US"/>
+              <a:t> 继承是OO语言中一个重要的特性和概念。许多的OO语言中都支持两种继承方式：接口继承和实现继承。</a:t>
+            </a:r>
+            <a:endParaRPr lang="zh-CN" altLang="en-US"/>
+          </a:p>
+          <a:p>
+            <a:endParaRPr lang="zh-CN" altLang="en-US"/>
+          </a:p>
+          <a:p>
+            <a:r>
+              <a:rPr lang="zh-CN" altLang="en-US"/>
+              <a:t>ECMAScript支持实现继承，其实现继承主要是靠原型链来实现。在PHP语言中，是使用extend来实现继承。那么我们就先来讲讲原型链。</a:t>
+            </a:r>
+            <a:endParaRPr lang="zh-CN" altLang="en-US"/>
+          </a:p>
+          <a:p>
+            <a:endParaRPr lang="zh-CN" altLang="en-US"/>
+          </a:p>
+          <a:p>
+            <a:r>
+              <a:rPr lang="zh-CN" altLang="en-US"/>
+              <a:t>原型链的基本思想是利用原型让一个引用类型继承另一个引用类型的属性和方法</a:t>
+            </a:r>
+            <a:endParaRPr lang="zh-CN" altLang="en-US"/>
+          </a:p>
+        </p:txBody>
+      </p:sp>
+    </p:spTree>
+  </p:cSld>
+  <p:clrMapOvr>
+    <a:masterClrMapping/>
+  </p:clrMapOvr>
+</p:notes>
+</file>
+
+<file path=ppt/notesSlides/notesSlide26.xml><?xml version="1.0" encoding="utf-8"?>
 <p:notes xmlns:a="http://schemas.openxmlformats.org/drawingml/2006/main" xmlns:r="http://schemas.openxmlformats.org/officeDocument/2006/relationships" xmlns:p="http://schemas.openxmlformats.org/presentationml/2006/main">
   <p:cSld>
     <p:spTree>
@@ -8779,6 +9015,68 @@
           </a:prstGeom>
         </p:spPr>
       </p:pic>
+      <p:sp>
+        <p:nvSpPr>
+          <p:cNvPr id="3" name="文本框 2"/>
+          <p:cNvSpPr txBox="1"/>
+          <p:nvPr/>
+        </p:nvSpPr>
+        <p:spPr>
+          <a:xfrm>
+            <a:off x="8481695" y="2562225"/>
+            <a:ext cx="3205480" cy="1106805"/>
+          </a:xfrm>
+          <a:prstGeom prst="rect">
+            <a:avLst/>
+          </a:prstGeom>
+          <a:noFill/>
+        </p:spPr>
+        <p:txBody>
+          <a:bodyPr wrap="square" rtlCol="0">
+            <a:spAutoFit/>
+          </a:bodyPr>
+          <a:p>
+            <a:pPr algn="l"/>
+            <a:r>
+              <a:rPr lang="zh-CN" altLang="en-US" sz="2200">
+                <a:solidFill>
+                  <a:srgbClr val="FF0000"/>
+                </a:solidFill>
+                <a:latin typeface="+mn-ea"/>
+                <a:ea typeface="+mn-ea"/>
+              </a:rPr>
+              <a:t>思考：</a:t>
+            </a:r>
+            <a:r>
+              <a:rPr lang="en-US" altLang="zh-CN" sz="2200">
+                <a:solidFill>
+                  <a:srgbClr val="FF0000"/>
+                </a:solidFill>
+                <a:latin typeface="+mn-ea"/>
+                <a:ea typeface="+mn-ea"/>
+              </a:rPr>
+              <a:t>person.constructor</a:t>
+            </a:r>
+            <a:r>
+              <a:rPr lang="zh-CN" altLang="en-US" sz="2200">
+                <a:solidFill>
+                  <a:srgbClr val="FF0000"/>
+                </a:solidFill>
+                <a:latin typeface="+mn-ea"/>
+                <a:ea typeface="+mn-ea"/>
+              </a:rPr>
+              <a:t>得到的是什么？</a:t>
+            </a:r>
+            <a:endParaRPr lang="zh-CN" altLang="en-US" sz="2200">
+              <a:solidFill>
+                <a:srgbClr val="FF0000"/>
+              </a:solidFill>
+              <a:latin typeface="+mn-ea"/>
+              <a:ea typeface="+mn-ea"/>
+            </a:endParaRPr>
+          </a:p>
+        </p:txBody>
+      </p:sp>
     </p:spTree>
   </p:cSld>
   <p:clrMapOvr>
@@ -8787,9 +9085,129 @@
   <p:timing>
     <p:tnLst>
       <p:par>
-        <p:cTn id="1" dur="indefinite" restart="never" nodeType="tmRoot"/>
+        <p:cTn id="1" dur="indefinite" restart="never" fill="hold" nodeType="tmRoot">
+          <p:childTnLst>
+            <p:seq concurrent="1" nextAc="seek">
+              <p:cTn id="2" dur="indefinite" fill="hold" nodeType="mainSeq">
+                <p:childTnLst>
+                  <p:par>
+                    <p:cTn id="3" fill="hold">
+                      <p:stCondLst>
+                        <p:cond delay="indefinite"/>
+                        <p:cond evt="onBegin" delay="0">
+                          <p:tn val="2"/>
+                        </p:cond>
+                      </p:stCondLst>
+                      <p:childTnLst>
+                        <p:par>
+                          <p:cTn id="4" fill="hold">
+                            <p:stCondLst>
+                              <p:cond delay="0"/>
+                            </p:stCondLst>
+                            <p:childTnLst>
+                              <p:par>
+                                <p:cTn id="5" presetID="2" presetClass="entr" presetSubtype="4" fill="hold" grpId="0" nodeType="afterEffect">
+                                  <p:stCondLst>
+                                    <p:cond delay="0"/>
+                                  </p:stCondLst>
+                                  <p:childTnLst>
+                                    <p:set>
+                                      <p:cBhvr>
+                                        <p:cTn id="6" dur="1" fill="hold">
+                                          <p:stCondLst>
+                                            <p:cond delay="0"/>
+                                          </p:stCondLst>
+                                        </p:cTn>
+                                        <p:tgtEl>
+                                          <p:spTgt spid="3"/>
+                                        </p:tgtEl>
+                                        <p:attrNameLst>
+                                          <p:attrName>style.visibility</p:attrName>
+                                        </p:attrNameLst>
+                                      </p:cBhvr>
+                                      <p:to>
+                                        <p:strVal val="visible"/>
+                                      </p:to>
+                                    </p:set>
+                                    <p:anim calcmode="lin" valueType="num">
+                                      <p:cBhvr additive="base">
+                                        <p:cTn id="7" dur="500" fill="hold"/>
+                                        <p:tgtEl>
+                                          <p:spTgt spid="3"/>
+                                        </p:tgtEl>
+                                        <p:attrNameLst>
+                                          <p:attrName>ppt_x</p:attrName>
+                                        </p:attrNameLst>
+                                      </p:cBhvr>
+                                      <p:tavLst>
+                                        <p:tav tm="0">
+                                          <p:val>
+                                            <p:strVal val="#ppt_x"/>
+                                          </p:val>
+                                        </p:tav>
+                                        <p:tav tm="100000">
+                                          <p:val>
+                                            <p:strVal val="#ppt_x"/>
+                                          </p:val>
+                                        </p:tav>
+                                      </p:tavLst>
+                                    </p:anim>
+                                    <p:anim calcmode="lin" valueType="num">
+                                      <p:cBhvr additive="base">
+                                        <p:cTn id="8" dur="500" fill="hold"/>
+                                        <p:tgtEl>
+                                          <p:spTgt spid="3"/>
+                                        </p:tgtEl>
+                                        <p:attrNameLst>
+                                          <p:attrName>ppt_y</p:attrName>
+                                        </p:attrNameLst>
+                                      </p:cBhvr>
+                                      <p:tavLst>
+                                        <p:tav tm="0">
+                                          <p:val>
+                                            <p:strVal val="1+#ppt_h/2"/>
+                                          </p:val>
+                                        </p:tav>
+                                        <p:tav tm="100000">
+                                          <p:val>
+                                            <p:strVal val="#ppt_y"/>
+                                          </p:val>
+                                        </p:tav>
+                                      </p:tavLst>
+                                    </p:anim>
+                                  </p:childTnLst>
+                                </p:cTn>
+                              </p:par>
+                            </p:childTnLst>
+                          </p:cTn>
+                        </p:par>
+                      </p:childTnLst>
+                    </p:cTn>
+                  </p:par>
+                </p:childTnLst>
+              </p:cTn>
+              <p:prevCondLst>
+                <p:cond evt="onPrev" delay="0">
+                  <p:tgtEl>
+                    <p:sldTgt/>
+                  </p:tgtEl>
+                </p:cond>
+              </p:prevCondLst>
+              <p:nextCondLst>
+                <p:cond evt="onNext" delay="0">
+                  <p:tgtEl>
+                    <p:sldTgt/>
+                  </p:tgtEl>
+                </p:cond>
+              </p:nextCondLst>
+            </p:seq>
+          </p:childTnLst>
+        </p:cTn>
       </p:par>
     </p:tnLst>
+    <p:bldLst>
+      <p:bldP spid="3" grpId="0"/>
+    </p:bldLst>
   </p:timing>
 </p:sld>
 </file>
@@ -14456,7 +14874,7 @@
                   <a:schemeClr val="tx1"/>
                 </a:solidFill>
               </a:rPr>
-              <a:t>每个对象都有一个原型对象，可动态的指定原型，来改变继承关系，最原始的原型是</a:t>
+              <a:t>每个对象都有一个原型对象（可动态的指定原型，来改变继承关系，最原始的原型是</a:t>
             </a:r>
             <a:r>
               <a:rPr lang="en-US" altLang="zh-CN" sz="2000" dirty="0">
@@ -14465,6 +14883,37 @@
                 </a:solidFill>
               </a:rPr>
               <a:t>null</a:t>
+            </a:r>
+            <a:r>
+              <a:rPr lang="zh-CN" altLang="en-US" sz="2000" dirty="0">
+                <a:solidFill>
+                  <a:schemeClr val="tx1"/>
+                </a:solidFill>
+              </a:rPr>
+              <a:t>）</a:t>
+            </a:r>
+            <a:br>
+              <a:rPr lang="en-US" altLang="zh-CN" sz="2000" dirty="0">
+                <a:solidFill>
+                  <a:schemeClr val="tx1"/>
+                </a:solidFill>
+              </a:rPr>
+            </a:br>
+            <a:r>
+              <a:rPr lang="en-US" altLang="zh-CN" sz="2000" dirty="0">
+                <a:solidFill>
+                  <a:schemeClr val="tx1"/>
+                </a:solidFill>
+              </a:rPr>
+              <a:t>- </a:t>
+            </a:r>
+            <a:r>
+              <a:rPr lang="zh-CN" altLang="en-US" sz="2000" dirty="0">
+                <a:solidFill>
+                  <a:schemeClr val="tx1"/>
+                </a:solidFill>
+              </a:rPr>
+              <a:t>思考并回答三种方式创建的对象的原型都是什么？</a:t>
             </a:r>
             <a:br>
               <a:rPr lang="zh-CN" altLang="en-US" sz="2000" dirty="0">
@@ -14636,14 +15085,15 @@
         </p:nvPicPr>
         <p:blipFill>
           <a:blip r:embed="rId1"/>
+          <a:srcRect b="14179"/>
           <a:stretch>
             <a:fillRect/>
           </a:stretch>
         </p:blipFill>
         <p:spPr>
           <a:xfrm>
-            <a:off x="1141730" y="2464435"/>
-            <a:ext cx="7463790" cy="3422015"/>
+            <a:off x="1141730" y="2966720"/>
+            <a:ext cx="7224395" cy="2842895"/>
           </a:xfrm>
           <a:prstGeom prst="rect">
             <a:avLst/>
@@ -14658,7 +15108,7 @@
         </p:nvSpPr>
         <p:spPr>
           <a:xfrm>
-            <a:off x="6499860" y="4657090"/>
+            <a:off x="5638800" y="3365500"/>
             <a:ext cx="4947920" cy="768350"/>
           </a:xfrm>
           <a:prstGeom prst="rect">
@@ -15669,8 +16119,8 @@
         </p:nvSpPr>
         <p:spPr>
           <a:xfrm>
-            <a:off x="6229350" y="6036945"/>
-            <a:ext cx="5420360" cy="429895"/>
+            <a:off x="7357110" y="6037580"/>
+            <a:ext cx="2723515" cy="429895"/>
           </a:xfrm>
           <a:prstGeom prst="rect">
             <a:avLst/>
@@ -15721,8 +16171,8 @@
         </p:nvSpPr>
         <p:spPr>
           <a:xfrm>
-            <a:off x="6813550" y="3007360"/>
-            <a:ext cx="4989195" cy="1445260"/>
+            <a:off x="7285355" y="2993390"/>
+            <a:ext cx="4503420" cy="2122805"/>
           </a:xfrm>
           <a:prstGeom prst="rect">
             <a:avLst/>
@@ -15738,145 +16188,116 @@
             <a:r>
               <a:rPr lang="zh-CN" sz="2200">
                 <a:solidFill>
-                  <a:srgbClr val="FF0000"/>
+                  <a:schemeClr val="tx1"/>
                 </a:solidFill>
                 <a:latin typeface="+mn-ea"/>
                 <a:ea typeface="+mn-ea"/>
               </a:rPr>
-              <a:t>思考这种方式有什么弊端</a:t>
-            </a:r>
-            <a:br>
+              <a:t>思考共享的弊端，</a:t>
+            </a:r>
+            <a:r>
               <a:rPr lang="zh-CN" sz="2200">
                 <a:solidFill>
-                  <a:srgbClr val="FF0000"/>
+                  <a:schemeClr val="accent3"/>
                 </a:solidFill>
                 <a:latin typeface="+mn-ea"/>
                 <a:ea typeface="+mn-ea"/>
               </a:rPr>
-            </a:br>
-            <a:r>
-              <a:rPr lang="zh-CN" sz="2200">
-                <a:solidFill>
-                  <a:srgbClr val="FF0000"/>
+              <a:t>如何给每个</a:t>
+            </a:r>
+            <a:r>
+              <a:rPr lang="en-US" altLang="zh-CN" sz="2200">
+                <a:solidFill>
+                  <a:schemeClr val="accent3"/>
                 </a:solidFill>
                 <a:latin typeface="+mn-ea"/>
                 <a:ea typeface="+mn-ea"/>
               </a:rPr>
-              <a:t>注意：如果写</a:t>
-            </a:r>
-            <a:r>
-              <a:rPr lang="en-US" altLang="zh-CN" sz="2200">
-                <a:solidFill>
-                  <a:srgbClr val="FF0000"/>
+              <a:t>Studnent</a:t>
+            </a:r>
+            <a:r>
+              <a:rPr lang="zh-CN" altLang="en-US" sz="2200">
+                <a:solidFill>
+                  <a:schemeClr val="accent3"/>
                 </a:solidFill>
                 <a:latin typeface="+mn-ea"/>
                 <a:ea typeface="+mn-ea"/>
               </a:rPr>
-              <a:t>s1.name =”Jack”</a:t>
-            </a:r>
-            <a:r>
-              <a:rPr lang="zh-CN" altLang="en-US" sz="2200">
-                <a:solidFill>
-                  <a:srgbClr val="FF0000"/>
+              <a:t>对象添加自有的</a:t>
+            </a:r>
+            <a:r>
+              <a:rPr lang="en-US" altLang="zh-CN" sz="2200">
+                <a:solidFill>
+                  <a:schemeClr val="accent3"/>
                 </a:solidFill>
                 <a:latin typeface="+mn-ea"/>
                 <a:ea typeface="+mn-ea"/>
               </a:rPr>
-              <a:t>则相当于给</a:t>
-            </a:r>
-            <a:r>
-              <a:rPr lang="en-US" altLang="zh-CN" sz="2200">
-                <a:solidFill>
-                  <a:srgbClr val="FF0000"/>
+              <a:t>name</a:t>
+            </a:r>
+            <a:r>
+              <a:rPr lang="zh-CN" altLang="en-US" sz="2200">
+                <a:solidFill>
+                  <a:schemeClr val="accent3"/>
                 </a:solidFill>
                 <a:latin typeface="+mn-ea"/>
                 <a:ea typeface="+mn-ea"/>
               </a:rPr>
-              <a:t>s1</a:t>
+              <a:t>属性</a:t>
             </a:r>
             <a:r>
               <a:rPr lang="zh-CN" altLang="en-US" sz="2200">
                 <a:solidFill>
-                  <a:srgbClr val="FF0000"/>
+                  <a:schemeClr val="tx1"/>
                 </a:solidFill>
                 <a:latin typeface="+mn-ea"/>
                 <a:ea typeface="+mn-ea"/>
               </a:rPr>
-              <a:t>自身新添加了</a:t>
+              <a:t>，</a:t>
             </a:r>
             <a:r>
               <a:rPr lang="en-US" altLang="zh-CN" sz="2200">
                 <a:solidFill>
-                  <a:srgbClr val="FF0000"/>
+                  <a:schemeClr val="tx1"/>
                 </a:solidFill>
                 <a:latin typeface="+mn-ea"/>
                 <a:ea typeface="+mn-ea"/>
               </a:rPr>
-              <a:t>name</a:t>
+              <a:t>s1.name =”Jack”</a:t>
             </a:r>
             <a:r>
               <a:rPr lang="zh-CN" altLang="en-US" sz="2200">
                 <a:solidFill>
-                  <a:srgbClr val="FF0000"/>
+                  <a:schemeClr val="tx1"/>
                 </a:solidFill>
                 <a:latin typeface="+mn-ea"/>
                 <a:ea typeface="+mn-ea"/>
               </a:rPr>
-              <a:t>属性，与</a:t>
+              <a:t>，和原型的</a:t>
             </a:r>
             <a:r>
               <a:rPr lang="en-US" altLang="zh-CN" sz="2200">
                 <a:solidFill>
-                  <a:srgbClr val="FF0000"/>
+                  <a:schemeClr val="tx1"/>
                 </a:solidFill>
                 <a:latin typeface="+mn-ea"/>
                 <a:ea typeface="+mn-ea"/>
               </a:rPr>
-              <a:t>s1</a:t>
+              <a:t>name</a:t>
             </a:r>
             <a:r>
               <a:rPr lang="zh-CN" altLang="en-US" sz="2200">
                 <a:solidFill>
-                  <a:srgbClr val="FF0000"/>
+                  <a:schemeClr val="tx1"/>
                 </a:solidFill>
                 <a:latin typeface="+mn-ea"/>
                 <a:ea typeface="+mn-ea"/>
               </a:rPr>
-              <a:t>原型的</a:t>
-            </a:r>
-            <a:r>
-              <a:rPr lang="en-US" altLang="zh-CN" sz="2200">
-                <a:solidFill>
-                  <a:srgbClr val="FF0000"/>
-                </a:solidFill>
-                <a:latin typeface="+mn-ea"/>
-                <a:ea typeface="+mn-ea"/>
-              </a:rPr>
-              <a:t>name</a:t>
-            </a:r>
-            <a:r>
-              <a:rPr lang="zh-CN" altLang="en-US" sz="2200">
-                <a:solidFill>
-                  <a:srgbClr val="FF0000"/>
-                </a:solidFill>
-                <a:latin typeface="+mn-ea"/>
-                <a:ea typeface="+mn-ea"/>
-              </a:rPr>
-              <a:t>不是同一个</a:t>
-            </a:r>
-            <a:r>
-              <a:rPr lang="en-US" altLang="zh-CN" sz="2200">
-                <a:solidFill>
-                  <a:srgbClr val="FF0000"/>
-                </a:solidFill>
-                <a:latin typeface="+mn-ea"/>
-                <a:ea typeface="+mn-ea"/>
-              </a:rPr>
-              <a:t> </a:t>
+              <a:t>属性什么关系，思考这样的话是否造成内存的浪费，具体参见下页图解</a:t>
             </a:r>
             <a:endParaRPr lang="en-US" altLang="zh-CN" sz="2200">
               <a:solidFill>
-                <a:srgbClr val="FF0000"/>
+                <a:schemeClr val="tx1"/>
               </a:solidFill>
               <a:latin typeface="+mn-ea"/>
               <a:ea typeface="+mn-ea"/>
@@ -16303,6 +16724,2263 @@
       </p:grpSpPr>
       <p:sp>
         <p:nvSpPr>
+          <p:cNvPr id="2" name="内容占位符 1"/>
+          <p:cNvSpPr>
+            <a:spLocks noGrp="1"/>
+          </p:cNvSpPr>
+          <p:nvPr>
+            <p:ph sz="quarter" idx="10"/>
+          </p:nvPr>
+        </p:nvSpPr>
+        <p:spPr>
+          <a:xfrm>
+            <a:off x="927735" y="783590"/>
+            <a:ext cx="10396220" cy="5253990"/>
+          </a:xfrm>
+        </p:spPr>
+        <p:txBody>
+          <a:bodyPr/>
+          <a:lstStyle/>
+          <a:p>
+            <a:pPr>
+              <a:lnSpc>
+                <a:spcPct val="140000"/>
+              </a:lnSpc>
+            </a:pPr>
+            <a:r>
+              <a:rPr lang="zh-CN" altLang="en-US" sz="3200" dirty="0">
+                <a:solidFill>
+                  <a:schemeClr val="tx1"/>
+                </a:solidFill>
+                <a:sym typeface="+mn-ea"/>
+              </a:rPr>
+              <a:t>构造函数实现的对象</a:t>
+            </a:r>
+            <a:r>
+              <a:rPr lang="en-US" altLang="zh-CN" sz="3200" dirty="0">
+                <a:solidFill>
+                  <a:schemeClr val="tx1"/>
+                </a:solidFill>
+                <a:sym typeface="+mn-ea"/>
+              </a:rPr>
+              <a:t>-</a:t>
+            </a:r>
+            <a:r>
+              <a:rPr lang="zh-CN" altLang="en-US" sz="3200" dirty="0">
+                <a:solidFill>
+                  <a:schemeClr val="tx1"/>
+                </a:solidFill>
+                <a:sym typeface="+mn-ea"/>
+              </a:rPr>
+              <a:t>对象的原型继承的</a:t>
+            </a:r>
+            <a:r>
+              <a:rPr lang="zh-CN" altLang="en-US" sz="3200" dirty="0">
+                <a:solidFill>
+                  <a:schemeClr val="accent3"/>
+                </a:solidFill>
+                <a:sym typeface="+mn-ea"/>
+              </a:rPr>
+              <a:t>原型共享问题</a:t>
+            </a:r>
+            <a:endParaRPr lang="zh-CN" altLang="en-US" sz="3200" dirty="0">
+              <a:solidFill>
+                <a:schemeClr val="accent3"/>
+              </a:solidFill>
+              <a:sym typeface="+mn-ea"/>
+            </a:endParaRPr>
+          </a:p>
+          <a:p>
+            <a:pPr marL="168275" lvl="1" indent="0">
+              <a:lnSpc>
+                <a:spcPct val="150000"/>
+              </a:lnSpc>
+              <a:buNone/>
+            </a:pPr>
+            <a:endParaRPr lang="zh-CN" altLang="en-US" sz="2200" dirty="0">
+              <a:sym typeface="+mn-ea"/>
+            </a:endParaRPr>
+          </a:p>
+          <a:p>
+            <a:pPr marL="168275" lvl="1" indent="0">
+              <a:lnSpc>
+                <a:spcPct val="150000"/>
+              </a:lnSpc>
+              <a:buNone/>
+            </a:pPr>
+            <a:endParaRPr lang="en-US" altLang="zh-CN" sz="3200" dirty="0">
+              <a:solidFill>
+                <a:srgbClr val="006F53"/>
+              </a:solidFill>
+              <a:cs typeface="+mn-cs"/>
+            </a:endParaRPr>
+          </a:p>
+        </p:txBody>
+      </p:sp>
+      <p:sp>
+        <p:nvSpPr>
+          <p:cNvPr id="3" name="内容占位符 2"/>
+          <p:cNvSpPr>
+            <a:spLocks noGrp="1"/>
+          </p:cNvSpPr>
+          <p:nvPr>
+            <p:ph sz="quarter" idx="11"/>
+          </p:nvPr>
+        </p:nvSpPr>
+        <p:spPr>
+          <a:xfrm>
+            <a:off x="947420" y="236855"/>
+            <a:ext cx="10059670" cy="490220"/>
+          </a:xfrm>
+        </p:spPr>
+        <p:txBody>
+          <a:bodyPr/>
+          <a:lstStyle/>
+          <a:p>
+            <a:r>
+              <a:rPr kumimoji="0" lang="zh-CN" altLang="en-US" dirty="0">
+                <a:sym typeface="+mn-ea"/>
+              </a:rPr>
+              <a:t>JS原型继承的方式及其优缺点</a:t>
+            </a:r>
+            <a:endParaRPr lang="zh-CN" altLang="en-US" dirty="0" smtClean="0">
+              <a:sym typeface="+mn-ea"/>
+            </a:endParaRPr>
+          </a:p>
+        </p:txBody>
+      </p:sp>
+      <p:sp>
+        <p:nvSpPr>
+          <p:cNvPr id="6" name="文本框 5"/>
+          <p:cNvSpPr txBox="1"/>
+          <p:nvPr/>
+        </p:nvSpPr>
+        <p:spPr>
+          <a:xfrm>
+            <a:off x="5971540" y="6037580"/>
+            <a:ext cx="5617845" cy="429895"/>
+          </a:xfrm>
+          <a:prstGeom prst="rect">
+            <a:avLst/>
+          </a:prstGeom>
+          <a:noFill/>
+        </p:spPr>
+        <p:txBody>
+          <a:bodyPr wrap="square" rtlCol="0">
+            <a:spAutoFit/>
+          </a:bodyPr>
+          <a:p>
+            <a:pPr algn="l"/>
+            <a:r>
+              <a:rPr lang="zh-CN" altLang="en-US" sz="2200">
+                <a:solidFill>
+                  <a:srgbClr val="FF0000"/>
+                </a:solidFill>
+                <a:latin typeface="+mn-ea"/>
+                <a:ea typeface="+mn-ea"/>
+              </a:rPr>
+              <a:t>参见实例</a:t>
+            </a:r>
+            <a:r>
+              <a:rPr lang="en-US" altLang="zh-CN" sz="2200">
+                <a:solidFill>
+                  <a:srgbClr val="FF0000"/>
+                </a:solidFill>
+                <a:latin typeface="+mn-ea"/>
+                <a:ea typeface="+mn-ea"/>
+              </a:rPr>
+              <a:t>demo08 </a:t>
+            </a:r>
+            <a:r>
+              <a:rPr lang="zh-CN" altLang="en-US" sz="2200" dirty="0">
+                <a:solidFill>
+                  <a:srgbClr val="FF0000"/>
+                </a:solidFill>
+                <a:sym typeface="+mn-ea"/>
+              </a:rPr>
+              <a:t>原型继承的</a:t>
+            </a:r>
+            <a:r>
+              <a:rPr lang="zh-CN" altLang="en-US" sz="2200" dirty="0">
+                <a:solidFill>
+                  <a:schemeClr val="accent3"/>
+                </a:solidFill>
+                <a:sym typeface="+mn-ea"/>
+              </a:rPr>
+              <a:t>原型共享问题</a:t>
+            </a:r>
+            <a:r>
+              <a:rPr lang="en-US" altLang="zh-CN" sz="2200">
+                <a:solidFill>
+                  <a:srgbClr val="FF0000"/>
+                </a:solidFill>
+                <a:latin typeface="+mn-ea"/>
+                <a:ea typeface="+mn-ea"/>
+              </a:rPr>
+              <a:t> </a:t>
+            </a:r>
+            <a:endParaRPr lang="zh-CN" altLang="en-US" sz="2200">
+              <a:solidFill>
+                <a:srgbClr val="FF0000"/>
+              </a:solidFill>
+              <a:latin typeface="+mn-ea"/>
+              <a:ea typeface="+mn-ea"/>
+            </a:endParaRPr>
+          </a:p>
+        </p:txBody>
+      </p:sp>
+      <p:sp>
+        <p:nvSpPr>
+          <p:cNvPr id="11" name="流程图: 过程 10"/>
+          <p:cNvSpPr/>
+          <p:nvPr/>
+        </p:nvSpPr>
+        <p:spPr>
+          <a:xfrm>
+            <a:off x="3768090" y="1793875"/>
+            <a:ext cx="3385185" cy="1076960"/>
+          </a:xfrm>
+          <a:prstGeom prst="flowChartProcess">
+            <a:avLst/>
+          </a:prstGeom>
+          <a:ln>
+            <a:headEnd type="none" w="med" len="med"/>
+            <a:tailEnd type="none" w="med" len="med"/>
+          </a:ln>
+        </p:spPr>
+        <p:style>
+          <a:lnRef idx="2">
+            <a:schemeClr val="accent4"/>
+          </a:lnRef>
+          <a:fillRef idx="1">
+            <a:schemeClr val="lt1"/>
+          </a:fillRef>
+          <a:effectRef idx="0">
+            <a:schemeClr val="accent4"/>
+          </a:effectRef>
+          <a:fontRef idx="minor">
+            <a:schemeClr val="dk1"/>
+          </a:fontRef>
+        </p:style>
+        <p:txBody>
+          <a:bodyPr vert="horz" wrap="square" lIns="91440" tIns="45720" rIns="91440" bIns="45720" numCol="1" anchor="t" anchorCtr="0" compatLnSpc="1"/>
+          <a:p>
+            <a:pPr marL="0" marR="0" indent="0" algn="l" defTabSz="914400" rtl="0" eaLnBrk="0" fontAlgn="base" latinLnBrk="0" hangingPunct="0">
+              <a:lnSpc>
+                <a:spcPct val="100000"/>
+              </a:lnSpc>
+              <a:spcBef>
+                <a:spcPct val="0"/>
+              </a:spcBef>
+              <a:spcAft>
+                <a:spcPct val="0"/>
+              </a:spcAft>
+              <a:buClrTx/>
+              <a:buSzTx/>
+              <a:buFontTx/>
+              <a:buNone/>
+            </a:pPr>
+            <a:endParaRPr kumimoji="0" lang="zh-CN" altLang="en-US" sz="3200" b="0" i="0" u="none" strike="noStrike" cap="none" normalizeH="0" baseline="0" smtClean="0">
+              <a:ln>
+                <a:noFill/>
+              </a:ln>
+              <a:solidFill>
+                <a:schemeClr val="tx1"/>
+              </a:solidFill>
+              <a:effectLst/>
+              <a:latin typeface="Arial" panose="020B0604020202020204" pitchFamily="34" charset="0"/>
+            </a:endParaRPr>
+          </a:p>
+        </p:txBody>
+      </p:sp>
+      <p:sp>
+        <p:nvSpPr>
+          <p:cNvPr id="13" name="流程图: 过程 12"/>
+          <p:cNvSpPr/>
+          <p:nvPr/>
+        </p:nvSpPr>
+        <p:spPr>
+          <a:xfrm>
+            <a:off x="3751580" y="3284220"/>
+            <a:ext cx="3385185" cy="538480"/>
+          </a:xfrm>
+          <a:prstGeom prst="flowChartProcess">
+            <a:avLst/>
+          </a:prstGeom>
+          <a:ln>
+            <a:headEnd type="none" w="med" len="med"/>
+            <a:tailEnd type="none" w="med" len="med"/>
+          </a:ln>
+        </p:spPr>
+        <p:style>
+          <a:lnRef idx="2">
+            <a:schemeClr val="accent4"/>
+          </a:lnRef>
+          <a:fillRef idx="1">
+            <a:schemeClr val="lt1"/>
+          </a:fillRef>
+          <a:effectRef idx="0">
+            <a:schemeClr val="accent4"/>
+          </a:effectRef>
+          <a:fontRef idx="minor">
+            <a:schemeClr val="dk1"/>
+          </a:fontRef>
+        </p:style>
+        <p:txBody>
+          <a:bodyPr vert="horz" wrap="square" lIns="91440" tIns="45720" rIns="91440" bIns="45720" numCol="1" anchor="t" anchorCtr="0" compatLnSpc="1"/>
+          <a:p>
+            <a:pPr marL="0" marR="0" indent="0" algn="l" defTabSz="914400" rtl="0" eaLnBrk="0" fontAlgn="base" latinLnBrk="0" hangingPunct="0">
+              <a:lnSpc>
+                <a:spcPct val="100000"/>
+              </a:lnSpc>
+              <a:spcBef>
+                <a:spcPct val="0"/>
+              </a:spcBef>
+              <a:spcAft>
+                <a:spcPct val="0"/>
+              </a:spcAft>
+              <a:buClrTx/>
+              <a:buSzTx/>
+              <a:buFontTx/>
+              <a:buNone/>
+            </a:pPr>
+            <a:endParaRPr kumimoji="0" lang="zh-CN" altLang="en-US" sz="3200" b="0" i="0" u="none" strike="noStrike" cap="none" normalizeH="0" baseline="0" smtClean="0">
+              <a:ln>
+                <a:noFill/>
+              </a:ln>
+              <a:solidFill>
+                <a:schemeClr val="tx1"/>
+              </a:solidFill>
+              <a:effectLst/>
+              <a:latin typeface="Arial" panose="020B0604020202020204" pitchFamily="34" charset="0"/>
+            </a:endParaRPr>
+          </a:p>
+        </p:txBody>
+      </p:sp>
+      <p:sp>
+        <p:nvSpPr>
+          <p:cNvPr id="14" name="流程图: 过程 13"/>
+          <p:cNvSpPr/>
+          <p:nvPr/>
+        </p:nvSpPr>
+        <p:spPr>
+          <a:xfrm>
+            <a:off x="1383665" y="4276725"/>
+            <a:ext cx="3385185" cy="1591310"/>
+          </a:xfrm>
+          <a:prstGeom prst="flowChartProcess">
+            <a:avLst/>
+          </a:prstGeom>
+          <a:ln>
+            <a:headEnd type="none" w="med" len="med"/>
+            <a:tailEnd type="none" w="med" len="med"/>
+          </a:ln>
+        </p:spPr>
+        <p:style>
+          <a:lnRef idx="2">
+            <a:schemeClr val="accent4"/>
+          </a:lnRef>
+          <a:fillRef idx="1">
+            <a:schemeClr val="lt1"/>
+          </a:fillRef>
+          <a:effectRef idx="0">
+            <a:schemeClr val="accent4"/>
+          </a:effectRef>
+          <a:fontRef idx="minor">
+            <a:schemeClr val="dk1"/>
+          </a:fontRef>
+        </p:style>
+        <p:txBody>
+          <a:bodyPr vert="horz" wrap="square" lIns="91440" tIns="45720" rIns="91440" bIns="45720" numCol="1" anchor="t" anchorCtr="0" compatLnSpc="1"/>
+          <a:p>
+            <a:pPr marL="0" marR="0" indent="0" algn="l" defTabSz="914400" rtl="0" eaLnBrk="0" fontAlgn="base" latinLnBrk="0" hangingPunct="0">
+              <a:lnSpc>
+                <a:spcPct val="100000"/>
+              </a:lnSpc>
+              <a:spcBef>
+                <a:spcPct val="0"/>
+              </a:spcBef>
+              <a:spcAft>
+                <a:spcPct val="0"/>
+              </a:spcAft>
+              <a:buClrTx/>
+              <a:buSzTx/>
+              <a:buFontTx/>
+              <a:buNone/>
+            </a:pPr>
+            <a:endParaRPr kumimoji="0" lang="zh-CN" altLang="en-US" sz="3200" b="0" i="0" u="none" strike="noStrike" cap="none" normalizeH="0" baseline="0" smtClean="0">
+              <a:ln>
+                <a:noFill/>
+              </a:ln>
+              <a:solidFill>
+                <a:schemeClr val="tx1"/>
+              </a:solidFill>
+              <a:effectLst/>
+              <a:latin typeface="Arial" panose="020B0604020202020204" pitchFamily="34" charset="0"/>
+            </a:endParaRPr>
+          </a:p>
+        </p:txBody>
+      </p:sp>
+      <p:sp>
+        <p:nvSpPr>
+          <p:cNvPr id="15" name="流程图: 过程 14"/>
+          <p:cNvSpPr/>
+          <p:nvPr/>
+        </p:nvSpPr>
+        <p:spPr>
+          <a:xfrm>
+            <a:off x="6174740" y="4277360"/>
+            <a:ext cx="3385185" cy="1574165"/>
+          </a:xfrm>
+          <a:prstGeom prst="flowChartProcess">
+            <a:avLst/>
+          </a:prstGeom>
+          <a:ln>
+            <a:headEnd type="none" w="med" len="med"/>
+            <a:tailEnd type="none" w="med" len="med"/>
+          </a:ln>
+        </p:spPr>
+        <p:style>
+          <a:lnRef idx="2">
+            <a:schemeClr val="accent4"/>
+          </a:lnRef>
+          <a:fillRef idx="1">
+            <a:schemeClr val="lt1"/>
+          </a:fillRef>
+          <a:effectRef idx="0">
+            <a:schemeClr val="accent4"/>
+          </a:effectRef>
+          <a:fontRef idx="minor">
+            <a:schemeClr val="dk1"/>
+          </a:fontRef>
+        </p:style>
+        <p:txBody>
+          <a:bodyPr vert="horz" wrap="square" lIns="91440" tIns="45720" rIns="91440" bIns="45720" numCol="1" anchor="t" anchorCtr="0" compatLnSpc="1"/>
+          <a:p>
+            <a:pPr marL="0" marR="0" indent="0" algn="l" defTabSz="914400" rtl="0" eaLnBrk="0" fontAlgn="base" latinLnBrk="0" hangingPunct="0">
+              <a:lnSpc>
+                <a:spcPct val="100000"/>
+              </a:lnSpc>
+              <a:spcBef>
+                <a:spcPct val="0"/>
+              </a:spcBef>
+              <a:spcAft>
+                <a:spcPct val="0"/>
+              </a:spcAft>
+              <a:buClrTx/>
+              <a:buSzTx/>
+              <a:buFontTx/>
+              <a:buNone/>
+            </a:pPr>
+            <a:endParaRPr kumimoji="0" lang="zh-CN" altLang="en-US" sz="3200" b="0" i="0" u="none" strike="noStrike" cap="none" normalizeH="0" baseline="0" smtClean="0">
+              <a:ln>
+                <a:noFill/>
+              </a:ln>
+              <a:solidFill>
+                <a:schemeClr val="tx1"/>
+              </a:solidFill>
+              <a:effectLst/>
+              <a:latin typeface="Arial" panose="020B0604020202020204" pitchFamily="34" charset="0"/>
+            </a:endParaRPr>
+          </a:p>
+        </p:txBody>
+      </p:sp>
+      <p:cxnSp>
+        <p:nvCxnSpPr>
+          <p:cNvPr id="17" name="直接箭头连接符 16"/>
+          <p:cNvCxnSpPr>
+            <a:stCxn id="13" idx="0"/>
+          </p:cNvCxnSpPr>
+          <p:nvPr/>
+        </p:nvCxnSpPr>
+        <p:spPr>
+          <a:xfrm flipV="1">
+            <a:off x="5444490" y="2942590"/>
+            <a:ext cx="0" cy="413385"/>
+          </a:xfrm>
+          <a:prstGeom prst="straightConnector1">
+            <a:avLst/>
+          </a:prstGeom>
+          <a:solidFill>
+            <a:schemeClr val="accent1"/>
+          </a:solidFill>
+          <a:ln w="9525" cap="flat" cmpd="sng" algn="ctr">
+            <a:solidFill>
+              <a:schemeClr val="tx1"/>
+            </a:solidFill>
+            <a:prstDash val="solid"/>
+            <a:round/>
+            <a:headEnd type="none" w="med" len="med"/>
+            <a:tailEnd type="arrow" w="med" len="med"/>
+          </a:ln>
+        </p:spPr>
+      </p:cxnSp>
+      <p:cxnSp>
+        <p:nvCxnSpPr>
+          <p:cNvPr id="19" name="肘形连接符 18"/>
+          <p:cNvCxnSpPr>
+            <a:stCxn id="14" idx="0"/>
+            <a:endCxn id="13" idx="1"/>
+          </p:cNvCxnSpPr>
+          <p:nvPr/>
+        </p:nvCxnSpPr>
+        <p:spPr>
+          <a:xfrm rot="16200000">
+            <a:off x="3052445" y="3649345"/>
+            <a:ext cx="723265" cy="675005"/>
+          </a:xfrm>
+          <a:prstGeom prst="bentConnector2">
+            <a:avLst/>
+          </a:prstGeom>
+          <a:solidFill>
+            <a:schemeClr val="accent1"/>
+          </a:solidFill>
+          <a:ln w="9525" cap="flat" cmpd="sng" algn="ctr">
+            <a:solidFill>
+              <a:schemeClr val="tx1"/>
+            </a:solidFill>
+            <a:prstDash val="solid"/>
+            <a:round/>
+            <a:headEnd type="none" w="med" len="med"/>
+            <a:tailEnd type="arrow" w="med" len="med"/>
+          </a:ln>
+        </p:spPr>
+      </p:cxnSp>
+      <p:cxnSp>
+        <p:nvCxnSpPr>
+          <p:cNvPr id="20" name="肘形连接符 19"/>
+          <p:cNvCxnSpPr>
+            <a:stCxn id="15" idx="0"/>
+            <a:endCxn id="13" idx="3"/>
+          </p:cNvCxnSpPr>
+          <p:nvPr/>
+        </p:nvCxnSpPr>
+        <p:spPr>
+          <a:xfrm rot="16200000" flipV="1">
+            <a:off x="7140258" y="3621723"/>
+            <a:ext cx="723900" cy="730885"/>
+          </a:xfrm>
+          <a:prstGeom prst="bentConnector2">
+            <a:avLst/>
+          </a:prstGeom>
+          <a:solidFill>
+            <a:schemeClr val="accent1"/>
+          </a:solidFill>
+          <a:ln w="9525" cap="flat" cmpd="sng" algn="ctr">
+            <a:solidFill>
+              <a:schemeClr val="tx1"/>
+            </a:solidFill>
+            <a:prstDash val="solid"/>
+            <a:round/>
+            <a:headEnd type="none" w="med" len="med"/>
+            <a:tailEnd type="arrow" w="med" len="med"/>
+          </a:ln>
+        </p:spPr>
+      </p:cxnSp>
+      <p:sp>
+        <p:nvSpPr>
+          <p:cNvPr id="21" name="文本框 20"/>
+          <p:cNvSpPr txBox="1"/>
+          <p:nvPr/>
+        </p:nvSpPr>
+        <p:spPr>
+          <a:xfrm>
+            <a:off x="3778885" y="1865630"/>
+            <a:ext cx="3373755" cy="429895"/>
+          </a:xfrm>
+          <a:prstGeom prst="rect">
+            <a:avLst/>
+          </a:prstGeom>
+          <a:noFill/>
+        </p:spPr>
+        <p:txBody>
+          <a:bodyPr wrap="square" rtlCol="0">
+            <a:spAutoFit/>
+          </a:bodyPr>
+          <a:p>
+            <a:pPr algn="l"/>
+            <a:r>
+              <a:rPr lang="en-US" sz="2200">
+                <a:solidFill>
+                  <a:schemeClr val="tx1"/>
+                </a:solidFill>
+                <a:latin typeface="+mn-ea"/>
+                <a:ea typeface="+mn-ea"/>
+              </a:rPr>
+              <a:t>age</a:t>
+            </a:r>
+            <a:r>
+              <a:rPr lang="zh-CN" altLang="en-US" sz="2200">
+                <a:solidFill>
+                  <a:schemeClr val="tx1"/>
+                </a:solidFill>
+                <a:latin typeface="+mn-ea"/>
+                <a:ea typeface="+mn-ea"/>
+              </a:rPr>
+              <a:t>：</a:t>
+            </a:r>
+            <a:r>
+              <a:rPr lang="en-US" altLang="zh-CN" sz="2200">
+                <a:solidFill>
+                  <a:schemeClr val="tx1"/>
+                </a:solidFill>
+                <a:latin typeface="+mn-ea"/>
+                <a:ea typeface="+mn-ea"/>
+              </a:rPr>
+              <a:t>22</a:t>
+            </a:r>
+            <a:endParaRPr lang="en-US" altLang="zh-CN" sz="2200">
+              <a:solidFill>
+                <a:schemeClr val="tx1"/>
+              </a:solidFill>
+              <a:latin typeface="+mn-ea"/>
+              <a:ea typeface="+mn-ea"/>
+            </a:endParaRPr>
+          </a:p>
+        </p:txBody>
+      </p:sp>
+      <p:sp>
+        <p:nvSpPr>
+          <p:cNvPr id="22" name="文本框 21"/>
+          <p:cNvSpPr txBox="1"/>
+          <p:nvPr/>
+        </p:nvSpPr>
+        <p:spPr>
+          <a:xfrm>
+            <a:off x="3709035" y="2351405"/>
+            <a:ext cx="3498850" cy="429895"/>
+          </a:xfrm>
+          <a:prstGeom prst="rect">
+            <a:avLst/>
+          </a:prstGeom>
+          <a:noFill/>
+        </p:spPr>
+        <p:txBody>
+          <a:bodyPr wrap="square" rtlCol="0">
+            <a:spAutoFit/>
+          </a:bodyPr>
+          <a:p>
+            <a:pPr algn="l"/>
+            <a:r>
+              <a:rPr lang="en-US" altLang="zh-CN" sz="2200">
+                <a:solidFill>
+                  <a:schemeClr val="tx1"/>
+                </a:solidFill>
+                <a:latin typeface="+mn-ea"/>
+                <a:ea typeface="+mn-ea"/>
+              </a:rPr>
+              <a:t>showName</a:t>
+            </a:r>
+            <a:r>
+              <a:rPr lang="zh-CN" altLang="en-US" sz="2200">
+                <a:solidFill>
+                  <a:schemeClr val="tx1"/>
+                </a:solidFill>
+                <a:latin typeface="+mn-ea"/>
+                <a:ea typeface="+mn-ea"/>
+              </a:rPr>
+              <a:t>：</a:t>
+            </a:r>
+            <a:r>
+              <a:rPr lang="en-US" altLang="zh-CN" sz="2200">
+                <a:solidFill>
+                  <a:schemeClr val="tx1"/>
+                </a:solidFill>
+                <a:latin typeface="+mn-ea"/>
+                <a:ea typeface="+mn-ea"/>
+              </a:rPr>
+              <a:t>function(){}</a:t>
+            </a:r>
+            <a:endParaRPr lang="en-US" altLang="zh-CN" sz="2200">
+              <a:solidFill>
+                <a:schemeClr val="tx1"/>
+              </a:solidFill>
+              <a:latin typeface="+mn-ea"/>
+              <a:ea typeface="+mn-ea"/>
+            </a:endParaRPr>
+          </a:p>
+        </p:txBody>
+      </p:sp>
+      <p:sp>
+        <p:nvSpPr>
+          <p:cNvPr id="23" name="文本框 22"/>
+          <p:cNvSpPr txBox="1"/>
+          <p:nvPr/>
+        </p:nvSpPr>
+        <p:spPr>
+          <a:xfrm>
+            <a:off x="3834130" y="3355975"/>
+            <a:ext cx="3373755" cy="429895"/>
+          </a:xfrm>
+          <a:prstGeom prst="rect">
+            <a:avLst/>
+          </a:prstGeom>
+          <a:noFill/>
+        </p:spPr>
+        <p:txBody>
+          <a:bodyPr wrap="square" rtlCol="0">
+            <a:spAutoFit/>
+          </a:bodyPr>
+          <a:p>
+            <a:pPr algn="l"/>
+            <a:r>
+              <a:rPr lang="en-US" altLang="zh-CN" sz="2200">
+                <a:solidFill>
+                  <a:schemeClr val="tx1"/>
+                </a:solidFill>
+                <a:latin typeface="+mn-ea"/>
+                <a:ea typeface="+mn-ea"/>
+              </a:rPr>
+              <a:t>name</a:t>
+            </a:r>
+            <a:r>
+              <a:rPr lang="zh-CN" altLang="en-US" sz="2200">
+                <a:solidFill>
+                  <a:schemeClr val="tx1"/>
+                </a:solidFill>
+                <a:latin typeface="+mn-ea"/>
+                <a:ea typeface="+mn-ea"/>
+              </a:rPr>
+              <a:t>：</a:t>
+            </a:r>
+            <a:r>
+              <a:rPr lang="en-US" altLang="zh-CN" sz="2200">
+                <a:solidFill>
+                  <a:schemeClr val="tx1"/>
+                </a:solidFill>
+                <a:latin typeface="+mn-ea"/>
+                <a:ea typeface="+mn-ea"/>
+              </a:rPr>
+              <a:t>“Mike”</a:t>
+            </a:r>
+            <a:endParaRPr lang="en-US" altLang="zh-CN" sz="2200">
+              <a:solidFill>
+                <a:schemeClr val="tx1"/>
+              </a:solidFill>
+              <a:latin typeface="+mn-ea"/>
+              <a:ea typeface="+mn-ea"/>
+            </a:endParaRPr>
+          </a:p>
+        </p:txBody>
+      </p:sp>
+      <p:sp>
+        <p:nvSpPr>
+          <p:cNvPr id="25" name="文本框 24"/>
+          <p:cNvSpPr txBox="1"/>
+          <p:nvPr/>
+        </p:nvSpPr>
+        <p:spPr>
+          <a:xfrm>
+            <a:off x="1383665" y="4360545"/>
+            <a:ext cx="3456305" cy="429895"/>
+          </a:xfrm>
+          <a:prstGeom prst="rect">
+            <a:avLst/>
+          </a:prstGeom>
+          <a:noFill/>
+        </p:spPr>
+        <p:txBody>
+          <a:bodyPr wrap="square" rtlCol="0">
+            <a:spAutoFit/>
+          </a:bodyPr>
+          <a:p>
+            <a:pPr algn="l"/>
+            <a:r>
+              <a:rPr lang="en-US" altLang="zh-CN" sz="2200">
+                <a:solidFill>
+                  <a:schemeClr val="tx1"/>
+                </a:solidFill>
+                <a:latin typeface="+mn-ea"/>
+                <a:ea typeface="+mn-ea"/>
+              </a:rPr>
+              <a:t>id</a:t>
+            </a:r>
+            <a:r>
+              <a:rPr lang="zh-CN" altLang="en-US" sz="2200">
+                <a:solidFill>
+                  <a:schemeClr val="tx1"/>
+                </a:solidFill>
+                <a:latin typeface="+mn-ea"/>
+                <a:ea typeface="+mn-ea"/>
+              </a:rPr>
+              <a:t>：</a:t>
+            </a:r>
+            <a:r>
+              <a:rPr lang="en-US" altLang="zh-CN" sz="2200">
+                <a:solidFill>
+                  <a:schemeClr val="tx1"/>
+                </a:solidFill>
+                <a:latin typeface="+mn-ea"/>
+                <a:ea typeface="+mn-ea"/>
+              </a:rPr>
+              <a:t>2017001</a:t>
+            </a:r>
+            <a:endParaRPr lang="en-US" altLang="zh-CN" sz="2200">
+              <a:solidFill>
+                <a:schemeClr val="tx1"/>
+              </a:solidFill>
+              <a:latin typeface="+mn-ea"/>
+              <a:ea typeface="+mn-ea"/>
+            </a:endParaRPr>
+          </a:p>
+        </p:txBody>
+      </p:sp>
+      <p:sp>
+        <p:nvSpPr>
+          <p:cNvPr id="26" name="文本框 25"/>
+          <p:cNvSpPr txBox="1"/>
+          <p:nvPr/>
+        </p:nvSpPr>
+        <p:spPr>
+          <a:xfrm>
+            <a:off x="1377950" y="4846320"/>
+            <a:ext cx="3373755" cy="429895"/>
+          </a:xfrm>
+          <a:prstGeom prst="rect">
+            <a:avLst/>
+          </a:prstGeom>
+          <a:noFill/>
+        </p:spPr>
+        <p:txBody>
+          <a:bodyPr wrap="square" rtlCol="0">
+            <a:spAutoFit/>
+          </a:bodyPr>
+          <a:p>
+            <a:pPr algn="l"/>
+            <a:r>
+              <a:rPr lang="en-US" sz="2200">
+                <a:solidFill>
+                  <a:schemeClr val="accent1">
+                    <a:lumMod val="90000"/>
+                    <a:lumOff val="10000"/>
+                  </a:schemeClr>
+                </a:solidFill>
+                <a:latin typeface="+mn-ea"/>
+                <a:ea typeface="+mn-ea"/>
+              </a:rPr>
+              <a:t>age</a:t>
+            </a:r>
+            <a:r>
+              <a:rPr lang="zh-CN" altLang="en-US" sz="2200">
+                <a:solidFill>
+                  <a:schemeClr val="accent1">
+                    <a:lumMod val="90000"/>
+                    <a:lumOff val="10000"/>
+                  </a:schemeClr>
+                </a:solidFill>
+                <a:latin typeface="+mn-ea"/>
+                <a:ea typeface="+mn-ea"/>
+              </a:rPr>
+              <a:t>：</a:t>
+            </a:r>
+            <a:r>
+              <a:rPr lang="en-US" altLang="zh-CN" sz="2200">
+                <a:solidFill>
+                  <a:schemeClr val="accent1">
+                    <a:lumMod val="90000"/>
+                    <a:lumOff val="10000"/>
+                  </a:schemeClr>
+                </a:solidFill>
+                <a:latin typeface="+mn-ea"/>
+                <a:ea typeface="+mn-ea"/>
+              </a:rPr>
+              <a:t>23</a:t>
+            </a:r>
+            <a:endParaRPr lang="en-US" altLang="zh-CN" sz="2200">
+              <a:solidFill>
+                <a:schemeClr val="accent1">
+                  <a:lumMod val="90000"/>
+                  <a:lumOff val="10000"/>
+                </a:schemeClr>
+              </a:solidFill>
+              <a:latin typeface="+mn-ea"/>
+              <a:ea typeface="+mn-ea"/>
+            </a:endParaRPr>
+          </a:p>
+        </p:txBody>
+      </p:sp>
+      <p:sp>
+        <p:nvSpPr>
+          <p:cNvPr id="27" name="文本框 26"/>
+          <p:cNvSpPr txBox="1"/>
+          <p:nvPr/>
+        </p:nvSpPr>
+        <p:spPr>
+          <a:xfrm>
+            <a:off x="6169025" y="4360545"/>
+            <a:ext cx="3406775" cy="429895"/>
+          </a:xfrm>
+          <a:prstGeom prst="rect">
+            <a:avLst/>
+          </a:prstGeom>
+          <a:noFill/>
+        </p:spPr>
+        <p:txBody>
+          <a:bodyPr wrap="square" rtlCol="0">
+            <a:spAutoFit/>
+          </a:bodyPr>
+          <a:p>
+            <a:pPr algn="l"/>
+            <a:r>
+              <a:rPr lang="en-US" altLang="zh-CN" sz="2200">
+                <a:solidFill>
+                  <a:schemeClr val="tx1"/>
+                </a:solidFill>
+                <a:latin typeface="+mn-ea"/>
+                <a:ea typeface="+mn-ea"/>
+              </a:rPr>
+              <a:t>id</a:t>
+            </a:r>
+            <a:r>
+              <a:rPr lang="zh-CN" altLang="en-US" sz="2200">
+                <a:solidFill>
+                  <a:schemeClr val="tx1"/>
+                </a:solidFill>
+                <a:latin typeface="+mn-ea"/>
+                <a:ea typeface="+mn-ea"/>
+              </a:rPr>
+              <a:t>：</a:t>
+            </a:r>
+            <a:r>
+              <a:rPr lang="en-US" altLang="zh-CN" sz="2200">
+                <a:solidFill>
+                  <a:schemeClr val="tx1"/>
+                </a:solidFill>
+                <a:latin typeface="+mn-ea"/>
+                <a:ea typeface="+mn-ea"/>
+              </a:rPr>
+              <a:t>2017002</a:t>
+            </a:r>
+            <a:endParaRPr lang="en-US" altLang="zh-CN" sz="2200">
+              <a:solidFill>
+                <a:schemeClr val="tx1"/>
+              </a:solidFill>
+              <a:latin typeface="+mn-ea"/>
+              <a:ea typeface="+mn-ea"/>
+            </a:endParaRPr>
+          </a:p>
+        </p:txBody>
+      </p:sp>
+      <p:sp>
+        <p:nvSpPr>
+          <p:cNvPr id="28" name="文本框 27"/>
+          <p:cNvSpPr txBox="1"/>
+          <p:nvPr/>
+        </p:nvSpPr>
+        <p:spPr>
+          <a:xfrm>
+            <a:off x="6185535" y="4846320"/>
+            <a:ext cx="3373755" cy="429895"/>
+          </a:xfrm>
+          <a:prstGeom prst="rect">
+            <a:avLst/>
+          </a:prstGeom>
+          <a:noFill/>
+        </p:spPr>
+        <p:txBody>
+          <a:bodyPr wrap="square" rtlCol="0">
+            <a:spAutoFit/>
+          </a:bodyPr>
+          <a:p>
+            <a:pPr algn="l"/>
+            <a:r>
+              <a:rPr lang="en-US" sz="2200">
+                <a:solidFill>
+                  <a:schemeClr val="accent1">
+                    <a:lumMod val="90000"/>
+                    <a:lumOff val="10000"/>
+                  </a:schemeClr>
+                </a:solidFill>
+                <a:latin typeface="+mn-ea"/>
+                <a:ea typeface="+mn-ea"/>
+              </a:rPr>
+              <a:t>age</a:t>
+            </a:r>
+            <a:r>
+              <a:rPr lang="zh-CN" altLang="en-US" sz="2200">
+                <a:solidFill>
+                  <a:schemeClr val="accent1">
+                    <a:lumMod val="90000"/>
+                    <a:lumOff val="10000"/>
+                  </a:schemeClr>
+                </a:solidFill>
+                <a:latin typeface="+mn-ea"/>
+                <a:ea typeface="+mn-ea"/>
+              </a:rPr>
+              <a:t>：</a:t>
+            </a:r>
+            <a:r>
+              <a:rPr lang="en-US" altLang="zh-CN" sz="2200">
+                <a:solidFill>
+                  <a:schemeClr val="accent1">
+                    <a:lumMod val="90000"/>
+                    <a:lumOff val="10000"/>
+                  </a:schemeClr>
+                </a:solidFill>
+                <a:latin typeface="+mn-ea"/>
+                <a:ea typeface="+mn-ea"/>
+              </a:rPr>
+              <a:t>24</a:t>
+            </a:r>
+            <a:endParaRPr lang="en-US" altLang="zh-CN" sz="2200">
+              <a:solidFill>
+                <a:schemeClr val="accent1">
+                  <a:lumMod val="90000"/>
+                  <a:lumOff val="10000"/>
+                </a:schemeClr>
+              </a:solidFill>
+              <a:latin typeface="+mn-ea"/>
+              <a:ea typeface="+mn-ea"/>
+            </a:endParaRPr>
+          </a:p>
+        </p:txBody>
+      </p:sp>
+      <p:sp>
+        <p:nvSpPr>
+          <p:cNvPr id="29" name="文本框 28"/>
+          <p:cNvSpPr txBox="1"/>
+          <p:nvPr/>
+        </p:nvSpPr>
+        <p:spPr>
+          <a:xfrm>
+            <a:off x="1383665" y="5332095"/>
+            <a:ext cx="3423285" cy="429895"/>
+          </a:xfrm>
+          <a:prstGeom prst="rect">
+            <a:avLst/>
+          </a:prstGeom>
+          <a:noFill/>
+        </p:spPr>
+        <p:txBody>
+          <a:bodyPr wrap="square" rtlCol="0">
+            <a:spAutoFit/>
+          </a:bodyPr>
+          <a:p>
+            <a:pPr algn="l"/>
+            <a:r>
+              <a:rPr lang="en-US" sz="2200">
+                <a:solidFill>
+                  <a:schemeClr val="accent1">
+                    <a:lumMod val="90000"/>
+                    <a:lumOff val="10000"/>
+                  </a:schemeClr>
+                </a:solidFill>
+                <a:latin typeface="+mn-ea"/>
+                <a:ea typeface="+mn-ea"/>
+              </a:rPr>
+              <a:t>name</a:t>
+            </a:r>
+            <a:r>
+              <a:rPr lang="zh-CN" altLang="en-US" sz="2200">
+                <a:solidFill>
+                  <a:schemeClr val="accent1">
+                    <a:lumMod val="90000"/>
+                    <a:lumOff val="10000"/>
+                  </a:schemeClr>
+                </a:solidFill>
+                <a:latin typeface="+mn-ea"/>
+                <a:ea typeface="+mn-ea"/>
+              </a:rPr>
+              <a:t>：</a:t>
+            </a:r>
+            <a:r>
+              <a:rPr lang="en-US" altLang="zh-CN" sz="2200">
+                <a:solidFill>
+                  <a:schemeClr val="accent1">
+                    <a:lumMod val="90000"/>
+                    <a:lumOff val="10000"/>
+                  </a:schemeClr>
+                </a:solidFill>
+                <a:latin typeface="+mn-ea"/>
+                <a:ea typeface="+mn-ea"/>
+              </a:rPr>
+              <a:t>“ABC”</a:t>
+            </a:r>
+            <a:endParaRPr lang="en-US" altLang="zh-CN" sz="2200">
+              <a:solidFill>
+                <a:schemeClr val="accent1">
+                  <a:lumMod val="90000"/>
+                  <a:lumOff val="10000"/>
+                </a:schemeClr>
+              </a:solidFill>
+              <a:latin typeface="+mn-ea"/>
+              <a:ea typeface="+mn-ea"/>
+            </a:endParaRPr>
+          </a:p>
+        </p:txBody>
+      </p:sp>
+      <p:sp>
+        <p:nvSpPr>
+          <p:cNvPr id="30" name="文本框 29"/>
+          <p:cNvSpPr txBox="1"/>
+          <p:nvPr/>
+        </p:nvSpPr>
+        <p:spPr>
+          <a:xfrm>
+            <a:off x="6169025" y="5332095"/>
+            <a:ext cx="3373755" cy="429895"/>
+          </a:xfrm>
+          <a:prstGeom prst="rect">
+            <a:avLst/>
+          </a:prstGeom>
+          <a:noFill/>
+        </p:spPr>
+        <p:txBody>
+          <a:bodyPr wrap="square" rtlCol="0">
+            <a:spAutoFit/>
+          </a:bodyPr>
+          <a:p>
+            <a:pPr algn="l"/>
+            <a:r>
+              <a:rPr lang="en-US" sz="2200">
+                <a:solidFill>
+                  <a:schemeClr val="accent1">
+                    <a:lumMod val="90000"/>
+                    <a:lumOff val="10000"/>
+                  </a:schemeClr>
+                </a:solidFill>
+                <a:latin typeface="+mn-ea"/>
+                <a:ea typeface="+mn-ea"/>
+              </a:rPr>
+              <a:t>name</a:t>
+            </a:r>
+            <a:r>
+              <a:rPr lang="zh-CN" altLang="en-US" sz="2200">
+                <a:solidFill>
+                  <a:schemeClr val="accent1">
+                    <a:lumMod val="90000"/>
+                    <a:lumOff val="10000"/>
+                  </a:schemeClr>
+                </a:solidFill>
+                <a:latin typeface="+mn-ea"/>
+                <a:ea typeface="+mn-ea"/>
+              </a:rPr>
+              <a:t>：</a:t>
+            </a:r>
+            <a:r>
+              <a:rPr lang="en-US" altLang="zh-CN" sz="2200">
+                <a:solidFill>
+                  <a:schemeClr val="accent1">
+                    <a:lumMod val="90000"/>
+                    <a:lumOff val="10000"/>
+                  </a:schemeClr>
+                </a:solidFill>
+                <a:latin typeface="+mn-ea"/>
+                <a:ea typeface="+mn-ea"/>
+              </a:rPr>
+              <a:t>“DEF”</a:t>
+            </a:r>
+            <a:endParaRPr lang="en-US" altLang="zh-CN" sz="2200">
+              <a:solidFill>
+                <a:schemeClr val="accent1">
+                  <a:lumMod val="90000"/>
+                  <a:lumOff val="10000"/>
+                </a:schemeClr>
+              </a:solidFill>
+              <a:latin typeface="+mn-ea"/>
+              <a:ea typeface="+mn-ea"/>
+            </a:endParaRPr>
+          </a:p>
+        </p:txBody>
+      </p:sp>
+      <p:sp>
+        <p:nvSpPr>
+          <p:cNvPr id="31" name="文本框 30"/>
+          <p:cNvSpPr txBox="1"/>
+          <p:nvPr/>
+        </p:nvSpPr>
+        <p:spPr>
+          <a:xfrm>
+            <a:off x="3778885" y="1425575"/>
+            <a:ext cx="2539365" cy="368300"/>
+          </a:xfrm>
+          <a:prstGeom prst="rect">
+            <a:avLst/>
+          </a:prstGeom>
+          <a:noFill/>
+        </p:spPr>
+        <p:txBody>
+          <a:bodyPr wrap="square" rtlCol="0">
+            <a:spAutoFit/>
+          </a:bodyPr>
+          <a:p>
+            <a:pPr algn="l"/>
+            <a:r>
+              <a:rPr lang="en-US" sz="1800">
+                <a:solidFill>
+                  <a:srgbClr val="FF0000"/>
+                </a:solidFill>
+                <a:latin typeface="+mn-ea"/>
+                <a:ea typeface="+mn-ea"/>
+                <a:sym typeface="+mn-ea"/>
+              </a:rPr>
+              <a:t>Person.prototype</a:t>
+            </a:r>
+            <a:endParaRPr lang="en-US" altLang="en-US" sz="1800">
+              <a:solidFill>
+                <a:srgbClr val="FF0000"/>
+              </a:solidFill>
+              <a:latin typeface="+mn-ea"/>
+              <a:ea typeface="+mn-ea"/>
+            </a:endParaRPr>
+          </a:p>
+        </p:txBody>
+      </p:sp>
+      <p:sp>
+        <p:nvSpPr>
+          <p:cNvPr id="32" name="文本框 31"/>
+          <p:cNvSpPr txBox="1"/>
+          <p:nvPr/>
+        </p:nvSpPr>
+        <p:spPr>
+          <a:xfrm>
+            <a:off x="3751580" y="2915920"/>
+            <a:ext cx="615950" cy="368300"/>
+          </a:xfrm>
+          <a:prstGeom prst="rect">
+            <a:avLst/>
+          </a:prstGeom>
+          <a:noFill/>
+        </p:spPr>
+        <p:txBody>
+          <a:bodyPr wrap="square" rtlCol="0">
+            <a:spAutoFit/>
+          </a:bodyPr>
+          <a:p>
+            <a:pPr algn="l"/>
+            <a:r>
+              <a:rPr lang="en-US" altLang="en-US" sz="1800">
+                <a:solidFill>
+                  <a:srgbClr val="FF0000"/>
+                </a:solidFill>
+                <a:latin typeface="+mn-ea"/>
+                <a:ea typeface="+mn-ea"/>
+              </a:rPr>
+              <a:t>p1</a:t>
+            </a:r>
+            <a:endParaRPr lang="en-US" altLang="en-US" sz="1800">
+              <a:solidFill>
+                <a:srgbClr val="FF0000"/>
+              </a:solidFill>
+              <a:latin typeface="+mn-ea"/>
+              <a:ea typeface="+mn-ea"/>
+            </a:endParaRPr>
+          </a:p>
+        </p:txBody>
+      </p:sp>
+      <p:sp>
+        <p:nvSpPr>
+          <p:cNvPr id="33" name="文本框 32"/>
+          <p:cNvSpPr txBox="1"/>
+          <p:nvPr/>
+        </p:nvSpPr>
+        <p:spPr>
+          <a:xfrm>
+            <a:off x="1383665" y="3909060"/>
+            <a:ext cx="615950" cy="368300"/>
+          </a:xfrm>
+          <a:prstGeom prst="rect">
+            <a:avLst/>
+          </a:prstGeom>
+          <a:noFill/>
+        </p:spPr>
+        <p:txBody>
+          <a:bodyPr wrap="square" rtlCol="0">
+            <a:spAutoFit/>
+          </a:bodyPr>
+          <a:p>
+            <a:pPr algn="l"/>
+            <a:r>
+              <a:rPr lang="en-US" altLang="en-US" sz="1800">
+                <a:solidFill>
+                  <a:srgbClr val="FF0000"/>
+                </a:solidFill>
+                <a:latin typeface="+mn-ea"/>
+                <a:ea typeface="+mn-ea"/>
+              </a:rPr>
+              <a:t>s1</a:t>
+            </a:r>
+            <a:endParaRPr lang="en-US" altLang="en-US" sz="1800">
+              <a:solidFill>
+                <a:srgbClr val="FF0000"/>
+              </a:solidFill>
+              <a:latin typeface="+mn-ea"/>
+              <a:ea typeface="+mn-ea"/>
+            </a:endParaRPr>
+          </a:p>
+        </p:txBody>
+      </p:sp>
+      <p:sp>
+        <p:nvSpPr>
+          <p:cNvPr id="34" name="文本框 33"/>
+          <p:cNvSpPr txBox="1"/>
+          <p:nvPr/>
+        </p:nvSpPr>
+        <p:spPr>
+          <a:xfrm>
+            <a:off x="8959850" y="3909060"/>
+            <a:ext cx="615950" cy="368300"/>
+          </a:xfrm>
+          <a:prstGeom prst="rect">
+            <a:avLst/>
+          </a:prstGeom>
+          <a:noFill/>
+        </p:spPr>
+        <p:txBody>
+          <a:bodyPr wrap="square" rtlCol="0">
+            <a:spAutoFit/>
+          </a:bodyPr>
+          <a:p>
+            <a:pPr algn="l"/>
+            <a:r>
+              <a:rPr lang="en-US" altLang="en-US" sz="1800">
+                <a:solidFill>
+                  <a:srgbClr val="FF0000"/>
+                </a:solidFill>
+                <a:latin typeface="+mn-ea"/>
+                <a:ea typeface="+mn-ea"/>
+              </a:rPr>
+              <a:t>s2</a:t>
+            </a:r>
+            <a:endParaRPr lang="en-US" altLang="en-US" sz="1800">
+              <a:solidFill>
+                <a:srgbClr val="FF0000"/>
+              </a:solidFill>
+              <a:latin typeface="+mn-ea"/>
+              <a:ea typeface="+mn-ea"/>
+            </a:endParaRPr>
+          </a:p>
+        </p:txBody>
+      </p:sp>
+      <p:sp>
+        <p:nvSpPr>
+          <p:cNvPr id="35" name="流程图: 过程 34"/>
+          <p:cNvSpPr/>
+          <p:nvPr/>
+        </p:nvSpPr>
+        <p:spPr>
+          <a:xfrm>
+            <a:off x="9360535" y="2938145"/>
+            <a:ext cx="2672715" cy="538480"/>
+          </a:xfrm>
+          <a:prstGeom prst="flowChartProcess">
+            <a:avLst/>
+          </a:prstGeom>
+          <a:ln>
+            <a:headEnd type="none" w="med" len="med"/>
+            <a:tailEnd type="none" w="med" len="med"/>
+          </a:ln>
+        </p:spPr>
+        <p:style>
+          <a:lnRef idx="2">
+            <a:schemeClr val="accent4"/>
+          </a:lnRef>
+          <a:fillRef idx="1">
+            <a:schemeClr val="lt1"/>
+          </a:fillRef>
+          <a:effectRef idx="0">
+            <a:schemeClr val="accent4"/>
+          </a:effectRef>
+          <a:fontRef idx="minor">
+            <a:schemeClr val="dk1"/>
+          </a:fontRef>
+        </p:style>
+        <p:txBody>
+          <a:bodyPr vert="horz" wrap="square" lIns="91440" tIns="45720" rIns="91440" bIns="45720" numCol="1" anchor="t" anchorCtr="0" compatLnSpc="1"/>
+          <a:p>
+            <a:pPr marL="0" marR="0" indent="0" algn="l" defTabSz="914400" rtl="0" eaLnBrk="0" fontAlgn="base" latinLnBrk="0" hangingPunct="0">
+              <a:lnSpc>
+                <a:spcPct val="100000"/>
+              </a:lnSpc>
+              <a:spcBef>
+                <a:spcPct val="0"/>
+              </a:spcBef>
+              <a:spcAft>
+                <a:spcPct val="0"/>
+              </a:spcAft>
+              <a:buClrTx/>
+              <a:buSzTx/>
+              <a:buFontTx/>
+              <a:buNone/>
+            </a:pPr>
+            <a:endParaRPr kumimoji="0" lang="zh-CN" altLang="en-US" sz="3200" b="0" i="0" u="none" strike="noStrike" cap="none" normalizeH="0" baseline="0" smtClean="0">
+              <a:ln>
+                <a:noFill/>
+              </a:ln>
+              <a:solidFill>
+                <a:schemeClr val="tx1"/>
+              </a:solidFill>
+              <a:effectLst/>
+              <a:latin typeface="Arial" panose="020B0604020202020204" pitchFamily="34" charset="0"/>
+            </a:endParaRPr>
+          </a:p>
+        </p:txBody>
+      </p:sp>
+      <p:sp>
+        <p:nvSpPr>
+          <p:cNvPr id="36" name="文本框 35"/>
+          <p:cNvSpPr txBox="1"/>
+          <p:nvPr/>
+        </p:nvSpPr>
+        <p:spPr>
+          <a:xfrm>
+            <a:off x="9405620" y="2992755"/>
+            <a:ext cx="2399030" cy="429895"/>
+          </a:xfrm>
+          <a:prstGeom prst="rect">
+            <a:avLst/>
+          </a:prstGeom>
+          <a:noFill/>
+        </p:spPr>
+        <p:txBody>
+          <a:bodyPr wrap="square" rtlCol="0">
+            <a:spAutoFit/>
+          </a:bodyPr>
+          <a:p>
+            <a:pPr algn="l"/>
+            <a:r>
+              <a:rPr lang="en-US" sz="2200">
+                <a:solidFill>
+                  <a:schemeClr val="tx1"/>
+                </a:solidFill>
+                <a:latin typeface="+mn-ea"/>
+                <a:ea typeface="+mn-ea"/>
+              </a:rPr>
+              <a:t>Student</a:t>
+            </a:r>
+            <a:r>
+              <a:rPr lang="zh-CN" altLang="en-US" sz="2200">
+                <a:solidFill>
+                  <a:schemeClr val="tx1"/>
+                </a:solidFill>
+                <a:latin typeface="+mn-ea"/>
+                <a:ea typeface="+mn-ea"/>
+              </a:rPr>
+              <a:t>构造函数</a:t>
+            </a:r>
+            <a:endParaRPr lang="zh-CN" altLang="en-US" sz="2200">
+              <a:solidFill>
+                <a:schemeClr val="tx1"/>
+              </a:solidFill>
+              <a:latin typeface="+mn-ea"/>
+              <a:ea typeface="+mn-ea"/>
+            </a:endParaRPr>
+          </a:p>
+        </p:txBody>
+      </p:sp>
+      <p:sp>
+        <p:nvSpPr>
+          <p:cNvPr id="37" name="流程图: 过程 36"/>
+          <p:cNvSpPr/>
+          <p:nvPr/>
+        </p:nvSpPr>
+        <p:spPr>
+          <a:xfrm>
+            <a:off x="9360535" y="1845310"/>
+            <a:ext cx="2689225" cy="538480"/>
+          </a:xfrm>
+          <a:prstGeom prst="flowChartProcess">
+            <a:avLst/>
+          </a:prstGeom>
+          <a:ln>
+            <a:headEnd type="none" w="med" len="med"/>
+            <a:tailEnd type="none" w="med" len="med"/>
+          </a:ln>
+        </p:spPr>
+        <p:style>
+          <a:lnRef idx="2">
+            <a:schemeClr val="accent4"/>
+          </a:lnRef>
+          <a:fillRef idx="1">
+            <a:schemeClr val="lt1"/>
+          </a:fillRef>
+          <a:effectRef idx="0">
+            <a:schemeClr val="accent4"/>
+          </a:effectRef>
+          <a:fontRef idx="minor">
+            <a:schemeClr val="dk1"/>
+          </a:fontRef>
+        </p:style>
+        <p:txBody>
+          <a:bodyPr vert="horz" wrap="square" lIns="91440" tIns="45720" rIns="91440" bIns="45720" numCol="1" anchor="t" anchorCtr="0" compatLnSpc="1"/>
+          <a:p>
+            <a:pPr marL="0" marR="0" indent="0" algn="l" defTabSz="914400" rtl="0" eaLnBrk="0" fontAlgn="base" latinLnBrk="0" hangingPunct="0">
+              <a:lnSpc>
+                <a:spcPct val="100000"/>
+              </a:lnSpc>
+              <a:spcBef>
+                <a:spcPct val="0"/>
+              </a:spcBef>
+              <a:spcAft>
+                <a:spcPct val="0"/>
+              </a:spcAft>
+              <a:buClrTx/>
+              <a:buSzTx/>
+              <a:buFontTx/>
+              <a:buNone/>
+            </a:pPr>
+            <a:endParaRPr kumimoji="0" lang="zh-CN" altLang="en-US" sz="3200" b="0" i="0" u="none" strike="noStrike" cap="none" normalizeH="0" baseline="0" smtClean="0">
+              <a:ln>
+                <a:noFill/>
+              </a:ln>
+              <a:solidFill>
+                <a:schemeClr val="tx1"/>
+              </a:solidFill>
+              <a:effectLst/>
+              <a:latin typeface="Arial" panose="020B0604020202020204" pitchFamily="34" charset="0"/>
+            </a:endParaRPr>
+          </a:p>
+        </p:txBody>
+      </p:sp>
+      <p:sp>
+        <p:nvSpPr>
+          <p:cNvPr id="38" name="文本框 37"/>
+          <p:cNvSpPr txBox="1"/>
+          <p:nvPr/>
+        </p:nvSpPr>
+        <p:spPr>
+          <a:xfrm>
+            <a:off x="9389110" y="1899920"/>
+            <a:ext cx="2221865" cy="429895"/>
+          </a:xfrm>
+          <a:prstGeom prst="rect">
+            <a:avLst/>
+          </a:prstGeom>
+          <a:noFill/>
+        </p:spPr>
+        <p:txBody>
+          <a:bodyPr wrap="square" rtlCol="0">
+            <a:spAutoFit/>
+          </a:bodyPr>
+          <a:p>
+            <a:pPr algn="l"/>
+            <a:r>
+              <a:rPr lang="en-US" altLang="zh-CN" sz="2200">
+                <a:solidFill>
+                  <a:schemeClr val="tx1"/>
+                </a:solidFill>
+                <a:latin typeface="+mn-ea"/>
+                <a:ea typeface="+mn-ea"/>
+              </a:rPr>
+              <a:t>Person</a:t>
+            </a:r>
+            <a:r>
+              <a:rPr lang="zh-CN" altLang="en-US" sz="2200">
+                <a:solidFill>
+                  <a:schemeClr val="tx1"/>
+                </a:solidFill>
+                <a:latin typeface="+mn-ea"/>
+                <a:ea typeface="+mn-ea"/>
+              </a:rPr>
+              <a:t>构造函数</a:t>
+            </a:r>
+            <a:endParaRPr lang="zh-CN" altLang="en-US" sz="2200">
+              <a:solidFill>
+                <a:schemeClr val="tx1"/>
+              </a:solidFill>
+              <a:latin typeface="+mn-ea"/>
+              <a:ea typeface="+mn-ea"/>
+            </a:endParaRPr>
+          </a:p>
+        </p:txBody>
+      </p:sp>
+      <p:cxnSp>
+        <p:nvCxnSpPr>
+          <p:cNvPr id="39" name="直接箭头连接符 38"/>
+          <p:cNvCxnSpPr>
+            <a:stCxn id="38" idx="1"/>
+          </p:cNvCxnSpPr>
+          <p:nvPr/>
+        </p:nvCxnSpPr>
+        <p:spPr>
+          <a:xfrm flipH="1">
+            <a:off x="5971540" y="2115185"/>
+            <a:ext cx="3417570" cy="1169035"/>
+          </a:xfrm>
+          <a:prstGeom prst="straightConnector1">
+            <a:avLst/>
+          </a:prstGeom>
+          <a:solidFill>
+            <a:schemeClr val="accent1"/>
+          </a:solidFill>
+          <a:ln w="9525" cap="flat" cmpd="sng" algn="ctr">
+            <a:solidFill>
+              <a:schemeClr val="tx1"/>
+            </a:solidFill>
+            <a:prstDash val="solid"/>
+            <a:round/>
+            <a:headEnd type="none" w="med" len="med"/>
+            <a:tailEnd type="arrow" w="med" len="med"/>
+          </a:ln>
+        </p:spPr>
+      </p:cxnSp>
+      <p:cxnSp>
+        <p:nvCxnSpPr>
+          <p:cNvPr id="40" name="直接箭头连接符 39"/>
+          <p:cNvCxnSpPr>
+            <a:stCxn id="35" idx="2"/>
+            <a:endCxn id="26" idx="3"/>
+          </p:cNvCxnSpPr>
+          <p:nvPr/>
+        </p:nvCxnSpPr>
+        <p:spPr>
+          <a:xfrm flipH="1">
+            <a:off x="4751705" y="3476625"/>
+            <a:ext cx="5945505" cy="1584960"/>
+          </a:xfrm>
+          <a:prstGeom prst="straightConnector1">
+            <a:avLst/>
+          </a:prstGeom>
+          <a:solidFill>
+            <a:schemeClr val="accent1"/>
+          </a:solidFill>
+          <a:ln w="9525" cap="flat" cmpd="sng" algn="ctr">
+            <a:solidFill>
+              <a:schemeClr val="tx1"/>
+            </a:solidFill>
+            <a:prstDash val="solid"/>
+            <a:round/>
+            <a:headEnd type="none" w="med" len="med"/>
+            <a:tailEnd type="arrow" w="med" len="med"/>
+          </a:ln>
+        </p:spPr>
+      </p:cxnSp>
+      <p:cxnSp>
+        <p:nvCxnSpPr>
+          <p:cNvPr id="41" name="直接箭头连接符 40"/>
+          <p:cNvCxnSpPr>
+            <a:endCxn id="28" idx="3"/>
+          </p:cNvCxnSpPr>
+          <p:nvPr/>
+        </p:nvCxnSpPr>
+        <p:spPr>
+          <a:xfrm flipH="1">
+            <a:off x="9559290" y="3476625"/>
+            <a:ext cx="1146810" cy="1584960"/>
+          </a:xfrm>
+          <a:prstGeom prst="straightConnector1">
+            <a:avLst/>
+          </a:prstGeom>
+          <a:solidFill>
+            <a:schemeClr val="accent1"/>
+          </a:solidFill>
+          <a:ln w="9525" cap="flat" cmpd="sng" algn="ctr">
+            <a:solidFill>
+              <a:schemeClr val="tx1"/>
+            </a:solidFill>
+            <a:prstDash val="solid"/>
+            <a:round/>
+            <a:headEnd type="none" w="med" len="med"/>
+            <a:tailEnd type="arrow" w="med" len="med"/>
+          </a:ln>
+        </p:spPr>
+      </p:cxnSp>
+    </p:spTree>
+  </p:cSld>
+  <p:clrMapOvr>
+    <a:masterClrMapping/>
+  </p:clrMapOvr>
+  <p:timing>
+    <p:tnLst>
+      <p:par>
+        <p:cTn id="1" dur="indefinite" restart="never" fill="hold" nodeType="tmRoot">
+          <p:childTnLst>
+            <p:seq concurrent="1" nextAc="seek">
+              <p:cTn id="2" dur="indefinite" nodeType="mainSeq">
+                <p:childTnLst>
+                  <p:par>
+                    <p:cTn id="3" fill="hold">
+                      <p:stCondLst>
+                        <p:cond delay="indefinite"/>
+                      </p:stCondLst>
+                      <p:childTnLst>
+                        <p:par>
+                          <p:cTn id="4" fill="hold">
+                            <p:stCondLst>
+                              <p:cond delay="0"/>
+                            </p:stCondLst>
+                            <p:childTnLst>
+                              <p:par>
+                                <p:cTn id="5" presetID="3" presetClass="entr" presetSubtype="10" fill="hold" nodeType="clickEffect">
+                                  <p:stCondLst>
+                                    <p:cond delay="0"/>
+                                  </p:stCondLst>
+                                  <p:childTnLst>
+                                    <p:set>
+                                      <p:cBhvr>
+                                        <p:cTn id="6" dur="1" fill="hold">
+                                          <p:stCondLst>
+                                            <p:cond delay="0"/>
+                                          </p:stCondLst>
+                                        </p:cTn>
+                                        <p:tgtEl>
+                                          <p:spTgt spid="39"/>
+                                        </p:tgtEl>
+                                        <p:attrNameLst>
+                                          <p:attrName>style.visibility</p:attrName>
+                                        </p:attrNameLst>
+                                      </p:cBhvr>
+                                      <p:to>
+                                        <p:strVal val="visible"/>
+                                      </p:to>
+                                    </p:set>
+                                    <p:animEffect transition="in" filter="blinds(horizontal)">
+                                      <p:cBhvr>
+                                        <p:cTn id="7" dur="500"/>
+                                        <p:tgtEl>
+                                          <p:spTgt spid="39"/>
+                                        </p:tgtEl>
+                                      </p:cBhvr>
+                                    </p:animEffect>
+                                  </p:childTnLst>
+                                </p:cTn>
+                              </p:par>
+                            </p:childTnLst>
+                          </p:cTn>
+                        </p:par>
+                      </p:childTnLst>
+                    </p:cTn>
+                  </p:par>
+                  <p:par>
+                    <p:cTn id="8" fill="hold">
+                      <p:stCondLst>
+                        <p:cond delay="indefinite"/>
+                      </p:stCondLst>
+                      <p:childTnLst>
+                        <p:par>
+                          <p:cTn id="9" fill="hold">
+                            <p:stCondLst>
+                              <p:cond delay="0"/>
+                            </p:stCondLst>
+                            <p:childTnLst>
+                              <p:par>
+                                <p:cTn id="10" presetID="3" presetClass="entr" presetSubtype="10" fill="hold" nodeType="clickEffect">
+                                  <p:stCondLst>
+                                    <p:cond delay="0"/>
+                                  </p:stCondLst>
+                                  <p:childTnLst>
+                                    <p:set>
+                                      <p:cBhvr>
+                                        <p:cTn id="11" dur="1" fill="hold">
+                                          <p:stCondLst>
+                                            <p:cond delay="0"/>
+                                          </p:stCondLst>
+                                        </p:cTn>
+                                        <p:tgtEl>
+                                          <p:spTgt spid="40"/>
+                                        </p:tgtEl>
+                                        <p:attrNameLst>
+                                          <p:attrName>style.visibility</p:attrName>
+                                        </p:attrNameLst>
+                                      </p:cBhvr>
+                                      <p:to>
+                                        <p:strVal val="visible"/>
+                                      </p:to>
+                                    </p:set>
+                                    <p:animEffect transition="in" filter="blinds(horizontal)">
+                                      <p:cBhvr>
+                                        <p:cTn id="12" dur="500"/>
+                                        <p:tgtEl>
+                                          <p:spTgt spid="40"/>
+                                        </p:tgtEl>
+                                      </p:cBhvr>
+                                    </p:animEffect>
+                                  </p:childTnLst>
+                                </p:cTn>
+                              </p:par>
+                              <p:par>
+                                <p:cTn id="13" presetID="3" presetClass="entr" presetSubtype="10" fill="hold" nodeType="withEffect">
+                                  <p:stCondLst>
+                                    <p:cond delay="0"/>
+                                  </p:stCondLst>
+                                  <p:childTnLst>
+                                    <p:set>
+                                      <p:cBhvr>
+                                        <p:cTn id="14" dur="1" fill="hold">
+                                          <p:stCondLst>
+                                            <p:cond delay="0"/>
+                                          </p:stCondLst>
+                                        </p:cTn>
+                                        <p:tgtEl>
+                                          <p:spTgt spid="41"/>
+                                        </p:tgtEl>
+                                        <p:attrNameLst>
+                                          <p:attrName>style.visibility</p:attrName>
+                                        </p:attrNameLst>
+                                      </p:cBhvr>
+                                      <p:to>
+                                        <p:strVal val="visible"/>
+                                      </p:to>
+                                    </p:set>
+                                    <p:animEffect transition="in" filter="blinds(horizontal)">
+                                      <p:cBhvr>
+                                        <p:cTn id="15" dur="500"/>
+                                        <p:tgtEl>
+                                          <p:spTgt spid="41"/>
+                                        </p:tgtEl>
+                                      </p:cBhvr>
+                                    </p:animEffect>
+                                  </p:childTnLst>
+                                </p:cTn>
+                              </p:par>
+                            </p:childTnLst>
+                          </p:cTn>
+                        </p:par>
+                      </p:childTnLst>
+                    </p:cTn>
+                  </p:par>
+                  <p:par>
+                    <p:cTn id="16" fill="hold">
+                      <p:stCondLst>
+                        <p:cond delay="indefinite"/>
+                      </p:stCondLst>
+                      <p:childTnLst>
+                        <p:par>
+                          <p:cTn id="17" fill="hold">
+                            <p:stCondLst>
+                              <p:cond delay="0"/>
+                            </p:stCondLst>
+                            <p:childTnLst>
+                              <p:par>
+                                <p:cTn id="18" presetID="2" presetClass="entr" presetSubtype="4" fill="hold" grpId="0" nodeType="clickEffect">
+                                  <p:stCondLst>
+                                    <p:cond delay="0"/>
+                                  </p:stCondLst>
+                                  <p:childTnLst>
+                                    <p:set>
+                                      <p:cBhvr>
+                                        <p:cTn id="19" dur="1" fill="hold">
+                                          <p:stCondLst>
+                                            <p:cond delay="0"/>
+                                          </p:stCondLst>
+                                        </p:cTn>
+                                        <p:tgtEl>
+                                          <p:spTgt spid="26"/>
+                                        </p:tgtEl>
+                                        <p:attrNameLst>
+                                          <p:attrName>style.visibility</p:attrName>
+                                        </p:attrNameLst>
+                                      </p:cBhvr>
+                                      <p:to>
+                                        <p:strVal val="visible"/>
+                                      </p:to>
+                                    </p:set>
+                                    <p:anim calcmode="lin" valueType="num">
+                                      <p:cBhvr additive="base">
+                                        <p:cTn id="20" dur="500" fill="hold"/>
+                                        <p:tgtEl>
+                                          <p:spTgt spid="26"/>
+                                        </p:tgtEl>
+                                        <p:attrNameLst>
+                                          <p:attrName>ppt_x</p:attrName>
+                                        </p:attrNameLst>
+                                      </p:cBhvr>
+                                      <p:tavLst>
+                                        <p:tav tm="0">
+                                          <p:val>
+                                            <p:strVal val="#ppt_x"/>
+                                          </p:val>
+                                        </p:tav>
+                                        <p:tav tm="100000">
+                                          <p:val>
+                                            <p:strVal val="#ppt_x"/>
+                                          </p:val>
+                                        </p:tav>
+                                      </p:tavLst>
+                                    </p:anim>
+                                    <p:anim calcmode="lin" valueType="num">
+                                      <p:cBhvr additive="base">
+                                        <p:cTn id="21" dur="500" fill="hold"/>
+                                        <p:tgtEl>
+                                          <p:spTgt spid="26"/>
+                                        </p:tgtEl>
+                                        <p:attrNameLst>
+                                          <p:attrName>ppt_y</p:attrName>
+                                        </p:attrNameLst>
+                                      </p:cBhvr>
+                                      <p:tavLst>
+                                        <p:tav tm="0">
+                                          <p:val>
+                                            <p:strVal val="1+#ppt_h/2"/>
+                                          </p:val>
+                                        </p:tav>
+                                        <p:tav tm="100000">
+                                          <p:val>
+                                            <p:strVal val="#ppt_y"/>
+                                          </p:val>
+                                        </p:tav>
+                                      </p:tavLst>
+                                    </p:anim>
+                                  </p:childTnLst>
+                                </p:cTn>
+                              </p:par>
+                              <p:par>
+                                <p:cTn id="22" presetID="2" presetClass="entr" presetSubtype="4" fill="hold" grpId="0" nodeType="withEffect">
+                                  <p:stCondLst>
+                                    <p:cond delay="0"/>
+                                  </p:stCondLst>
+                                  <p:childTnLst>
+                                    <p:set>
+                                      <p:cBhvr>
+                                        <p:cTn id="23" dur="1" fill="hold">
+                                          <p:stCondLst>
+                                            <p:cond delay="0"/>
+                                          </p:stCondLst>
+                                        </p:cTn>
+                                        <p:tgtEl>
+                                          <p:spTgt spid="28"/>
+                                        </p:tgtEl>
+                                        <p:attrNameLst>
+                                          <p:attrName>style.visibility</p:attrName>
+                                        </p:attrNameLst>
+                                      </p:cBhvr>
+                                      <p:to>
+                                        <p:strVal val="visible"/>
+                                      </p:to>
+                                    </p:set>
+                                    <p:anim calcmode="lin" valueType="num">
+                                      <p:cBhvr additive="base">
+                                        <p:cTn id="24" dur="500" fill="hold"/>
+                                        <p:tgtEl>
+                                          <p:spTgt spid="28"/>
+                                        </p:tgtEl>
+                                        <p:attrNameLst>
+                                          <p:attrName>ppt_x</p:attrName>
+                                        </p:attrNameLst>
+                                      </p:cBhvr>
+                                      <p:tavLst>
+                                        <p:tav tm="0">
+                                          <p:val>
+                                            <p:strVal val="#ppt_x"/>
+                                          </p:val>
+                                        </p:tav>
+                                        <p:tav tm="100000">
+                                          <p:val>
+                                            <p:strVal val="#ppt_x"/>
+                                          </p:val>
+                                        </p:tav>
+                                      </p:tavLst>
+                                    </p:anim>
+                                    <p:anim calcmode="lin" valueType="num">
+                                      <p:cBhvr additive="base">
+                                        <p:cTn id="25" dur="500" fill="hold"/>
+                                        <p:tgtEl>
+                                          <p:spTgt spid="28"/>
+                                        </p:tgtEl>
+                                        <p:attrNameLst>
+                                          <p:attrName>ppt_y</p:attrName>
+                                        </p:attrNameLst>
+                                      </p:cBhvr>
+                                      <p:tavLst>
+                                        <p:tav tm="0">
+                                          <p:val>
+                                            <p:strVal val="1+#ppt_h/2"/>
+                                          </p:val>
+                                        </p:tav>
+                                        <p:tav tm="100000">
+                                          <p:val>
+                                            <p:strVal val="#ppt_y"/>
+                                          </p:val>
+                                        </p:tav>
+                                      </p:tavLst>
+                                    </p:anim>
+                                  </p:childTnLst>
+                                </p:cTn>
+                              </p:par>
+                              <p:par>
+                                <p:cTn id="26" presetID="2" presetClass="entr" presetSubtype="4" fill="hold" grpId="0" nodeType="withEffect">
+                                  <p:stCondLst>
+                                    <p:cond delay="0"/>
+                                  </p:stCondLst>
+                                  <p:childTnLst>
+                                    <p:set>
+                                      <p:cBhvr>
+                                        <p:cTn id="27" dur="1" fill="hold">
+                                          <p:stCondLst>
+                                            <p:cond delay="0"/>
+                                          </p:stCondLst>
+                                        </p:cTn>
+                                        <p:tgtEl>
+                                          <p:spTgt spid="29"/>
+                                        </p:tgtEl>
+                                        <p:attrNameLst>
+                                          <p:attrName>style.visibility</p:attrName>
+                                        </p:attrNameLst>
+                                      </p:cBhvr>
+                                      <p:to>
+                                        <p:strVal val="visible"/>
+                                      </p:to>
+                                    </p:set>
+                                    <p:anim calcmode="lin" valueType="num">
+                                      <p:cBhvr additive="base">
+                                        <p:cTn id="28" dur="500" fill="hold"/>
+                                        <p:tgtEl>
+                                          <p:spTgt spid="29"/>
+                                        </p:tgtEl>
+                                        <p:attrNameLst>
+                                          <p:attrName>ppt_x</p:attrName>
+                                        </p:attrNameLst>
+                                      </p:cBhvr>
+                                      <p:tavLst>
+                                        <p:tav tm="0">
+                                          <p:val>
+                                            <p:strVal val="#ppt_x"/>
+                                          </p:val>
+                                        </p:tav>
+                                        <p:tav tm="100000">
+                                          <p:val>
+                                            <p:strVal val="#ppt_x"/>
+                                          </p:val>
+                                        </p:tav>
+                                      </p:tavLst>
+                                    </p:anim>
+                                    <p:anim calcmode="lin" valueType="num">
+                                      <p:cBhvr additive="base">
+                                        <p:cTn id="29" dur="500" fill="hold"/>
+                                        <p:tgtEl>
+                                          <p:spTgt spid="29"/>
+                                        </p:tgtEl>
+                                        <p:attrNameLst>
+                                          <p:attrName>ppt_y</p:attrName>
+                                        </p:attrNameLst>
+                                      </p:cBhvr>
+                                      <p:tavLst>
+                                        <p:tav tm="0">
+                                          <p:val>
+                                            <p:strVal val="1+#ppt_h/2"/>
+                                          </p:val>
+                                        </p:tav>
+                                        <p:tav tm="100000">
+                                          <p:val>
+                                            <p:strVal val="#ppt_y"/>
+                                          </p:val>
+                                        </p:tav>
+                                      </p:tavLst>
+                                    </p:anim>
+                                  </p:childTnLst>
+                                </p:cTn>
+                              </p:par>
+                              <p:par>
+                                <p:cTn id="30" presetID="2" presetClass="entr" presetSubtype="4" fill="hold" grpId="0" nodeType="withEffect">
+                                  <p:stCondLst>
+                                    <p:cond delay="0"/>
+                                  </p:stCondLst>
+                                  <p:childTnLst>
+                                    <p:set>
+                                      <p:cBhvr>
+                                        <p:cTn id="31" dur="1" fill="hold">
+                                          <p:stCondLst>
+                                            <p:cond delay="0"/>
+                                          </p:stCondLst>
+                                        </p:cTn>
+                                        <p:tgtEl>
+                                          <p:spTgt spid="30"/>
+                                        </p:tgtEl>
+                                        <p:attrNameLst>
+                                          <p:attrName>style.visibility</p:attrName>
+                                        </p:attrNameLst>
+                                      </p:cBhvr>
+                                      <p:to>
+                                        <p:strVal val="visible"/>
+                                      </p:to>
+                                    </p:set>
+                                    <p:anim calcmode="lin" valueType="num">
+                                      <p:cBhvr additive="base">
+                                        <p:cTn id="32" dur="500" fill="hold"/>
+                                        <p:tgtEl>
+                                          <p:spTgt spid="30"/>
+                                        </p:tgtEl>
+                                        <p:attrNameLst>
+                                          <p:attrName>ppt_x</p:attrName>
+                                        </p:attrNameLst>
+                                      </p:cBhvr>
+                                      <p:tavLst>
+                                        <p:tav tm="0">
+                                          <p:val>
+                                            <p:strVal val="#ppt_x"/>
+                                          </p:val>
+                                        </p:tav>
+                                        <p:tav tm="100000">
+                                          <p:val>
+                                            <p:strVal val="#ppt_x"/>
+                                          </p:val>
+                                        </p:tav>
+                                      </p:tavLst>
+                                    </p:anim>
+                                    <p:anim calcmode="lin" valueType="num">
+                                      <p:cBhvr additive="base">
+                                        <p:cTn id="33" dur="500" fill="hold"/>
+                                        <p:tgtEl>
+                                          <p:spTgt spid="30"/>
+                                        </p:tgtEl>
+                                        <p:attrNameLst>
+                                          <p:attrName>ppt_y</p:attrName>
+                                        </p:attrNameLst>
+                                      </p:cBhvr>
+                                      <p:tavLst>
+                                        <p:tav tm="0">
+                                          <p:val>
+                                            <p:strVal val="1+#ppt_h/2"/>
+                                          </p:val>
+                                        </p:tav>
+                                        <p:tav tm="100000">
+                                          <p:val>
+                                            <p:strVal val="#ppt_y"/>
+                                          </p:val>
+                                        </p:tav>
+                                      </p:tavLst>
+                                    </p:anim>
+                                  </p:childTnLst>
+                                </p:cTn>
+                              </p:par>
+                            </p:childTnLst>
+                          </p:cTn>
+                        </p:par>
+                      </p:childTnLst>
+                    </p:cTn>
+                  </p:par>
+                  <p:par>
+                    <p:cTn id="34" fill="hold">
+                      <p:stCondLst>
+                        <p:cond delay="indefinite"/>
+                      </p:stCondLst>
+                      <p:childTnLst>
+                        <p:par>
+                          <p:cTn id="35" fill="hold">
+                            <p:stCondLst>
+                              <p:cond delay="0"/>
+                            </p:stCondLst>
+                            <p:childTnLst>
+                              <p:par>
+                                <p:cTn id="36" presetID="2" presetClass="entr" presetSubtype="4" fill="hold" grpId="0" nodeType="clickEffect">
+                                  <p:stCondLst>
+                                    <p:cond delay="0"/>
+                                  </p:stCondLst>
+                                  <p:childTnLst>
+                                    <p:set>
+                                      <p:cBhvr>
+                                        <p:cTn id="37" dur="1" fill="hold">
+                                          <p:stCondLst>
+                                            <p:cond delay="0"/>
+                                          </p:stCondLst>
+                                        </p:cTn>
+                                        <p:tgtEl>
+                                          <p:spTgt spid="6"/>
+                                        </p:tgtEl>
+                                        <p:attrNameLst>
+                                          <p:attrName>style.visibility</p:attrName>
+                                        </p:attrNameLst>
+                                      </p:cBhvr>
+                                      <p:to>
+                                        <p:strVal val="visible"/>
+                                      </p:to>
+                                    </p:set>
+                                    <p:anim calcmode="lin" valueType="num">
+                                      <p:cBhvr additive="base">
+                                        <p:cTn id="38" dur="500" fill="hold"/>
+                                        <p:tgtEl>
+                                          <p:spTgt spid="6"/>
+                                        </p:tgtEl>
+                                        <p:attrNameLst>
+                                          <p:attrName>ppt_x</p:attrName>
+                                        </p:attrNameLst>
+                                      </p:cBhvr>
+                                      <p:tavLst>
+                                        <p:tav tm="0">
+                                          <p:val>
+                                            <p:strVal val="#ppt_x"/>
+                                          </p:val>
+                                        </p:tav>
+                                        <p:tav tm="100000">
+                                          <p:val>
+                                            <p:strVal val="#ppt_x"/>
+                                          </p:val>
+                                        </p:tav>
+                                      </p:tavLst>
+                                    </p:anim>
+                                    <p:anim calcmode="lin" valueType="num">
+                                      <p:cBhvr additive="base">
+                                        <p:cTn id="39" dur="500" fill="hold"/>
+                                        <p:tgtEl>
+                                          <p:spTgt spid="6"/>
+                                        </p:tgtEl>
+                                        <p:attrNameLst>
+                                          <p:attrName>ppt_y</p:attrName>
+                                        </p:attrNameLst>
+                                      </p:cBhvr>
+                                      <p:tavLst>
+                                        <p:tav tm="0">
+                                          <p:val>
+                                            <p:strVal val="1+#ppt_h/2"/>
+                                          </p:val>
+                                        </p:tav>
+                                        <p:tav tm="100000">
+                                          <p:val>
+                                            <p:strVal val="#ppt_y"/>
+                                          </p:val>
+                                        </p:tav>
+                                      </p:tavLst>
+                                    </p:anim>
+                                  </p:childTnLst>
+                                </p:cTn>
+                              </p:par>
+                            </p:childTnLst>
+                          </p:cTn>
+                        </p:par>
+                      </p:childTnLst>
+                    </p:cTn>
+                  </p:par>
+                </p:childTnLst>
+              </p:cTn>
+              <p:prevCondLst>
+                <p:cond evt="onPrev" delay="0">
+                  <p:tgtEl>
+                    <p:sldTgt/>
+                  </p:tgtEl>
+                </p:cond>
+              </p:prevCondLst>
+              <p:nextCondLst>
+                <p:cond evt="onNext" delay="0">
+                  <p:tgtEl>
+                    <p:sldTgt/>
+                  </p:tgtEl>
+                </p:cond>
+              </p:nextCondLst>
+            </p:seq>
+          </p:childTnLst>
+        </p:cTn>
+      </p:par>
+    </p:tnLst>
+    <p:bldLst>
+      <p:bldP spid="26" grpId="0"/>
+      <p:bldP spid="28" grpId="0"/>
+      <p:bldP spid="29" grpId="0"/>
+      <p:bldP spid="30" grpId="0"/>
+      <p:bldP spid="6" grpId="0"/>
+    </p:bldLst>
+  </p:timing>
+</p:sld>
+</file>
+
+<file path=ppt/slides/slide22.xml><?xml version="1.0" encoding="utf-8"?>
+<p:sld xmlns:a="http://schemas.openxmlformats.org/drawingml/2006/main" xmlns:r="http://schemas.openxmlformats.org/officeDocument/2006/relationships" xmlns:p="http://schemas.openxmlformats.org/presentationml/2006/main">
+  <p:cSld>
+    <p:spTree>
+      <p:nvGrpSpPr>
+        <p:cNvPr id="1" name=""/>
+        <p:cNvGrpSpPr/>
+        <p:nvPr/>
+      </p:nvGrpSpPr>
+      <p:grpSpPr>
+        <a:xfrm>
+          <a:off x="0" y="0"/>
+          <a:ext cx="0" cy="0"/>
+          <a:chOff x="0" y="0"/>
+          <a:chExt cx="0" cy="0"/>
+        </a:xfrm>
+      </p:grpSpPr>
+      <p:sp>
+        <p:nvSpPr>
           <p:cNvPr id="5123" name="AutoShape 6"/>
           <p:cNvSpPr>
             <a:spLocks noChangeArrowheads="1"/>
@@ -16834,7 +19512,7 @@
 </p:sld>
 </file>
 
-<file path=ppt/slides/slide22.xml><?xml version="1.0" encoding="utf-8"?>
+<file path=ppt/slides/slide23.xml><?xml version="1.0" encoding="utf-8"?>
 <p:sld xmlns:a="http://schemas.openxmlformats.org/drawingml/2006/main" xmlns:r="http://schemas.openxmlformats.org/officeDocument/2006/relationships" xmlns:p="http://schemas.openxmlformats.org/presentationml/2006/main">
   <p:cSld>
     <p:spTree>
@@ -16920,7 +19598,7 @@
       </p:sp>
       <p:pic>
         <p:nvPicPr>
-          <p:cNvPr id="5" name="图片 4"/>
+          <p:cNvPr id="8" name="图片 7"/>
           <p:cNvPicPr>
             <a:picLocks noChangeAspect="1"/>
           </p:cNvPicPr>
@@ -16934,8 +19612,8 @@
         </p:blipFill>
         <p:spPr>
           <a:xfrm>
-            <a:off x="1030605" y="1008380"/>
-            <a:ext cx="8025130" cy="4841875"/>
+            <a:off x="947420" y="906780"/>
+            <a:ext cx="7950835" cy="5130800"/>
           </a:xfrm>
           <a:prstGeom prst="rect">
             <a:avLst/>
@@ -16950,7 +19628,7 @@
         </p:nvSpPr>
         <p:spPr>
           <a:xfrm>
-            <a:off x="6195060" y="2745740"/>
+            <a:off x="6195060" y="2961005"/>
             <a:ext cx="5666105" cy="1783715"/>
           </a:xfrm>
           <a:prstGeom prst="rect">
@@ -17094,6 +19772,2198 @@
               <a:latin typeface="+mn-ea"/>
               <a:ea typeface="+mn-ea"/>
             </a:endParaRPr>
+          </a:p>
+        </p:txBody>
+      </p:sp>
+      <p:sp>
+        <p:nvSpPr>
+          <p:cNvPr id="2" name="文本框 1"/>
+          <p:cNvSpPr txBox="1"/>
+          <p:nvPr/>
+        </p:nvSpPr>
+        <p:spPr>
+          <a:xfrm>
+            <a:off x="6229350" y="6036945"/>
+            <a:ext cx="5471795" cy="429895"/>
+          </a:xfrm>
+          <a:prstGeom prst="rect">
+            <a:avLst/>
+          </a:prstGeom>
+          <a:noFill/>
+        </p:spPr>
+        <p:txBody>
+          <a:bodyPr wrap="square" rtlCol="0">
+            <a:spAutoFit/>
+          </a:bodyPr>
+          <a:p>
+            <a:pPr algn="l"/>
+            <a:r>
+              <a:rPr lang="zh-CN" altLang="en-US" sz="2200">
+                <a:solidFill>
+                  <a:srgbClr val="FF0000"/>
+                </a:solidFill>
+                <a:latin typeface="+mn-ea"/>
+                <a:ea typeface="+mn-ea"/>
+              </a:rPr>
+              <a:t>参见实例</a:t>
+            </a:r>
+            <a:r>
+              <a:rPr lang="en-US" altLang="zh-CN" sz="2200">
+                <a:solidFill>
+                  <a:srgbClr val="FF0000"/>
+                </a:solidFill>
+                <a:latin typeface="+mn-ea"/>
+                <a:ea typeface="+mn-ea"/>
+              </a:rPr>
+              <a:t>demo09 Part1 </a:t>
+            </a:r>
+            <a:r>
+              <a:rPr lang="en-US" altLang="zh-CN" sz="2200">
+                <a:solidFill>
+                  <a:srgbClr val="FF0000"/>
+                </a:solidFill>
+                <a:latin typeface="+mn-ea"/>
+                <a:ea typeface="+mn-ea"/>
+                <a:sym typeface="+mn-ea"/>
+              </a:rPr>
+              <a:t> </a:t>
+            </a:r>
+            <a:r>
+              <a:rPr lang="en-US" altLang="zh-CN" sz="2200">
+                <a:solidFill>
+                  <a:srgbClr val="FF0000"/>
+                </a:solidFill>
+                <a:latin typeface="+mn-ea"/>
+                <a:ea typeface="+mn-ea"/>
+                <a:sym typeface="+mn-ea"/>
+              </a:rPr>
+              <a:t>JS</a:t>
+            </a:r>
+            <a:r>
+              <a:rPr lang="zh-CN" altLang="en-US" sz="2200">
+                <a:solidFill>
+                  <a:srgbClr val="FF0000"/>
+                </a:solidFill>
+                <a:latin typeface="+mn-ea"/>
+                <a:ea typeface="+mn-ea"/>
+                <a:sym typeface="+mn-ea"/>
+              </a:rPr>
+              <a:t>面向对象继承</a:t>
+            </a:r>
+            <a:endParaRPr lang="zh-CN" altLang="en-US" sz="2200">
+              <a:solidFill>
+                <a:srgbClr val="FF0000"/>
+              </a:solidFill>
+              <a:latin typeface="+mn-ea"/>
+              <a:ea typeface="+mn-ea"/>
+            </a:endParaRPr>
+          </a:p>
+        </p:txBody>
+      </p:sp>
+    </p:spTree>
+  </p:cSld>
+  <p:clrMapOvr>
+    <a:masterClrMapping/>
+  </p:clrMapOvr>
+  <p:timing>
+    <p:tnLst>
+      <p:par>
+        <p:cTn id="1" dur="indefinite" restart="never" fill="hold" nodeType="tmRoot">
+          <p:childTnLst>
+            <p:seq concurrent="1" nextAc="seek">
+              <p:cTn id="2" dur="indefinite" fill="hold" nodeType="mainSeq">
+                <p:childTnLst>
+                  <p:par>
+                    <p:cTn id="3" fill="hold">
+                      <p:stCondLst>
+                        <p:cond delay="indefinite"/>
+                      </p:stCondLst>
+                      <p:childTnLst>
+                        <p:par>
+                          <p:cTn id="4" fill="hold">
+                            <p:stCondLst>
+                              <p:cond delay="0"/>
+                            </p:stCondLst>
+                            <p:childTnLst>
+                              <p:par>
+                                <p:cTn id="5" presetID="2" presetClass="entr" presetSubtype="4" fill="hold" nodeType="clickEffect">
+                                  <p:stCondLst>
+                                    <p:cond delay="0"/>
+                                  </p:stCondLst>
+                                  <p:childTnLst>
+                                    <p:set>
+                                      <p:cBhvr>
+                                        <p:cTn id="6" dur="1" fill="hold">
+                                          <p:stCondLst>
+                                            <p:cond delay="0"/>
+                                          </p:stCondLst>
+                                        </p:cTn>
+                                        <p:tgtEl>
+                                          <p:spTgt spid="8"/>
+                                        </p:tgtEl>
+                                        <p:attrNameLst>
+                                          <p:attrName>style.visibility</p:attrName>
+                                        </p:attrNameLst>
+                                      </p:cBhvr>
+                                      <p:to>
+                                        <p:strVal val="visible"/>
+                                      </p:to>
+                                    </p:set>
+                                    <p:anim calcmode="lin" valueType="num">
+                                      <p:cBhvr additive="base">
+                                        <p:cTn id="7" dur="500" fill="hold"/>
+                                        <p:tgtEl>
+                                          <p:spTgt spid="8"/>
+                                        </p:tgtEl>
+                                        <p:attrNameLst>
+                                          <p:attrName>ppt_x</p:attrName>
+                                        </p:attrNameLst>
+                                      </p:cBhvr>
+                                      <p:tavLst>
+                                        <p:tav tm="0">
+                                          <p:val>
+                                            <p:strVal val="#ppt_x"/>
+                                          </p:val>
+                                        </p:tav>
+                                        <p:tav tm="100000">
+                                          <p:val>
+                                            <p:strVal val="#ppt_x"/>
+                                          </p:val>
+                                        </p:tav>
+                                      </p:tavLst>
+                                    </p:anim>
+                                    <p:anim calcmode="lin" valueType="num">
+                                      <p:cBhvr additive="base">
+                                        <p:cTn id="8" dur="500" fill="hold"/>
+                                        <p:tgtEl>
+                                          <p:spTgt spid="8"/>
+                                        </p:tgtEl>
+                                        <p:attrNameLst>
+                                          <p:attrName>ppt_y</p:attrName>
+                                        </p:attrNameLst>
+                                      </p:cBhvr>
+                                      <p:tavLst>
+                                        <p:tav tm="0">
+                                          <p:val>
+                                            <p:strVal val="1+#ppt_h/2"/>
+                                          </p:val>
+                                        </p:tav>
+                                        <p:tav tm="100000">
+                                          <p:val>
+                                            <p:strVal val="#ppt_y"/>
+                                          </p:val>
+                                        </p:tav>
+                                      </p:tavLst>
+                                    </p:anim>
+                                  </p:childTnLst>
+                                </p:cTn>
+                              </p:par>
+                            </p:childTnLst>
+                          </p:cTn>
+                        </p:par>
+                      </p:childTnLst>
+                    </p:cTn>
+                  </p:par>
+                  <p:par>
+                    <p:cTn id="9" fill="hold">
+                      <p:stCondLst>
+                        <p:cond delay="indefinite"/>
+                      </p:stCondLst>
+                      <p:childTnLst>
+                        <p:par>
+                          <p:cTn id="10" fill="hold">
+                            <p:stCondLst>
+                              <p:cond delay="0"/>
+                            </p:stCondLst>
+                            <p:childTnLst>
+                              <p:par>
+                                <p:cTn id="11" presetID="2" presetClass="entr" presetSubtype="4" fill="hold" grpId="0" nodeType="clickEffect">
+                                  <p:stCondLst>
+                                    <p:cond delay="0"/>
+                                  </p:stCondLst>
+                                  <p:childTnLst>
+                                    <p:set>
+                                      <p:cBhvr>
+                                        <p:cTn id="12" dur="1" fill="hold">
+                                          <p:stCondLst>
+                                            <p:cond delay="0"/>
+                                          </p:stCondLst>
+                                        </p:cTn>
+                                        <p:tgtEl>
+                                          <p:spTgt spid="6"/>
+                                        </p:tgtEl>
+                                        <p:attrNameLst>
+                                          <p:attrName>style.visibility</p:attrName>
+                                        </p:attrNameLst>
+                                      </p:cBhvr>
+                                      <p:to>
+                                        <p:strVal val="visible"/>
+                                      </p:to>
+                                    </p:set>
+                                    <p:anim calcmode="lin" valueType="num">
+                                      <p:cBhvr additive="base">
+                                        <p:cTn id="13" dur="500" fill="hold"/>
+                                        <p:tgtEl>
+                                          <p:spTgt spid="6"/>
+                                        </p:tgtEl>
+                                        <p:attrNameLst>
+                                          <p:attrName>ppt_x</p:attrName>
+                                        </p:attrNameLst>
+                                      </p:cBhvr>
+                                      <p:tavLst>
+                                        <p:tav tm="0">
+                                          <p:val>
+                                            <p:strVal val="#ppt_x"/>
+                                          </p:val>
+                                        </p:tav>
+                                        <p:tav tm="100000">
+                                          <p:val>
+                                            <p:strVal val="#ppt_x"/>
+                                          </p:val>
+                                        </p:tav>
+                                      </p:tavLst>
+                                    </p:anim>
+                                    <p:anim calcmode="lin" valueType="num">
+                                      <p:cBhvr additive="base">
+                                        <p:cTn id="14" dur="500" fill="hold"/>
+                                        <p:tgtEl>
+                                          <p:spTgt spid="6"/>
+                                        </p:tgtEl>
+                                        <p:attrNameLst>
+                                          <p:attrName>ppt_y</p:attrName>
+                                        </p:attrNameLst>
+                                      </p:cBhvr>
+                                      <p:tavLst>
+                                        <p:tav tm="0">
+                                          <p:val>
+                                            <p:strVal val="1+#ppt_h/2"/>
+                                          </p:val>
+                                        </p:tav>
+                                        <p:tav tm="100000">
+                                          <p:val>
+                                            <p:strVal val="#ppt_y"/>
+                                          </p:val>
+                                        </p:tav>
+                                      </p:tavLst>
+                                    </p:anim>
+                                  </p:childTnLst>
+                                </p:cTn>
+                              </p:par>
+                            </p:childTnLst>
+                          </p:cTn>
+                        </p:par>
+                        <p:par>
+                          <p:cTn id="15" fill="hold">
+                            <p:stCondLst>
+                              <p:cond delay="500"/>
+                            </p:stCondLst>
+                            <p:childTnLst>
+                              <p:par>
+                                <p:cTn id="16" presetID="2" presetClass="entr" presetSubtype="4" fill="hold" grpId="0" nodeType="afterEffect">
+                                  <p:stCondLst>
+                                    <p:cond delay="0"/>
+                                  </p:stCondLst>
+                                  <p:childTnLst>
+                                    <p:set>
+                                      <p:cBhvr>
+                                        <p:cTn id="17" dur="1" fill="hold">
+                                          <p:stCondLst>
+                                            <p:cond delay="0"/>
+                                          </p:stCondLst>
+                                        </p:cTn>
+                                        <p:tgtEl>
+                                          <p:spTgt spid="2"/>
+                                        </p:tgtEl>
+                                        <p:attrNameLst>
+                                          <p:attrName>style.visibility</p:attrName>
+                                        </p:attrNameLst>
+                                      </p:cBhvr>
+                                      <p:to>
+                                        <p:strVal val="visible"/>
+                                      </p:to>
+                                    </p:set>
+                                    <p:anim calcmode="lin" valueType="num">
+                                      <p:cBhvr additive="base">
+                                        <p:cTn id="18" dur="500" fill="hold"/>
+                                        <p:tgtEl>
+                                          <p:spTgt spid="2"/>
+                                        </p:tgtEl>
+                                        <p:attrNameLst>
+                                          <p:attrName>ppt_x</p:attrName>
+                                        </p:attrNameLst>
+                                      </p:cBhvr>
+                                      <p:tavLst>
+                                        <p:tav tm="0">
+                                          <p:val>
+                                            <p:strVal val="#ppt_x"/>
+                                          </p:val>
+                                        </p:tav>
+                                        <p:tav tm="100000">
+                                          <p:val>
+                                            <p:strVal val="#ppt_x"/>
+                                          </p:val>
+                                        </p:tav>
+                                      </p:tavLst>
+                                    </p:anim>
+                                    <p:anim calcmode="lin" valueType="num">
+                                      <p:cBhvr additive="base">
+                                        <p:cTn id="19" dur="500" fill="hold"/>
+                                        <p:tgtEl>
+                                          <p:spTgt spid="2"/>
+                                        </p:tgtEl>
+                                        <p:attrNameLst>
+                                          <p:attrName>ppt_y</p:attrName>
+                                        </p:attrNameLst>
+                                      </p:cBhvr>
+                                      <p:tavLst>
+                                        <p:tav tm="0">
+                                          <p:val>
+                                            <p:strVal val="1+#ppt_h/2"/>
+                                          </p:val>
+                                        </p:tav>
+                                        <p:tav tm="100000">
+                                          <p:val>
+                                            <p:strVal val="#ppt_y"/>
+                                          </p:val>
+                                        </p:tav>
+                                      </p:tavLst>
+                                    </p:anim>
+                                  </p:childTnLst>
+                                </p:cTn>
+                              </p:par>
+                            </p:childTnLst>
+                          </p:cTn>
+                        </p:par>
+                      </p:childTnLst>
+                    </p:cTn>
+                  </p:par>
+                </p:childTnLst>
+              </p:cTn>
+              <p:prevCondLst>
+                <p:cond evt="onPrev" delay="0">
+                  <p:tgtEl>
+                    <p:sldTgt/>
+                  </p:tgtEl>
+                </p:cond>
+              </p:prevCondLst>
+              <p:nextCondLst>
+                <p:cond evt="onNext" delay="0">
+                  <p:tgtEl>
+                    <p:sldTgt/>
+                  </p:tgtEl>
+                </p:cond>
+              </p:nextCondLst>
+            </p:seq>
+          </p:childTnLst>
+        </p:cTn>
+      </p:par>
+    </p:tnLst>
+    <p:bldLst>
+      <p:bldP spid="6" grpId="0"/>
+      <p:bldP spid="2" grpId="0"/>
+    </p:bldLst>
+  </p:timing>
+</p:sld>
+</file>
+
+<file path=ppt/slides/slide24.xml><?xml version="1.0" encoding="utf-8"?>
+<p:sld xmlns:a="http://schemas.openxmlformats.org/drawingml/2006/main" xmlns:r="http://schemas.openxmlformats.org/officeDocument/2006/relationships" xmlns:p="http://schemas.openxmlformats.org/presentationml/2006/main">
+  <p:cSld>
+    <p:spTree>
+      <p:nvGrpSpPr>
+        <p:cNvPr id="1" name=""/>
+        <p:cNvGrpSpPr/>
+        <p:nvPr/>
+      </p:nvGrpSpPr>
+      <p:grpSpPr>
+        <a:xfrm>
+          <a:off x="0" y="0"/>
+          <a:ext cx="0" cy="0"/>
+          <a:chOff x="0" y="0"/>
+          <a:chExt cx="0" cy="0"/>
+        </a:xfrm>
+      </p:grpSpPr>
+      <p:sp>
+        <p:nvSpPr>
+          <p:cNvPr id="2" name="内容占位符 1"/>
+          <p:cNvSpPr>
+            <a:spLocks noGrp="1"/>
+          </p:cNvSpPr>
+          <p:nvPr>
+            <p:ph sz="quarter" idx="10"/>
+          </p:nvPr>
+        </p:nvSpPr>
+        <p:spPr>
+          <a:xfrm>
+            <a:off x="927735" y="783590"/>
+            <a:ext cx="10396220" cy="5253990"/>
+          </a:xfrm>
+        </p:spPr>
+        <p:txBody>
+          <a:bodyPr/>
+          <a:lstStyle/>
+          <a:p>
+            <a:pPr>
+              <a:lnSpc>
+                <a:spcPct val="140000"/>
+              </a:lnSpc>
+            </a:pPr>
+            <a:r>
+              <a:rPr lang="zh-CN" altLang="en-US" sz="3200" dirty="0">
+                <a:solidFill>
+                  <a:schemeClr val="tx1"/>
+                </a:solidFill>
+                <a:sym typeface="+mn-ea"/>
+              </a:rPr>
+              <a:t>构造函数实现的对象</a:t>
+            </a:r>
+            <a:r>
+              <a:rPr lang="en-US" altLang="zh-CN" sz="3200" dirty="0">
+                <a:solidFill>
+                  <a:schemeClr val="tx1"/>
+                </a:solidFill>
+                <a:sym typeface="+mn-ea"/>
+              </a:rPr>
+              <a:t>-</a:t>
+            </a:r>
+            <a:r>
+              <a:rPr lang="zh-CN" altLang="en-US" sz="3200" dirty="0">
+                <a:solidFill>
+                  <a:schemeClr val="tx1"/>
+                </a:solidFill>
+                <a:sym typeface="+mn-ea"/>
+              </a:rPr>
+              <a:t>对象的原型继承的</a:t>
+            </a:r>
+            <a:r>
+              <a:rPr lang="zh-CN" altLang="en-US" sz="3200" dirty="0">
+                <a:solidFill>
+                  <a:schemeClr val="accent3"/>
+                </a:solidFill>
+                <a:sym typeface="+mn-ea"/>
+              </a:rPr>
+              <a:t>原型共享问题</a:t>
+            </a:r>
+            <a:endParaRPr lang="zh-CN" altLang="en-US" sz="3200" dirty="0">
+              <a:solidFill>
+                <a:schemeClr val="accent3"/>
+              </a:solidFill>
+              <a:sym typeface="+mn-ea"/>
+            </a:endParaRPr>
+          </a:p>
+          <a:p>
+            <a:pPr marL="168275" lvl="1" indent="0">
+              <a:lnSpc>
+                <a:spcPct val="150000"/>
+              </a:lnSpc>
+              <a:buNone/>
+            </a:pPr>
+            <a:endParaRPr lang="zh-CN" altLang="en-US" sz="2200" dirty="0">
+              <a:sym typeface="+mn-ea"/>
+            </a:endParaRPr>
+          </a:p>
+          <a:p>
+            <a:pPr marL="168275" lvl="1" indent="0">
+              <a:lnSpc>
+                <a:spcPct val="150000"/>
+              </a:lnSpc>
+              <a:buNone/>
+            </a:pPr>
+            <a:endParaRPr lang="en-US" altLang="zh-CN" sz="3200" dirty="0">
+              <a:solidFill>
+                <a:srgbClr val="006F53"/>
+              </a:solidFill>
+              <a:cs typeface="+mn-cs"/>
+            </a:endParaRPr>
+          </a:p>
+        </p:txBody>
+      </p:sp>
+      <p:sp>
+        <p:nvSpPr>
+          <p:cNvPr id="3" name="内容占位符 2"/>
+          <p:cNvSpPr>
+            <a:spLocks noGrp="1"/>
+          </p:cNvSpPr>
+          <p:nvPr>
+            <p:ph sz="quarter" idx="11"/>
+          </p:nvPr>
+        </p:nvSpPr>
+        <p:spPr>
+          <a:xfrm>
+            <a:off x="947420" y="236855"/>
+            <a:ext cx="10059670" cy="490220"/>
+          </a:xfrm>
+        </p:spPr>
+        <p:txBody>
+          <a:bodyPr/>
+          <a:lstStyle/>
+          <a:p>
+            <a:r>
+              <a:rPr kumimoji="0" lang="zh-CN" altLang="en-US" dirty="0">
+                <a:sym typeface="+mn-ea"/>
+              </a:rPr>
+              <a:t>模拟类</a:t>
+            </a:r>
+            <a:r>
+              <a:rPr kumimoji="0" lang="en-US" altLang="zh-CN" dirty="0">
+                <a:sym typeface="+mn-ea"/>
+              </a:rPr>
+              <a:t>-</a:t>
+            </a:r>
+            <a:r>
+              <a:rPr kumimoji="0" lang="zh-CN" altLang="en-US" dirty="0">
+                <a:sym typeface="+mn-ea"/>
+              </a:rPr>
+              <a:t>类继承的形式</a:t>
+            </a:r>
+            <a:r>
+              <a:rPr kumimoji="0" lang="en-US" altLang="zh-CN" dirty="0">
+                <a:sym typeface="+mn-ea"/>
+              </a:rPr>
+              <a:t>-</a:t>
+            </a:r>
+            <a:r>
+              <a:rPr kumimoji="0" lang="zh-CN" altLang="en-US" dirty="0">
+                <a:sym typeface="+mn-ea"/>
+              </a:rPr>
+              <a:t>图解</a:t>
+            </a:r>
+            <a:endParaRPr lang="zh-CN" altLang="en-US" dirty="0" smtClean="0">
+              <a:sym typeface="+mn-ea"/>
+            </a:endParaRPr>
+          </a:p>
+        </p:txBody>
+      </p:sp>
+      <p:sp>
+        <p:nvSpPr>
+          <p:cNvPr id="6" name="文本框 5"/>
+          <p:cNvSpPr txBox="1"/>
+          <p:nvPr/>
+        </p:nvSpPr>
+        <p:spPr>
+          <a:xfrm>
+            <a:off x="5971540" y="6037580"/>
+            <a:ext cx="5617845" cy="429895"/>
+          </a:xfrm>
+          <a:prstGeom prst="rect">
+            <a:avLst/>
+          </a:prstGeom>
+          <a:noFill/>
+        </p:spPr>
+        <p:txBody>
+          <a:bodyPr wrap="square" rtlCol="0">
+            <a:spAutoFit/>
+          </a:bodyPr>
+          <a:p>
+            <a:pPr algn="l"/>
+            <a:r>
+              <a:rPr lang="zh-CN" altLang="en-US" sz="2200">
+                <a:solidFill>
+                  <a:srgbClr val="FF0000"/>
+                </a:solidFill>
+                <a:latin typeface="+mn-ea"/>
+                <a:ea typeface="+mn-ea"/>
+              </a:rPr>
+              <a:t>参见实例</a:t>
+            </a:r>
+            <a:r>
+              <a:rPr lang="en-US" altLang="zh-CN" sz="2200">
+                <a:solidFill>
+                  <a:srgbClr val="FF0000"/>
+                </a:solidFill>
+                <a:latin typeface="+mn-ea"/>
+                <a:ea typeface="+mn-ea"/>
+              </a:rPr>
+              <a:t>demo08 </a:t>
+            </a:r>
+            <a:r>
+              <a:rPr lang="zh-CN" altLang="en-US" sz="2200" dirty="0">
+                <a:solidFill>
+                  <a:srgbClr val="FF0000"/>
+                </a:solidFill>
+                <a:sym typeface="+mn-ea"/>
+              </a:rPr>
+              <a:t>原型继承的</a:t>
+            </a:r>
+            <a:r>
+              <a:rPr lang="zh-CN" altLang="en-US" sz="2200" dirty="0">
+                <a:solidFill>
+                  <a:schemeClr val="accent3"/>
+                </a:solidFill>
+                <a:sym typeface="+mn-ea"/>
+              </a:rPr>
+              <a:t>原型共享问题</a:t>
+            </a:r>
+            <a:r>
+              <a:rPr lang="en-US" altLang="zh-CN" sz="2200">
+                <a:solidFill>
+                  <a:srgbClr val="FF0000"/>
+                </a:solidFill>
+                <a:latin typeface="+mn-ea"/>
+                <a:ea typeface="+mn-ea"/>
+              </a:rPr>
+              <a:t> </a:t>
+            </a:r>
+            <a:endParaRPr lang="zh-CN" altLang="en-US" sz="2200">
+              <a:solidFill>
+                <a:srgbClr val="FF0000"/>
+              </a:solidFill>
+              <a:latin typeface="+mn-ea"/>
+              <a:ea typeface="+mn-ea"/>
+            </a:endParaRPr>
+          </a:p>
+        </p:txBody>
+      </p:sp>
+      <p:sp>
+        <p:nvSpPr>
+          <p:cNvPr id="11" name="流程图: 过程 10"/>
+          <p:cNvSpPr/>
+          <p:nvPr/>
+        </p:nvSpPr>
+        <p:spPr>
+          <a:xfrm>
+            <a:off x="3768090" y="1793875"/>
+            <a:ext cx="3385185" cy="412750"/>
+          </a:xfrm>
+          <a:prstGeom prst="flowChartProcess">
+            <a:avLst/>
+          </a:prstGeom>
+          <a:ln>
+            <a:headEnd type="none" w="med" len="med"/>
+            <a:tailEnd type="none" w="med" len="med"/>
+          </a:ln>
+        </p:spPr>
+        <p:style>
+          <a:lnRef idx="2">
+            <a:schemeClr val="accent4"/>
+          </a:lnRef>
+          <a:fillRef idx="1">
+            <a:schemeClr val="lt1"/>
+          </a:fillRef>
+          <a:effectRef idx="0">
+            <a:schemeClr val="accent4"/>
+          </a:effectRef>
+          <a:fontRef idx="minor">
+            <a:schemeClr val="dk1"/>
+          </a:fontRef>
+        </p:style>
+        <p:txBody>
+          <a:bodyPr vert="horz" wrap="square" lIns="91440" tIns="45720" rIns="91440" bIns="45720" numCol="1" anchor="t" anchorCtr="0" compatLnSpc="1"/>
+          <a:p>
+            <a:pPr marL="0" marR="0" indent="0" algn="l" defTabSz="914400" rtl="0" eaLnBrk="0" fontAlgn="base" latinLnBrk="0" hangingPunct="0">
+              <a:lnSpc>
+                <a:spcPct val="100000"/>
+              </a:lnSpc>
+              <a:spcBef>
+                <a:spcPct val="0"/>
+              </a:spcBef>
+              <a:spcAft>
+                <a:spcPct val="0"/>
+              </a:spcAft>
+              <a:buClrTx/>
+              <a:buSzTx/>
+              <a:buFontTx/>
+              <a:buNone/>
+            </a:pPr>
+            <a:endParaRPr kumimoji="0" lang="zh-CN" altLang="en-US" sz="3200" b="0" i="0" u="none" strike="noStrike" cap="none" normalizeH="0" baseline="0" smtClean="0">
+              <a:ln>
+                <a:noFill/>
+              </a:ln>
+              <a:solidFill>
+                <a:schemeClr val="tx1"/>
+              </a:solidFill>
+              <a:effectLst/>
+              <a:latin typeface="Arial" panose="020B0604020202020204" pitchFamily="34" charset="0"/>
+            </a:endParaRPr>
+          </a:p>
+        </p:txBody>
+      </p:sp>
+      <p:sp>
+        <p:nvSpPr>
+          <p:cNvPr id="13" name="流程图: 过程 12"/>
+          <p:cNvSpPr/>
+          <p:nvPr/>
+        </p:nvSpPr>
+        <p:spPr>
+          <a:xfrm>
+            <a:off x="9288780" y="2938145"/>
+            <a:ext cx="2672715" cy="538480"/>
+          </a:xfrm>
+          <a:prstGeom prst="flowChartProcess">
+            <a:avLst/>
+          </a:prstGeom>
+          <a:ln>
+            <a:headEnd type="none" w="med" len="med"/>
+            <a:tailEnd type="none" w="med" len="med"/>
+          </a:ln>
+        </p:spPr>
+        <p:style>
+          <a:lnRef idx="2">
+            <a:schemeClr val="accent4"/>
+          </a:lnRef>
+          <a:fillRef idx="1">
+            <a:schemeClr val="lt1"/>
+          </a:fillRef>
+          <a:effectRef idx="0">
+            <a:schemeClr val="accent4"/>
+          </a:effectRef>
+          <a:fontRef idx="minor">
+            <a:schemeClr val="dk1"/>
+          </a:fontRef>
+        </p:style>
+        <p:txBody>
+          <a:bodyPr vert="horz" wrap="square" lIns="91440" tIns="45720" rIns="91440" bIns="45720" numCol="1" anchor="t" anchorCtr="0" compatLnSpc="1"/>
+          <a:p>
+            <a:pPr marL="0" marR="0" indent="0" algn="l" defTabSz="914400" rtl="0" eaLnBrk="0" fontAlgn="base" latinLnBrk="0" hangingPunct="0">
+              <a:lnSpc>
+                <a:spcPct val="100000"/>
+              </a:lnSpc>
+              <a:spcBef>
+                <a:spcPct val="0"/>
+              </a:spcBef>
+              <a:spcAft>
+                <a:spcPct val="0"/>
+              </a:spcAft>
+              <a:buClrTx/>
+              <a:buSzTx/>
+              <a:buFontTx/>
+              <a:buNone/>
+            </a:pPr>
+            <a:endParaRPr kumimoji="0" lang="zh-CN" altLang="en-US" sz="3200" b="0" i="0" u="none" strike="noStrike" cap="none" normalizeH="0" baseline="0" smtClean="0">
+              <a:ln>
+                <a:noFill/>
+              </a:ln>
+              <a:solidFill>
+                <a:schemeClr val="tx1"/>
+              </a:solidFill>
+              <a:effectLst/>
+              <a:latin typeface="Arial" panose="020B0604020202020204" pitchFamily="34" charset="0"/>
+            </a:endParaRPr>
+          </a:p>
+        </p:txBody>
+      </p:sp>
+      <p:sp>
+        <p:nvSpPr>
+          <p:cNvPr id="14" name="流程图: 过程 13"/>
+          <p:cNvSpPr/>
+          <p:nvPr/>
+        </p:nvSpPr>
+        <p:spPr>
+          <a:xfrm>
+            <a:off x="1383665" y="4276725"/>
+            <a:ext cx="3385185" cy="1591310"/>
+          </a:xfrm>
+          <a:prstGeom prst="flowChartProcess">
+            <a:avLst/>
+          </a:prstGeom>
+          <a:ln>
+            <a:headEnd type="none" w="med" len="med"/>
+            <a:tailEnd type="none" w="med" len="med"/>
+          </a:ln>
+        </p:spPr>
+        <p:style>
+          <a:lnRef idx="2">
+            <a:schemeClr val="accent4"/>
+          </a:lnRef>
+          <a:fillRef idx="1">
+            <a:schemeClr val="lt1"/>
+          </a:fillRef>
+          <a:effectRef idx="0">
+            <a:schemeClr val="accent4"/>
+          </a:effectRef>
+          <a:fontRef idx="minor">
+            <a:schemeClr val="dk1"/>
+          </a:fontRef>
+        </p:style>
+        <p:txBody>
+          <a:bodyPr vert="horz" wrap="square" lIns="91440" tIns="45720" rIns="91440" bIns="45720" numCol="1" anchor="t" anchorCtr="0" compatLnSpc="1"/>
+          <a:p>
+            <a:pPr marL="0" marR="0" indent="0" algn="l" defTabSz="914400" rtl="0" eaLnBrk="0" fontAlgn="base" latinLnBrk="0" hangingPunct="0">
+              <a:lnSpc>
+                <a:spcPct val="100000"/>
+              </a:lnSpc>
+              <a:spcBef>
+                <a:spcPct val="0"/>
+              </a:spcBef>
+              <a:spcAft>
+                <a:spcPct val="0"/>
+              </a:spcAft>
+              <a:buClrTx/>
+              <a:buSzTx/>
+              <a:buFontTx/>
+              <a:buNone/>
+            </a:pPr>
+            <a:endParaRPr kumimoji="0" lang="zh-CN" altLang="en-US" sz="3200" b="0" i="0" u="none" strike="noStrike" cap="none" normalizeH="0" baseline="0" smtClean="0">
+              <a:ln>
+                <a:noFill/>
+              </a:ln>
+              <a:solidFill>
+                <a:schemeClr val="tx1"/>
+              </a:solidFill>
+              <a:effectLst/>
+              <a:latin typeface="Arial" panose="020B0604020202020204" pitchFamily="34" charset="0"/>
+            </a:endParaRPr>
+          </a:p>
+        </p:txBody>
+      </p:sp>
+      <p:sp>
+        <p:nvSpPr>
+          <p:cNvPr id="15" name="流程图: 过程 14"/>
+          <p:cNvSpPr/>
+          <p:nvPr/>
+        </p:nvSpPr>
+        <p:spPr>
+          <a:xfrm>
+            <a:off x="6174740" y="4277360"/>
+            <a:ext cx="3385185" cy="1574165"/>
+          </a:xfrm>
+          <a:prstGeom prst="flowChartProcess">
+            <a:avLst/>
+          </a:prstGeom>
+          <a:ln>
+            <a:headEnd type="none" w="med" len="med"/>
+            <a:tailEnd type="none" w="med" len="med"/>
+          </a:ln>
+        </p:spPr>
+        <p:style>
+          <a:lnRef idx="2">
+            <a:schemeClr val="accent4"/>
+          </a:lnRef>
+          <a:fillRef idx="1">
+            <a:schemeClr val="lt1"/>
+          </a:fillRef>
+          <a:effectRef idx="0">
+            <a:schemeClr val="accent4"/>
+          </a:effectRef>
+          <a:fontRef idx="minor">
+            <a:schemeClr val="dk1"/>
+          </a:fontRef>
+        </p:style>
+        <p:txBody>
+          <a:bodyPr vert="horz" wrap="square" lIns="91440" tIns="45720" rIns="91440" bIns="45720" numCol="1" anchor="t" anchorCtr="0" compatLnSpc="1"/>
+          <a:p>
+            <a:pPr marL="0" marR="0" indent="0" algn="l" defTabSz="914400" rtl="0" eaLnBrk="0" fontAlgn="base" latinLnBrk="0" hangingPunct="0">
+              <a:lnSpc>
+                <a:spcPct val="100000"/>
+              </a:lnSpc>
+              <a:spcBef>
+                <a:spcPct val="0"/>
+              </a:spcBef>
+              <a:spcAft>
+                <a:spcPct val="0"/>
+              </a:spcAft>
+              <a:buClrTx/>
+              <a:buSzTx/>
+              <a:buFontTx/>
+              <a:buNone/>
+            </a:pPr>
+            <a:endParaRPr kumimoji="0" lang="zh-CN" altLang="en-US" sz="3200" b="0" i="0" u="none" strike="noStrike" cap="none" normalizeH="0" baseline="0" smtClean="0">
+              <a:ln>
+                <a:noFill/>
+              </a:ln>
+              <a:solidFill>
+                <a:schemeClr val="tx1"/>
+              </a:solidFill>
+              <a:effectLst/>
+              <a:latin typeface="Arial" panose="020B0604020202020204" pitchFamily="34" charset="0"/>
+            </a:endParaRPr>
+          </a:p>
+        </p:txBody>
+      </p:sp>
+      <p:cxnSp>
+        <p:nvCxnSpPr>
+          <p:cNvPr id="19" name="肘形连接符 18"/>
+          <p:cNvCxnSpPr>
+            <a:stCxn id="14" idx="0"/>
+            <a:endCxn id="22" idx="1"/>
+          </p:cNvCxnSpPr>
+          <p:nvPr/>
+        </p:nvCxnSpPr>
+        <p:spPr>
+          <a:xfrm rot="16200000">
+            <a:off x="2250440" y="2818130"/>
+            <a:ext cx="2284095" cy="632460"/>
+          </a:xfrm>
+          <a:prstGeom prst="bentConnector2">
+            <a:avLst/>
+          </a:prstGeom>
+          <a:solidFill>
+            <a:schemeClr val="accent1"/>
+          </a:solidFill>
+          <a:ln w="9525" cap="flat" cmpd="sng" algn="ctr">
+            <a:solidFill>
+              <a:schemeClr val="tx1"/>
+            </a:solidFill>
+            <a:prstDash val="solid"/>
+            <a:round/>
+            <a:headEnd type="none" w="med" len="med"/>
+            <a:tailEnd type="arrow" w="med" len="med"/>
+          </a:ln>
+        </p:spPr>
+      </p:cxnSp>
+      <p:cxnSp>
+        <p:nvCxnSpPr>
+          <p:cNvPr id="20" name="肘形连接符 19"/>
+          <p:cNvCxnSpPr>
+            <a:stCxn id="15" idx="0"/>
+            <a:endCxn id="22" idx="3"/>
+          </p:cNvCxnSpPr>
+          <p:nvPr/>
+        </p:nvCxnSpPr>
+        <p:spPr>
+          <a:xfrm rot="16200000" flipV="1">
+            <a:off x="6395085" y="2805430"/>
+            <a:ext cx="2284730" cy="659765"/>
+          </a:xfrm>
+          <a:prstGeom prst="bentConnector2">
+            <a:avLst/>
+          </a:prstGeom>
+          <a:solidFill>
+            <a:schemeClr val="accent1"/>
+          </a:solidFill>
+          <a:ln w="9525" cap="flat" cmpd="sng" algn="ctr">
+            <a:solidFill>
+              <a:schemeClr val="tx1"/>
+            </a:solidFill>
+            <a:prstDash val="solid"/>
+            <a:round/>
+            <a:headEnd type="none" w="med" len="med"/>
+            <a:tailEnd type="arrow" w="med" len="med"/>
+          </a:ln>
+        </p:spPr>
+      </p:cxnSp>
+      <p:sp>
+        <p:nvSpPr>
+          <p:cNvPr id="22" name="文本框 21"/>
+          <p:cNvSpPr txBox="1"/>
+          <p:nvPr/>
+        </p:nvSpPr>
+        <p:spPr>
+          <a:xfrm>
+            <a:off x="3709035" y="1777365"/>
+            <a:ext cx="3498850" cy="429895"/>
+          </a:xfrm>
+          <a:prstGeom prst="rect">
+            <a:avLst/>
+          </a:prstGeom>
+          <a:noFill/>
+        </p:spPr>
+        <p:txBody>
+          <a:bodyPr wrap="square" rtlCol="0">
+            <a:spAutoFit/>
+          </a:bodyPr>
+          <a:p>
+            <a:pPr algn="l"/>
+            <a:r>
+              <a:rPr lang="en-US" altLang="zh-CN" sz="2200">
+                <a:solidFill>
+                  <a:schemeClr val="tx1"/>
+                </a:solidFill>
+                <a:latin typeface="+mn-ea"/>
+                <a:ea typeface="+mn-ea"/>
+              </a:rPr>
+              <a:t>showName</a:t>
+            </a:r>
+            <a:r>
+              <a:rPr lang="zh-CN" altLang="en-US" sz="2200">
+                <a:solidFill>
+                  <a:schemeClr val="tx1"/>
+                </a:solidFill>
+                <a:latin typeface="+mn-ea"/>
+                <a:ea typeface="+mn-ea"/>
+              </a:rPr>
+              <a:t>：</a:t>
+            </a:r>
+            <a:r>
+              <a:rPr lang="en-US" altLang="zh-CN" sz="2200">
+                <a:solidFill>
+                  <a:schemeClr val="tx1"/>
+                </a:solidFill>
+                <a:latin typeface="+mn-ea"/>
+                <a:ea typeface="+mn-ea"/>
+              </a:rPr>
+              <a:t>function(){}</a:t>
+            </a:r>
+            <a:endParaRPr lang="en-US" altLang="zh-CN" sz="2200">
+              <a:solidFill>
+                <a:schemeClr val="tx1"/>
+              </a:solidFill>
+              <a:latin typeface="+mn-ea"/>
+              <a:ea typeface="+mn-ea"/>
+            </a:endParaRPr>
+          </a:p>
+        </p:txBody>
+      </p:sp>
+      <p:sp>
+        <p:nvSpPr>
+          <p:cNvPr id="23" name="文本框 22"/>
+          <p:cNvSpPr txBox="1"/>
+          <p:nvPr/>
+        </p:nvSpPr>
+        <p:spPr>
+          <a:xfrm>
+            <a:off x="9333865" y="2992755"/>
+            <a:ext cx="2399030" cy="429895"/>
+          </a:xfrm>
+          <a:prstGeom prst="rect">
+            <a:avLst/>
+          </a:prstGeom>
+          <a:noFill/>
+        </p:spPr>
+        <p:txBody>
+          <a:bodyPr wrap="square" rtlCol="0">
+            <a:spAutoFit/>
+          </a:bodyPr>
+          <a:p>
+            <a:pPr algn="l"/>
+            <a:r>
+              <a:rPr lang="en-US" sz="2200">
+                <a:solidFill>
+                  <a:schemeClr val="tx1"/>
+                </a:solidFill>
+                <a:latin typeface="+mn-ea"/>
+                <a:ea typeface="+mn-ea"/>
+              </a:rPr>
+              <a:t>Student</a:t>
+            </a:r>
+            <a:r>
+              <a:rPr lang="zh-CN" altLang="en-US" sz="2200">
+                <a:solidFill>
+                  <a:schemeClr val="tx1"/>
+                </a:solidFill>
+                <a:latin typeface="+mn-ea"/>
+                <a:ea typeface="+mn-ea"/>
+              </a:rPr>
+              <a:t>构造函数</a:t>
+            </a:r>
+            <a:endParaRPr lang="zh-CN" altLang="en-US" sz="2200">
+              <a:solidFill>
+                <a:schemeClr val="tx1"/>
+              </a:solidFill>
+              <a:latin typeface="+mn-ea"/>
+              <a:ea typeface="+mn-ea"/>
+            </a:endParaRPr>
+          </a:p>
+        </p:txBody>
+      </p:sp>
+      <p:sp>
+        <p:nvSpPr>
+          <p:cNvPr id="25" name="文本框 24"/>
+          <p:cNvSpPr txBox="1"/>
+          <p:nvPr/>
+        </p:nvSpPr>
+        <p:spPr>
+          <a:xfrm>
+            <a:off x="1383665" y="4360545"/>
+            <a:ext cx="3456305" cy="429895"/>
+          </a:xfrm>
+          <a:prstGeom prst="rect">
+            <a:avLst/>
+          </a:prstGeom>
+          <a:noFill/>
+        </p:spPr>
+        <p:txBody>
+          <a:bodyPr wrap="square" rtlCol="0">
+            <a:spAutoFit/>
+          </a:bodyPr>
+          <a:p>
+            <a:pPr algn="l"/>
+            <a:r>
+              <a:rPr lang="en-US" altLang="zh-CN" sz="2200">
+                <a:solidFill>
+                  <a:schemeClr val="tx1"/>
+                </a:solidFill>
+                <a:latin typeface="+mn-ea"/>
+                <a:ea typeface="+mn-ea"/>
+              </a:rPr>
+              <a:t>id</a:t>
+            </a:r>
+            <a:r>
+              <a:rPr lang="zh-CN" altLang="en-US" sz="2200">
+                <a:solidFill>
+                  <a:schemeClr val="tx1"/>
+                </a:solidFill>
+                <a:latin typeface="+mn-ea"/>
+                <a:ea typeface="+mn-ea"/>
+              </a:rPr>
+              <a:t>：</a:t>
+            </a:r>
+            <a:r>
+              <a:rPr lang="en-US" altLang="zh-CN" sz="2200">
+                <a:solidFill>
+                  <a:schemeClr val="tx1"/>
+                </a:solidFill>
+                <a:latin typeface="+mn-ea"/>
+                <a:ea typeface="+mn-ea"/>
+              </a:rPr>
+              <a:t>2017001</a:t>
+            </a:r>
+            <a:endParaRPr lang="en-US" altLang="zh-CN" sz="2200">
+              <a:solidFill>
+                <a:schemeClr val="tx1"/>
+              </a:solidFill>
+              <a:latin typeface="+mn-ea"/>
+              <a:ea typeface="+mn-ea"/>
+            </a:endParaRPr>
+          </a:p>
+        </p:txBody>
+      </p:sp>
+      <p:sp>
+        <p:nvSpPr>
+          <p:cNvPr id="26" name="文本框 25"/>
+          <p:cNvSpPr txBox="1"/>
+          <p:nvPr/>
+        </p:nvSpPr>
+        <p:spPr>
+          <a:xfrm>
+            <a:off x="1377950" y="4846320"/>
+            <a:ext cx="3373755" cy="429895"/>
+          </a:xfrm>
+          <a:prstGeom prst="rect">
+            <a:avLst/>
+          </a:prstGeom>
+          <a:noFill/>
+        </p:spPr>
+        <p:txBody>
+          <a:bodyPr wrap="square" rtlCol="0">
+            <a:spAutoFit/>
+          </a:bodyPr>
+          <a:p>
+            <a:pPr algn="l"/>
+            <a:r>
+              <a:rPr lang="en-US" sz="2200">
+                <a:solidFill>
+                  <a:schemeClr val="tx1"/>
+                </a:solidFill>
+                <a:latin typeface="+mn-ea"/>
+                <a:ea typeface="+mn-ea"/>
+              </a:rPr>
+              <a:t>age</a:t>
+            </a:r>
+            <a:r>
+              <a:rPr lang="zh-CN" altLang="en-US" sz="2200">
+                <a:solidFill>
+                  <a:schemeClr val="tx1"/>
+                </a:solidFill>
+                <a:latin typeface="+mn-ea"/>
+                <a:ea typeface="+mn-ea"/>
+              </a:rPr>
+              <a:t>：</a:t>
+            </a:r>
+            <a:r>
+              <a:rPr lang="en-US" altLang="zh-CN" sz="2200">
+                <a:solidFill>
+                  <a:schemeClr val="tx1"/>
+                </a:solidFill>
+                <a:latin typeface="+mn-ea"/>
+                <a:ea typeface="+mn-ea"/>
+              </a:rPr>
+              <a:t>22</a:t>
+            </a:r>
+            <a:endParaRPr lang="en-US" altLang="zh-CN" sz="2200">
+              <a:solidFill>
+                <a:schemeClr val="tx1"/>
+              </a:solidFill>
+              <a:latin typeface="+mn-ea"/>
+              <a:ea typeface="+mn-ea"/>
+            </a:endParaRPr>
+          </a:p>
+        </p:txBody>
+      </p:sp>
+      <p:sp>
+        <p:nvSpPr>
+          <p:cNvPr id="27" name="文本框 26"/>
+          <p:cNvSpPr txBox="1"/>
+          <p:nvPr/>
+        </p:nvSpPr>
+        <p:spPr>
+          <a:xfrm>
+            <a:off x="6169025" y="4360545"/>
+            <a:ext cx="3406775" cy="429895"/>
+          </a:xfrm>
+          <a:prstGeom prst="rect">
+            <a:avLst/>
+          </a:prstGeom>
+          <a:noFill/>
+        </p:spPr>
+        <p:txBody>
+          <a:bodyPr wrap="square" rtlCol="0">
+            <a:spAutoFit/>
+          </a:bodyPr>
+          <a:p>
+            <a:pPr algn="l"/>
+            <a:r>
+              <a:rPr lang="en-US" altLang="zh-CN" sz="2200">
+                <a:solidFill>
+                  <a:schemeClr val="tx1"/>
+                </a:solidFill>
+                <a:latin typeface="+mn-ea"/>
+                <a:ea typeface="+mn-ea"/>
+              </a:rPr>
+              <a:t>id</a:t>
+            </a:r>
+            <a:r>
+              <a:rPr lang="zh-CN" altLang="en-US" sz="2200">
+                <a:solidFill>
+                  <a:schemeClr val="tx1"/>
+                </a:solidFill>
+                <a:latin typeface="+mn-ea"/>
+                <a:ea typeface="+mn-ea"/>
+              </a:rPr>
+              <a:t>：</a:t>
+            </a:r>
+            <a:r>
+              <a:rPr lang="en-US" altLang="zh-CN" sz="2200">
+                <a:solidFill>
+                  <a:schemeClr val="tx1"/>
+                </a:solidFill>
+                <a:latin typeface="+mn-ea"/>
+                <a:ea typeface="+mn-ea"/>
+              </a:rPr>
+              <a:t>2017002</a:t>
+            </a:r>
+            <a:endParaRPr lang="en-US" altLang="zh-CN" sz="2200">
+              <a:solidFill>
+                <a:schemeClr val="tx1"/>
+              </a:solidFill>
+              <a:latin typeface="+mn-ea"/>
+              <a:ea typeface="+mn-ea"/>
+            </a:endParaRPr>
+          </a:p>
+        </p:txBody>
+      </p:sp>
+      <p:sp>
+        <p:nvSpPr>
+          <p:cNvPr id="28" name="文本框 27"/>
+          <p:cNvSpPr txBox="1"/>
+          <p:nvPr/>
+        </p:nvSpPr>
+        <p:spPr>
+          <a:xfrm>
+            <a:off x="6185535" y="4846320"/>
+            <a:ext cx="3373755" cy="429895"/>
+          </a:xfrm>
+          <a:prstGeom prst="rect">
+            <a:avLst/>
+          </a:prstGeom>
+          <a:noFill/>
+        </p:spPr>
+        <p:txBody>
+          <a:bodyPr wrap="square" rtlCol="0">
+            <a:spAutoFit/>
+          </a:bodyPr>
+          <a:p>
+            <a:pPr algn="l"/>
+            <a:r>
+              <a:rPr lang="en-US" sz="2200">
+                <a:solidFill>
+                  <a:schemeClr val="tx1"/>
+                </a:solidFill>
+                <a:latin typeface="+mn-ea"/>
+                <a:ea typeface="+mn-ea"/>
+              </a:rPr>
+              <a:t>age</a:t>
+            </a:r>
+            <a:r>
+              <a:rPr lang="zh-CN" altLang="en-US" sz="2200">
+                <a:solidFill>
+                  <a:schemeClr val="tx1"/>
+                </a:solidFill>
+                <a:latin typeface="+mn-ea"/>
+                <a:ea typeface="+mn-ea"/>
+              </a:rPr>
+              <a:t>：</a:t>
+            </a:r>
+            <a:r>
+              <a:rPr lang="en-US" altLang="zh-CN" sz="2200">
+                <a:solidFill>
+                  <a:schemeClr val="tx1"/>
+                </a:solidFill>
+                <a:latin typeface="+mn-ea"/>
+                <a:ea typeface="+mn-ea"/>
+              </a:rPr>
+              <a:t>23</a:t>
+            </a:r>
+            <a:endParaRPr lang="en-US" altLang="zh-CN" sz="2200">
+              <a:solidFill>
+                <a:schemeClr val="tx1"/>
+              </a:solidFill>
+              <a:latin typeface="+mn-ea"/>
+              <a:ea typeface="+mn-ea"/>
+            </a:endParaRPr>
+          </a:p>
+        </p:txBody>
+      </p:sp>
+      <p:sp>
+        <p:nvSpPr>
+          <p:cNvPr id="29" name="文本框 28"/>
+          <p:cNvSpPr txBox="1"/>
+          <p:nvPr/>
+        </p:nvSpPr>
+        <p:spPr>
+          <a:xfrm>
+            <a:off x="1383665" y="5332095"/>
+            <a:ext cx="3423285" cy="429895"/>
+          </a:xfrm>
+          <a:prstGeom prst="rect">
+            <a:avLst/>
+          </a:prstGeom>
+          <a:noFill/>
+        </p:spPr>
+        <p:txBody>
+          <a:bodyPr wrap="square" rtlCol="0">
+            <a:spAutoFit/>
+          </a:bodyPr>
+          <a:p>
+            <a:pPr algn="l"/>
+            <a:r>
+              <a:rPr lang="en-US" sz="2200">
+                <a:solidFill>
+                  <a:schemeClr val="tx1"/>
+                </a:solidFill>
+                <a:latin typeface="+mn-ea"/>
+                <a:ea typeface="+mn-ea"/>
+              </a:rPr>
+              <a:t>name</a:t>
+            </a:r>
+            <a:r>
+              <a:rPr lang="zh-CN" altLang="en-US" sz="2200">
+                <a:solidFill>
+                  <a:schemeClr val="tx1"/>
+                </a:solidFill>
+                <a:latin typeface="+mn-ea"/>
+                <a:ea typeface="+mn-ea"/>
+              </a:rPr>
+              <a:t>：</a:t>
+            </a:r>
+            <a:r>
+              <a:rPr lang="en-US" altLang="zh-CN" sz="2200">
+                <a:solidFill>
+                  <a:schemeClr val="tx1"/>
+                </a:solidFill>
+                <a:latin typeface="+mn-ea"/>
+                <a:ea typeface="+mn-ea"/>
+              </a:rPr>
+              <a:t>“xxx”</a:t>
+            </a:r>
+            <a:endParaRPr lang="en-US" altLang="zh-CN" sz="2200">
+              <a:solidFill>
+                <a:schemeClr val="tx1"/>
+              </a:solidFill>
+              <a:latin typeface="+mn-ea"/>
+              <a:ea typeface="+mn-ea"/>
+            </a:endParaRPr>
+          </a:p>
+        </p:txBody>
+      </p:sp>
+      <p:sp>
+        <p:nvSpPr>
+          <p:cNvPr id="30" name="文本框 29"/>
+          <p:cNvSpPr txBox="1"/>
+          <p:nvPr/>
+        </p:nvSpPr>
+        <p:spPr>
+          <a:xfrm>
+            <a:off x="6169025" y="5332095"/>
+            <a:ext cx="3373755" cy="429895"/>
+          </a:xfrm>
+          <a:prstGeom prst="rect">
+            <a:avLst/>
+          </a:prstGeom>
+          <a:noFill/>
+        </p:spPr>
+        <p:txBody>
+          <a:bodyPr wrap="square" rtlCol="0">
+            <a:spAutoFit/>
+          </a:bodyPr>
+          <a:p>
+            <a:pPr algn="l"/>
+            <a:r>
+              <a:rPr lang="en-US" sz="2200">
+                <a:solidFill>
+                  <a:schemeClr val="tx1"/>
+                </a:solidFill>
+                <a:latin typeface="+mn-ea"/>
+                <a:ea typeface="+mn-ea"/>
+              </a:rPr>
+              <a:t>name</a:t>
+            </a:r>
+            <a:r>
+              <a:rPr lang="zh-CN" altLang="en-US" sz="2200">
+                <a:solidFill>
+                  <a:schemeClr val="tx1"/>
+                </a:solidFill>
+                <a:latin typeface="+mn-ea"/>
+                <a:ea typeface="+mn-ea"/>
+              </a:rPr>
+              <a:t>：</a:t>
+            </a:r>
+            <a:r>
+              <a:rPr lang="en-US" altLang="zh-CN" sz="2200">
+                <a:solidFill>
+                  <a:schemeClr val="tx1"/>
+                </a:solidFill>
+                <a:latin typeface="+mn-ea"/>
+                <a:ea typeface="+mn-ea"/>
+              </a:rPr>
+              <a:t>“www”</a:t>
+            </a:r>
+            <a:endParaRPr lang="en-US" altLang="zh-CN" sz="2200">
+              <a:solidFill>
+                <a:schemeClr val="tx1"/>
+              </a:solidFill>
+              <a:latin typeface="+mn-ea"/>
+              <a:ea typeface="+mn-ea"/>
+            </a:endParaRPr>
+          </a:p>
+        </p:txBody>
+      </p:sp>
+      <p:sp>
+        <p:nvSpPr>
+          <p:cNvPr id="31" name="文本框 30"/>
+          <p:cNvSpPr txBox="1"/>
+          <p:nvPr/>
+        </p:nvSpPr>
+        <p:spPr>
+          <a:xfrm>
+            <a:off x="3778885" y="1425575"/>
+            <a:ext cx="2539365" cy="368300"/>
+          </a:xfrm>
+          <a:prstGeom prst="rect">
+            <a:avLst/>
+          </a:prstGeom>
+          <a:noFill/>
+        </p:spPr>
+        <p:txBody>
+          <a:bodyPr wrap="square" rtlCol="0">
+            <a:spAutoFit/>
+          </a:bodyPr>
+          <a:p>
+            <a:pPr algn="l"/>
+            <a:r>
+              <a:rPr lang="en-US" sz="1800">
+                <a:solidFill>
+                  <a:srgbClr val="FF0000"/>
+                </a:solidFill>
+                <a:latin typeface="+mn-ea"/>
+                <a:ea typeface="+mn-ea"/>
+                <a:sym typeface="+mn-ea"/>
+              </a:rPr>
+              <a:t>Person.prototype</a:t>
+            </a:r>
+            <a:endParaRPr lang="en-US" altLang="en-US" sz="1800">
+              <a:solidFill>
+                <a:srgbClr val="FF0000"/>
+              </a:solidFill>
+              <a:latin typeface="+mn-ea"/>
+              <a:ea typeface="+mn-ea"/>
+            </a:endParaRPr>
+          </a:p>
+        </p:txBody>
+      </p:sp>
+      <p:sp>
+        <p:nvSpPr>
+          <p:cNvPr id="33" name="文本框 32"/>
+          <p:cNvSpPr txBox="1"/>
+          <p:nvPr/>
+        </p:nvSpPr>
+        <p:spPr>
+          <a:xfrm>
+            <a:off x="1383665" y="3909060"/>
+            <a:ext cx="615950" cy="368300"/>
+          </a:xfrm>
+          <a:prstGeom prst="rect">
+            <a:avLst/>
+          </a:prstGeom>
+          <a:noFill/>
+        </p:spPr>
+        <p:txBody>
+          <a:bodyPr wrap="square" rtlCol="0">
+            <a:spAutoFit/>
+          </a:bodyPr>
+          <a:p>
+            <a:pPr algn="l"/>
+            <a:r>
+              <a:rPr lang="en-US" altLang="en-US" sz="1800">
+                <a:solidFill>
+                  <a:srgbClr val="FF0000"/>
+                </a:solidFill>
+                <a:latin typeface="+mn-ea"/>
+                <a:ea typeface="+mn-ea"/>
+              </a:rPr>
+              <a:t>s1</a:t>
+            </a:r>
+            <a:endParaRPr lang="en-US" altLang="en-US" sz="1800">
+              <a:solidFill>
+                <a:srgbClr val="FF0000"/>
+              </a:solidFill>
+              <a:latin typeface="+mn-ea"/>
+              <a:ea typeface="+mn-ea"/>
+            </a:endParaRPr>
+          </a:p>
+        </p:txBody>
+      </p:sp>
+      <p:sp>
+        <p:nvSpPr>
+          <p:cNvPr id="34" name="文本框 33"/>
+          <p:cNvSpPr txBox="1"/>
+          <p:nvPr/>
+        </p:nvSpPr>
+        <p:spPr>
+          <a:xfrm>
+            <a:off x="8959850" y="3909060"/>
+            <a:ext cx="615950" cy="368300"/>
+          </a:xfrm>
+          <a:prstGeom prst="rect">
+            <a:avLst/>
+          </a:prstGeom>
+          <a:noFill/>
+        </p:spPr>
+        <p:txBody>
+          <a:bodyPr wrap="square" rtlCol="0">
+            <a:spAutoFit/>
+          </a:bodyPr>
+          <a:p>
+            <a:pPr algn="l"/>
+            <a:r>
+              <a:rPr lang="en-US" altLang="en-US" sz="1800">
+                <a:solidFill>
+                  <a:srgbClr val="FF0000"/>
+                </a:solidFill>
+                <a:latin typeface="+mn-ea"/>
+                <a:ea typeface="+mn-ea"/>
+              </a:rPr>
+              <a:t>s2</a:t>
+            </a:r>
+            <a:endParaRPr lang="en-US" altLang="en-US" sz="1800">
+              <a:solidFill>
+                <a:srgbClr val="FF0000"/>
+              </a:solidFill>
+              <a:latin typeface="+mn-ea"/>
+              <a:ea typeface="+mn-ea"/>
+            </a:endParaRPr>
+          </a:p>
+        </p:txBody>
+      </p:sp>
+      <p:sp>
+        <p:nvSpPr>
+          <p:cNvPr id="5" name="流程图: 过程 4"/>
+          <p:cNvSpPr/>
+          <p:nvPr/>
+        </p:nvSpPr>
+        <p:spPr>
+          <a:xfrm>
+            <a:off x="9288780" y="1845310"/>
+            <a:ext cx="2689225" cy="538480"/>
+          </a:xfrm>
+          <a:prstGeom prst="flowChartProcess">
+            <a:avLst/>
+          </a:prstGeom>
+          <a:ln>
+            <a:headEnd type="none" w="med" len="med"/>
+            <a:tailEnd type="none" w="med" len="med"/>
+          </a:ln>
+        </p:spPr>
+        <p:style>
+          <a:lnRef idx="2">
+            <a:schemeClr val="accent4"/>
+          </a:lnRef>
+          <a:fillRef idx="1">
+            <a:schemeClr val="lt1"/>
+          </a:fillRef>
+          <a:effectRef idx="0">
+            <a:schemeClr val="accent4"/>
+          </a:effectRef>
+          <a:fontRef idx="minor">
+            <a:schemeClr val="dk1"/>
+          </a:fontRef>
+        </p:style>
+        <p:txBody>
+          <a:bodyPr vert="horz" wrap="square" lIns="91440" tIns="45720" rIns="91440" bIns="45720" numCol="1" anchor="t" anchorCtr="0" compatLnSpc="1"/>
+          <a:p>
+            <a:pPr marL="0" marR="0" indent="0" algn="l" defTabSz="914400" rtl="0" eaLnBrk="0" fontAlgn="base" latinLnBrk="0" hangingPunct="0">
+              <a:lnSpc>
+                <a:spcPct val="100000"/>
+              </a:lnSpc>
+              <a:spcBef>
+                <a:spcPct val="0"/>
+              </a:spcBef>
+              <a:spcAft>
+                <a:spcPct val="0"/>
+              </a:spcAft>
+              <a:buClrTx/>
+              <a:buSzTx/>
+              <a:buFontTx/>
+              <a:buNone/>
+            </a:pPr>
+            <a:endParaRPr kumimoji="0" lang="zh-CN" altLang="en-US" sz="3200" b="0" i="0" u="none" strike="noStrike" cap="none" normalizeH="0" baseline="0" smtClean="0">
+              <a:ln>
+                <a:noFill/>
+              </a:ln>
+              <a:solidFill>
+                <a:schemeClr val="tx1"/>
+              </a:solidFill>
+              <a:effectLst/>
+              <a:latin typeface="Arial" panose="020B0604020202020204" pitchFamily="34" charset="0"/>
+            </a:endParaRPr>
+          </a:p>
+        </p:txBody>
+      </p:sp>
+      <p:sp>
+        <p:nvSpPr>
+          <p:cNvPr id="4" name="文本框 3"/>
+          <p:cNvSpPr txBox="1"/>
+          <p:nvPr/>
+        </p:nvSpPr>
+        <p:spPr>
+          <a:xfrm>
+            <a:off x="9317355" y="1899920"/>
+            <a:ext cx="2221865" cy="429895"/>
+          </a:xfrm>
+          <a:prstGeom prst="rect">
+            <a:avLst/>
+          </a:prstGeom>
+          <a:noFill/>
+        </p:spPr>
+        <p:txBody>
+          <a:bodyPr wrap="square" rtlCol="0">
+            <a:spAutoFit/>
+          </a:bodyPr>
+          <a:p>
+            <a:pPr algn="l"/>
+            <a:r>
+              <a:rPr lang="en-US" altLang="zh-CN" sz="2200">
+                <a:solidFill>
+                  <a:schemeClr val="tx1"/>
+                </a:solidFill>
+                <a:latin typeface="+mn-ea"/>
+                <a:ea typeface="+mn-ea"/>
+              </a:rPr>
+              <a:t>Person</a:t>
+            </a:r>
+            <a:r>
+              <a:rPr lang="zh-CN" altLang="en-US" sz="2200">
+                <a:solidFill>
+                  <a:schemeClr val="tx1"/>
+                </a:solidFill>
+                <a:latin typeface="+mn-ea"/>
+                <a:ea typeface="+mn-ea"/>
+              </a:rPr>
+              <a:t>构造函数</a:t>
+            </a:r>
+            <a:endParaRPr lang="zh-CN" altLang="en-US" sz="2200">
+              <a:solidFill>
+                <a:schemeClr val="tx1"/>
+              </a:solidFill>
+              <a:latin typeface="+mn-ea"/>
+              <a:ea typeface="+mn-ea"/>
+            </a:endParaRPr>
+          </a:p>
+        </p:txBody>
+      </p:sp>
+      <p:cxnSp>
+        <p:nvCxnSpPr>
+          <p:cNvPr id="7" name="直接箭头连接符 6"/>
+          <p:cNvCxnSpPr>
+            <a:stCxn id="5" idx="1"/>
+          </p:cNvCxnSpPr>
+          <p:nvPr/>
+        </p:nvCxnSpPr>
+        <p:spPr>
+          <a:xfrm flipH="1">
+            <a:off x="3709035" y="2114550"/>
+            <a:ext cx="5579745" cy="2162175"/>
+          </a:xfrm>
+          <a:prstGeom prst="straightConnector1">
+            <a:avLst/>
+          </a:prstGeom>
+          <a:solidFill>
+            <a:schemeClr val="accent1"/>
+          </a:solidFill>
+          <a:ln w="9525" cap="flat" cmpd="sng" algn="ctr">
+            <a:solidFill>
+              <a:schemeClr val="tx1"/>
+            </a:solidFill>
+            <a:prstDash val="solid"/>
+            <a:round/>
+            <a:headEnd type="none" w="med" len="med"/>
+            <a:tailEnd type="arrow" w="med" len="med"/>
+          </a:ln>
+        </p:spPr>
+      </p:cxnSp>
+      <p:cxnSp>
+        <p:nvCxnSpPr>
+          <p:cNvPr id="8" name="直接箭头连接符 7"/>
+          <p:cNvCxnSpPr/>
+          <p:nvPr/>
+        </p:nvCxnSpPr>
+        <p:spPr>
+          <a:xfrm flipH="1">
+            <a:off x="8185150" y="2206625"/>
+            <a:ext cx="1103630" cy="2070100"/>
+          </a:xfrm>
+          <a:prstGeom prst="straightConnector1">
+            <a:avLst/>
+          </a:prstGeom>
+          <a:solidFill>
+            <a:schemeClr val="accent1"/>
+          </a:solidFill>
+          <a:ln w="9525" cap="flat" cmpd="sng" algn="ctr">
+            <a:solidFill>
+              <a:schemeClr val="tx1"/>
+            </a:solidFill>
+            <a:prstDash val="solid"/>
+            <a:round/>
+            <a:headEnd type="none" w="med" len="med"/>
+            <a:tailEnd type="arrow" w="med" len="med"/>
+          </a:ln>
+        </p:spPr>
+      </p:cxnSp>
+      <p:cxnSp>
+        <p:nvCxnSpPr>
+          <p:cNvPr id="9" name="直接箭头连接符 8"/>
+          <p:cNvCxnSpPr/>
+          <p:nvPr/>
+        </p:nvCxnSpPr>
+        <p:spPr>
+          <a:xfrm flipH="1">
+            <a:off x="4583430" y="3213100"/>
+            <a:ext cx="4750435" cy="1068705"/>
+          </a:xfrm>
+          <a:prstGeom prst="straightConnector1">
+            <a:avLst/>
+          </a:prstGeom>
+          <a:solidFill>
+            <a:schemeClr val="accent1"/>
+          </a:solidFill>
+          <a:ln w="9525" cap="flat" cmpd="sng" algn="ctr">
+            <a:solidFill>
+              <a:schemeClr val="tx1"/>
+            </a:solidFill>
+            <a:prstDash val="solid"/>
+            <a:round/>
+            <a:headEnd type="none" w="med" len="med"/>
+            <a:tailEnd type="arrow" w="med" len="med"/>
+          </a:ln>
+        </p:spPr>
+      </p:cxnSp>
+      <p:cxnSp>
+        <p:nvCxnSpPr>
+          <p:cNvPr id="10" name="直接箭头连接符 9"/>
+          <p:cNvCxnSpPr/>
+          <p:nvPr/>
+        </p:nvCxnSpPr>
+        <p:spPr>
+          <a:xfrm flipH="1">
+            <a:off x="8616950" y="3213100"/>
+            <a:ext cx="716915" cy="1063625"/>
+          </a:xfrm>
+          <a:prstGeom prst="straightConnector1">
+            <a:avLst/>
+          </a:prstGeom>
+          <a:solidFill>
+            <a:schemeClr val="accent1"/>
+          </a:solidFill>
+          <a:ln w="9525" cap="flat" cmpd="sng" algn="ctr">
+            <a:solidFill>
+              <a:schemeClr val="tx1"/>
+            </a:solidFill>
+            <a:prstDash val="solid"/>
+            <a:round/>
+            <a:headEnd type="none" w="med" len="med"/>
+            <a:tailEnd type="arrow" w="med" len="med"/>
+          </a:ln>
+        </p:spPr>
+      </p:cxnSp>
+    </p:spTree>
+  </p:cSld>
+  <p:clrMapOvr>
+    <a:masterClrMapping/>
+  </p:clrMapOvr>
+  <p:timing>
+    <p:tnLst>
+      <p:par>
+        <p:cTn id="1" dur="indefinite" restart="never" fill="hold" nodeType="tmRoot">
+          <p:childTnLst>
+            <p:seq concurrent="1" nextAc="seek">
+              <p:cTn id="2" dur="indefinite" nodeType="mainSeq">
+                <p:childTnLst>
+                  <p:par>
+                    <p:cTn id="3" fill="hold">
+                      <p:stCondLst>
+                        <p:cond delay="indefinite"/>
+                      </p:stCondLst>
+                      <p:childTnLst>
+                        <p:par>
+                          <p:cTn id="4" fill="hold">
+                            <p:stCondLst>
+                              <p:cond delay="0"/>
+                            </p:stCondLst>
+                            <p:childTnLst>
+                              <p:par>
+                                <p:cTn id="5" presetID="3" presetClass="entr" presetSubtype="10" fill="hold" nodeType="clickEffect">
+                                  <p:stCondLst>
+                                    <p:cond delay="0"/>
+                                  </p:stCondLst>
+                                  <p:childTnLst>
+                                    <p:set>
+                                      <p:cBhvr>
+                                        <p:cTn id="6" dur="1" fill="hold">
+                                          <p:stCondLst>
+                                            <p:cond delay="0"/>
+                                          </p:stCondLst>
+                                        </p:cTn>
+                                        <p:tgtEl>
+                                          <p:spTgt spid="7"/>
+                                        </p:tgtEl>
+                                        <p:attrNameLst>
+                                          <p:attrName>style.visibility</p:attrName>
+                                        </p:attrNameLst>
+                                      </p:cBhvr>
+                                      <p:to>
+                                        <p:strVal val="visible"/>
+                                      </p:to>
+                                    </p:set>
+                                    <p:animEffect transition="in" filter="blinds(horizontal)">
+                                      <p:cBhvr>
+                                        <p:cTn id="7" dur="500"/>
+                                        <p:tgtEl>
+                                          <p:spTgt spid="7"/>
+                                        </p:tgtEl>
+                                      </p:cBhvr>
+                                    </p:animEffect>
+                                  </p:childTnLst>
+                                </p:cTn>
+                              </p:par>
+                              <p:par>
+                                <p:cTn id="8" presetID="3" presetClass="entr" presetSubtype="10" fill="hold" nodeType="withEffect">
+                                  <p:stCondLst>
+                                    <p:cond delay="0"/>
+                                  </p:stCondLst>
+                                  <p:childTnLst>
+                                    <p:set>
+                                      <p:cBhvr>
+                                        <p:cTn id="9" dur="1" fill="hold">
+                                          <p:stCondLst>
+                                            <p:cond delay="0"/>
+                                          </p:stCondLst>
+                                        </p:cTn>
+                                        <p:tgtEl>
+                                          <p:spTgt spid="8"/>
+                                        </p:tgtEl>
+                                        <p:attrNameLst>
+                                          <p:attrName>style.visibility</p:attrName>
+                                        </p:attrNameLst>
+                                      </p:cBhvr>
+                                      <p:to>
+                                        <p:strVal val="visible"/>
+                                      </p:to>
+                                    </p:set>
+                                    <p:animEffect transition="in" filter="blinds(horizontal)">
+                                      <p:cBhvr>
+                                        <p:cTn id="10" dur="500"/>
+                                        <p:tgtEl>
+                                          <p:spTgt spid="8"/>
+                                        </p:tgtEl>
+                                      </p:cBhvr>
+                                    </p:animEffect>
+                                  </p:childTnLst>
+                                </p:cTn>
+                              </p:par>
+                            </p:childTnLst>
+                          </p:cTn>
+                        </p:par>
+                      </p:childTnLst>
+                    </p:cTn>
+                  </p:par>
+                  <p:par>
+                    <p:cTn id="11" fill="hold">
+                      <p:stCondLst>
+                        <p:cond delay="indefinite"/>
+                      </p:stCondLst>
+                      <p:childTnLst>
+                        <p:par>
+                          <p:cTn id="12" fill="hold">
+                            <p:stCondLst>
+                              <p:cond delay="0"/>
+                            </p:stCondLst>
+                            <p:childTnLst>
+                              <p:par>
+                                <p:cTn id="13" presetID="3" presetClass="entr" presetSubtype="10" fill="hold" nodeType="clickEffect">
+                                  <p:stCondLst>
+                                    <p:cond delay="0"/>
+                                  </p:stCondLst>
+                                  <p:childTnLst>
+                                    <p:set>
+                                      <p:cBhvr>
+                                        <p:cTn id="14" dur="1" fill="hold">
+                                          <p:stCondLst>
+                                            <p:cond delay="0"/>
+                                          </p:stCondLst>
+                                        </p:cTn>
+                                        <p:tgtEl>
+                                          <p:spTgt spid="9"/>
+                                        </p:tgtEl>
+                                        <p:attrNameLst>
+                                          <p:attrName>style.visibility</p:attrName>
+                                        </p:attrNameLst>
+                                      </p:cBhvr>
+                                      <p:to>
+                                        <p:strVal val="visible"/>
+                                      </p:to>
+                                    </p:set>
+                                    <p:animEffect transition="in" filter="blinds(horizontal)">
+                                      <p:cBhvr>
+                                        <p:cTn id="15" dur="500"/>
+                                        <p:tgtEl>
+                                          <p:spTgt spid="9"/>
+                                        </p:tgtEl>
+                                      </p:cBhvr>
+                                    </p:animEffect>
+                                  </p:childTnLst>
+                                </p:cTn>
+                              </p:par>
+                              <p:par>
+                                <p:cTn id="16" presetID="3" presetClass="entr" presetSubtype="10" fill="hold" nodeType="withEffect">
+                                  <p:stCondLst>
+                                    <p:cond delay="0"/>
+                                  </p:stCondLst>
+                                  <p:childTnLst>
+                                    <p:set>
+                                      <p:cBhvr>
+                                        <p:cTn id="17" dur="1" fill="hold">
+                                          <p:stCondLst>
+                                            <p:cond delay="0"/>
+                                          </p:stCondLst>
+                                        </p:cTn>
+                                        <p:tgtEl>
+                                          <p:spTgt spid="10"/>
+                                        </p:tgtEl>
+                                        <p:attrNameLst>
+                                          <p:attrName>style.visibility</p:attrName>
+                                        </p:attrNameLst>
+                                      </p:cBhvr>
+                                      <p:to>
+                                        <p:strVal val="visible"/>
+                                      </p:to>
+                                    </p:set>
+                                    <p:animEffect transition="in" filter="blinds(horizontal)">
+                                      <p:cBhvr>
+                                        <p:cTn id="18" dur="500"/>
+                                        <p:tgtEl>
+                                          <p:spTgt spid="10"/>
+                                        </p:tgtEl>
+                                      </p:cBhvr>
+                                    </p:animEffect>
+                                  </p:childTnLst>
+                                </p:cTn>
+                              </p:par>
+                            </p:childTnLst>
+                          </p:cTn>
+                        </p:par>
+                      </p:childTnLst>
+                    </p:cTn>
+                  </p:par>
+                  <p:par>
+                    <p:cTn id="19" fill="hold">
+                      <p:stCondLst>
+                        <p:cond delay="indefinite"/>
+                      </p:stCondLst>
+                      <p:childTnLst>
+                        <p:par>
+                          <p:cTn id="20" fill="hold">
+                            <p:stCondLst>
+                              <p:cond delay="0"/>
+                            </p:stCondLst>
+                            <p:childTnLst>
+                              <p:par>
+                                <p:cTn id="21" presetID="2" presetClass="entr" presetSubtype="4" fill="hold" grpId="0" nodeType="clickEffect">
+                                  <p:stCondLst>
+                                    <p:cond delay="0"/>
+                                  </p:stCondLst>
+                                  <p:childTnLst>
+                                    <p:set>
+                                      <p:cBhvr>
+                                        <p:cTn id="22" dur="1" fill="hold">
+                                          <p:stCondLst>
+                                            <p:cond delay="0"/>
+                                          </p:stCondLst>
+                                        </p:cTn>
+                                        <p:tgtEl>
+                                          <p:spTgt spid="6"/>
+                                        </p:tgtEl>
+                                        <p:attrNameLst>
+                                          <p:attrName>style.visibility</p:attrName>
+                                        </p:attrNameLst>
+                                      </p:cBhvr>
+                                      <p:to>
+                                        <p:strVal val="visible"/>
+                                      </p:to>
+                                    </p:set>
+                                    <p:anim calcmode="lin" valueType="num">
+                                      <p:cBhvr additive="base">
+                                        <p:cTn id="23" dur="500" fill="hold"/>
+                                        <p:tgtEl>
+                                          <p:spTgt spid="6"/>
+                                        </p:tgtEl>
+                                        <p:attrNameLst>
+                                          <p:attrName>ppt_x</p:attrName>
+                                        </p:attrNameLst>
+                                      </p:cBhvr>
+                                      <p:tavLst>
+                                        <p:tav tm="0">
+                                          <p:val>
+                                            <p:strVal val="#ppt_x"/>
+                                          </p:val>
+                                        </p:tav>
+                                        <p:tav tm="100000">
+                                          <p:val>
+                                            <p:strVal val="#ppt_x"/>
+                                          </p:val>
+                                        </p:tav>
+                                      </p:tavLst>
+                                    </p:anim>
+                                    <p:anim calcmode="lin" valueType="num">
+                                      <p:cBhvr additive="base">
+                                        <p:cTn id="24" dur="500" fill="hold"/>
+                                        <p:tgtEl>
+                                          <p:spTgt spid="6"/>
+                                        </p:tgtEl>
+                                        <p:attrNameLst>
+                                          <p:attrName>ppt_y</p:attrName>
+                                        </p:attrNameLst>
+                                      </p:cBhvr>
+                                      <p:tavLst>
+                                        <p:tav tm="0">
+                                          <p:val>
+                                            <p:strVal val="1+#ppt_h/2"/>
+                                          </p:val>
+                                        </p:tav>
+                                        <p:tav tm="100000">
+                                          <p:val>
+                                            <p:strVal val="#ppt_y"/>
+                                          </p:val>
+                                        </p:tav>
+                                      </p:tavLst>
+                                    </p:anim>
+                                  </p:childTnLst>
+                                </p:cTn>
+                              </p:par>
+                            </p:childTnLst>
+                          </p:cTn>
+                        </p:par>
+                      </p:childTnLst>
+                    </p:cTn>
+                  </p:par>
+                </p:childTnLst>
+              </p:cTn>
+              <p:prevCondLst>
+                <p:cond evt="onPrev" delay="0">
+                  <p:tgtEl>
+                    <p:sldTgt/>
+                  </p:tgtEl>
+                </p:cond>
+              </p:prevCondLst>
+              <p:nextCondLst>
+                <p:cond evt="onNext" delay="0">
+                  <p:tgtEl>
+                    <p:sldTgt/>
+                  </p:tgtEl>
+                </p:cond>
+              </p:nextCondLst>
+            </p:seq>
+          </p:childTnLst>
+        </p:cTn>
+      </p:par>
+    </p:tnLst>
+    <p:bldLst>
+      <p:bldP spid="6" grpId="0"/>
+    </p:bldLst>
+  </p:timing>
+</p:sld>
+</file>
+
+<file path=ppt/slides/slide25.xml><?xml version="1.0" encoding="utf-8"?>
+<p:sld xmlns:a="http://schemas.openxmlformats.org/drawingml/2006/main" xmlns:r="http://schemas.openxmlformats.org/officeDocument/2006/relationships" xmlns:p="http://schemas.openxmlformats.org/presentationml/2006/main">
+  <p:cSld>
+    <p:spTree>
+      <p:nvGrpSpPr>
+        <p:cNvPr id="1" name=""/>
+        <p:cNvGrpSpPr/>
+        <p:nvPr/>
+      </p:nvGrpSpPr>
+      <p:grpSpPr>
+        <a:xfrm>
+          <a:off x="0" y="0"/>
+          <a:ext cx="0" cy="0"/>
+          <a:chOff x="0" y="0"/>
+          <a:chExt cx="0" cy="0"/>
+        </a:xfrm>
+      </p:grpSpPr>
+      <p:sp>
+        <p:nvSpPr>
+          <p:cNvPr id="3" name="内容占位符 2"/>
+          <p:cNvSpPr>
+            <a:spLocks noGrp="1"/>
+          </p:cNvSpPr>
+          <p:nvPr>
+            <p:ph sz="quarter" idx="11"/>
+          </p:nvPr>
+        </p:nvSpPr>
+        <p:spPr>
+          <a:xfrm>
+            <a:off x="947204" y="308698"/>
+            <a:ext cx="8191557" cy="490476"/>
+          </a:xfrm>
+        </p:spPr>
+        <p:txBody>
+          <a:bodyPr/>
+          <a:p>
+            <a:r>
+              <a:rPr kumimoji="0" lang="zh-CN" altLang="en-US" b="0" dirty="0">
+                <a:solidFill>
+                  <a:srgbClr val="C00000"/>
+                </a:solidFill>
+                <a:sym typeface="+mn-ea"/>
+              </a:rPr>
+              <a:t>模拟类</a:t>
+            </a:r>
+            <a:r>
+              <a:rPr kumimoji="0" lang="en-US" altLang="zh-CN" b="0" dirty="0">
+                <a:solidFill>
+                  <a:srgbClr val="C00000"/>
+                </a:solidFill>
+                <a:sym typeface="+mn-ea"/>
+              </a:rPr>
+              <a:t>-</a:t>
+            </a:r>
+            <a:r>
+              <a:rPr kumimoji="0" lang="zh-CN" altLang="en-US" b="0" dirty="0">
+                <a:solidFill>
+                  <a:srgbClr val="C00000"/>
+                </a:solidFill>
+                <a:sym typeface="+mn-ea"/>
+              </a:rPr>
+              <a:t>类继承的形式 二 （避免原型共享）</a:t>
+            </a:r>
+            <a:endParaRPr kumimoji="0" lang="en-US" altLang="zh-CN" b="0" dirty="0" smtClean="0">
+              <a:solidFill>
+                <a:srgbClr val="C00000"/>
+              </a:solidFill>
+              <a:latin typeface="微软雅黑" panose="020B0503020204020204" pitchFamily="34" charset="-122"/>
+              <a:ea typeface="微软雅黑" panose="020B0503020204020204" pitchFamily="34" charset="-122"/>
+              <a:sym typeface="+mn-ea"/>
+            </a:endParaRPr>
+          </a:p>
+          <a:p>
+            <a:endParaRPr kumimoji="0" lang="zh-CN" altLang="en-US" b="0" dirty="0">
+              <a:solidFill>
+                <a:srgbClr val="C00000"/>
+              </a:solidFill>
+            </a:endParaRPr>
+          </a:p>
+          <a:p>
+            <a:endParaRPr lang="zh-CN" altLang="en-US" dirty="0"/>
           </a:p>
         </p:txBody>
       </p:sp>
@@ -17137,7 +22007,155 @@
                 <a:latin typeface="+mn-ea"/>
                 <a:ea typeface="+mn-ea"/>
               </a:rPr>
-              <a:t>demo09 Part1</a:t>
+              <a:t>demo09 Part2 </a:t>
+            </a:r>
+            <a:r>
+              <a:rPr lang="en-US" altLang="zh-CN" sz="2200">
+                <a:solidFill>
+                  <a:srgbClr val="FF0000"/>
+                </a:solidFill>
+                <a:latin typeface="+mn-ea"/>
+                <a:ea typeface="+mn-ea"/>
+                <a:sym typeface="+mn-ea"/>
+              </a:rPr>
+              <a:t>JS</a:t>
+            </a:r>
+            <a:r>
+              <a:rPr lang="zh-CN" altLang="en-US" sz="2200">
+                <a:solidFill>
+                  <a:srgbClr val="FF0000"/>
+                </a:solidFill>
+                <a:latin typeface="+mn-ea"/>
+                <a:ea typeface="+mn-ea"/>
+                <a:sym typeface="+mn-ea"/>
+              </a:rPr>
+              <a:t>面向对象继承</a:t>
+            </a:r>
+            <a:endParaRPr lang="zh-CN" altLang="en-US" sz="2200">
+              <a:solidFill>
+                <a:srgbClr val="FF0000"/>
+              </a:solidFill>
+              <a:latin typeface="+mn-ea"/>
+              <a:ea typeface="+mn-ea"/>
+            </a:endParaRPr>
+          </a:p>
+        </p:txBody>
+      </p:sp>
+      <p:pic>
+        <p:nvPicPr>
+          <p:cNvPr id="5" name="图片 4"/>
+          <p:cNvPicPr>
+            <a:picLocks noChangeAspect="1"/>
+          </p:cNvPicPr>
+          <p:nvPr/>
+        </p:nvPicPr>
+        <p:blipFill>
+          <a:blip r:embed="rId1"/>
+          <a:stretch>
+            <a:fillRect/>
+          </a:stretch>
+        </p:blipFill>
+        <p:spPr>
+          <a:xfrm>
+            <a:off x="947420" y="955675"/>
+            <a:ext cx="8172450" cy="4924425"/>
+          </a:xfrm>
+          <a:prstGeom prst="rect">
+            <a:avLst/>
+          </a:prstGeom>
+        </p:spPr>
+      </p:pic>
+      <p:sp>
+        <p:nvSpPr>
+          <p:cNvPr id="6" name="文本框 5"/>
+          <p:cNvSpPr txBox="1"/>
+          <p:nvPr/>
+        </p:nvSpPr>
+        <p:spPr>
+          <a:xfrm>
+            <a:off x="7024370" y="3416300"/>
+            <a:ext cx="4338320" cy="1106805"/>
+          </a:xfrm>
+          <a:prstGeom prst="rect">
+            <a:avLst/>
+          </a:prstGeom>
+          <a:noFill/>
+        </p:spPr>
+        <p:txBody>
+          <a:bodyPr wrap="square" rtlCol="0">
+            <a:spAutoFit/>
+          </a:bodyPr>
+          <a:p>
+            <a:pPr algn="l"/>
+            <a:r>
+              <a:rPr lang="zh-CN" sz="2200">
+                <a:solidFill>
+                  <a:srgbClr val="FF0000"/>
+                </a:solidFill>
+                <a:latin typeface="+mn-ea"/>
+                <a:ea typeface="+mn-ea"/>
+              </a:rPr>
+              <a:t>如果不把</a:t>
+            </a:r>
+            <a:endParaRPr lang="zh-CN" sz="2200">
+              <a:solidFill>
+                <a:srgbClr val="FF0000"/>
+              </a:solidFill>
+              <a:latin typeface="+mn-ea"/>
+              <a:ea typeface="+mn-ea"/>
+            </a:endParaRPr>
+          </a:p>
+          <a:p>
+            <a:pPr algn="l"/>
+            <a:r>
+              <a:rPr lang="en-US" altLang="zh-CN" sz="2200">
+                <a:solidFill>
+                  <a:srgbClr val="FF0000"/>
+                </a:solidFill>
+                <a:latin typeface="+mn-ea"/>
+                <a:ea typeface="+mn-ea"/>
+              </a:rPr>
+              <a:t>Student.prototype.constructor</a:t>
+            </a:r>
+            <a:endParaRPr lang="en-US" altLang="zh-CN" sz="2200">
+              <a:solidFill>
+                <a:srgbClr val="FF0000"/>
+              </a:solidFill>
+              <a:latin typeface="+mn-ea"/>
+              <a:ea typeface="+mn-ea"/>
+            </a:endParaRPr>
+          </a:p>
+          <a:p>
+            <a:pPr algn="l"/>
+            <a:r>
+              <a:rPr lang="zh-CN" altLang="en-US" sz="2200">
+                <a:solidFill>
+                  <a:srgbClr val="FF0000"/>
+                </a:solidFill>
+                <a:latin typeface="+mn-ea"/>
+                <a:ea typeface="+mn-ea"/>
+              </a:rPr>
+              <a:t>指回</a:t>
+            </a:r>
+            <a:r>
+              <a:rPr lang="en-US" altLang="zh-CN" sz="2200">
+                <a:solidFill>
+                  <a:srgbClr val="FF0000"/>
+                </a:solidFill>
+                <a:latin typeface="+mn-ea"/>
+                <a:ea typeface="+mn-ea"/>
+              </a:rPr>
+              <a:t>Student</a:t>
+            </a:r>
+            <a:r>
+              <a:rPr lang="zh-CN" altLang="en-US" sz="2200">
+                <a:solidFill>
+                  <a:srgbClr val="FF0000"/>
+                </a:solidFill>
+                <a:latin typeface="+mn-ea"/>
+                <a:ea typeface="+mn-ea"/>
+              </a:rPr>
+              <a:t>，那它将指向谁？</a:t>
             </a:r>
             <a:endParaRPr lang="zh-CN" altLang="en-US" sz="2200">
               <a:solidFill>
@@ -17439,14 +22457,14 @@
       </p:par>
     </p:tnLst>
     <p:bldLst>
+      <p:bldP spid="2" grpId="0"/>
       <p:bldP spid="6" grpId="0"/>
-      <p:bldP spid="2" grpId="0"/>
     </p:bldLst>
   </p:timing>
 </p:sld>
 </file>
 
-<file path=ppt/slides/slide23.xml><?xml version="1.0" encoding="utf-8"?>
+<file path=ppt/slides/slide26.xml><?xml version="1.0" encoding="utf-8"?>
 <p:sld xmlns:a="http://schemas.openxmlformats.org/drawingml/2006/main" xmlns:r="http://schemas.openxmlformats.org/officeDocument/2006/relationships" xmlns:p="http://schemas.openxmlformats.org/presentationml/2006/main">
   <p:cSld>
     <p:spTree>
@@ -17465,6 +22483,762 @@
       </p:grpSpPr>
       <p:sp>
         <p:nvSpPr>
+          <p:cNvPr id="5123" name="AutoShape 6"/>
+          <p:cNvSpPr>
+            <a:spLocks noChangeArrowheads="1"/>
+          </p:cNvSpPr>
+          <p:nvPr/>
+        </p:nvSpPr>
+        <p:spPr bwMode="auto">
+          <a:xfrm>
+            <a:off x="2566988" y="1339851"/>
+            <a:ext cx="6711950" cy="4214813"/>
+          </a:xfrm>
+          <a:prstGeom prst="roundRect">
+            <a:avLst>
+              <a:gd name="adj" fmla="val 16667"/>
+            </a:avLst>
+          </a:prstGeom>
+          <a:noFill/>
+          <a:ln w="28575">
+            <a:solidFill>
+              <a:srgbClr val="C0C0C0"/>
+            </a:solidFill>
+            <a:prstDash val="sysDot"/>
+            <a:round/>
+          </a:ln>
+          <a:extLst>
+            <a:ext uri="{909E8E84-426E-40DD-AFC4-6F175D3DCCD1}">
+              <a14:hiddenFill xmlns:a14="http://schemas.microsoft.com/office/drawing/2010/main">
+                <a:solidFill>
+                  <a:srgbClr val="FFFFFF"/>
+                </a:solidFill>
+              </a14:hiddenFill>
+            </a:ext>
+          </a:extLst>
+        </p:spPr>
+        <p:txBody>
+          <a:bodyPr wrap="none" anchor="ctr"/>
+          <a:lstStyle>
+            <a:lvl1pPr marL="457200" indent="-457200">
+              <a:defRPr sz="3200">
+                <a:solidFill>
+                  <a:schemeClr val="tx1"/>
+                </a:solidFill>
+                <a:latin typeface="Arial" panose="020B0604020202020204" pitchFamily="34" charset="0"/>
+                <a:ea typeface="微软雅黑" panose="020B0503020204020204" pitchFamily="34" charset="-122"/>
+              </a:defRPr>
+            </a:lvl1pPr>
+            <a:lvl2pPr marL="742950" indent="-285750">
+              <a:defRPr sz="3200">
+                <a:solidFill>
+                  <a:schemeClr val="tx1"/>
+                </a:solidFill>
+                <a:latin typeface="Arial" panose="020B0604020202020204" pitchFamily="34" charset="0"/>
+                <a:ea typeface="微软雅黑" panose="020B0503020204020204" pitchFamily="34" charset="-122"/>
+              </a:defRPr>
+            </a:lvl2pPr>
+            <a:lvl3pPr marL="1143000" indent="-228600">
+              <a:defRPr sz="3200">
+                <a:solidFill>
+                  <a:schemeClr val="tx1"/>
+                </a:solidFill>
+                <a:latin typeface="Arial" panose="020B0604020202020204" pitchFamily="34" charset="0"/>
+                <a:ea typeface="微软雅黑" panose="020B0503020204020204" pitchFamily="34" charset="-122"/>
+              </a:defRPr>
+            </a:lvl3pPr>
+            <a:lvl4pPr marL="1600200" indent="-228600">
+              <a:defRPr sz="3200">
+                <a:solidFill>
+                  <a:schemeClr val="tx1"/>
+                </a:solidFill>
+                <a:latin typeface="Arial" panose="020B0604020202020204" pitchFamily="34" charset="0"/>
+                <a:ea typeface="微软雅黑" panose="020B0503020204020204" pitchFamily="34" charset="-122"/>
+              </a:defRPr>
+            </a:lvl4pPr>
+            <a:lvl5pPr marL="2057400" indent="-228600">
+              <a:defRPr sz="3200">
+                <a:solidFill>
+                  <a:schemeClr val="tx1"/>
+                </a:solidFill>
+                <a:latin typeface="Arial" panose="020B0604020202020204" pitchFamily="34" charset="0"/>
+                <a:ea typeface="微软雅黑" panose="020B0503020204020204" pitchFamily="34" charset="-122"/>
+              </a:defRPr>
+            </a:lvl5pPr>
+            <a:lvl6pPr marL="2514600" indent="-228600" eaLnBrk="0" fontAlgn="base" hangingPunct="0">
+              <a:spcBef>
+                <a:spcPct val="0"/>
+              </a:spcBef>
+              <a:spcAft>
+                <a:spcPct val="0"/>
+              </a:spcAft>
+              <a:defRPr sz="3200">
+                <a:solidFill>
+                  <a:schemeClr val="tx1"/>
+                </a:solidFill>
+                <a:latin typeface="Arial" panose="020B0604020202020204" pitchFamily="34" charset="0"/>
+                <a:ea typeface="微软雅黑" panose="020B0503020204020204" pitchFamily="34" charset="-122"/>
+              </a:defRPr>
+            </a:lvl6pPr>
+            <a:lvl7pPr marL="2971800" indent="-228600" eaLnBrk="0" fontAlgn="base" hangingPunct="0">
+              <a:spcBef>
+                <a:spcPct val="0"/>
+              </a:spcBef>
+              <a:spcAft>
+                <a:spcPct val="0"/>
+              </a:spcAft>
+              <a:defRPr sz="3200">
+                <a:solidFill>
+                  <a:schemeClr val="tx1"/>
+                </a:solidFill>
+                <a:latin typeface="Arial" panose="020B0604020202020204" pitchFamily="34" charset="0"/>
+                <a:ea typeface="微软雅黑" panose="020B0503020204020204" pitchFamily="34" charset="-122"/>
+              </a:defRPr>
+            </a:lvl7pPr>
+            <a:lvl8pPr marL="3429000" indent="-228600" eaLnBrk="0" fontAlgn="base" hangingPunct="0">
+              <a:spcBef>
+                <a:spcPct val="0"/>
+              </a:spcBef>
+              <a:spcAft>
+                <a:spcPct val="0"/>
+              </a:spcAft>
+              <a:defRPr sz="3200">
+                <a:solidFill>
+                  <a:schemeClr val="tx1"/>
+                </a:solidFill>
+                <a:latin typeface="Arial" panose="020B0604020202020204" pitchFamily="34" charset="0"/>
+                <a:ea typeface="微软雅黑" panose="020B0503020204020204" pitchFamily="34" charset="-122"/>
+              </a:defRPr>
+            </a:lvl8pPr>
+            <a:lvl9pPr marL="3886200" indent="-228600" eaLnBrk="0" fontAlgn="base" hangingPunct="0">
+              <a:spcBef>
+                <a:spcPct val="0"/>
+              </a:spcBef>
+              <a:spcAft>
+                <a:spcPct val="0"/>
+              </a:spcAft>
+              <a:defRPr sz="3200">
+                <a:solidFill>
+                  <a:schemeClr val="tx1"/>
+                </a:solidFill>
+                <a:latin typeface="Arial" panose="020B0604020202020204" pitchFamily="34" charset="0"/>
+                <a:ea typeface="微软雅黑" panose="020B0503020204020204" pitchFamily="34" charset="-122"/>
+              </a:defRPr>
+            </a:lvl9pPr>
+          </a:lstStyle>
+          <a:p>
+            <a:pPr algn="l">
+              <a:lnSpc>
+                <a:spcPct val="150000"/>
+              </a:lnSpc>
+              <a:spcBef>
+                <a:spcPts val="1200"/>
+              </a:spcBef>
+              <a:spcAft>
+                <a:spcPts val="1200"/>
+              </a:spcAft>
+              <a:buClr>
+                <a:srgbClr val="92D050"/>
+              </a:buClr>
+              <a:buFont typeface="Wingdings" panose="05000000000000000000" pitchFamily="2" charset="2"/>
+              <a:buChar char="Ø"/>
+            </a:pPr>
+            <a:r>
+              <a:rPr lang="en-US" altLang="zh-CN" sz="2800" b="1">
+                <a:solidFill>
+                  <a:schemeClr val="tx1"/>
+                </a:solidFill>
+                <a:sym typeface="+mn-ea"/>
+              </a:rPr>
+              <a:t>JS</a:t>
+            </a:r>
+            <a:r>
+              <a:rPr lang="zh-CN" altLang="en-US" sz="2800" b="1">
+                <a:solidFill>
+                  <a:schemeClr val="tx1"/>
+                </a:solidFill>
+                <a:sym typeface="+mn-ea"/>
+              </a:rPr>
+              <a:t>对象</a:t>
+            </a:r>
+            <a:r>
+              <a:rPr lang="en-US" altLang="zh-CN" sz="2800" b="1">
+                <a:solidFill>
+                  <a:schemeClr val="tx1"/>
+                </a:solidFill>
+                <a:sym typeface="+mn-ea"/>
+              </a:rPr>
+              <a:t>-</a:t>
+            </a:r>
+            <a:r>
+              <a:rPr lang="zh-CN" altLang="en-US" sz="2800" b="1">
+                <a:solidFill>
+                  <a:schemeClr val="tx1"/>
+                </a:solidFill>
+                <a:sym typeface="+mn-ea"/>
+              </a:rPr>
+              <a:t>对象原型继承</a:t>
+            </a:r>
+            <a:endParaRPr lang="zh-CN" altLang="en-US" sz="2800" b="1">
+              <a:solidFill>
+                <a:schemeClr val="tx1"/>
+              </a:solidFill>
+              <a:sym typeface="+mn-ea"/>
+            </a:endParaRPr>
+          </a:p>
+          <a:p>
+            <a:pPr algn="l">
+              <a:lnSpc>
+                <a:spcPct val="150000"/>
+              </a:lnSpc>
+              <a:spcBef>
+                <a:spcPts val="1200"/>
+              </a:spcBef>
+              <a:spcAft>
+                <a:spcPts val="1200"/>
+              </a:spcAft>
+              <a:buClr>
+                <a:srgbClr val="92D050"/>
+              </a:buClr>
+              <a:buFont typeface="Wingdings" panose="05000000000000000000" pitchFamily="2" charset="2"/>
+              <a:buChar char="Ø"/>
+            </a:pPr>
+            <a:r>
+              <a:rPr lang="zh-CN" altLang="en-US" sz="2800" b="1">
+                <a:solidFill>
+                  <a:schemeClr val="tx1"/>
+                </a:solidFill>
+                <a:sym typeface="+mn-ea"/>
+              </a:rPr>
+              <a:t>通过构造函数模拟类</a:t>
+            </a:r>
+            <a:r>
+              <a:rPr lang="en-US" altLang="zh-CN" sz="2800" b="1">
+                <a:solidFill>
+                  <a:schemeClr val="tx1"/>
+                </a:solidFill>
+                <a:sym typeface="+mn-ea"/>
+              </a:rPr>
+              <a:t>-</a:t>
+            </a:r>
+            <a:r>
+              <a:rPr lang="zh-CN" altLang="en-US" sz="2800" b="1">
+                <a:solidFill>
+                  <a:schemeClr val="tx1"/>
+                </a:solidFill>
+                <a:sym typeface="+mn-ea"/>
+              </a:rPr>
+              <a:t>类的继承</a:t>
+            </a:r>
+            <a:endParaRPr lang="zh-CN" altLang="en-US" sz="2800" b="1">
+              <a:solidFill>
+                <a:schemeClr val="tx1"/>
+              </a:solidFill>
+              <a:sym typeface="+mn-ea"/>
+            </a:endParaRPr>
+          </a:p>
+          <a:p>
+            <a:pPr algn="l">
+              <a:lnSpc>
+                <a:spcPct val="150000"/>
+              </a:lnSpc>
+              <a:spcBef>
+                <a:spcPts val="1200"/>
+              </a:spcBef>
+              <a:spcAft>
+                <a:spcPts val="1200"/>
+              </a:spcAft>
+              <a:buClr>
+                <a:srgbClr val="92D050"/>
+              </a:buClr>
+              <a:buFont typeface="Wingdings" panose="05000000000000000000" pitchFamily="2" charset="2"/>
+              <a:buChar char="Ø"/>
+            </a:pPr>
+            <a:r>
+              <a:rPr lang="en-US" altLang="zh-CN" sz="2800" b="1">
+                <a:solidFill>
+                  <a:srgbClr val="FF0000"/>
+                </a:solidFill>
+                <a:sym typeface="+mn-ea"/>
+              </a:rPr>
+              <a:t>JS</a:t>
+            </a:r>
+            <a:r>
+              <a:rPr lang="zh-CN" altLang="en-US" sz="2800" b="1">
+                <a:solidFill>
+                  <a:srgbClr val="FF0000"/>
+                </a:solidFill>
+                <a:sym typeface="+mn-ea"/>
+              </a:rPr>
+              <a:t>继承补充部分</a:t>
+            </a:r>
+            <a:endParaRPr lang="zh-CN" altLang="en-US" sz="2800" b="1">
+              <a:solidFill>
+                <a:srgbClr val="FF0000"/>
+              </a:solidFill>
+              <a:sym typeface="+mn-ea"/>
+            </a:endParaRPr>
+          </a:p>
+        </p:txBody>
+      </p:sp>
+      <p:sp>
+        <p:nvSpPr>
+          <p:cNvPr id="4" name="内容占位符 3"/>
+          <p:cNvSpPr txBox="1"/>
+          <p:nvPr/>
+        </p:nvSpPr>
+        <p:spPr>
+          <a:xfrm>
+            <a:off x="981657" y="236943"/>
+            <a:ext cx="8191557" cy="490476"/>
+          </a:xfrm>
+          <a:prstGeom prst="rect">
+            <a:avLst/>
+          </a:prstGeom>
+        </p:spPr>
+        <p:txBody>
+          <a:bodyPr/>
+          <a:lstStyle>
+            <a:lvl1pPr marL="167005" indent="-167005" algn="l" defTabSz="0" rtl="0" eaLnBrk="0" fontAlgn="base" hangingPunct="0">
+              <a:spcBef>
+                <a:spcPct val="0"/>
+              </a:spcBef>
+              <a:spcAft>
+                <a:spcPct val="15000"/>
+              </a:spcAft>
+              <a:buClr>
+                <a:schemeClr val="tx2"/>
+              </a:buClr>
+              <a:buFont typeface="Arial" panose="020B0604020202020204" pitchFamily="34" charset="0"/>
+              <a:buChar char="•"/>
+              <a:defRPr kumimoji="1" sz="1600">
+                <a:solidFill>
+                  <a:srgbClr val="006F53"/>
+                </a:solidFill>
+                <a:latin typeface="微软雅黑" panose="020B0503020204020204" pitchFamily="34" charset="-122"/>
+                <a:ea typeface="微软雅黑" panose="020B0503020204020204" pitchFamily="34" charset="-122"/>
+                <a:cs typeface="微软雅黑" panose="020B0503020204020204" pitchFamily="34" charset="-122"/>
+              </a:defRPr>
+            </a:lvl1pPr>
+            <a:lvl2pPr marL="398780" indent="-230505" algn="l" defTabSz="0" rtl="0" eaLnBrk="0" fontAlgn="base" hangingPunct="0">
+              <a:spcBef>
+                <a:spcPct val="0"/>
+              </a:spcBef>
+              <a:spcAft>
+                <a:spcPct val="15000"/>
+              </a:spcAft>
+              <a:buClr>
+                <a:schemeClr val="tx2"/>
+              </a:buClr>
+              <a:buFont typeface="Arial" panose="020B0604020202020204" pitchFamily="34" charset="0"/>
+              <a:buChar char="–"/>
+              <a:defRPr kumimoji="1" sz="2800">
+                <a:solidFill>
+                  <a:schemeClr val="bg2"/>
+                </a:solidFill>
+                <a:latin typeface="微软雅黑" panose="020B0503020204020204" pitchFamily="34" charset="-122"/>
+                <a:ea typeface="微软雅黑" panose="020B0503020204020204" pitchFamily="34" charset="-122"/>
+                <a:cs typeface="微软雅黑" panose="020B0503020204020204" pitchFamily="34" charset="-122"/>
+              </a:defRPr>
+            </a:lvl2pPr>
+            <a:lvl3pPr marL="400050" indent="182880" algn="l" defTabSz="0" rtl="0" eaLnBrk="0" fontAlgn="base" hangingPunct="0">
+              <a:spcBef>
+                <a:spcPct val="0"/>
+              </a:spcBef>
+              <a:spcAft>
+                <a:spcPct val="15000"/>
+              </a:spcAft>
+              <a:buClr>
+                <a:schemeClr val="tx2"/>
+              </a:buClr>
+              <a:buFont typeface="Arial" panose="020B0604020202020204" pitchFamily="34" charset="0"/>
+              <a:buChar char="•"/>
+              <a:defRPr kumimoji="1" sz="1600">
+                <a:solidFill>
+                  <a:schemeClr val="bg2"/>
+                </a:solidFill>
+                <a:latin typeface="微软雅黑" panose="020B0503020204020204" pitchFamily="34" charset="-122"/>
+                <a:ea typeface="微软雅黑" panose="020B0503020204020204" pitchFamily="34" charset="-122"/>
+                <a:cs typeface="微软雅黑" panose="020B0503020204020204" pitchFamily="34" charset="-122"/>
+              </a:defRPr>
+            </a:lvl3pPr>
+            <a:lvl4pPr marL="825500" indent="-241300" algn="l" defTabSz="0" rtl="0" eaLnBrk="0" fontAlgn="base" hangingPunct="0">
+              <a:spcBef>
+                <a:spcPct val="0"/>
+              </a:spcBef>
+              <a:spcAft>
+                <a:spcPct val="15000"/>
+              </a:spcAft>
+              <a:buClr>
+                <a:schemeClr val="tx2"/>
+              </a:buClr>
+              <a:buFont typeface="Arial" panose="020B0604020202020204" pitchFamily="34" charset="0"/>
+              <a:buChar char="–"/>
+              <a:defRPr kumimoji="1" sz="1600">
+                <a:solidFill>
+                  <a:schemeClr val="bg2"/>
+                </a:solidFill>
+                <a:latin typeface="微软雅黑" panose="020B0503020204020204" pitchFamily="34" charset="-122"/>
+                <a:ea typeface="微软雅黑" panose="020B0503020204020204" pitchFamily="34" charset="-122"/>
+                <a:cs typeface="微软雅黑" panose="020B0503020204020204" pitchFamily="34" charset="-122"/>
+              </a:defRPr>
+            </a:lvl4pPr>
+            <a:lvl5pPr marL="2057400" indent="-228600" algn="l" defTabSz="0" rtl="0" eaLnBrk="0" fontAlgn="base" hangingPunct="0">
+              <a:spcBef>
+                <a:spcPct val="0"/>
+              </a:spcBef>
+              <a:spcAft>
+                <a:spcPct val="25000"/>
+              </a:spcAft>
+              <a:buClr>
+                <a:schemeClr val="tx2"/>
+              </a:buClr>
+              <a:buFont typeface="Arial" panose="020B0604020202020204" pitchFamily="34" charset="0"/>
+              <a:buChar char="–"/>
+              <a:defRPr kumimoji="1" sz="2000">
+                <a:solidFill>
+                  <a:schemeClr val="tx1"/>
+                </a:solidFill>
+                <a:latin typeface="+mn-lt"/>
+                <a:ea typeface="微软雅黑" panose="020B0503020204020204" pitchFamily="34" charset="-122"/>
+                <a:cs typeface="微软雅黑" panose="020B0503020204020204" pitchFamily="34" charset="-122"/>
+              </a:defRPr>
+            </a:lvl5pPr>
+            <a:lvl6pPr marL="2514600" indent="-228600" algn="l" defTabSz="0" rtl="0" eaLnBrk="0" fontAlgn="base" hangingPunct="0">
+              <a:spcBef>
+                <a:spcPct val="0"/>
+              </a:spcBef>
+              <a:spcAft>
+                <a:spcPct val="25000"/>
+              </a:spcAft>
+              <a:buClr>
+                <a:schemeClr val="tx2"/>
+              </a:buClr>
+              <a:buFont typeface="Arial" panose="020B0604020202020204" pitchFamily="34" charset="0"/>
+              <a:buChar char="–"/>
+              <a:defRPr>
+                <a:solidFill>
+                  <a:schemeClr val="tx1"/>
+                </a:solidFill>
+                <a:latin typeface="+mn-lt"/>
+              </a:defRPr>
+            </a:lvl6pPr>
+            <a:lvl7pPr marL="2971800" indent="-228600" algn="l" defTabSz="0" rtl="0" eaLnBrk="0" fontAlgn="base" hangingPunct="0">
+              <a:spcBef>
+                <a:spcPct val="0"/>
+              </a:spcBef>
+              <a:spcAft>
+                <a:spcPct val="25000"/>
+              </a:spcAft>
+              <a:buClr>
+                <a:schemeClr val="tx2"/>
+              </a:buClr>
+              <a:buFont typeface="Arial" panose="020B0604020202020204" pitchFamily="34" charset="0"/>
+              <a:buChar char="–"/>
+              <a:defRPr>
+                <a:solidFill>
+                  <a:schemeClr val="tx1"/>
+                </a:solidFill>
+                <a:latin typeface="+mn-lt"/>
+              </a:defRPr>
+            </a:lvl7pPr>
+            <a:lvl8pPr marL="3429000" indent="-228600" algn="l" defTabSz="0" rtl="0" eaLnBrk="0" fontAlgn="base" hangingPunct="0">
+              <a:spcBef>
+                <a:spcPct val="0"/>
+              </a:spcBef>
+              <a:spcAft>
+                <a:spcPct val="25000"/>
+              </a:spcAft>
+              <a:buClr>
+                <a:schemeClr val="tx2"/>
+              </a:buClr>
+              <a:buFont typeface="Arial" panose="020B0604020202020204" pitchFamily="34" charset="0"/>
+              <a:buChar char="–"/>
+              <a:defRPr>
+                <a:solidFill>
+                  <a:schemeClr val="tx1"/>
+                </a:solidFill>
+                <a:latin typeface="+mn-lt"/>
+              </a:defRPr>
+            </a:lvl8pPr>
+            <a:lvl9pPr marL="3886200" indent="-228600" algn="l" defTabSz="0" rtl="0" eaLnBrk="0" fontAlgn="base" hangingPunct="0">
+              <a:spcBef>
+                <a:spcPct val="0"/>
+              </a:spcBef>
+              <a:spcAft>
+                <a:spcPct val="25000"/>
+              </a:spcAft>
+              <a:buClr>
+                <a:schemeClr val="tx2"/>
+              </a:buClr>
+              <a:buFont typeface="Arial" panose="020B0604020202020204" pitchFamily="34" charset="0"/>
+              <a:buChar char="–"/>
+              <a:defRPr>
+                <a:solidFill>
+                  <a:schemeClr val="tx1"/>
+                </a:solidFill>
+                <a:latin typeface="+mn-lt"/>
+              </a:defRPr>
+            </a:lvl9pPr>
+          </a:lstStyle>
+          <a:p>
+            <a:pPr marL="0" indent="0">
+              <a:buNone/>
+            </a:pPr>
+            <a:r>
+              <a:rPr lang="zh-CN" altLang="en-US" sz="3200" dirty="0" smtClean="0">
+                <a:solidFill>
+                  <a:srgbClr val="C00000"/>
+                </a:solidFill>
+                <a:cs typeface="+mn-cs"/>
+                <a:sym typeface="+mn-ea"/>
+              </a:rPr>
+              <a:t>内容提纲</a:t>
+            </a:r>
+            <a:endParaRPr lang="zh-CN" altLang="en-US" kern="0" dirty="0"/>
+          </a:p>
+        </p:txBody>
+      </p:sp>
+    </p:spTree>
+  </p:cSld>
+  <p:clrMapOvr>
+    <a:masterClrMapping/>
+  </p:clrMapOvr>
+  <p:timing>
+    <p:tnLst>
+      <p:par>
+        <p:cTn id="1" dur="indefinite" restart="never" nodeType="tmRoot"/>
+      </p:par>
+    </p:tnLst>
+  </p:timing>
+</p:sld>
+</file>
+
+<file path=ppt/slides/slide27.xml><?xml version="1.0" encoding="utf-8"?>
+<p:sld xmlns:a="http://schemas.openxmlformats.org/drawingml/2006/main" xmlns:r="http://schemas.openxmlformats.org/officeDocument/2006/relationships" xmlns:p="http://schemas.openxmlformats.org/presentationml/2006/main">
+  <p:cSld>
+    <p:spTree>
+      <p:nvGrpSpPr>
+        <p:cNvPr id="1" name=""/>
+        <p:cNvGrpSpPr/>
+        <p:nvPr/>
+      </p:nvGrpSpPr>
+      <p:grpSpPr>
+        <a:xfrm>
+          <a:off x="0" y="0"/>
+          <a:ext cx="0" cy="0"/>
+          <a:chOff x="0" y="0"/>
+          <a:chExt cx="0" cy="0"/>
+        </a:xfrm>
+      </p:grpSpPr>
+      <p:sp>
+        <p:nvSpPr>
+          <p:cNvPr id="2" name="内容占位符 1"/>
+          <p:cNvSpPr>
+            <a:spLocks noGrp="1"/>
+          </p:cNvSpPr>
+          <p:nvPr>
+            <p:ph sz="quarter" idx="10"/>
+          </p:nvPr>
+        </p:nvSpPr>
+        <p:spPr>
+          <a:xfrm>
+            <a:off x="927735" y="783590"/>
+            <a:ext cx="9776460" cy="4918710"/>
+          </a:xfrm>
+        </p:spPr>
+        <p:txBody>
+          <a:bodyPr/>
+          <a:lstStyle/>
+          <a:p>
+            <a:pPr>
+              <a:lnSpc>
+                <a:spcPct val="160000"/>
+              </a:lnSpc>
+            </a:pPr>
+            <a:r>
+              <a:rPr lang="zh-CN" altLang="en-US" sz="3200" dirty="0">
+                <a:solidFill>
+                  <a:schemeClr val="tx1"/>
+                </a:solidFill>
+                <a:sym typeface="+mn-ea"/>
+              </a:rPr>
+              <a:t>静态方法与原型方法的区别</a:t>
+            </a:r>
+            <a:br>
+              <a:rPr lang="zh-CN" altLang="en-US" sz="1800" dirty="0">
+                <a:solidFill>
+                  <a:schemeClr val="tx1"/>
+                </a:solidFill>
+                <a:sym typeface="+mn-ea"/>
+              </a:rPr>
+            </a:br>
+            <a:r>
+              <a:rPr lang="en-US" altLang="zh-CN" sz="1800" dirty="0">
+                <a:solidFill>
+                  <a:schemeClr val="tx1"/>
+                </a:solidFill>
+                <a:sym typeface="+mn-ea"/>
+              </a:rPr>
+              <a:t>- </a:t>
+            </a:r>
+            <a:r>
+              <a:rPr lang="zh-CN" altLang="en-US" sz="1800" dirty="0">
+                <a:solidFill>
+                  <a:schemeClr val="tx1"/>
+                </a:solidFill>
+                <a:sym typeface="+mn-ea"/>
+              </a:rPr>
+              <a:t>静态方法是构造器函数对象</a:t>
+            </a:r>
+            <a:r>
+              <a:rPr lang="zh-CN" altLang="en-US" sz="1800" dirty="0">
+                <a:solidFill>
+                  <a:srgbClr val="FF0000"/>
+                </a:solidFill>
+                <a:sym typeface="+mn-ea"/>
+              </a:rPr>
+              <a:t>（类）</a:t>
+            </a:r>
+            <a:r>
+              <a:rPr lang="zh-CN" altLang="en-US" sz="1800" dirty="0">
+                <a:solidFill>
+                  <a:schemeClr val="tx1"/>
+                </a:solidFill>
+                <a:sym typeface="+mn-ea"/>
+              </a:rPr>
+              <a:t>的属性，原型方法是实例化对象</a:t>
+            </a:r>
+            <a:r>
+              <a:rPr lang="zh-CN" altLang="en-US" sz="1800" dirty="0">
+                <a:solidFill>
+                  <a:srgbClr val="FF0000"/>
+                </a:solidFill>
+                <a:sym typeface="+mn-ea"/>
+              </a:rPr>
+              <a:t>（对象）</a:t>
+            </a:r>
+            <a:r>
+              <a:rPr lang="zh-CN" altLang="en-US" sz="1800" dirty="0">
+                <a:solidFill>
+                  <a:schemeClr val="tx1"/>
+                </a:solidFill>
+                <a:sym typeface="+mn-ea"/>
+              </a:rPr>
+              <a:t>的原型的属性</a:t>
+            </a:r>
+            <a:br>
+              <a:rPr lang="zh-CN" altLang="en-US" sz="1800" dirty="0">
+                <a:solidFill>
+                  <a:schemeClr val="tx1"/>
+                </a:solidFill>
+                <a:sym typeface="+mn-ea"/>
+              </a:rPr>
+            </a:br>
+            <a:r>
+              <a:rPr kumimoji="0" lang="en-US" altLang="zh-CN" sz="1800" dirty="0" smtClean="0">
+                <a:solidFill>
+                  <a:schemeClr val="tx1"/>
+                </a:solidFill>
+                <a:sym typeface="+mn-ea"/>
+              </a:rPr>
+              <a:t>- </a:t>
+            </a:r>
+            <a:r>
+              <a:rPr lang="zh-CN" altLang="en-US" sz="1800" dirty="0">
+                <a:solidFill>
+                  <a:schemeClr val="tx1"/>
+                </a:solidFill>
+                <a:sym typeface="+mn-ea"/>
+              </a:rPr>
+              <a:t>使用形式有什么不同，区别在哪里？（属性共享）</a:t>
+            </a:r>
+            <a:br>
+              <a:rPr lang="zh-CN" altLang="en-US" sz="1800" dirty="0">
+                <a:solidFill>
+                  <a:schemeClr val="accent3"/>
+                </a:solidFill>
+                <a:sym typeface="+mn-ea"/>
+              </a:rPr>
+            </a:br>
+            <a:r>
+              <a:rPr lang="en-US" altLang="zh-CN" sz="1800" dirty="0">
+                <a:solidFill>
+                  <a:schemeClr val="tx1"/>
+                </a:solidFill>
+                <a:sym typeface="+mn-ea"/>
+              </a:rPr>
+              <a:t>- </a:t>
+            </a:r>
+            <a:r>
+              <a:rPr lang="zh-CN" altLang="en-US" sz="1800" dirty="0">
+                <a:solidFill>
+                  <a:schemeClr val="tx1"/>
+                </a:solidFill>
+                <a:sym typeface="+mn-ea"/>
+              </a:rPr>
+              <a:t>思考</a:t>
+            </a:r>
+            <a:r>
+              <a:rPr kumimoji="0" lang="en-US" altLang="zh-CN" sz="1800" dirty="0" smtClean="0">
+                <a:solidFill>
+                  <a:schemeClr val="tx1"/>
+                </a:solidFill>
+                <a:sym typeface="+mn-ea"/>
+              </a:rPr>
+              <a:t>Object.getPrototypeOf(...)</a:t>
+            </a:r>
+            <a:r>
+              <a:rPr kumimoji="0" lang="zh-CN" altLang="en-US" sz="1800" dirty="0" smtClean="0">
+                <a:solidFill>
+                  <a:schemeClr val="tx1"/>
+                </a:solidFill>
+                <a:sym typeface="+mn-ea"/>
+              </a:rPr>
+              <a:t>与</a:t>
+            </a:r>
+            <a:r>
+              <a:rPr kumimoji="0" lang="en-US" altLang="zh-CN" sz="1800" dirty="0" smtClean="0">
+                <a:solidFill>
+                  <a:schemeClr val="tx1"/>
+                </a:solidFill>
+                <a:sym typeface="+mn-ea"/>
+              </a:rPr>
+              <a:t>Object.prototype.isPrototypeOf(...)</a:t>
+            </a:r>
+            <a:br>
+              <a:rPr lang="en-US" altLang="zh-CN" sz="1800" dirty="0">
+                <a:solidFill>
+                  <a:schemeClr val="tx1"/>
+                </a:solidFill>
+                <a:sym typeface="+mn-ea"/>
+              </a:rPr>
+            </a:br>
+            <a:endParaRPr lang="zh-CN" altLang="en-US" sz="1800" dirty="0">
+              <a:solidFill>
+                <a:schemeClr val="accent3"/>
+              </a:solidFill>
+              <a:sym typeface="+mn-ea"/>
+            </a:endParaRPr>
+          </a:p>
+          <a:p>
+            <a:pPr marL="0" indent="0">
+              <a:lnSpc>
+                <a:spcPct val="160000"/>
+              </a:lnSpc>
+              <a:buNone/>
+            </a:pPr>
+            <a:endParaRPr lang="en-US" altLang="zh-CN" sz="1800" dirty="0">
+              <a:solidFill>
+                <a:schemeClr val="tx1"/>
+              </a:solidFill>
+              <a:sym typeface="+mn-ea"/>
+            </a:endParaRPr>
+          </a:p>
+        </p:txBody>
+      </p:sp>
+      <p:sp>
+        <p:nvSpPr>
           <p:cNvPr id="3" name="内容占位符 2"/>
           <p:cNvSpPr>
             <a:spLocks noGrp="1"/>
@@ -17473,59 +23247,17 @@
             <p:ph sz="quarter" idx="11"/>
           </p:nvPr>
         </p:nvSpPr>
-        <p:spPr>
-          <a:xfrm>
-            <a:off x="947204" y="308698"/>
-            <a:ext cx="8191557" cy="490476"/>
-          </a:xfrm>
-        </p:spPr>
+        <p:spPr/>
         <p:txBody>
           <a:bodyPr/>
-          <a:p>
-            <a:r>
-              <a:rPr kumimoji="0" lang="zh-CN" altLang="en-US" b="0" dirty="0">
-                <a:solidFill>
-                  <a:srgbClr val="C00000"/>
-                </a:solidFill>
+          <a:lstStyle/>
+          <a:p>
+            <a:r>
+              <a:rPr lang="zh-CN" altLang="en-US" dirty="0">
                 <a:sym typeface="+mn-ea"/>
               </a:rPr>
-              <a:t>模拟类</a:t>
-            </a:r>
-            <a:r>
-              <a:rPr kumimoji="0" lang="en-US" altLang="zh-CN" b="0" dirty="0">
-                <a:solidFill>
-                  <a:srgbClr val="C00000"/>
-                </a:solidFill>
-                <a:sym typeface="+mn-ea"/>
-              </a:rPr>
-              <a:t>-</a:t>
-            </a:r>
-            <a:r>
-              <a:rPr kumimoji="0" lang="zh-CN" altLang="en-US" b="0" dirty="0">
-                <a:solidFill>
-                  <a:srgbClr val="C00000"/>
-                </a:solidFill>
-                <a:sym typeface="+mn-ea"/>
-              </a:rPr>
-              <a:t>类继承的形式 二 （避免原型共享）</a:t>
-            </a:r>
-            <a:endParaRPr kumimoji="0" lang="en-US" altLang="zh-CN" b="0" dirty="0" smtClean="0">
-              <a:solidFill>
-                <a:srgbClr val="C00000"/>
-              </a:solidFill>
-              <a:latin typeface="微软雅黑" panose="020B0503020204020204" pitchFamily="34" charset="-122"/>
-              <a:ea typeface="微软雅黑" panose="020B0503020204020204" pitchFamily="34" charset="-122"/>
-              <a:sym typeface="+mn-ea"/>
-            </a:endParaRPr>
-          </a:p>
-          <a:p>
-            <a:endParaRPr kumimoji="0" lang="zh-CN" altLang="en-US" b="0" dirty="0">
-              <a:solidFill>
-                <a:srgbClr val="C00000"/>
-              </a:solidFill>
-            </a:endParaRPr>
-          </a:p>
-          <a:p>
+              <a:t>JS继承补充部分</a:t>
+            </a:r>
             <a:endParaRPr lang="zh-CN" altLang="en-US" dirty="0"/>
           </a:p>
         </p:txBody>
@@ -17546,8 +23278,8 @@
         </p:blipFill>
         <p:spPr>
           <a:xfrm>
-            <a:off x="1020445" y="966470"/>
-            <a:ext cx="8477250" cy="4948555"/>
+            <a:off x="1295400" y="3049905"/>
+            <a:ext cx="7724140" cy="3366135"/>
           </a:xfrm>
           <a:prstGeom prst="rect">
             <a:avLst/>
@@ -17556,14 +23288,14 @@
       </p:pic>
       <p:sp>
         <p:nvSpPr>
-          <p:cNvPr id="2" name="文本框 1"/>
+          <p:cNvPr id="6" name="文本框 5"/>
           <p:cNvSpPr txBox="1"/>
           <p:nvPr/>
         </p:nvSpPr>
         <p:spPr>
           <a:xfrm>
-            <a:off x="6229350" y="6036945"/>
-            <a:ext cx="5420360" cy="429895"/>
+            <a:off x="8620760" y="5986145"/>
+            <a:ext cx="3531235" cy="768350"/>
           </a:xfrm>
           <a:prstGeom prst="rect">
             <a:avLst/>
@@ -17594,7 +23326,17 @@
                 <a:latin typeface="+mn-ea"/>
                 <a:ea typeface="+mn-ea"/>
               </a:rPr>
-              <a:t>demo09 Part2</a:t>
+              <a:t>demo10 </a:t>
+            </a:r>
+            <a:r>
+              <a:rPr lang="zh-CN" altLang="en-US" sz="2200">
+                <a:solidFill>
+                  <a:srgbClr val="FF0000"/>
+                </a:solidFill>
+                <a:latin typeface="+mn-ea"/>
+                <a:ea typeface="+mn-ea"/>
+              </a:rPr>
+              <a:t>静态方法与原型方法</a:t>
             </a:r>
             <a:endParaRPr lang="zh-CN" altLang="en-US" sz="2200">
               <a:solidFill>
@@ -17614,18 +23356,15 @@
   <p:timing>
     <p:tnLst>
       <p:par>
-        <p:cTn id="1" dur="indefinite" restart="never" fill="hold" nodeType="tmRoot">
+        <p:cTn id="1" dur="indefinite" restart="never" nodeType="tmRoot">
           <p:childTnLst>
             <p:seq concurrent="1" nextAc="seek">
-              <p:cTn id="2" dur="indefinite" fill="hold" nodeType="mainSeq">
+              <p:cTn id="2" dur="indefinite" nodeType="mainSeq">
                 <p:childTnLst>
                   <p:par>
                     <p:cTn id="3" fill="hold">
                       <p:stCondLst>
                         <p:cond delay="indefinite"/>
-                        <p:cond evt="onBegin" delay="0">
-                          <p:tn val="2"/>
-                        </p:cond>
                       </p:stCondLst>
                       <p:childTnLst>
                         <p:par>
@@ -17635,7 +23374,7 @@
                             </p:stCondLst>
                             <p:childTnLst>
                               <p:par>
-                                <p:cTn id="5" presetID="2" presetClass="entr" presetSubtype="4" fill="hold" grpId="0" nodeType="afterEffect">
+                                <p:cTn id="5" presetID="2" presetClass="entr" presetSubtype="4" fill="hold" nodeType="clickEffect">
                                   <p:stCondLst>
                                     <p:cond delay="0"/>
                                   </p:stCondLst>
@@ -17648,7 +23387,11 @@
                                           </p:stCondLst>
                                         </p:cTn>
                                         <p:tgtEl>
-                                          <p:spTgt spid="2"/>
+                                          <p:spTgt spid="2">
+                                            <p:txEl>
+                                              <p:pRg st="0" end="0"/>
+                                            </p:txEl>
+                                          </p:spTgt>
                                         </p:tgtEl>
                                         <p:attrNameLst>
                                           <p:attrName>style.visibility</p:attrName>
@@ -17662,7 +23405,11 @@
                                       <p:cBhvr additive="base">
                                         <p:cTn id="7" dur="500" fill="hold"/>
                                         <p:tgtEl>
-                                          <p:spTgt spid="2"/>
+                                          <p:spTgt spid="2">
+                                            <p:txEl>
+                                              <p:pRg st="0" end="0"/>
+                                            </p:txEl>
+                                          </p:spTgt>
                                         </p:tgtEl>
                                         <p:attrNameLst>
                                           <p:attrName>ppt_x</p:attrName>
@@ -17685,7 +23432,11 @@
                                       <p:cBhvr additive="base">
                                         <p:cTn id="8" dur="500" fill="hold"/>
                                         <p:tgtEl>
-                                          <p:spTgt spid="2"/>
+                                          <p:spTgt spid="2">
+                                            <p:txEl>
+                                              <p:pRg st="0" end="0"/>
+                                            </p:txEl>
+                                          </p:spTgt>
                                         </p:tgtEl>
                                         <p:attrNameLst>
                                           <p:attrName>ppt_y</p:attrName>
@@ -17801,888 +23552,21 @@
                             </p:childTnLst>
                           </p:cTn>
                         </p:par>
-                      </p:childTnLst>
-                    </p:cTn>
-                  </p:par>
-                </p:childTnLst>
-              </p:cTn>
-              <p:prevCondLst>
-                <p:cond evt="onPrev" delay="0">
-                  <p:tgtEl>
-                    <p:sldTgt/>
-                  </p:tgtEl>
-                </p:cond>
-              </p:prevCondLst>
-              <p:nextCondLst>
-                <p:cond evt="onNext" delay="0">
-                  <p:tgtEl>
-                    <p:sldTgt/>
-                  </p:tgtEl>
-                </p:cond>
-              </p:nextCondLst>
-            </p:seq>
-          </p:childTnLst>
-        </p:cTn>
-      </p:par>
-    </p:tnLst>
-    <p:bldLst>
-      <p:bldP spid="2" grpId="0"/>
-    </p:bldLst>
-  </p:timing>
-</p:sld>
-</file>
-
-<file path=ppt/slides/slide24.xml><?xml version="1.0" encoding="utf-8"?>
-<p:sld xmlns:a="http://schemas.openxmlformats.org/drawingml/2006/main" xmlns:r="http://schemas.openxmlformats.org/officeDocument/2006/relationships" xmlns:p="http://schemas.openxmlformats.org/presentationml/2006/main">
-  <p:cSld>
-    <p:spTree>
-      <p:nvGrpSpPr>
-        <p:cNvPr id="1" name=""/>
-        <p:cNvGrpSpPr/>
-        <p:nvPr/>
-      </p:nvGrpSpPr>
-      <p:grpSpPr>
-        <a:xfrm>
-          <a:off x="0" y="0"/>
-          <a:ext cx="0" cy="0"/>
-          <a:chOff x="0" y="0"/>
-          <a:chExt cx="0" cy="0"/>
-        </a:xfrm>
-      </p:grpSpPr>
-      <p:sp>
-        <p:nvSpPr>
-          <p:cNvPr id="5123" name="AutoShape 6"/>
-          <p:cNvSpPr>
-            <a:spLocks noChangeArrowheads="1"/>
-          </p:cNvSpPr>
-          <p:nvPr/>
-        </p:nvSpPr>
-        <p:spPr bwMode="auto">
-          <a:xfrm>
-            <a:off x="2566988" y="1339851"/>
-            <a:ext cx="6711950" cy="4214813"/>
-          </a:xfrm>
-          <a:prstGeom prst="roundRect">
-            <a:avLst>
-              <a:gd name="adj" fmla="val 16667"/>
-            </a:avLst>
-          </a:prstGeom>
-          <a:noFill/>
-          <a:ln w="28575">
-            <a:solidFill>
-              <a:srgbClr val="C0C0C0"/>
-            </a:solidFill>
-            <a:prstDash val="sysDot"/>
-            <a:round/>
-          </a:ln>
-          <a:extLst>
-            <a:ext uri="{909E8E84-426E-40DD-AFC4-6F175D3DCCD1}">
-              <a14:hiddenFill xmlns:a14="http://schemas.microsoft.com/office/drawing/2010/main">
-                <a:solidFill>
-                  <a:srgbClr val="FFFFFF"/>
-                </a:solidFill>
-              </a14:hiddenFill>
-            </a:ext>
-          </a:extLst>
-        </p:spPr>
-        <p:txBody>
-          <a:bodyPr wrap="none" anchor="ctr"/>
-          <a:lstStyle>
-            <a:lvl1pPr marL="457200" indent="-457200">
-              <a:defRPr sz="3200">
-                <a:solidFill>
-                  <a:schemeClr val="tx1"/>
-                </a:solidFill>
-                <a:latin typeface="Arial" panose="020B0604020202020204" pitchFamily="34" charset="0"/>
-                <a:ea typeface="微软雅黑" panose="020B0503020204020204" pitchFamily="34" charset="-122"/>
-              </a:defRPr>
-            </a:lvl1pPr>
-            <a:lvl2pPr marL="742950" indent="-285750">
-              <a:defRPr sz="3200">
-                <a:solidFill>
-                  <a:schemeClr val="tx1"/>
-                </a:solidFill>
-                <a:latin typeface="Arial" panose="020B0604020202020204" pitchFamily="34" charset="0"/>
-                <a:ea typeface="微软雅黑" panose="020B0503020204020204" pitchFamily="34" charset="-122"/>
-              </a:defRPr>
-            </a:lvl2pPr>
-            <a:lvl3pPr marL="1143000" indent="-228600">
-              <a:defRPr sz="3200">
-                <a:solidFill>
-                  <a:schemeClr val="tx1"/>
-                </a:solidFill>
-                <a:latin typeface="Arial" panose="020B0604020202020204" pitchFamily="34" charset="0"/>
-                <a:ea typeface="微软雅黑" panose="020B0503020204020204" pitchFamily="34" charset="-122"/>
-              </a:defRPr>
-            </a:lvl3pPr>
-            <a:lvl4pPr marL="1600200" indent="-228600">
-              <a:defRPr sz="3200">
-                <a:solidFill>
-                  <a:schemeClr val="tx1"/>
-                </a:solidFill>
-                <a:latin typeface="Arial" panose="020B0604020202020204" pitchFamily="34" charset="0"/>
-                <a:ea typeface="微软雅黑" panose="020B0503020204020204" pitchFamily="34" charset="-122"/>
-              </a:defRPr>
-            </a:lvl4pPr>
-            <a:lvl5pPr marL="2057400" indent="-228600">
-              <a:defRPr sz="3200">
-                <a:solidFill>
-                  <a:schemeClr val="tx1"/>
-                </a:solidFill>
-                <a:latin typeface="Arial" panose="020B0604020202020204" pitchFamily="34" charset="0"/>
-                <a:ea typeface="微软雅黑" panose="020B0503020204020204" pitchFamily="34" charset="-122"/>
-              </a:defRPr>
-            </a:lvl5pPr>
-            <a:lvl6pPr marL="2514600" indent="-228600" eaLnBrk="0" fontAlgn="base" hangingPunct="0">
-              <a:spcBef>
-                <a:spcPct val="0"/>
-              </a:spcBef>
-              <a:spcAft>
-                <a:spcPct val="0"/>
-              </a:spcAft>
-              <a:defRPr sz="3200">
-                <a:solidFill>
-                  <a:schemeClr val="tx1"/>
-                </a:solidFill>
-                <a:latin typeface="Arial" panose="020B0604020202020204" pitchFamily="34" charset="0"/>
-                <a:ea typeface="微软雅黑" panose="020B0503020204020204" pitchFamily="34" charset="-122"/>
-              </a:defRPr>
-            </a:lvl6pPr>
-            <a:lvl7pPr marL="2971800" indent="-228600" eaLnBrk="0" fontAlgn="base" hangingPunct="0">
-              <a:spcBef>
-                <a:spcPct val="0"/>
-              </a:spcBef>
-              <a:spcAft>
-                <a:spcPct val="0"/>
-              </a:spcAft>
-              <a:defRPr sz="3200">
-                <a:solidFill>
-                  <a:schemeClr val="tx1"/>
-                </a:solidFill>
-                <a:latin typeface="Arial" panose="020B0604020202020204" pitchFamily="34" charset="0"/>
-                <a:ea typeface="微软雅黑" panose="020B0503020204020204" pitchFamily="34" charset="-122"/>
-              </a:defRPr>
-            </a:lvl7pPr>
-            <a:lvl8pPr marL="3429000" indent="-228600" eaLnBrk="0" fontAlgn="base" hangingPunct="0">
-              <a:spcBef>
-                <a:spcPct val="0"/>
-              </a:spcBef>
-              <a:spcAft>
-                <a:spcPct val="0"/>
-              </a:spcAft>
-              <a:defRPr sz="3200">
-                <a:solidFill>
-                  <a:schemeClr val="tx1"/>
-                </a:solidFill>
-                <a:latin typeface="Arial" panose="020B0604020202020204" pitchFamily="34" charset="0"/>
-                <a:ea typeface="微软雅黑" panose="020B0503020204020204" pitchFamily="34" charset="-122"/>
-              </a:defRPr>
-            </a:lvl8pPr>
-            <a:lvl9pPr marL="3886200" indent="-228600" eaLnBrk="0" fontAlgn="base" hangingPunct="0">
-              <a:spcBef>
-                <a:spcPct val="0"/>
-              </a:spcBef>
-              <a:spcAft>
-                <a:spcPct val="0"/>
-              </a:spcAft>
-              <a:defRPr sz="3200">
-                <a:solidFill>
-                  <a:schemeClr val="tx1"/>
-                </a:solidFill>
-                <a:latin typeface="Arial" panose="020B0604020202020204" pitchFamily="34" charset="0"/>
-                <a:ea typeface="微软雅黑" panose="020B0503020204020204" pitchFamily="34" charset="-122"/>
-              </a:defRPr>
-            </a:lvl9pPr>
-          </a:lstStyle>
-          <a:p>
-            <a:pPr algn="l">
-              <a:lnSpc>
-                <a:spcPct val="150000"/>
-              </a:lnSpc>
-              <a:spcBef>
-                <a:spcPts val="1200"/>
-              </a:spcBef>
-              <a:spcAft>
-                <a:spcPts val="1200"/>
-              </a:spcAft>
-              <a:buClr>
-                <a:srgbClr val="92D050"/>
-              </a:buClr>
-              <a:buFont typeface="Wingdings" panose="05000000000000000000" pitchFamily="2" charset="2"/>
-              <a:buChar char="Ø"/>
-            </a:pPr>
-            <a:r>
-              <a:rPr lang="en-US" altLang="zh-CN" sz="2800" b="1">
-                <a:solidFill>
-                  <a:schemeClr val="tx1"/>
-                </a:solidFill>
-                <a:sym typeface="+mn-ea"/>
-              </a:rPr>
-              <a:t>JS</a:t>
-            </a:r>
-            <a:r>
-              <a:rPr lang="zh-CN" altLang="en-US" sz="2800" b="1">
-                <a:solidFill>
-                  <a:schemeClr val="tx1"/>
-                </a:solidFill>
-                <a:sym typeface="+mn-ea"/>
-              </a:rPr>
-              <a:t>对象</a:t>
-            </a:r>
-            <a:r>
-              <a:rPr lang="en-US" altLang="zh-CN" sz="2800" b="1">
-                <a:solidFill>
-                  <a:schemeClr val="tx1"/>
-                </a:solidFill>
-                <a:sym typeface="+mn-ea"/>
-              </a:rPr>
-              <a:t>-</a:t>
-            </a:r>
-            <a:r>
-              <a:rPr lang="zh-CN" altLang="en-US" sz="2800" b="1">
-                <a:solidFill>
-                  <a:schemeClr val="tx1"/>
-                </a:solidFill>
-                <a:sym typeface="+mn-ea"/>
-              </a:rPr>
-              <a:t>对象原型继承</a:t>
-            </a:r>
-            <a:endParaRPr lang="zh-CN" altLang="en-US" sz="2800" b="1">
-              <a:solidFill>
-                <a:schemeClr val="tx1"/>
-              </a:solidFill>
-              <a:sym typeface="+mn-ea"/>
-            </a:endParaRPr>
-          </a:p>
-          <a:p>
-            <a:pPr algn="l">
-              <a:lnSpc>
-                <a:spcPct val="150000"/>
-              </a:lnSpc>
-              <a:spcBef>
-                <a:spcPts val="1200"/>
-              </a:spcBef>
-              <a:spcAft>
-                <a:spcPts val="1200"/>
-              </a:spcAft>
-              <a:buClr>
-                <a:srgbClr val="92D050"/>
-              </a:buClr>
-              <a:buFont typeface="Wingdings" panose="05000000000000000000" pitchFamily="2" charset="2"/>
-              <a:buChar char="Ø"/>
-            </a:pPr>
-            <a:r>
-              <a:rPr lang="zh-CN" altLang="en-US" sz="2800" b="1">
-                <a:solidFill>
-                  <a:schemeClr val="tx1"/>
-                </a:solidFill>
-                <a:sym typeface="+mn-ea"/>
-              </a:rPr>
-              <a:t>通过构造函数模拟类</a:t>
-            </a:r>
-            <a:r>
-              <a:rPr lang="en-US" altLang="zh-CN" sz="2800" b="1">
-                <a:solidFill>
-                  <a:schemeClr val="tx1"/>
-                </a:solidFill>
-                <a:sym typeface="+mn-ea"/>
-              </a:rPr>
-              <a:t>-</a:t>
-            </a:r>
-            <a:r>
-              <a:rPr lang="zh-CN" altLang="en-US" sz="2800" b="1">
-                <a:solidFill>
-                  <a:schemeClr val="tx1"/>
-                </a:solidFill>
-                <a:sym typeface="+mn-ea"/>
-              </a:rPr>
-              <a:t>类的继承</a:t>
-            </a:r>
-            <a:endParaRPr lang="zh-CN" altLang="en-US" sz="2800" b="1">
-              <a:solidFill>
-                <a:schemeClr val="tx1"/>
-              </a:solidFill>
-              <a:sym typeface="+mn-ea"/>
-            </a:endParaRPr>
-          </a:p>
-          <a:p>
-            <a:pPr algn="l">
-              <a:lnSpc>
-                <a:spcPct val="150000"/>
-              </a:lnSpc>
-              <a:spcBef>
-                <a:spcPts val="1200"/>
-              </a:spcBef>
-              <a:spcAft>
-                <a:spcPts val="1200"/>
-              </a:spcAft>
-              <a:buClr>
-                <a:srgbClr val="92D050"/>
-              </a:buClr>
-              <a:buFont typeface="Wingdings" panose="05000000000000000000" pitchFamily="2" charset="2"/>
-              <a:buChar char="Ø"/>
-            </a:pPr>
-            <a:r>
-              <a:rPr lang="en-US" altLang="zh-CN" sz="2800" b="1">
-                <a:solidFill>
-                  <a:srgbClr val="FF0000"/>
-                </a:solidFill>
-                <a:sym typeface="+mn-ea"/>
-              </a:rPr>
-              <a:t>JS</a:t>
-            </a:r>
-            <a:r>
-              <a:rPr lang="zh-CN" altLang="en-US" sz="2800" b="1">
-                <a:solidFill>
-                  <a:srgbClr val="FF0000"/>
-                </a:solidFill>
-                <a:sym typeface="+mn-ea"/>
-              </a:rPr>
-              <a:t>继承补充部分</a:t>
-            </a:r>
-            <a:endParaRPr lang="zh-CN" altLang="en-US" sz="2800" b="1">
-              <a:solidFill>
-                <a:srgbClr val="FF0000"/>
-              </a:solidFill>
-              <a:sym typeface="+mn-ea"/>
-            </a:endParaRPr>
-          </a:p>
-        </p:txBody>
-      </p:sp>
-      <p:sp>
-        <p:nvSpPr>
-          <p:cNvPr id="4" name="内容占位符 3"/>
-          <p:cNvSpPr txBox="1"/>
-          <p:nvPr/>
-        </p:nvSpPr>
-        <p:spPr>
-          <a:xfrm>
-            <a:off x="981657" y="236943"/>
-            <a:ext cx="8191557" cy="490476"/>
-          </a:xfrm>
-          <a:prstGeom prst="rect">
-            <a:avLst/>
-          </a:prstGeom>
-        </p:spPr>
-        <p:txBody>
-          <a:bodyPr/>
-          <a:lstStyle>
-            <a:lvl1pPr marL="167005" indent="-167005" algn="l" defTabSz="0" rtl="0" eaLnBrk="0" fontAlgn="base" hangingPunct="0">
-              <a:spcBef>
-                <a:spcPct val="0"/>
-              </a:spcBef>
-              <a:spcAft>
-                <a:spcPct val="15000"/>
-              </a:spcAft>
-              <a:buClr>
-                <a:schemeClr val="tx2"/>
-              </a:buClr>
-              <a:buFont typeface="Arial" panose="020B0604020202020204" pitchFamily="34" charset="0"/>
-              <a:buChar char="•"/>
-              <a:defRPr kumimoji="1" sz="1600">
-                <a:solidFill>
-                  <a:srgbClr val="006F53"/>
-                </a:solidFill>
-                <a:latin typeface="微软雅黑" panose="020B0503020204020204" pitchFamily="34" charset="-122"/>
-                <a:ea typeface="微软雅黑" panose="020B0503020204020204" pitchFamily="34" charset="-122"/>
-                <a:cs typeface="微软雅黑" panose="020B0503020204020204" pitchFamily="34" charset="-122"/>
-              </a:defRPr>
-            </a:lvl1pPr>
-            <a:lvl2pPr marL="398780" indent="-230505" algn="l" defTabSz="0" rtl="0" eaLnBrk="0" fontAlgn="base" hangingPunct="0">
-              <a:spcBef>
-                <a:spcPct val="0"/>
-              </a:spcBef>
-              <a:spcAft>
-                <a:spcPct val="15000"/>
-              </a:spcAft>
-              <a:buClr>
-                <a:schemeClr val="tx2"/>
-              </a:buClr>
-              <a:buFont typeface="Arial" panose="020B0604020202020204" pitchFamily="34" charset="0"/>
-              <a:buChar char="–"/>
-              <a:defRPr kumimoji="1" sz="2800">
-                <a:solidFill>
-                  <a:schemeClr val="bg2"/>
-                </a:solidFill>
-                <a:latin typeface="微软雅黑" panose="020B0503020204020204" pitchFamily="34" charset="-122"/>
-                <a:ea typeface="微软雅黑" panose="020B0503020204020204" pitchFamily="34" charset="-122"/>
-                <a:cs typeface="微软雅黑" panose="020B0503020204020204" pitchFamily="34" charset="-122"/>
-              </a:defRPr>
-            </a:lvl2pPr>
-            <a:lvl3pPr marL="400050" indent="182880" algn="l" defTabSz="0" rtl="0" eaLnBrk="0" fontAlgn="base" hangingPunct="0">
-              <a:spcBef>
-                <a:spcPct val="0"/>
-              </a:spcBef>
-              <a:spcAft>
-                <a:spcPct val="15000"/>
-              </a:spcAft>
-              <a:buClr>
-                <a:schemeClr val="tx2"/>
-              </a:buClr>
-              <a:buFont typeface="Arial" panose="020B0604020202020204" pitchFamily="34" charset="0"/>
-              <a:buChar char="•"/>
-              <a:defRPr kumimoji="1" sz="1600">
-                <a:solidFill>
-                  <a:schemeClr val="bg2"/>
-                </a:solidFill>
-                <a:latin typeface="微软雅黑" panose="020B0503020204020204" pitchFamily="34" charset="-122"/>
-                <a:ea typeface="微软雅黑" panose="020B0503020204020204" pitchFamily="34" charset="-122"/>
-                <a:cs typeface="微软雅黑" panose="020B0503020204020204" pitchFamily="34" charset="-122"/>
-              </a:defRPr>
-            </a:lvl3pPr>
-            <a:lvl4pPr marL="825500" indent="-241300" algn="l" defTabSz="0" rtl="0" eaLnBrk="0" fontAlgn="base" hangingPunct="0">
-              <a:spcBef>
-                <a:spcPct val="0"/>
-              </a:spcBef>
-              <a:spcAft>
-                <a:spcPct val="15000"/>
-              </a:spcAft>
-              <a:buClr>
-                <a:schemeClr val="tx2"/>
-              </a:buClr>
-              <a:buFont typeface="Arial" panose="020B0604020202020204" pitchFamily="34" charset="0"/>
-              <a:buChar char="–"/>
-              <a:defRPr kumimoji="1" sz="1600">
-                <a:solidFill>
-                  <a:schemeClr val="bg2"/>
-                </a:solidFill>
-                <a:latin typeface="微软雅黑" panose="020B0503020204020204" pitchFamily="34" charset="-122"/>
-                <a:ea typeface="微软雅黑" panose="020B0503020204020204" pitchFamily="34" charset="-122"/>
-                <a:cs typeface="微软雅黑" panose="020B0503020204020204" pitchFamily="34" charset="-122"/>
-              </a:defRPr>
-            </a:lvl4pPr>
-            <a:lvl5pPr marL="2057400" indent="-228600" algn="l" defTabSz="0" rtl="0" eaLnBrk="0" fontAlgn="base" hangingPunct="0">
-              <a:spcBef>
-                <a:spcPct val="0"/>
-              </a:spcBef>
-              <a:spcAft>
-                <a:spcPct val="25000"/>
-              </a:spcAft>
-              <a:buClr>
-                <a:schemeClr val="tx2"/>
-              </a:buClr>
-              <a:buFont typeface="Arial" panose="020B0604020202020204" pitchFamily="34" charset="0"/>
-              <a:buChar char="–"/>
-              <a:defRPr kumimoji="1" sz="2000">
-                <a:solidFill>
-                  <a:schemeClr val="tx1"/>
-                </a:solidFill>
-                <a:latin typeface="+mn-lt"/>
-                <a:ea typeface="微软雅黑" panose="020B0503020204020204" pitchFamily="34" charset="-122"/>
-                <a:cs typeface="微软雅黑" panose="020B0503020204020204" pitchFamily="34" charset="-122"/>
-              </a:defRPr>
-            </a:lvl5pPr>
-            <a:lvl6pPr marL="2514600" indent="-228600" algn="l" defTabSz="0" rtl="0" eaLnBrk="0" fontAlgn="base" hangingPunct="0">
-              <a:spcBef>
-                <a:spcPct val="0"/>
-              </a:spcBef>
-              <a:spcAft>
-                <a:spcPct val="25000"/>
-              </a:spcAft>
-              <a:buClr>
-                <a:schemeClr val="tx2"/>
-              </a:buClr>
-              <a:buFont typeface="Arial" panose="020B0604020202020204" pitchFamily="34" charset="0"/>
-              <a:buChar char="–"/>
-              <a:defRPr>
-                <a:solidFill>
-                  <a:schemeClr val="tx1"/>
-                </a:solidFill>
-                <a:latin typeface="+mn-lt"/>
-              </a:defRPr>
-            </a:lvl6pPr>
-            <a:lvl7pPr marL="2971800" indent="-228600" algn="l" defTabSz="0" rtl="0" eaLnBrk="0" fontAlgn="base" hangingPunct="0">
-              <a:spcBef>
-                <a:spcPct val="0"/>
-              </a:spcBef>
-              <a:spcAft>
-                <a:spcPct val="25000"/>
-              </a:spcAft>
-              <a:buClr>
-                <a:schemeClr val="tx2"/>
-              </a:buClr>
-              <a:buFont typeface="Arial" panose="020B0604020202020204" pitchFamily="34" charset="0"/>
-              <a:buChar char="–"/>
-              <a:defRPr>
-                <a:solidFill>
-                  <a:schemeClr val="tx1"/>
-                </a:solidFill>
-                <a:latin typeface="+mn-lt"/>
-              </a:defRPr>
-            </a:lvl7pPr>
-            <a:lvl8pPr marL="3429000" indent="-228600" algn="l" defTabSz="0" rtl="0" eaLnBrk="0" fontAlgn="base" hangingPunct="0">
-              <a:spcBef>
-                <a:spcPct val="0"/>
-              </a:spcBef>
-              <a:spcAft>
-                <a:spcPct val="25000"/>
-              </a:spcAft>
-              <a:buClr>
-                <a:schemeClr val="tx2"/>
-              </a:buClr>
-              <a:buFont typeface="Arial" panose="020B0604020202020204" pitchFamily="34" charset="0"/>
-              <a:buChar char="–"/>
-              <a:defRPr>
-                <a:solidFill>
-                  <a:schemeClr val="tx1"/>
-                </a:solidFill>
-                <a:latin typeface="+mn-lt"/>
-              </a:defRPr>
-            </a:lvl8pPr>
-            <a:lvl9pPr marL="3886200" indent="-228600" algn="l" defTabSz="0" rtl="0" eaLnBrk="0" fontAlgn="base" hangingPunct="0">
-              <a:spcBef>
-                <a:spcPct val="0"/>
-              </a:spcBef>
-              <a:spcAft>
-                <a:spcPct val="25000"/>
-              </a:spcAft>
-              <a:buClr>
-                <a:schemeClr val="tx2"/>
-              </a:buClr>
-              <a:buFont typeface="Arial" panose="020B0604020202020204" pitchFamily="34" charset="0"/>
-              <a:buChar char="–"/>
-              <a:defRPr>
-                <a:solidFill>
-                  <a:schemeClr val="tx1"/>
-                </a:solidFill>
-                <a:latin typeface="+mn-lt"/>
-              </a:defRPr>
-            </a:lvl9pPr>
-          </a:lstStyle>
-          <a:p>
-            <a:pPr marL="0" indent="0">
-              <a:buNone/>
-            </a:pPr>
-            <a:r>
-              <a:rPr lang="zh-CN" altLang="en-US" sz="3200" dirty="0" smtClean="0">
-                <a:solidFill>
-                  <a:srgbClr val="C00000"/>
-                </a:solidFill>
-                <a:cs typeface="+mn-cs"/>
-                <a:sym typeface="+mn-ea"/>
-              </a:rPr>
-              <a:t>内容提纲</a:t>
-            </a:r>
-            <a:endParaRPr lang="zh-CN" altLang="en-US" kern="0" dirty="0"/>
-          </a:p>
-        </p:txBody>
-      </p:sp>
-    </p:spTree>
-  </p:cSld>
-  <p:clrMapOvr>
-    <a:masterClrMapping/>
-  </p:clrMapOvr>
-  <p:timing>
-    <p:tnLst>
-      <p:par>
-        <p:cTn id="1" dur="indefinite" restart="never" nodeType="tmRoot"/>
-      </p:par>
-    </p:tnLst>
-  </p:timing>
-</p:sld>
-</file>
-
-<file path=ppt/slides/slide25.xml><?xml version="1.0" encoding="utf-8"?>
-<p:sld xmlns:a="http://schemas.openxmlformats.org/drawingml/2006/main" xmlns:r="http://schemas.openxmlformats.org/officeDocument/2006/relationships" xmlns:p="http://schemas.openxmlformats.org/presentationml/2006/main">
-  <p:cSld>
-    <p:spTree>
-      <p:nvGrpSpPr>
-        <p:cNvPr id="1" name=""/>
-        <p:cNvGrpSpPr/>
-        <p:nvPr/>
-      </p:nvGrpSpPr>
-      <p:grpSpPr>
-        <a:xfrm>
-          <a:off x="0" y="0"/>
-          <a:ext cx="0" cy="0"/>
-          <a:chOff x="0" y="0"/>
-          <a:chExt cx="0" cy="0"/>
-        </a:xfrm>
-      </p:grpSpPr>
-      <p:sp>
-        <p:nvSpPr>
-          <p:cNvPr id="2" name="内容占位符 1"/>
-          <p:cNvSpPr>
-            <a:spLocks noGrp="1"/>
-          </p:cNvSpPr>
-          <p:nvPr>
-            <p:ph sz="quarter" idx="10"/>
-          </p:nvPr>
-        </p:nvSpPr>
-        <p:spPr>
-          <a:xfrm>
-            <a:off x="927735" y="783590"/>
-            <a:ext cx="9776460" cy="4918710"/>
-          </a:xfrm>
-        </p:spPr>
-        <p:txBody>
-          <a:bodyPr/>
-          <a:lstStyle/>
-          <a:p>
-            <a:pPr>
-              <a:lnSpc>
-                <a:spcPct val="160000"/>
-              </a:lnSpc>
-            </a:pPr>
-            <a:r>
-              <a:rPr lang="zh-CN" altLang="en-US" sz="3200" dirty="0">
-                <a:solidFill>
-                  <a:schemeClr val="tx1"/>
-                </a:solidFill>
-                <a:sym typeface="+mn-ea"/>
-              </a:rPr>
-              <a:t>静态方法与原型方法的区别</a:t>
-            </a:r>
-            <a:br>
-              <a:rPr kumimoji="0" lang="en-US" altLang="zh-CN" sz="1800" dirty="0" smtClean="0">
-                <a:solidFill>
-                  <a:schemeClr val="tx1"/>
-                </a:solidFill>
-                <a:sym typeface="+mn-ea"/>
-              </a:rPr>
-            </a:br>
-            <a:r>
-              <a:rPr kumimoji="0" lang="en-US" altLang="zh-CN" sz="1800" dirty="0" smtClean="0">
-                <a:solidFill>
-                  <a:schemeClr val="tx1"/>
-                </a:solidFill>
-                <a:sym typeface="+mn-ea"/>
-              </a:rPr>
-              <a:t>- </a:t>
-            </a:r>
-            <a:r>
-              <a:rPr lang="zh-CN" altLang="en-US" sz="1800" dirty="0">
-                <a:solidFill>
-                  <a:schemeClr val="tx1"/>
-                </a:solidFill>
-                <a:sym typeface="+mn-ea"/>
-              </a:rPr>
-              <a:t>都可以属性共享，使用形式有什么不同，区别在哪里？</a:t>
-            </a:r>
-            <a:br>
-              <a:rPr lang="zh-CN" altLang="en-US" sz="1800" dirty="0">
-                <a:solidFill>
-                  <a:schemeClr val="tx1"/>
-                </a:solidFill>
-                <a:sym typeface="+mn-ea"/>
-              </a:rPr>
-            </a:br>
-            <a:r>
-              <a:rPr lang="en-US" altLang="zh-CN" sz="1800" dirty="0">
-                <a:solidFill>
-                  <a:schemeClr val="tx1"/>
-                </a:solidFill>
-                <a:sym typeface="+mn-ea"/>
-              </a:rPr>
-              <a:t>- </a:t>
-            </a:r>
-            <a:r>
-              <a:rPr lang="zh-CN" altLang="en-US" sz="1800" dirty="0">
-                <a:solidFill>
-                  <a:schemeClr val="tx1"/>
-                </a:solidFill>
-                <a:sym typeface="+mn-ea"/>
-              </a:rPr>
-              <a:t>静态方法是构造器函数对象的自有属性</a:t>
-            </a:r>
-            <a:br>
-              <a:rPr lang="zh-CN" altLang="en-US" sz="1800" dirty="0">
-                <a:solidFill>
-                  <a:schemeClr val="accent3"/>
-                </a:solidFill>
-                <a:sym typeface="+mn-ea"/>
-              </a:rPr>
-            </a:br>
-            <a:r>
-              <a:rPr lang="en-US" altLang="zh-CN" sz="1800" dirty="0">
-                <a:solidFill>
-                  <a:schemeClr val="tx1"/>
-                </a:solidFill>
-                <a:sym typeface="+mn-ea"/>
-              </a:rPr>
-              <a:t>- </a:t>
-            </a:r>
-            <a:r>
-              <a:rPr lang="zh-CN" altLang="en-US" sz="1800" dirty="0">
-                <a:solidFill>
-                  <a:schemeClr val="tx1"/>
-                </a:solidFill>
-                <a:sym typeface="+mn-ea"/>
-              </a:rPr>
-              <a:t>思考</a:t>
-            </a:r>
-            <a:r>
-              <a:rPr kumimoji="0" lang="en-US" altLang="zh-CN" sz="1800" dirty="0" smtClean="0">
-                <a:solidFill>
-                  <a:schemeClr val="tx1"/>
-                </a:solidFill>
-                <a:sym typeface="+mn-ea"/>
-              </a:rPr>
-              <a:t>Object.getPrototypeOf(...)</a:t>
-            </a:r>
-            <a:r>
-              <a:rPr kumimoji="0" lang="zh-CN" altLang="en-US" sz="1800" dirty="0" smtClean="0">
-                <a:solidFill>
-                  <a:schemeClr val="tx1"/>
-                </a:solidFill>
-                <a:sym typeface="+mn-ea"/>
-              </a:rPr>
-              <a:t>与</a:t>
-            </a:r>
-            <a:r>
-              <a:rPr kumimoji="0" lang="en-US" altLang="zh-CN" sz="1800" dirty="0" smtClean="0">
-                <a:solidFill>
-                  <a:schemeClr val="tx1"/>
-                </a:solidFill>
-                <a:sym typeface="+mn-ea"/>
-              </a:rPr>
-              <a:t>Object.prototype.isPrototypeOf(...)</a:t>
-            </a:r>
-            <a:br>
-              <a:rPr lang="en-US" altLang="zh-CN" sz="1800" dirty="0">
-                <a:solidFill>
-                  <a:schemeClr val="tx1"/>
-                </a:solidFill>
-                <a:sym typeface="+mn-ea"/>
-              </a:rPr>
-            </a:br>
-            <a:endParaRPr lang="zh-CN" altLang="en-US" sz="1800" dirty="0">
-              <a:solidFill>
-                <a:schemeClr val="accent3"/>
-              </a:solidFill>
-              <a:sym typeface="+mn-ea"/>
-            </a:endParaRPr>
-          </a:p>
-          <a:p>
-            <a:pPr marL="0" indent="0">
-              <a:lnSpc>
-                <a:spcPct val="160000"/>
-              </a:lnSpc>
-              <a:buNone/>
-            </a:pPr>
-            <a:endParaRPr lang="en-US" altLang="zh-CN" sz="1800" dirty="0">
-              <a:solidFill>
-                <a:schemeClr val="tx1"/>
-              </a:solidFill>
-              <a:sym typeface="+mn-ea"/>
-            </a:endParaRPr>
-          </a:p>
-        </p:txBody>
-      </p:sp>
-      <p:sp>
-        <p:nvSpPr>
-          <p:cNvPr id="3" name="内容占位符 2"/>
-          <p:cNvSpPr>
-            <a:spLocks noGrp="1"/>
-          </p:cNvSpPr>
-          <p:nvPr>
-            <p:ph sz="quarter" idx="11"/>
-          </p:nvPr>
-        </p:nvSpPr>
-        <p:spPr/>
-        <p:txBody>
-          <a:bodyPr/>
-          <a:lstStyle/>
-          <a:p>
-            <a:r>
-              <a:rPr lang="zh-CN" altLang="en-US" dirty="0">
-                <a:sym typeface="+mn-ea"/>
-              </a:rPr>
-              <a:t>JS继承补充部分</a:t>
-            </a:r>
-            <a:endParaRPr lang="zh-CN" altLang="en-US" dirty="0"/>
-          </a:p>
-        </p:txBody>
-      </p:sp>
-      <p:sp>
-        <p:nvSpPr>
-          <p:cNvPr id="6" name="文本框 5"/>
-          <p:cNvSpPr txBox="1"/>
-          <p:nvPr/>
-        </p:nvSpPr>
-        <p:spPr>
-          <a:xfrm>
-            <a:off x="6229350" y="6036945"/>
-            <a:ext cx="5420360" cy="429895"/>
-          </a:xfrm>
-          <a:prstGeom prst="rect">
-            <a:avLst/>
-          </a:prstGeom>
-          <a:noFill/>
-        </p:spPr>
-        <p:txBody>
-          <a:bodyPr wrap="square" rtlCol="0">
-            <a:spAutoFit/>
-          </a:bodyPr>
-          <a:p>
-            <a:pPr algn="l"/>
-            <a:r>
-              <a:rPr lang="zh-CN" altLang="en-US" sz="2200">
-                <a:solidFill>
-                  <a:srgbClr val="FF0000"/>
-                </a:solidFill>
-                <a:latin typeface="+mn-ea"/>
-                <a:ea typeface="+mn-ea"/>
-              </a:rPr>
-              <a:t>参见实例</a:t>
-            </a:r>
-            <a:r>
-              <a:rPr lang="en-US" altLang="zh-CN" sz="2200">
-                <a:solidFill>
-                  <a:srgbClr val="FF0000"/>
-                </a:solidFill>
-                <a:latin typeface="+mn-ea"/>
-                <a:ea typeface="+mn-ea"/>
-              </a:rPr>
-              <a:t>demo10</a:t>
-            </a:r>
-            <a:endParaRPr lang="zh-CN" altLang="en-US" sz="2200">
-              <a:solidFill>
-                <a:srgbClr val="FF0000"/>
-              </a:solidFill>
-              <a:latin typeface="+mn-ea"/>
-              <a:ea typeface="+mn-ea"/>
-            </a:endParaRPr>
-          </a:p>
-        </p:txBody>
-      </p:sp>
-    </p:spTree>
-  </p:cSld>
-  <p:clrMapOvr>
-    <a:masterClrMapping/>
-  </p:clrMapOvr>
-  <p:timing>
-    <p:tnLst>
-      <p:par>
-        <p:cTn id="1" dur="indefinite" restart="never" nodeType="tmRoot">
-          <p:childTnLst>
-            <p:seq concurrent="1" nextAc="seek">
-              <p:cTn id="2" dur="indefinite" nodeType="mainSeq">
-                <p:childTnLst>
-                  <p:par>
-                    <p:cTn id="3" fill="hold">
-                      <p:stCondLst>
-                        <p:cond delay="indefinite"/>
-                        <p:cond evt="onBegin" delay="0">
-                          <p:tn val="2"/>
-                        </p:cond>
-                      </p:stCondLst>
-                      <p:childTnLst>
                         <p:par>
-                          <p:cTn id="4" fill="hold">
+                          <p:cTn id="15" fill="hold">
                             <p:stCondLst>
-                              <p:cond delay="0"/>
+                              <p:cond delay="500"/>
                             </p:stCondLst>
                             <p:childTnLst>
                               <p:par>
-                                <p:cTn id="5" presetID="2" presetClass="entr" presetSubtype="4" fill="hold" grpId="0" nodeType="afterEffect">
+                                <p:cTn id="16" presetID="2" presetClass="entr" presetSubtype="4" fill="hold" grpId="0" nodeType="afterEffect">
                                   <p:stCondLst>
                                     <p:cond delay="0"/>
                                   </p:stCondLst>
                                   <p:childTnLst>
                                     <p:set>
                                       <p:cBhvr>
-                                        <p:cTn id="6" dur="1" fill="hold">
+                                        <p:cTn id="17" dur="1" fill="hold">
                                           <p:stCondLst>
                                             <p:cond delay="0"/>
                                           </p:stCondLst>
@@ -18700,7 +23584,7 @@
                                     </p:set>
                                     <p:anim calcmode="lin" valueType="num">
                                       <p:cBhvr additive="base">
-                                        <p:cTn id="7" dur="500" fill="hold"/>
+                                        <p:cTn id="18" dur="500" fill="hold"/>
                                         <p:tgtEl>
                                           <p:spTgt spid="6"/>
                                         </p:tgtEl>
@@ -18723,7 +23607,7 @@
                                     </p:anim>
                                     <p:anim calcmode="lin" valueType="num">
                                       <p:cBhvr additive="base">
-                                        <p:cTn id="8" dur="500" fill="hold"/>
+                                        <p:cTn id="19" dur="500" fill="hold"/>
                                         <p:tgtEl>
                                           <p:spTgt spid="6"/>
                                         </p:tgtEl>
@@ -18781,7 +23665,7 @@
 </p:sld>
 </file>
 
-<file path=ppt/slides/slide26.xml><?xml version="1.0" encoding="utf-8"?>
+<file path=ppt/slides/slide28.xml><?xml version="1.0" encoding="utf-8"?>
 <p:sld xmlns:a="http://schemas.openxmlformats.org/drawingml/2006/main" xmlns:r="http://schemas.openxmlformats.org/officeDocument/2006/relationships" xmlns:p="http://schemas.openxmlformats.org/presentationml/2006/main">
   <p:cSld>
     <p:spTree>
@@ -18811,7 +23695,7 @@
         <p:spPr>
           <a:xfrm>
             <a:off x="927735" y="783590"/>
-            <a:ext cx="9776460" cy="4918710"/>
+            <a:ext cx="9776460" cy="5683250"/>
           </a:xfrm>
         </p:spPr>
         <p:txBody>
@@ -18930,6 +23814,15 @@
               <a:t>- </a:t>
             </a:r>
             <a:r>
+              <a:rPr lang="zh-CN" altLang="en-US" sz="1800" dirty="0">
+                <a:solidFill>
+                  <a:schemeClr val="tx1"/>
+                </a:solidFill>
+                <a:sym typeface="+mn-ea"/>
+              </a:rPr>
+              <a:t>确定对象的构造函数名、创建相似对象、</a:t>
+            </a:r>
+            <a:r>
               <a:rPr lang="en-US" sz="1800" dirty="0">
                 <a:solidFill>
                   <a:schemeClr val="tx1"/>
@@ -18945,61 +23838,74 @@
                 </a:solidFill>
                 <a:sym typeface="+mn-ea"/>
               </a:rPr>
-              <a:t>可用于切换构造函数</a:t>
-            </a:r>
-            <a:br>
-              <a:rPr lang="zh-CN" altLang="en-US" sz="1800" dirty="0">
-                <a:solidFill>
-                  <a:schemeClr val="tx1"/>
-                </a:solidFill>
-                <a:sym typeface="+mn-ea"/>
-              </a:rPr>
-            </a:br>
-            <a:r>
-              <a:rPr lang="en-US" altLang="zh-CN" sz="1800" dirty="0">
-                <a:solidFill>
-                  <a:schemeClr val="tx1"/>
-                </a:solidFill>
-                <a:sym typeface="+mn-ea"/>
-              </a:rPr>
-              <a:t>- </a:t>
-            </a:r>
-            <a:r>
-              <a:rPr lang="zh-CN" altLang="en-US" sz="1800" dirty="0">
-                <a:solidFill>
-                  <a:schemeClr val="tx1"/>
-                </a:solidFill>
-                <a:sym typeface="+mn-ea"/>
-              </a:rPr>
-              <a:t>确定对象的构造函数名</a:t>
-            </a:r>
-            <a:br>
-              <a:rPr lang="zh-CN" altLang="en-US" sz="1800" dirty="0">
-                <a:solidFill>
-                  <a:schemeClr val="tx1"/>
-                </a:solidFill>
-                <a:sym typeface="+mn-ea"/>
-              </a:rPr>
-            </a:br>
-            <a:r>
-              <a:rPr lang="en-US" altLang="zh-CN" sz="1800" dirty="0">
-                <a:solidFill>
-                  <a:schemeClr val="tx1"/>
-                </a:solidFill>
-                <a:sym typeface="+mn-ea"/>
-              </a:rPr>
-              <a:t>- </a:t>
-            </a:r>
-            <a:r>
-              <a:rPr lang="zh-CN" altLang="en-US" sz="1800" dirty="0">
-                <a:solidFill>
-                  <a:schemeClr val="tx1"/>
-                </a:solidFill>
-                <a:sym typeface="+mn-ea"/>
-              </a:rPr>
-              <a:t>创建相似对象</a:t>
+              <a:t>可用于指定构造函数</a:t>
             </a:r>
             <a:endParaRPr lang="zh-CN" altLang="en-US" sz="1800" dirty="0">
+              <a:solidFill>
+                <a:schemeClr val="tx1"/>
+              </a:solidFill>
+              <a:sym typeface="+mn-ea"/>
+            </a:endParaRPr>
+          </a:p>
+          <a:p>
+            <a:pPr algn="l">
+              <a:lnSpc>
+                <a:spcPct val="160000"/>
+              </a:lnSpc>
+            </a:pPr>
+            <a:endParaRPr lang="zh-CN" altLang="en-US" sz="1800" dirty="0">
+              <a:solidFill>
+                <a:schemeClr val="tx1"/>
+              </a:solidFill>
+              <a:sym typeface="+mn-ea"/>
+            </a:endParaRPr>
+          </a:p>
+          <a:p>
+            <a:pPr algn="l">
+              <a:lnSpc>
+                <a:spcPct val="160000"/>
+              </a:lnSpc>
+            </a:pPr>
+            <a:endParaRPr lang="zh-CN" altLang="en-US" sz="1800" dirty="0">
+              <a:solidFill>
+                <a:schemeClr val="tx1"/>
+              </a:solidFill>
+              <a:sym typeface="+mn-ea"/>
+            </a:endParaRPr>
+          </a:p>
+          <a:p>
+            <a:pPr algn="l">
+              <a:lnSpc>
+                <a:spcPct val="160000"/>
+              </a:lnSpc>
+            </a:pPr>
+            <a:endParaRPr lang="zh-CN" altLang="en-US" sz="2000" dirty="0">
+              <a:solidFill>
+                <a:schemeClr val="tx1"/>
+              </a:solidFill>
+              <a:sym typeface="+mn-ea"/>
+            </a:endParaRPr>
+          </a:p>
+          <a:p>
+            <a:pPr algn="l">
+              <a:lnSpc>
+                <a:spcPct val="160000"/>
+              </a:lnSpc>
+            </a:pPr>
+            <a:endParaRPr lang="zh-CN" altLang="en-US" sz="2000" dirty="0">
+              <a:solidFill>
+                <a:schemeClr val="tx1"/>
+              </a:solidFill>
+              <a:sym typeface="+mn-ea"/>
+            </a:endParaRPr>
+          </a:p>
+          <a:p>
+            <a:pPr algn="l">
+              <a:lnSpc>
+                <a:spcPct val="160000"/>
+              </a:lnSpc>
+            </a:pPr>
+            <a:endParaRPr lang="zh-CN" altLang="en-US" sz="3200" dirty="0">
               <a:solidFill>
                 <a:schemeClr val="tx1"/>
               </a:solidFill>
@@ -19047,6 +23953,54 @@
           </a:p>
         </p:txBody>
       </p:sp>
+      <p:pic>
+        <p:nvPicPr>
+          <p:cNvPr id="5" name="图片 4"/>
+          <p:cNvPicPr>
+            <a:picLocks noChangeAspect="1"/>
+          </p:cNvPicPr>
+          <p:nvPr/>
+        </p:nvPicPr>
+        <p:blipFill>
+          <a:blip r:embed="rId1"/>
+          <a:stretch>
+            <a:fillRect/>
+          </a:stretch>
+        </p:blipFill>
+        <p:spPr>
+          <a:xfrm>
+            <a:off x="1205865" y="2632710"/>
+            <a:ext cx="6205855" cy="1120140"/>
+          </a:xfrm>
+          <a:prstGeom prst="rect">
+            <a:avLst/>
+          </a:prstGeom>
+        </p:spPr>
+      </p:pic>
+      <p:pic>
+        <p:nvPicPr>
+          <p:cNvPr id="4" name="图片 3"/>
+          <p:cNvPicPr>
+            <a:picLocks noChangeAspect="1"/>
+          </p:cNvPicPr>
+          <p:nvPr/>
+        </p:nvPicPr>
+        <p:blipFill>
+          <a:blip r:embed="rId2"/>
+          <a:stretch>
+            <a:fillRect/>
+          </a:stretch>
+        </p:blipFill>
+        <p:spPr>
+          <a:xfrm>
+            <a:off x="1205865" y="3977640"/>
+            <a:ext cx="6910070" cy="1934845"/>
+          </a:xfrm>
+          <a:prstGeom prst="rect">
+            <a:avLst/>
+          </a:prstGeom>
+        </p:spPr>
+      </p:pic>
       <p:sp>
         <p:nvSpPr>
           <p:cNvPr id="6" name="文本框 5"/>
@@ -19055,8 +24009,8 @@
         </p:nvSpPr>
         <p:spPr>
           <a:xfrm>
-            <a:off x="6229350" y="6036945"/>
-            <a:ext cx="5420360" cy="429895"/>
+            <a:off x="5498465" y="6036945"/>
+            <a:ext cx="6151245" cy="429895"/>
           </a:xfrm>
           <a:prstGeom prst="rect">
             <a:avLst/>
@@ -19087,7 +24041,37 @@
                 <a:latin typeface="+mn-ea"/>
                 <a:ea typeface="+mn-ea"/>
               </a:rPr>
-              <a:t>demo11</a:t>
+              <a:t>demo11 </a:t>
+            </a:r>
+            <a:r>
+              <a:rPr lang="zh-CN" altLang="en-US" sz="2200">
+                <a:solidFill>
+                  <a:srgbClr val="FF0000"/>
+                </a:solidFill>
+                <a:latin typeface="+mn-ea"/>
+                <a:ea typeface="+mn-ea"/>
+              </a:rPr>
+              <a:t>对象原型的</a:t>
+            </a:r>
+            <a:r>
+              <a:rPr lang="en-US" altLang="zh-CN" sz="2200">
+                <a:solidFill>
+                  <a:srgbClr val="FF0000"/>
+                </a:solidFill>
+                <a:latin typeface="+mn-ea"/>
+                <a:ea typeface="+mn-ea"/>
+              </a:rPr>
+              <a:t>constructor</a:t>
+            </a:r>
+            <a:r>
+              <a:rPr lang="zh-CN" altLang="en-US" sz="2200">
+                <a:solidFill>
+                  <a:srgbClr val="FF0000"/>
+                </a:solidFill>
+                <a:latin typeface="+mn-ea"/>
+                <a:ea typeface="+mn-ea"/>
+              </a:rPr>
+              <a:t>属性</a:t>
             </a:r>
             <a:endParaRPr lang="zh-CN" altLang="en-US" sz="2200">
               <a:solidFill>
@@ -19116,9 +24100,6 @@
                     <p:cTn id="3" fill="hold">
                       <p:stCondLst>
                         <p:cond delay="indefinite"/>
-                        <p:cond evt="onBegin" delay="0">
-                          <p:tn val="2"/>
-                        </p:cond>
                       </p:stCondLst>
                       <p:childTnLst>
                         <p:par>
@@ -19128,7 +24109,7 @@
                             </p:stCondLst>
                             <p:childTnLst>
                               <p:par>
-                                <p:cTn id="5" presetID="2" presetClass="entr" presetSubtype="4" fill="hold" grpId="0" nodeType="afterEffect">
+                                <p:cTn id="5" presetID="2" presetClass="entr" presetSubtype="4" fill="hold" nodeType="clickEffect">
                                   <p:stCondLst>
                                     <p:cond delay="0"/>
                                   </p:stCondLst>
@@ -19136,6 +24117,282 @@
                                     <p:set>
                                       <p:cBhvr>
                                         <p:cTn id="6" dur="1" fill="hold">
+                                          <p:stCondLst>
+                                            <p:cond delay="0"/>
+                                          </p:stCondLst>
+                                        </p:cTn>
+                                        <p:tgtEl>
+                                          <p:spTgt spid="2">
+                                            <p:txEl>
+                                              <p:pRg st="0" end="0"/>
+                                            </p:txEl>
+                                          </p:spTgt>
+                                        </p:tgtEl>
+                                        <p:attrNameLst>
+                                          <p:attrName>style.visibility</p:attrName>
+                                        </p:attrNameLst>
+                                      </p:cBhvr>
+                                      <p:to>
+                                        <p:strVal val="visible"/>
+                                      </p:to>
+                                    </p:set>
+                                    <p:anim calcmode="lin" valueType="num">
+                                      <p:cBhvr additive="base">
+                                        <p:cTn id="7" dur="500" fill="hold"/>
+                                        <p:tgtEl>
+                                          <p:spTgt spid="2">
+                                            <p:txEl>
+                                              <p:pRg st="0" end="0"/>
+                                            </p:txEl>
+                                          </p:spTgt>
+                                        </p:tgtEl>
+                                        <p:attrNameLst>
+                                          <p:attrName>ppt_x</p:attrName>
+                                        </p:attrNameLst>
+                                      </p:cBhvr>
+                                      <p:tavLst>
+                                        <p:tav tm="0">
+                                          <p:val>
+                                            <p:strVal val="#ppt_x"/>
+                                          </p:val>
+                                        </p:tav>
+                                        <p:tav tm="100000">
+                                          <p:val>
+                                            <p:strVal val="#ppt_x"/>
+                                          </p:val>
+                                        </p:tav>
+                                      </p:tavLst>
+                                    </p:anim>
+                                    <p:anim calcmode="lin" valueType="num">
+                                      <p:cBhvr additive="base">
+                                        <p:cTn id="8" dur="500" fill="hold"/>
+                                        <p:tgtEl>
+                                          <p:spTgt spid="2">
+                                            <p:txEl>
+                                              <p:pRg st="0" end="0"/>
+                                            </p:txEl>
+                                          </p:spTgt>
+                                        </p:tgtEl>
+                                        <p:attrNameLst>
+                                          <p:attrName>ppt_y</p:attrName>
+                                        </p:attrNameLst>
+                                      </p:cBhvr>
+                                      <p:tavLst>
+                                        <p:tav tm="0">
+                                          <p:val>
+                                            <p:strVal val="1+#ppt_h/2"/>
+                                          </p:val>
+                                        </p:tav>
+                                        <p:tav tm="100000">
+                                          <p:val>
+                                            <p:strVal val="#ppt_y"/>
+                                          </p:val>
+                                        </p:tav>
+                                      </p:tavLst>
+                                    </p:anim>
+                                  </p:childTnLst>
+                                </p:cTn>
+                              </p:par>
+                            </p:childTnLst>
+                          </p:cTn>
+                        </p:par>
+                      </p:childTnLst>
+                    </p:cTn>
+                  </p:par>
+                  <p:par>
+                    <p:cTn id="9" fill="hold">
+                      <p:stCondLst>
+                        <p:cond delay="indefinite"/>
+                      </p:stCondLst>
+                      <p:childTnLst>
+                        <p:par>
+                          <p:cTn id="10" fill="hold">
+                            <p:stCondLst>
+                              <p:cond delay="0"/>
+                            </p:stCondLst>
+                            <p:childTnLst>
+                              <p:par>
+                                <p:cTn id="11" presetID="2" presetClass="entr" presetSubtype="4" fill="hold" nodeType="clickEffect">
+                                  <p:stCondLst>
+                                    <p:cond delay="0"/>
+                                  </p:stCondLst>
+                                  <p:childTnLst>
+                                    <p:set>
+                                      <p:cBhvr>
+                                        <p:cTn id="12" dur="1" fill="hold">
+                                          <p:stCondLst>
+                                            <p:cond delay="0"/>
+                                          </p:stCondLst>
+                                        </p:cTn>
+                                        <p:tgtEl>
+                                          <p:spTgt spid="5"/>
+                                        </p:tgtEl>
+                                        <p:attrNameLst>
+                                          <p:attrName>style.visibility</p:attrName>
+                                        </p:attrNameLst>
+                                      </p:cBhvr>
+                                      <p:to>
+                                        <p:strVal val="visible"/>
+                                      </p:to>
+                                    </p:set>
+                                    <p:anim calcmode="lin" valueType="num">
+                                      <p:cBhvr additive="base">
+                                        <p:cTn id="13" dur="500" fill="hold"/>
+                                        <p:tgtEl>
+                                          <p:spTgt spid="5"/>
+                                        </p:tgtEl>
+                                        <p:attrNameLst>
+                                          <p:attrName>ppt_x</p:attrName>
+                                        </p:attrNameLst>
+                                      </p:cBhvr>
+                                      <p:tavLst>
+                                        <p:tav tm="0">
+                                          <p:val>
+                                            <p:strVal val="#ppt_x"/>
+                                          </p:val>
+                                        </p:tav>
+                                        <p:tav tm="100000">
+                                          <p:val>
+                                            <p:strVal val="#ppt_x"/>
+                                          </p:val>
+                                        </p:tav>
+                                      </p:tavLst>
+                                    </p:anim>
+                                    <p:anim calcmode="lin" valueType="num">
+                                      <p:cBhvr additive="base">
+                                        <p:cTn id="14" dur="500" fill="hold"/>
+                                        <p:tgtEl>
+                                          <p:spTgt spid="5"/>
+                                        </p:tgtEl>
+                                        <p:attrNameLst>
+                                          <p:attrName>ppt_y</p:attrName>
+                                        </p:attrNameLst>
+                                      </p:cBhvr>
+                                      <p:tavLst>
+                                        <p:tav tm="0">
+                                          <p:val>
+                                            <p:strVal val="1+#ppt_h/2"/>
+                                          </p:val>
+                                        </p:tav>
+                                        <p:tav tm="100000">
+                                          <p:val>
+                                            <p:strVal val="#ppt_y"/>
+                                          </p:val>
+                                        </p:tav>
+                                      </p:tavLst>
+                                    </p:anim>
+                                  </p:childTnLst>
+                                </p:cTn>
+                              </p:par>
+                            </p:childTnLst>
+                          </p:cTn>
+                        </p:par>
+                      </p:childTnLst>
+                    </p:cTn>
+                  </p:par>
+                  <p:par>
+                    <p:cTn id="15" fill="hold">
+                      <p:stCondLst>
+                        <p:cond delay="indefinite"/>
+                      </p:stCondLst>
+                      <p:childTnLst>
+                        <p:par>
+                          <p:cTn id="16" fill="hold">
+                            <p:stCondLst>
+                              <p:cond delay="0"/>
+                            </p:stCondLst>
+                            <p:childTnLst>
+                              <p:par>
+                                <p:cTn id="17" presetID="2" presetClass="entr" presetSubtype="4" fill="hold" nodeType="clickEffect">
+                                  <p:stCondLst>
+                                    <p:cond delay="0"/>
+                                  </p:stCondLst>
+                                  <p:childTnLst>
+                                    <p:set>
+                                      <p:cBhvr>
+                                        <p:cTn id="18" dur="1" fill="hold">
+                                          <p:stCondLst>
+                                            <p:cond delay="0"/>
+                                          </p:stCondLst>
+                                        </p:cTn>
+                                        <p:tgtEl>
+                                          <p:spTgt spid="4"/>
+                                        </p:tgtEl>
+                                        <p:attrNameLst>
+                                          <p:attrName>style.visibility</p:attrName>
+                                        </p:attrNameLst>
+                                      </p:cBhvr>
+                                      <p:to>
+                                        <p:strVal val="visible"/>
+                                      </p:to>
+                                    </p:set>
+                                    <p:anim calcmode="lin" valueType="num">
+                                      <p:cBhvr additive="base">
+                                        <p:cTn id="19" dur="500" fill="hold"/>
+                                        <p:tgtEl>
+                                          <p:spTgt spid="4"/>
+                                        </p:tgtEl>
+                                        <p:attrNameLst>
+                                          <p:attrName>ppt_x</p:attrName>
+                                        </p:attrNameLst>
+                                      </p:cBhvr>
+                                      <p:tavLst>
+                                        <p:tav tm="0">
+                                          <p:val>
+                                            <p:strVal val="#ppt_x"/>
+                                          </p:val>
+                                        </p:tav>
+                                        <p:tav tm="100000">
+                                          <p:val>
+                                            <p:strVal val="#ppt_x"/>
+                                          </p:val>
+                                        </p:tav>
+                                      </p:tavLst>
+                                    </p:anim>
+                                    <p:anim calcmode="lin" valueType="num">
+                                      <p:cBhvr additive="base">
+                                        <p:cTn id="20" dur="500" fill="hold"/>
+                                        <p:tgtEl>
+                                          <p:spTgt spid="4"/>
+                                        </p:tgtEl>
+                                        <p:attrNameLst>
+                                          <p:attrName>ppt_y</p:attrName>
+                                        </p:attrNameLst>
+                                      </p:cBhvr>
+                                      <p:tavLst>
+                                        <p:tav tm="0">
+                                          <p:val>
+                                            <p:strVal val="1+#ppt_h/2"/>
+                                          </p:val>
+                                        </p:tav>
+                                        <p:tav tm="100000">
+                                          <p:val>
+                                            <p:strVal val="#ppt_y"/>
+                                          </p:val>
+                                        </p:tav>
+                                      </p:tavLst>
+                                    </p:anim>
+                                  </p:childTnLst>
+                                </p:cTn>
+                              </p:par>
+                            </p:childTnLst>
+                          </p:cTn>
+                        </p:par>
+                        <p:par>
+                          <p:cTn id="21" fill="hold">
+                            <p:stCondLst>
+                              <p:cond delay="500"/>
+                            </p:stCondLst>
+                            <p:childTnLst>
+                              <p:par>
+                                <p:cTn id="22" presetID="2" presetClass="entr" presetSubtype="4" fill="hold" grpId="0" nodeType="afterEffect">
+                                  <p:stCondLst>
+                                    <p:cond delay="0"/>
+                                  </p:stCondLst>
+                                  <p:childTnLst>
+                                    <p:set>
+                                      <p:cBhvr>
+                                        <p:cTn id="23" dur="1" fill="hold">
                                           <p:stCondLst>
                                             <p:cond delay="0"/>
                                           </p:stCondLst>
@@ -19153,7 +24410,7 @@
                                     </p:set>
                                     <p:anim calcmode="lin" valueType="num">
                                       <p:cBhvr additive="base">
-                                        <p:cTn id="7" dur="500" fill="hold"/>
+                                        <p:cTn id="24" dur="500" fill="hold"/>
                                         <p:tgtEl>
                                           <p:spTgt spid="6"/>
                                         </p:tgtEl>
@@ -19176,7 +24433,7 @@
                                     </p:anim>
                                     <p:anim calcmode="lin" valueType="num">
                                       <p:cBhvr additive="base">
-                                        <p:cTn id="8" dur="500" fill="hold"/>
+                                        <p:cTn id="25" dur="500" fill="hold"/>
                                         <p:tgtEl>
                                           <p:spTgt spid="6"/>
                                         </p:tgtEl>
@@ -19234,7 +24491,7 @@
 </p:sld>
 </file>
 
-<file path=ppt/slides/slide27.xml><?xml version="1.0" encoding="utf-8"?>
+<file path=ppt/slides/slide29.xml><?xml version="1.0" encoding="utf-8"?>
 <p:sld xmlns:a="http://schemas.openxmlformats.org/drawingml/2006/main" xmlns:r="http://schemas.openxmlformats.org/officeDocument/2006/relationships" xmlns:p="http://schemas.openxmlformats.org/presentationml/2006/main">
   <p:cSld>
     <p:spTree>
@@ -19263,13 +24520,35 @@
         </p:nvSpPr>
         <p:spPr>
           <a:xfrm>
-            <a:off x="927735" y="855345"/>
-            <a:ext cx="9776460" cy="4918710"/>
+            <a:off x="927735" y="783590"/>
+            <a:ext cx="9776460" cy="5683250"/>
           </a:xfrm>
         </p:spPr>
         <p:txBody>
           <a:bodyPr/>
           <a:lstStyle/>
+          <a:p>
+            <a:pPr algn="l">
+              <a:lnSpc>
+                <a:spcPct val="160000"/>
+              </a:lnSpc>
+            </a:pPr>
+            <a:r>
+              <a:rPr lang="zh-CN" altLang="en-US" sz="3200" dirty="0">
+                <a:solidFill>
+                  <a:schemeClr val="tx1"/>
+                </a:solidFill>
+                <a:sym typeface="+mn-ea"/>
+              </a:rPr>
+              <a:t>对象的公有属性、私有属性（回顾闭包）</a:t>
+            </a:r>
+            <a:endParaRPr lang="zh-CN" altLang="en-US" sz="3200" dirty="0">
+              <a:solidFill>
+                <a:schemeClr val="tx1"/>
+              </a:solidFill>
+              <a:sym typeface="+mn-ea"/>
+            </a:endParaRPr>
+          </a:p>
           <a:p>
             <a:pPr marL="0" indent="0">
               <a:lnSpc>
@@ -19277,7 +24556,7 @@
               </a:lnSpc>
               <a:buNone/>
             </a:pPr>
-            <a:endParaRPr lang="en-US" altLang="zh-CN" sz="1600" dirty="0">
+            <a:endParaRPr lang="en-US" altLang="zh-CN" sz="1800" dirty="0">
               <a:solidFill>
                 <a:schemeClr val="tx1"/>
               </a:solidFill>
@@ -19302,16 +24581,90 @@
           <a:lstStyle/>
           <a:p>
             <a:r>
-              <a:rPr lang="zh-CN" altLang="en-US" dirty="0"/>
-              <a:t>原型链图解</a:t>
-            </a:r>
-            <a:endParaRPr lang="en-US" altLang="zh-CN" dirty="0"/>
+              <a:rPr lang="zh-CN" altLang="en-US" dirty="0">
+                <a:sym typeface="+mn-ea"/>
+              </a:rPr>
+              <a:t>JS继承补充部分</a:t>
+            </a:r>
+            <a:endParaRPr lang="zh-CN" altLang="en-US" dirty="0"/>
+          </a:p>
+        </p:txBody>
+      </p:sp>
+      <p:sp>
+        <p:nvSpPr>
+          <p:cNvPr id="6" name="文本框 5"/>
+          <p:cNvSpPr txBox="1"/>
+          <p:nvPr/>
+        </p:nvSpPr>
+        <p:spPr>
+          <a:xfrm>
+            <a:off x="5498465" y="6036945"/>
+            <a:ext cx="6151245" cy="429895"/>
+          </a:xfrm>
+          <a:prstGeom prst="rect">
+            <a:avLst/>
+          </a:prstGeom>
+          <a:noFill/>
+        </p:spPr>
+        <p:txBody>
+          <a:bodyPr wrap="square" rtlCol="0">
+            <a:spAutoFit/>
+          </a:bodyPr>
+          <a:p>
+            <a:pPr algn="l"/>
+            <a:r>
+              <a:rPr lang="zh-CN" altLang="en-US" sz="2200">
+                <a:solidFill>
+                  <a:srgbClr val="FF0000"/>
+                </a:solidFill>
+                <a:latin typeface="+mn-ea"/>
+                <a:ea typeface="+mn-ea"/>
+              </a:rPr>
+              <a:t>参见实例</a:t>
+            </a:r>
+            <a:r>
+              <a:rPr lang="en-US" altLang="zh-CN" sz="2200">
+                <a:solidFill>
+                  <a:srgbClr val="FF0000"/>
+                </a:solidFill>
+                <a:latin typeface="+mn-ea"/>
+                <a:ea typeface="+mn-ea"/>
+              </a:rPr>
+              <a:t>demo11 </a:t>
+            </a:r>
+            <a:r>
+              <a:rPr lang="zh-CN" altLang="en-US" sz="2200">
+                <a:solidFill>
+                  <a:srgbClr val="FF0000"/>
+                </a:solidFill>
+                <a:latin typeface="+mn-ea"/>
+                <a:ea typeface="+mn-ea"/>
+              </a:rPr>
+              <a:t>公有属性、私有属性</a:t>
+            </a:r>
+            <a:r>
+              <a:rPr lang="en-US" altLang="zh-CN" sz="2200">
+                <a:solidFill>
+                  <a:srgbClr val="FF0000"/>
+                </a:solidFill>
+                <a:latin typeface="+mn-ea"/>
+                <a:ea typeface="+mn-ea"/>
+              </a:rPr>
+              <a:t> </a:t>
+            </a:r>
+            <a:endParaRPr lang="zh-CN" altLang="en-US" sz="2200">
+              <a:solidFill>
+                <a:srgbClr val="FF0000"/>
+              </a:solidFill>
+              <a:latin typeface="+mn-ea"/>
+              <a:ea typeface="+mn-ea"/>
+            </a:endParaRPr>
           </a:p>
         </p:txBody>
       </p:sp>
       <p:pic>
         <p:nvPicPr>
-          <p:cNvPr id="5" name="图片 4"/>
+          <p:cNvPr id="7" name="图片 6"/>
           <p:cNvPicPr>
             <a:picLocks noChangeAspect="1"/>
           </p:cNvPicPr>
@@ -19325,8 +24678,8 @@
         </p:blipFill>
         <p:spPr>
           <a:xfrm>
-            <a:off x="927735" y="998855"/>
-            <a:ext cx="8023860" cy="4918710"/>
+            <a:off x="1053465" y="1800860"/>
+            <a:ext cx="7502525" cy="3902710"/>
           </a:xfrm>
           <a:prstGeom prst="rect">
             <a:avLst/>
@@ -19341,14 +24694,316 @@
   <p:timing>
     <p:tnLst>
       <p:par>
-        <p:cTn id="1" dur="indefinite" restart="never" nodeType="tmRoot"/>
+        <p:cTn id="1" dur="indefinite" restart="never" nodeType="tmRoot">
+          <p:childTnLst>
+            <p:seq concurrent="1" nextAc="seek">
+              <p:cTn id="2" dur="indefinite" nodeType="mainSeq">
+                <p:childTnLst>
+                  <p:par>
+                    <p:cTn id="3" fill="hold">
+                      <p:stCondLst>
+                        <p:cond delay="indefinite"/>
+                      </p:stCondLst>
+                      <p:childTnLst>
+                        <p:par>
+                          <p:cTn id="4" fill="hold">
+                            <p:stCondLst>
+                              <p:cond delay="0"/>
+                            </p:stCondLst>
+                            <p:childTnLst>
+                              <p:par>
+                                <p:cTn id="5" presetID="2" presetClass="entr" presetSubtype="4" fill="hold" nodeType="clickEffect">
+                                  <p:stCondLst>
+                                    <p:cond delay="0"/>
+                                  </p:stCondLst>
+                                  <p:childTnLst>
+                                    <p:set>
+                                      <p:cBhvr>
+                                        <p:cTn id="6" dur="1" fill="hold">
+                                          <p:stCondLst>
+                                            <p:cond delay="0"/>
+                                          </p:stCondLst>
+                                        </p:cTn>
+                                        <p:tgtEl>
+                                          <p:spTgt spid="2">
+                                            <p:txEl>
+                                              <p:pRg st="0" end="0"/>
+                                            </p:txEl>
+                                          </p:spTgt>
+                                        </p:tgtEl>
+                                        <p:attrNameLst>
+                                          <p:attrName>style.visibility</p:attrName>
+                                        </p:attrNameLst>
+                                      </p:cBhvr>
+                                      <p:to>
+                                        <p:strVal val="visible"/>
+                                      </p:to>
+                                    </p:set>
+                                    <p:anim calcmode="lin" valueType="num">
+                                      <p:cBhvr additive="base">
+                                        <p:cTn id="7" dur="500" fill="hold"/>
+                                        <p:tgtEl>
+                                          <p:spTgt spid="2">
+                                            <p:txEl>
+                                              <p:pRg st="0" end="0"/>
+                                            </p:txEl>
+                                          </p:spTgt>
+                                        </p:tgtEl>
+                                        <p:attrNameLst>
+                                          <p:attrName>ppt_x</p:attrName>
+                                        </p:attrNameLst>
+                                      </p:cBhvr>
+                                      <p:tavLst>
+                                        <p:tav tm="0">
+                                          <p:val>
+                                            <p:strVal val="#ppt_x"/>
+                                          </p:val>
+                                        </p:tav>
+                                        <p:tav tm="100000">
+                                          <p:val>
+                                            <p:strVal val="#ppt_x"/>
+                                          </p:val>
+                                        </p:tav>
+                                      </p:tavLst>
+                                    </p:anim>
+                                    <p:anim calcmode="lin" valueType="num">
+                                      <p:cBhvr additive="base">
+                                        <p:cTn id="8" dur="500" fill="hold"/>
+                                        <p:tgtEl>
+                                          <p:spTgt spid="2">
+                                            <p:txEl>
+                                              <p:pRg st="0" end="0"/>
+                                            </p:txEl>
+                                          </p:spTgt>
+                                        </p:tgtEl>
+                                        <p:attrNameLst>
+                                          <p:attrName>ppt_y</p:attrName>
+                                        </p:attrNameLst>
+                                      </p:cBhvr>
+                                      <p:tavLst>
+                                        <p:tav tm="0">
+                                          <p:val>
+                                            <p:strVal val="1+#ppt_h/2"/>
+                                          </p:val>
+                                        </p:tav>
+                                        <p:tav tm="100000">
+                                          <p:val>
+                                            <p:strVal val="#ppt_y"/>
+                                          </p:val>
+                                        </p:tav>
+                                      </p:tavLst>
+                                    </p:anim>
+                                  </p:childTnLst>
+                                </p:cTn>
+                              </p:par>
+                            </p:childTnLst>
+                          </p:cTn>
+                        </p:par>
+                      </p:childTnLst>
+                    </p:cTn>
+                  </p:par>
+                  <p:par>
+                    <p:cTn id="9" fill="hold">
+                      <p:stCondLst>
+                        <p:cond delay="indefinite"/>
+                      </p:stCondLst>
+                      <p:childTnLst>
+                        <p:par>
+                          <p:cTn id="10" fill="hold">
+                            <p:stCondLst>
+                              <p:cond delay="0"/>
+                            </p:stCondLst>
+                            <p:childTnLst>
+                              <p:par>
+                                <p:cTn id="11" presetID="2" presetClass="entr" presetSubtype="4" fill="hold" nodeType="clickEffect">
+                                  <p:stCondLst>
+                                    <p:cond delay="0"/>
+                                  </p:stCondLst>
+                                  <p:childTnLst>
+                                    <p:set>
+                                      <p:cBhvr>
+                                        <p:cTn id="12" dur="1" fill="hold">
+                                          <p:stCondLst>
+                                            <p:cond delay="0"/>
+                                          </p:stCondLst>
+                                        </p:cTn>
+                                        <p:tgtEl>
+                                          <p:spTgt spid="7"/>
+                                        </p:tgtEl>
+                                        <p:attrNameLst>
+                                          <p:attrName>style.visibility</p:attrName>
+                                        </p:attrNameLst>
+                                      </p:cBhvr>
+                                      <p:to>
+                                        <p:strVal val="visible"/>
+                                      </p:to>
+                                    </p:set>
+                                    <p:anim calcmode="lin" valueType="num">
+                                      <p:cBhvr additive="base">
+                                        <p:cTn id="13" dur="500" fill="hold"/>
+                                        <p:tgtEl>
+                                          <p:spTgt spid="7"/>
+                                        </p:tgtEl>
+                                        <p:attrNameLst>
+                                          <p:attrName>ppt_x</p:attrName>
+                                        </p:attrNameLst>
+                                      </p:cBhvr>
+                                      <p:tavLst>
+                                        <p:tav tm="0">
+                                          <p:val>
+                                            <p:strVal val="#ppt_x"/>
+                                          </p:val>
+                                        </p:tav>
+                                        <p:tav tm="100000">
+                                          <p:val>
+                                            <p:strVal val="#ppt_x"/>
+                                          </p:val>
+                                        </p:tav>
+                                      </p:tavLst>
+                                    </p:anim>
+                                    <p:anim calcmode="lin" valueType="num">
+                                      <p:cBhvr additive="base">
+                                        <p:cTn id="14" dur="500" fill="hold"/>
+                                        <p:tgtEl>
+                                          <p:spTgt spid="7"/>
+                                        </p:tgtEl>
+                                        <p:attrNameLst>
+                                          <p:attrName>ppt_y</p:attrName>
+                                        </p:attrNameLst>
+                                      </p:cBhvr>
+                                      <p:tavLst>
+                                        <p:tav tm="0">
+                                          <p:val>
+                                            <p:strVal val="1+#ppt_h/2"/>
+                                          </p:val>
+                                        </p:tav>
+                                        <p:tav tm="100000">
+                                          <p:val>
+                                            <p:strVal val="#ppt_y"/>
+                                          </p:val>
+                                        </p:tav>
+                                      </p:tavLst>
+                                    </p:anim>
+                                  </p:childTnLst>
+                                </p:cTn>
+                              </p:par>
+                            </p:childTnLst>
+                          </p:cTn>
+                        </p:par>
+                        <p:par>
+                          <p:cTn id="15" fill="hold">
+                            <p:stCondLst>
+                              <p:cond delay="500"/>
+                            </p:stCondLst>
+                            <p:childTnLst>
+                              <p:par>
+                                <p:cTn id="16" presetID="2" presetClass="entr" presetSubtype="4" fill="hold" grpId="0" nodeType="afterEffect">
+                                  <p:stCondLst>
+                                    <p:cond delay="0"/>
+                                  </p:stCondLst>
+                                  <p:childTnLst>
+                                    <p:set>
+                                      <p:cBhvr>
+                                        <p:cTn id="17" dur="1" fill="hold">
+                                          <p:stCondLst>
+                                            <p:cond delay="0"/>
+                                          </p:stCondLst>
+                                        </p:cTn>
+                                        <p:tgtEl>
+                                          <p:spTgt spid="6"/>
+                                        </p:tgtEl>
+                                        <p:attrNameLst>
+                                          <p:attrName>style.visibility</p:attrName>
+                                        </p:attrNameLst>
+                                      </p:cBhvr>
+                                      <p:to>
+                                        <p:strVal val="visible"/>
+                                      </p:to>
+                                    </p:set>
+                                    <p:anim calcmode="lin" valueType="num">
+                                      <p:cBhvr additive="base">
+                                        <p:cTn id="18" dur="500" fill="hold"/>
+                                        <p:tgtEl>
+                                          <p:spTgt spid="6"/>
+                                        </p:tgtEl>
+                                        <p:attrNameLst>
+                                          <p:attrName>ppt_x</p:attrName>
+                                        </p:attrNameLst>
+                                      </p:cBhvr>
+                                      <p:tavLst>
+                                        <p:tav tm="0">
+                                          <p:val>
+                                            <p:strVal val="#ppt_x"/>
+                                          </p:val>
+                                        </p:tav>
+                                        <p:tav tm="100000">
+                                          <p:val>
+                                            <p:strVal val="#ppt_x"/>
+                                          </p:val>
+                                        </p:tav>
+                                      </p:tavLst>
+                                    </p:anim>
+                                    <p:anim calcmode="lin" valueType="num">
+                                      <p:cBhvr additive="base">
+                                        <p:cTn id="19" dur="500" fill="hold"/>
+                                        <p:tgtEl>
+                                          <p:spTgt spid="6"/>
+                                        </p:tgtEl>
+                                        <p:attrNameLst>
+                                          <p:attrName>ppt_y</p:attrName>
+                                        </p:attrNameLst>
+                                      </p:cBhvr>
+                                      <p:tavLst>
+                                        <p:tav tm="0">
+                                          <p:val>
+                                            <p:strVal val="1+#ppt_h/2"/>
+                                          </p:val>
+                                        </p:tav>
+                                        <p:tav tm="100000">
+                                          <p:val>
+                                            <p:strVal val="#ppt_y"/>
+                                          </p:val>
+                                        </p:tav>
+                                      </p:tavLst>
+                                    </p:anim>
+                                  </p:childTnLst>
+                                </p:cTn>
+                              </p:par>
+                            </p:childTnLst>
+                          </p:cTn>
+                        </p:par>
+                      </p:childTnLst>
+                    </p:cTn>
+                  </p:par>
+                </p:childTnLst>
+              </p:cTn>
+              <p:prevCondLst>
+                <p:cond evt="onPrev" delay="0">
+                  <p:tgtEl>
+                    <p:sldTgt/>
+                  </p:tgtEl>
+                </p:cond>
+              </p:prevCondLst>
+              <p:nextCondLst>
+                <p:cond evt="onNext" delay="0">
+                  <p:tgtEl>
+                    <p:sldTgt/>
+                  </p:tgtEl>
+                </p:cond>
+              </p:nextCondLst>
+            </p:seq>
+          </p:childTnLst>
+        </p:cTn>
       </p:par>
     </p:tnLst>
+    <p:bldLst>
+      <p:bldP spid="6" grpId="0"/>
+    </p:bldLst>
   </p:timing>
 </p:sld>
 </file>
 
-<file path=ppt/slides/slide28.xml><?xml version="1.0" encoding="utf-8"?>
+<file path=ppt/slides/slide3.xml><?xml version="1.0" encoding="utf-8"?>
 <p:sld xmlns:a="http://schemas.openxmlformats.org/drawingml/2006/main" xmlns:r="http://schemas.openxmlformats.org/officeDocument/2006/relationships" xmlns:p="http://schemas.openxmlformats.org/presentationml/2006/main">
   <p:cSld>
     <p:spTree>
@@ -19367,53 +25022,471 @@
       </p:grpSpPr>
       <p:sp>
         <p:nvSpPr>
-          <p:cNvPr id="3" name="内容占位符 2"/>
+          <p:cNvPr id="5123" name="AutoShape 6"/>
           <p:cNvSpPr>
-            <a:spLocks noGrp="1"/>
+            <a:spLocks noChangeArrowheads="1"/>
           </p:cNvSpPr>
-          <p:nvPr>
-            <p:ph sz="quarter" idx="11"/>
-          </p:nvPr>
+          <p:nvPr/>
         </p:nvSpPr>
-        <p:spPr/>
+        <p:spPr bwMode="auto">
+          <a:xfrm>
+            <a:off x="2566988" y="1339851"/>
+            <a:ext cx="6711950" cy="4214813"/>
+          </a:xfrm>
+          <a:prstGeom prst="roundRect">
+            <a:avLst>
+              <a:gd name="adj" fmla="val 16667"/>
+            </a:avLst>
+          </a:prstGeom>
+          <a:noFill/>
+          <a:ln w="28575">
+            <a:solidFill>
+              <a:srgbClr val="C0C0C0"/>
+            </a:solidFill>
+            <a:prstDash val="sysDot"/>
+            <a:round/>
+          </a:ln>
+          <a:extLst>
+            <a:ext uri="{909E8E84-426E-40DD-AFC4-6F175D3DCCD1}">
+              <a14:hiddenFill xmlns:a14="http://schemas.microsoft.com/office/drawing/2010/main">
+                <a:solidFill>
+                  <a:srgbClr val="FFFFFF"/>
+                </a:solidFill>
+              </a14:hiddenFill>
+            </a:ext>
+          </a:extLst>
+        </p:spPr>
         <p:txBody>
-          <a:bodyPr/>
-          <a:lstStyle/>
-          <a:p>
-            <a:r>
-              <a:rPr lang="zh-CN" altLang="en-US" dirty="0"/>
-              <a:t>原型链图解</a:t>
-            </a:r>
-            <a:endParaRPr lang="en-US" altLang="zh-CN" dirty="0"/>
+          <a:bodyPr wrap="none" anchor="ctr"/>
+          <a:lstStyle>
+            <a:lvl1pPr marL="457200" indent="-457200">
+              <a:defRPr sz="3200">
+                <a:solidFill>
+                  <a:schemeClr val="tx1"/>
+                </a:solidFill>
+                <a:latin typeface="Arial" panose="020B0604020202020204" pitchFamily="34" charset="0"/>
+                <a:ea typeface="微软雅黑" panose="020B0503020204020204" pitchFamily="34" charset="-122"/>
+              </a:defRPr>
+            </a:lvl1pPr>
+            <a:lvl2pPr marL="742950" indent="-285750">
+              <a:defRPr sz="3200">
+                <a:solidFill>
+                  <a:schemeClr val="tx1"/>
+                </a:solidFill>
+                <a:latin typeface="Arial" panose="020B0604020202020204" pitchFamily="34" charset="0"/>
+                <a:ea typeface="微软雅黑" panose="020B0503020204020204" pitchFamily="34" charset="-122"/>
+              </a:defRPr>
+            </a:lvl2pPr>
+            <a:lvl3pPr marL="1143000" indent="-228600">
+              <a:defRPr sz="3200">
+                <a:solidFill>
+                  <a:schemeClr val="tx1"/>
+                </a:solidFill>
+                <a:latin typeface="Arial" panose="020B0604020202020204" pitchFamily="34" charset="0"/>
+                <a:ea typeface="微软雅黑" panose="020B0503020204020204" pitchFamily="34" charset="-122"/>
+              </a:defRPr>
+            </a:lvl3pPr>
+            <a:lvl4pPr marL="1600200" indent="-228600">
+              <a:defRPr sz="3200">
+                <a:solidFill>
+                  <a:schemeClr val="tx1"/>
+                </a:solidFill>
+                <a:latin typeface="Arial" panose="020B0604020202020204" pitchFamily="34" charset="0"/>
+                <a:ea typeface="微软雅黑" panose="020B0503020204020204" pitchFamily="34" charset="-122"/>
+              </a:defRPr>
+            </a:lvl4pPr>
+            <a:lvl5pPr marL="2057400" indent="-228600">
+              <a:defRPr sz="3200">
+                <a:solidFill>
+                  <a:schemeClr val="tx1"/>
+                </a:solidFill>
+                <a:latin typeface="Arial" panose="020B0604020202020204" pitchFamily="34" charset="0"/>
+                <a:ea typeface="微软雅黑" panose="020B0503020204020204" pitchFamily="34" charset="-122"/>
+              </a:defRPr>
+            </a:lvl5pPr>
+            <a:lvl6pPr marL="2514600" indent="-228600" eaLnBrk="0" fontAlgn="base" hangingPunct="0">
+              <a:spcBef>
+                <a:spcPct val="0"/>
+              </a:spcBef>
+              <a:spcAft>
+                <a:spcPct val="0"/>
+              </a:spcAft>
+              <a:defRPr sz="3200">
+                <a:solidFill>
+                  <a:schemeClr val="tx1"/>
+                </a:solidFill>
+                <a:latin typeface="Arial" panose="020B0604020202020204" pitchFamily="34" charset="0"/>
+                <a:ea typeface="微软雅黑" panose="020B0503020204020204" pitchFamily="34" charset="-122"/>
+              </a:defRPr>
+            </a:lvl6pPr>
+            <a:lvl7pPr marL="2971800" indent="-228600" eaLnBrk="0" fontAlgn="base" hangingPunct="0">
+              <a:spcBef>
+                <a:spcPct val="0"/>
+              </a:spcBef>
+              <a:spcAft>
+                <a:spcPct val="0"/>
+              </a:spcAft>
+              <a:defRPr sz="3200">
+                <a:solidFill>
+                  <a:schemeClr val="tx1"/>
+                </a:solidFill>
+                <a:latin typeface="Arial" panose="020B0604020202020204" pitchFamily="34" charset="0"/>
+                <a:ea typeface="微软雅黑" panose="020B0503020204020204" pitchFamily="34" charset="-122"/>
+              </a:defRPr>
+            </a:lvl7pPr>
+            <a:lvl8pPr marL="3429000" indent="-228600" eaLnBrk="0" fontAlgn="base" hangingPunct="0">
+              <a:spcBef>
+                <a:spcPct val="0"/>
+              </a:spcBef>
+              <a:spcAft>
+                <a:spcPct val="0"/>
+              </a:spcAft>
+              <a:defRPr sz="3200">
+                <a:solidFill>
+                  <a:schemeClr val="tx1"/>
+                </a:solidFill>
+                <a:latin typeface="Arial" panose="020B0604020202020204" pitchFamily="34" charset="0"/>
+                <a:ea typeface="微软雅黑" panose="020B0503020204020204" pitchFamily="34" charset="-122"/>
+              </a:defRPr>
+            </a:lvl8pPr>
+            <a:lvl9pPr marL="3886200" indent="-228600" eaLnBrk="0" fontAlgn="base" hangingPunct="0">
+              <a:spcBef>
+                <a:spcPct val="0"/>
+              </a:spcBef>
+              <a:spcAft>
+                <a:spcPct val="0"/>
+              </a:spcAft>
+              <a:defRPr sz="3200">
+                <a:solidFill>
+                  <a:schemeClr val="tx1"/>
+                </a:solidFill>
+                <a:latin typeface="Arial" panose="020B0604020202020204" pitchFamily="34" charset="0"/>
+                <a:ea typeface="微软雅黑" panose="020B0503020204020204" pitchFamily="34" charset="-122"/>
+              </a:defRPr>
+            </a:lvl9pPr>
+          </a:lstStyle>
+          <a:p>
+            <a:pPr algn="l">
+              <a:lnSpc>
+                <a:spcPct val="150000"/>
+              </a:lnSpc>
+              <a:spcBef>
+                <a:spcPts val="1200"/>
+              </a:spcBef>
+              <a:spcAft>
+                <a:spcPts val="1200"/>
+              </a:spcAft>
+              <a:buClr>
+                <a:srgbClr val="92D050"/>
+              </a:buClr>
+              <a:buFont typeface="Wingdings" panose="05000000000000000000" pitchFamily="2" charset="2"/>
+              <a:buChar char="Ø"/>
+            </a:pPr>
+            <a:r>
+              <a:rPr lang="en-US" altLang="zh-CN" sz="2800" b="1">
+                <a:solidFill>
+                  <a:srgbClr val="FF0000"/>
+                </a:solidFill>
+                <a:sym typeface="+mn-ea"/>
+              </a:rPr>
+              <a:t>JS</a:t>
+            </a:r>
+            <a:r>
+              <a:rPr lang="zh-CN" altLang="en-US" sz="2800" b="1">
+                <a:solidFill>
+                  <a:srgbClr val="FF0000"/>
+                </a:solidFill>
+                <a:sym typeface="+mn-ea"/>
+              </a:rPr>
+              <a:t>对象及继承方式综述</a:t>
+            </a:r>
+            <a:endParaRPr lang="zh-CN" altLang="en-US" sz="2800" b="1">
+              <a:solidFill>
+                <a:srgbClr val="FF0000"/>
+              </a:solidFill>
+              <a:sym typeface="+mn-ea"/>
+            </a:endParaRPr>
+          </a:p>
+          <a:p>
+            <a:pPr algn="l">
+              <a:lnSpc>
+                <a:spcPct val="150000"/>
+              </a:lnSpc>
+              <a:spcBef>
+                <a:spcPts val="1200"/>
+              </a:spcBef>
+              <a:spcAft>
+                <a:spcPts val="1200"/>
+              </a:spcAft>
+              <a:buClr>
+                <a:srgbClr val="92D050"/>
+              </a:buClr>
+              <a:buFont typeface="Wingdings" panose="05000000000000000000" pitchFamily="2" charset="2"/>
+              <a:buChar char="Ø"/>
+            </a:pPr>
+            <a:r>
+              <a:rPr lang="en-US" sz="2800" b="1"/>
+              <a:t>JS</a:t>
+            </a:r>
+            <a:r>
+              <a:rPr lang="zh-CN" altLang="en-US" sz="2800" b="1"/>
+              <a:t>对象的原型链</a:t>
+            </a:r>
+            <a:endParaRPr lang="zh-CN" altLang="en-US" sz="2800" b="1"/>
+          </a:p>
+          <a:p>
+            <a:pPr algn="l">
+              <a:lnSpc>
+                <a:spcPct val="150000"/>
+              </a:lnSpc>
+              <a:spcBef>
+                <a:spcPts val="1200"/>
+              </a:spcBef>
+              <a:spcAft>
+                <a:spcPts val="1200"/>
+              </a:spcAft>
+              <a:buClr>
+                <a:srgbClr val="92D050"/>
+              </a:buClr>
+              <a:buFont typeface="Wingdings" panose="05000000000000000000" pitchFamily="2" charset="2"/>
+              <a:buChar char="Ø"/>
+            </a:pPr>
+            <a:r>
+              <a:rPr lang="zh-CN" altLang="en-US" sz="2800" b="1">
+                <a:solidFill>
+                  <a:schemeClr val="tx1"/>
+                </a:solidFill>
+                <a:sym typeface="+mn-ea"/>
+              </a:rPr>
+              <a:t>基于构造函数实现的原型继承</a:t>
+            </a:r>
+            <a:endParaRPr lang="zh-CN" altLang="en-US" sz="2800" b="1">
+              <a:solidFill>
+                <a:schemeClr val="tx1"/>
+              </a:solidFill>
+              <a:sym typeface="+mn-ea"/>
+            </a:endParaRPr>
           </a:p>
         </p:txBody>
       </p:sp>
-      <p:pic>
-        <p:nvPicPr>
+      <p:sp>
+        <p:nvSpPr>
           <p:cNvPr id="4" name="内容占位符 3"/>
-          <p:cNvPicPr>
-            <a:picLocks noChangeAspect="1"/>
-          </p:cNvPicPr>
-          <p:nvPr>
-            <p:ph sz="quarter" idx="10"/>
-          </p:nvPr>
-        </p:nvPicPr>
-        <p:blipFill>
-          <a:blip r:embed="rId1"/>
-          <a:stretch>
-            <a:fillRect/>
-          </a:stretch>
-        </p:blipFill>
+          <p:cNvSpPr txBox="1"/>
+          <p:nvPr/>
+        </p:nvSpPr>
         <p:spPr>
           <a:xfrm>
-            <a:off x="694690" y="819150"/>
-            <a:ext cx="7990205" cy="6005195"/>
+            <a:off x="981657" y="236943"/>
+            <a:ext cx="8191557" cy="490476"/>
           </a:xfrm>
           <a:prstGeom prst="rect">
             <a:avLst/>
           </a:prstGeom>
         </p:spPr>
-      </p:pic>
+        <p:txBody>
+          <a:bodyPr/>
+          <a:lstStyle>
+            <a:lvl1pPr marL="167005" indent="-167005" algn="l" defTabSz="0" rtl="0" eaLnBrk="0" fontAlgn="base" hangingPunct="0">
+              <a:spcBef>
+                <a:spcPct val="0"/>
+              </a:spcBef>
+              <a:spcAft>
+                <a:spcPct val="15000"/>
+              </a:spcAft>
+              <a:buClr>
+                <a:schemeClr val="tx2"/>
+              </a:buClr>
+              <a:buFont typeface="Arial" panose="020B0604020202020204" pitchFamily="34" charset="0"/>
+              <a:buChar char="•"/>
+              <a:defRPr kumimoji="1" sz="1600">
+                <a:solidFill>
+                  <a:srgbClr val="006F53"/>
+                </a:solidFill>
+                <a:latin typeface="微软雅黑" panose="020B0503020204020204" pitchFamily="34" charset="-122"/>
+                <a:ea typeface="微软雅黑" panose="020B0503020204020204" pitchFamily="34" charset="-122"/>
+                <a:cs typeface="微软雅黑" panose="020B0503020204020204" pitchFamily="34" charset="-122"/>
+              </a:defRPr>
+            </a:lvl1pPr>
+            <a:lvl2pPr marL="398780" indent="-230505" algn="l" defTabSz="0" rtl="0" eaLnBrk="0" fontAlgn="base" hangingPunct="0">
+              <a:spcBef>
+                <a:spcPct val="0"/>
+              </a:spcBef>
+              <a:spcAft>
+                <a:spcPct val="15000"/>
+              </a:spcAft>
+              <a:buClr>
+                <a:schemeClr val="tx2"/>
+              </a:buClr>
+              <a:buFont typeface="Arial" panose="020B0604020202020204" pitchFamily="34" charset="0"/>
+              <a:buChar char="–"/>
+              <a:defRPr kumimoji="1" sz="2800">
+                <a:solidFill>
+                  <a:schemeClr val="bg2"/>
+                </a:solidFill>
+                <a:latin typeface="微软雅黑" panose="020B0503020204020204" pitchFamily="34" charset="-122"/>
+                <a:ea typeface="微软雅黑" panose="020B0503020204020204" pitchFamily="34" charset="-122"/>
+                <a:cs typeface="微软雅黑" panose="020B0503020204020204" pitchFamily="34" charset="-122"/>
+              </a:defRPr>
+            </a:lvl2pPr>
+            <a:lvl3pPr marL="400050" indent="182880" algn="l" defTabSz="0" rtl="0" eaLnBrk="0" fontAlgn="base" hangingPunct="0">
+              <a:spcBef>
+                <a:spcPct val="0"/>
+              </a:spcBef>
+              <a:spcAft>
+                <a:spcPct val="15000"/>
+              </a:spcAft>
+              <a:buClr>
+                <a:schemeClr val="tx2"/>
+              </a:buClr>
+              <a:buFont typeface="Arial" panose="020B0604020202020204" pitchFamily="34" charset="0"/>
+              <a:buChar char="•"/>
+              <a:defRPr kumimoji="1" sz="1600">
+                <a:solidFill>
+                  <a:schemeClr val="bg2"/>
+                </a:solidFill>
+                <a:latin typeface="微软雅黑" panose="020B0503020204020204" pitchFamily="34" charset="-122"/>
+                <a:ea typeface="微软雅黑" panose="020B0503020204020204" pitchFamily="34" charset="-122"/>
+                <a:cs typeface="微软雅黑" panose="020B0503020204020204" pitchFamily="34" charset="-122"/>
+              </a:defRPr>
+            </a:lvl3pPr>
+            <a:lvl4pPr marL="825500" indent="-241300" algn="l" defTabSz="0" rtl="0" eaLnBrk="0" fontAlgn="base" hangingPunct="0">
+              <a:spcBef>
+                <a:spcPct val="0"/>
+              </a:spcBef>
+              <a:spcAft>
+                <a:spcPct val="15000"/>
+              </a:spcAft>
+              <a:buClr>
+                <a:schemeClr val="tx2"/>
+              </a:buClr>
+              <a:buFont typeface="Arial" panose="020B0604020202020204" pitchFamily="34" charset="0"/>
+              <a:buChar char="–"/>
+              <a:defRPr kumimoji="1" sz="1600">
+                <a:solidFill>
+                  <a:schemeClr val="bg2"/>
+                </a:solidFill>
+                <a:latin typeface="微软雅黑" panose="020B0503020204020204" pitchFamily="34" charset="-122"/>
+                <a:ea typeface="微软雅黑" panose="020B0503020204020204" pitchFamily="34" charset="-122"/>
+                <a:cs typeface="微软雅黑" panose="020B0503020204020204" pitchFamily="34" charset="-122"/>
+              </a:defRPr>
+            </a:lvl4pPr>
+            <a:lvl5pPr marL="2057400" indent="-228600" algn="l" defTabSz="0" rtl="0" eaLnBrk="0" fontAlgn="base" hangingPunct="0">
+              <a:spcBef>
+                <a:spcPct val="0"/>
+              </a:spcBef>
+              <a:spcAft>
+                <a:spcPct val="25000"/>
+              </a:spcAft>
+              <a:buClr>
+                <a:schemeClr val="tx2"/>
+              </a:buClr>
+              <a:buFont typeface="Arial" panose="020B0604020202020204" pitchFamily="34" charset="0"/>
+              <a:buChar char="–"/>
+              <a:defRPr kumimoji="1" sz="2000">
+                <a:solidFill>
+                  <a:schemeClr val="tx1"/>
+                </a:solidFill>
+                <a:latin typeface="+mn-lt"/>
+                <a:ea typeface="微软雅黑" panose="020B0503020204020204" pitchFamily="34" charset="-122"/>
+                <a:cs typeface="微软雅黑" panose="020B0503020204020204" pitchFamily="34" charset="-122"/>
+              </a:defRPr>
+            </a:lvl5pPr>
+            <a:lvl6pPr marL="2514600" indent="-228600" algn="l" defTabSz="0" rtl="0" eaLnBrk="0" fontAlgn="base" hangingPunct="0">
+              <a:spcBef>
+                <a:spcPct val="0"/>
+              </a:spcBef>
+              <a:spcAft>
+                <a:spcPct val="25000"/>
+              </a:spcAft>
+              <a:buClr>
+                <a:schemeClr val="tx2"/>
+              </a:buClr>
+              <a:buFont typeface="Arial" panose="020B0604020202020204" pitchFamily="34" charset="0"/>
+              <a:buChar char="–"/>
+              <a:defRPr>
+                <a:solidFill>
+                  <a:schemeClr val="tx1"/>
+                </a:solidFill>
+                <a:latin typeface="+mn-lt"/>
+              </a:defRPr>
+            </a:lvl6pPr>
+            <a:lvl7pPr marL="2971800" indent="-228600" algn="l" defTabSz="0" rtl="0" eaLnBrk="0" fontAlgn="base" hangingPunct="0">
+              <a:spcBef>
+                <a:spcPct val="0"/>
+              </a:spcBef>
+              <a:spcAft>
+                <a:spcPct val="25000"/>
+              </a:spcAft>
+              <a:buClr>
+                <a:schemeClr val="tx2"/>
+              </a:buClr>
+              <a:buFont typeface="Arial" panose="020B0604020202020204" pitchFamily="34" charset="0"/>
+              <a:buChar char="–"/>
+              <a:defRPr>
+                <a:solidFill>
+                  <a:schemeClr val="tx1"/>
+                </a:solidFill>
+                <a:latin typeface="+mn-lt"/>
+              </a:defRPr>
+            </a:lvl7pPr>
+            <a:lvl8pPr marL="3429000" indent="-228600" algn="l" defTabSz="0" rtl="0" eaLnBrk="0" fontAlgn="base" hangingPunct="0">
+              <a:spcBef>
+                <a:spcPct val="0"/>
+              </a:spcBef>
+              <a:spcAft>
+                <a:spcPct val="25000"/>
+              </a:spcAft>
+              <a:buClr>
+                <a:schemeClr val="tx2"/>
+              </a:buClr>
+              <a:buFont typeface="Arial" panose="020B0604020202020204" pitchFamily="34" charset="0"/>
+              <a:buChar char="–"/>
+              <a:defRPr>
+                <a:solidFill>
+                  <a:schemeClr val="tx1"/>
+                </a:solidFill>
+                <a:latin typeface="+mn-lt"/>
+              </a:defRPr>
+            </a:lvl8pPr>
+            <a:lvl9pPr marL="3886200" indent="-228600" algn="l" defTabSz="0" rtl="0" eaLnBrk="0" fontAlgn="base" hangingPunct="0">
+              <a:spcBef>
+                <a:spcPct val="0"/>
+              </a:spcBef>
+              <a:spcAft>
+                <a:spcPct val="25000"/>
+              </a:spcAft>
+              <a:buClr>
+                <a:schemeClr val="tx2"/>
+              </a:buClr>
+              <a:buFont typeface="Arial" panose="020B0604020202020204" pitchFamily="34" charset="0"/>
+              <a:buChar char="–"/>
+              <a:defRPr>
+                <a:solidFill>
+                  <a:schemeClr val="tx1"/>
+                </a:solidFill>
+                <a:latin typeface="+mn-lt"/>
+              </a:defRPr>
+            </a:lvl9pPr>
+          </a:lstStyle>
+          <a:p>
+            <a:pPr marL="0" indent="0">
+              <a:buNone/>
+            </a:pPr>
+            <a:r>
+              <a:rPr lang="zh-CN" altLang="en-US" sz="3200" dirty="0" smtClean="0">
+                <a:solidFill>
+                  <a:srgbClr val="C00000"/>
+                </a:solidFill>
+                <a:cs typeface="+mn-cs"/>
+                <a:sym typeface="+mn-ea"/>
+              </a:rPr>
+              <a:t>内容提纲</a:t>
+            </a:r>
+            <a:endParaRPr lang="zh-CN" altLang="en-US" kern="0" dirty="0"/>
+          </a:p>
+        </p:txBody>
+      </p:sp>
     </p:spTree>
   </p:cSld>
   <p:clrMapOvr>
@@ -19429,7 +25502,7 @@
 </p:sld>
 </file>
 
-<file path=ppt/slides/slide29.xml><?xml version="1.0" encoding="utf-8"?>
+<file path=ppt/slides/slide30.xml><?xml version="1.0" encoding="utf-8"?>
 <p:sld xmlns:a="http://schemas.openxmlformats.org/drawingml/2006/main" xmlns:r="http://schemas.openxmlformats.org/officeDocument/2006/relationships" xmlns:p="http://schemas.openxmlformats.org/presentationml/2006/main">
   <p:cSld>
     <p:spTree>
@@ -19633,7 +25706,7 @@
 </p:sld>
 </file>
 
-<file path=ppt/slides/slide3.xml><?xml version="1.0" encoding="utf-8"?>
+<file path=ppt/slides/slide31.xml><?xml version="1.0" encoding="utf-8"?>
 <p:sld xmlns:a="http://schemas.openxmlformats.org/drawingml/2006/main" xmlns:r="http://schemas.openxmlformats.org/officeDocument/2006/relationships" xmlns:p="http://schemas.openxmlformats.org/presentationml/2006/main">
   <p:cSld>
     <p:spTree>
@@ -19652,471 +25725,381 @@
       </p:grpSpPr>
       <p:sp>
         <p:nvSpPr>
-          <p:cNvPr id="5123" name="AutoShape 6"/>
+          <p:cNvPr id="2" name="内容占位符 1"/>
           <p:cNvSpPr>
-            <a:spLocks noChangeArrowheads="1"/>
+            <a:spLocks noGrp="1"/>
           </p:cNvSpPr>
-          <p:nvPr/>
+          <p:nvPr>
+            <p:ph sz="quarter" idx="10"/>
+          </p:nvPr>
         </p:nvSpPr>
-        <p:spPr bwMode="auto">
+        <p:spPr>
           <a:xfrm>
-            <a:off x="2566988" y="1339851"/>
-            <a:ext cx="6711950" cy="4214813"/>
+            <a:off x="927735" y="783590"/>
+            <a:ext cx="9776460" cy="4918710"/>
           </a:xfrm>
-          <a:prstGeom prst="roundRect">
-            <a:avLst>
-              <a:gd name="adj" fmla="val 16667"/>
-            </a:avLst>
-          </a:prstGeom>
-          <a:noFill/>
-          <a:ln w="28575">
-            <a:solidFill>
-              <a:srgbClr val="C0C0C0"/>
-            </a:solidFill>
-            <a:prstDash val="sysDot"/>
-            <a:round/>
-          </a:ln>
-          <a:extLst>
-            <a:ext uri="{909E8E84-426E-40DD-AFC4-6F175D3DCCD1}">
-              <a14:hiddenFill xmlns:a14="http://schemas.microsoft.com/office/drawing/2010/main">
-                <a:solidFill>
-                  <a:srgbClr val="FFFFFF"/>
-                </a:solidFill>
-              </a14:hiddenFill>
-            </a:ext>
-          </a:extLst>
         </p:spPr>
         <p:txBody>
-          <a:bodyPr wrap="none" anchor="ctr"/>
-          <a:lstStyle>
-            <a:lvl1pPr marL="457200" indent="-457200">
-              <a:defRPr sz="3200">
-                <a:solidFill>
-                  <a:schemeClr val="tx1"/>
-                </a:solidFill>
-                <a:latin typeface="Arial" panose="020B0604020202020204" pitchFamily="34" charset="0"/>
-                <a:ea typeface="微软雅黑" panose="020B0503020204020204" pitchFamily="34" charset="-122"/>
-              </a:defRPr>
-            </a:lvl1pPr>
-            <a:lvl2pPr marL="742950" indent="-285750">
-              <a:defRPr sz="3200">
-                <a:solidFill>
-                  <a:schemeClr val="tx1"/>
-                </a:solidFill>
-                <a:latin typeface="Arial" panose="020B0604020202020204" pitchFamily="34" charset="0"/>
-                <a:ea typeface="微软雅黑" panose="020B0503020204020204" pitchFamily="34" charset="-122"/>
-              </a:defRPr>
-            </a:lvl2pPr>
-            <a:lvl3pPr marL="1143000" indent="-228600">
-              <a:defRPr sz="3200">
-                <a:solidFill>
-                  <a:schemeClr val="tx1"/>
-                </a:solidFill>
-                <a:latin typeface="Arial" panose="020B0604020202020204" pitchFamily="34" charset="0"/>
-                <a:ea typeface="微软雅黑" panose="020B0503020204020204" pitchFamily="34" charset="-122"/>
-              </a:defRPr>
-            </a:lvl3pPr>
-            <a:lvl4pPr marL="1600200" indent="-228600">
-              <a:defRPr sz="3200">
-                <a:solidFill>
-                  <a:schemeClr val="tx1"/>
-                </a:solidFill>
-                <a:latin typeface="Arial" panose="020B0604020202020204" pitchFamily="34" charset="0"/>
-                <a:ea typeface="微软雅黑" panose="020B0503020204020204" pitchFamily="34" charset="-122"/>
-              </a:defRPr>
-            </a:lvl4pPr>
-            <a:lvl5pPr marL="2057400" indent="-228600">
-              <a:defRPr sz="3200">
-                <a:solidFill>
-                  <a:schemeClr val="tx1"/>
-                </a:solidFill>
-                <a:latin typeface="Arial" panose="020B0604020202020204" pitchFamily="34" charset="0"/>
-                <a:ea typeface="微软雅黑" panose="020B0503020204020204" pitchFamily="34" charset="-122"/>
-              </a:defRPr>
-            </a:lvl5pPr>
-            <a:lvl6pPr marL="2514600" indent="-228600" eaLnBrk="0" fontAlgn="base" hangingPunct="0">
-              <a:spcBef>
-                <a:spcPct val="0"/>
-              </a:spcBef>
-              <a:spcAft>
-                <a:spcPct val="0"/>
-              </a:spcAft>
-              <a:defRPr sz="3200">
-                <a:solidFill>
-                  <a:schemeClr val="tx1"/>
-                </a:solidFill>
-                <a:latin typeface="Arial" panose="020B0604020202020204" pitchFamily="34" charset="0"/>
-                <a:ea typeface="微软雅黑" panose="020B0503020204020204" pitchFamily="34" charset="-122"/>
-              </a:defRPr>
-            </a:lvl6pPr>
-            <a:lvl7pPr marL="2971800" indent="-228600" eaLnBrk="0" fontAlgn="base" hangingPunct="0">
-              <a:spcBef>
-                <a:spcPct val="0"/>
-              </a:spcBef>
-              <a:spcAft>
-                <a:spcPct val="0"/>
-              </a:spcAft>
-              <a:defRPr sz="3200">
-                <a:solidFill>
-                  <a:schemeClr val="tx1"/>
-                </a:solidFill>
-                <a:latin typeface="Arial" panose="020B0604020202020204" pitchFamily="34" charset="0"/>
-                <a:ea typeface="微软雅黑" panose="020B0503020204020204" pitchFamily="34" charset="-122"/>
-              </a:defRPr>
-            </a:lvl7pPr>
-            <a:lvl8pPr marL="3429000" indent="-228600" eaLnBrk="0" fontAlgn="base" hangingPunct="0">
-              <a:spcBef>
-                <a:spcPct val="0"/>
-              </a:spcBef>
-              <a:spcAft>
-                <a:spcPct val="0"/>
-              </a:spcAft>
-              <a:defRPr sz="3200">
-                <a:solidFill>
-                  <a:schemeClr val="tx1"/>
-                </a:solidFill>
-                <a:latin typeface="Arial" panose="020B0604020202020204" pitchFamily="34" charset="0"/>
-                <a:ea typeface="微软雅黑" panose="020B0503020204020204" pitchFamily="34" charset="-122"/>
-              </a:defRPr>
-            </a:lvl8pPr>
-            <a:lvl9pPr marL="3886200" indent="-228600" eaLnBrk="0" fontAlgn="base" hangingPunct="0">
-              <a:spcBef>
-                <a:spcPct val="0"/>
-              </a:spcBef>
-              <a:spcAft>
-                <a:spcPct val="0"/>
-              </a:spcAft>
-              <a:defRPr sz="3200">
-                <a:solidFill>
-                  <a:schemeClr val="tx1"/>
-                </a:solidFill>
-                <a:latin typeface="Arial" panose="020B0604020202020204" pitchFamily="34" charset="0"/>
-                <a:ea typeface="微软雅黑" panose="020B0503020204020204" pitchFamily="34" charset="-122"/>
-              </a:defRPr>
-            </a:lvl9pPr>
-          </a:lstStyle>
+          <a:bodyPr/>
+          <a:lstStyle/>
           <a:p>
             <a:pPr algn="l">
               <a:lnSpc>
-                <a:spcPct val="150000"/>
+                <a:spcPct val="160000"/>
               </a:lnSpc>
-              <a:spcBef>
-                <a:spcPts val="1200"/>
-              </a:spcBef>
-              <a:spcAft>
-                <a:spcPts val="1200"/>
-              </a:spcAft>
-              <a:buClr>
-                <a:srgbClr val="92D050"/>
-              </a:buClr>
-              <a:buFont typeface="Wingdings" panose="05000000000000000000" pitchFamily="2" charset="2"/>
-              <a:buChar char="Ø"/>
             </a:pPr>
             <a:r>
-              <a:rPr lang="en-US" altLang="zh-CN" sz="2800" b="1">
-                <a:solidFill>
-                  <a:srgbClr val="FF0000"/>
+              <a:rPr lang="zh-CN" altLang="en-US" sz="3200" dirty="0">
+                <a:solidFill>
+                  <a:schemeClr val="tx1"/>
                 </a:solidFill>
                 <a:sym typeface="+mn-ea"/>
               </a:rPr>
-              <a:t>JS</a:t>
-            </a:r>
-            <a:r>
-              <a:rPr lang="zh-CN" altLang="en-US" sz="2800" b="1">
-                <a:solidFill>
-                  <a:srgbClr val="FF0000"/>
+              <a:t>阅读《深入理解</a:t>
+            </a:r>
+            <a:r>
+              <a:rPr lang="en-US" altLang="zh-CN" sz="3200" dirty="0">
+                <a:solidFill>
+                  <a:schemeClr val="tx1"/>
                 </a:solidFill>
                 <a:sym typeface="+mn-ea"/>
               </a:rPr>
-              <a:t>对象及继承方式综述</a:t>
-            </a:r>
-            <a:endParaRPr lang="zh-CN" altLang="en-US" sz="2800" b="1">
-              <a:solidFill>
-                <a:srgbClr val="FF0000"/>
-              </a:solidFill>
-              <a:sym typeface="+mn-ea"/>
-            </a:endParaRPr>
-          </a:p>
-          <a:p>
-            <a:pPr algn="l">
-              <a:lnSpc>
-                <a:spcPct val="150000"/>
-              </a:lnSpc>
-              <a:spcBef>
-                <a:spcPts val="1200"/>
-              </a:spcBef>
-              <a:spcAft>
-                <a:spcPts val="1200"/>
-              </a:spcAft>
-              <a:buClr>
-                <a:srgbClr val="92D050"/>
-              </a:buClr>
-              <a:buFont typeface="Wingdings" panose="05000000000000000000" pitchFamily="2" charset="2"/>
-              <a:buChar char="Ø"/>
-            </a:pPr>
-            <a:r>
-              <a:rPr lang="en-US" sz="2800" b="1"/>
-              <a:t>JS</a:t>
-            </a:r>
-            <a:r>
-              <a:rPr lang="zh-CN" altLang="en-US" sz="2800" b="1"/>
-              <a:t>对象的原型链</a:t>
-            </a:r>
-            <a:endParaRPr lang="zh-CN" altLang="en-US" sz="2800" b="1"/>
-          </a:p>
-          <a:p>
-            <a:pPr algn="l">
-              <a:lnSpc>
-                <a:spcPct val="150000"/>
-              </a:lnSpc>
-              <a:spcBef>
-                <a:spcPts val="1200"/>
-              </a:spcBef>
-              <a:spcAft>
-                <a:spcPts val="1200"/>
-              </a:spcAft>
-              <a:buClr>
-                <a:srgbClr val="92D050"/>
-              </a:buClr>
-              <a:buFont typeface="Wingdings" panose="05000000000000000000" pitchFamily="2" charset="2"/>
-              <a:buChar char="Ø"/>
-            </a:pPr>
-            <a:r>
-              <a:rPr lang="zh-CN" altLang="en-US" sz="2800" b="1">
+              <a:t>JavaScript</a:t>
+            </a:r>
+            <a:r>
+              <a:rPr lang="zh-CN" altLang="en-US" sz="3200" dirty="0">
                 <a:solidFill>
                   <a:schemeClr val="tx1"/>
                 </a:solidFill>
                 <a:sym typeface="+mn-ea"/>
               </a:rPr>
-              <a:t>基于构造函数实现的原型继承</a:t>
-            </a:r>
-            <a:endParaRPr lang="zh-CN" altLang="en-US" sz="2800" b="1">
+              <a:t>》</a:t>
+            </a:r>
+            <a:r>
+              <a:rPr lang="zh-CN" altLang="en-US" sz="3200" dirty="0">
+                <a:solidFill>
+                  <a:schemeClr val="tx1"/>
+                </a:solidFill>
+                <a:sym typeface="+mn-ea"/>
+              </a:rPr>
+              <a:t>的第</a:t>
+            </a:r>
+            <a:r>
+              <a:rPr lang="en-US" altLang="zh-CN" sz="3200" dirty="0">
+                <a:solidFill>
+                  <a:schemeClr val="tx1"/>
+                </a:solidFill>
+                <a:sym typeface="+mn-ea"/>
+              </a:rPr>
+              <a:t>17</a:t>
+            </a:r>
+            <a:r>
+              <a:rPr lang="zh-CN" altLang="en-US" sz="3200" dirty="0">
+                <a:solidFill>
+                  <a:schemeClr val="tx1"/>
+                </a:solidFill>
+                <a:sym typeface="+mn-ea"/>
+              </a:rPr>
+              <a:t>章</a:t>
+            </a:r>
+            <a:endParaRPr lang="zh-CN" altLang="en-US" sz="3200" dirty="0">
               <a:solidFill>
                 <a:schemeClr val="tx1"/>
               </a:solidFill>
               <a:sym typeface="+mn-ea"/>
             </a:endParaRPr>
           </a:p>
+          <a:p>
+            <a:pPr algn="l">
+              <a:lnSpc>
+                <a:spcPct val="160000"/>
+              </a:lnSpc>
+            </a:pPr>
+            <a:r>
+              <a:rPr lang="zh-CN" altLang="en-US" sz="3200" dirty="0">
+                <a:solidFill>
+                  <a:schemeClr val="tx1"/>
+                </a:solidFill>
+                <a:sym typeface="+mn-ea"/>
+              </a:rPr>
+              <a:t>重写</a:t>
+            </a:r>
+            <a:r>
+              <a:rPr lang="en-US" altLang="zh-CN" sz="3200" dirty="0">
+                <a:solidFill>
+                  <a:schemeClr val="tx1"/>
+                </a:solidFill>
+                <a:sym typeface="+mn-ea"/>
+              </a:rPr>
+              <a:t>FlappyBird</a:t>
+            </a:r>
+            <a:r>
+              <a:rPr lang="zh-CN" altLang="en-US" sz="3200" dirty="0">
+                <a:solidFill>
+                  <a:schemeClr val="tx1"/>
+                </a:solidFill>
+                <a:sym typeface="+mn-ea"/>
+              </a:rPr>
+              <a:t>案例</a:t>
+            </a:r>
+            <a:br>
+              <a:rPr lang="zh-CN" altLang="en-US" sz="3200" dirty="0">
+                <a:solidFill>
+                  <a:schemeClr val="tx1"/>
+                </a:solidFill>
+                <a:sym typeface="+mn-ea"/>
+              </a:rPr>
+            </a:br>
+            <a:r>
+              <a:rPr lang="zh-CN" altLang="en-US" sz="3200" dirty="0">
+                <a:solidFill>
+                  <a:schemeClr val="tx1"/>
+                </a:solidFill>
+                <a:sym typeface="+mn-ea"/>
+              </a:rPr>
+              <a:t>http://pan.baidu.com/s/1ge3H8YJ</a:t>
+            </a:r>
+            <a:endParaRPr lang="zh-CN" altLang="en-US" sz="3200" dirty="0">
+              <a:solidFill>
+                <a:schemeClr val="tx1"/>
+              </a:solidFill>
+              <a:sym typeface="+mn-ea"/>
+            </a:endParaRPr>
+          </a:p>
+          <a:p>
+            <a:pPr marL="0" indent="0">
+              <a:lnSpc>
+                <a:spcPct val="160000"/>
+              </a:lnSpc>
+              <a:buNone/>
+            </a:pPr>
+            <a:endParaRPr lang="en-US" altLang="zh-CN" sz="1800" dirty="0">
+              <a:solidFill>
+                <a:schemeClr val="tx1"/>
+              </a:solidFill>
+              <a:sym typeface="+mn-ea"/>
+            </a:endParaRPr>
+          </a:p>
         </p:txBody>
       </p:sp>
       <p:sp>
         <p:nvSpPr>
-          <p:cNvPr id="4" name="内容占位符 3"/>
-          <p:cNvSpPr txBox="1"/>
-          <p:nvPr/>
+          <p:cNvPr id="3" name="内容占位符 2"/>
+          <p:cNvSpPr>
+            <a:spLocks noGrp="1"/>
+          </p:cNvSpPr>
+          <p:nvPr>
+            <p:ph sz="quarter" idx="11"/>
+          </p:nvPr>
+        </p:nvSpPr>
+        <p:spPr/>
+        <p:txBody>
+          <a:bodyPr/>
+          <a:lstStyle/>
+          <a:p>
+            <a:r>
+              <a:rPr lang="zh-CN" altLang="en-US" dirty="0"/>
+              <a:t>作业</a:t>
+            </a:r>
+            <a:endParaRPr lang="zh-CN" altLang="en-US" dirty="0"/>
+          </a:p>
+        </p:txBody>
+      </p:sp>
+    </p:spTree>
+  </p:cSld>
+  <p:clrMapOvr>
+    <a:masterClrMapping/>
+  </p:clrMapOvr>
+  <p:timing>
+    <p:tnLst>
+      <p:par>
+        <p:cTn id="1" dur="indefinite" restart="never" nodeType="tmRoot"/>
+      </p:par>
+    </p:tnLst>
+  </p:timing>
+</p:sld>
+</file>
+
+<file path=ppt/slides/slide32.xml><?xml version="1.0" encoding="utf-8"?>
+<p:sld xmlns:a="http://schemas.openxmlformats.org/drawingml/2006/main" xmlns:r="http://schemas.openxmlformats.org/officeDocument/2006/relationships" xmlns:p="http://schemas.openxmlformats.org/presentationml/2006/main">
+  <p:cSld>
+    <p:spTree>
+      <p:nvGrpSpPr>
+        <p:cNvPr id="1" name=""/>
+        <p:cNvGrpSpPr/>
+        <p:nvPr/>
+      </p:nvGrpSpPr>
+      <p:grpSpPr>
+        <a:xfrm>
+          <a:off x="0" y="0"/>
+          <a:ext cx="0" cy="0"/>
+          <a:chOff x="0" y="0"/>
+          <a:chExt cx="0" cy="0"/>
+        </a:xfrm>
+      </p:grpSpPr>
+      <p:sp>
+        <p:nvSpPr>
+          <p:cNvPr id="2" name="内容占位符 1"/>
+          <p:cNvSpPr>
+            <a:spLocks noGrp="1"/>
+          </p:cNvSpPr>
+          <p:nvPr>
+            <p:ph sz="quarter" idx="10"/>
+          </p:nvPr>
         </p:nvSpPr>
         <p:spPr>
           <a:xfrm>
-            <a:off x="981657" y="236943"/>
-            <a:ext cx="8191557" cy="490476"/>
+            <a:off x="927735" y="855345"/>
+            <a:ext cx="9776460" cy="4918710"/>
+          </a:xfrm>
+        </p:spPr>
+        <p:txBody>
+          <a:bodyPr/>
+          <a:lstStyle/>
+          <a:p>
+            <a:pPr marL="0" indent="0">
+              <a:lnSpc>
+                <a:spcPct val="160000"/>
+              </a:lnSpc>
+              <a:buNone/>
+            </a:pPr>
+            <a:endParaRPr lang="en-US" altLang="zh-CN" sz="1600" dirty="0">
+              <a:solidFill>
+                <a:schemeClr val="tx1"/>
+              </a:solidFill>
+              <a:sym typeface="+mn-ea"/>
+            </a:endParaRPr>
+          </a:p>
+        </p:txBody>
+      </p:sp>
+      <p:sp>
+        <p:nvSpPr>
+          <p:cNvPr id="3" name="内容占位符 2"/>
+          <p:cNvSpPr>
+            <a:spLocks noGrp="1"/>
+          </p:cNvSpPr>
+          <p:nvPr>
+            <p:ph sz="quarter" idx="11"/>
+          </p:nvPr>
+        </p:nvSpPr>
+        <p:spPr/>
+        <p:txBody>
+          <a:bodyPr/>
+          <a:lstStyle/>
+          <a:p>
+            <a:r>
+              <a:rPr lang="zh-CN" altLang="en-US" dirty="0"/>
+              <a:t>原型链图解</a:t>
+            </a:r>
+            <a:endParaRPr lang="en-US" altLang="zh-CN" dirty="0"/>
+          </a:p>
+        </p:txBody>
+      </p:sp>
+      <p:pic>
+        <p:nvPicPr>
+          <p:cNvPr id="5" name="图片 4"/>
+          <p:cNvPicPr>
+            <a:picLocks noChangeAspect="1"/>
+          </p:cNvPicPr>
+          <p:nvPr/>
+        </p:nvPicPr>
+        <p:blipFill>
+          <a:blip r:embed="rId1"/>
+          <a:stretch>
+            <a:fillRect/>
+          </a:stretch>
+        </p:blipFill>
+        <p:spPr>
+          <a:xfrm>
+            <a:off x="927735" y="998855"/>
+            <a:ext cx="8023860" cy="4918710"/>
           </a:xfrm>
           <a:prstGeom prst="rect">
             <a:avLst/>
           </a:prstGeom>
         </p:spPr>
+      </p:pic>
+    </p:spTree>
+  </p:cSld>
+  <p:clrMapOvr>
+    <a:masterClrMapping/>
+  </p:clrMapOvr>
+  <p:timing>
+    <p:tnLst>
+      <p:par>
+        <p:cTn id="1" dur="indefinite" restart="never" nodeType="tmRoot"/>
+      </p:par>
+    </p:tnLst>
+  </p:timing>
+</p:sld>
+</file>
+
+<file path=ppt/slides/slide33.xml><?xml version="1.0" encoding="utf-8"?>
+<p:sld xmlns:a="http://schemas.openxmlformats.org/drawingml/2006/main" xmlns:r="http://schemas.openxmlformats.org/officeDocument/2006/relationships" xmlns:p="http://schemas.openxmlformats.org/presentationml/2006/main">
+  <p:cSld>
+    <p:spTree>
+      <p:nvGrpSpPr>
+        <p:cNvPr id="1" name=""/>
+        <p:cNvGrpSpPr/>
+        <p:nvPr/>
+      </p:nvGrpSpPr>
+      <p:grpSpPr>
+        <a:xfrm>
+          <a:off x="0" y="0"/>
+          <a:ext cx="0" cy="0"/>
+          <a:chOff x="0" y="0"/>
+          <a:chExt cx="0" cy="0"/>
+        </a:xfrm>
+      </p:grpSpPr>
+      <p:sp>
+        <p:nvSpPr>
+          <p:cNvPr id="3" name="内容占位符 2"/>
+          <p:cNvSpPr>
+            <a:spLocks noGrp="1"/>
+          </p:cNvSpPr>
+          <p:nvPr>
+            <p:ph sz="quarter" idx="11"/>
+          </p:nvPr>
+        </p:nvSpPr>
+        <p:spPr/>
         <p:txBody>
           <a:bodyPr/>
-          <a:lstStyle>
-            <a:lvl1pPr marL="167005" indent="-167005" algn="l" defTabSz="0" rtl="0" eaLnBrk="0" fontAlgn="base" hangingPunct="0">
-              <a:spcBef>
-                <a:spcPct val="0"/>
-              </a:spcBef>
-              <a:spcAft>
-                <a:spcPct val="15000"/>
-              </a:spcAft>
-              <a:buClr>
-                <a:schemeClr val="tx2"/>
-              </a:buClr>
-              <a:buFont typeface="Arial" panose="020B0604020202020204" pitchFamily="34" charset="0"/>
-              <a:buChar char="•"/>
-              <a:defRPr kumimoji="1" sz="1600">
-                <a:solidFill>
-                  <a:srgbClr val="006F53"/>
-                </a:solidFill>
-                <a:latin typeface="微软雅黑" panose="020B0503020204020204" pitchFamily="34" charset="-122"/>
-                <a:ea typeface="微软雅黑" panose="020B0503020204020204" pitchFamily="34" charset="-122"/>
-                <a:cs typeface="微软雅黑" panose="020B0503020204020204" pitchFamily="34" charset="-122"/>
-              </a:defRPr>
-            </a:lvl1pPr>
-            <a:lvl2pPr marL="398780" indent="-230505" algn="l" defTabSz="0" rtl="0" eaLnBrk="0" fontAlgn="base" hangingPunct="0">
-              <a:spcBef>
-                <a:spcPct val="0"/>
-              </a:spcBef>
-              <a:spcAft>
-                <a:spcPct val="15000"/>
-              </a:spcAft>
-              <a:buClr>
-                <a:schemeClr val="tx2"/>
-              </a:buClr>
-              <a:buFont typeface="Arial" panose="020B0604020202020204" pitchFamily="34" charset="0"/>
-              <a:buChar char="–"/>
-              <a:defRPr kumimoji="1" sz="2800">
-                <a:solidFill>
-                  <a:schemeClr val="bg2"/>
-                </a:solidFill>
-                <a:latin typeface="微软雅黑" panose="020B0503020204020204" pitchFamily="34" charset="-122"/>
-                <a:ea typeface="微软雅黑" panose="020B0503020204020204" pitchFamily="34" charset="-122"/>
-                <a:cs typeface="微软雅黑" panose="020B0503020204020204" pitchFamily="34" charset="-122"/>
-              </a:defRPr>
-            </a:lvl2pPr>
-            <a:lvl3pPr marL="400050" indent="182880" algn="l" defTabSz="0" rtl="0" eaLnBrk="0" fontAlgn="base" hangingPunct="0">
-              <a:spcBef>
-                <a:spcPct val="0"/>
-              </a:spcBef>
-              <a:spcAft>
-                <a:spcPct val="15000"/>
-              </a:spcAft>
-              <a:buClr>
-                <a:schemeClr val="tx2"/>
-              </a:buClr>
-              <a:buFont typeface="Arial" panose="020B0604020202020204" pitchFamily="34" charset="0"/>
-              <a:buChar char="•"/>
-              <a:defRPr kumimoji="1" sz="1600">
-                <a:solidFill>
-                  <a:schemeClr val="bg2"/>
-                </a:solidFill>
-                <a:latin typeface="微软雅黑" panose="020B0503020204020204" pitchFamily="34" charset="-122"/>
-                <a:ea typeface="微软雅黑" panose="020B0503020204020204" pitchFamily="34" charset="-122"/>
-                <a:cs typeface="微软雅黑" panose="020B0503020204020204" pitchFamily="34" charset="-122"/>
-              </a:defRPr>
-            </a:lvl3pPr>
-            <a:lvl4pPr marL="825500" indent="-241300" algn="l" defTabSz="0" rtl="0" eaLnBrk="0" fontAlgn="base" hangingPunct="0">
-              <a:spcBef>
-                <a:spcPct val="0"/>
-              </a:spcBef>
-              <a:spcAft>
-                <a:spcPct val="15000"/>
-              </a:spcAft>
-              <a:buClr>
-                <a:schemeClr val="tx2"/>
-              </a:buClr>
-              <a:buFont typeface="Arial" panose="020B0604020202020204" pitchFamily="34" charset="0"/>
-              <a:buChar char="–"/>
-              <a:defRPr kumimoji="1" sz="1600">
-                <a:solidFill>
-                  <a:schemeClr val="bg2"/>
-                </a:solidFill>
-                <a:latin typeface="微软雅黑" panose="020B0503020204020204" pitchFamily="34" charset="-122"/>
-                <a:ea typeface="微软雅黑" panose="020B0503020204020204" pitchFamily="34" charset="-122"/>
-                <a:cs typeface="微软雅黑" panose="020B0503020204020204" pitchFamily="34" charset="-122"/>
-              </a:defRPr>
-            </a:lvl4pPr>
-            <a:lvl5pPr marL="2057400" indent="-228600" algn="l" defTabSz="0" rtl="0" eaLnBrk="0" fontAlgn="base" hangingPunct="0">
-              <a:spcBef>
-                <a:spcPct val="0"/>
-              </a:spcBef>
-              <a:spcAft>
-                <a:spcPct val="25000"/>
-              </a:spcAft>
-              <a:buClr>
-                <a:schemeClr val="tx2"/>
-              </a:buClr>
-              <a:buFont typeface="Arial" panose="020B0604020202020204" pitchFamily="34" charset="0"/>
-              <a:buChar char="–"/>
-              <a:defRPr kumimoji="1" sz="2000">
-                <a:solidFill>
-                  <a:schemeClr val="tx1"/>
-                </a:solidFill>
-                <a:latin typeface="+mn-lt"/>
-                <a:ea typeface="微软雅黑" panose="020B0503020204020204" pitchFamily="34" charset="-122"/>
-                <a:cs typeface="微软雅黑" panose="020B0503020204020204" pitchFamily="34" charset="-122"/>
-              </a:defRPr>
-            </a:lvl5pPr>
-            <a:lvl6pPr marL="2514600" indent="-228600" algn="l" defTabSz="0" rtl="0" eaLnBrk="0" fontAlgn="base" hangingPunct="0">
-              <a:spcBef>
-                <a:spcPct val="0"/>
-              </a:spcBef>
-              <a:spcAft>
-                <a:spcPct val="25000"/>
-              </a:spcAft>
-              <a:buClr>
-                <a:schemeClr val="tx2"/>
-              </a:buClr>
-              <a:buFont typeface="Arial" panose="020B0604020202020204" pitchFamily="34" charset="0"/>
-              <a:buChar char="–"/>
-              <a:defRPr>
-                <a:solidFill>
-                  <a:schemeClr val="tx1"/>
-                </a:solidFill>
-                <a:latin typeface="+mn-lt"/>
-              </a:defRPr>
-            </a:lvl6pPr>
-            <a:lvl7pPr marL="2971800" indent="-228600" algn="l" defTabSz="0" rtl="0" eaLnBrk="0" fontAlgn="base" hangingPunct="0">
-              <a:spcBef>
-                <a:spcPct val="0"/>
-              </a:spcBef>
-              <a:spcAft>
-                <a:spcPct val="25000"/>
-              </a:spcAft>
-              <a:buClr>
-                <a:schemeClr val="tx2"/>
-              </a:buClr>
-              <a:buFont typeface="Arial" panose="020B0604020202020204" pitchFamily="34" charset="0"/>
-              <a:buChar char="–"/>
-              <a:defRPr>
-                <a:solidFill>
-                  <a:schemeClr val="tx1"/>
-                </a:solidFill>
-                <a:latin typeface="+mn-lt"/>
-              </a:defRPr>
-            </a:lvl7pPr>
-            <a:lvl8pPr marL="3429000" indent="-228600" algn="l" defTabSz="0" rtl="0" eaLnBrk="0" fontAlgn="base" hangingPunct="0">
-              <a:spcBef>
-                <a:spcPct val="0"/>
-              </a:spcBef>
-              <a:spcAft>
-                <a:spcPct val="25000"/>
-              </a:spcAft>
-              <a:buClr>
-                <a:schemeClr val="tx2"/>
-              </a:buClr>
-              <a:buFont typeface="Arial" panose="020B0604020202020204" pitchFamily="34" charset="0"/>
-              <a:buChar char="–"/>
-              <a:defRPr>
-                <a:solidFill>
-                  <a:schemeClr val="tx1"/>
-                </a:solidFill>
-                <a:latin typeface="+mn-lt"/>
-              </a:defRPr>
-            </a:lvl8pPr>
-            <a:lvl9pPr marL="3886200" indent="-228600" algn="l" defTabSz="0" rtl="0" eaLnBrk="0" fontAlgn="base" hangingPunct="0">
-              <a:spcBef>
-                <a:spcPct val="0"/>
-              </a:spcBef>
-              <a:spcAft>
-                <a:spcPct val="25000"/>
-              </a:spcAft>
-              <a:buClr>
-                <a:schemeClr val="tx2"/>
-              </a:buClr>
-              <a:buFont typeface="Arial" panose="020B0604020202020204" pitchFamily="34" charset="0"/>
-              <a:buChar char="–"/>
-              <a:defRPr>
-                <a:solidFill>
-                  <a:schemeClr val="tx1"/>
-                </a:solidFill>
-                <a:latin typeface="+mn-lt"/>
-              </a:defRPr>
-            </a:lvl9pPr>
-          </a:lstStyle>
-          <a:p>
-            <a:pPr marL="0" indent="0">
-              <a:buNone/>
-            </a:pPr>
-            <a:r>
-              <a:rPr lang="zh-CN" altLang="en-US" sz="3200" dirty="0" smtClean="0">
-                <a:solidFill>
-                  <a:srgbClr val="C00000"/>
-                </a:solidFill>
-                <a:cs typeface="+mn-cs"/>
-                <a:sym typeface="+mn-ea"/>
-              </a:rPr>
-              <a:t>内容提纲</a:t>
-            </a:r>
-            <a:endParaRPr lang="zh-CN" altLang="en-US" kern="0" dirty="0"/>
+          <a:lstStyle/>
+          <a:p>
+            <a:r>
+              <a:rPr lang="zh-CN" altLang="en-US" dirty="0"/>
+              <a:t>原型链图解</a:t>
+            </a:r>
+            <a:endParaRPr lang="en-US" altLang="zh-CN" dirty="0"/>
           </a:p>
         </p:txBody>
       </p:sp>
+      <p:pic>
+        <p:nvPicPr>
+          <p:cNvPr id="4" name="内容占位符 3"/>
+          <p:cNvPicPr>
+            <a:picLocks noChangeAspect="1"/>
+          </p:cNvPicPr>
+          <p:nvPr>
+            <p:ph sz="quarter" idx="10"/>
+          </p:nvPr>
+        </p:nvPicPr>
+        <p:blipFill>
+          <a:blip r:embed="rId1"/>
+          <a:stretch>
+            <a:fillRect/>
+          </a:stretch>
+        </p:blipFill>
+        <p:spPr>
+          <a:xfrm>
+            <a:off x="694690" y="819150"/>
+            <a:ext cx="7990205" cy="6005195"/>
+          </a:xfrm>
+          <a:prstGeom prst="rect">
+            <a:avLst/>
+          </a:prstGeom>
+        </p:spPr>
+      </p:pic>
     </p:spTree>
   </p:cSld>
   <p:clrMapOvr>

--- a/课程PPT/07.JavaScript面向对象编程 一.pptx
+++ b/课程PPT/07.JavaScript面向对象编程 一.pptx
@@ -16754,38 +16754,11 @@
                 </a:solidFill>
                 <a:sym typeface="+mn-ea"/>
               </a:rPr>
-              <a:t>构造函数实现的对象</a:t>
-            </a:r>
-            <a:r>
-              <a:rPr lang="en-US" altLang="zh-CN" sz="3200" dirty="0">
-                <a:solidFill>
-                  <a:schemeClr val="tx1"/>
-                </a:solidFill>
-                <a:sym typeface="+mn-ea"/>
-              </a:rPr>
-              <a:t>-</a:t>
-            </a:r>
-            <a:r>
-              <a:rPr lang="zh-CN" altLang="en-US" sz="3200" dirty="0">
-                <a:solidFill>
-                  <a:schemeClr val="tx1"/>
-                </a:solidFill>
-                <a:sym typeface="+mn-ea"/>
-              </a:rPr>
-              <a:t>对象的原型继承的</a:t>
-            </a:r>
-            <a:r>
-              <a:rPr lang="zh-CN" altLang="en-US" sz="3200" dirty="0">
-                <a:solidFill>
-                  <a:schemeClr val="accent3"/>
-                </a:solidFill>
-                <a:sym typeface="+mn-ea"/>
-              </a:rPr>
-              <a:t>原型共享问题</a:t>
+              <a:t>上页代码图解（原型共享问题）</a:t>
             </a:r>
             <a:endParaRPr lang="zh-CN" altLang="en-US" sz="3200" dirty="0">
               <a:solidFill>
-                <a:schemeClr val="accent3"/>
+                <a:schemeClr val="tx1"/>
               </a:solidFill>
               <a:sym typeface="+mn-ea"/>
             </a:endParaRPr>
@@ -17891,7 +17864,7 @@
         </p:nvSpPr>
         <p:spPr>
           <a:xfrm>
-            <a:off x="3778885" y="1425575"/>
+            <a:off x="2846070" y="1425575"/>
             <a:ext cx="2539365" cy="368300"/>
           </a:xfrm>
           <a:prstGeom prst="rect">
@@ -17934,8 +17907,8 @@
         </p:nvSpPr>
         <p:spPr>
           <a:xfrm>
-            <a:off x="3751580" y="2915920"/>
-            <a:ext cx="615950" cy="368300"/>
+            <a:off x="1524000" y="2915920"/>
+            <a:ext cx="2461895" cy="645160"/>
           </a:xfrm>
           <a:prstGeom prst="rect">
             <a:avLst/>
@@ -17956,9 +17929,59 @@
                 <a:latin typeface="+mn-ea"/>
                 <a:ea typeface="+mn-ea"/>
               </a:rPr>
-              <a:t>p1</a:t>
-            </a:r>
-            <a:endParaRPr lang="en-US" altLang="en-US" sz="1800">
+              <a:t>Student.prototype</a:t>
+            </a:r>
+            <a:r>
+              <a:rPr lang="zh-CN" altLang="en-US" sz="1800">
+                <a:solidFill>
+                  <a:srgbClr val="FF0000"/>
+                </a:solidFill>
+                <a:latin typeface="+mn-ea"/>
+                <a:ea typeface="+mn-ea"/>
+              </a:rPr>
+              <a:t>即</a:t>
+            </a:r>
+            <a:endParaRPr lang="zh-CN" altLang="en-US" sz="1800">
+              <a:solidFill>
+                <a:srgbClr val="FF0000"/>
+              </a:solidFill>
+              <a:latin typeface="+mn-ea"/>
+              <a:ea typeface="+mn-ea"/>
+            </a:endParaRPr>
+          </a:p>
+          <a:p>
+            <a:pPr algn="l"/>
+            <a:r>
+              <a:rPr lang="zh-CN" altLang="en-US" sz="1800">
+                <a:solidFill>
+                  <a:srgbClr val="FF0000"/>
+                </a:solidFill>
+                <a:latin typeface="+mn-ea"/>
+                <a:ea typeface="+mn-ea"/>
+              </a:rPr>
+              <a:t>实例化的</a:t>
+            </a:r>
+            <a:r>
+              <a:rPr lang="en-US" altLang="zh-CN" sz="1800">
+                <a:solidFill>
+                  <a:srgbClr val="FF0000"/>
+                </a:solidFill>
+                <a:latin typeface="+mn-ea"/>
+                <a:ea typeface="+mn-ea"/>
+              </a:rPr>
+              <a:t>Person</a:t>
+            </a:r>
+            <a:r>
+              <a:rPr lang="zh-CN" altLang="en-US" sz="1800">
+                <a:solidFill>
+                  <a:srgbClr val="FF0000"/>
+                </a:solidFill>
+                <a:latin typeface="+mn-ea"/>
+                <a:ea typeface="+mn-ea"/>
+              </a:rPr>
+              <a:t>对象</a:t>
+            </a:r>
+            <a:endParaRPr lang="zh-CN" altLang="en-US" sz="1800">
               <a:solidFill>
                 <a:srgbClr val="FF0000"/>
               </a:solidFill>
@@ -19826,18 +19849,7 @@
                 <a:ea typeface="+mn-ea"/>
                 <a:sym typeface="+mn-ea"/>
               </a:rPr>
-              <a:t> </a:t>
-            </a:r>
-            <a:r>
-              <a:rPr lang="en-US" altLang="zh-CN" sz="2200">
-                <a:solidFill>
-                  <a:srgbClr val="FF0000"/>
-                </a:solidFill>
-                <a:latin typeface="+mn-ea"/>
-                <a:ea typeface="+mn-ea"/>
-                <a:sym typeface="+mn-ea"/>
-              </a:rPr>
-              <a:t>JS</a:t>
+              <a:t> JS</a:t>
             </a:r>
             <a:r>
               <a:rPr lang="zh-CN" altLang="en-US" sz="2200">
@@ -20675,45 +20687,14 @@
           <p:cNvPr id="19" name="肘形连接符 18"/>
           <p:cNvCxnSpPr>
             <a:stCxn id="14" idx="0"/>
-            <a:endCxn id="22" idx="1"/>
+            <a:endCxn id="32" idx="1"/>
           </p:cNvCxnSpPr>
           <p:nvPr/>
         </p:nvCxnSpPr>
         <p:spPr>
           <a:xfrm rot="16200000">
-            <a:off x="2250440" y="2818130"/>
-            <a:ext cx="2284095" cy="632460"/>
-          </a:xfrm>
-          <a:prstGeom prst="bentConnector2">
-            <a:avLst/>
-          </a:prstGeom>
-          <a:solidFill>
-            <a:schemeClr val="accent1"/>
-          </a:solidFill>
-          <a:ln w="9525" cap="flat" cmpd="sng" algn="ctr">
-            <a:solidFill>
-              <a:schemeClr val="tx1"/>
-            </a:solidFill>
-            <a:prstDash val="solid"/>
-            <a:round/>
-            <a:headEnd type="none" w="med" len="med"/>
-            <a:tailEnd type="arrow" w="med" len="med"/>
-          </a:ln>
-        </p:spPr>
-      </p:cxnSp>
-      <p:cxnSp>
-        <p:nvCxnSpPr>
-          <p:cNvPr id="20" name="肘形连接符 19"/>
-          <p:cNvCxnSpPr>
-            <a:stCxn id="15" idx="0"/>
-            <a:endCxn id="22" idx="3"/>
-          </p:cNvCxnSpPr>
-          <p:nvPr/>
-        </p:nvCxnSpPr>
-        <p:spPr>
-          <a:xfrm rot="16200000" flipV="1">
-            <a:off x="6395085" y="2805430"/>
-            <a:ext cx="2284730" cy="659765"/>
+            <a:off x="2764790" y="3290570"/>
+            <a:ext cx="1297305" cy="675005"/>
           </a:xfrm>
           <a:prstGeom prst="bentConnector2">
             <a:avLst/>
@@ -21226,7 +21207,7 @@
         </p:nvSpPr>
         <p:spPr>
           <a:xfrm>
-            <a:off x="3778885" y="1425575"/>
+            <a:off x="3276600" y="1425575"/>
             <a:ext cx="2539365" cy="368300"/>
           </a:xfrm>
           <a:prstGeom prst="rect">
@@ -21355,6 +21336,70 @@
           <a:xfrm>
             <a:off x="9288780" y="1845310"/>
             <a:ext cx="2689225" cy="538480"/>
+          </a:xfrm>
+          <a:prstGeom prst="flowChartProcess">
+            <a:avLst/>
+          </a:prstGeom>
+          <a:ln>
+            <a:headEnd type="none" w="med" len="med"/>
+            <a:tailEnd type="none" w="med" len="med"/>
+          </a:ln>
+        </p:spPr>
+        <p:style>
+          <a:lnRef idx="2">
+            <a:schemeClr val="accent4"/>
+          </a:lnRef>
+          <a:fillRef idx="1">
+            <a:schemeClr val="lt1"/>
+          </a:fillRef>
+          <a:effectRef idx="0">
+            <a:schemeClr val="accent4"/>
+          </a:effectRef>
+          <a:fontRef idx="minor">
+            <a:schemeClr val="dk1"/>
+          </a:fontRef>
+        </p:style>
+        <p:txBody>
+          <a:bodyPr vert="horz" wrap="square" lIns="91440" tIns="45720" rIns="91440" bIns="45720" numCol="1" anchor="t" anchorCtr="0" compatLnSpc="1"/>
+          <a:p>
+            <a:pPr marL="0" marR="0" indent="0" algn="l" defTabSz="914400" rtl="0" eaLnBrk="0" fontAlgn="base" latinLnBrk="0" hangingPunct="0">
+              <a:lnSpc>
+                <a:spcPct val="100000"/>
+              </a:lnSpc>
+              <a:spcBef>
+                <a:spcPct val="0"/>
+              </a:spcBef>
+              <a:spcAft>
+                <a:spcPct val="0"/>
+              </a:spcAft>
+              <a:buClrTx/>
+              <a:buSzTx/>
+              <a:buFontTx/>
+              <a:buNone/>
+            </a:pPr>
+            <a:endParaRPr kumimoji="0" lang="zh-CN" altLang="en-US" sz="3200" b="0" i="0" u="none" strike="noStrike" cap="none" normalizeH="0" baseline="0" smtClean="0">
+              <a:ln>
+                <a:noFill/>
+              </a:ln>
+              <a:solidFill>
+                <a:schemeClr val="tx1"/>
+              </a:solidFill>
+              <a:effectLst/>
+              <a:latin typeface="Arial" panose="020B0604020202020204" pitchFamily="34" charset="0"/>
+            </a:endParaRPr>
+          </a:p>
+        </p:txBody>
+      </p:sp>
+      <p:sp>
+        <p:nvSpPr>
+          <p:cNvPr id="32" name="流程图: 过程 31"/>
+          <p:cNvSpPr/>
+          <p:nvPr/>
+        </p:nvSpPr>
+        <p:spPr>
+          <a:xfrm>
+            <a:off x="3751580" y="2710180"/>
+            <a:ext cx="3385185" cy="538480"/>
           </a:xfrm>
           <a:prstGeom prst="flowChartProcess">
             <a:avLst/>
@@ -21575,6 +21620,153 @@
           </a:ln>
         </p:spPr>
       </p:cxnSp>
+      <p:sp>
+        <p:nvSpPr>
+          <p:cNvPr id="21" name="文本框 20"/>
+          <p:cNvSpPr txBox="1"/>
+          <p:nvPr/>
+        </p:nvSpPr>
+        <p:spPr>
+          <a:xfrm>
+            <a:off x="3302000" y="2341880"/>
+            <a:ext cx="2287905" cy="368300"/>
+          </a:xfrm>
+          <a:prstGeom prst="rect">
+            <a:avLst/>
+          </a:prstGeom>
+          <a:noFill/>
+        </p:spPr>
+        <p:txBody>
+          <a:bodyPr wrap="square" rtlCol="0">
+            <a:spAutoFit/>
+          </a:bodyPr>
+          <a:p>
+            <a:pPr algn="l"/>
+            <a:r>
+              <a:rPr lang="en-US" sz="1800">
+                <a:solidFill>
+                  <a:srgbClr val="FF0000"/>
+                </a:solidFill>
+                <a:latin typeface="+mn-ea"/>
+                <a:ea typeface="+mn-ea"/>
+                <a:sym typeface="+mn-ea"/>
+              </a:rPr>
+              <a:t>Student.prototype</a:t>
+            </a:r>
+            <a:endParaRPr lang="en-US" altLang="en-US" sz="1800">
+              <a:solidFill>
+                <a:srgbClr val="FF0000"/>
+              </a:solidFill>
+              <a:latin typeface="+mn-ea"/>
+              <a:ea typeface="+mn-ea"/>
+            </a:endParaRPr>
+          </a:p>
+        </p:txBody>
+      </p:sp>
+      <p:cxnSp>
+        <p:nvCxnSpPr>
+          <p:cNvPr id="35" name="肘形连接符 34"/>
+          <p:cNvCxnSpPr>
+            <a:stCxn id="15" idx="0"/>
+            <a:endCxn id="32" idx="3"/>
+          </p:cNvCxnSpPr>
+          <p:nvPr/>
+        </p:nvCxnSpPr>
+        <p:spPr>
+          <a:xfrm rot="16200000" flipV="1">
+            <a:off x="6852920" y="3263265"/>
+            <a:ext cx="1297940" cy="730885"/>
+          </a:xfrm>
+          <a:prstGeom prst="bentConnector2">
+            <a:avLst/>
+          </a:prstGeom>
+          <a:solidFill>
+            <a:schemeClr val="accent1"/>
+          </a:solidFill>
+          <a:ln w="9525" cap="flat" cmpd="sng" algn="ctr">
+            <a:solidFill>
+              <a:schemeClr val="tx1"/>
+            </a:solidFill>
+            <a:prstDash val="solid"/>
+            <a:round/>
+            <a:headEnd type="none" w="med" len="med"/>
+            <a:tailEnd type="arrow" w="med" len="med"/>
+          </a:ln>
+        </p:spPr>
+      </p:cxnSp>
+      <p:cxnSp>
+        <p:nvCxnSpPr>
+          <p:cNvPr id="36" name="直接箭头连接符 35"/>
+          <p:cNvCxnSpPr>
+            <a:stCxn id="32" idx="0"/>
+            <a:endCxn id="22" idx="2"/>
+          </p:cNvCxnSpPr>
+          <p:nvPr/>
+        </p:nvCxnSpPr>
+        <p:spPr>
+          <a:xfrm flipV="1">
+            <a:off x="5444490" y="2207260"/>
+            <a:ext cx="13970" cy="502920"/>
+          </a:xfrm>
+          <a:prstGeom prst="straightConnector1">
+            <a:avLst/>
+          </a:prstGeom>
+          <a:solidFill>
+            <a:schemeClr val="accent1"/>
+          </a:solidFill>
+          <a:ln w="9525" cap="flat" cmpd="sng" algn="ctr">
+            <a:solidFill>
+              <a:schemeClr val="tx1"/>
+            </a:solidFill>
+            <a:prstDash val="solid"/>
+            <a:round/>
+            <a:headEnd type="none" w="med" len="med"/>
+            <a:tailEnd type="arrow" w="med" len="med"/>
+          </a:ln>
+        </p:spPr>
+      </p:cxnSp>
+      <p:sp>
+        <p:nvSpPr>
+          <p:cNvPr id="37" name="文本框 36"/>
+          <p:cNvSpPr txBox="1"/>
+          <p:nvPr/>
+        </p:nvSpPr>
+        <p:spPr>
+          <a:xfrm>
+            <a:off x="3764280" y="2765425"/>
+            <a:ext cx="3498850" cy="429895"/>
+          </a:xfrm>
+          <a:prstGeom prst="rect">
+            <a:avLst/>
+          </a:prstGeom>
+          <a:noFill/>
+        </p:spPr>
+        <p:txBody>
+          <a:bodyPr wrap="square" rtlCol="0">
+            <a:spAutoFit/>
+          </a:bodyPr>
+          <a:p>
+            <a:pPr algn="l"/>
+            <a:r>
+              <a:rPr lang="zh-CN" sz="2200">
+                <a:solidFill>
+                  <a:schemeClr val="tx1"/>
+                </a:solidFill>
+                <a:latin typeface="+mn-ea"/>
+                <a:ea typeface="+mn-ea"/>
+              </a:rPr>
+              <a:t>没有自身属性和方法</a:t>
+            </a:r>
+            <a:endParaRPr lang="zh-CN" sz="2200">
+              <a:solidFill>
+                <a:schemeClr val="tx1"/>
+              </a:solidFill>
+              <a:latin typeface="+mn-ea"/>
+              <a:ea typeface="+mn-ea"/>
+            </a:endParaRPr>
+          </a:p>
+        </p:txBody>
+      </p:sp>
     </p:spTree>
   </p:cSld>
   <p:clrMapOvr>
@@ -23714,7 +23906,7 @@
                 </a:solidFill>
                 <a:sym typeface="+mn-ea"/>
               </a:rPr>
-              <a:t>对象原型的</a:t>
+              <a:t>再谈对象原型的</a:t>
             </a:r>
             <a:r>
               <a:rPr lang="en-US" altLang="zh-CN" sz="3200" dirty="0">
@@ -24041,7 +24233,7 @@
                 <a:latin typeface="+mn-ea"/>
                 <a:ea typeface="+mn-ea"/>
               </a:rPr>
-              <a:t>demo11 </a:t>
+              <a:t>demo11 Part1 constructor</a:t>
             </a:r>
             <a:r>
               <a:rPr lang="zh-CN" altLang="en-US" sz="2200">
@@ -24051,27 +24243,7 @@
                 <a:latin typeface="+mn-ea"/>
                 <a:ea typeface="+mn-ea"/>
               </a:rPr>
-              <a:t>对象原型的</a:t>
-            </a:r>
-            <a:r>
-              <a:rPr lang="en-US" altLang="zh-CN" sz="2200">
-                <a:solidFill>
-                  <a:srgbClr val="FF0000"/>
-                </a:solidFill>
-                <a:latin typeface="+mn-ea"/>
-                <a:ea typeface="+mn-ea"/>
-              </a:rPr>
-              <a:t>constructor</a:t>
-            </a:r>
-            <a:r>
-              <a:rPr lang="zh-CN" altLang="en-US" sz="2200">
-                <a:solidFill>
-                  <a:srgbClr val="FF0000"/>
-                </a:solidFill>
-                <a:latin typeface="+mn-ea"/>
-                <a:ea typeface="+mn-ea"/>
-              </a:rPr>
-              <a:t>属性</a:t>
+              <a:t>应用</a:t>
             </a:r>
             <a:endParaRPr lang="zh-CN" altLang="en-US" sz="2200">
               <a:solidFill>
@@ -24630,7 +24802,7 @@
                 <a:latin typeface="+mn-ea"/>
                 <a:ea typeface="+mn-ea"/>
               </a:rPr>
-              <a:t>demo11 </a:t>
+              <a:t>demo11 Part2 </a:t>
             </a:r>
             <a:r>
               <a:rPr lang="zh-CN" altLang="en-US" sz="2200">
@@ -25773,16 +25945,7 @@
                 </a:solidFill>
                 <a:sym typeface="+mn-ea"/>
               </a:rPr>
-              <a:t>》</a:t>
-            </a:r>
-            <a:r>
-              <a:rPr lang="zh-CN" altLang="en-US" sz="3200" dirty="0">
-                <a:solidFill>
-                  <a:schemeClr val="tx1"/>
-                </a:solidFill>
-                <a:sym typeface="+mn-ea"/>
-              </a:rPr>
-              <a:t>的第</a:t>
+              <a:t>》的第</a:t>
             </a:r>
             <a:r>
               <a:rPr lang="en-US" altLang="zh-CN" sz="3200" dirty="0">
@@ -25822,7 +25985,7 @@
                 </a:solidFill>
                 <a:sym typeface="+mn-ea"/>
               </a:rPr>
-              <a:t>重写</a:t>
+              <a:t>学习并重写</a:t>
             </a:r>
             <a:r>
               <a:rPr lang="en-US" altLang="zh-CN" sz="3200" dirty="0">

--- a/课程PPT/07.JavaScript面向对象编程 一.pptx
+++ b/课程PPT/07.JavaScript面向对象编程 一.pptx
@@ -24858,6 +24858,48 @@
           </a:prstGeom>
         </p:spPr>
       </p:pic>
+      <p:sp>
+        <p:nvSpPr>
+          <p:cNvPr id="4" name="文本框 3"/>
+          <p:cNvSpPr txBox="1"/>
+          <p:nvPr/>
+        </p:nvSpPr>
+        <p:spPr>
+          <a:xfrm>
+            <a:off x="6640830" y="3867785"/>
+            <a:ext cx="4719955" cy="768350"/>
+          </a:xfrm>
+          <a:prstGeom prst="rect">
+            <a:avLst/>
+          </a:prstGeom>
+          <a:noFill/>
+        </p:spPr>
+        <p:txBody>
+          <a:bodyPr wrap="square" rtlCol="0">
+            <a:spAutoFit/>
+          </a:bodyPr>
+          <a:p>
+            <a:pPr algn="l"/>
+            <a:r>
+              <a:rPr lang="zh-CN" altLang="en-US" sz="2200">
+                <a:solidFill>
+                  <a:srgbClr val="FF0000"/>
+                </a:solidFill>
+                <a:latin typeface="+mn-ea"/>
+                <a:ea typeface="+mn-ea"/>
+              </a:rPr>
+              <a:t>涉及到访问私有属性时，需将间接访问私有变量的函数定义在构造函数中</a:t>
+            </a:r>
+            <a:endParaRPr lang="zh-CN" altLang="en-US" sz="2200">
+              <a:solidFill>
+                <a:srgbClr val="FF0000"/>
+              </a:solidFill>
+              <a:latin typeface="+mn-ea"/>
+              <a:ea typeface="+mn-ea"/>
+            </a:endParaRPr>
+          </a:p>
+        </p:txBody>
+      </p:sp>
     </p:spTree>
   </p:cSld>
   <p:clrMapOvr>
@@ -25082,6 +25124,88 @@
                                           </p:stCondLst>
                                         </p:cTn>
                                         <p:tgtEl>
+                                          <p:spTgt spid="4"/>
+                                        </p:tgtEl>
+                                        <p:attrNameLst>
+                                          <p:attrName>style.visibility</p:attrName>
+                                        </p:attrNameLst>
+                                      </p:cBhvr>
+                                      <p:to>
+                                        <p:strVal val="visible"/>
+                                      </p:to>
+                                    </p:set>
+                                    <p:anim calcmode="lin" valueType="num">
+                                      <p:cBhvr additive="base">
+                                        <p:cTn id="18" dur="500" fill="hold"/>
+                                        <p:tgtEl>
+                                          <p:spTgt spid="4"/>
+                                        </p:tgtEl>
+                                        <p:attrNameLst>
+                                          <p:attrName>ppt_x</p:attrName>
+                                        </p:attrNameLst>
+                                      </p:cBhvr>
+                                      <p:tavLst>
+                                        <p:tav tm="0">
+                                          <p:val>
+                                            <p:strVal val="#ppt_x"/>
+                                          </p:val>
+                                        </p:tav>
+                                        <p:tav tm="100000">
+                                          <p:val>
+                                            <p:strVal val="#ppt_x"/>
+                                          </p:val>
+                                        </p:tav>
+                                      </p:tavLst>
+                                    </p:anim>
+                                    <p:anim calcmode="lin" valueType="num">
+                                      <p:cBhvr additive="base">
+                                        <p:cTn id="19" dur="500" fill="hold"/>
+                                        <p:tgtEl>
+                                          <p:spTgt spid="4"/>
+                                        </p:tgtEl>
+                                        <p:attrNameLst>
+                                          <p:attrName>ppt_y</p:attrName>
+                                        </p:attrNameLst>
+                                      </p:cBhvr>
+                                      <p:tavLst>
+                                        <p:tav tm="0">
+                                          <p:val>
+                                            <p:strVal val="1+#ppt_h/2"/>
+                                          </p:val>
+                                        </p:tav>
+                                        <p:tav tm="100000">
+                                          <p:val>
+                                            <p:strVal val="#ppt_y"/>
+                                          </p:val>
+                                        </p:tav>
+                                      </p:tavLst>
+                                    </p:anim>
+                                  </p:childTnLst>
+                                </p:cTn>
+                              </p:par>
+                            </p:childTnLst>
+                          </p:cTn>
+                        </p:par>
+                        <p:par>
+                          <p:cTn id="20" fill="hold">
+                            <p:stCondLst>
+                              <p:cond delay="1000"/>
+                            </p:stCondLst>
+                            <p:childTnLst>
+                              <p:par>
+                                <p:cTn id="21" presetID="2" presetClass="entr" presetSubtype="4" fill="hold" grpId="0" nodeType="afterEffect">
+                                  <p:stCondLst>
+                                    <p:cond delay="0"/>
+                                  </p:stCondLst>
+                                  <p:childTnLst>
+                                    <p:set>
+                                      <p:cBhvr>
+                                        <p:cTn id="22" dur="1" fill="hold">
+                                          <p:stCondLst>
+                                            <p:cond delay="0"/>
+                                          </p:stCondLst>
+                                        </p:cTn>
+                                        <p:tgtEl>
                                           <p:spTgt spid="6"/>
                                         </p:tgtEl>
                                         <p:attrNameLst>
@@ -25094,7 +25218,7 @@
                                     </p:set>
                                     <p:anim calcmode="lin" valueType="num">
                                       <p:cBhvr additive="base">
-                                        <p:cTn id="18" dur="500" fill="hold"/>
+                                        <p:cTn id="23" dur="500" fill="hold"/>
                                         <p:tgtEl>
                                           <p:spTgt spid="6"/>
                                         </p:tgtEl>
@@ -25117,7 +25241,7 @@
                                     </p:anim>
                                     <p:anim calcmode="lin" valueType="num">
                                       <p:cBhvr additive="base">
-                                        <p:cTn id="19" dur="500" fill="hold"/>
+                                        <p:cTn id="24" dur="500" fill="hold"/>
                                         <p:tgtEl>
                                           <p:spTgt spid="6"/>
                                         </p:tgtEl>
@@ -25170,6 +25294,7 @@
     </p:tnLst>
     <p:bldLst>
       <p:bldP spid="6" grpId="0"/>
+      <p:bldP spid="4" grpId="0"/>
     </p:bldLst>
   </p:timing>
 </p:sld>

--- a/课程PPT/07.JavaScript面向对象编程 一.pptx
+++ b/课程PPT/07.JavaScript面向对象编程 一.pptx
@@ -8140,7 +8140,7 @@
         </p:blipFill>
         <p:spPr>
           <a:xfrm>
-            <a:off x="1109980" y="2603500"/>
+            <a:off x="1109980" y="2531745"/>
             <a:ext cx="9971405" cy="3085465"/>
           </a:xfrm>
           <a:prstGeom prst="rect">
@@ -8156,8 +8156,8 @@
         </p:nvSpPr>
         <p:spPr>
           <a:xfrm>
-            <a:off x="5692775" y="2505710"/>
-            <a:ext cx="5986780" cy="1445260"/>
+            <a:off x="4817110" y="2505710"/>
+            <a:ext cx="7332980" cy="1322070"/>
           </a:xfrm>
           <a:prstGeom prst="rect">
             <a:avLst/>
@@ -8171,7 +8171,7 @@
           <a:p>
             <a:pPr algn="l"/>
             <a:r>
-              <a:rPr lang="zh-CN" altLang="en-US" sz="2200">
+              <a:rPr lang="zh-CN" altLang="en-US" sz="2000">
                 <a:solidFill>
                   <a:srgbClr val="FF0000"/>
                 </a:solidFill>
@@ -8181,7 +8181,7 @@
               <a:t>思考：</a:t>
             </a:r>
             <a:r>
-              <a:rPr lang="en-US" sz="2200">
+              <a:rPr lang="en-US" sz="2000">
                 <a:solidFill>
                   <a:schemeClr val="tx1"/>
                 </a:solidFill>
@@ -8191,7 +8191,7 @@
               <a:t>name</a:t>
             </a:r>
             <a:r>
-              <a:rPr lang="zh-CN" altLang="en-US" sz="2200">
+              <a:rPr lang="zh-CN" altLang="en-US" sz="2000">
                 <a:solidFill>
                   <a:schemeClr val="tx1"/>
                 </a:solidFill>
@@ -8201,7 +8201,7 @@
               <a:t>属性是添加到</a:t>
             </a:r>
             <a:r>
-              <a:rPr lang="en-US" altLang="zh-CN" sz="2200">
+              <a:rPr lang="en-US" altLang="zh-CN" sz="2000">
                 <a:solidFill>
                   <a:schemeClr val="tx1"/>
                 </a:solidFill>
@@ -8211,7 +8211,7 @@
               <a:t>Person.prototype</a:t>
             </a:r>
             <a:r>
-              <a:rPr lang="zh-CN" altLang="en-US" sz="2200">
+              <a:rPr lang="zh-CN" altLang="en-US" sz="2000">
                 <a:solidFill>
                   <a:schemeClr val="tx1"/>
                 </a:solidFill>
@@ -8221,7 +8221,7 @@
               <a:t>上了，还是添加到</a:t>
             </a:r>
             <a:r>
-              <a:rPr lang="en-US" altLang="zh-CN" sz="2200">
+              <a:rPr lang="en-US" altLang="zh-CN" sz="2000">
                 <a:solidFill>
                   <a:schemeClr val="tx1"/>
                 </a:solidFill>
@@ -8231,7 +8231,7 @@
               <a:t>p1</a:t>
             </a:r>
             <a:r>
-              <a:rPr lang="zh-CN" altLang="en-US" sz="2200">
+              <a:rPr lang="zh-CN" altLang="en-US" sz="2000">
                 <a:solidFill>
                   <a:schemeClr val="tx1"/>
                 </a:solidFill>
@@ -8240,7 +8240,7 @@
               </a:rPr>
               <a:t>上了？</a:t>
             </a:r>
-            <a:endParaRPr lang="zh-CN" altLang="en-US" sz="2200">
+            <a:endParaRPr lang="zh-CN" altLang="en-US" sz="2000">
               <a:solidFill>
                 <a:schemeClr val="tx1"/>
               </a:solidFill>
@@ -8251,17 +8251,17 @@
           <a:p>
             <a:pPr algn="l"/>
             <a:r>
-              <a:rPr lang="zh-CN" altLang="en-US" sz="2200">
+              <a:rPr lang="zh-CN" altLang="en-US" sz="2000">
                 <a:solidFill>
                   <a:srgbClr val="FF0000"/>
                 </a:solidFill>
                 <a:latin typeface="+mn-ea"/>
                 <a:ea typeface="+mn-ea"/>
               </a:rPr>
-              <a:t>推荐写法：</a:t>
-            </a:r>
-            <a:r>
-              <a:rPr lang="zh-CN" altLang="en-US" sz="2200">
+              <a:t>不存在私有属性时：可</a:t>
+            </a:r>
+            <a:r>
+              <a:rPr lang="zh-CN" altLang="en-US" sz="2000">
                 <a:solidFill>
                   <a:schemeClr val="tx1"/>
                 </a:solidFill>
@@ -8271,7 +8271,7 @@
               <a:t>将</a:t>
             </a:r>
             <a:r>
-              <a:rPr lang="zh-CN" altLang="en-US" sz="2200">
+              <a:rPr lang="zh-CN" altLang="en-US" sz="2000">
                 <a:solidFill>
                   <a:schemeClr val="accent3"/>
                 </a:solidFill>
@@ -8281,7 +8281,7 @@
               <a:t>属性</a:t>
             </a:r>
             <a:r>
-              <a:rPr lang="zh-CN" altLang="en-US" sz="2200">
+              <a:rPr lang="zh-CN" altLang="en-US" sz="2000">
                 <a:solidFill>
                   <a:schemeClr val="tx1"/>
                 </a:solidFill>
@@ -8291,7 +8291,7 @@
               <a:t>写在构造函数中，将</a:t>
             </a:r>
             <a:r>
-              <a:rPr lang="zh-CN" altLang="en-US" sz="2200">
+              <a:rPr lang="zh-CN" altLang="en-US" sz="2000">
                 <a:solidFill>
                   <a:schemeClr val="accent3"/>
                 </a:solidFill>
@@ -8301,17 +8301,17 @@
               <a:t>方法</a:t>
             </a:r>
             <a:r>
-              <a:rPr lang="zh-CN" altLang="en-US" sz="2200">
+              <a:rPr lang="zh-CN" altLang="en-US" sz="2000">
                 <a:solidFill>
                   <a:schemeClr val="tx1"/>
                 </a:solidFill>
                 <a:latin typeface="+mn-ea"/>
                 <a:ea typeface="+mn-ea"/>
               </a:rPr>
-              <a:t>添加到对象的原型上（即构造函数的</a:t>
-            </a:r>
-            <a:r>
-              <a:rPr lang="en-US" altLang="zh-CN" sz="2200">
+              <a:t>添加到构造函数的</a:t>
+            </a:r>
+            <a:r>
+              <a:rPr lang="en-US" altLang="zh-CN" sz="2000">
                 <a:solidFill>
                   <a:schemeClr val="tx1"/>
                 </a:solidFill>
@@ -8321,16 +8321,16 @@
               <a:t>prototype</a:t>
             </a:r>
             <a:r>
-              <a:rPr lang="zh-CN" altLang="en-US" sz="2200">
+              <a:rPr lang="zh-CN" altLang="en-US" sz="2000">
                 <a:solidFill>
                   <a:schemeClr val="tx1"/>
                 </a:solidFill>
                 <a:latin typeface="+mn-ea"/>
                 <a:ea typeface="+mn-ea"/>
               </a:rPr>
-              <a:t>）</a:t>
-            </a:r>
-            <a:endParaRPr lang="zh-CN" altLang="en-US" sz="2200">
+              <a:t>属性上，实现方法共享</a:t>
+            </a:r>
+            <a:endParaRPr lang="zh-CN" altLang="en-US" sz="2000">
               <a:solidFill>
                 <a:schemeClr val="tx1"/>
               </a:solidFill>
